--- a/obras/obras-devtools.pptx
+++ b/obras/obras-devtools.pptx
@@ -4,6 +4,9 @@
   <p:sldMasterIdLst>
     <p:sldMasterId id="2147483648" r:id="rId1"/>
   </p:sldMasterIdLst>
+  <p:notesMasterIdLst>
+    <p:notesMasterId r:id="rId48"/>
+  </p:notesMasterIdLst>
   <p:sldIdLst>
     <p:sldId id="256" r:id="rId2"/>
     <p:sldId id="269" r:id="rId3"/>
@@ -27,17 +30,30 @@
     <p:sldId id="262" r:id="rId21"/>
     <p:sldId id="299" r:id="rId22"/>
     <p:sldId id="298" r:id="rId23"/>
-    <p:sldId id="288" r:id="rId24"/>
-    <p:sldId id="263" r:id="rId25"/>
-    <p:sldId id="289" r:id="rId26"/>
-    <p:sldId id="300" r:id="rId27"/>
-    <p:sldId id="290" r:id="rId28"/>
-    <p:sldId id="280" r:id="rId29"/>
-    <p:sldId id="281" r:id="rId30"/>
-    <p:sldId id="294" r:id="rId31"/>
-    <p:sldId id="295" r:id="rId32"/>
-    <p:sldId id="296" r:id="rId33"/>
-    <p:sldId id="297" r:id="rId34"/>
+    <p:sldId id="307" r:id="rId24"/>
+    <p:sldId id="288" r:id="rId25"/>
+    <p:sldId id="263" r:id="rId26"/>
+    <p:sldId id="304" r:id="rId27"/>
+    <p:sldId id="289" r:id="rId28"/>
+    <p:sldId id="300" r:id="rId29"/>
+    <p:sldId id="305" r:id="rId30"/>
+    <p:sldId id="290" r:id="rId31"/>
+    <p:sldId id="280" r:id="rId32"/>
+    <p:sldId id="281" r:id="rId33"/>
+    <p:sldId id="294" r:id="rId34"/>
+    <p:sldId id="295" r:id="rId35"/>
+    <p:sldId id="310" r:id="rId36"/>
+    <p:sldId id="306" r:id="rId37"/>
+    <p:sldId id="308" r:id="rId38"/>
+    <p:sldId id="311" r:id="rId39"/>
+    <p:sldId id="313" r:id="rId40"/>
+    <p:sldId id="314" r:id="rId41"/>
+    <p:sldId id="315" r:id="rId42"/>
+    <p:sldId id="316" r:id="rId43"/>
+    <p:sldId id="309" r:id="rId44"/>
+    <p:sldId id="312" r:id="rId45"/>
+    <p:sldId id="296" r:id="rId46"/>
+    <p:sldId id="297" r:id="rId47"/>
   </p:sldIdLst>
   <p:sldSz cx="12192000" cy="6858000"/>
   <p:notesSz cx="6858000" cy="9144000"/>
@@ -136,7 +152,529 @@
       </a:defRPr>
     </a:lvl9pPr>
   </p:defaultTextStyle>
+  <p:extLst>
+    <p:ext uri="{EFAFB233-063F-42B5-8137-9DF3F51BA10A}">
+      <p15:sldGuideLst xmlns:p15="http://schemas.microsoft.com/office/powerpoint/2012/main"/>
+    </p:ext>
+  </p:extLst>
 </p:presentation>
+</file>
+
+<file path=ppt/notesMasters/notesMaster1.xml><?xml version="1.0" encoding="utf-8"?>
+<p:notesMaster xmlns:a="http://schemas.openxmlformats.org/drawingml/2006/main" xmlns:r="http://schemas.openxmlformats.org/officeDocument/2006/relationships" xmlns:p="http://schemas.openxmlformats.org/presentationml/2006/main">
+  <p:cSld>
+    <p:bg>
+      <p:bgRef idx="1001">
+        <a:schemeClr val="bg1"/>
+      </p:bgRef>
+    </p:bg>
+    <p:spTree>
+      <p:nvGrpSpPr>
+        <p:cNvPr id="1" name=""/>
+        <p:cNvGrpSpPr/>
+        <p:nvPr/>
+      </p:nvGrpSpPr>
+      <p:grpSpPr>
+        <a:xfrm>
+          <a:off x="0" y="0"/>
+          <a:ext cx="0" cy="0"/>
+          <a:chOff x="0" y="0"/>
+          <a:chExt cx="0" cy="0"/>
+        </a:xfrm>
+      </p:grpSpPr>
+      <p:sp>
+        <p:nvSpPr>
+          <p:cNvPr id="2" name="Espaço Reservado para Cabeçalho 1"/>
+          <p:cNvSpPr>
+            <a:spLocks noGrp="1"/>
+          </p:cNvSpPr>
+          <p:nvPr>
+            <p:ph type="hdr" sz="quarter"/>
+          </p:nvPr>
+        </p:nvSpPr>
+        <p:spPr>
+          <a:xfrm>
+            <a:off x="0" y="0"/>
+            <a:ext cx="2971800" cy="458788"/>
+          </a:xfrm>
+          <a:prstGeom prst="rect">
+            <a:avLst/>
+          </a:prstGeom>
+        </p:spPr>
+        <p:txBody>
+          <a:bodyPr vert="horz" lIns="91440" tIns="45720" rIns="91440" bIns="45720" rtlCol="0"/>
+          <a:lstStyle>
+            <a:lvl1pPr algn="l">
+              <a:defRPr sz="1200"/>
+            </a:lvl1pPr>
+          </a:lstStyle>
+          <a:p>
+            <a:endParaRPr lang="pt-BR"/>
+          </a:p>
+        </p:txBody>
+      </p:sp>
+      <p:sp>
+        <p:nvSpPr>
+          <p:cNvPr id="3" name="Espaço Reservado para Data 2"/>
+          <p:cNvSpPr>
+            <a:spLocks noGrp="1"/>
+          </p:cNvSpPr>
+          <p:nvPr>
+            <p:ph type="dt" idx="1"/>
+          </p:nvPr>
+        </p:nvSpPr>
+        <p:spPr>
+          <a:xfrm>
+            <a:off x="3884613" y="0"/>
+            <a:ext cx="2971800" cy="458788"/>
+          </a:xfrm>
+          <a:prstGeom prst="rect">
+            <a:avLst/>
+          </a:prstGeom>
+        </p:spPr>
+        <p:txBody>
+          <a:bodyPr vert="horz" lIns="91440" tIns="45720" rIns="91440" bIns="45720" rtlCol="0"/>
+          <a:lstStyle>
+            <a:lvl1pPr algn="r">
+              <a:defRPr sz="1200"/>
+            </a:lvl1pPr>
+          </a:lstStyle>
+          <a:p>
+            <a:fld id="{4A01E522-B6AE-4AAA-A541-618336FF71BD}" type="datetimeFigureOut">
+              <a:rPr lang="pt-BR" smtClean="0"/>
+              <a:t>04/06/2021</a:t>
+            </a:fld>
+            <a:endParaRPr lang="pt-BR"/>
+          </a:p>
+        </p:txBody>
+      </p:sp>
+      <p:sp>
+        <p:nvSpPr>
+          <p:cNvPr id="4" name="Espaço Reservado para Imagem de Slide 3"/>
+          <p:cNvSpPr>
+            <a:spLocks noGrp="1" noRot="1" noChangeAspect="1"/>
+          </p:cNvSpPr>
+          <p:nvPr>
+            <p:ph type="sldImg" idx="2"/>
+          </p:nvPr>
+        </p:nvSpPr>
+        <p:spPr>
+          <a:xfrm>
+            <a:off x="685800" y="1143000"/>
+            <a:ext cx="5486400" cy="3086100"/>
+          </a:xfrm>
+          <a:prstGeom prst="rect">
+            <a:avLst/>
+          </a:prstGeom>
+          <a:noFill/>
+          <a:ln w="12700">
+            <a:solidFill>
+              <a:prstClr val="black"/>
+            </a:solidFill>
+          </a:ln>
+        </p:spPr>
+        <p:txBody>
+          <a:bodyPr vert="horz" lIns="91440" tIns="45720" rIns="91440" bIns="45720" rtlCol="0" anchor="ctr"/>
+          <a:lstStyle/>
+          <a:p>
+            <a:endParaRPr lang="pt-BR"/>
+          </a:p>
+        </p:txBody>
+      </p:sp>
+      <p:sp>
+        <p:nvSpPr>
+          <p:cNvPr id="5" name="Espaço Reservado para Anotações 4"/>
+          <p:cNvSpPr>
+            <a:spLocks noGrp="1"/>
+          </p:cNvSpPr>
+          <p:nvPr>
+            <p:ph type="body" sz="quarter" idx="3"/>
+          </p:nvPr>
+        </p:nvSpPr>
+        <p:spPr>
+          <a:xfrm>
+            <a:off x="685800" y="4400550"/>
+            <a:ext cx="5486400" cy="3600450"/>
+          </a:xfrm>
+          <a:prstGeom prst="rect">
+            <a:avLst/>
+          </a:prstGeom>
+        </p:spPr>
+        <p:txBody>
+          <a:bodyPr vert="horz" lIns="91440" tIns="45720" rIns="91440" bIns="45720" rtlCol="0"/>
+          <a:lstStyle/>
+          <a:p>
+            <a:pPr lvl="0"/>
+            <a:r>
+              <a:rPr lang="pt-BR"/>
+              <a:t>Clique para editar os estilos de texto Mestres</a:t>
+            </a:r>
+          </a:p>
+          <a:p>
+            <a:pPr lvl="1"/>
+            <a:r>
+              <a:rPr lang="pt-BR"/>
+              <a:t>Segundo nível</a:t>
+            </a:r>
+          </a:p>
+          <a:p>
+            <a:pPr lvl="2"/>
+            <a:r>
+              <a:rPr lang="pt-BR"/>
+              <a:t>Terceiro nível</a:t>
+            </a:r>
+          </a:p>
+          <a:p>
+            <a:pPr lvl="3"/>
+            <a:r>
+              <a:rPr lang="pt-BR"/>
+              <a:t>Quarto nível</a:t>
+            </a:r>
+          </a:p>
+          <a:p>
+            <a:pPr lvl="4"/>
+            <a:r>
+              <a:rPr lang="pt-BR"/>
+              <a:t>Quinto nível</a:t>
+            </a:r>
+          </a:p>
+        </p:txBody>
+      </p:sp>
+      <p:sp>
+        <p:nvSpPr>
+          <p:cNvPr id="6" name="Espaço Reservado para Rodapé 5"/>
+          <p:cNvSpPr>
+            <a:spLocks noGrp="1"/>
+          </p:cNvSpPr>
+          <p:nvPr>
+            <p:ph type="ftr" sz="quarter" idx="4"/>
+          </p:nvPr>
+        </p:nvSpPr>
+        <p:spPr>
+          <a:xfrm>
+            <a:off x="0" y="8685213"/>
+            <a:ext cx="2971800" cy="458787"/>
+          </a:xfrm>
+          <a:prstGeom prst="rect">
+            <a:avLst/>
+          </a:prstGeom>
+        </p:spPr>
+        <p:txBody>
+          <a:bodyPr vert="horz" lIns="91440" tIns="45720" rIns="91440" bIns="45720" rtlCol="0" anchor="b"/>
+          <a:lstStyle>
+            <a:lvl1pPr algn="l">
+              <a:defRPr sz="1200"/>
+            </a:lvl1pPr>
+          </a:lstStyle>
+          <a:p>
+            <a:endParaRPr lang="pt-BR"/>
+          </a:p>
+        </p:txBody>
+      </p:sp>
+      <p:sp>
+        <p:nvSpPr>
+          <p:cNvPr id="7" name="Espaço Reservado para Número de Slide 6"/>
+          <p:cNvSpPr>
+            <a:spLocks noGrp="1"/>
+          </p:cNvSpPr>
+          <p:nvPr>
+            <p:ph type="sldNum" sz="quarter" idx="5"/>
+          </p:nvPr>
+        </p:nvSpPr>
+        <p:spPr>
+          <a:xfrm>
+            <a:off x="3884613" y="8685213"/>
+            <a:ext cx="2971800" cy="458787"/>
+          </a:xfrm>
+          <a:prstGeom prst="rect">
+            <a:avLst/>
+          </a:prstGeom>
+        </p:spPr>
+        <p:txBody>
+          <a:bodyPr vert="horz" lIns="91440" tIns="45720" rIns="91440" bIns="45720" rtlCol="0" anchor="b"/>
+          <a:lstStyle>
+            <a:lvl1pPr algn="r">
+              <a:defRPr sz="1200"/>
+            </a:lvl1pPr>
+          </a:lstStyle>
+          <a:p>
+            <a:fld id="{E0A443AD-DFAD-4E1D-BCCD-C3C5CA1AD359}" type="slidenum">
+              <a:rPr lang="pt-BR" smtClean="0"/>
+              <a:t>‹nº›</a:t>
+            </a:fld>
+            <a:endParaRPr lang="pt-BR"/>
+          </a:p>
+        </p:txBody>
+      </p:sp>
+    </p:spTree>
+    <p:extLst>
+      <p:ext uri="{BB962C8B-B14F-4D97-AF65-F5344CB8AC3E}">
+        <p14:creationId xmlns:p14="http://schemas.microsoft.com/office/powerpoint/2010/main" val="407878121"/>
+      </p:ext>
+    </p:extLst>
+  </p:cSld>
+  <p:clrMap bg1="lt1" tx1="dk1" bg2="lt2" tx2="dk2" accent1="accent1" accent2="accent2" accent3="accent3" accent4="accent4" accent5="accent5" accent6="accent6" hlink="hlink" folHlink="folHlink"/>
+  <p:notesStyle>
+    <a:lvl1pPr marL="0" algn="l" defTabSz="914400" rtl="0" eaLnBrk="1" latinLnBrk="0" hangingPunct="1">
+      <a:defRPr sz="1200" kern="1200">
+        <a:solidFill>
+          <a:schemeClr val="tx1"/>
+        </a:solidFill>
+        <a:latin typeface="+mn-lt"/>
+        <a:ea typeface="+mn-ea"/>
+        <a:cs typeface="+mn-cs"/>
+      </a:defRPr>
+    </a:lvl1pPr>
+    <a:lvl2pPr marL="457200" algn="l" defTabSz="914400" rtl="0" eaLnBrk="1" latinLnBrk="0" hangingPunct="1">
+      <a:defRPr sz="1200" kern="1200">
+        <a:solidFill>
+          <a:schemeClr val="tx1"/>
+        </a:solidFill>
+        <a:latin typeface="+mn-lt"/>
+        <a:ea typeface="+mn-ea"/>
+        <a:cs typeface="+mn-cs"/>
+      </a:defRPr>
+    </a:lvl2pPr>
+    <a:lvl3pPr marL="914400" algn="l" defTabSz="914400" rtl="0" eaLnBrk="1" latinLnBrk="0" hangingPunct="1">
+      <a:defRPr sz="1200" kern="1200">
+        <a:solidFill>
+          <a:schemeClr val="tx1"/>
+        </a:solidFill>
+        <a:latin typeface="+mn-lt"/>
+        <a:ea typeface="+mn-ea"/>
+        <a:cs typeface="+mn-cs"/>
+      </a:defRPr>
+    </a:lvl3pPr>
+    <a:lvl4pPr marL="1371600" algn="l" defTabSz="914400" rtl="0" eaLnBrk="1" latinLnBrk="0" hangingPunct="1">
+      <a:defRPr sz="1200" kern="1200">
+        <a:solidFill>
+          <a:schemeClr val="tx1"/>
+        </a:solidFill>
+        <a:latin typeface="+mn-lt"/>
+        <a:ea typeface="+mn-ea"/>
+        <a:cs typeface="+mn-cs"/>
+      </a:defRPr>
+    </a:lvl4pPr>
+    <a:lvl5pPr marL="1828800" algn="l" defTabSz="914400" rtl="0" eaLnBrk="1" latinLnBrk="0" hangingPunct="1">
+      <a:defRPr sz="1200" kern="1200">
+        <a:solidFill>
+          <a:schemeClr val="tx1"/>
+        </a:solidFill>
+        <a:latin typeface="+mn-lt"/>
+        <a:ea typeface="+mn-ea"/>
+        <a:cs typeface="+mn-cs"/>
+      </a:defRPr>
+    </a:lvl5pPr>
+    <a:lvl6pPr marL="2286000" algn="l" defTabSz="914400" rtl="0" eaLnBrk="1" latinLnBrk="0" hangingPunct="1">
+      <a:defRPr sz="1200" kern="1200">
+        <a:solidFill>
+          <a:schemeClr val="tx1"/>
+        </a:solidFill>
+        <a:latin typeface="+mn-lt"/>
+        <a:ea typeface="+mn-ea"/>
+        <a:cs typeface="+mn-cs"/>
+      </a:defRPr>
+    </a:lvl6pPr>
+    <a:lvl7pPr marL="2743200" algn="l" defTabSz="914400" rtl="0" eaLnBrk="1" latinLnBrk="0" hangingPunct="1">
+      <a:defRPr sz="1200" kern="1200">
+        <a:solidFill>
+          <a:schemeClr val="tx1"/>
+        </a:solidFill>
+        <a:latin typeface="+mn-lt"/>
+        <a:ea typeface="+mn-ea"/>
+        <a:cs typeface="+mn-cs"/>
+      </a:defRPr>
+    </a:lvl7pPr>
+    <a:lvl8pPr marL="3200400" algn="l" defTabSz="914400" rtl="0" eaLnBrk="1" latinLnBrk="0" hangingPunct="1">
+      <a:defRPr sz="1200" kern="1200">
+        <a:solidFill>
+          <a:schemeClr val="tx1"/>
+        </a:solidFill>
+        <a:latin typeface="+mn-lt"/>
+        <a:ea typeface="+mn-ea"/>
+        <a:cs typeface="+mn-cs"/>
+      </a:defRPr>
+    </a:lvl8pPr>
+    <a:lvl9pPr marL="3657600" algn="l" defTabSz="914400" rtl="0" eaLnBrk="1" latinLnBrk="0" hangingPunct="1">
+      <a:defRPr sz="1200" kern="1200">
+        <a:solidFill>
+          <a:schemeClr val="tx1"/>
+        </a:solidFill>
+        <a:latin typeface="+mn-lt"/>
+        <a:ea typeface="+mn-ea"/>
+        <a:cs typeface="+mn-cs"/>
+      </a:defRPr>
+    </a:lvl9pPr>
+  </p:notesStyle>
+</p:notesMaster>
+</file>
+
+<file path=ppt/notesSlides/notesSlide1.xml><?xml version="1.0" encoding="utf-8"?>
+<p:notes xmlns:a="http://schemas.openxmlformats.org/drawingml/2006/main" xmlns:r="http://schemas.openxmlformats.org/officeDocument/2006/relationships" xmlns:p="http://schemas.openxmlformats.org/presentationml/2006/main">
+  <p:cSld>
+    <p:spTree>
+      <p:nvGrpSpPr>
+        <p:cNvPr id="1" name=""/>
+        <p:cNvGrpSpPr/>
+        <p:nvPr/>
+      </p:nvGrpSpPr>
+      <p:grpSpPr>
+        <a:xfrm>
+          <a:off x="0" y="0"/>
+          <a:ext cx="0" cy="0"/>
+          <a:chOff x="0" y="0"/>
+          <a:chExt cx="0" cy="0"/>
+        </a:xfrm>
+      </p:grpSpPr>
+      <p:sp>
+        <p:nvSpPr>
+          <p:cNvPr id="2" name="Espaço Reservado para Imagem de Slide 1"/>
+          <p:cNvSpPr>
+            <a:spLocks noGrp="1" noRot="1" noChangeAspect="1"/>
+          </p:cNvSpPr>
+          <p:nvPr>
+            <p:ph type="sldImg"/>
+          </p:nvPr>
+        </p:nvSpPr>
+        <p:spPr/>
+      </p:sp>
+      <p:sp>
+        <p:nvSpPr>
+          <p:cNvPr id="3" name="Espaço Reservado para Anotações 2"/>
+          <p:cNvSpPr>
+            <a:spLocks noGrp="1"/>
+          </p:cNvSpPr>
+          <p:nvPr>
+            <p:ph type="body" idx="1"/>
+          </p:nvPr>
+        </p:nvSpPr>
+        <p:spPr/>
+        <p:txBody>
+          <a:bodyPr/>
+          <a:lstStyle/>
+          <a:p>
+            <a:endParaRPr lang="pt-BR" dirty="0"/>
+          </a:p>
+        </p:txBody>
+      </p:sp>
+      <p:sp>
+        <p:nvSpPr>
+          <p:cNvPr id="4" name="Espaço Reservado para Número de Slide 3"/>
+          <p:cNvSpPr>
+            <a:spLocks noGrp="1"/>
+          </p:cNvSpPr>
+          <p:nvPr>
+            <p:ph type="sldNum" sz="quarter" idx="5"/>
+          </p:nvPr>
+        </p:nvSpPr>
+        <p:spPr/>
+        <p:txBody>
+          <a:bodyPr/>
+          <a:lstStyle/>
+          <a:p>
+            <a:fld id="{E0A443AD-DFAD-4E1D-BCCD-C3C5CA1AD359}" type="slidenum">
+              <a:rPr lang="pt-BR" smtClean="0"/>
+              <a:t>39</a:t>
+            </a:fld>
+            <a:endParaRPr lang="pt-BR"/>
+          </a:p>
+        </p:txBody>
+      </p:sp>
+    </p:spTree>
+    <p:extLst>
+      <p:ext uri="{BB962C8B-B14F-4D97-AF65-F5344CB8AC3E}">
+        <p14:creationId xmlns:p14="http://schemas.microsoft.com/office/powerpoint/2010/main" val="167713040"/>
+      </p:ext>
+    </p:extLst>
+  </p:cSld>
+  <p:clrMapOvr>
+    <a:masterClrMapping/>
+  </p:clrMapOvr>
+</p:notes>
+</file>
+
+<file path=ppt/notesSlides/notesSlide2.xml><?xml version="1.0" encoding="utf-8"?>
+<p:notes xmlns:a="http://schemas.openxmlformats.org/drawingml/2006/main" xmlns:r="http://schemas.openxmlformats.org/officeDocument/2006/relationships" xmlns:p="http://schemas.openxmlformats.org/presentationml/2006/main">
+  <p:cSld>
+    <p:spTree>
+      <p:nvGrpSpPr>
+        <p:cNvPr id="1" name=""/>
+        <p:cNvGrpSpPr/>
+        <p:nvPr/>
+      </p:nvGrpSpPr>
+      <p:grpSpPr>
+        <a:xfrm>
+          <a:off x="0" y="0"/>
+          <a:ext cx="0" cy="0"/>
+          <a:chOff x="0" y="0"/>
+          <a:chExt cx="0" cy="0"/>
+        </a:xfrm>
+      </p:grpSpPr>
+      <p:sp>
+        <p:nvSpPr>
+          <p:cNvPr id="2" name="Espaço Reservado para Imagem de Slide 1"/>
+          <p:cNvSpPr>
+            <a:spLocks noGrp="1" noRot="1" noChangeAspect="1"/>
+          </p:cNvSpPr>
+          <p:nvPr>
+            <p:ph type="sldImg"/>
+          </p:nvPr>
+        </p:nvSpPr>
+        <p:spPr/>
+      </p:sp>
+      <p:sp>
+        <p:nvSpPr>
+          <p:cNvPr id="3" name="Espaço Reservado para Anotações 2"/>
+          <p:cNvSpPr>
+            <a:spLocks noGrp="1"/>
+          </p:cNvSpPr>
+          <p:nvPr>
+            <p:ph type="body" idx="1"/>
+          </p:nvPr>
+        </p:nvSpPr>
+        <p:spPr/>
+        <p:txBody>
+          <a:bodyPr/>
+          <a:lstStyle/>
+          <a:p>
+            <a:endParaRPr lang="pt-BR" dirty="0"/>
+          </a:p>
+        </p:txBody>
+      </p:sp>
+      <p:sp>
+        <p:nvSpPr>
+          <p:cNvPr id="4" name="Espaço Reservado para Número de Slide 3"/>
+          <p:cNvSpPr>
+            <a:spLocks noGrp="1"/>
+          </p:cNvSpPr>
+          <p:nvPr>
+            <p:ph type="sldNum" sz="quarter" idx="5"/>
+          </p:nvPr>
+        </p:nvSpPr>
+        <p:spPr/>
+        <p:txBody>
+          <a:bodyPr/>
+          <a:lstStyle/>
+          <a:p>
+            <a:fld id="{E0A443AD-DFAD-4E1D-BCCD-C3C5CA1AD359}" type="slidenum">
+              <a:rPr lang="pt-BR" smtClean="0"/>
+              <a:t>41</a:t>
+            </a:fld>
+            <a:endParaRPr lang="pt-BR"/>
+          </a:p>
+        </p:txBody>
+      </p:sp>
+    </p:spTree>
+    <p:extLst>
+      <p:ext uri="{BB962C8B-B14F-4D97-AF65-F5344CB8AC3E}">
+        <p14:creationId xmlns:p14="http://schemas.microsoft.com/office/powerpoint/2010/main" val="2120893447"/>
+      </p:ext>
+    </p:extLst>
+  </p:cSld>
+  <p:clrMapOvr>
+    <a:masterClrMapping/>
+  </p:clrMapOvr>
+</p:notes>
 </file>
 
 <file path=ppt/slideLayouts/slideLayout1.xml><?xml version="1.0" encoding="utf-8"?>
@@ -286,7 +824,7 @@
           <a:p>
             <a:fld id="{387CBCED-EFBF-4494-BBB2-BE10A88FAE89}" type="datetimeFigureOut">
               <a:rPr lang="pt-BR" smtClean="0"/>
-              <a:t>02/06/2021</a:t>
+              <a:t>04/06/2021</a:t>
             </a:fld>
             <a:endParaRPr lang="pt-BR"/>
           </a:p>
@@ -510,7 +1048,7 @@
           <a:p>
             <a:fld id="{387CBCED-EFBF-4494-BBB2-BE10A88FAE89}" type="datetimeFigureOut">
               <a:rPr lang="pt-BR" smtClean="0"/>
-              <a:t>02/06/2021</a:t>
+              <a:t>04/06/2021</a:t>
             </a:fld>
             <a:endParaRPr lang="pt-BR"/>
           </a:p>
@@ -797,7 +1335,7 @@
           <a:p>
             <a:fld id="{387CBCED-EFBF-4494-BBB2-BE10A88FAE89}" type="datetimeFigureOut">
               <a:rPr lang="pt-BR" smtClean="0"/>
-              <a:t>02/06/2021</a:t>
+              <a:t>04/06/2021</a:t>
             </a:fld>
             <a:endParaRPr lang="pt-BR"/>
           </a:p>
@@ -1079,7 +1617,7 @@
           <a:p>
             <a:fld id="{387CBCED-EFBF-4494-BBB2-BE10A88FAE89}" type="datetimeFigureOut">
               <a:rPr lang="pt-BR" smtClean="0"/>
-              <a:t>02/06/2021</a:t>
+              <a:t>04/06/2021</a:t>
             </a:fld>
             <a:endParaRPr lang="pt-BR"/>
           </a:p>
@@ -1409,7 +1947,7 @@
           <a:p>
             <a:fld id="{387CBCED-EFBF-4494-BBB2-BE10A88FAE89}" type="datetimeFigureOut">
               <a:rPr lang="pt-BR" smtClean="0"/>
-              <a:t>02/06/2021</a:t>
+              <a:t>04/06/2021</a:t>
             </a:fld>
             <a:endParaRPr lang="pt-BR"/>
           </a:p>
@@ -1732,7 +2270,7 @@
           <a:p>
             <a:fld id="{387CBCED-EFBF-4494-BBB2-BE10A88FAE89}" type="datetimeFigureOut">
               <a:rPr lang="pt-BR" smtClean="0"/>
-              <a:t>02/06/2021</a:t>
+              <a:t>04/06/2021</a:t>
             </a:fld>
             <a:endParaRPr lang="pt-BR"/>
           </a:p>
@@ -2190,7 +2728,7 @@
           <a:p>
             <a:fld id="{387CBCED-EFBF-4494-BBB2-BE10A88FAE89}" type="datetimeFigureOut">
               <a:rPr lang="pt-BR" smtClean="0"/>
-              <a:t>02/06/2021</a:t>
+              <a:t>04/06/2021</a:t>
             </a:fld>
             <a:endParaRPr lang="pt-BR" dirty="0"/>
           </a:p>
@@ -4172,54 +4710,54 @@
           <a:lstStyle/>
           <a:p>
             <a:r>
-              <a:rPr lang="pt-BR" sz="2400" b="1" dirty="0">
+              <a:rPr lang="pt-BR" sz="2000" b="1" dirty="0">
                 <a:latin typeface="Courier New" panose="02070309020205020404" pitchFamily="49" charset="0"/>
                 <a:cs typeface="Courier New" panose="02070309020205020404" pitchFamily="49" charset="0"/>
               </a:rPr>
               <a:t>$ </a:t>
             </a:r>
             <a:r>
-              <a:rPr lang="pt-BR" sz="2400" b="1" dirty="0" err="1">
+              <a:rPr lang="pt-BR" sz="2000" b="1" dirty="0" err="1">
                 <a:latin typeface="Courier New" panose="02070309020205020404" pitchFamily="49" charset="0"/>
                 <a:cs typeface="Courier New" panose="02070309020205020404" pitchFamily="49" charset="0"/>
               </a:rPr>
               <a:t>init_obras</a:t>
             </a:r>
             <a:br>
-              <a:rPr lang="pt-BR" sz="2400" b="1" dirty="0">
+              <a:rPr lang="pt-BR" sz="2000" b="1" dirty="0">
                 <a:latin typeface="Courier New" panose="02070309020205020404" pitchFamily="49" charset="0"/>
                 <a:cs typeface="Courier New" panose="02070309020205020404" pitchFamily="49" charset="0"/>
               </a:rPr>
             </a:br>
             <a:r>
-              <a:rPr lang="pt-BR" sz="2400" b="1" dirty="0">
+              <a:rPr lang="pt-BR" sz="2000" b="1" dirty="0">
                 <a:latin typeface="Courier New" panose="02070309020205020404" pitchFamily="49" charset="0"/>
                 <a:cs typeface="Courier New" panose="02070309020205020404" pitchFamily="49" charset="0"/>
               </a:rPr>
               <a:t>$ site </a:t>
             </a:r>
             <a:r>
-              <a:rPr lang="pt-BR" sz="2400" b="1" dirty="0" err="1">
+              <a:rPr lang="pt-BR" sz="2000" b="1" dirty="0" err="1">
                 <a:latin typeface="Courier New" panose="02070309020205020404" pitchFamily="49" charset="0"/>
                 <a:cs typeface="Courier New" panose="02070309020205020404" pitchFamily="49" charset="0"/>
               </a:rPr>
               <a:t>ls</a:t>
             </a:r>
             <a:br>
-              <a:rPr lang="pt-BR" sz="2400" b="1" dirty="0">
+              <a:rPr lang="pt-BR" sz="2000" b="1" dirty="0">
                 <a:latin typeface="Courier New" panose="02070309020205020404" pitchFamily="49" charset="0"/>
                 <a:cs typeface="Courier New" panose="02070309020205020404" pitchFamily="49" charset="0"/>
               </a:rPr>
             </a:br>
             <a:r>
-              <a:rPr lang="pt-BR" sz="2400" b="1" dirty="0">
+              <a:rPr lang="pt-BR" sz="2000" b="1" dirty="0">
                 <a:latin typeface="Courier New" panose="02070309020205020404" pitchFamily="49" charset="0"/>
                 <a:cs typeface="Courier New" panose="02070309020205020404" pitchFamily="49" charset="0"/>
               </a:rPr>
               <a:t>$ </a:t>
             </a:r>
             <a:r>
-              <a:rPr lang="pt-BR" sz="2400" b="1" dirty="0">
+              <a:rPr lang="pt-BR" sz="2000" b="1" dirty="0">
                 <a:solidFill>
                   <a:schemeClr val="tx1">
                     <a:lumMod val="50000"/>
@@ -4355,13 +4893,13 @@
           <a:lstStyle/>
           <a:p>
             <a:r>
-              <a:rPr lang="pt-BR" sz="2400" b="1" dirty="0">
+              <a:rPr lang="pt-BR" sz="2000" b="1" dirty="0">
                 <a:latin typeface="Courier New" panose="02070309020205020404" pitchFamily="49" charset="0"/>
                 <a:cs typeface="Courier New" panose="02070309020205020404" pitchFamily="49" charset="0"/>
               </a:rPr>
               <a:t>$ site</a:t>
             </a:r>
-            <a:endParaRPr lang="pt-BR" sz="2400" b="1" dirty="0">
+            <a:endParaRPr lang="pt-BR" sz="2000" b="1" dirty="0">
               <a:solidFill>
                 <a:schemeClr val="tx1">
                   <a:lumMod val="50000"/>
@@ -4639,93 +5177,93 @@
           <a:lstStyle/>
           <a:p>
             <a:r>
-              <a:rPr lang="pt-BR" b="1" dirty="0">
+              <a:rPr lang="pt-BR" sz="2000" b="1" dirty="0">
                 <a:latin typeface="Courier New" panose="02070309020205020404" pitchFamily="49" charset="0"/>
                 <a:cs typeface="Courier New" panose="02070309020205020404" pitchFamily="49" charset="0"/>
               </a:rPr>
               <a:t>$ </a:t>
             </a:r>
             <a:r>
-              <a:rPr lang="pt-BR" b="1" dirty="0" err="1">
+              <a:rPr lang="pt-BR" sz="2000" b="1" dirty="0" err="1">
                 <a:latin typeface="Courier New" panose="02070309020205020404" pitchFamily="49" charset="0"/>
                 <a:cs typeface="Courier New" panose="02070309020205020404" pitchFamily="49" charset="0"/>
               </a:rPr>
               <a:t>obras_utils</a:t>
             </a:r>
             <a:r>
-              <a:rPr lang="pt-BR" b="1" dirty="0">
+              <a:rPr lang="pt-BR" sz="2000" b="1" dirty="0">
                 <a:latin typeface="Courier New" panose="02070309020205020404" pitchFamily="49" charset="0"/>
                 <a:cs typeface="Courier New" panose="02070309020205020404" pitchFamily="49" charset="0"/>
               </a:rPr>
               <a:t> update</a:t>
             </a:r>
             <a:br>
-              <a:rPr lang="pt-BR" b="1" dirty="0">
+              <a:rPr lang="pt-BR" sz="2000" b="1" dirty="0">
                 <a:latin typeface="Courier New" panose="02070309020205020404" pitchFamily="49" charset="0"/>
                 <a:cs typeface="Courier New" panose="02070309020205020404" pitchFamily="49" charset="0"/>
               </a:rPr>
             </a:br>
             <a:r>
-              <a:rPr lang="pt-BR" b="1" dirty="0">
+              <a:rPr lang="pt-BR" sz="2000" b="1" dirty="0">
                 <a:latin typeface="Courier New" panose="02070309020205020404" pitchFamily="49" charset="0"/>
                 <a:cs typeface="Courier New" panose="02070309020205020404" pitchFamily="49" charset="0"/>
               </a:rPr>
               <a:t>:</a:t>
             </a:r>
             <a:br>
-              <a:rPr lang="pt-BR" b="1" dirty="0">
+              <a:rPr lang="pt-BR" sz="2000" b="1" dirty="0">
                 <a:latin typeface="Courier New" panose="02070309020205020404" pitchFamily="49" charset="0"/>
                 <a:cs typeface="Courier New" panose="02070309020205020404" pitchFamily="49" charset="0"/>
               </a:rPr>
             </a:br>
             <a:br>
-              <a:rPr lang="pt-BR" b="1" dirty="0">
+              <a:rPr lang="pt-BR" sz="2000" b="1" dirty="0">
                 <a:latin typeface="Courier New" panose="02070309020205020404" pitchFamily="49" charset="0"/>
                 <a:cs typeface="Courier New" panose="02070309020205020404" pitchFamily="49" charset="0"/>
               </a:rPr>
             </a:br>
             <a:r>
-              <a:rPr lang="pt-BR" b="1" dirty="0">
+              <a:rPr lang="pt-BR" sz="2000" b="1" dirty="0">
                 <a:latin typeface="Courier New" panose="02070309020205020404" pitchFamily="49" charset="0"/>
                 <a:cs typeface="Courier New" panose="02070309020205020404" pitchFamily="49" charset="0"/>
               </a:rPr>
               <a:t>$ </a:t>
             </a:r>
             <a:r>
-              <a:rPr lang="pt-BR" b="1" dirty="0" err="1">
+              <a:rPr lang="pt-BR" sz="2000" b="1" dirty="0" err="1">
                 <a:latin typeface="Courier New" panose="02070309020205020404" pitchFamily="49" charset="0"/>
                 <a:cs typeface="Courier New" panose="02070309020205020404" pitchFamily="49" charset="0"/>
               </a:rPr>
               <a:t>obras_utils</a:t>
             </a:r>
             <a:r>
-              <a:rPr lang="pt-BR" b="1" dirty="0">
+              <a:rPr lang="pt-BR" sz="2000" b="1" dirty="0">
                 <a:latin typeface="Courier New" panose="02070309020205020404" pitchFamily="49" charset="0"/>
                 <a:cs typeface="Courier New" panose="02070309020205020404" pitchFamily="49" charset="0"/>
               </a:rPr>
               <a:t> </a:t>
             </a:r>
             <a:r>
-              <a:rPr lang="pt-BR" b="1" dirty="0" err="1">
+              <a:rPr lang="pt-BR" sz="2000" b="1" dirty="0" err="1">
                 <a:latin typeface="Courier New" panose="02070309020205020404" pitchFamily="49" charset="0"/>
                 <a:cs typeface="Courier New" panose="02070309020205020404" pitchFamily="49" charset="0"/>
               </a:rPr>
               <a:t>update_deps</a:t>
             </a:r>
             <a:br>
-              <a:rPr lang="pt-BR" b="1" dirty="0">
+              <a:rPr lang="pt-BR" sz="2000" b="1" dirty="0">
                 <a:latin typeface="Courier New" panose="02070309020205020404" pitchFamily="49" charset="0"/>
                 <a:cs typeface="Courier New" panose="02070309020205020404" pitchFamily="49" charset="0"/>
               </a:rPr>
             </a:br>
             <a:r>
-              <a:rPr lang="pt-BR" b="1" dirty="0">
+              <a:rPr lang="pt-BR" sz="2000" b="1" dirty="0">
                 <a:latin typeface="Courier New" panose="02070309020205020404" pitchFamily="49" charset="0"/>
                 <a:cs typeface="Courier New" panose="02070309020205020404" pitchFamily="49" charset="0"/>
               </a:rPr>
               <a:t>:</a:t>
             </a:r>
-            <a:endParaRPr lang="pt-BR" dirty="0"/>
+            <a:endParaRPr lang="pt-BR" sz="2000" dirty="0"/>
           </a:p>
         </p:txBody>
       </p:sp>
@@ -5801,25 +6339,78 @@
           <a:lstStyle/>
           <a:p>
             <a:r>
-              <a:rPr lang="pt-BR" sz="2400" b="1" dirty="0">
+              <a:rPr lang="pt-BR" sz="2000" b="1" dirty="0">
                 <a:latin typeface="Courier New" panose="02070309020205020404" pitchFamily="49" charset="0"/>
                 <a:cs typeface="Courier New" panose="02070309020205020404" pitchFamily="49" charset="0"/>
               </a:rPr>
               <a:t>$ site </a:t>
             </a:r>
             <a:r>
-              <a:rPr lang="pt-BR" sz="2400" b="1" dirty="0" err="1">
+              <a:rPr lang="pt-BR" sz="2000" b="1" dirty="0" err="1">
                 <a:latin typeface="Courier New" panose="02070309020205020404" pitchFamily="49" charset="0"/>
                 <a:cs typeface="Courier New" panose="02070309020205020404" pitchFamily="49" charset="0"/>
               </a:rPr>
               <a:t>db</a:t>
             </a:r>
             <a:r>
-              <a:rPr lang="pt-BR" sz="2400" b="1" dirty="0">
+              <a:rPr lang="pt-BR" sz="2000" b="1" dirty="0">
                 <a:latin typeface="Courier New" panose="02070309020205020404" pitchFamily="49" charset="0"/>
                 <a:cs typeface="Courier New" panose="02070309020205020404" pitchFamily="49" charset="0"/>
               </a:rPr>
               <a:t> backups</a:t>
+            </a:r>
+            <a:br>
+              <a:rPr lang="pt-BR" sz="2000" b="1" dirty="0">
+                <a:latin typeface="Courier New" panose="02070309020205020404" pitchFamily="49" charset="0"/>
+                <a:cs typeface="Courier New" panose="02070309020205020404" pitchFamily="49" charset="0"/>
+              </a:rPr>
+            </a:br>
+            <a:r>
+              <a:rPr lang="pt-BR" sz="2000" b="1" dirty="0">
+                <a:latin typeface="Courier New" panose="02070309020205020404" pitchFamily="49" charset="0"/>
+                <a:cs typeface="Courier New" panose="02070309020205020404" pitchFamily="49" charset="0"/>
+              </a:rPr>
+              <a:t>:</a:t>
+            </a:r>
+            <a:br>
+              <a:rPr lang="pt-BR" sz="2000" b="1" dirty="0">
+                <a:latin typeface="Courier New" panose="02070309020205020404" pitchFamily="49" charset="0"/>
+                <a:cs typeface="Courier New" panose="02070309020205020404" pitchFamily="49" charset="0"/>
+              </a:rPr>
+            </a:br>
+            <a:r>
+              <a:rPr lang="pt-BR" sz="2000" b="1" dirty="0">
+                <a:latin typeface="Courier New" panose="02070309020205020404" pitchFamily="49" charset="0"/>
+                <a:cs typeface="Courier New" panose="02070309020205020404" pitchFamily="49" charset="0"/>
+              </a:rPr>
+              <a:t>$ site </a:t>
+            </a:r>
+            <a:r>
+              <a:rPr lang="pt-BR" sz="2000" b="1" dirty="0" err="1">
+                <a:latin typeface="Courier New" panose="02070309020205020404" pitchFamily="49" charset="0"/>
+                <a:cs typeface="Courier New" panose="02070309020205020404" pitchFamily="49" charset="0"/>
+              </a:rPr>
+              <a:t>db</a:t>
+            </a:r>
+            <a:r>
+              <a:rPr lang="pt-BR" sz="2000" b="1" dirty="0">
+                <a:latin typeface="Courier New" panose="02070309020205020404" pitchFamily="49" charset="0"/>
+                <a:cs typeface="Courier New" panose="02070309020205020404" pitchFamily="49" charset="0"/>
+              </a:rPr>
+              <a:t> update</a:t>
+            </a:r>
+            <a:br>
+              <a:rPr lang="pt-BR" sz="2000" b="1" dirty="0">
+                <a:latin typeface="Courier New" panose="02070309020205020404" pitchFamily="49" charset="0"/>
+                <a:cs typeface="Courier New" panose="02070309020205020404" pitchFamily="49" charset="0"/>
+              </a:rPr>
+            </a:br>
+            <a:r>
+              <a:rPr lang="pt-BR" sz="2000" b="1" dirty="0">
+                <a:latin typeface="Courier New" panose="02070309020205020404" pitchFamily="49" charset="0"/>
+                <a:cs typeface="Courier New" panose="02070309020205020404" pitchFamily="49" charset="0"/>
+              </a:rPr>
+              <a:t>:</a:t>
             </a:r>
             <a:br>
               <a:rPr lang="pt-BR" sz="2400" b="1" dirty="0">
@@ -5827,59 +6418,6 @@
                 <a:cs typeface="Courier New" panose="02070309020205020404" pitchFamily="49" charset="0"/>
               </a:rPr>
             </a:br>
-            <a:r>
-              <a:rPr lang="pt-BR" sz="2400" b="1" dirty="0">
-                <a:latin typeface="Courier New" panose="02070309020205020404" pitchFamily="49" charset="0"/>
-                <a:cs typeface="Courier New" panose="02070309020205020404" pitchFamily="49" charset="0"/>
-              </a:rPr>
-              <a:t>:</a:t>
-            </a:r>
-            <a:br>
-              <a:rPr lang="pt-BR" sz="2400" b="1" dirty="0">
-                <a:latin typeface="Courier New" panose="02070309020205020404" pitchFamily="49" charset="0"/>
-                <a:cs typeface="Courier New" panose="02070309020205020404" pitchFamily="49" charset="0"/>
-              </a:rPr>
-            </a:br>
-            <a:br>
-              <a:rPr lang="pt-BR" sz="2400" b="1" dirty="0">
-                <a:latin typeface="Courier New" panose="02070309020205020404" pitchFamily="49" charset="0"/>
-                <a:cs typeface="Courier New" panose="02070309020205020404" pitchFamily="49" charset="0"/>
-              </a:rPr>
-            </a:br>
-            <a:r>
-              <a:rPr lang="pt-BR" sz="2400" b="1" dirty="0">
-                <a:latin typeface="Courier New" panose="02070309020205020404" pitchFamily="49" charset="0"/>
-                <a:cs typeface="Courier New" panose="02070309020205020404" pitchFamily="49" charset="0"/>
-              </a:rPr>
-              <a:t>$ site </a:t>
-            </a:r>
-            <a:r>
-              <a:rPr lang="pt-BR" sz="2400" b="1" dirty="0" err="1">
-                <a:latin typeface="Courier New" panose="02070309020205020404" pitchFamily="49" charset="0"/>
-                <a:cs typeface="Courier New" panose="02070309020205020404" pitchFamily="49" charset="0"/>
-              </a:rPr>
-              <a:t>db</a:t>
-            </a:r>
-            <a:r>
-              <a:rPr lang="pt-BR" sz="2400" b="1" dirty="0">
-                <a:latin typeface="Courier New" panose="02070309020205020404" pitchFamily="49" charset="0"/>
-                <a:cs typeface="Courier New" panose="02070309020205020404" pitchFamily="49" charset="0"/>
-              </a:rPr>
-              <a:t> update</a:t>
-            </a:r>
-            <a:br>
-              <a:rPr lang="pt-BR" sz="2400" b="1" dirty="0">
-                <a:latin typeface="Courier New" panose="02070309020205020404" pitchFamily="49" charset="0"/>
-                <a:cs typeface="Courier New" panose="02070309020205020404" pitchFamily="49" charset="0"/>
-              </a:rPr>
-            </a:br>
-            <a:r>
-              <a:rPr lang="pt-BR" sz="2400" b="1" dirty="0">
-                <a:latin typeface="Courier New" panose="02070309020205020404" pitchFamily="49" charset="0"/>
-                <a:cs typeface="Courier New" panose="02070309020205020404" pitchFamily="49" charset="0"/>
-              </a:rPr>
-              <a:t>:</a:t>
-            </a:r>
             <a:endParaRPr lang="pt-BR" sz="2400" dirty="0"/>
           </a:p>
         </p:txBody>
@@ -5995,20 +6533,20 @@
           <a:lstStyle/>
           <a:p>
             <a:r>
-              <a:rPr lang="pt-BR" sz="2400" b="1" dirty="0">
+              <a:rPr lang="pt-BR" sz="2000" b="1" dirty="0">
                 <a:latin typeface="Courier New" panose="02070309020205020404" pitchFamily="49" charset="0"/>
                 <a:cs typeface="Courier New" panose="02070309020205020404" pitchFamily="49" charset="0"/>
               </a:rPr>
               <a:t>$ site</a:t>
             </a:r>
             <a:br>
-              <a:rPr lang="pt-BR" sz="2400" b="1" dirty="0">
+              <a:rPr lang="pt-BR" sz="2000" b="1" dirty="0">
                 <a:latin typeface="Courier New" panose="02070309020205020404" pitchFamily="49" charset="0"/>
                 <a:cs typeface="Courier New" panose="02070309020205020404" pitchFamily="49" charset="0"/>
               </a:rPr>
             </a:br>
             <a:r>
-              <a:rPr lang="pt-BR" sz="2400" b="1" dirty="0">
+              <a:rPr lang="pt-BR" sz="2000" b="1" dirty="0">
                 <a:latin typeface="Courier New" panose="02070309020205020404" pitchFamily="49" charset="0"/>
                 <a:cs typeface="Courier New" panose="02070309020205020404" pitchFamily="49" charset="0"/>
               </a:rPr>
@@ -7448,34 +7986,34 @@
               <a:rPr lang="pt-BR" sz="2400" dirty="0"/>
             </a:br>
             <a:r>
-              <a:rPr lang="pt-BR" sz="2400" b="1" dirty="0">
+              <a:rPr lang="pt-BR" sz="2000" b="1" dirty="0">
                 <a:latin typeface="Courier New" panose="02070309020205020404" pitchFamily="49" charset="0"/>
                 <a:cs typeface="Courier New" panose="02070309020205020404" pitchFamily="49" charset="0"/>
               </a:rPr>
               <a:t>$ site </a:t>
             </a:r>
             <a:r>
-              <a:rPr lang="pt-BR" sz="2400" b="1" dirty="0" err="1">
+              <a:rPr lang="pt-BR" sz="2000" b="1" dirty="0" err="1">
                 <a:latin typeface="Courier New" panose="02070309020205020404" pitchFamily="49" charset="0"/>
                 <a:cs typeface="Courier New" panose="02070309020205020404" pitchFamily="49" charset="0"/>
               </a:rPr>
               <a:t>db</a:t>
             </a:r>
             <a:r>
-              <a:rPr lang="pt-BR" sz="2400" b="1" dirty="0">
+              <a:rPr lang="pt-BR" sz="2000" b="1" dirty="0">
                 <a:latin typeface="Courier New" panose="02070309020205020404" pitchFamily="49" charset="0"/>
                 <a:cs typeface="Courier New" panose="02070309020205020404" pitchFamily="49" charset="0"/>
               </a:rPr>
               <a:t> </a:t>
             </a:r>
             <a:r>
-              <a:rPr lang="pt-BR" sz="2400" b="1" dirty="0" err="1">
+              <a:rPr lang="pt-BR" sz="2000" b="1" dirty="0" err="1">
                 <a:latin typeface="Courier New" panose="02070309020205020404" pitchFamily="49" charset="0"/>
                 <a:cs typeface="Courier New" panose="02070309020205020404" pitchFamily="49" charset="0"/>
               </a:rPr>
               <a:t>preptest</a:t>
             </a:r>
-            <a:endParaRPr lang="pt-BR" sz="2400" b="1" dirty="0">
+            <a:endParaRPr lang="pt-BR" sz="2000" b="1" dirty="0">
               <a:latin typeface="Courier New" panose="02070309020205020404" pitchFamily="49" charset="0"/>
               <a:cs typeface="Courier New" panose="02070309020205020404" pitchFamily="49" charset="0"/>
             </a:endParaRPr>
@@ -7635,68 +8173,68 @@
               <a:rPr lang="pt-BR" sz="2400" dirty="0"/>
             </a:br>
             <a:r>
-              <a:rPr lang="pt-BR" sz="2400" b="1" dirty="0">
+              <a:rPr lang="pt-BR" sz="2000" b="1" dirty="0">
                 <a:latin typeface="Courier New" panose="02070309020205020404" pitchFamily="49" charset="0"/>
                 <a:cs typeface="Courier New" panose="02070309020205020404" pitchFamily="49" charset="0"/>
               </a:rPr>
               <a:t>$ </a:t>
             </a:r>
             <a:r>
-              <a:rPr lang="pt-BR" sz="2400" b="1" dirty="0" err="1">
+              <a:rPr lang="pt-BR" sz="2000" b="1" dirty="0" err="1">
                 <a:latin typeface="Courier New" panose="02070309020205020404" pitchFamily="49" charset="0"/>
                 <a:cs typeface="Courier New" panose="02070309020205020404" pitchFamily="49" charset="0"/>
               </a:rPr>
               <a:t>tree</a:t>
             </a:r>
             <a:r>
-              <a:rPr lang="pt-BR" sz="2400" b="1" dirty="0">
+              <a:rPr lang="pt-BR" sz="2000" b="1" dirty="0">
                 <a:latin typeface="Courier New" panose="02070309020205020404" pitchFamily="49" charset="0"/>
                 <a:cs typeface="Courier New" panose="02070309020205020404" pitchFamily="49" charset="0"/>
               </a:rPr>
               <a:t> </a:t>
             </a:r>
             <a:r>
-              <a:rPr lang="pt-BR" sz="2400" b="1" dirty="0" err="1">
+              <a:rPr lang="pt-BR" sz="2000" b="1" dirty="0" err="1">
                 <a:latin typeface="Courier New" panose="02070309020205020404" pitchFamily="49" charset="0"/>
                 <a:cs typeface="Courier New" panose="02070309020205020404" pitchFamily="49" charset="0"/>
               </a:rPr>
               <a:t>test</a:t>
             </a:r>
             <a:br>
-              <a:rPr lang="pt-BR" sz="2400" b="1" dirty="0">
+              <a:rPr lang="pt-BR" sz="2000" b="1" dirty="0">
                 <a:latin typeface="Courier New" panose="02070309020205020404" pitchFamily="49" charset="0"/>
                 <a:cs typeface="Courier New" panose="02070309020205020404" pitchFamily="49" charset="0"/>
               </a:rPr>
             </a:br>
             <a:r>
-              <a:rPr lang="pt-BR" sz="2400" b="1" dirty="0">
+              <a:rPr lang="pt-BR" sz="2000" b="1" dirty="0">
                 <a:latin typeface="Courier New" panose="02070309020205020404" pitchFamily="49" charset="0"/>
                 <a:cs typeface="Courier New" panose="02070309020205020404" pitchFamily="49" charset="0"/>
               </a:rPr>
               <a:t>$ </a:t>
             </a:r>
             <a:r>
-              <a:rPr lang="pt-BR" sz="2400" b="1" dirty="0" err="1">
+              <a:rPr lang="pt-BR" sz="2000" b="1" dirty="0" err="1">
                 <a:latin typeface="Courier New" panose="02070309020205020404" pitchFamily="49" charset="0"/>
                 <a:cs typeface="Courier New" panose="02070309020205020404" pitchFamily="49" charset="0"/>
               </a:rPr>
               <a:t>tree</a:t>
             </a:r>
             <a:r>
-              <a:rPr lang="pt-BR" sz="2400" b="1" dirty="0">
+              <a:rPr lang="pt-BR" sz="2000" b="1" dirty="0">
                 <a:latin typeface="Courier New" panose="02070309020205020404" pitchFamily="49" charset="0"/>
                 <a:cs typeface="Courier New" panose="02070309020205020404" pitchFamily="49" charset="0"/>
               </a:rPr>
               <a:t> </a:t>
             </a:r>
             <a:r>
-              <a:rPr lang="pt-BR" sz="2400" b="1" dirty="0" err="1">
+              <a:rPr lang="pt-BR" sz="2000" b="1" dirty="0" err="1">
                 <a:latin typeface="Courier New" panose="02070309020205020404" pitchFamily="49" charset="0"/>
                 <a:cs typeface="Courier New" panose="02070309020205020404" pitchFamily="49" charset="0"/>
               </a:rPr>
               <a:t>spec</a:t>
             </a:r>
-            <a:endParaRPr lang="pt-BR" sz="2400" b="1" dirty="0">
+            <a:endParaRPr lang="pt-BR" sz="2000" b="1" dirty="0">
               <a:latin typeface="Courier New" panose="02070309020205020404" pitchFamily="49" charset="0"/>
               <a:cs typeface="Courier New" panose="02070309020205020404" pitchFamily="49" charset="0"/>
             </a:endParaRPr>
@@ -7834,6 +8372,144 @@
           <a:bodyPr/>
           <a:lstStyle/>
           <a:p>
+            <a:r>
+              <a:rPr lang="pt-BR" sz="2400" dirty="0"/>
+              <a:t>A pasta </a:t>
+            </a:r>
+            <a:r>
+              <a:rPr lang="pt-BR" sz="2400" b="1" dirty="0" err="1"/>
+              <a:t>test</a:t>
+            </a:r>
+            <a:r>
+              <a:rPr lang="pt-BR" sz="2400" dirty="0"/>
+              <a:t> é relacionada ao </a:t>
+            </a:r>
+            <a:r>
+              <a:rPr lang="pt-BR" sz="2400" b="1" dirty="0" err="1"/>
+              <a:t>Minitest</a:t>
+            </a:r>
+            <a:r>
+              <a:rPr lang="pt-BR" sz="2400" dirty="0"/>
+              <a:t> e </a:t>
+            </a:r>
+            <a:r>
+              <a:rPr lang="pt-BR" sz="2400" b="1" dirty="0" err="1"/>
+              <a:t>spec</a:t>
+            </a:r>
+            <a:r>
+              <a:rPr lang="pt-BR" sz="2400" dirty="0"/>
+              <a:t> a </a:t>
+            </a:r>
+            <a:r>
+              <a:rPr lang="pt-BR" sz="2400" b="1" dirty="0" err="1"/>
+              <a:t>RSpec</a:t>
+            </a:r>
+            <a:r>
+              <a:rPr lang="pt-BR" sz="2400" dirty="0"/>
+              <a:t>.</a:t>
+            </a:r>
+            <a:br>
+              <a:rPr lang="pt-BR" sz="1600" dirty="0"/>
+            </a:br>
+            <a:br>
+              <a:rPr lang="pt-BR" sz="1600" dirty="0"/>
+            </a:br>
+            <a:r>
+              <a:rPr lang="pt-BR" sz="2000" b="1" dirty="0">
+                <a:latin typeface="Courier New" panose="02070309020205020404" pitchFamily="49" charset="0"/>
+                <a:cs typeface="Courier New" panose="02070309020205020404" pitchFamily="49" charset="0"/>
+              </a:rPr>
+              <a:t>$ site set </a:t>
+            </a:r>
+            <a:r>
+              <a:rPr lang="pt-BR" sz="2000" b="1" dirty="0" err="1">
+                <a:latin typeface="Courier New" panose="02070309020205020404" pitchFamily="49" charset="0"/>
+                <a:cs typeface="Courier New" panose="02070309020205020404" pitchFamily="49" charset="0"/>
+              </a:rPr>
+              <a:t>coverage</a:t>
+            </a:r>
+            <a:br>
+              <a:rPr lang="pt-BR" sz="2000" b="1" dirty="0">
+                <a:latin typeface="Courier New" panose="02070309020205020404" pitchFamily="49" charset="0"/>
+                <a:cs typeface="Courier New" panose="02070309020205020404" pitchFamily="49" charset="0"/>
+              </a:rPr>
+            </a:br>
+            <a:r>
+              <a:rPr lang="pt-BR" sz="2000" b="1" dirty="0">
+                <a:latin typeface="Courier New" panose="02070309020205020404" pitchFamily="49" charset="0"/>
+                <a:cs typeface="Courier New" panose="02070309020205020404" pitchFamily="49" charset="0"/>
+              </a:rPr>
+              <a:t>$ </a:t>
+            </a:r>
+            <a:r>
+              <a:rPr lang="en-US" sz="2000" b="1" dirty="0">
+                <a:latin typeface="Courier New" panose="02070309020205020404" pitchFamily="49" charset="0"/>
+                <a:cs typeface="Courier New" panose="02070309020205020404" pitchFamily="49" charset="0"/>
+              </a:rPr>
+              <a:t>site test test/models/</a:t>
+            </a:r>
+            <a:r>
+              <a:rPr lang="en-US" sz="2000" b="1" dirty="0" err="1">
+                <a:latin typeface="Courier New" panose="02070309020205020404" pitchFamily="49" charset="0"/>
+                <a:cs typeface="Courier New" panose="02070309020205020404" pitchFamily="49" charset="0"/>
+              </a:rPr>
+              <a:t>building_purpose_in_project_creations_test.rb</a:t>
+            </a:r>
+            <a:br>
+              <a:rPr lang="en-US" sz="2000" b="1" dirty="0">
+                <a:latin typeface="Courier New" panose="02070309020205020404" pitchFamily="49" charset="0"/>
+                <a:cs typeface="Courier New" panose="02070309020205020404" pitchFamily="49" charset="0"/>
+              </a:rPr>
+            </a:br>
+            <a:r>
+              <a:rPr lang="en-US" sz="2000" b="1" dirty="0">
+                <a:latin typeface="Courier New" panose="02070309020205020404" pitchFamily="49" charset="0"/>
+                <a:cs typeface="Courier New" panose="02070309020205020404" pitchFamily="49" charset="0"/>
+              </a:rPr>
+              <a:t>$ site</a:t>
+            </a:r>
+          </a:p>
+          <a:p>
+            <a:r>
+              <a:rPr lang="en-US" sz="2000" b="1" dirty="0">
+                <a:latin typeface="Courier New" panose="02070309020205020404" pitchFamily="49" charset="0"/>
+                <a:cs typeface="Courier New" panose="02070309020205020404" pitchFamily="49" charset="0"/>
+              </a:rPr>
+              <a:t>$ </a:t>
+            </a:r>
+            <a:r>
+              <a:rPr lang="en-US" sz="2000" b="1" dirty="0" err="1">
+                <a:latin typeface="Courier New" panose="02070309020205020404" pitchFamily="49" charset="0"/>
+                <a:cs typeface="Courier New" panose="02070309020205020404" pitchFamily="49" charset="0"/>
+              </a:rPr>
+              <a:t>xdg</a:t>
+            </a:r>
+            <a:r>
+              <a:rPr lang="en-US" sz="2000" b="1" dirty="0">
+                <a:latin typeface="Courier New" panose="02070309020205020404" pitchFamily="49" charset="0"/>
+                <a:cs typeface="Courier New" panose="02070309020205020404" pitchFamily="49" charset="0"/>
+              </a:rPr>
+              <a:t>-open coverage/index.html</a:t>
+            </a:r>
+            <a:br>
+              <a:rPr lang="en-US" sz="2000" b="1" dirty="0">
+                <a:latin typeface="Courier New" panose="02070309020205020404" pitchFamily="49" charset="0"/>
+                <a:cs typeface="Courier New" panose="02070309020205020404" pitchFamily="49" charset="0"/>
+              </a:rPr>
+            </a:br>
+            <a:r>
+              <a:rPr lang="en-US" sz="2000" b="1" dirty="0">
+                <a:latin typeface="Courier New" panose="02070309020205020404" pitchFamily="49" charset="0"/>
+                <a:cs typeface="Courier New" panose="02070309020205020404" pitchFamily="49" charset="0"/>
+              </a:rPr>
+              <a:t>$ site unset coverage</a:t>
+            </a:r>
+            <a:endParaRPr lang="pt-BR" sz="2000" b="1" dirty="0">
+              <a:latin typeface="Courier New" panose="02070309020205020404" pitchFamily="49" charset="0"/>
+              <a:cs typeface="Courier New" panose="02070309020205020404" pitchFamily="49" charset="0"/>
+            </a:endParaRPr>
+          </a:p>
+          <a:p>
             <a:endParaRPr lang="pt-BR" dirty="0"/>
           </a:p>
         </p:txBody>
@@ -7852,6 +8528,105 @@
 </file>
 
 <file path=ppt/slides/slide23.xml><?xml version="1.0" encoding="utf-8"?>
+<p:sld xmlns:a="http://schemas.openxmlformats.org/drawingml/2006/main" xmlns:r="http://schemas.openxmlformats.org/officeDocument/2006/relationships" xmlns:p="http://schemas.openxmlformats.org/presentationml/2006/main">
+  <p:cSld>
+    <p:spTree>
+      <p:nvGrpSpPr>
+        <p:cNvPr id="1" name=""/>
+        <p:cNvGrpSpPr/>
+        <p:nvPr/>
+      </p:nvGrpSpPr>
+      <p:grpSpPr>
+        <a:xfrm>
+          <a:off x="0" y="0"/>
+          <a:ext cx="0" cy="0"/>
+          <a:chOff x="0" y="0"/>
+          <a:chExt cx="0" cy="0"/>
+        </a:xfrm>
+      </p:grpSpPr>
+      <p:sp>
+        <p:nvSpPr>
+          <p:cNvPr id="2" name="Título 1">
+            <a:extLst>
+              <a:ext uri="{FF2B5EF4-FFF2-40B4-BE49-F238E27FC236}">
+                <a16:creationId xmlns:a16="http://schemas.microsoft.com/office/drawing/2014/main" id="{3E516DF0-911B-4D22-8061-C05CE57B19E4}"/>
+              </a:ext>
+            </a:extLst>
+          </p:cNvPr>
+          <p:cNvSpPr>
+            <a:spLocks noGrp="1"/>
+          </p:cNvSpPr>
+          <p:nvPr>
+            <p:ph type="title" idx="4294967295"/>
+          </p:nvPr>
+        </p:nvSpPr>
+        <p:spPr>
+          <a:xfrm>
+            <a:off x="1457325" y="207963"/>
+            <a:ext cx="10734675" cy="762000"/>
+          </a:xfrm>
+        </p:spPr>
+        <p:txBody>
+          <a:bodyPr>
+            <a:normAutofit fontScale="90000"/>
+          </a:bodyPr>
+          <a:lstStyle/>
+          <a:p>
+            <a:r>
+              <a:rPr lang="pt-BR" b="1" dirty="0"/>
+              <a:t>Teste Automático</a:t>
+            </a:r>
+            <a:br>
+              <a:rPr lang="pt-BR" sz="4400" dirty="0"/>
+            </a:br>
+            <a:endParaRPr lang="pt-BR" dirty="0"/>
+          </a:p>
+        </p:txBody>
+      </p:sp>
+      <p:pic>
+        <p:nvPicPr>
+          <p:cNvPr id="5" name="Imagem 4">
+            <a:extLst>
+              <a:ext uri="{FF2B5EF4-FFF2-40B4-BE49-F238E27FC236}">
+                <a16:creationId xmlns:a16="http://schemas.microsoft.com/office/drawing/2014/main" id="{5F8F29F2-0D86-4CEA-8F27-C08DF42C0CBF}"/>
+              </a:ext>
+            </a:extLst>
+          </p:cNvPr>
+          <p:cNvPicPr>
+            <a:picLocks noChangeAspect="1"/>
+          </p:cNvPicPr>
+          <p:nvPr/>
+        </p:nvPicPr>
+        <p:blipFill>
+          <a:blip r:embed="rId2"/>
+          <a:stretch>
+            <a:fillRect/>
+          </a:stretch>
+        </p:blipFill>
+        <p:spPr>
+          <a:xfrm>
+            <a:off x="294723" y="1099597"/>
+            <a:ext cx="11602554" cy="5550440"/>
+          </a:xfrm>
+          <a:prstGeom prst="rect">
+            <a:avLst/>
+          </a:prstGeom>
+        </p:spPr>
+      </p:pic>
+    </p:spTree>
+    <p:extLst>
+      <p:ext uri="{BB962C8B-B14F-4D97-AF65-F5344CB8AC3E}">
+        <p14:creationId xmlns:p14="http://schemas.microsoft.com/office/powerpoint/2010/main" val="4235058978"/>
+      </p:ext>
+    </p:extLst>
+  </p:cSld>
+  <p:clrMapOvr>
+    <a:masterClrMapping/>
+  </p:clrMapOvr>
+</p:sld>
+</file>
+
+<file path=ppt/slides/slide24.xml><?xml version="1.0" encoding="utf-8"?>
 <p:sld xmlns:a="http://schemas.openxmlformats.org/drawingml/2006/main" xmlns:r="http://schemas.openxmlformats.org/officeDocument/2006/relationships" xmlns:p="http://schemas.openxmlformats.org/presentationml/2006/main">
   <p:cSld>
     <p:bg>
@@ -8832,7 +9607,7 @@
 </p:sld>
 </file>
 
-<file path=ppt/slides/slide24.xml><?xml version="1.0" encoding="utf-8"?>
+<file path=ppt/slides/slide25.xml><?xml version="1.0" encoding="utf-8"?>
 <p:sld xmlns:a="http://schemas.openxmlformats.org/drawingml/2006/main" xmlns:r="http://schemas.openxmlformats.org/officeDocument/2006/relationships" xmlns:p="http://schemas.openxmlformats.org/presentationml/2006/main">
   <p:cSld>
     <p:spTree>
@@ -8954,96 +9729,137 @@
               <a:rPr lang="pt-BR" sz="2400" dirty="0"/>
             </a:br>
             <a:r>
-              <a:rPr lang="pt-BR" sz="2400" b="1" dirty="0">
+              <a:rPr lang="pt-BR" sz="2000" b="1" dirty="0">
                 <a:latin typeface="Courier New" panose="02070309020205020404" pitchFamily="49" charset="0"/>
                 <a:cs typeface="Courier New" panose="02070309020205020404" pitchFamily="49" charset="0"/>
               </a:rPr>
               <a:t>$ site set </a:t>
             </a:r>
             <a:r>
-              <a:rPr lang="pt-BR" sz="2400" b="1" dirty="0" err="1">
+              <a:rPr lang="pt-BR" sz="2000" b="1" dirty="0" err="1">
                 <a:latin typeface="Courier New" panose="02070309020205020404" pitchFamily="49" charset="0"/>
                 <a:cs typeface="Courier New" panose="02070309020205020404" pitchFamily="49" charset="0"/>
               </a:rPr>
               <a:t>rubocop</a:t>
             </a:r>
             <a:br>
-              <a:rPr lang="pt-BR" sz="2400" b="1" dirty="0">
+              <a:rPr lang="pt-BR" sz="2000" b="1" dirty="0">
                 <a:latin typeface="Courier New" panose="02070309020205020404" pitchFamily="49" charset="0"/>
                 <a:cs typeface="Courier New" panose="02070309020205020404" pitchFamily="49" charset="0"/>
               </a:rPr>
             </a:br>
             <a:r>
-              <a:rPr lang="pt-BR" sz="2400" b="1" dirty="0">
+              <a:rPr lang="pt-BR" sz="2000" b="1" dirty="0">
                 <a:latin typeface="Courier New" panose="02070309020205020404" pitchFamily="49" charset="0"/>
                 <a:cs typeface="Courier New" panose="02070309020205020404" pitchFamily="49" charset="0"/>
               </a:rPr>
               <a:t>$ site robocop </a:t>
             </a:r>
             <a:r>
-              <a:rPr lang="pt-BR" sz="2400" b="1" dirty="0" err="1">
+              <a:rPr lang="pt-BR" sz="2000" b="1" dirty="0" err="1">
                 <a:latin typeface="Courier New" panose="02070309020205020404" pitchFamily="49" charset="0"/>
                 <a:cs typeface="Courier New" panose="02070309020205020404" pitchFamily="49" charset="0"/>
               </a:rPr>
               <a:t>Gemfile</a:t>
             </a:r>
             <a:br>
-              <a:rPr lang="pt-BR" sz="2400" b="1" dirty="0">
+              <a:rPr lang="pt-BR" sz="2000" b="1" dirty="0">
                 <a:latin typeface="Courier New" panose="02070309020205020404" pitchFamily="49" charset="0"/>
                 <a:cs typeface="Courier New" panose="02070309020205020404" pitchFamily="49" charset="0"/>
               </a:rPr>
             </a:br>
             <a:r>
-              <a:rPr lang="pt-BR" sz="2400" b="1" dirty="0">
+              <a:rPr lang="pt-BR" sz="2000" b="1" dirty="0">
                 <a:latin typeface="Courier New" panose="02070309020205020404" pitchFamily="49" charset="0"/>
                 <a:cs typeface="Courier New" panose="02070309020205020404" pitchFamily="49" charset="0"/>
               </a:rPr>
               <a:t>$ site</a:t>
+            </a:r>
+            <a:br>
+              <a:rPr lang="pt-BR" sz="2000" b="1" dirty="0">
+                <a:latin typeface="Courier New" panose="02070309020205020404" pitchFamily="49" charset="0"/>
+                <a:cs typeface="Courier New" panose="02070309020205020404" pitchFamily="49" charset="0"/>
+              </a:rPr>
+            </a:br>
+            <a:r>
+              <a:rPr lang="pt-BR" sz="2000" b="1" dirty="0">
+                <a:latin typeface="Courier New" panose="02070309020205020404" pitchFamily="49" charset="0"/>
+                <a:cs typeface="Courier New" panose="02070309020205020404" pitchFamily="49" charset="0"/>
+              </a:rPr>
+              <a:t>$ </a:t>
+            </a:r>
+            <a:r>
+              <a:rPr lang="pt-BR" sz="2000" b="1" dirty="0" err="1">
+                <a:latin typeface="Courier New" panose="02070309020205020404" pitchFamily="49" charset="0"/>
+                <a:cs typeface="Courier New" panose="02070309020205020404" pitchFamily="49" charset="0"/>
+              </a:rPr>
+              <a:t>xdg</a:t>
+            </a:r>
+            <a:r>
+              <a:rPr lang="pt-BR" sz="2000" b="1" dirty="0">
+                <a:latin typeface="Courier New" panose="02070309020205020404" pitchFamily="49" charset="0"/>
+                <a:cs typeface="Courier New" panose="02070309020205020404" pitchFamily="49" charset="0"/>
+              </a:rPr>
+              <a:t>-open tmp/</a:t>
+            </a:r>
+            <a:r>
+              <a:rPr lang="pt-BR" sz="2000" b="1" dirty="0" err="1">
+                <a:latin typeface="Courier New" panose="02070309020205020404" pitchFamily="49" charset="0"/>
+                <a:cs typeface="Courier New" panose="02070309020205020404" pitchFamily="49" charset="0"/>
+              </a:rPr>
+              <a:t>rubocop</a:t>
+            </a:r>
+            <a:r>
+              <a:rPr lang="pt-BR" sz="2000" b="1" dirty="0">
+                <a:latin typeface="Courier New" panose="02070309020205020404" pitchFamily="49" charset="0"/>
+                <a:cs typeface="Courier New" panose="02070309020205020404" pitchFamily="49" charset="0"/>
+              </a:rPr>
+              <a:t>/overview.html</a:t>
             </a:r>
           </a:p>
           <a:p>
             <a:r>
-              <a:rPr lang="pt-BR" sz="2400" b="1" dirty="0">
+              <a:rPr lang="pt-BR" sz="2000" b="1" dirty="0">
                 <a:latin typeface="Courier New" panose="02070309020205020404" pitchFamily="49" charset="0"/>
                 <a:cs typeface="Courier New" panose="02070309020205020404" pitchFamily="49" charset="0"/>
               </a:rPr>
               <a:t>:</a:t>
             </a:r>
             <a:br>
-              <a:rPr lang="pt-BR" sz="2400" b="1" dirty="0">
+              <a:rPr lang="pt-BR" sz="2000" b="1" dirty="0">
                 <a:latin typeface="Courier New" panose="02070309020205020404" pitchFamily="49" charset="0"/>
                 <a:cs typeface="Courier New" panose="02070309020205020404" pitchFamily="49" charset="0"/>
               </a:rPr>
             </a:br>
             <a:r>
-              <a:rPr lang="pt-BR" sz="2400" b="1" dirty="0">
+              <a:rPr lang="pt-BR" sz="2000" b="1" dirty="0">
                 <a:latin typeface="Courier New" panose="02070309020205020404" pitchFamily="49" charset="0"/>
                 <a:cs typeface="Courier New" panose="02070309020205020404" pitchFamily="49" charset="0"/>
               </a:rPr>
               <a:t>$ site </a:t>
             </a:r>
             <a:r>
-              <a:rPr lang="pt-BR" sz="2400" b="1" dirty="0" err="1">
+              <a:rPr lang="pt-BR" sz="2000" b="1" dirty="0" err="1">
                 <a:latin typeface="Courier New" panose="02070309020205020404" pitchFamily="49" charset="0"/>
                 <a:cs typeface="Courier New" panose="02070309020205020404" pitchFamily="49" charset="0"/>
               </a:rPr>
               <a:t>unset</a:t>
             </a:r>
             <a:r>
-              <a:rPr lang="pt-BR" sz="2400" b="1" dirty="0">
+              <a:rPr lang="pt-BR" sz="2000" b="1" dirty="0">
                 <a:latin typeface="Courier New" panose="02070309020205020404" pitchFamily="49" charset="0"/>
                 <a:cs typeface="Courier New" panose="02070309020205020404" pitchFamily="49" charset="0"/>
               </a:rPr>
               <a:t> </a:t>
             </a:r>
             <a:r>
-              <a:rPr lang="pt-BR" sz="2400" b="1" dirty="0" err="1">
+              <a:rPr lang="pt-BR" sz="2000" b="1" dirty="0" err="1">
                 <a:latin typeface="Courier New" panose="02070309020205020404" pitchFamily="49" charset="0"/>
                 <a:cs typeface="Courier New" panose="02070309020205020404" pitchFamily="49" charset="0"/>
               </a:rPr>
               <a:t>rubocop</a:t>
             </a:r>
-            <a:endParaRPr lang="pt-BR" sz="2400" b="1" dirty="0">
+            <a:endParaRPr lang="pt-BR" sz="2000" b="1" dirty="0">
               <a:latin typeface="Courier New" panose="02070309020205020404" pitchFamily="49" charset="0"/>
               <a:cs typeface="Courier New" panose="02070309020205020404" pitchFamily="49" charset="0"/>
             </a:endParaRPr>
@@ -9066,7 +9882,106 @@
 </p:sld>
 </file>
 
-<file path=ppt/slides/slide25.xml><?xml version="1.0" encoding="utf-8"?>
+<file path=ppt/slides/slide26.xml><?xml version="1.0" encoding="utf-8"?>
+<p:sld xmlns:a="http://schemas.openxmlformats.org/drawingml/2006/main" xmlns:r="http://schemas.openxmlformats.org/officeDocument/2006/relationships" xmlns:p="http://schemas.openxmlformats.org/presentationml/2006/main">
+  <p:cSld>
+    <p:spTree>
+      <p:nvGrpSpPr>
+        <p:cNvPr id="1" name=""/>
+        <p:cNvGrpSpPr/>
+        <p:nvPr/>
+      </p:nvGrpSpPr>
+      <p:grpSpPr>
+        <a:xfrm>
+          <a:off x="0" y="0"/>
+          <a:ext cx="0" cy="0"/>
+          <a:chOff x="0" y="0"/>
+          <a:chExt cx="0" cy="0"/>
+        </a:xfrm>
+      </p:grpSpPr>
+      <p:sp>
+        <p:nvSpPr>
+          <p:cNvPr id="2" name="Título 1">
+            <a:extLst>
+              <a:ext uri="{FF2B5EF4-FFF2-40B4-BE49-F238E27FC236}">
+                <a16:creationId xmlns:a16="http://schemas.microsoft.com/office/drawing/2014/main" id="{3E516DF0-911B-4D22-8061-C05CE57B19E4}"/>
+              </a:ext>
+            </a:extLst>
+          </p:cNvPr>
+          <p:cNvSpPr>
+            <a:spLocks noGrp="1"/>
+          </p:cNvSpPr>
+          <p:nvPr>
+            <p:ph type="title" idx="4294967295"/>
+          </p:nvPr>
+        </p:nvSpPr>
+        <p:spPr>
+          <a:xfrm>
+            <a:off x="1457325" y="207963"/>
+            <a:ext cx="10734675" cy="762000"/>
+          </a:xfrm>
+        </p:spPr>
+        <p:txBody>
+          <a:bodyPr>
+            <a:normAutofit fontScale="90000"/>
+          </a:bodyPr>
+          <a:lstStyle/>
+          <a:p>
+            <a:r>
+              <a:rPr lang="pt-BR" sz="4400" b="1" dirty="0" err="1"/>
+              <a:t>Rubocop</a:t>
+            </a:r>
+            <a:br>
+              <a:rPr lang="pt-BR" sz="4400" dirty="0"/>
+            </a:br>
+            <a:endParaRPr lang="pt-BR" dirty="0"/>
+          </a:p>
+        </p:txBody>
+      </p:sp>
+      <p:pic>
+        <p:nvPicPr>
+          <p:cNvPr id="4" name="Imagem 3">
+            <a:extLst>
+              <a:ext uri="{FF2B5EF4-FFF2-40B4-BE49-F238E27FC236}">
+                <a16:creationId xmlns:a16="http://schemas.microsoft.com/office/drawing/2014/main" id="{A74AC605-CD64-4E79-9688-D2564A16E149}"/>
+              </a:ext>
+            </a:extLst>
+          </p:cNvPr>
+          <p:cNvPicPr>
+            <a:picLocks noChangeAspect="1"/>
+          </p:cNvPicPr>
+          <p:nvPr/>
+        </p:nvPicPr>
+        <p:blipFill>
+          <a:blip r:embed="rId2"/>
+          <a:stretch>
+            <a:fillRect/>
+          </a:stretch>
+        </p:blipFill>
+        <p:spPr>
+          <a:xfrm>
+            <a:off x="275453" y="1027186"/>
+            <a:ext cx="11641093" cy="5622851"/>
+          </a:xfrm>
+          <a:prstGeom prst="rect">
+            <a:avLst/>
+          </a:prstGeom>
+        </p:spPr>
+      </p:pic>
+    </p:spTree>
+    <p:extLst>
+      <p:ext uri="{BB962C8B-B14F-4D97-AF65-F5344CB8AC3E}">
+        <p14:creationId xmlns:p14="http://schemas.microsoft.com/office/powerpoint/2010/main" val="939257264"/>
+      </p:ext>
+    </p:extLst>
+  </p:cSld>
+  <p:clrMapOvr>
+    <a:masterClrMapping/>
+  </p:clrMapOvr>
+</p:sld>
+</file>
+
+<file path=ppt/slides/slide27.xml><?xml version="1.0" encoding="utf-8"?>
 <p:sld xmlns:a="http://schemas.openxmlformats.org/drawingml/2006/main" xmlns:r="http://schemas.openxmlformats.org/officeDocument/2006/relationships" xmlns:p="http://schemas.openxmlformats.org/presentationml/2006/main">
   <p:cSld>
     <p:bg>
@@ -10048,7 +10963,7 @@
 </p:sld>
 </file>
 
-<file path=ppt/slides/slide26.xml><?xml version="1.0" encoding="utf-8"?>
+<file path=ppt/slides/slide28.xml><?xml version="1.0" encoding="utf-8"?>
 <p:sld xmlns:a="http://schemas.openxmlformats.org/drawingml/2006/main" xmlns:r="http://schemas.openxmlformats.org/officeDocument/2006/relationships" xmlns:p="http://schemas.openxmlformats.org/presentationml/2006/main">
   <p:cSld>
     <p:spTree>
@@ -10122,7 +11037,9 @@
         </p:nvSpPr>
         <p:spPr/>
         <p:txBody>
-          <a:bodyPr/>
+          <a:bodyPr>
+            <a:normAutofit/>
+          </a:bodyPr>
           <a:lstStyle/>
           <a:p>
             <a:r>
@@ -10152,54 +11069,59 @@
               <a:rPr lang="pt-BR" sz="2400" dirty="0"/>
             </a:br>
             <a:r>
-              <a:rPr lang="pt-BR" sz="2400" b="1" dirty="0">
+              <a:rPr lang="pt-BR" sz="2000" b="1" dirty="0">
                 <a:latin typeface="Courier New" panose="02070309020205020404" pitchFamily="49" charset="0"/>
                 <a:cs typeface="Courier New" panose="02070309020205020404" pitchFamily="49" charset="0"/>
               </a:rPr>
               <a:t>$ site set </a:t>
             </a:r>
             <a:r>
-              <a:rPr lang="pt-BR" sz="2400" b="1" dirty="0" err="1">
+              <a:rPr lang="pt-BR" sz="2000" b="1" dirty="0" err="1">
                 <a:latin typeface="Courier New" panose="02070309020205020404" pitchFamily="49" charset="0"/>
                 <a:cs typeface="Courier New" panose="02070309020205020404" pitchFamily="49" charset="0"/>
               </a:rPr>
               <a:t>rubycritic</a:t>
             </a:r>
             <a:br>
-              <a:rPr lang="pt-BR" sz="2400" b="1" dirty="0">
+              <a:rPr lang="pt-BR" sz="2000" b="1" dirty="0">
                 <a:latin typeface="Courier New" panose="02070309020205020404" pitchFamily="49" charset="0"/>
                 <a:cs typeface="Courier New" panose="02070309020205020404" pitchFamily="49" charset="0"/>
               </a:rPr>
             </a:br>
-            <a:r>
-              <a:rPr lang="pt-BR" sz="2400" b="1" dirty="0">
-                <a:latin typeface="Courier New" panose="02070309020205020404" pitchFamily="49" charset="0"/>
-                <a:cs typeface="Courier New" panose="02070309020205020404" pitchFamily="49" charset="0"/>
-              </a:rPr>
-              <a:t>$ site </a:t>
-            </a:r>
-            <a:r>
-              <a:rPr lang="pt-BR" sz="2400" b="1" dirty="0" err="1">
+            <a:br>
+              <a:rPr lang="pt-BR" sz="2000" b="1" dirty="0">
+                <a:latin typeface="Courier New" panose="02070309020205020404" pitchFamily="49" charset="0"/>
+                <a:cs typeface="Courier New" panose="02070309020205020404" pitchFamily="49" charset="0"/>
+              </a:rPr>
+            </a:br>
+            <a:r>
+              <a:rPr lang="pt-BR" sz="2000" b="1" dirty="0">
+                <a:latin typeface="Courier New" panose="02070309020205020404" pitchFamily="49" charset="0"/>
+                <a:cs typeface="Courier New" panose="02070309020205020404" pitchFamily="49" charset="0"/>
+              </a:rPr>
+              <a:t>$ </a:t>
+            </a:r>
+            <a:r>
+              <a:rPr lang="pt-BR" sz="2000" b="1" dirty="0" err="1">
                 <a:latin typeface="Courier New" panose="02070309020205020404" pitchFamily="49" charset="0"/>
                 <a:cs typeface="Courier New" panose="02070309020205020404" pitchFamily="49" charset="0"/>
               </a:rPr>
               <a:t>rubycritic</a:t>
             </a:r>
-            <a:r>
-              <a:rPr lang="pt-BR" sz="2400" b="1" dirty="0">
-                <a:latin typeface="Courier New" panose="02070309020205020404" pitchFamily="49" charset="0"/>
-                <a:cs typeface="Courier New" panose="02070309020205020404" pitchFamily="49" charset="0"/>
-              </a:rPr>
-              <a:t> models</a:t>
-            </a:r>
             <a:br>
-              <a:rPr lang="pt-BR" sz="2400" b="1" dirty="0">
+              <a:rPr lang="pt-BR" sz="2000" b="1" dirty="0">
                 <a:latin typeface="Courier New" panose="02070309020205020404" pitchFamily="49" charset="0"/>
                 <a:cs typeface="Courier New" panose="02070309020205020404" pitchFamily="49" charset="0"/>
               </a:rPr>
             </a:br>
-            <a:r>
-              <a:rPr lang="pt-BR" sz="2400" b="1" dirty="0">
+            <a:br>
+              <a:rPr lang="pt-BR" sz="2000" b="1" dirty="0">
+                <a:latin typeface="Courier New" panose="02070309020205020404" pitchFamily="49" charset="0"/>
+                <a:cs typeface="Courier New" panose="02070309020205020404" pitchFamily="49" charset="0"/>
+              </a:rPr>
+            </a:br>
+            <a:r>
+              <a:rPr lang="pt-BR" sz="2000" b="1" dirty="0">
                 <a:latin typeface="Courier New" panose="02070309020205020404" pitchFamily="49" charset="0"/>
                 <a:cs typeface="Courier New" panose="02070309020205020404" pitchFamily="49" charset="0"/>
               </a:rPr>
@@ -10208,47 +11130,88 @@
           </a:p>
           <a:p>
             <a:r>
-              <a:rPr lang="pt-BR" sz="2400" b="1" dirty="0">
+              <a:rPr lang="pt-BR" sz="2000" b="1" dirty="0">
+                <a:latin typeface="Courier New" panose="02070309020205020404" pitchFamily="49" charset="0"/>
+                <a:cs typeface="Courier New" panose="02070309020205020404" pitchFamily="49" charset="0"/>
+              </a:rPr>
+              <a:t>$ </a:t>
+            </a:r>
+            <a:r>
+              <a:rPr lang="pt-BR" sz="2000" b="1" dirty="0" err="1">
+                <a:latin typeface="Courier New" panose="02070309020205020404" pitchFamily="49" charset="0"/>
+                <a:cs typeface="Courier New" panose="02070309020205020404" pitchFamily="49" charset="0"/>
+              </a:rPr>
+              <a:t>xdg</a:t>
+            </a:r>
+            <a:r>
+              <a:rPr lang="pt-BR" sz="2000" b="1" dirty="0">
+                <a:latin typeface="Courier New" panose="02070309020205020404" pitchFamily="49" charset="0"/>
+                <a:cs typeface="Courier New" panose="02070309020205020404" pitchFamily="49" charset="0"/>
+              </a:rPr>
+              <a:t>-open tmp/</a:t>
+            </a:r>
+            <a:r>
+              <a:rPr lang="pt-BR" sz="2000" b="1" dirty="0" err="1">
+                <a:latin typeface="Courier New" panose="02070309020205020404" pitchFamily="49" charset="0"/>
+                <a:cs typeface="Courier New" panose="02070309020205020404" pitchFamily="49" charset="0"/>
+              </a:rPr>
+              <a:t>rubycritic</a:t>
+            </a:r>
+            <a:r>
+              <a:rPr lang="pt-BR" sz="2000" b="1" dirty="0">
+                <a:latin typeface="Courier New" panose="02070309020205020404" pitchFamily="49" charset="0"/>
+                <a:cs typeface="Courier New" panose="02070309020205020404" pitchFamily="49" charset="0"/>
+              </a:rPr>
+              <a:t>/overview.html</a:t>
+            </a:r>
+            <a:br>
+              <a:rPr lang="pt-BR" sz="2000" b="1" dirty="0">
+                <a:latin typeface="Courier New" panose="02070309020205020404" pitchFamily="49" charset="0"/>
+                <a:cs typeface="Courier New" panose="02070309020205020404" pitchFamily="49" charset="0"/>
+              </a:rPr>
+            </a:br>
+            <a:r>
+              <a:rPr lang="pt-BR" sz="2000" b="1" dirty="0">
                 <a:latin typeface="Courier New" panose="02070309020205020404" pitchFamily="49" charset="0"/>
                 <a:cs typeface="Courier New" panose="02070309020205020404" pitchFamily="49" charset="0"/>
               </a:rPr>
               <a:t>:</a:t>
             </a:r>
             <a:br>
-              <a:rPr lang="pt-BR" sz="2400" b="1" dirty="0">
+              <a:rPr lang="pt-BR" sz="2000" b="1" dirty="0">
                 <a:latin typeface="Courier New" panose="02070309020205020404" pitchFamily="49" charset="0"/>
                 <a:cs typeface="Courier New" panose="02070309020205020404" pitchFamily="49" charset="0"/>
               </a:rPr>
             </a:br>
             <a:r>
-              <a:rPr lang="pt-BR" sz="2400" b="1" dirty="0">
+              <a:rPr lang="pt-BR" sz="2000" b="1" dirty="0">
                 <a:latin typeface="Courier New" panose="02070309020205020404" pitchFamily="49" charset="0"/>
                 <a:cs typeface="Courier New" panose="02070309020205020404" pitchFamily="49" charset="0"/>
               </a:rPr>
               <a:t>$ site </a:t>
             </a:r>
             <a:r>
-              <a:rPr lang="pt-BR" sz="2400" b="1" dirty="0" err="1">
+              <a:rPr lang="pt-BR" sz="2000" b="1" dirty="0" err="1">
                 <a:latin typeface="Courier New" panose="02070309020205020404" pitchFamily="49" charset="0"/>
                 <a:cs typeface="Courier New" panose="02070309020205020404" pitchFamily="49" charset="0"/>
               </a:rPr>
               <a:t>unset</a:t>
             </a:r>
             <a:r>
-              <a:rPr lang="pt-BR" sz="2400" b="1" dirty="0">
+              <a:rPr lang="pt-BR" sz="2000" b="1" dirty="0">
                 <a:latin typeface="Courier New" panose="02070309020205020404" pitchFamily="49" charset="0"/>
                 <a:cs typeface="Courier New" panose="02070309020205020404" pitchFamily="49" charset="0"/>
               </a:rPr>
               <a:t> </a:t>
             </a:r>
             <a:r>
-              <a:rPr lang="pt-BR" sz="2400" b="1" dirty="0" err="1">
+              <a:rPr lang="pt-BR" sz="2000" b="1" dirty="0" err="1">
                 <a:latin typeface="Courier New" panose="02070309020205020404" pitchFamily="49" charset="0"/>
                 <a:cs typeface="Courier New" panose="02070309020205020404" pitchFamily="49" charset="0"/>
               </a:rPr>
               <a:t>rubycritic</a:t>
             </a:r>
-            <a:endParaRPr lang="pt-BR" sz="2400" b="1" dirty="0">
+            <a:endParaRPr lang="pt-BR" sz="2000" b="1" dirty="0">
               <a:latin typeface="Courier New" panose="02070309020205020404" pitchFamily="49" charset="0"/>
               <a:cs typeface="Courier New" panose="02070309020205020404" pitchFamily="49" charset="0"/>
             </a:endParaRPr>
@@ -10294,7 +11257,269 @@
 </p:sld>
 </file>
 
-<file path=ppt/slides/slide27.xml><?xml version="1.0" encoding="utf-8"?>
+<file path=ppt/slides/slide29.xml><?xml version="1.0" encoding="utf-8"?>
+<p:sld xmlns:a="http://schemas.openxmlformats.org/drawingml/2006/main" xmlns:r="http://schemas.openxmlformats.org/officeDocument/2006/relationships" xmlns:p="http://schemas.openxmlformats.org/presentationml/2006/main">
+  <p:cSld>
+    <p:spTree>
+      <p:nvGrpSpPr>
+        <p:cNvPr id="1" name=""/>
+        <p:cNvGrpSpPr/>
+        <p:nvPr/>
+      </p:nvGrpSpPr>
+      <p:grpSpPr>
+        <a:xfrm>
+          <a:off x="0" y="0"/>
+          <a:ext cx="0" cy="0"/>
+          <a:chOff x="0" y="0"/>
+          <a:chExt cx="0" cy="0"/>
+        </a:xfrm>
+      </p:grpSpPr>
+      <p:sp>
+        <p:nvSpPr>
+          <p:cNvPr id="2" name="Título 1">
+            <a:extLst>
+              <a:ext uri="{FF2B5EF4-FFF2-40B4-BE49-F238E27FC236}">
+                <a16:creationId xmlns:a16="http://schemas.microsoft.com/office/drawing/2014/main" id="{3E516DF0-911B-4D22-8061-C05CE57B19E4}"/>
+              </a:ext>
+            </a:extLst>
+          </p:cNvPr>
+          <p:cNvSpPr>
+            <a:spLocks noGrp="1"/>
+          </p:cNvSpPr>
+          <p:nvPr>
+            <p:ph type="title" idx="4294967295"/>
+          </p:nvPr>
+        </p:nvSpPr>
+        <p:spPr>
+          <a:xfrm>
+            <a:off x="1457325" y="207963"/>
+            <a:ext cx="10734675" cy="762000"/>
+          </a:xfrm>
+        </p:spPr>
+        <p:txBody>
+          <a:bodyPr>
+            <a:normAutofit fontScale="90000"/>
+          </a:bodyPr>
+          <a:lstStyle/>
+          <a:p>
+            <a:r>
+              <a:rPr lang="pt-BR" sz="4400" b="1" dirty="0" err="1"/>
+              <a:t>Rubycritic</a:t>
+            </a:r>
+            <a:br>
+              <a:rPr lang="pt-BR" sz="4400" dirty="0"/>
+            </a:br>
+            <a:endParaRPr lang="pt-BR" dirty="0"/>
+          </a:p>
+        </p:txBody>
+      </p:sp>
+      <p:pic>
+        <p:nvPicPr>
+          <p:cNvPr id="9" name="Imagem 8">
+            <a:extLst>
+              <a:ext uri="{FF2B5EF4-FFF2-40B4-BE49-F238E27FC236}">
+                <a16:creationId xmlns:a16="http://schemas.microsoft.com/office/drawing/2014/main" id="{9C0C35D4-CF68-4091-B23B-5E45793834F7}"/>
+              </a:ext>
+            </a:extLst>
+          </p:cNvPr>
+          <p:cNvPicPr>
+            <a:picLocks noChangeAspect="1"/>
+          </p:cNvPicPr>
+          <p:nvPr/>
+        </p:nvPicPr>
+        <p:blipFill>
+          <a:blip r:embed="rId2"/>
+          <a:stretch>
+            <a:fillRect/>
+          </a:stretch>
+        </p:blipFill>
+        <p:spPr>
+          <a:xfrm>
+            <a:off x="199848" y="1110882"/>
+            <a:ext cx="11600267" cy="5539155"/>
+          </a:xfrm>
+          <a:prstGeom prst="rect">
+            <a:avLst/>
+          </a:prstGeom>
+        </p:spPr>
+      </p:pic>
+    </p:spTree>
+    <p:extLst>
+      <p:ext uri="{BB962C8B-B14F-4D97-AF65-F5344CB8AC3E}">
+        <p14:creationId xmlns:p14="http://schemas.microsoft.com/office/powerpoint/2010/main" val="3332980081"/>
+      </p:ext>
+    </p:extLst>
+  </p:cSld>
+  <p:clrMapOvr>
+    <a:masterClrMapping/>
+  </p:clrMapOvr>
+</p:sld>
+</file>
+
+<file path=ppt/slides/slide3.xml><?xml version="1.0" encoding="utf-8"?>
+<p:sld xmlns:a="http://schemas.openxmlformats.org/drawingml/2006/main" xmlns:r="http://schemas.openxmlformats.org/officeDocument/2006/relationships" xmlns:p="http://schemas.openxmlformats.org/presentationml/2006/main">
+  <p:cSld>
+    <p:bg>
+      <p:bgPr>
+        <a:solidFill>
+          <a:schemeClr val="bg1"/>
+        </a:solidFill>
+        <a:effectLst/>
+      </p:bgPr>
+    </p:bg>
+    <p:spTree>
+      <p:nvGrpSpPr>
+        <p:cNvPr id="1" name=""/>
+        <p:cNvGrpSpPr/>
+        <p:nvPr/>
+      </p:nvGrpSpPr>
+      <p:grpSpPr>
+        <a:xfrm>
+          <a:off x="0" y="0"/>
+          <a:ext cx="0" cy="0"/>
+          <a:chOff x="0" y="0"/>
+          <a:chExt cx="0" cy="0"/>
+        </a:xfrm>
+      </p:grpSpPr>
+      <p:sp>
+        <p:nvSpPr>
+          <p:cNvPr id="2" name="Título 1">
+            <a:extLst>
+              <a:ext uri="{FF2B5EF4-FFF2-40B4-BE49-F238E27FC236}">
+                <a16:creationId xmlns:a16="http://schemas.microsoft.com/office/drawing/2014/main" id="{B02E6243-FBEA-46C1-BCFD-BCC16DC29E9C}"/>
+              </a:ext>
+            </a:extLst>
+          </p:cNvPr>
+          <p:cNvSpPr>
+            <a:spLocks noGrp="1"/>
+          </p:cNvSpPr>
+          <p:nvPr>
+            <p:ph type="title"/>
+          </p:nvPr>
+        </p:nvSpPr>
+        <p:spPr/>
+        <p:txBody>
+          <a:bodyPr>
+            <a:normAutofit/>
+          </a:bodyPr>
+          <a:lstStyle/>
+          <a:p>
+            <a:r>
+              <a:rPr lang="pt-BR" sz="4400" b="1" dirty="0"/>
+              <a:t>Objetivo</a:t>
+            </a:r>
+          </a:p>
+        </p:txBody>
+      </p:sp>
+      <p:sp>
+        <p:nvSpPr>
+          <p:cNvPr id="3" name="Espaço Reservado para Conteúdo 2">
+            <a:extLst>
+              <a:ext uri="{FF2B5EF4-FFF2-40B4-BE49-F238E27FC236}">
+                <a16:creationId xmlns:a16="http://schemas.microsoft.com/office/drawing/2014/main" id="{B6A6AC4D-5C6E-4C8D-B0FB-7081D40C070E}"/>
+              </a:ext>
+            </a:extLst>
+          </p:cNvPr>
+          <p:cNvSpPr>
+            <a:spLocks noGrp="1"/>
+          </p:cNvSpPr>
+          <p:nvPr>
+            <p:ph type="body" sz="half" idx="2"/>
+          </p:nvPr>
+        </p:nvSpPr>
+        <p:spPr/>
+        <p:txBody>
+          <a:bodyPr>
+            <a:normAutofit/>
+          </a:bodyPr>
+          <a:lstStyle/>
+          <a:p>
+            <a:r>
+              <a:rPr lang="pt-BR" sz="2400" dirty="0"/>
+              <a:t>Melhorar o processo de </a:t>
+            </a:r>
+            <a:r>
+              <a:rPr lang="pt-BR" sz="2400" b="1" dirty="0"/>
+              <a:t>Desenvolvimento</a:t>
+            </a:r>
+            <a:r>
+              <a:rPr lang="pt-BR" sz="2400" dirty="0"/>
+              <a:t> e </a:t>
+            </a:r>
+            <a:r>
+              <a:rPr lang="pt-BR" sz="2400" b="1" dirty="0"/>
+              <a:t>Teste</a:t>
+            </a:r>
+            <a:r>
+              <a:rPr lang="pt-BR" sz="2400" dirty="0"/>
+              <a:t> de </a:t>
+            </a:r>
+            <a:r>
+              <a:rPr lang="pt-BR" sz="2400" b="1" dirty="0"/>
+              <a:t>Obras</a:t>
+            </a:r>
+          </a:p>
+        </p:txBody>
+      </p:sp>
+      <p:pic>
+        <p:nvPicPr>
+          <p:cNvPr id="2056" name="Picture 8" descr="8.8/10] REST API with Ruby on Rails: The Complete Guide | Coursemarks">
+            <a:extLst>
+              <a:ext uri="{FF2B5EF4-FFF2-40B4-BE49-F238E27FC236}">
+                <a16:creationId xmlns:a16="http://schemas.microsoft.com/office/drawing/2014/main" id="{BA748194-A318-40FB-B3D9-A0795BED42F4}"/>
+              </a:ext>
+            </a:extLst>
+          </p:cNvPr>
+          <p:cNvPicPr>
+            <a:picLocks noGrp="1" noChangeAspect="1" noChangeArrowheads="1"/>
+          </p:cNvPicPr>
+          <p:nvPr>
+            <p:ph type="pic" idx="1"/>
+          </p:nvPr>
+        </p:nvPicPr>
+        <p:blipFill>
+          <a:blip r:embed="rId2">
+            <a:extLst>
+              <a:ext uri="{28A0092B-C50C-407E-A947-70E740481C1C}">
+                <a14:useLocalDpi xmlns:a14="http://schemas.microsoft.com/office/drawing/2010/main" val="0"/>
+              </a:ext>
+            </a:extLst>
+          </a:blip>
+          <a:srcRect l="14381" r="14381"/>
+          <a:stretch>
+            <a:fillRect/>
+          </a:stretch>
+        </p:blipFill>
+        <p:spPr bwMode="auto">
+          <a:prstGeom prst="rect">
+            <a:avLst/>
+          </a:prstGeom>
+          <a:noFill/>
+          <a:extLst>
+            <a:ext uri="{909E8E84-426E-40DD-AFC4-6F175D3DCCD1}">
+              <a14:hiddenFill xmlns:a14="http://schemas.microsoft.com/office/drawing/2010/main">
+                <a:solidFill>
+                  <a:srgbClr val="FFFFFF"/>
+                </a:solidFill>
+              </a14:hiddenFill>
+            </a:ext>
+          </a:extLst>
+        </p:spPr>
+      </p:pic>
+    </p:spTree>
+    <p:extLst>
+      <p:ext uri="{BB962C8B-B14F-4D97-AF65-F5344CB8AC3E}">
+        <p14:creationId xmlns:p14="http://schemas.microsoft.com/office/powerpoint/2010/main" val="1575272814"/>
+      </p:ext>
+    </p:extLst>
+  </p:cSld>
+  <p:clrMapOvr>
+    <a:masterClrMapping/>
+  </p:clrMapOvr>
+</p:sld>
+</file>
+
+<file path=ppt/slides/slide30.xml><?xml version="1.0" encoding="utf-8"?>
 <p:sld xmlns:a="http://schemas.openxmlformats.org/drawingml/2006/main" xmlns:r="http://schemas.openxmlformats.org/officeDocument/2006/relationships" xmlns:p="http://schemas.openxmlformats.org/presentationml/2006/main">
   <p:cSld>
     <p:bg>
@@ -11291,7 +12516,7 @@
 </p:sld>
 </file>
 
-<file path=ppt/slides/slide28.xml><?xml version="1.0" encoding="utf-8"?>
+<file path=ppt/slides/slide31.xml><?xml version="1.0" encoding="utf-8"?>
 <p:sld xmlns:a="http://schemas.openxmlformats.org/drawingml/2006/main" xmlns:r="http://schemas.openxmlformats.org/officeDocument/2006/relationships" xmlns:p="http://schemas.openxmlformats.org/presentationml/2006/main">
   <p:cSld>
     <p:spTree>
@@ -11429,54 +12654,54 @@
               <a:rPr lang="pt-BR" sz="2400" dirty="0"/>
             </a:br>
             <a:r>
-              <a:rPr lang="pt-BR" sz="2400" b="1" dirty="0">
+              <a:rPr lang="pt-BR" sz="2000" b="1" dirty="0">
                 <a:latin typeface="Courier New" panose="02070309020205020404" pitchFamily="49" charset="0"/>
                 <a:cs typeface="Courier New" panose="02070309020205020404" pitchFamily="49" charset="0"/>
               </a:rPr>
               <a:t>$ site set </a:t>
             </a:r>
             <a:r>
-              <a:rPr lang="pt-BR" sz="2400" b="1" dirty="0" err="1">
+              <a:rPr lang="pt-BR" sz="2000" b="1" dirty="0" err="1">
                 <a:latin typeface="Courier New" panose="02070309020205020404" pitchFamily="49" charset="0"/>
                 <a:cs typeface="Courier New" panose="02070309020205020404" pitchFamily="49" charset="0"/>
               </a:rPr>
               <a:t>audit</a:t>
             </a:r>
             <a:br>
-              <a:rPr lang="pt-BR" sz="2400" b="1" dirty="0">
+              <a:rPr lang="pt-BR" sz="2000" b="1" dirty="0">
                 <a:latin typeface="Courier New" panose="02070309020205020404" pitchFamily="49" charset="0"/>
                 <a:cs typeface="Courier New" panose="02070309020205020404" pitchFamily="49" charset="0"/>
               </a:rPr>
             </a:br>
             <a:r>
-              <a:rPr lang="pt-BR" sz="2400" b="1" dirty="0">
+              <a:rPr lang="pt-BR" sz="2000" b="1" dirty="0">
                 <a:latin typeface="Courier New" panose="02070309020205020404" pitchFamily="49" charset="0"/>
                 <a:cs typeface="Courier New" panose="02070309020205020404" pitchFamily="49" charset="0"/>
               </a:rPr>
               <a:t>$ site </a:t>
             </a:r>
             <a:r>
-              <a:rPr lang="pt-BR" sz="2400" b="1" dirty="0" err="1">
+              <a:rPr lang="pt-BR" sz="2000" b="1" dirty="0" err="1">
                 <a:latin typeface="Courier New" panose="02070309020205020404" pitchFamily="49" charset="0"/>
                 <a:cs typeface="Courier New" panose="02070309020205020404" pitchFamily="49" charset="0"/>
               </a:rPr>
               <a:t>audit</a:t>
             </a:r>
             <a:r>
-              <a:rPr lang="pt-BR" sz="2400" b="1" dirty="0">
+              <a:rPr lang="pt-BR" sz="2000" b="1" dirty="0">
                 <a:latin typeface="Courier New" panose="02070309020205020404" pitchFamily="49" charset="0"/>
                 <a:cs typeface="Courier New" panose="02070309020205020404" pitchFamily="49" charset="0"/>
               </a:rPr>
               <a:t> </a:t>
             </a:r>
             <a:br>
-              <a:rPr lang="pt-BR" sz="2400" b="1" dirty="0">
+              <a:rPr lang="pt-BR" sz="2000" b="1" dirty="0">
                 <a:latin typeface="Courier New" panose="02070309020205020404" pitchFamily="49" charset="0"/>
                 <a:cs typeface="Courier New" panose="02070309020205020404" pitchFamily="49" charset="0"/>
               </a:rPr>
             </a:br>
             <a:r>
-              <a:rPr lang="pt-BR" sz="2400" b="1" dirty="0">
+              <a:rPr lang="pt-BR" sz="2000" b="1" dirty="0">
                 <a:latin typeface="Courier New" panose="02070309020205020404" pitchFamily="49" charset="0"/>
                 <a:cs typeface="Courier New" panose="02070309020205020404" pitchFamily="49" charset="0"/>
               </a:rPr>
@@ -11485,47 +12710,47 @@
           </a:p>
           <a:p>
             <a:r>
-              <a:rPr lang="pt-BR" sz="2400" b="1" dirty="0">
+              <a:rPr lang="pt-BR" sz="2000" b="1" dirty="0">
                 <a:latin typeface="Courier New" panose="02070309020205020404" pitchFamily="49" charset="0"/>
                 <a:cs typeface="Courier New" panose="02070309020205020404" pitchFamily="49" charset="0"/>
               </a:rPr>
               <a:t>:</a:t>
             </a:r>
             <a:br>
-              <a:rPr lang="pt-BR" sz="2400" b="1" dirty="0">
+              <a:rPr lang="pt-BR" sz="2000" b="1" dirty="0">
                 <a:latin typeface="Courier New" panose="02070309020205020404" pitchFamily="49" charset="0"/>
                 <a:cs typeface="Courier New" panose="02070309020205020404" pitchFamily="49" charset="0"/>
               </a:rPr>
             </a:br>
             <a:r>
-              <a:rPr lang="pt-BR" sz="2400" b="1" dirty="0">
+              <a:rPr lang="pt-BR" sz="2000" b="1" dirty="0">
                 <a:latin typeface="Courier New" panose="02070309020205020404" pitchFamily="49" charset="0"/>
                 <a:cs typeface="Courier New" panose="02070309020205020404" pitchFamily="49" charset="0"/>
               </a:rPr>
               <a:t>$ site </a:t>
             </a:r>
             <a:r>
-              <a:rPr lang="pt-BR" sz="2400" b="1" dirty="0" err="1">
+              <a:rPr lang="pt-BR" sz="2000" b="1" dirty="0" err="1">
                 <a:latin typeface="Courier New" panose="02070309020205020404" pitchFamily="49" charset="0"/>
                 <a:cs typeface="Courier New" panose="02070309020205020404" pitchFamily="49" charset="0"/>
               </a:rPr>
               <a:t>unset</a:t>
             </a:r>
             <a:r>
-              <a:rPr lang="pt-BR" sz="2400" b="1" dirty="0">
+              <a:rPr lang="pt-BR" sz="2000" b="1" dirty="0">
                 <a:latin typeface="Courier New" panose="02070309020205020404" pitchFamily="49" charset="0"/>
                 <a:cs typeface="Courier New" panose="02070309020205020404" pitchFamily="49" charset="0"/>
               </a:rPr>
               <a:t> </a:t>
             </a:r>
             <a:r>
-              <a:rPr lang="pt-BR" sz="2400" b="1" dirty="0" err="1">
+              <a:rPr lang="pt-BR" sz="2000" b="1" dirty="0" err="1">
                 <a:latin typeface="Courier New" panose="02070309020205020404" pitchFamily="49" charset="0"/>
                 <a:cs typeface="Courier New" panose="02070309020205020404" pitchFamily="49" charset="0"/>
               </a:rPr>
               <a:t>audit</a:t>
             </a:r>
-            <a:endParaRPr lang="pt-BR" sz="2400" b="1" dirty="0">
+            <a:endParaRPr lang="pt-BR" sz="2000" b="1" dirty="0">
               <a:latin typeface="Courier New" panose="02070309020205020404" pitchFamily="49" charset="0"/>
               <a:cs typeface="Courier New" panose="02070309020205020404" pitchFamily="49" charset="0"/>
             </a:endParaRPr>
@@ -11548,7 +12773,7 @@
 </p:sld>
 </file>
 
-<file path=ppt/slides/slide29.xml><?xml version="1.0" encoding="utf-8"?>
+<file path=ppt/slides/slide32.xml><?xml version="1.0" encoding="utf-8"?>
 <p:sld xmlns:a="http://schemas.openxmlformats.org/drawingml/2006/main" xmlns:r="http://schemas.openxmlformats.org/officeDocument/2006/relationships" xmlns:p="http://schemas.openxmlformats.org/presentationml/2006/main">
   <p:cSld>
     <p:spTree>
@@ -11670,47 +12895,47 @@
               <a:rPr lang="pt-BR" sz="2400" dirty="0"/>
             </a:br>
             <a:r>
-              <a:rPr lang="pt-BR" sz="2400" b="1" dirty="0">
+              <a:rPr lang="pt-BR" sz="2000" b="1" dirty="0">
                 <a:latin typeface="Courier New" panose="02070309020205020404" pitchFamily="49" charset="0"/>
                 <a:cs typeface="Courier New" panose="02070309020205020404" pitchFamily="49" charset="0"/>
               </a:rPr>
               <a:t>$ site set </a:t>
             </a:r>
             <a:r>
-              <a:rPr lang="pt-BR" sz="2400" b="1" dirty="0" err="1">
+              <a:rPr lang="pt-BR" sz="2000" b="1" dirty="0" err="1">
                 <a:latin typeface="Courier New" panose="02070309020205020404" pitchFamily="49" charset="0"/>
                 <a:cs typeface="Courier New" panose="02070309020205020404" pitchFamily="49" charset="0"/>
               </a:rPr>
               <a:t>brakeman</a:t>
             </a:r>
             <a:br>
-              <a:rPr lang="pt-BR" sz="2400" b="1" dirty="0">
+              <a:rPr lang="pt-BR" sz="2000" b="1" dirty="0">
                 <a:latin typeface="Courier New" panose="02070309020205020404" pitchFamily="49" charset="0"/>
                 <a:cs typeface="Courier New" panose="02070309020205020404" pitchFamily="49" charset="0"/>
               </a:rPr>
             </a:br>
             <a:r>
-              <a:rPr lang="pt-BR" sz="2400" b="1" dirty="0">
+              <a:rPr lang="pt-BR" sz="2000" b="1" dirty="0">
                 <a:latin typeface="Courier New" panose="02070309020205020404" pitchFamily="49" charset="0"/>
                 <a:cs typeface="Courier New" panose="02070309020205020404" pitchFamily="49" charset="0"/>
               </a:rPr>
               <a:t>$ site </a:t>
             </a:r>
             <a:r>
-              <a:rPr lang="pt-BR" sz="2400" b="1" dirty="0" err="1">
+              <a:rPr lang="pt-BR" sz="2000" b="1" dirty="0" err="1">
                 <a:latin typeface="Courier New" panose="02070309020205020404" pitchFamily="49" charset="0"/>
                 <a:cs typeface="Courier New" panose="02070309020205020404" pitchFamily="49" charset="0"/>
               </a:rPr>
               <a:t>brakeman</a:t>
             </a:r>
             <a:br>
-              <a:rPr lang="pt-BR" sz="2400" b="1" dirty="0">
+              <a:rPr lang="pt-BR" sz="2000" b="1" dirty="0">
                 <a:latin typeface="Courier New" panose="02070309020205020404" pitchFamily="49" charset="0"/>
                 <a:cs typeface="Courier New" panose="02070309020205020404" pitchFamily="49" charset="0"/>
               </a:rPr>
             </a:br>
             <a:r>
-              <a:rPr lang="pt-BR" sz="2400" b="1" dirty="0">
+              <a:rPr lang="pt-BR" sz="2000" b="1" dirty="0">
                 <a:latin typeface="Courier New" panose="02070309020205020404" pitchFamily="49" charset="0"/>
                 <a:cs typeface="Courier New" panose="02070309020205020404" pitchFamily="49" charset="0"/>
               </a:rPr>
@@ -11719,47 +12944,47 @@
           </a:p>
           <a:p>
             <a:r>
-              <a:rPr lang="pt-BR" sz="2400" b="1" dirty="0">
+              <a:rPr lang="pt-BR" sz="2000" b="1" dirty="0">
                 <a:latin typeface="Courier New" panose="02070309020205020404" pitchFamily="49" charset="0"/>
                 <a:cs typeface="Courier New" panose="02070309020205020404" pitchFamily="49" charset="0"/>
               </a:rPr>
               <a:t>:</a:t>
             </a:r>
             <a:br>
-              <a:rPr lang="pt-BR" sz="2400" b="1" dirty="0">
+              <a:rPr lang="pt-BR" sz="2000" b="1" dirty="0">
                 <a:latin typeface="Courier New" panose="02070309020205020404" pitchFamily="49" charset="0"/>
                 <a:cs typeface="Courier New" panose="02070309020205020404" pitchFamily="49" charset="0"/>
               </a:rPr>
             </a:br>
             <a:r>
-              <a:rPr lang="pt-BR" sz="2400" b="1" dirty="0">
+              <a:rPr lang="pt-BR" sz="2000" b="1" dirty="0">
                 <a:latin typeface="Courier New" panose="02070309020205020404" pitchFamily="49" charset="0"/>
                 <a:cs typeface="Courier New" panose="02070309020205020404" pitchFamily="49" charset="0"/>
               </a:rPr>
               <a:t>$ site </a:t>
             </a:r>
             <a:r>
-              <a:rPr lang="pt-BR" sz="2400" b="1" dirty="0" err="1">
+              <a:rPr lang="pt-BR" sz="2000" b="1" dirty="0" err="1">
                 <a:latin typeface="Courier New" panose="02070309020205020404" pitchFamily="49" charset="0"/>
                 <a:cs typeface="Courier New" panose="02070309020205020404" pitchFamily="49" charset="0"/>
               </a:rPr>
               <a:t>unset</a:t>
             </a:r>
             <a:r>
-              <a:rPr lang="pt-BR" sz="2400" b="1" dirty="0">
+              <a:rPr lang="pt-BR" sz="2000" b="1" dirty="0">
                 <a:latin typeface="Courier New" panose="02070309020205020404" pitchFamily="49" charset="0"/>
                 <a:cs typeface="Courier New" panose="02070309020205020404" pitchFamily="49" charset="0"/>
               </a:rPr>
               <a:t> </a:t>
             </a:r>
             <a:r>
-              <a:rPr lang="pt-BR" sz="2400" b="1" dirty="0" err="1">
+              <a:rPr lang="pt-BR" sz="2000" b="1" dirty="0" err="1">
                 <a:latin typeface="Courier New" panose="02070309020205020404" pitchFamily="49" charset="0"/>
                 <a:cs typeface="Courier New" panose="02070309020205020404" pitchFamily="49" charset="0"/>
               </a:rPr>
               <a:t>brakeman</a:t>
             </a:r>
-            <a:endParaRPr lang="pt-BR" sz="2400" b="1" dirty="0">
+            <a:endParaRPr lang="pt-BR" sz="2000" b="1" dirty="0">
               <a:latin typeface="Courier New" panose="02070309020205020404" pitchFamily="49" charset="0"/>
               <a:cs typeface="Courier New" panose="02070309020205020404" pitchFamily="49" charset="0"/>
             </a:endParaRPr>
@@ -11782,170 +13007,7 @@
 </p:sld>
 </file>
 
-<file path=ppt/slides/slide3.xml><?xml version="1.0" encoding="utf-8"?>
-<p:sld xmlns:a="http://schemas.openxmlformats.org/drawingml/2006/main" xmlns:r="http://schemas.openxmlformats.org/officeDocument/2006/relationships" xmlns:p="http://schemas.openxmlformats.org/presentationml/2006/main">
-  <p:cSld>
-    <p:bg>
-      <p:bgPr>
-        <a:solidFill>
-          <a:schemeClr val="bg1"/>
-        </a:solidFill>
-        <a:effectLst/>
-      </p:bgPr>
-    </p:bg>
-    <p:spTree>
-      <p:nvGrpSpPr>
-        <p:cNvPr id="1" name=""/>
-        <p:cNvGrpSpPr/>
-        <p:nvPr/>
-      </p:nvGrpSpPr>
-      <p:grpSpPr>
-        <a:xfrm>
-          <a:off x="0" y="0"/>
-          <a:ext cx="0" cy="0"/>
-          <a:chOff x="0" y="0"/>
-          <a:chExt cx="0" cy="0"/>
-        </a:xfrm>
-      </p:grpSpPr>
-      <p:sp>
-        <p:nvSpPr>
-          <p:cNvPr id="2" name="Título 1">
-            <a:extLst>
-              <a:ext uri="{FF2B5EF4-FFF2-40B4-BE49-F238E27FC236}">
-                <a16:creationId xmlns:a16="http://schemas.microsoft.com/office/drawing/2014/main" id="{B02E6243-FBEA-46C1-BCFD-BCC16DC29E9C}"/>
-              </a:ext>
-            </a:extLst>
-          </p:cNvPr>
-          <p:cNvSpPr>
-            <a:spLocks noGrp="1"/>
-          </p:cNvSpPr>
-          <p:nvPr>
-            <p:ph type="title"/>
-          </p:nvPr>
-        </p:nvSpPr>
-        <p:spPr/>
-        <p:txBody>
-          <a:bodyPr>
-            <a:normAutofit/>
-          </a:bodyPr>
-          <a:lstStyle/>
-          <a:p>
-            <a:r>
-              <a:rPr lang="pt-BR" sz="4400" b="1" dirty="0"/>
-              <a:t>Objetivo</a:t>
-            </a:r>
-          </a:p>
-        </p:txBody>
-      </p:sp>
-      <p:sp>
-        <p:nvSpPr>
-          <p:cNvPr id="3" name="Espaço Reservado para Conteúdo 2">
-            <a:extLst>
-              <a:ext uri="{FF2B5EF4-FFF2-40B4-BE49-F238E27FC236}">
-                <a16:creationId xmlns:a16="http://schemas.microsoft.com/office/drawing/2014/main" id="{B6A6AC4D-5C6E-4C8D-B0FB-7081D40C070E}"/>
-              </a:ext>
-            </a:extLst>
-          </p:cNvPr>
-          <p:cNvSpPr>
-            <a:spLocks noGrp="1"/>
-          </p:cNvSpPr>
-          <p:nvPr>
-            <p:ph type="body" sz="half" idx="2"/>
-          </p:nvPr>
-        </p:nvSpPr>
-        <p:spPr/>
-        <p:txBody>
-          <a:bodyPr>
-            <a:normAutofit/>
-          </a:bodyPr>
-          <a:lstStyle/>
-          <a:p>
-            <a:r>
-              <a:rPr lang="pt-BR" sz="2400" dirty="0"/>
-              <a:t>Melhorar o processo de </a:t>
-            </a:r>
-            <a:r>
-              <a:rPr lang="pt-BR" sz="2400" b="1" dirty="0"/>
-              <a:t>Desenvolvimento</a:t>
-            </a:r>
-            <a:r>
-              <a:rPr lang="pt-BR" sz="2400" dirty="0"/>
-              <a:t> e </a:t>
-            </a:r>
-            <a:r>
-              <a:rPr lang="pt-BR" sz="2400" b="1" dirty="0"/>
-              <a:t>Teste</a:t>
-            </a:r>
-            <a:r>
-              <a:rPr lang="pt-BR" sz="2400" dirty="0"/>
-              <a:t> de </a:t>
-            </a:r>
-            <a:r>
-              <a:rPr lang="pt-BR" sz="2400" b="1" dirty="0"/>
-              <a:t>Obras</a:t>
-            </a:r>
-          </a:p>
-        </p:txBody>
-      </p:sp>
-      <p:pic>
-        <p:nvPicPr>
-          <p:cNvPr id="2056" name="Picture 8" descr="8.8/10] REST API with Ruby on Rails: The Complete Guide | Coursemarks">
-            <a:extLst>
-              <a:ext uri="{FF2B5EF4-FFF2-40B4-BE49-F238E27FC236}">
-                <a16:creationId xmlns:a16="http://schemas.microsoft.com/office/drawing/2014/main" id="{BA748194-A318-40FB-B3D9-A0795BED42F4}"/>
-              </a:ext>
-            </a:extLst>
-          </p:cNvPr>
-          <p:cNvPicPr>
-            <a:picLocks noGrp="1" noChangeAspect="1" noChangeArrowheads="1"/>
-          </p:cNvPicPr>
-          <p:nvPr>
-            <p:ph type="pic" idx="1"/>
-          </p:nvPr>
-        </p:nvPicPr>
-        <p:blipFill>
-          <a:blip r:embed="rId2">
-            <a:extLst>
-              <a:ext uri="{28A0092B-C50C-407E-A947-70E740481C1C}">
-                <a14:useLocalDpi xmlns:a14="http://schemas.microsoft.com/office/drawing/2010/main" val="0"/>
-              </a:ext>
-            </a:extLst>
-          </a:blip>
-          <a:srcRect l="14381" r="14381"/>
-          <a:stretch>
-            <a:fillRect/>
-          </a:stretch>
-        </p:blipFill>
-        <p:spPr bwMode="auto">
-          <a:prstGeom prst="rect">
-            <a:avLst/>
-          </a:prstGeom>
-          <a:noFill/>
-          <a:extLst>
-            <a:ext uri="{909E8E84-426E-40DD-AFC4-6F175D3DCCD1}">
-              <a14:hiddenFill xmlns:a14="http://schemas.microsoft.com/office/drawing/2010/main">
-                <a:solidFill>
-                  <a:srgbClr val="FFFFFF"/>
-                </a:solidFill>
-              </a14:hiddenFill>
-            </a:ext>
-          </a:extLst>
-        </p:spPr>
-      </p:pic>
-    </p:spTree>
-    <p:extLst>
-      <p:ext uri="{BB962C8B-B14F-4D97-AF65-F5344CB8AC3E}">
-        <p14:creationId xmlns:p14="http://schemas.microsoft.com/office/powerpoint/2010/main" val="1575272814"/>
-      </p:ext>
-    </p:extLst>
-  </p:cSld>
-  <p:clrMapOvr>
-    <a:masterClrMapping/>
-  </p:clrMapOvr>
-</p:sld>
-</file>
-
-<file path=ppt/slides/slide30.xml><?xml version="1.0" encoding="utf-8"?>
+<file path=ppt/slides/slide33.xml><?xml version="1.0" encoding="utf-8"?>
 <p:sld xmlns:a="http://schemas.openxmlformats.org/drawingml/2006/main" xmlns:r="http://schemas.openxmlformats.org/officeDocument/2006/relationships" xmlns:p="http://schemas.openxmlformats.org/presentationml/2006/main">
   <p:cSld>
     <p:bg>
@@ -12930,7 +13992,7 @@
 </p:sld>
 </file>
 
-<file path=ppt/slides/slide31.xml><?xml version="1.0" encoding="utf-8"?>
+<file path=ppt/slides/slide34.xml><?xml version="1.0" encoding="utf-8"?>
 <p:sld xmlns:a="http://schemas.openxmlformats.org/drawingml/2006/main" xmlns:r="http://schemas.openxmlformats.org/officeDocument/2006/relationships" xmlns:p="http://schemas.openxmlformats.org/presentationml/2006/main">
   <p:cSld>
     <p:spTree>
@@ -13009,46 +14071,46 @@
           <a:lstStyle/>
           <a:p>
             <a:r>
-              <a:rPr lang="pt-BR" b="1" dirty="0">
+              <a:rPr lang="pt-BR" sz="2000" b="1" dirty="0">
                 <a:latin typeface="Courier New" panose="02070309020205020404" pitchFamily="49" charset="0"/>
                 <a:cs typeface="Courier New" panose="02070309020205020404" pitchFamily="49" charset="0"/>
               </a:rPr>
               <a:t>$ site </a:t>
             </a:r>
             <a:r>
-              <a:rPr lang="pt-BR" b="1" dirty="0" err="1">
+              <a:rPr lang="pt-BR" sz="2000" b="1" dirty="0" err="1">
                 <a:latin typeface="Courier New" panose="02070309020205020404" pitchFamily="49" charset="0"/>
                 <a:cs typeface="Courier New" panose="02070309020205020404" pitchFamily="49" charset="0"/>
               </a:rPr>
               <a:t>refs</a:t>
             </a:r>
             <a:r>
-              <a:rPr lang="pt-BR" b="1" dirty="0">
+              <a:rPr lang="pt-BR" sz="2000" b="1" dirty="0">
                 <a:latin typeface="Courier New" panose="02070309020205020404" pitchFamily="49" charset="0"/>
                 <a:cs typeface="Courier New" panose="02070309020205020404" pitchFamily="49" charset="0"/>
               </a:rPr>
               <a:t> </a:t>
             </a:r>
             <a:br>
-              <a:rPr lang="pt-BR" b="1" dirty="0">
+              <a:rPr lang="pt-BR" sz="2000" b="1" dirty="0">
                 <a:latin typeface="Courier New" panose="02070309020205020404" pitchFamily="49" charset="0"/>
                 <a:cs typeface="Courier New" panose="02070309020205020404" pitchFamily="49" charset="0"/>
               </a:rPr>
             </a:br>
             <a:r>
-              <a:rPr lang="pt-BR" b="1" dirty="0">
+              <a:rPr lang="pt-BR" sz="2000" b="1" dirty="0">
                 <a:latin typeface="Courier New" panose="02070309020205020404" pitchFamily="49" charset="0"/>
                 <a:cs typeface="Courier New" panose="02070309020205020404" pitchFamily="49" charset="0"/>
               </a:rPr>
               <a:t>:</a:t>
             </a:r>
             <a:br>
-              <a:rPr lang="pt-BR" b="1" dirty="0">
+              <a:rPr lang="pt-BR" sz="2000" b="1" dirty="0">
                 <a:latin typeface="Courier New" panose="02070309020205020404" pitchFamily="49" charset="0"/>
                 <a:cs typeface="Courier New" panose="02070309020205020404" pitchFamily="49" charset="0"/>
               </a:rPr>
             </a:br>
-            <a:endParaRPr lang="pt-BR" dirty="0"/>
+            <a:endParaRPr lang="pt-BR" sz="2000" dirty="0"/>
           </a:p>
         </p:txBody>
       </p:sp>
@@ -13088,7 +14150,7 @@
 </p:sld>
 </file>
 
-<file path=ppt/slides/slide32.xml><?xml version="1.0" encoding="utf-8"?>
+<file path=ppt/slides/slide35.xml><?xml version="1.0" encoding="utf-8"?>
 <p:sld xmlns:a="http://schemas.openxmlformats.org/drawingml/2006/main" xmlns:r="http://schemas.openxmlformats.org/officeDocument/2006/relationships" xmlns:p="http://schemas.openxmlformats.org/presentationml/2006/main">
   <p:cSld>
     <p:bg>
@@ -13115,7 +14177,7 @@
       </p:grpSpPr>
       <p:sp useBgFill="1">
         <p:nvSpPr>
-          <p:cNvPr id="39" name="Rectangle 38">
+          <p:cNvPr id="32" name="Rectangle 31">
             <a:extLst>
               <a:ext uri="{FF2B5EF4-FFF2-40B4-BE49-F238E27FC236}">
                 <a16:creationId xmlns:a16="http://schemas.microsoft.com/office/drawing/2014/main" id="{3E443FD7-A66B-4AA0-872D-B088B9BC5F17}"/>
@@ -13204,19 +14266,11 @@
             <a:pPr algn="l"/>
             <a:r>
               <a:rPr lang="pt-BR" b="1" dirty="0"/>
-              <a:t>Site </a:t>
+              <a:t>Conexão com </a:t>
             </a:r>
             <a:r>
               <a:rPr lang="pt-BR" b="1" dirty="0" err="1"/>
-              <a:t>Refs</a:t>
-            </a:r>
-            <a:r>
-              <a:rPr lang="pt-BR" b="1" dirty="0"/>
-              <a:t> </a:t>
-            </a:r>
-            <a:r>
-              <a:rPr lang="pt-BR" b="1" dirty="0" err="1"/>
-              <a:t>Obrasutils</a:t>
+              <a:t>Homolog</a:t>
             </a:r>
             <a:endParaRPr lang="pt-BR" b="1" dirty="0"/>
           </a:p>
@@ -13252,15 +14306,19 @@
           <a:p>
             <a:pPr algn="l"/>
             <a:r>
+              <a:rPr lang="pt-BR" b="1" dirty="0" err="1"/>
+              <a:t>Homolog</a:t>
+            </a:r>
+            <a:r>
               <a:rPr lang="pt-BR" b="1" dirty="0"/>
-              <a:t>Referências</a:t>
+              <a:t> Console</a:t>
             </a:r>
           </a:p>
         </p:txBody>
       </p:sp>
       <p:sp>
         <p:nvSpPr>
-          <p:cNvPr id="41" name="Freeform: Shape 40">
+          <p:cNvPr id="34" name="Freeform: Shape 33">
             <a:extLst>
               <a:ext uri="{FF2B5EF4-FFF2-40B4-BE49-F238E27FC236}">
                 <a16:creationId xmlns:a16="http://schemas.microsoft.com/office/drawing/2014/main" id="{C04BE0EF-3561-49B4-9A29-F283168A91C7}"/>
@@ -14034,10 +15092,10 @@
       </p:sp>
       <p:pic>
         <p:nvPicPr>
-          <p:cNvPr id="7" name="Imagem 6" descr="Ícone&#10;&#10;Descrição gerada automaticamente">
+          <p:cNvPr id="6" name="Imagem 5" descr="Desenho de personagem de desenho animado&#10;&#10;Descrição gerada automaticamente com confiança baixa">
             <a:extLst>
               <a:ext uri="{FF2B5EF4-FFF2-40B4-BE49-F238E27FC236}">
-                <a16:creationId xmlns:a16="http://schemas.microsoft.com/office/drawing/2014/main" id="{380C0845-E638-4E64-A8B2-6BF6123F1CB0}"/>
+                <a16:creationId xmlns:a16="http://schemas.microsoft.com/office/drawing/2014/main" id="{193569E6-EBA3-4DF2-AA1B-8621057D1F5F}"/>
               </a:ext>
             </a:extLst>
           </p:cNvPr>
@@ -14060,8 +15118,8 @@
         </p:blipFill>
         <p:spPr>
           <a:xfrm>
-            <a:off x="7531503" y="2129307"/>
-            <a:ext cx="3217333" cy="3217333"/>
+            <a:off x="7579762" y="2129307"/>
+            <a:ext cx="3120815" cy="3217333"/>
           </a:xfrm>
           <a:prstGeom prst="rect">
             <a:avLst/>
@@ -14071,7 +15129,7 @@
     </p:spTree>
     <p:extLst>
       <p:ext uri="{BB962C8B-B14F-4D97-AF65-F5344CB8AC3E}">
-        <p14:creationId xmlns:p14="http://schemas.microsoft.com/office/powerpoint/2010/main" val="2208674123"/>
+        <p14:creationId xmlns:p14="http://schemas.microsoft.com/office/powerpoint/2010/main" val="342615125"/>
       </p:ext>
     </p:extLst>
   </p:cSld>
@@ -14081,7 +15139,7 @@
 </p:sld>
 </file>
 
-<file path=ppt/slides/slide33.xml><?xml version="1.0" encoding="utf-8"?>
+<file path=ppt/slides/slide36.xml><?xml version="1.0" encoding="utf-8"?>
 <p:sld xmlns:a="http://schemas.openxmlformats.org/drawingml/2006/main" xmlns:r="http://schemas.openxmlformats.org/officeDocument/2006/relationships" xmlns:p="http://schemas.openxmlformats.org/presentationml/2006/main">
   <p:cSld>
     <p:spTree>
@@ -14123,19 +15181,11 @@
           <a:p>
             <a:r>
               <a:rPr lang="pt-BR" b="1" dirty="0"/>
-              <a:t>Site </a:t>
+              <a:t>Conexão com </a:t>
             </a:r>
             <a:r>
               <a:rPr lang="pt-BR" b="1" dirty="0" err="1"/>
-              <a:t>Refs</a:t>
-            </a:r>
-            <a:r>
-              <a:rPr lang="pt-BR" b="1" dirty="0"/>
-              <a:t> </a:t>
-            </a:r>
-            <a:r>
-              <a:rPr lang="pt-BR" b="1" dirty="0" err="1"/>
-              <a:t>Obrasutils</a:t>
+              <a:t>Homolog</a:t>
             </a:r>
             <a:br>
               <a:rPr lang="pt-BR" dirty="0"/>
@@ -14168,32 +15218,119 @@
           <a:lstStyle/>
           <a:p>
             <a:r>
-              <a:rPr lang="pt-BR" b="1" dirty="0">
+              <a:rPr lang="pt-BR" sz="2000" b="1" dirty="0">
                 <a:latin typeface="Courier New" panose="02070309020205020404" pitchFamily="49" charset="0"/>
                 <a:cs typeface="Courier New" panose="02070309020205020404" pitchFamily="49" charset="0"/>
               </a:rPr>
               <a:t>$ site </a:t>
             </a:r>
             <a:r>
-              <a:rPr lang="pt-BR" b="1" dirty="0" err="1">
-                <a:latin typeface="Courier New" panose="02070309020205020404" pitchFamily="49" charset="0"/>
-                <a:cs typeface="Courier New" panose="02070309020205020404" pitchFamily="49" charset="0"/>
-              </a:rPr>
-              <a:t>refs</a:t>
-            </a:r>
-            <a:r>
-              <a:rPr lang="pt-BR" b="1" dirty="0">
+              <a:rPr lang="pt-BR" sz="2000" b="1" dirty="0" err="1">
+                <a:latin typeface="Courier New" panose="02070309020205020404" pitchFamily="49" charset="0"/>
+                <a:cs typeface="Courier New" panose="02070309020205020404" pitchFamily="49" charset="0"/>
+              </a:rPr>
+              <a:t>conn</a:t>
+            </a:r>
+            <a:r>
+              <a:rPr lang="pt-BR" sz="2000" b="1" dirty="0">
                 <a:latin typeface="Courier New" panose="02070309020205020404" pitchFamily="49" charset="0"/>
                 <a:cs typeface="Courier New" panose="02070309020205020404" pitchFamily="49" charset="0"/>
               </a:rPr>
               <a:t> </a:t>
             </a:r>
-            <a:r>
-              <a:rPr lang="pt-BR" b="1" dirty="0" err="1">
-                <a:latin typeface="Courier New" panose="02070309020205020404" pitchFamily="49" charset="0"/>
-                <a:cs typeface="Courier New" panose="02070309020205020404" pitchFamily="49" charset="0"/>
-              </a:rPr>
-              <a:t>obrasutils</a:t>
+            <a:br>
+              <a:rPr lang="pt-BR" sz="2000" b="1" dirty="0">
+                <a:latin typeface="Courier New" panose="02070309020205020404" pitchFamily="49" charset="0"/>
+                <a:cs typeface="Courier New" panose="02070309020205020404" pitchFamily="49" charset="0"/>
+              </a:rPr>
+            </a:br>
+            <a:br>
+              <a:rPr lang="pt-BR" sz="2000" b="1" dirty="0">
+                <a:latin typeface="Courier New" panose="02070309020205020404" pitchFamily="49" charset="0"/>
+                <a:cs typeface="Courier New" panose="02070309020205020404" pitchFamily="49" charset="0"/>
+              </a:rPr>
+            </a:br>
+            <a:r>
+              <a:rPr lang="pt-BR" sz="2000" b="1" dirty="0">
+                <a:latin typeface="Courier New" panose="02070309020205020404" pitchFamily="49" charset="0"/>
+                <a:cs typeface="Courier New" panose="02070309020205020404" pitchFamily="49" charset="0"/>
+              </a:rPr>
+              <a:t>$ ./</a:t>
+            </a:r>
+            <a:r>
+              <a:rPr lang="pt-BR" sz="2000" b="1" dirty="0" err="1">
+                <a:latin typeface="Courier New" panose="02070309020205020404" pitchFamily="49" charset="0"/>
+                <a:cs typeface="Courier New" panose="02070309020205020404" pitchFamily="49" charset="0"/>
+              </a:rPr>
+              <a:t>rails</a:t>
+            </a:r>
+            <a:r>
+              <a:rPr lang="pt-BR" sz="2000" b="1" dirty="0">
+                <a:latin typeface="Courier New" panose="02070309020205020404" pitchFamily="49" charset="0"/>
+                <a:cs typeface="Courier New" panose="02070309020205020404" pitchFamily="49" charset="0"/>
+              </a:rPr>
+              <a:t> console</a:t>
+            </a:r>
+            <a:br>
+              <a:rPr lang="pt-BR" sz="2000" b="1" dirty="0">
+                <a:latin typeface="Courier New" panose="02070309020205020404" pitchFamily="49" charset="0"/>
+                <a:cs typeface="Courier New" panose="02070309020205020404" pitchFamily="49" charset="0"/>
+              </a:rPr>
+            </a:br>
+            <a:r>
+              <a:rPr lang="pt-BR" sz="2000" b="1" dirty="0">
+                <a:latin typeface="Courier New" panose="02070309020205020404" pitchFamily="49" charset="0"/>
+                <a:cs typeface="Courier New" panose="02070309020205020404" pitchFamily="49" charset="0"/>
+              </a:rPr>
+              <a:t>:</a:t>
+            </a:r>
+          </a:p>
+          <a:p>
+            <a:endParaRPr lang="pt-BR" sz="2000" b="1" dirty="0">
+              <a:latin typeface="Courier New" panose="02070309020205020404" pitchFamily="49" charset="0"/>
+              <a:cs typeface="Courier New" panose="02070309020205020404" pitchFamily="49" charset="0"/>
+            </a:endParaRPr>
+          </a:p>
+          <a:p>
+            <a:r>
+              <a:rPr lang="pt-BR" sz="2000" b="1" dirty="0">
+                <a:latin typeface="Courier New" panose="02070309020205020404" pitchFamily="49" charset="0"/>
+                <a:cs typeface="Courier New" panose="02070309020205020404" pitchFamily="49" charset="0"/>
+              </a:rPr>
+              <a:t>$ </a:t>
+            </a:r>
+            <a:r>
+              <a:rPr lang="pt-BR" sz="2000" b="1" dirty="0" err="1">
+                <a:latin typeface="Courier New" panose="02070309020205020404" pitchFamily="49" charset="0"/>
+                <a:cs typeface="Courier New" panose="02070309020205020404" pitchFamily="49" charset="0"/>
+              </a:rPr>
+              <a:t>exit</a:t>
+            </a:r>
+            <a:br>
+              <a:rPr lang="pt-BR" sz="2000" b="1" dirty="0">
+                <a:latin typeface="Courier New" panose="02070309020205020404" pitchFamily="49" charset="0"/>
+                <a:cs typeface="Courier New" panose="02070309020205020404" pitchFamily="49" charset="0"/>
+              </a:rPr>
+            </a:br>
+            <a:br>
+              <a:rPr lang="pt-BR" sz="2000" b="1" dirty="0">
+                <a:latin typeface="Courier New" panose="02070309020205020404" pitchFamily="49" charset="0"/>
+                <a:cs typeface="Courier New" panose="02070309020205020404" pitchFamily="49" charset="0"/>
+              </a:rPr>
+            </a:br>
+            <a:r>
+              <a:rPr lang="pt-BR" sz="2000" b="1" dirty="0">
+                <a:latin typeface="Courier New" panose="02070309020205020404" pitchFamily="49" charset="0"/>
+                <a:cs typeface="Courier New" panose="02070309020205020404" pitchFamily="49" charset="0"/>
+              </a:rPr>
+              <a:t>$ </a:t>
+            </a:r>
+            <a:r>
+              <a:rPr lang="pt-BR" sz="2000" b="1" dirty="0" err="1">
+                <a:latin typeface="Courier New" panose="02070309020205020404" pitchFamily="49" charset="0"/>
+                <a:cs typeface="Courier New" panose="02070309020205020404" pitchFamily="49" charset="0"/>
+              </a:rPr>
+              <a:t>exit</a:t>
             </a:r>
             <a:br>
               <a:rPr lang="pt-BR" b="1" dirty="0">
@@ -14201,140 +15338,16 @@
                 <a:cs typeface="Courier New" panose="02070309020205020404" pitchFamily="49" charset="0"/>
               </a:rPr>
             </a:br>
-            <a:r>
-              <a:rPr lang="pt-BR" b="1" dirty="0">
-                <a:latin typeface="Courier New" panose="02070309020205020404" pitchFamily="49" charset="0"/>
-                <a:cs typeface="Courier New" panose="02070309020205020404" pitchFamily="49" charset="0"/>
-              </a:rPr>
-              <a:t>:</a:t>
-            </a:r>
-          </a:p>
-          <a:p>
-            <a:r>
-              <a:rPr lang="pt-BR" b="1" dirty="0">
-                <a:latin typeface="Courier New" panose="02070309020205020404" pitchFamily="49" charset="0"/>
-                <a:cs typeface="Courier New" panose="02070309020205020404" pitchFamily="49" charset="0"/>
-              </a:rPr>
-              <a:t>$ site </a:t>
-            </a:r>
-            <a:r>
-              <a:rPr lang="pt-BR" b="1" dirty="0" err="1">
-                <a:latin typeface="Courier New" panose="02070309020205020404" pitchFamily="49" charset="0"/>
-                <a:cs typeface="Courier New" panose="02070309020205020404" pitchFamily="49" charset="0"/>
-              </a:rPr>
-              <a:t>refs</a:t>
-            </a:r>
-            <a:r>
-              <a:rPr lang="pt-BR" b="1" dirty="0">
-                <a:latin typeface="Courier New" panose="02070309020205020404" pitchFamily="49" charset="0"/>
-                <a:cs typeface="Courier New" panose="02070309020205020404" pitchFamily="49" charset="0"/>
-              </a:rPr>
-              <a:t> </a:t>
-            </a:r>
-            <a:r>
-              <a:rPr lang="pt-BR" b="1" dirty="0" err="1">
-                <a:latin typeface="Courier New" panose="02070309020205020404" pitchFamily="49" charset="0"/>
-                <a:cs typeface="Courier New" panose="02070309020205020404" pitchFamily="49" charset="0"/>
-              </a:rPr>
-              <a:t>obrasutils</a:t>
-            </a:r>
-            <a:r>
-              <a:rPr lang="pt-BR" b="1" dirty="0">
-                <a:latin typeface="Courier New" panose="02070309020205020404" pitchFamily="49" charset="0"/>
-                <a:cs typeface="Courier New" panose="02070309020205020404" pitchFamily="49" charset="0"/>
-              </a:rPr>
-              <a:t> tools</a:t>
-            </a:r>
-            <a:br>
-              <a:rPr lang="pt-BR" b="1" dirty="0">
-                <a:latin typeface="Courier New" panose="02070309020205020404" pitchFamily="49" charset="0"/>
-                <a:cs typeface="Courier New" panose="02070309020205020404" pitchFamily="49" charset="0"/>
-              </a:rPr>
-            </a:br>
-            <a:r>
-              <a:rPr lang="pt-BR" b="1" dirty="0">
-                <a:latin typeface="Courier New" panose="02070309020205020404" pitchFamily="49" charset="0"/>
-                <a:cs typeface="Courier New" panose="02070309020205020404" pitchFamily="49" charset="0"/>
-              </a:rPr>
-              <a:t>:</a:t>
-            </a:r>
-            <a:br>
-              <a:rPr lang="pt-BR" b="1" dirty="0">
-                <a:latin typeface="Courier New" panose="02070309020205020404" pitchFamily="49" charset="0"/>
-                <a:cs typeface="Courier New" panose="02070309020205020404" pitchFamily="49" charset="0"/>
-              </a:rPr>
-            </a:br>
-            <a:br>
-              <a:rPr lang="pt-BR" b="1" dirty="0">
-                <a:latin typeface="Courier New" panose="02070309020205020404" pitchFamily="49" charset="0"/>
-                <a:cs typeface="Courier New" panose="02070309020205020404" pitchFamily="49" charset="0"/>
-              </a:rPr>
-            </a:br>
-            <a:r>
-              <a:rPr lang="pt-BR" b="1" dirty="0">
-                <a:latin typeface="Courier New" panose="02070309020205020404" pitchFamily="49" charset="0"/>
-                <a:cs typeface="Courier New" panose="02070309020205020404" pitchFamily="49" charset="0"/>
-              </a:rPr>
-              <a:t>$ site </a:t>
-            </a:r>
-            <a:r>
-              <a:rPr lang="pt-BR" b="1" dirty="0" err="1">
-                <a:latin typeface="Courier New" panose="02070309020205020404" pitchFamily="49" charset="0"/>
-                <a:cs typeface="Courier New" panose="02070309020205020404" pitchFamily="49" charset="0"/>
-              </a:rPr>
-              <a:t>refs</a:t>
-            </a:r>
-            <a:r>
-              <a:rPr lang="pt-BR" b="1" dirty="0">
-                <a:latin typeface="Courier New" panose="02070309020205020404" pitchFamily="49" charset="0"/>
-                <a:cs typeface="Courier New" panose="02070309020205020404" pitchFamily="49" charset="0"/>
-              </a:rPr>
-              <a:t> </a:t>
-            </a:r>
-            <a:r>
-              <a:rPr lang="pt-BR" b="1" dirty="0" err="1">
-                <a:latin typeface="Courier New" panose="02070309020205020404" pitchFamily="49" charset="0"/>
-                <a:cs typeface="Courier New" panose="02070309020205020404" pitchFamily="49" charset="0"/>
-              </a:rPr>
-              <a:t>obrasutils</a:t>
-            </a:r>
-            <a:r>
-              <a:rPr lang="pt-BR" b="1" dirty="0">
-                <a:latin typeface="Courier New" panose="02070309020205020404" pitchFamily="49" charset="0"/>
-                <a:cs typeface="Courier New" panose="02070309020205020404" pitchFamily="49" charset="0"/>
-              </a:rPr>
-              <a:t> </a:t>
-            </a:r>
-            <a:r>
-              <a:rPr lang="pt-BR" b="1" dirty="0" err="1">
-                <a:latin typeface="Courier New" panose="02070309020205020404" pitchFamily="49" charset="0"/>
-                <a:cs typeface="Courier New" panose="02070309020205020404" pitchFamily="49" charset="0"/>
-              </a:rPr>
-              <a:t>ssh</a:t>
-            </a:r>
-            <a:br>
-              <a:rPr lang="pt-BR" b="1" dirty="0">
-                <a:latin typeface="Courier New" panose="02070309020205020404" pitchFamily="49" charset="0"/>
-                <a:cs typeface="Courier New" panose="02070309020205020404" pitchFamily="49" charset="0"/>
-              </a:rPr>
-            </a:br>
-            <a:r>
-              <a:rPr lang="pt-BR" b="1" dirty="0">
-                <a:latin typeface="Courier New" panose="02070309020205020404" pitchFamily="49" charset="0"/>
-                <a:cs typeface="Courier New" panose="02070309020205020404" pitchFamily="49" charset="0"/>
-              </a:rPr>
-              <a:t>:</a:t>
-            </a:r>
             <a:endParaRPr lang="pt-BR" dirty="0"/>
           </a:p>
         </p:txBody>
       </p:sp>
       <p:pic>
         <p:nvPicPr>
-          <p:cNvPr id="12" name="Espaço Reservado para Imagem 11">
+          <p:cNvPr id="6" name="Espaço Reservado para Imagem 5">
             <a:extLst>
               <a:ext uri="{FF2B5EF4-FFF2-40B4-BE49-F238E27FC236}">
-                <a16:creationId xmlns:a16="http://schemas.microsoft.com/office/drawing/2014/main" id="{63A55D9E-F3AE-4517-896F-99DEB4D9BFA7}"/>
+                <a16:creationId xmlns:a16="http://schemas.microsoft.com/office/drawing/2014/main" id="{5011BEA9-6F98-445A-9EF1-56879E29DA22}"/>
               </a:ext>
             </a:extLst>
           </p:cNvPr>
@@ -14347,7 +15360,7 @@
         </p:nvPicPr>
         <p:blipFill rotWithShape="1">
           <a:blip r:embed="rId2"/>
-          <a:srcRect t="27" b="27"/>
+          <a:srcRect t="2326" b="2326"/>
           <a:stretch/>
         </p:blipFill>
         <p:spPr/>
@@ -14355,7 +15368,2226 @@
     </p:spTree>
     <p:extLst>
       <p:ext uri="{BB962C8B-B14F-4D97-AF65-F5344CB8AC3E}">
-        <p14:creationId xmlns:p14="http://schemas.microsoft.com/office/powerpoint/2010/main" val="505473492"/>
+        <p14:creationId xmlns:p14="http://schemas.microsoft.com/office/powerpoint/2010/main" val="3794505143"/>
+      </p:ext>
+    </p:extLst>
+  </p:cSld>
+  <p:clrMapOvr>
+    <a:masterClrMapping/>
+  </p:clrMapOvr>
+</p:sld>
+</file>
+
+<file path=ppt/slides/slide37.xml><?xml version="1.0" encoding="utf-8"?>
+<p:sld xmlns:a="http://schemas.openxmlformats.org/drawingml/2006/main" xmlns:r="http://schemas.openxmlformats.org/officeDocument/2006/relationships" xmlns:p="http://schemas.openxmlformats.org/presentationml/2006/main">
+  <p:cSld>
+    <p:bg>
+      <p:bgPr>
+        <a:solidFill>
+          <a:schemeClr val="bg1"/>
+        </a:solidFill>
+        <a:effectLst/>
+      </p:bgPr>
+    </p:bg>
+    <p:spTree>
+      <p:nvGrpSpPr>
+        <p:cNvPr id="1" name=""/>
+        <p:cNvGrpSpPr/>
+        <p:nvPr/>
+      </p:nvGrpSpPr>
+      <p:grpSpPr>
+        <a:xfrm>
+          <a:off x="0" y="0"/>
+          <a:ext cx="0" cy="0"/>
+          <a:chOff x="0" y="0"/>
+          <a:chExt cx="0" cy="0"/>
+        </a:xfrm>
+      </p:grpSpPr>
+      <p:sp useBgFill="1">
+        <p:nvSpPr>
+          <p:cNvPr id="46" name="Rectangle 45">
+            <a:extLst>
+              <a:ext uri="{FF2B5EF4-FFF2-40B4-BE49-F238E27FC236}">
+                <a16:creationId xmlns:a16="http://schemas.microsoft.com/office/drawing/2014/main" id="{3E443FD7-A66B-4AA0-872D-B088B9BC5F17}"/>
+              </a:ext>
+              <a:ext uri="{C183D7F6-B498-43B3-948B-1728B52AA6E4}">
+                <adec:decorative xmlns:adec="http://schemas.microsoft.com/office/drawing/2017/decorative" val="1"/>
+              </a:ext>
+            </a:extLst>
+          </p:cNvPr>
+          <p:cNvSpPr>
+            <a:spLocks noGrp="1" noRot="1" noChangeAspect="1" noMove="1" noResize="1" noEditPoints="1" noAdjustHandles="1" noChangeArrowheads="1" noChangeShapeType="1" noTextEdit="1"/>
+          </p:cNvSpPr>
+          <p:nvPr>
+            <p:extLst>
+              <p:ext uri="{386F3935-93C4-4BCD-93E2-E3B085C9AB24}">
+                <p16:designElem xmlns:p16="http://schemas.microsoft.com/office/powerpoint/2015/main" val="1"/>
+              </p:ext>
+            </p:extLst>
+          </p:nvPr>
+        </p:nvSpPr>
+        <p:spPr>
+          <a:xfrm>
+            <a:off x="0" y="0"/>
+            <a:ext cx="12192000" cy="6858000"/>
+          </a:xfrm>
+          <a:prstGeom prst="rect">
+            <a:avLst/>
+          </a:prstGeom>
+          <a:ln>
+            <a:noFill/>
+          </a:ln>
+        </p:spPr>
+        <p:style>
+          <a:lnRef idx="2">
+            <a:schemeClr val="accent1">
+              <a:shade val="50000"/>
+            </a:schemeClr>
+          </a:lnRef>
+          <a:fillRef idx="1">
+            <a:schemeClr val="accent1"/>
+          </a:fillRef>
+          <a:effectRef idx="0">
+            <a:schemeClr val="accent1"/>
+          </a:effectRef>
+          <a:fontRef idx="minor">
+            <a:schemeClr val="lt1"/>
+          </a:fontRef>
+        </p:style>
+        <p:txBody>
+          <a:bodyPr rtlCol="0" anchor="ctr"/>
+          <a:lstStyle/>
+          <a:p>
+            <a:pPr algn="ctr"/>
+            <a:endParaRPr lang="en-US"/>
+          </a:p>
+        </p:txBody>
+      </p:sp>
+      <p:sp>
+        <p:nvSpPr>
+          <p:cNvPr id="2" name="Título 1">
+            <a:extLst>
+              <a:ext uri="{FF2B5EF4-FFF2-40B4-BE49-F238E27FC236}">
+                <a16:creationId xmlns:a16="http://schemas.microsoft.com/office/drawing/2014/main" id="{9B5DD48C-039E-43C7-B060-771CB2A8EF2B}"/>
+              </a:ext>
+            </a:extLst>
+          </p:cNvPr>
+          <p:cNvSpPr>
+            <a:spLocks noGrp="1"/>
+          </p:cNvSpPr>
+          <p:nvPr>
+            <p:ph type="ctrTitle"/>
+          </p:nvPr>
+        </p:nvSpPr>
+        <p:spPr>
+          <a:xfrm>
+            <a:off x="1094095" y="851517"/>
+            <a:ext cx="5238466" cy="2991416"/>
+          </a:xfrm>
+        </p:spPr>
+        <p:txBody>
+          <a:bodyPr anchor="b">
+            <a:normAutofit/>
+          </a:bodyPr>
+          <a:lstStyle/>
+          <a:p>
+            <a:pPr algn="l"/>
+            <a:r>
+              <a:rPr lang="pt-BR" b="1" dirty="0"/>
+              <a:t>Conexão com </a:t>
+            </a:r>
+            <a:r>
+              <a:rPr lang="pt-BR" b="1" dirty="0" err="1"/>
+              <a:t>Mysql</a:t>
+            </a:r>
+            <a:endParaRPr lang="pt-BR" b="1" dirty="0"/>
+          </a:p>
+        </p:txBody>
+      </p:sp>
+      <p:sp>
+        <p:nvSpPr>
+          <p:cNvPr id="3" name="Subtítulo 2">
+            <a:extLst>
+              <a:ext uri="{FF2B5EF4-FFF2-40B4-BE49-F238E27FC236}">
+                <a16:creationId xmlns:a16="http://schemas.microsoft.com/office/drawing/2014/main" id="{44095AEF-9434-45FE-BB86-7BC5AABE5432}"/>
+              </a:ext>
+            </a:extLst>
+          </p:cNvPr>
+          <p:cNvSpPr>
+            <a:spLocks noGrp="1"/>
+          </p:cNvSpPr>
+          <p:nvPr>
+            <p:ph type="subTitle" idx="1"/>
+          </p:nvPr>
+        </p:nvSpPr>
+        <p:spPr>
+          <a:xfrm>
+            <a:off x="1094096" y="3842932"/>
+            <a:ext cx="4167115" cy="2163551"/>
+          </a:xfrm>
+        </p:spPr>
+        <p:txBody>
+          <a:bodyPr anchor="t">
+            <a:normAutofit/>
+          </a:bodyPr>
+          <a:lstStyle/>
+          <a:p>
+            <a:pPr algn="l"/>
+            <a:r>
+              <a:rPr lang="pt-BR" b="1" dirty="0"/>
+              <a:t>DB Console</a:t>
+            </a:r>
+          </a:p>
+        </p:txBody>
+      </p:sp>
+      <p:sp>
+        <p:nvSpPr>
+          <p:cNvPr id="48" name="Freeform: Shape 47">
+            <a:extLst>
+              <a:ext uri="{FF2B5EF4-FFF2-40B4-BE49-F238E27FC236}">
+                <a16:creationId xmlns:a16="http://schemas.microsoft.com/office/drawing/2014/main" id="{C04BE0EF-3561-49B4-9A29-F283168A91C7}"/>
+              </a:ext>
+              <a:ext uri="{C183D7F6-B498-43B3-948B-1728B52AA6E4}">
+                <adec:decorative xmlns:adec="http://schemas.microsoft.com/office/drawing/2017/decorative" val="1"/>
+              </a:ext>
+            </a:extLst>
+          </p:cNvPr>
+          <p:cNvSpPr>
+            <a:spLocks noGrp="1" noRot="1" noChangeAspect="1" noMove="1" noResize="1" noEditPoints="1" noAdjustHandles="1" noChangeArrowheads="1" noChangeShapeType="1" noTextEdit="1"/>
+          </p:cNvSpPr>
+          <p:nvPr>
+            <p:extLst>
+              <p:ext uri="{386F3935-93C4-4BCD-93E2-E3B085C9AB24}">
+                <p16:designElem xmlns:p16="http://schemas.microsoft.com/office/powerpoint/2015/main" val="1"/>
+              </p:ext>
+            </p:extLst>
+          </p:nvPr>
+        </p:nvSpPr>
+        <p:spPr>
+          <a:xfrm>
+            <a:off x="5510370" y="851518"/>
+            <a:ext cx="6184806" cy="5154967"/>
+          </a:xfrm>
+          <a:custGeom>
+            <a:avLst/>
+            <a:gdLst>
+              <a:gd name="connsiteX0" fmla="*/ 363179 w 6184806"/>
+              <a:gd name="connsiteY0" fmla="*/ 3125191 h 5154967"/>
+              <a:gd name="connsiteX1" fmla="*/ 898270 w 6184806"/>
+              <a:gd name="connsiteY1" fmla="*/ 3125191 h 5154967"/>
+              <a:gd name="connsiteX2" fmla="*/ 980326 w 6184806"/>
+              <a:gd name="connsiteY2" fmla="*/ 3173551 h 5154967"/>
+              <a:gd name="connsiteX3" fmla="*/ 1248448 w 6184806"/>
+              <a:gd name="connsiteY3" fmla="*/ 3635277 h 5154967"/>
+              <a:gd name="connsiteX4" fmla="*/ 1248448 w 6184806"/>
+              <a:gd name="connsiteY4" fmla="*/ 3729695 h 5154967"/>
+              <a:gd name="connsiteX5" fmla="*/ 980326 w 6184806"/>
+              <a:gd name="connsiteY5" fmla="*/ 4191421 h 5154967"/>
+              <a:gd name="connsiteX6" fmla="*/ 898270 w 6184806"/>
+              <a:gd name="connsiteY6" fmla="*/ 4239781 h 5154967"/>
+              <a:gd name="connsiteX7" fmla="*/ 363179 w 6184806"/>
+              <a:gd name="connsiteY7" fmla="*/ 4239781 h 5154967"/>
+              <a:gd name="connsiteX8" fmla="*/ 279969 w 6184806"/>
+              <a:gd name="connsiteY8" fmla="*/ 4191421 h 5154967"/>
+              <a:gd name="connsiteX9" fmla="*/ 13002 w 6184806"/>
+              <a:gd name="connsiteY9" fmla="*/ 3729695 h 5154967"/>
+              <a:gd name="connsiteX10" fmla="*/ 13002 w 6184806"/>
+              <a:gd name="connsiteY10" fmla="*/ 3635277 h 5154967"/>
+              <a:gd name="connsiteX11" fmla="*/ 279969 w 6184806"/>
+              <a:gd name="connsiteY11" fmla="*/ 3173551 h 5154967"/>
+              <a:gd name="connsiteX12" fmla="*/ 363179 w 6184806"/>
+              <a:gd name="connsiteY12" fmla="*/ 3125191 h 5154967"/>
+              <a:gd name="connsiteX13" fmla="*/ 2489721 w 6184806"/>
+              <a:gd name="connsiteY13" fmla="*/ 570035 h 5154967"/>
+              <a:gd name="connsiteX14" fmla="*/ 2764862 w 6184806"/>
+              <a:gd name="connsiteY14" fmla="*/ 570035 h 5154967"/>
+              <a:gd name="connsiteX15" fmla="*/ 2796959 w 6184806"/>
+              <a:gd name="connsiteY15" fmla="*/ 570035 h 5154967"/>
+              <a:gd name="connsiteX16" fmla="*/ 2827587 w 6184806"/>
+              <a:gd name="connsiteY16" fmla="*/ 622777 h 5154967"/>
+              <a:gd name="connsiteX17" fmla="*/ 2977604 w 6184806"/>
+              <a:gd name="connsiteY17" fmla="*/ 881117 h 5154967"/>
+              <a:gd name="connsiteX18" fmla="*/ 2977604 w 6184806"/>
+              <a:gd name="connsiteY18" fmla="*/ 1025720 h 5154967"/>
+              <a:gd name="connsiteX19" fmla="*/ 2566968 w 6184806"/>
+              <a:gd name="connsiteY19" fmla="*/ 1732863 h 5154967"/>
+              <a:gd name="connsiteX20" fmla="*/ 2441299 w 6184806"/>
+              <a:gd name="connsiteY20" fmla="*/ 1806927 h 5154967"/>
+              <a:gd name="connsiteX21" fmla="*/ 1621798 w 6184806"/>
+              <a:gd name="connsiteY21" fmla="*/ 1806927 h 5154967"/>
+              <a:gd name="connsiteX22" fmla="*/ 1583218 w 6184806"/>
+              <a:gd name="connsiteY22" fmla="*/ 1801802 h 5154967"/>
+              <a:gd name="connsiteX23" fmla="*/ 1556683 w 6184806"/>
+              <a:gd name="connsiteY23" fmla="*/ 1790677 h 5154967"/>
+              <a:gd name="connsiteX24" fmla="*/ 1572899 w 6184806"/>
+              <a:gd name="connsiteY24" fmla="*/ 1762630 h 5154967"/>
+              <a:gd name="connsiteX25" fmla="*/ 2147429 w 6184806"/>
+              <a:gd name="connsiteY25" fmla="*/ 768968 h 5154967"/>
+              <a:gd name="connsiteX26" fmla="*/ 2489721 w 6184806"/>
+              <a:gd name="connsiteY26" fmla="*/ 570035 h 5154967"/>
+              <a:gd name="connsiteX27" fmla="*/ 1573268 w 6184806"/>
+              <a:gd name="connsiteY27" fmla="*/ 0 h 5154967"/>
+              <a:gd name="connsiteX28" fmla="*/ 2497662 w 6184806"/>
+              <a:gd name="connsiteY28" fmla="*/ 0 h 5154967"/>
+              <a:gd name="connsiteX29" fmla="*/ 2639415 w 6184806"/>
+              <a:gd name="connsiteY29" fmla="*/ 83546 h 5154967"/>
+              <a:gd name="connsiteX30" fmla="*/ 2887862 w 6184806"/>
+              <a:gd name="connsiteY30" fmla="*/ 511387 h 5154967"/>
+              <a:gd name="connsiteX31" fmla="*/ 2915928 w 6184806"/>
+              <a:gd name="connsiteY31" fmla="*/ 559720 h 5154967"/>
+              <a:gd name="connsiteX32" fmla="*/ 2893844 w 6184806"/>
+              <a:gd name="connsiteY32" fmla="*/ 559720 h 5154967"/>
+              <a:gd name="connsiteX33" fmla="*/ 2789466 w 6184806"/>
+              <a:gd name="connsiteY33" fmla="*/ 559720 h 5154967"/>
+              <a:gd name="connsiteX34" fmla="*/ 2744122 w 6184806"/>
+              <a:gd name="connsiteY34" fmla="*/ 481634 h 5154967"/>
+              <a:gd name="connsiteX35" fmla="*/ 2570885 w 6184806"/>
+              <a:gd name="connsiteY35" fmla="*/ 183309 h 5154967"/>
+              <a:gd name="connsiteX36" fmla="*/ 2445216 w 6184806"/>
+              <a:gd name="connsiteY36" fmla="*/ 109243 h 5154967"/>
+              <a:gd name="connsiteX37" fmla="*/ 1625714 w 6184806"/>
+              <a:gd name="connsiteY37" fmla="*/ 109243 h 5154967"/>
+              <a:gd name="connsiteX38" fmla="*/ 1498276 w 6184806"/>
+              <a:gd name="connsiteY38" fmla="*/ 183309 h 5154967"/>
+              <a:gd name="connsiteX39" fmla="*/ 1089410 w 6184806"/>
+              <a:gd name="connsiteY39" fmla="*/ 890450 h 5154967"/>
+              <a:gd name="connsiteX40" fmla="*/ 1089410 w 6184806"/>
+              <a:gd name="connsiteY40" fmla="*/ 1035054 h 5154967"/>
+              <a:gd name="connsiteX41" fmla="*/ 1498276 w 6184806"/>
+              <a:gd name="connsiteY41" fmla="*/ 1742196 h 5154967"/>
+              <a:gd name="connsiteX42" fmla="*/ 1552039 w 6184806"/>
+              <a:gd name="connsiteY42" fmla="*/ 1796422 h 5154967"/>
+              <a:gd name="connsiteX43" fmla="*/ 1558260 w 6184806"/>
+              <a:gd name="connsiteY43" fmla="*/ 1799029 h 5154967"/>
+              <a:gd name="connsiteX44" fmla="*/ 1524911 w 6184806"/>
+              <a:gd name="connsiteY44" fmla="*/ 1856707 h 5154967"/>
+              <a:gd name="connsiteX45" fmla="*/ 1500108 w 6184806"/>
+              <a:gd name="connsiteY45" fmla="*/ 1899604 h 5154967"/>
+              <a:gd name="connsiteX46" fmla="*/ 1525834 w 6184806"/>
+              <a:gd name="connsiteY46" fmla="*/ 1910390 h 5154967"/>
+              <a:gd name="connsiteX47" fmla="*/ 1569352 w 6184806"/>
+              <a:gd name="connsiteY47" fmla="*/ 1916170 h 5154967"/>
+              <a:gd name="connsiteX48" fmla="*/ 2493745 w 6184806"/>
+              <a:gd name="connsiteY48" fmla="*/ 1916170 h 5154967"/>
+              <a:gd name="connsiteX49" fmla="*/ 2635498 w 6184806"/>
+              <a:gd name="connsiteY49" fmla="*/ 1832627 h 5154967"/>
+              <a:gd name="connsiteX50" fmla="*/ 3098693 w 6184806"/>
+              <a:gd name="connsiteY50" fmla="*/ 1034974 h 5154967"/>
+              <a:gd name="connsiteX51" fmla="*/ 3098693 w 6184806"/>
+              <a:gd name="connsiteY51" fmla="*/ 871863 h 5154967"/>
+              <a:gd name="connsiteX52" fmla="*/ 2945803 w 6184806"/>
+              <a:gd name="connsiteY52" fmla="*/ 608576 h 5154967"/>
+              <a:gd name="connsiteX53" fmla="*/ 2923422 w 6184806"/>
+              <a:gd name="connsiteY53" fmla="*/ 570035 h 5154967"/>
+              <a:gd name="connsiteX54" fmla="*/ 3027104 w 6184806"/>
+              <a:gd name="connsiteY54" fmla="*/ 570035 h 5154967"/>
+              <a:gd name="connsiteX55" fmla="*/ 4690846 w 6184806"/>
+              <a:gd name="connsiteY55" fmla="*/ 570035 h 5154967"/>
+              <a:gd name="connsiteX56" fmla="*/ 5028384 w 6184806"/>
+              <a:gd name="connsiteY56" fmla="*/ 768968 h 5154967"/>
+              <a:gd name="connsiteX57" fmla="*/ 6131323 w 6184806"/>
+              <a:gd name="connsiteY57" fmla="*/ 2668304 h 5154967"/>
+              <a:gd name="connsiteX58" fmla="*/ 6131323 w 6184806"/>
+              <a:gd name="connsiteY58" fmla="*/ 3056698 h 5154967"/>
+              <a:gd name="connsiteX59" fmla="*/ 5028384 w 6184806"/>
+              <a:gd name="connsiteY59" fmla="*/ 4956035 h 5154967"/>
+              <a:gd name="connsiteX60" fmla="*/ 4690846 w 6184806"/>
+              <a:gd name="connsiteY60" fmla="*/ 5154967 h 5154967"/>
+              <a:gd name="connsiteX61" fmla="*/ 2489721 w 6184806"/>
+              <a:gd name="connsiteY61" fmla="*/ 5154967 h 5154967"/>
+              <a:gd name="connsiteX62" fmla="*/ 2147429 w 6184806"/>
+              <a:gd name="connsiteY62" fmla="*/ 4956035 h 5154967"/>
+              <a:gd name="connsiteX63" fmla="*/ 1049243 w 6184806"/>
+              <a:gd name="connsiteY63" fmla="*/ 3056698 h 5154967"/>
+              <a:gd name="connsiteX64" fmla="*/ 1049243 w 6184806"/>
+              <a:gd name="connsiteY64" fmla="*/ 2668304 h 5154967"/>
+              <a:gd name="connsiteX65" fmla="*/ 1457007 w 6184806"/>
+              <a:gd name="connsiteY65" fmla="*/ 1963067 h 5154967"/>
+              <a:gd name="connsiteX66" fmla="*/ 1491373 w 6184806"/>
+              <a:gd name="connsiteY66" fmla="*/ 1903634 h 5154967"/>
+              <a:gd name="connsiteX67" fmla="*/ 1490164 w 6184806"/>
+              <a:gd name="connsiteY67" fmla="*/ 1903127 h 5154967"/>
+              <a:gd name="connsiteX68" fmla="*/ 1429519 w 6184806"/>
+              <a:gd name="connsiteY68" fmla="*/ 1841960 h 5154967"/>
+              <a:gd name="connsiteX69" fmla="*/ 968320 w 6184806"/>
+              <a:gd name="connsiteY69" fmla="*/ 1044307 h 5154967"/>
+              <a:gd name="connsiteX70" fmla="*/ 968320 w 6184806"/>
+              <a:gd name="connsiteY70" fmla="*/ 881196 h 5154967"/>
+              <a:gd name="connsiteX71" fmla="*/ 1429519 w 6184806"/>
+              <a:gd name="connsiteY71" fmla="*/ 83546 h 5154967"/>
+              <a:gd name="connsiteX72" fmla="*/ 1573268 w 6184806"/>
+              <a:gd name="connsiteY72" fmla="*/ 0 h 5154967"/>
+            </a:gdLst>
+            <a:ahLst/>
+            <a:cxnLst>
+              <a:cxn ang="0">
+                <a:pos x="connsiteX0" y="connsiteY0"/>
+              </a:cxn>
+              <a:cxn ang="0">
+                <a:pos x="connsiteX1" y="connsiteY1"/>
+              </a:cxn>
+              <a:cxn ang="0">
+                <a:pos x="connsiteX2" y="connsiteY2"/>
+              </a:cxn>
+              <a:cxn ang="0">
+                <a:pos x="connsiteX3" y="connsiteY3"/>
+              </a:cxn>
+              <a:cxn ang="0">
+                <a:pos x="connsiteX4" y="connsiteY4"/>
+              </a:cxn>
+              <a:cxn ang="0">
+                <a:pos x="connsiteX5" y="connsiteY5"/>
+              </a:cxn>
+              <a:cxn ang="0">
+                <a:pos x="connsiteX6" y="connsiteY6"/>
+              </a:cxn>
+              <a:cxn ang="0">
+                <a:pos x="connsiteX7" y="connsiteY7"/>
+              </a:cxn>
+              <a:cxn ang="0">
+                <a:pos x="connsiteX8" y="connsiteY8"/>
+              </a:cxn>
+              <a:cxn ang="0">
+                <a:pos x="connsiteX9" y="connsiteY9"/>
+              </a:cxn>
+              <a:cxn ang="0">
+                <a:pos x="connsiteX10" y="connsiteY10"/>
+              </a:cxn>
+              <a:cxn ang="0">
+                <a:pos x="connsiteX11" y="connsiteY11"/>
+              </a:cxn>
+              <a:cxn ang="0">
+                <a:pos x="connsiteX12" y="connsiteY12"/>
+              </a:cxn>
+              <a:cxn ang="0">
+                <a:pos x="connsiteX13" y="connsiteY13"/>
+              </a:cxn>
+              <a:cxn ang="0">
+                <a:pos x="connsiteX14" y="connsiteY14"/>
+              </a:cxn>
+              <a:cxn ang="0">
+                <a:pos x="connsiteX15" y="connsiteY15"/>
+              </a:cxn>
+              <a:cxn ang="0">
+                <a:pos x="connsiteX16" y="connsiteY16"/>
+              </a:cxn>
+              <a:cxn ang="0">
+                <a:pos x="connsiteX17" y="connsiteY17"/>
+              </a:cxn>
+              <a:cxn ang="0">
+                <a:pos x="connsiteX18" y="connsiteY18"/>
+              </a:cxn>
+              <a:cxn ang="0">
+                <a:pos x="connsiteX19" y="connsiteY19"/>
+              </a:cxn>
+              <a:cxn ang="0">
+                <a:pos x="connsiteX20" y="connsiteY20"/>
+              </a:cxn>
+              <a:cxn ang="0">
+                <a:pos x="connsiteX21" y="connsiteY21"/>
+              </a:cxn>
+              <a:cxn ang="0">
+                <a:pos x="connsiteX22" y="connsiteY22"/>
+              </a:cxn>
+              <a:cxn ang="0">
+                <a:pos x="connsiteX23" y="connsiteY23"/>
+              </a:cxn>
+              <a:cxn ang="0">
+                <a:pos x="connsiteX24" y="connsiteY24"/>
+              </a:cxn>
+              <a:cxn ang="0">
+                <a:pos x="connsiteX25" y="connsiteY25"/>
+              </a:cxn>
+              <a:cxn ang="0">
+                <a:pos x="connsiteX26" y="connsiteY26"/>
+              </a:cxn>
+              <a:cxn ang="0">
+                <a:pos x="connsiteX27" y="connsiteY27"/>
+              </a:cxn>
+              <a:cxn ang="0">
+                <a:pos x="connsiteX28" y="connsiteY28"/>
+              </a:cxn>
+              <a:cxn ang="0">
+                <a:pos x="connsiteX29" y="connsiteY29"/>
+              </a:cxn>
+              <a:cxn ang="0">
+                <a:pos x="connsiteX30" y="connsiteY30"/>
+              </a:cxn>
+              <a:cxn ang="0">
+                <a:pos x="connsiteX31" y="connsiteY31"/>
+              </a:cxn>
+              <a:cxn ang="0">
+                <a:pos x="connsiteX32" y="connsiteY32"/>
+              </a:cxn>
+              <a:cxn ang="0">
+                <a:pos x="connsiteX33" y="connsiteY33"/>
+              </a:cxn>
+              <a:cxn ang="0">
+                <a:pos x="connsiteX34" y="connsiteY34"/>
+              </a:cxn>
+              <a:cxn ang="0">
+                <a:pos x="connsiteX35" y="connsiteY35"/>
+              </a:cxn>
+              <a:cxn ang="0">
+                <a:pos x="connsiteX36" y="connsiteY36"/>
+              </a:cxn>
+              <a:cxn ang="0">
+                <a:pos x="connsiteX37" y="connsiteY37"/>
+              </a:cxn>
+              <a:cxn ang="0">
+                <a:pos x="connsiteX38" y="connsiteY38"/>
+              </a:cxn>
+              <a:cxn ang="0">
+                <a:pos x="connsiteX39" y="connsiteY39"/>
+              </a:cxn>
+              <a:cxn ang="0">
+                <a:pos x="connsiteX40" y="connsiteY40"/>
+              </a:cxn>
+              <a:cxn ang="0">
+                <a:pos x="connsiteX41" y="connsiteY41"/>
+              </a:cxn>
+              <a:cxn ang="0">
+                <a:pos x="connsiteX42" y="connsiteY42"/>
+              </a:cxn>
+              <a:cxn ang="0">
+                <a:pos x="connsiteX43" y="connsiteY43"/>
+              </a:cxn>
+              <a:cxn ang="0">
+                <a:pos x="connsiteX44" y="connsiteY44"/>
+              </a:cxn>
+              <a:cxn ang="0">
+                <a:pos x="connsiteX45" y="connsiteY45"/>
+              </a:cxn>
+              <a:cxn ang="0">
+                <a:pos x="connsiteX46" y="connsiteY46"/>
+              </a:cxn>
+              <a:cxn ang="0">
+                <a:pos x="connsiteX47" y="connsiteY47"/>
+              </a:cxn>
+              <a:cxn ang="0">
+                <a:pos x="connsiteX48" y="connsiteY48"/>
+              </a:cxn>
+              <a:cxn ang="0">
+                <a:pos x="connsiteX49" y="connsiteY49"/>
+              </a:cxn>
+              <a:cxn ang="0">
+                <a:pos x="connsiteX50" y="connsiteY50"/>
+              </a:cxn>
+              <a:cxn ang="0">
+                <a:pos x="connsiteX51" y="connsiteY51"/>
+              </a:cxn>
+              <a:cxn ang="0">
+                <a:pos x="connsiteX52" y="connsiteY52"/>
+              </a:cxn>
+              <a:cxn ang="0">
+                <a:pos x="connsiteX53" y="connsiteY53"/>
+              </a:cxn>
+              <a:cxn ang="0">
+                <a:pos x="connsiteX54" y="connsiteY54"/>
+              </a:cxn>
+              <a:cxn ang="0">
+                <a:pos x="connsiteX55" y="connsiteY55"/>
+              </a:cxn>
+              <a:cxn ang="0">
+                <a:pos x="connsiteX56" y="connsiteY56"/>
+              </a:cxn>
+              <a:cxn ang="0">
+                <a:pos x="connsiteX57" y="connsiteY57"/>
+              </a:cxn>
+              <a:cxn ang="0">
+                <a:pos x="connsiteX58" y="connsiteY58"/>
+              </a:cxn>
+              <a:cxn ang="0">
+                <a:pos x="connsiteX59" y="connsiteY59"/>
+              </a:cxn>
+              <a:cxn ang="0">
+                <a:pos x="connsiteX60" y="connsiteY60"/>
+              </a:cxn>
+              <a:cxn ang="0">
+                <a:pos x="connsiteX61" y="connsiteY61"/>
+              </a:cxn>
+              <a:cxn ang="0">
+                <a:pos x="connsiteX62" y="connsiteY62"/>
+              </a:cxn>
+              <a:cxn ang="0">
+                <a:pos x="connsiteX63" y="connsiteY63"/>
+              </a:cxn>
+              <a:cxn ang="0">
+                <a:pos x="connsiteX64" y="connsiteY64"/>
+              </a:cxn>
+              <a:cxn ang="0">
+                <a:pos x="connsiteX65" y="connsiteY65"/>
+              </a:cxn>
+              <a:cxn ang="0">
+                <a:pos x="connsiteX66" y="connsiteY66"/>
+              </a:cxn>
+              <a:cxn ang="0">
+                <a:pos x="connsiteX67" y="connsiteY67"/>
+              </a:cxn>
+              <a:cxn ang="0">
+                <a:pos x="connsiteX68" y="connsiteY68"/>
+              </a:cxn>
+              <a:cxn ang="0">
+                <a:pos x="connsiteX69" y="connsiteY69"/>
+              </a:cxn>
+              <a:cxn ang="0">
+                <a:pos x="connsiteX70" y="connsiteY70"/>
+              </a:cxn>
+              <a:cxn ang="0">
+                <a:pos x="connsiteX71" y="connsiteY71"/>
+              </a:cxn>
+              <a:cxn ang="0">
+                <a:pos x="connsiteX72" y="connsiteY72"/>
+              </a:cxn>
+            </a:cxnLst>
+            <a:rect l="l" t="t" r="r" b="b"/>
+            <a:pathLst>
+              <a:path w="6184806" h="5154967">
+                <a:moveTo>
+                  <a:pt x="363179" y="3125191"/>
+                </a:moveTo>
+                <a:cubicBezTo>
+                  <a:pt x="363179" y="3125191"/>
+                  <a:pt x="363179" y="3125191"/>
+                  <a:pt x="898270" y="3125191"/>
+                </a:cubicBezTo>
+                <a:cubicBezTo>
+                  <a:pt x="931786" y="3125191"/>
+                  <a:pt x="964145" y="3143614"/>
+                  <a:pt x="980326" y="3173551"/>
+                </a:cubicBezTo>
+                <a:cubicBezTo>
+                  <a:pt x="980326" y="3173551"/>
+                  <a:pt x="980326" y="3173551"/>
+                  <a:pt x="1248448" y="3635277"/>
+                </a:cubicBezTo>
+                <a:cubicBezTo>
+                  <a:pt x="1265784" y="3664063"/>
+                  <a:pt x="1265784" y="3700909"/>
+                  <a:pt x="1248448" y="3729695"/>
+                </a:cubicBezTo>
+                <a:cubicBezTo>
+                  <a:pt x="1248448" y="3729695"/>
+                  <a:pt x="1248448" y="3729695"/>
+                  <a:pt x="980326" y="4191421"/>
+                </a:cubicBezTo>
+                <a:cubicBezTo>
+                  <a:pt x="964145" y="4221358"/>
+                  <a:pt x="931786" y="4239781"/>
+                  <a:pt x="898270" y="4239781"/>
+                </a:cubicBezTo>
+                <a:cubicBezTo>
+                  <a:pt x="898270" y="4239781"/>
+                  <a:pt x="898270" y="4239781"/>
+                  <a:pt x="363179" y="4239781"/>
+                </a:cubicBezTo>
+                <a:cubicBezTo>
+                  <a:pt x="328508" y="4239781"/>
+                  <a:pt x="297305" y="4221358"/>
+                  <a:pt x="279969" y="4191421"/>
+                </a:cubicBezTo>
+                <a:cubicBezTo>
+                  <a:pt x="279969" y="4191421"/>
+                  <a:pt x="279969" y="4191421"/>
+                  <a:pt x="13002" y="3729695"/>
+                </a:cubicBezTo>
+                <a:cubicBezTo>
+                  <a:pt x="-4334" y="3700909"/>
+                  <a:pt x="-4334" y="3664063"/>
+                  <a:pt x="13002" y="3635277"/>
+                </a:cubicBezTo>
+                <a:cubicBezTo>
+                  <a:pt x="13002" y="3635277"/>
+                  <a:pt x="13002" y="3635277"/>
+                  <a:pt x="279969" y="3173551"/>
+                </a:cubicBezTo>
+                <a:cubicBezTo>
+                  <a:pt x="297305" y="3143614"/>
+                  <a:pt x="328508" y="3125191"/>
+                  <a:pt x="363179" y="3125191"/>
+                </a:cubicBezTo>
+                <a:close/>
+                <a:moveTo>
+                  <a:pt x="2489721" y="570035"/>
+                </a:moveTo>
+                <a:cubicBezTo>
+                  <a:pt x="2489721" y="570035"/>
+                  <a:pt x="2489721" y="570035"/>
+                  <a:pt x="2764862" y="570035"/>
+                </a:cubicBezTo>
+                <a:lnTo>
+                  <a:pt x="2796959" y="570035"/>
+                </a:lnTo>
+                <a:lnTo>
+                  <a:pt x="2827587" y="622777"/>
+                </a:lnTo>
+                <a:cubicBezTo>
+                  <a:pt x="2870233" y="696217"/>
+                  <a:pt x="2919858" y="781675"/>
+                  <a:pt x="2977604" y="881117"/>
+                </a:cubicBezTo>
+                <a:cubicBezTo>
+                  <a:pt x="3004153" y="925204"/>
+                  <a:pt x="3004153" y="981634"/>
+                  <a:pt x="2977604" y="1025720"/>
+                </a:cubicBezTo>
+                <a:cubicBezTo>
+                  <a:pt x="2977604" y="1025720"/>
+                  <a:pt x="2977604" y="1025720"/>
+                  <a:pt x="2566968" y="1732863"/>
+                </a:cubicBezTo>
+                <a:cubicBezTo>
+                  <a:pt x="2542188" y="1778712"/>
+                  <a:pt x="2492629" y="1806927"/>
+                  <a:pt x="2441299" y="1806927"/>
+                </a:cubicBezTo>
+                <a:cubicBezTo>
+                  <a:pt x="2441299" y="1806927"/>
+                  <a:pt x="2441299" y="1806927"/>
+                  <a:pt x="1621798" y="1806927"/>
+                </a:cubicBezTo>
+                <a:cubicBezTo>
+                  <a:pt x="1608523" y="1806927"/>
+                  <a:pt x="1595580" y="1805163"/>
+                  <a:pt x="1583218" y="1801802"/>
+                </a:cubicBezTo>
+                <a:lnTo>
+                  <a:pt x="1556683" y="1790677"/>
+                </a:lnTo>
+                <a:lnTo>
+                  <a:pt x="1572899" y="1762630"/>
+                </a:lnTo>
+                <a:cubicBezTo>
+                  <a:pt x="1719523" y="1509042"/>
+                  <a:pt x="1907201" y="1184448"/>
+                  <a:pt x="2147429" y="768968"/>
+                </a:cubicBezTo>
+                <a:cubicBezTo>
+                  <a:pt x="2218739" y="645819"/>
+                  <a:pt x="2347099" y="570035"/>
+                  <a:pt x="2489721" y="570035"/>
+                </a:cubicBezTo>
+                <a:close/>
+                <a:moveTo>
+                  <a:pt x="1573268" y="0"/>
+                </a:moveTo>
+                <a:cubicBezTo>
+                  <a:pt x="1573268" y="0"/>
+                  <a:pt x="1573268" y="0"/>
+                  <a:pt x="2497662" y="0"/>
+                </a:cubicBezTo>
+                <a:cubicBezTo>
+                  <a:pt x="2555561" y="0"/>
+                  <a:pt x="2611463" y="31828"/>
+                  <a:pt x="2639415" y="83546"/>
+                </a:cubicBezTo>
+                <a:cubicBezTo>
+                  <a:pt x="2639415" y="83546"/>
+                  <a:pt x="2639415" y="83546"/>
+                  <a:pt x="2887862" y="511387"/>
+                </a:cubicBezTo>
+                <a:lnTo>
+                  <a:pt x="2915928" y="559720"/>
+                </a:lnTo>
+                <a:lnTo>
+                  <a:pt x="2893844" y="559720"/>
+                </a:lnTo>
+                <a:lnTo>
+                  <a:pt x="2789466" y="559720"/>
+                </a:lnTo>
+                <a:lnTo>
+                  <a:pt x="2744122" y="481634"/>
+                </a:lnTo>
+                <a:cubicBezTo>
+                  <a:pt x="2570885" y="183309"/>
+                  <a:pt x="2570885" y="183309"/>
+                  <a:pt x="2570885" y="183309"/>
+                </a:cubicBezTo>
+                <a:cubicBezTo>
+                  <a:pt x="2546104" y="137459"/>
+                  <a:pt x="2496545" y="109243"/>
+                  <a:pt x="2445216" y="109243"/>
+                </a:cubicBezTo>
+                <a:cubicBezTo>
+                  <a:pt x="1625714" y="109243"/>
+                  <a:pt x="1625714" y="109243"/>
+                  <a:pt x="1625714" y="109243"/>
+                </a:cubicBezTo>
+                <a:cubicBezTo>
+                  <a:pt x="1572615" y="109243"/>
+                  <a:pt x="1524825" y="137459"/>
+                  <a:pt x="1498276" y="183309"/>
+                </a:cubicBezTo>
+                <a:cubicBezTo>
+                  <a:pt x="1089410" y="890450"/>
+                  <a:pt x="1089410" y="890450"/>
+                  <a:pt x="1089410" y="890450"/>
+                </a:cubicBezTo>
+                <a:cubicBezTo>
+                  <a:pt x="1062860" y="934537"/>
+                  <a:pt x="1062860" y="990967"/>
+                  <a:pt x="1089410" y="1035054"/>
+                </a:cubicBezTo>
+                <a:cubicBezTo>
+                  <a:pt x="1498276" y="1742196"/>
+                  <a:pt x="1498276" y="1742196"/>
+                  <a:pt x="1498276" y="1742196"/>
+                </a:cubicBezTo>
+                <a:cubicBezTo>
+                  <a:pt x="1511551" y="1765121"/>
+                  <a:pt x="1530135" y="1783637"/>
+                  <a:pt x="1552039" y="1796422"/>
+                </a:cubicBezTo>
+                <a:lnTo>
+                  <a:pt x="1558260" y="1799029"/>
+                </a:lnTo>
+                <a:lnTo>
+                  <a:pt x="1524911" y="1856707"/>
+                </a:lnTo>
+                <a:lnTo>
+                  <a:pt x="1500108" y="1899604"/>
+                </a:lnTo>
+                <a:lnTo>
+                  <a:pt x="1525834" y="1910390"/>
+                </a:lnTo>
+                <a:cubicBezTo>
+                  <a:pt x="1539779" y="1914181"/>
+                  <a:pt x="1554378" y="1916170"/>
+                  <a:pt x="1569352" y="1916170"/>
+                </a:cubicBezTo>
+                <a:cubicBezTo>
+                  <a:pt x="2493745" y="1916170"/>
+                  <a:pt x="2493745" y="1916170"/>
+                  <a:pt x="2493745" y="1916170"/>
+                </a:cubicBezTo>
+                <a:cubicBezTo>
+                  <a:pt x="2551645" y="1916170"/>
+                  <a:pt x="2607546" y="1884345"/>
+                  <a:pt x="2635498" y="1832627"/>
+                </a:cubicBezTo>
+                <a:cubicBezTo>
+                  <a:pt x="3098693" y="1034974"/>
+                  <a:pt x="3098693" y="1034974"/>
+                  <a:pt x="3098693" y="1034974"/>
+                </a:cubicBezTo>
+                <a:cubicBezTo>
+                  <a:pt x="3128641" y="985246"/>
+                  <a:pt x="3128641" y="921593"/>
+                  <a:pt x="3098693" y="871863"/>
+                </a:cubicBezTo>
+                <a:cubicBezTo>
+                  <a:pt x="3040794" y="772157"/>
+                  <a:pt x="2990132" y="684914"/>
+                  <a:pt x="2945803" y="608576"/>
+                </a:cubicBezTo>
+                <a:lnTo>
+                  <a:pt x="2923422" y="570035"/>
+                </a:lnTo>
+                <a:lnTo>
+                  <a:pt x="3027104" y="570035"/>
+                </a:lnTo>
+                <a:cubicBezTo>
+                  <a:pt x="3349535" y="570035"/>
+                  <a:pt x="3865424" y="570035"/>
+                  <a:pt x="4690846" y="570035"/>
+                </a:cubicBezTo>
+                <a:cubicBezTo>
+                  <a:pt x="4828714" y="570035"/>
+                  <a:pt x="4961827" y="645819"/>
+                  <a:pt x="5028384" y="768968"/>
+                </a:cubicBezTo>
+                <a:cubicBezTo>
+                  <a:pt x="5028384" y="768968"/>
+                  <a:pt x="5028384" y="768968"/>
+                  <a:pt x="6131323" y="2668304"/>
+                </a:cubicBezTo>
+                <a:cubicBezTo>
+                  <a:pt x="6202634" y="2786717"/>
+                  <a:pt x="6202634" y="2938285"/>
+                  <a:pt x="6131323" y="3056698"/>
+                </a:cubicBezTo>
+                <a:cubicBezTo>
+                  <a:pt x="6131323" y="3056698"/>
+                  <a:pt x="6131323" y="3056698"/>
+                  <a:pt x="5028384" y="4956035"/>
+                </a:cubicBezTo>
+                <a:cubicBezTo>
+                  <a:pt x="4961827" y="5079184"/>
+                  <a:pt x="4828714" y="5154967"/>
+                  <a:pt x="4690846" y="5154967"/>
+                </a:cubicBezTo>
+                <a:cubicBezTo>
+                  <a:pt x="4690846" y="5154967"/>
+                  <a:pt x="4690846" y="5154967"/>
+                  <a:pt x="2489721" y="5154967"/>
+                </a:cubicBezTo>
+                <a:cubicBezTo>
+                  <a:pt x="2347099" y="5154967"/>
+                  <a:pt x="2218739" y="5079184"/>
+                  <a:pt x="2147429" y="4956035"/>
+                </a:cubicBezTo>
+                <a:cubicBezTo>
+                  <a:pt x="2147429" y="4956035"/>
+                  <a:pt x="2147429" y="4956035"/>
+                  <a:pt x="1049243" y="3056698"/>
+                </a:cubicBezTo>
+                <a:cubicBezTo>
+                  <a:pt x="977932" y="2938285"/>
+                  <a:pt x="977932" y="2786717"/>
+                  <a:pt x="1049243" y="2668304"/>
+                </a:cubicBezTo>
+                <a:cubicBezTo>
+                  <a:pt x="1049243" y="2668304"/>
+                  <a:pt x="1049243" y="2668304"/>
+                  <a:pt x="1457007" y="1963067"/>
+                </a:cubicBezTo>
+                <a:lnTo>
+                  <a:pt x="1491373" y="1903634"/>
+                </a:lnTo>
+                <a:lnTo>
+                  <a:pt x="1490164" y="1903127"/>
+                </a:lnTo>
+                <a:cubicBezTo>
+                  <a:pt x="1465456" y="1888705"/>
+                  <a:pt x="1444493" y="1867820"/>
+                  <a:pt x="1429519" y="1841960"/>
+                </a:cubicBezTo>
+                <a:cubicBezTo>
+                  <a:pt x="1429519" y="1841960"/>
+                  <a:pt x="1429519" y="1841960"/>
+                  <a:pt x="968320" y="1044307"/>
+                </a:cubicBezTo>
+                <a:cubicBezTo>
+                  <a:pt x="938371" y="994579"/>
+                  <a:pt x="938371" y="930926"/>
+                  <a:pt x="968320" y="881196"/>
+                </a:cubicBezTo>
+                <a:cubicBezTo>
+                  <a:pt x="968320" y="881196"/>
+                  <a:pt x="968320" y="881196"/>
+                  <a:pt x="1429519" y="83546"/>
+                </a:cubicBezTo>
+                <a:cubicBezTo>
+                  <a:pt x="1459466" y="31828"/>
+                  <a:pt x="1513373" y="0"/>
+                  <a:pt x="1573268" y="0"/>
+                </a:cubicBezTo>
+                <a:close/>
+              </a:path>
+            </a:pathLst>
+          </a:custGeom>
+          <a:solidFill>
+            <a:schemeClr val="tx1">
+              <a:lumMod val="50000"/>
+              <a:lumOff val="50000"/>
+              <a:alpha val="15000"/>
+            </a:schemeClr>
+          </a:solidFill>
+          <a:ln>
+            <a:noFill/>
+          </a:ln>
+        </p:spPr>
+        <p:style>
+          <a:lnRef idx="2">
+            <a:schemeClr val="accent1">
+              <a:shade val="50000"/>
+            </a:schemeClr>
+          </a:lnRef>
+          <a:fillRef idx="1">
+            <a:schemeClr val="accent1"/>
+          </a:fillRef>
+          <a:effectRef idx="0">
+            <a:schemeClr val="accent1"/>
+          </a:effectRef>
+          <a:fontRef idx="minor">
+            <a:schemeClr val="lt1"/>
+          </a:fontRef>
+        </p:style>
+        <p:txBody>
+          <a:bodyPr wrap="square" rtlCol="0" anchor="ctr">
+            <a:noAutofit/>
+          </a:bodyPr>
+          <a:lstStyle/>
+          <a:p>
+            <a:pPr algn="ctr"/>
+            <a:endParaRPr lang="en-US"/>
+          </a:p>
+        </p:txBody>
+      </p:sp>
+      <p:pic>
+        <p:nvPicPr>
+          <p:cNvPr id="5" name="Imagem 4">
+            <a:extLst>
+              <a:ext uri="{FF2B5EF4-FFF2-40B4-BE49-F238E27FC236}">
+                <a16:creationId xmlns:a16="http://schemas.microsoft.com/office/drawing/2014/main" id="{B7C42659-CA3E-4C49-A1AE-0C128F421C5B}"/>
+              </a:ext>
+            </a:extLst>
+          </p:cNvPr>
+          <p:cNvPicPr>
+            <a:picLocks noChangeAspect="1"/>
+          </p:cNvPicPr>
+          <p:nvPr/>
+        </p:nvPicPr>
+        <p:blipFill>
+          <a:blip r:embed="rId2">
+            <a:extLst>
+              <a:ext uri="{28A0092B-C50C-407E-A947-70E740481C1C}">
+                <a14:useLocalDpi xmlns:a14="http://schemas.microsoft.com/office/drawing/2010/main" val="0"/>
+              </a:ext>
+            </a:extLst>
+          </a:blip>
+          <a:stretch>
+            <a:fillRect/>
+          </a:stretch>
+        </p:blipFill>
+        <p:spPr>
+          <a:xfrm>
+            <a:off x="7531503" y="2129307"/>
+            <a:ext cx="3217333" cy="3217333"/>
+          </a:xfrm>
+          <a:prstGeom prst="rect">
+            <a:avLst/>
+          </a:prstGeom>
+        </p:spPr>
+      </p:pic>
+    </p:spTree>
+    <p:extLst>
+      <p:ext uri="{BB962C8B-B14F-4D97-AF65-F5344CB8AC3E}">
+        <p14:creationId xmlns:p14="http://schemas.microsoft.com/office/powerpoint/2010/main" val="53534015"/>
+      </p:ext>
+    </p:extLst>
+  </p:cSld>
+  <p:clrMapOvr>
+    <a:masterClrMapping/>
+  </p:clrMapOvr>
+</p:sld>
+</file>
+
+<file path=ppt/slides/slide38.xml><?xml version="1.0" encoding="utf-8"?>
+<p:sld xmlns:a="http://schemas.openxmlformats.org/drawingml/2006/main" xmlns:r="http://schemas.openxmlformats.org/officeDocument/2006/relationships" xmlns:p="http://schemas.openxmlformats.org/presentationml/2006/main">
+  <p:cSld>
+    <p:spTree>
+      <p:nvGrpSpPr>
+        <p:cNvPr id="1" name=""/>
+        <p:cNvGrpSpPr/>
+        <p:nvPr/>
+      </p:nvGrpSpPr>
+      <p:grpSpPr>
+        <a:xfrm>
+          <a:off x="0" y="0"/>
+          <a:ext cx="0" cy="0"/>
+          <a:chOff x="0" y="0"/>
+          <a:chExt cx="0" cy="0"/>
+        </a:xfrm>
+      </p:grpSpPr>
+      <p:sp>
+        <p:nvSpPr>
+          <p:cNvPr id="2" name="Título 1">
+            <a:extLst>
+              <a:ext uri="{FF2B5EF4-FFF2-40B4-BE49-F238E27FC236}">
+                <a16:creationId xmlns:a16="http://schemas.microsoft.com/office/drawing/2014/main" id="{9A0CB290-6B69-45F0-908B-3D50CD709B01}"/>
+              </a:ext>
+            </a:extLst>
+          </p:cNvPr>
+          <p:cNvSpPr>
+            <a:spLocks noGrp="1"/>
+          </p:cNvSpPr>
+          <p:nvPr>
+            <p:ph type="title"/>
+          </p:nvPr>
+        </p:nvSpPr>
+        <p:spPr/>
+        <p:txBody>
+          <a:bodyPr>
+            <a:normAutofit fontScale="90000"/>
+          </a:bodyPr>
+          <a:lstStyle/>
+          <a:p>
+            <a:r>
+              <a:rPr lang="pt-BR" b="1" dirty="0"/>
+              <a:t>Conexão com </a:t>
+            </a:r>
+            <a:r>
+              <a:rPr lang="pt-BR" b="1" dirty="0" err="1"/>
+              <a:t>Mysql</a:t>
+            </a:r>
+            <a:br>
+              <a:rPr lang="pt-BR" dirty="0"/>
+            </a:br>
+            <a:endParaRPr lang="pt-BR" dirty="0"/>
+          </a:p>
+        </p:txBody>
+      </p:sp>
+      <p:sp>
+        <p:nvSpPr>
+          <p:cNvPr id="9" name="Espaço Reservado para Texto 8">
+            <a:extLst>
+              <a:ext uri="{FF2B5EF4-FFF2-40B4-BE49-F238E27FC236}">
+                <a16:creationId xmlns:a16="http://schemas.microsoft.com/office/drawing/2014/main" id="{E1E67D10-0AC5-4E4A-9AA4-CAD40D4E41A0}"/>
+              </a:ext>
+            </a:extLst>
+          </p:cNvPr>
+          <p:cNvSpPr>
+            <a:spLocks noGrp="1"/>
+          </p:cNvSpPr>
+          <p:nvPr>
+            <p:ph type="body" sz="half" idx="2"/>
+          </p:nvPr>
+        </p:nvSpPr>
+        <p:spPr/>
+        <p:txBody>
+          <a:bodyPr>
+            <a:normAutofit/>
+          </a:bodyPr>
+          <a:lstStyle/>
+          <a:p>
+            <a:r>
+              <a:rPr lang="pt-BR" sz="2000" b="1" dirty="0">
+                <a:latin typeface="Courier New" panose="02070309020205020404" pitchFamily="49" charset="0"/>
+                <a:cs typeface="Courier New" panose="02070309020205020404" pitchFamily="49" charset="0"/>
+              </a:rPr>
+              <a:t>$ site </a:t>
+            </a:r>
+            <a:r>
+              <a:rPr lang="pt-BR" sz="2000" b="1" dirty="0" err="1">
+                <a:latin typeface="Courier New" panose="02070309020205020404" pitchFamily="49" charset="0"/>
+                <a:cs typeface="Courier New" panose="02070309020205020404" pitchFamily="49" charset="0"/>
+              </a:rPr>
+              <a:t>mysql</a:t>
+            </a:r>
+            <a:r>
+              <a:rPr lang="pt-BR" sz="2000" b="1" dirty="0">
+                <a:latin typeface="Courier New" panose="02070309020205020404" pitchFamily="49" charset="0"/>
+                <a:cs typeface="Courier New" panose="02070309020205020404" pitchFamily="49" charset="0"/>
+              </a:rPr>
+              <a:t> </a:t>
+            </a:r>
+            <a:r>
+              <a:rPr lang="pt-BR" sz="2000" b="1" dirty="0" err="1">
+                <a:latin typeface="Courier New" panose="02070309020205020404" pitchFamily="49" charset="0"/>
+                <a:cs typeface="Courier New" panose="02070309020205020404" pitchFamily="49" charset="0"/>
+              </a:rPr>
+              <a:t>conn</a:t>
+            </a:r>
+            <a:r>
+              <a:rPr lang="pt-BR" sz="2000" b="1" dirty="0">
+                <a:latin typeface="Courier New" panose="02070309020205020404" pitchFamily="49" charset="0"/>
+                <a:cs typeface="Courier New" panose="02070309020205020404" pitchFamily="49" charset="0"/>
+              </a:rPr>
+              <a:t> </a:t>
+            </a:r>
+            <a:br>
+              <a:rPr lang="pt-BR" sz="2000" b="1" dirty="0">
+                <a:latin typeface="Courier New" panose="02070309020205020404" pitchFamily="49" charset="0"/>
+                <a:cs typeface="Courier New" panose="02070309020205020404" pitchFamily="49" charset="0"/>
+              </a:rPr>
+            </a:br>
+            <a:br>
+              <a:rPr lang="pt-BR" sz="2000" b="1" dirty="0">
+                <a:latin typeface="Courier New" panose="02070309020205020404" pitchFamily="49" charset="0"/>
+                <a:cs typeface="Courier New" panose="02070309020205020404" pitchFamily="49" charset="0"/>
+              </a:rPr>
+            </a:br>
+            <a:r>
+              <a:rPr lang="pt-BR" sz="2000" b="1" dirty="0">
+                <a:latin typeface="Courier New" panose="02070309020205020404" pitchFamily="49" charset="0"/>
+                <a:cs typeface="Courier New" panose="02070309020205020404" pitchFamily="49" charset="0"/>
+              </a:rPr>
+              <a:t>$ </a:t>
+            </a:r>
+            <a:r>
+              <a:rPr lang="pt-BR" sz="2000" b="1" dirty="0" err="1">
+                <a:latin typeface="Courier New" panose="02070309020205020404" pitchFamily="49" charset="0"/>
+                <a:cs typeface="Courier New" panose="02070309020205020404" pitchFamily="49" charset="0"/>
+              </a:rPr>
+              <a:t>select</a:t>
+            </a:r>
+            <a:r>
+              <a:rPr lang="pt-BR" sz="2000" b="1" dirty="0">
+                <a:latin typeface="Courier New" panose="02070309020205020404" pitchFamily="49" charset="0"/>
+                <a:cs typeface="Courier New" panose="02070309020205020404" pitchFamily="49" charset="0"/>
+              </a:rPr>
+              <a:t> * </a:t>
+            </a:r>
+            <a:r>
+              <a:rPr lang="pt-BR" sz="2000" b="1" dirty="0" err="1">
+                <a:latin typeface="Courier New" panose="02070309020205020404" pitchFamily="49" charset="0"/>
+                <a:cs typeface="Courier New" panose="02070309020205020404" pitchFamily="49" charset="0"/>
+              </a:rPr>
+              <a:t>from</a:t>
+            </a:r>
+            <a:r>
+              <a:rPr lang="pt-BR" sz="2000" b="1" dirty="0">
+                <a:latin typeface="Courier New" panose="02070309020205020404" pitchFamily="49" charset="0"/>
+                <a:cs typeface="Courier New" panose="02070309020205020404" pitchFamily="49" charset="0"/>
+              </a:rPr>
+              <a:t> </a:t>
+            </a:r>
+            <a:r>
+              <a:rPr lang="pt-BR" sz="2000" b="1" dirty="0" err="1">
+                <a:latin typeface="Courier New" panose="02070309020205020404" pitchFamily="49" charset="0"/>
+                <a:cs typeface="Courier New" panose="02070309020205020404" pitchFamily="49" charset="0"/>
+              </a:rPr>
+              <a:t>city_halls</a:t>
+            </a:r>
+            <a:br>
+              <a:rPr lang="pt-BR" sz="2000" b="1" dirty="0">
+                <a:latin typeface="Courier New" panose="02070309020205020404" pitchFamily="49" charset="0"/>
+                <a:cs typeface="Courier New" panose="02070309020205020404" pitchFamily="49" charset="0"/>
+              </a:rPr>
+            </a:br>
+            <a:r>
+              <a:rPr lang="pt-BR" sz="2000" b="1" dirty="0">
+                <a:latin typeface="Courier New" panose="02070309020205020404" pitchFamily="49" charset="0"/>
+                <a:cs typeface="Courier New" panose="02070309020205020404" pitchFamily="49" charset="0"/>
+              </a:rPr>
+              <a:t>:</a:t>
+            </a:r>
+          </a:p>
+          <a:p>
+            <a:endParaRPr lang="pt-BR" sz="2000" b="1" dirty="0">
+              <a:latin typeface="Courier New" panose="02070309020205020404" pitchFamily="49" charset="0"/>
+              <a:cs typeface="Courier New" panose="02070309020205020404" pitchFamily="49" charset="0"/>
+            </a:endParaRPr>
+          </a:p>
+          <a:p>
+            <a:r>
+              <a:rPr lang="pt-BR" sz="2000" b="1" dirty="0">
+                <a:latin typeface="Courier New" panose="02070309020205020404" pitchFamily="49" charset="0"/>
+                <a:cs typeface="Courier New" panose="02070309020205020404" pitchFamily="49" charset="0"/>
+              </a:rPr>
+              <a:t>$ </a:t>
+            </a:r>
+            <a:r>
+              <a:rPr lang="pt-BR" sz="2000" b="1" dirty="0" err="1">
+                <a:latin typeface="Courier New" panose="02070309020205020404" pitchFamily="49" charset="0"/>
+                <a:cs typeface="Courier New" panose="02070309020205020404" pitchFamily="49" charset="0"/>
+              </a:rPr>
+              <a:t>exit</a:t>
+            </a:r>
+            <a:br>
+              <a:rPr lang="pt-BR" sz="2000" b="1" dirty="0">
+                <a:latin typeface="Courier New" panose="02070309020205020404" pitchFamily="49" charset="0"/>
+                <a:cs typeface="Courier New" panose="02070309020205020404" pitchFamily="49" charset="0"/>
+              </a:rPr>
+            </a:br>
+            <a:br>
+              <a:rPr lang="pt-BR" b="1" dirty="0">
+                <a:latin typeface="Courier New" panose="02070309020205020404" pitchFamily="49" charset="0"/>
+                <a:cs typeface="Courier New" panose="02070309020205020404" pitchFamily="49" charset="0"/>
+              </a:rPr>
+            </a:br>
+            <a:endParaRPr lang="pt-BR" dirty="0"/>
+          </a:p>
+        </p:txBody>
+      </p:sp>
+      <p:pic>
+        <p:nvPicPr>
+          <p:cNvPr id="7" name="Espaço Reservado para Imagem 6">
+            <a:extLst>
+              <a:ext uri="{FF2B5EF4-FFF2-40B4-BE49-F238E27FC236}">
+                <a16:creationId xmlns:a16="http://schemas.microsoft.com/office/drawing/2014/main" id="{87462775-3A70-49A8-8A9B-C7B13D03977A}"/>
+              </a:ext>
+            </a:extLst>
+          </p:cNvPr>
+          <p:cNvPicPr>
+            <a:picLocks noGrp="1" noChangeAspect="1"/>
+          </p:cNvPicPr>
+          <p:nvPr>
+            <p:ph type="pic" idx="1"/>
+          </p:nvPr>
+        </p:nvPicPr>
+        <p:blipFill rotWithShape="1">
+          <a:blip r:embed="rId2"/>
+          <a:srcRect t="2326" b="2326"/>
+          <a:stretch/>
+        </p:blipFill>
+        <p:spPr/>
+      </p:pic>
+    </p:spTree>
+    <p:extLst>
+      <p:ext uri="{BB962C8B-B14F-4D97-AF65-F5344CB8AC3E}">
+        <p14:creationId xmlns:p14="http://schemas.microsoft.com/office/powerpoint/2010/main" val="796341809"/>
+      </p:ext>
+    </p:extLst>
+  </p:cSld>
+  <p:clrMapOvr>
+    <a:masterClrMapping/>
+  </p:clrMapOvr>
+</p:sld>
+</file>
+
+<file path=ppt/slides/slide39.xml><?xml version="1.0" encoding="utf-8"?>
+<p:sld xmlns:a="http://schemas.openxmlformats.org/drawingml/2006/main" xmlns:r="http://schemas.openxmlformats.org/officeDocument/2006/relationships" xmlns:p="http://schemas.openxmlformats.org/presentationml/2006/main">
+  <p:cSld>
+    <p:bg>
+      <p:bgPr>
+        <a:solidFill>
+          <a:schemeClr val="bg1"/>
+        </a:solidFill>
+        <a:effectLst/>
+      </p:bgPr>
+    </p:bg>
+    <p:spTree>
+      <p:nvGrpSpPr>
+        <p:cNvPr id="1" name=""/>
+        <p:cNvGrpSpPr/>
+        <p:nvPr/>
+      </p:nvGrpSpPr>
+      <p:grpSpPr>
+        <a:xfrm>
+          <a:off x="0" y="0"/>
+          <a:ext cx="0" cy="0"/>
+          <a:chOff x="0" y="0"/>
+          <a:chExt cx="0" cy="0"/>
+        </a:xfrm>
+      </p:grpSpPr>
+      <p:sp useBgFill="1">
+        <p:nvSpPr>
+          <p:cNvPr id="53" name="Rectangle 52">
+            <a:extLst>
+              <a:ext uri="{FF2B5EF4-FFF2-40B4-BE49-F238E27FC236}">
+                <a16:creationId xmlns:a16="http://schemas.microsoft.com/office/drawing/2014/main" id="{3E443FD7-A66B-4AA0-872D-B088B9BC5F17}"/>
+              </a:ext>
+              <a:ext uri="{C183D7F6-B498-43B3-948B-1728B52AA6E4}">
+                <adec:decorative xmlns:adec="http://schemas.microsoft.com/office/drawing/2017/decorative" val="1"/>
+              </a:ext>
+            </a:extLst>
+          </p:cNvPr>
+          <p:cNvSpPr>
+            <a:spLocks noGrp="1" noRot="1" noChangeAspect="1" noMove="1" noResize="1" noEditPoints="1" noAdjustHandles="1" noChangeArrowheads="1" noChangeShapeType="1" noTextEdit="1"/>
+          </p:cNvSpPr>
+          <p:nvPr>
+            <p:extLst>
+              <p:ext uri="{386F3935-93C4-4BCD-93E2-E3B085C9AB24}">
+                <p16:designElem xmlns:p16="http://schemas.microsoft.com/office/powerpoint/2015/main" val="1"/>
+              </p:ext>
+            </p:extLst>
+          </p:nvPr>
+        </p:nvSpPr>
+        <p:spPr>
+          <a:xfrm>
+            <a:off x="0" y="0"/>
+            <a:ext cx="12192000" cy="6858000"/>
+          </a:xfrm>
+          <a:prstGeom prst="rect">
+            <a:avLst/>
+          </a:prstGeom>
+          <a:ln>
+            <a:noFill/>
+          </a:ln>
+        </p:spPr>
+        <p:style>
+          <a:lnRef idx="2">
+            <a:schemeClr val="accent1">
+              <a:shade val="50000"/>
+            </a:schemeClr>
+          </a:lnRef>
+          <a:fillRef idx="1">
+            <a:schemeClr val="accent1"/>
+          </a:fillRef>
+          <a:effectRef idx="0">
+            <a:schemeClr val="accent1"/>
+          </a:effectRef>
+          <a:fontRef idx="minor">
+            <a:schemeClr val="lt1"/>
+          </a:fontRef>
+        </p:style>
+        <p:txBody>
+          <a:bodyPr rtlCol="0" anchor="ctr"/>
+          <a:lstStyle/>
+          <a:p>
+            <a:pPr algn="ctr"/>
+            <a:endParaRPr lang="en-US"/>
+          </a:p>
+        </p:txBody>
+      </p:sp>
+      <p:sp>
+        <p:nvSpPr>
+          <p:cNvPr id="2" name="Título 1">
+            <a:extLst>
+              <a:ext uri="{FF2B5EF4-FFF2-40B4-BE49-F238E27FC236}">
+                <a16:creationId xmlns:a16="http://schemas.microsoft.com/office/drawing/2014/main" id="{9B5DD48C-039E-43C7-B060-771CB2A8EF2B}"/>
+              </a:ext>
+            </a:extLst>
+          </p:cNvPr>
+          <p:cNvSpPr>
+            <a:spLocks noGrp="1"/>
+          </p:cNvSpPr>
+          <p:nvPr>
+            <p:ph type="ctrTitle"/>
+          </p:nvPr>
+        </p:nvSpPr>
+        <p:spPr>
+          <a:xfrm>
+            <a:off x="1094095" y="851517"/>
+            <a:ext cx="5238466" cy="2991416"/>
+          </a:xfrm>
+        </p:spPr>
+        <p:txBody>
+          <a:bodyPr anchor="b">
+            <a:normAutofit/>
+          </a:bodyPr>
+          <a:lstStyle/>
+          <a:p>
+            <a:pPr algn="l"/>
+            <a:r>
+              <a:rPr lang="pt-BR" b="1" dirty="0"/>
+              <a:t>Conexão com Redis</a:t>
+            </a:r>
+          </a:p>
+        </p:txBody>
+      </p:sp>
+      <p:sp>
+        <p:nvSpPr>
+          <p:cNvPr id="3" name="Subtítulo 2">
+            <a:extLst>
+              <a:ext uri="{FF2B5EF4-FFF2-40B4-BE49-F238E27FC236}">
+                <a16:creationId xmlns:a16="http://schemas.microsoft.com/office/drawing/2014/main" id="{44095AEF-9434-45FE-BB86-7BC5AABE5432}"/>
+              </a:ext>
+            </a:extLst>
+          </p:cNvPr>
+          <p:cNvSpPr>
+            <a:spLocks noGrp="1"/>
+          </p:cNvSpPr>
+          <p:nvPr>
+            <p:ph type="subTitle" idx="1"/>
+          </p:nvPr>
+        </p:nvSpPr>
+        <p:spPr>
+          <a:xfrm>
+            <a:off x="1094096" y="3842932"/>
+            <a:ext cx="4167115" cy="2163551"/>
+          </a:xfrm>
+        </p:spPr>
+        <p:txBody>
+          <a:bodyPr anchor="t">
+            <a:normAutofit/>
+          </a:bodyPr>
+          <a:lstStyle/>
+          <a:p>
+            <a:pPr algn="l"/>
+            <a:r>
+              <a:rPr lang="pt-BR" b="1" dirty="0"/>
+              <a:t>Redis Console</a:t>
+            </a:r>
+          </a:p>
+        </p:txBody>
+      </p:sp>
+      <p:sp>
+        <p:nvSpPr>
+          <p:cNvPr id="55" name="Freeform: Shape 54">
+            <a:extLst>
+              <a:ext uri="{FF2B5EF4-FFF2-40B4-BE49-F238E27FC236}">
+                <a16:creationId xmlns:a16="http://schemas.microsoft.com/office/drawing/2014/main" id="{C04BE0EF-3561-49B4-9A29-F283168A91C7}"/>
+              </a:ext>
+              <a:ext uri="{C183D7F6-B498-43B3-948B-1728B52AA6E4}">
+                <adec:decorative xmlns:adec="http://schemas.microsoft.com/office/drawing/2017/decorative" val="1"/>
+              </a:ext>
+            </a:extLst>
+          </p:cNvPr>
+          <p:cNvSpPr>
+            <a:spLocks noGrp="1" noRot="1" noChangeAspect="1" noMove="1" noResize="1" noEditPoints="1" noAdjustHandles="1" noChangeArrowheads="1" noChangeShapeType="1" noTextEdit="1"/>
+          </p:cNvSpPr>
+          <p:nvPr>
+            <p:extLst>
+              <p:ext uri="{386F3935-93C4-4BCD-93E2-E3B085C9AB24}">
+                <p16:designElem xmlns:p16="http://schemas.microsoft.com/office/powerpoint/2015/main" val="1"/>
+              </p:ext>
+            </p:extLst>
+          </p:nvPr>
+        </p:nvSpPr>
+        <p:spPr>
+          <a:xfrm>
+            <a:off x="5510370" y="851518"/>
+            <a:ext cx="6184806" cy="5154967"/>
+          </a:xfrm>
+          <a:custGeom>
+            <a:avLst/>
+            <a:gdLst>
+              <a:gd name="connsiteX0" fmla="*/ 363179 w 6184806"/>
+              <a:gd name="connsiteY0" fmla="*/ 3125191 h 5154967"/>
+              <a:gd name="connsiteX1" fmla="*/ 898270 w 6184806"/>
+              <a:gd name="connsiteY1" fmla="*/ 3125191 h 5154967"/>
+              <a:gd name="connsiteX2" fmla="*/ 980326 w 6184806"/>
+              <a:gd name="connsiteY2" fmla="*/ 3173551 h 5154967"/>
+              <a:gd name="connsiteX3" fmla="*/ 1248448 w 6184806"/>
+              <a:gd name="connsiteY3" fmla="*/ 3635277 h 5154967"/>
+              <a:gd name="connsiteX4" fmla="*/ 1248448 w 6184806"/>
+              <a:gd name="connsiteY4" fmla="*/ 3729695 h 5154967"/>
+              <a:gd name="connsiteX5" fmla="*/ 980326 w 6184806"/>
+              <a:gd name="connsiteY5" fmla="*/ 4191421 h 5154967"/>
+              <a:gd name="connsiteX6" fmla="*/ 898270 w 6184806"/>
+              <a:gd name="connsiteY6" fmla="*/ 4239781 h 5154967"/>
+              <a:gd name="connsiteX7" fmla="*/ 363179 w 6184806"/>
+              <a:gd name="connsiteY7" fmla="*/ 4239781 h 5154967"/>
+              <a:gd name="connsiteX8" fmla="*/ 279969 w 6184806"/>
+              <a:gd name="connsiteY8" fmla="*/ 4191421 h 5154967"/>
+              <a:gd name="connsiteX9" fmla="*/ 13002 w 6184806"/>
+              <a:gd name="connsiteY9" fmla="*/ 3729695 h 5154967"/>
+              <a:gd name="connsiteX10" fmla="*/ 13002 w 6184806"/>
+              <a:gd name="connsiteY10" fmla="*/ 3635277 h 5154967"/>
+              <a:gd name="connsiteX11" fmla="*/ 279969 w 6184806"/>
+              <a:gd name="connsiteY11" fmla="*/ 3173551 h 5154967"/>
+              <a:gd name="connsiteX12" fmla="*/ 363179 w 6184806"/>
+              <a:gd name="connsiteY12" fmla="*/ 3125191 h 5154967"/>
+              <a:gd name="connsiteX13" fmla="*/ 2489721 w 6184806"/>
+              <a:gd name="connsiteY13" fmla="*/ 570035 h 5154967"/>
+              <a:gd name="connsiteX14" fmla="*/ 2764862 w 6184806"/>
+              <a:gd name="connsiteY14" fmla="*/ 570035 h 5154967"/>
+              <a:gd name="connsiteX15" fmla="*/ 2796959 w 6184806"/>
+              <a:gd name="connsiteY15" fmla="*/ 570035 h 5154967"/>
+              <a:gd name="connsiteX16" fmla="*/ 2827587 w 6184806"/>
+              <a:gd name="connsiteY16" fmla="*/ 622777 h 5154967"/>
+              <a:gd name="connsiteX17" fmla="*/ 2977604 w 6184806"/>
+              <a:gd name="connsiteY17" fmla="*/ 881117 h 5154967"/>
+              <a:gd name="connsiteX18" fmla="*/ 2977604 w 6184806"/>
+              <a:gd name="connsiteY18" fmla="*/ 1025720 h 5154967"/>
+              <a:gd name="connsiteX19" fmla="*/ 2566968 w 6184806"/>
+              <a:gd name="connsiteY19" fmla="*/ 1732863 h 5154967"/>
+              <a:gd name="connsiteX20" fmla="*/ 2441299 w 6184806"/>
+              <a:gd name="connsiteY20" fmla="*/ 1806927 h 5154967"/>
+              <a:gd name="connsiteX21" fmla="*/ 1621798 w 6184806"/>
+              <a:gd name="connsiteY21" fmla="*/ 1806927 h 5154967"/>
+              <a:gd name="connsiteX22" fmla="*/ 1583218 w 6184806"/>
+              <a:gd name="connsiteY22" fmla="*/ 1801802 h 5154967"/>
+              <a:gd name="connsiteX23" fmla="*/ 1556683 w 6184806"/>
+              <a:gd name="connsiteY23" fmla="*/ 1790677 h 5154967"/>
+              <a:gd name="connsiteX24" fmla="*/ 1572899 w 6184806"/>
+              <a:gd name="connsiteY24" fmla="*/ 1762630 h 5154967"/>
+              <a:gd name="connsiteX25" fmla="*/ 2147429 w 6184806"/>
+              <a:gd name="connsiteY25" fmla="*/ 768968 h 5154967"/>
+              <a:gd name="connsiteX26" fmla="*/ 2489721 w 6184806"/>
+              <a:gd name="connsiteY26" fmla="*/ 570035 h 5154967"/>
+              <a:gd name="connsiteX27" fmla="*/ 1573268 w 6184806"/>
+              <a:gd name="connsiteY27" fmla="*/ 0 h 5154967"/>
+              <a:gd name="connsiteX28" fmla="*/ 2497662 w 6184806"/>
+              <a:gd name="connsiteY28" fmla="*/ 0 h 5154967"/>
+              <a:gd name="connsiteX29" fmla="*/ 2639415 w 6184806"/>
+              <a:gd name="connsiteY29" fmla="*/ 83546 h 5154967"/>
+              <a:gd name="connsiteX30" fmla="*/ 2887862 w 6184806"/>
+              <a:gd name="connsiteY30" fmla="*/ 511387 h 5154967"/>
+              <a:gd name="connsiteX31" fmla="*/ 2915928 w 6184806"/>
+              <a:gd name="connsiteY31" fmla="*/ 559720 h 5154967"/>
+              <a:gd name="connsiteX32" fmla="*/ 2893844 w 6184806"/>
+              <a:gd name="connsiteY32" fmla="*/ 559720 h 5154967"/>
+              <a:gd name="connsiteX33" fmla="*/ 2789466 w 6184806"/>
+              <a:gd name="connsiteY33" fmla="*/ 559720 h 5154967"/>
+              <a:gd name="connsiteX34" fmla="*/ 2744122 w 6184806"/>
+              <a:gd name="connsiteY34" fmla="*/ 481634 h 5154967"/>
+              <a:gd name="connsiteX35" fmla="*/ 2570885 w 6184806"/>
+              <a:gd name="connsiteY35" fmla="*/ 183309 h 5154967"/>
+              <a:gd name="connsiteX36" fmla="*/ 2445216 w 6184806"/>
+              <a:gd name="connsiteY36" fmla="*/ 109243 h 5154967"/>
+              <a:gd name="connsiteX37" fmla="*/ 1625714 w 6184806"/>
+              <a:gd name="connsiteY37" fmla="*/ 109243 h 5154967"/>
+              <a:gd name="connsiteX38" fmla="*/ 1498276 w 6184806"/>
+              <a:gd name="connsiteY38" fmla="*/ 183309 h 5154967"/>
+              <a:gd name="connsiteX39" fmla="*/ 1089410 w 6184806"/>
+              <a:gd name="connsiteY39" fmla="*/ 890450 h 5154967"/>
+              <a:gd name="connsiteX40" fmla="*/ 1089410 w 6184806"/>
+              <a:gd name="connsiteY40" fmla="*/ 1035054 h 5154967"/>
+              <a:gd name="connsiteX41" fmla="*/ 1498276 w 6184806"/>
+              <a:gd name="connsiteY41" fmla="*/ 1742196 h 5154967"/>
+              <a:gd name="connsiteX42" fmla="*/ 1552039 w 6184806"/>
+              <a:gd name="connsiteY42" fmla="*/ 1796422 h 5154967"/>
+              <a:gd name="connsiteX43" fmla="*/ 1558260 w 6184806"/>
+              <a:gd name="connsiteY43" fmla="*/ 1799029 h 5154967"/>
+              <a:gd name="connsiteX44" fmla="*/ 1524911 w 6184806"/>
+              <a:gd name="connsiteY44" fmla="*/ 1856707 h 5154967"/>
+              <a:gd name="connsiteX45" fmla="*/ 1500108 w 6184806"/>
+              <a:gd name="connsiteY45" fmla="*/ 1899604 h 5154967"/>
+              <a:gd name="connsiteX46" fmla="*/ 1525834 w 6184806"/>
+              <a:gd name="connsiteY46" fmla="*/ 1910390 h 5154967"/>
+              <a:gd name="connsiteX47" fmla="*/ 1569352 w 6184806"/>
+              <a:gd name="connsiteY47" fmla="*/ 1916170 h 5154967"/>
+              <a:gd name="connsiteX48" fmla="*/ 2493745 w 6184806"/>
+              <a:gd name="connsiteY48" fmla="*/ 1916170 h 5154967"/>
+              <a:gd name="connsiteX49" fmla="*/ 2635498 w 6184806"/>
+              <a:gd name="connsiteY49" fmla="*/ 1832627 h 5154967"/>
+              <a:gd name="connsiteX50" fmla="*/ 3098693 w 6184806"/>
+              <a:gd name="connsiteY50" fmla="*/ 1034974 h 5154967"/>
+              <a:gd name="connsiteX51" fmla="*/ 3098693 w 6184806"/>
+              <a:gd name="connsiteY51" fmla="*/ 871863 h 5154967"/>
+              <a:gd name="connsiteX52" fmla="*/ 2945803 w 6184806"/>
+              <a:gd name="connsiteY52" fmla="*/ 608576 h 5154967"/>
+              <a:gd name="connsiteX53" fmla="*/ 2923422 w 6184806"/>
+              <a:gd name="connsiteY53" fmla="*/ 570035 h 5154967"/>
+              <a:gd name="connsiteX54" fmla="*/ 3027104 w 6184806"/>
+              <a:gd name="connsiteY54" fmla="*/ 570035 h 5154967"/>
+              <a:gd name="connsiteX55" fmla="*/ 4690846 w 6184806"/>
+              <a:gd name="connsiteY55" fmla="*/ 570035 h 5154967"/>
+              <a:gd name="connsiteX56" fmla="*/ 5028384 w 6184806"/>
+              <a:gd name="connsiteY56" fmla="*/ 768968 h 5154967"/>
+              <a:gd name="connsiteX57" fmla="*/ 6131323 w 6184806"/>
+              <a:gd name="connsiteY57" fmla="*/ 2668304 h 5154967"/>
+              <a:gd name="connsiteX58" fmla="*/ 6131323 w 6184806"/>
+              <a:gd name="connsiteY58" fmla="*/ 3056698 h 5154967"/>
+              <a:gd name="connsiteX59" fmla="*/ 5028384 w 6184806"/>
+              <a:gd name="connsiteY59" fmla="*/ 4956035 h 5154967"/>
+              <a:gd name="connsiteX60" fmla="*/ 4690846 w 6184806"/>
+              <a:gd name="connsiteY60" fmla="*/ 5154967 h 5154967"/>
+              <a:gd name="connsiteX61" fmla="*/ 2489721 w 6184806"/>
+              <a:gd name="connsiteY61" fmla="*/ 5154967 h 5154967"/>
+              <a:gd name="connsiteX62" fmla="*/ 2147429 w 6184806"/>
+              <a:gd name="connsiteY62" fmla="*/ 4956035 h 5154967"/>
+              <a:gd name="connsiteX63" fmla="*/ 1049243 w 6184806"/>
+              <a:gd name="connsiteY63" fmla="*/ 3056698 h 5154967"/>
+              <a:gd name="connsiteX64" fmla="*/ 1049243 w 6184806"/>
+              <a:gd name="connsiteY64" fmla="*/ 2668304 h 5154967"/>
+              <a:gd name="connsiteX65" fmla="*/ 1457007 w 6184806"/>
+              <a:gd name="connsiteY65" fmla="*/ 1963067 h 5154967"/>
+              <a:gd name="connsiteX66" fmla="*/ 1491373 w 6184806"/>
+              <a:gd name="connsiteY66" fmla="*/ 1903634 h 5154967"/>
+              <a:gd name="connsiteX67" fmla="*/ 1490164 w 6184806"/>
+              <a:gd name="connsiteY67" fmla="*/ 1903127 h 5154967"/>
+              <a:gd name="connsiteX68" fmla="*/ 1429519 w 6184806"/>
+              <a:gd name="connsiteY68" fmla="*/ 1841960 h 5154967"/>
+              <a:gd name="connsiteX69" fmla="*/ 968320 w 6184806"/>
+              <a:gd name="connsiteY69" fmla="*/ 1044307 h 5154967"/>
+              <a:gd name="connsiteX70" fmla="*/ 968320 w 6184806"/>
+              <a:gd name="connsiteY70" fmla="*/ 881196 h 5154967"/>
+              <a:gd name="connsiteX71" fmla="*/ 1429519 w 6184806"/>
+              <a:gd name="connsiteY71" fmla="*/ 83546 h 5154967"/>
+              <a:gd name="connsiteX72" fmla="*/ 1573268 w 6184806"/>
+              <a:gd name="connsiteY72" fmla="*/ 0 h 5154967"/>
+            </a:gdLst>
+            <a:ahLst/>
+            <a:cxnLst>
+              <a:cxn ang="0">
+                <a:pos x="connsiteX0" y="connsiteY0"/>
+              </a:cxn>
+              <a:cxn ang="0">
+                <a:pos x="connsiteX1" y="connsiteY1"/>
+              </a:cxn>
+              <a:cxn ang="0">
+                <a:pos x="connsiteX2" y="connsiteY2"/>
+              </a:cxn>
+              <a:cxn ang="0">
+                <a:pos x="connsiteX3" y="connsiteY3"/>
+              </a:cxn>
+              <a:cxn ang="0">
+                <a:pos x="connsiteX4" y="connsiteY4"/>
+              </a:cxn>
+              <a:cxn ang="0">
+                <a:pos x="connsiteX5" y="connsiteY5"/>
+              </a:cxn>
+              <a:cxn ang="0">
+                <a:pos x="connsiteX6" y="connsiteY6"/>
+              </a:cxn>
+              <a:cxn ang="0">
+                <a:pos x="connsiteX7" y="connsiteY7"/>
+              </a:cxn>
+              <a:cxn ang="0">
+                <a:pos x="connsiteX8" y="connsiteY8"/>
+              </a:cxn>
+              <a:cxn ang="0">
+                <a:pos x="connsiteX9" y="connsiteY9"/>
+              </a:cxn>
+              <a:cxn ang="0">
+                <a:pos x="connsiteX10" y="connsiteY10"/>
+              </a:cxn>
+              <a:cxn ang="0">
+                <a:pos x="connsiteX11" y="connsiteY11"/>
+              </a:cxn>
+              <a:cxn ang="0">
+                <a:pos x="connsiteX12" y="connsiteY12"/>
+              </a:cxn>
+              <a:cxn ang="0">
+                <a:pos x="connsiteX13" y="connsiteY13"/>
+              </a:cxn>
+              <a:cxn ang="0">
+                <a:pos x="connsiteX14" y="connsiteY14"/>
+              </a:cxn>
+              <a:cxn ang="0">
+                <a:pos x="connsiteX15" y="connsiteY15"/>
+              </a:cxn>
+              <a:cxn ang="0">
+                <a:pos x="connsiteX16" y="connsiteY16"/>
+              </a:cxn>
+              <a:cxn ang="0">
+                <a:pos x="connsiteX17" y="connsiteY17"/>
+              </a:cxn>
+              <a:cxn ang="0">
+                <a:pos x="connsiteX18" y="connsiteY18"/>
+              </a:cxn>
+              <a:cxn ang="0">
+                <a:pos x="connsiteX19" y="connsiteY19"/>
+              </a:cxn>
+              <a:cxn ang="0">
+                <a:pos x="connsiteX20" y="connsiteY20"/>
+              </a:cxn>
+              <a:cxn ang="0">
+                <a:pos x="connsiteX21" y="connsiteY21"/>
+              </a:cxn>
+              <a:cxn ang="0">
+                <a:pos x="connsiteX22" y="connsiteY22"/>
+              </a:cxn>
+              <a:cxn ang="0">
+                <a:pos x="connsiteX23" y="connsiteY23"/>
+              </a:cxn>
+              <a:cxn ang="0">
+                <a:pos x="connsiteX24" y="connsiteY24"/>
+              </a:cxn>
+              <a:cxn ang="0">
+                <a:pos x="connsiteX25" y="connsiteY25"/>
+              </a:cxn>
+              <a:cxn ang="0">
+                <a:pos x="connsiteX26" y="connsiteY26"/>
+              </a:cxn>
+              <a:cxn ang="0">
+                <a:pos x="connsiteX27" y="connsiteY27"/>
+              </a:cxn>
+              <a:cxn ang="0">
+                <a:pos x="connsiteX28" y="connsiteY28"/>
+              </a:cxn>
+              <a:cxn ang="0">
+                <a:pos x="connsiteX29" y="connsiteY29"/>
+              </a:cxn>
+              <a:cxn ang="0">
+                <a:pos x="connsiteX30" y="connsiteY30"/>
+              </a:cxn>
+              <a:cxn ang="0">
+                <a:pos x="connsiteX31" y="connsiteY31"/>
+              </a:cxn>
+              <a:cxn ang="0">
+                <a:pos x="connsiteX32" y="connsiteY32"/>
+              </a:cxn>
+              <a:cxn ang="0">
+                <a:pos x="connsiteX33" y="connsiteY33"/>
+              </a:cxn>
+              <a:cxn ang="0">
+                <a:pos x="connsiteX34" y="connsiteY34"/>
+              </a:cxn>
+              <a:cxn ang="0">
+                <a:pos x="connsiteX35" y="connsiteY35"/>
+              </a:cxn>
+              <a:cxn ang="0">
+                <a:pos x="connsiteX36" y="connsiteY36"/>
+              </a:cxn>
+              <a:cxn ang="0">
+                <a:pos x="connsiteX37" y="connsiteY37"/>
+              </a:cxn>
+              <a:cxn ang="0">
+                <a:pos x="connsiteX38" y="connsiteY38"/>
+              </a:cxn>
+              <a:cxn ang="0">
+                <a:pos x="connsiteX39" y="connsiteY39"/>
+              </a:cxn>
+              <a:cxn ang="0">
+                <a:pos x="connsiteX40" y="connsiteY40"/>
+              </a:cxn>
+              <a:cxn ang="0">
+                <a:pos x="connsiteX41" y="connsiteY41"/>
+              </a:cxn>
+              <a:cxn ang="0">
+                <a:pos x="connsiteX42" y="connsiteY42"/>
+              </a:cxn>
+              <a:cxn ang="0">
+                <a:pos x="connsiteX43" y="connsiteY43"/>
+              </a:cxn>
+              <a:cxn ang="0">
+                <a:pos x="connsiteX44" y="connsiteY44"/>
+              </a:cxn>
+              <a:cxn ang="0">
+                <a:pos x="connsiteX45" y="connsiteY45"/>
+              </a:cxn>
+              <a:cxn ang="0">
+                <a:pos x="connsiteX46" y="connsiteY46"/>
+              </a:cxn>
+              <a:cxn ang="0">
+                <a:pos x="connsiteX47" y="connsiteY47"/>
+              </a:cxn>
+              <a:cxn ang="0">
+                <a:pos x="connsiteX48" y="connsiteY48"/>
+              </a:cxn>
+              <a:cxn ang="0">
+                <a:pos x="connsiteX49" y="connsiteY49"/>
+              </a:cxn>
+              <a:cxn ang="0">
+                <a:pos x="connsiteX50" y="connsiteY50"/>
+              </a:cxn>
+              <a:cxn ang="0">
+                <a:pos x="connsiteX51" y="connsiteY51"/>
+              </a:cxn>
+              <a:cxn ang="0">
+                <a:pos x="connsiteX52" y="connsiteY52"/>
+              </a:cxn>
+              <a:cxn ang="0">
+                <a:pos x="connsiteX53" y="connsiteY53"/>
+              </a:cxn>
+              <a:cxn ang="0">
+                <a:pos x="connsiteX54" y="connsiteY54"/>
+              </a:cxn>
+              <a:cxn ang="0">
+                <a:pos x="connsiteX55" y="connsiteY55"/>
+              </a:cxn>
+              <a:cxn ang="0">
+                <a:pos x="connsiteX56" y="connsiteY56"/>
+              </a:cxn>
+              <a:cxn ang="0">
+                <a:pos x="connsiteX57" y="connsiteY57"/>
+              </a:cxn>
+              <a:cxn ang="0">
+                <a:pos x="connsiteX58" y="connsiteY58"/>
+              </a:cxn>
+              <a:cxn ang="0">
+                <a:pos x="connsiteX59" y="connsiteY59"/>
+              </a:cxn>
+              <a:cxn ang="0">
+                <a:pos x="connsiteX60" y="connsiteY60"/>
+              </a:cxn>
+              <a:cxn ang="0">
+                <a:pos x="connsiteX61" y="connsiteY61"/>
+              </a:cxn>
+              <a:cxn ang="0">
+                <a:pos x="connsiteX62" y="connsiteY62"/>
+              </a:cxn>
+              <a:cxn ang="0">
+                <a:pos x="connsiteX63" y="connsiteY63"/>
+              </a:cxn>
+              <a:cxn ang="0">
+                <a:pos x="connsiteX64" y="connsiteY64"/>
+              </a:cxn>
+              <a:cxn ang="0">
+                <a:pos x="connsiteX65" y="connsiteY65"/>
+              </a:cxn>
+              <a:cxn ang="0">
+                <a:pos x="connsiteX66" y="connsiteY66"/>
+              </a:cxn>
+              <a:cxn ang="0">
+                <a:pos x="connsiteX67" y="connsiteY67"/>
+              </a:cxn>
+              <a:cxn ang="0">
+                <a:pos x="connsiteX68" y="connsiteY68"/>
+              </a:cxn>
+              <a:cxn ang="0">
+                <a:pos x="connsiteX69" y="connsiteY69"/>
+              </a:cxn>
+              <a:cxn ang="0">
+                <a:pos x="connsiteX70" y="connsiteY70"/>
+              </a:cxn>
+              <a:cxn ang="0">
+                <a:pos x="connsiteX71" y="connsiteY71"/>
+              </a:cxn>
+              <a:cxn ang="0">
+                <a:pos x="connsiteX72" y="connsiteY72"/>
+              </a:cxn>
+            </a:cxnLst>
+            <a:rect l="l" t="t" r="r" b="b"/>
+            <a:pathLst>
+              <a:path w="6184806" h="5154967">
+                <a:moveTo>
+                  <a:pt x="363179" y="3125191"/>
+                </a:moveTo>
+                <a:cubicBezTo>
+                  <a:pt x="363179" y="3125191"/>
+                  <a:pt x="363179" y="3125191"/>
+                  <a:pt x="898270" y="3125191"/>
+                </a:cubicBezTo>
+                <a:cubicBezTo>
+                  <a:pt x="931786" y="3125191"/>
+                  <a:pt x="964145" y="3143614"/>
+                  <a:pt x="980326" y="3173551"/>
+                </a:cubicBezTo>
+                <a:cubicBezTo>
+                  <a:pt x="980326" y="3173551"/>
+                  <a:pt x="980326" y="3173551"/>
+                  <a:pt x="1248448" y="3635277"/>
+                </a:cubicBezTo>
+                <a:cubicBezTo>
+                  <a:pt x="1265784" y="3664063"/>
+                  <a:pt x="1265784" y="3700909"/>
+                  <a:pt x="1248448" y="3729695"/>
+                </a:cubicBezTo>
+                <a:cubicBezTo>
+                  <a:pt x="1248448" y="3729695"/>
+                  <a:pt x="1248448" y="3729695"/>
+                  <a:pt x="980326" y="4191421"/>
+                </a:cubicBezTo>
+                <a:cubicBezTo>
+                  <a:pt x="964145" y="4221358"/>
+                  <a:pt x="931786" y="4239781"/>
+                  <a:pt x="898270" y="4239781"/>
+                </a:cubicBezTo>
+                <a:cubicBezTo>
+                  <a:pt x="898270" y="4239781"/>
+                  <a:pt x="898270" y="4239781"/>
+                  <a:pt x="363179" y="4239781"/>
+                </a:cubicBezTo>
+                <a:cubicBezTo>
+                  <a:pt x="328508" y="4239781"/>
+                  <a:pt x="297305" y="4221358"/>
+                  <a:pt x="279969" y="4191421"/>
+                </a:cubicBezTo>
+                <a:cubicBezTo>
+                  <a:pt x="279969" y="4191421"/>
+                  <a:pt x="279969" y="4191421"/>
+                  <a:pt x="13002" y="3729695"/>
+                </a:cubicBezTo>
+                <a:cubicBezTo>
+                  <a:pt x="-4334" y="3700909"/>
+                  <a:pt x="-4334" y="3664063"/>
+                  <a:pt x="13002" y="3635277"/>
+                </a:cubicBezTo>
+                <a:cubicBezTo>
+                  <a:pt x="13002" y="3635277"/>
+                  <a:pt x="13002" y="3635277"/>
+                  <a:pt x="279969" y="3173551"/>
+                </a:cubicBezTo>
+                <a:cubicBezTo>
+                  <a:pt x="297305" y="3143614"/>
+                  <a:pt x="328508" y="3125191"/>
+                  <a:pt x="363179" y="3125191"/>
+                </a:cubicBezTo>
+                <a:close/>
+                <a:moveTo>
+                  <a:pt x="2489721" y="570035"/>
+                </a:moveTo>
+                <a:cubicBezTo>
+                  <a:pt x="2489721" y="570035"/>
+                  <a:pt x="2489721" y="570035"/>
+                  <a:pt x="2764862" y="570035"/>
+                </a:cubicBezTo>
+                <a:lnTo>
+                  <a:pt x="2796959" y="570035"/>
+                </a:lnTo>
+                <a:lnTo>
+                  <a:pt x="2827587" y="622777"/>
+                </a:lnTo>
+                <a:cubicBezTo>
+                  <a:pt x="2870233" y="696217"/>
+                  <a:pt x="2919858" y="781675"/>
+                  <a:pt x="2977604" y="881117"/>
+                </a:cubicBezTo>
+                <a:cubicBezTo>
+                  <a:pt x="3004153" y="925204"/>
+                  <a:pt x="3004153" y="981634"/>
+                  <a:pt x="2977604" y="1025720"/>
+                </a:cubicBezTo>
+                <a:cubicBezTo>
+                  <a:pt x="2977604" y="1025720"/>
+                  <a:pt x="2977604" y="1025720"/>
+                  <a:pt x="2566968" y="1732863"/>
+                </a:cubicBezTo>
+                <a:cubicBezTo>
+                  <a:pt x="2542188" y="1778712"/>
+                  <a:pt x="2492629" y="1806927"/>
+                  <a:pt x="2441299" y="1806927"/>
+                </a:cubicBezTo>
+                <a:cubicBezTo>
+                  <a:pt x="2441299" y="1806927"/>
+                  <a:pt x="2441299" y="1806927"/>
+                  <a:pt x="1621798" y="1806927"/>
+                </a:cubicBezTo>
+                <a:cubicBezTo>
+                  <a:pt x="1608523" y="1806927"/>
+                  <a:pt x="1595580" y="1805163"/>
+                  <a:pt x="1583218" y="1801802"/>
+                </a:cubicBezTo>
+                <a:lnTo>
+                  <a:pt x="1556683" y="1790677"/>
+                </a:lnTo>
+                <a:lnTo>
+                  <a:pt x="1572899" y="1762630"/>
+                </a:lnTo>
+                <a:cubicBezTo>
+                  <a:pt x="1719523" y="1509042"/>
+                  <a:pt x="1907201" y="1184448"/>
+                  <a:pt x="2147429" y="768968"/>
+                </a:cubicBezTo>
+                <a:cubicBezTo>
+                  <a:pt x="2218739" y="645819"/>
+                  <a:pt x="2347099" y="570035"/>
+                  <a:pt x="2489721" y="570035"/>
+                </a:cubicBezTo>
+                <a:close/>
+                <a:moveTo>
+                  <a:pt x="1573268" y="0"/>
+                </a:moveTo>
+                <a:cubicBezTo>
+                  <a:pt x="1573268" y="0"/>
+                  <a:pt x="1573268" y="0"/>
+                  <a:pt x="2497662" y="0"/>
+                </a:cubicBezTo>
+                <a:cubicBezTo>
+                  <a:pt x="2555561" y="0"/>
+                  <a:pt x="2611463" y="31828"/>
+                  <a:pt x="2639415" y="83546"/>
+                </a:cubicBezTo>
+                <a:cubicBezTo>
+                  <a:pt x="2639415" y="83546"/>
+                  <a:pt x="2639415" y="83546"/>
+                  <a:pt x="2887862" y="511387"/>
+                </a:cubicBezTo>
+                <a:lnTo>
+                  <a:pt x="2915928" y="559720"/>
+                </a:lnTo>
+                <a:lnTo>
+                  <a:pt x="2893844" y="559720"/>
+                </a:lnTo>
+                <a:lnTo>
+                  <a:pt x="2789466" y="559720"/>
+                </a:lnTo>
+                <a:lnTo>
+                  <a:pt x="2744122" y="481634"/>
+                </a:lnTo>
+                <a:cubicBezTo>
+                  <a:pt x="2570885" y="183309"/>
+                  <a:pt x="2570885" y="183309"/>
+                  <a:pt x="2570885" y="183309"/>
+                </a:cubicBezTo>
+                <a:cubicBezTo>
+                  <a:pt x="2546104" y="137459"/>
+                  <a:pt x="2496545" y="109243"/>
+                  <a:pt x="2445216" y="109243"/>
+                </a:cubicBezTo>
+                <a:cubicBezTo>
+                  <a:pt x="1625714" y="109243"/>
+                  <a:pt x="1625714" y="109243"/>
+                  <a:pt x="1625714" y="109243"/>
+                </a:cubicBezTo>
+                <a:cubicBezTo>
+                  <a:pt x="1572615" y="109243"/>
+                  <a:pt x="1524825" y="137459"/>
+                  <a:pt x="1498276" y="183309"/>
+                </a:cubicBezTo>
+                <a:cubicBezTo>
+                  <a:pt x="1089410" y="890450"/>
+                  <a:pt x="1089410" y="890450"/>
+                  <a:pt x="1089410" y="890450"/>
+                </a:cubicBezTo>
+                <a:cubicBezTo>
+                  <a:pt x="1062860" y="934537"/>
+                  <a:pt x="1062860" y="990967"/>
+                  <a:pt x="1089410" y="1035054"/>
+                </a:cubicBezTo>
+                <a:cubicBezTo>
+                  <a:pt x="1498276" y="1742196"/>
+                  <a:pt x="1498276" y="1742196"/>
+                  <a:pt x="1498276" y="1742196"/>
+                </a:cubicBezTo>
+                <a:cubicBezTo>
+                  <a:pt x="1511551" y="1765121"/>
+                  <a:pt x="1530135" y="1783637"/>
+                  <a:pt x="1552039" y="1796422"/>
+                </a:cubicBezTo>
+                <a:lnTo>
+                  <a:pt x="1558260" y="1799029"/>
+                </a:lnTo>
+                <a:lnTo>
+                  <a:pt x="1524911" y="1856707"/>
+                </a:lnTo>
+                <a:lnTo>
+                  <a:pt x="1500108" y="1899604"/>
+                </a:lnTo>
+                <a:lnTo>
+                  <a:pt x="1525834" y="1910390"/>
+                </a:lnTo>
+                <a:cubicBezTo>
+                  <a:pt x="1539779" y="1914181"/>
+                  <a:pt x="1554378" y="1916170"/>
+                  <a:pt x="1569352" y="1916170"/>
+                </a:cubicBezTo>
+                <a:cubicBezTo>
+                  <a:pt x="2493745" y="1916170"/>
+                  <a:pt x="2493745" y="1916170"/>
+                  <a:pt x="2493745" y="1916170"/>
+                </a:cubicBezTo>
+                <a:cubicBezTo>
+                  <a:pt x="2551645" y="1916170"/>
+                  <a:pt x="2607546" y="1884345"/>
+                  <a:pt x="2635498" y="1832627"/>
+                </a:cubicBezTo>
+                <a:cubicBezTo>
+                  <a:pt x="3098693" y="1034974"/>
+                  <a:pt x="3098693" y="1034974"/>
+                  <a:pt x="3098693" y="1034974"/>
+                </a:cubicBezTo>
+                <a:cubicBezTo>
+                  <a:pt x="3128641" y="985246"/>
+                  <a:pt x="3128641" y="921593"/>
+                  <a:pt x="3098693" y="871863"/>
+                </a:cubicBezTo>
+                <a:cubicBezTo>
+                  <a:pt x="3040794" y="772157"/>
+                  <a:pt x="2990132" y="684914"/>
+                  <a:pt x="2945803" y="608576"/>
+                </a:cubicBezTo>
+                <a:lnTo>
+                  <a:pt x="2923422" y="570035"/>
+                </a:lnTo>
+                <a:lnTo>
+                  <a:pt x="3027104" y="570035"/>
+                </a:lnTo>
+                <a:cubicBezTo>
+                  <a:pt x="3349535" y="570035"/>
+                  <a:pt x="3865424" y="570035"/>
+                  <a:pt x="4690846" y="570035"/>
+                </a:cubicBezTo>
+                <a:cubicBezTo>
+                  <a:pt x="4828714" y="570035"/>
+                  <a:pt x="4961827" y="645819"/>
+                  <a:pt x="5028384" y="768968"/>
+                </a:cubicBezTo>
+                <a:cubicBezTo>
+                  <a:pt x="5028384" y="768968"/>
+                  <a:pt x="5028384" y="768968"/>
+                  <a:pt x="6131323" y="2668304"/>
+                </a:cubicBezTo>
+                <a:cubicBezTo>
+                  <a:pt x="6202634" y="2786717"/>
+                  <a:pt x="6202634" y="2938285"/>
+                  <a:pt x="6131323" y="3056698"/>
+                </a:cubicBezTo>
+                <a:cubicBezTo>
+                  <a:pt x="6131323" y="3056698"/>
+                  <a:pt x="6131323" y="3056698"/>
+                  <a:pt x="5028384" y="4956035"/>
+                </a:cubicBezTo>
+                <a:cubicBezTo>
+                  <a:pt x="4961827" y="5079184"/>
+                  <a:pt x="4828714" y="5154967"/>
+                  <a:pt x="4690846" y="5154967"/>
+                </a:cubicBezTo>
+                <a:cubicBezTo>
+                  <a:pt x="4690846" y="5154967"/>
+                  <a:pt x="4690846" y="5154967"/>
+                  <a:pt x="2489721" y="5154967"/>
+                </a:cubicBezTo>
+                <a:cubicBezTo>
+                  <a:pt x="2347099" y="5154967"/>
+                  <a:pt x="2218739" y="5079184"/>
+                  <a:pt x="2147429" y="4956035"/>
+                </a:cubicBezTo>
+                <a:cubicBezTo>
+                  <a:pt x="2147429" y="4956035"/>
+                  <a:pt x="2147429" y="4956035"/>
+                  <a:pt x="1049243" y="3056698"/>
+                </a:cubicBezTo>
+                <a:cubicBezTo>
+                  <a:pt x="977932" y="2938285"/>
+                  <a:pt x="977932" y="2786717"/>
+                  <a:pt x="1049243" y="2668304"/>
+                </a:cubicBezTo>
+                <a:cubicBezTo>
+                  <a:pt x="1049243" y="2668304"/>
+                  <a:pt x="1049243" y="2668304"/>
+                  <a:pt x="1457007" y="1963067"/>
+                </a:cubicBezTo>
+                <a:lnTo>
+                  <a:pt x="1491373" y="1903634"/>
+                </a:lnTo>
+                <a:lnTo>
+                  <a:pt x="1490164" y="1903127"/>
+                </a:lnTo>
+                <a:cubicBezTo>
+                  <a:pt x="1465456" y="1888705"/>
+                  <a:pt x="1444493" y="1867820"/>
+                  <a:pt x="1429519" y="1841960"/>
+                </a:cubicBezTo>
+                <a:cubicBezTo>
+                  <a:pt x="1429519" y="1841960"/>
+                  <a:pt x="1429519" y="1841960"/>
+                  <a:pt x="968320" y="1044307"/>
+                </a:cubicBezTo>
+                <a:cubicBezTo>
+                  <a:pt x="938371" y="994579"/>
+                  <a:pt x="938371" y="930926"/>
+                  <a:pt x="968320" y="881196"/>
+                </a:cubicBezTo>
+                <a:cubicBezTo>
+                  <a:pt x="968320" y="881196"/>
+                  <a:pt x="968320" y="881196"/>
+                  <a:pt x="1429519" y="83546"/>
+                </a:cubicBezTo>
+                <a:cubicBezTo>
+                  <a:pt x="1459466" y="31828"/>
+                  <a:pt x="1513373" y="0"/>
+                  <a:pt x="1573268" y="0"/>
+                </a:cubicBezTo>
+                <a:close/>
+              </a:path>
+            </a:pathLst>
+          </a:custGeom>
+          <a:solidFill>
+            <a:schemeClr val="tx1">
+              <a:lumMod val="50000"/>
+              <a:lumOff val="50000"/>
+              <a:alpha val="15000"/>
+            </a:schemeClr>
+          </a:solidFill>
+          <a:ln>
+            <a:noFill/>
+          </a:ln>
+        </p:spPr>
+        <p:style>
+          <a:lnRef idx="2">
+            <a:schemeClr val="accent1">
+              <a:shade val="50000"/>
+            </a:schemeClr>
+          </a:lnRef>
+          <a:fillRef idx="1">
+            <a:schemeClr val="accent1"/>
+          </a:fillRef>
+          <a:effectRef idx="0">
+            <a:schemeClr val="accent1"/>
+          </a:effectRef>
+          <a:fontRef idx="minor">
+            <a:schemeClr val="lt1"/>
+          </a:fontRef>
+        </p:style>
+        <p:txBody>
+          <a:bodyPr wrap="square" rtlCol="0" anchor="ctr">
+            <a:noAutofit/>
+          </a:bodyPr>
+          <a:lstStyle/>
+          <a:p>
+            <a:pPr algn="ctr"/>
+            <a:endParaRPr lang="en-US"/>
+          </a:p>
+        </p:txBody>
+      </p:sp>
+      <p:pic>
+        <p:nvPicPr>
+          <p:cNvPr id="6" name="Imagem 5">
+            <a:extLst>
+              <a:ext uri="{FF2B5EF4-FFF2-40B4-BE49-F238E27FC236}">
+                <a16:creationId xmlns:a16="http://schemas.microsoft.com/office/drawing/2014/main" id="{4D445E4A-A4E5-491D-8812-631DB00582FE}"/>
+              </a:ext>
+            </a:extLst>
+          </p:cNvPr>
+          <p:cNvPicPr>
+            <a:picLocks noChangeAspect="1"/>
+          </p:cNvPicPr>
+          <p:nvPr/>
+        </p:nvPicPr>
+        <p:blipFill>
+          <a:blip r:embed="rId3">
+            <a:extLst>
+              <a:ext uri="{28A0092B-C50C-407E-A947-70E740481C1C}">
+                <a14:useLocalDpi xmlns:a14="http://schemas.microsoft.com/office/drawing/2010/main" val="0"/>
+              </a:ext>
+            </a:extLst>
+          </a:blip>
+          <a:stretch>
+            <a:fillRect/>
+          </a:stretch>
+        </p:blipFill>
+        <p:spPr>
+          <a:xfrm>
+            <a:off x="7531503" y="2129307"/>
+            <a:ext cx="3217333" cy="3217333"/>
+          </a:xfrm>
+          <a:prstGeom prst="rect">
+            <a:avLst/>
+          </a:prstGeom>
+        </p:spPr>
+      </p:pic>
+    </p:spTree>
+    <p:extLst>
+      <p:ext uri="{BB962C8B-B14F-4D97-AF65-F5344CB8AC3E}">
+        <p14:creationId xmlns:p14="http://schemas.microsoft.com/office/powerpoint/2010/main" val="2718623650"/>
       </p:ext>
     </p:extLst>
   </p:cSld>
@@ -15058,6 +18290,3929 @@
 </p:sld>
 </file>
 
+<file path=ppt/slides/slide40.xml><?xml version="1.0" encoding="utf-8"?>
+<p:sld xmlns:a="http://schemas.openxmlformats.org/drawingml/2006/main" xmlns:r="http://schemas.openxmlformats.org/officeDocument/2006/relationships" xmlns:p="http://schemas.openxmlformats.org/presentationml/2006/main">
+  <p:cSld>
+    <p:spTree>
+      <p:nvGrpSpPr>
+        <p:cNvPr id="1" name=""/>
+        <p:cNvGrpSpPr/>
+        <p:nvPr/>
+      </p:nvGrpSpPr>
+      <p:grpSpPr>
+        <a:xfrm>
+          <a:off x="0" y="0"/>
+          <a:ext cx="0" cy="0"/>
+          <a:chOff x="0" y="0"/>
+          <a:chExt cx="0" cy="0"/>
+        </a:xfrm>
+      </p:grpSpPr>
+      <p:sp>
+        <p:nvSpPr>
+          <p:cNvPr id="2" name="Título 1">
+            <a:extLst>
+              <a:ext uri="{FF2B5EF4-FFF2-40B4-BE49-F238E27FC236}">
+                <a16:creationId xmlns:a16="http://schemas.microsoft.com/office/drawing/2014/main" id="{9A0CB290-6B69-45F0-908B-3D50CD709B01}"/>
+              </a:ext>
+            </a:extLst>
+          </p:cNvPr>
+          <p:cNvSpPr>
+            <a:spLocks noGrp="1"/>
+          </p:cNvSpPr>
+          <p:nvPr>
+            <p:ph type="title"/>
+          </p:nvPr>
+        </p:nvSpPr>
+        <p:spPr/>
+        <p:txBody>
+          <a:bodyPr>
+            <a:normAutofit fontScale="90000"/>
+          </a:bodyPr>
+          <a:lstStyle/>
+          <a:p>
+            <a:r>
+              <a:rPr lang="pt-BR" b="1" dirty="0"/>
+              <a:t>Conexão com Redis</a:t>
+            </a:r>
+            <a:br>
+              <a:rPr lang="pt-BR" dirty="0"/>
+            </a:br>
+            <a:endParaRPr lang="pt-BR" dirty="0"/>
+          </a:p>
+        </p:txBody>
+      </p:sp>
+      <p:sp>
+        <p:nvSpPr>
+          <p:cNvPr id="9" name="Espaço Reservado para Texto 8">
+            <a:extLst>
+              <a:ext uri="{FF2B5EF4-FFF2-40B4-BE49-F238E27FC236}">
+                <a16:creationId xmlns:a16="http://schemas.microsoft.com/office/drawing/2014/main" id="{E1E67D10-0AC5-4E4A-9AA4-CAD40D4E41A0}"/>
+              </a:ext>
+            </a:extLst>
+          </p:cNvPr>
+          <p:cNvSpPr>
+            <a:spLocks noGrp="1"/>
+          </p:cNvSpPr>
+          <p:nvPr>
+            <p:ph type="body" sz="half" idx="2"/>
+          </p:nvPr>
+        </p:nvSpPr>
+        <p:spPr/>
+        <p:txBody>
+          <a:bodyPr>
+            <a:normAutofit/>
+          </a:bodyPr>
+          <a:lstStyle/>
+          <a:p>
+            <a:r>
+              <a:rPr lang="pt-BR" sz="2000" b="1" dirty="0">
+                <a:latin typeface="Courier New" panose="02070309020205020404" pitchFamily="49" charset="0"/>
+                <a:cs typeface="Courier New" panose="02070309020205020404" pitchFamily="49" charset="0"/>
+              </a:rPr>
+              <a:t>$ site redis </a:t>
+            </a:r>
+            <a:r>
+              <a:rPr lang="pt-BR" sz="2000" b="1" dirty="0" err="1">
+                <a:latin typeface="Courier New" panose="02070309020205020404" pitchFamily="49" charset="0"/>
+                <a:cs typeface="Courier New" panose="02070309020205020404" pitchFamily="49" charset="0"/>
+              </a:rPr>
+              <a:t>conn</a:t>
+            </a:r>
+            <a:r>
+              <a:rPr lang="pt-BR" sz="2000" b="1" dirty="0">
+                <a:latin typeface="Courier New" panose="02070309020205020404" pitchFamily="49" charset="0"/>
+                <a:cs typeface="Courier New" panose="02070309020205020404" pitchFamily="49" charset="0"/>
+              </a:rPr>
+              <a:t> </a:t>
+            </a:r>
+            <a:br>
+              <a:rPr lang="pt-BR" sz="2000" b="1" dirty="0">
+                <a:latin typeface="Courier New" panose="02070309020205020404" pitchFamily="49" charset="0"/>
+                <a:cs typeface="Courier New" panose="02070309020205020404" pitchFamily="49" charset="0"/>
+              </a:rPr>
+            </a:br>
+            <a:br>
+              <a:rPr lang="pt-BR" sz="2000" b="1" dirty="0">
+                <a:latin typeface="Courier New" panose="02070309020205020404" pitchFamily="49" charset="0"/>
+                <a:cs typeface="Courier New" panose="02070309020205020404" pitchFamily="49" charset="0"/>
+              </a:rPr>
+            </a:br>
+            <a:r>
+              <a:rPr lang="pt-BR" sz="2000" b="1" dirty="0">
+                <a:latin typeface="Courier New" panose="02070309020205020404" pitchFamily="49" charset="0"/>
+                <a:cs typeface="Courier New" panose="02070309020205020404" pitchFamily="49" charset="0"/>
+              </a:rPr>
+              <a:t>$ </a:t>
+            </a:r>
+            <a:r>
+              <a:rPr lang="pt-BR" sz="2000" b="1" dirty="0" err="1">
+                <a:latin typeface="Courier New" panose="02070309020205020404" pitchFamily="49" charset="0"/>
+                <a:cs typeface="Courier New" panose="02070309020205020404" pitchFamily="49" charset="0"/>
+              </a:rPr>
+              <a:t>ping</a:t>
+            </a:r>
+            <a:br>
+              <a:rPr lang="pt-BR" sz="2000" b="1" dirty="0">
+                <a:latin typeface="Courier New" panose="02070309020205020404" pitchFamily="49" charset="0"/>
+                <a:cs typeface="Courier New" panose="02070309020205020404" pitchFamily="49" charset="0"/>
+              </a:rPr>
+            </a:br>
+            <a:r>
+              <a:rPr lang="pt-BR" sz="2000" b="1" dirty="0">
+                <a:latin typeface="Courier New" panose="02070309020205020404" pitchFamily="49" charset="0"/>
+                <a:cs typeface="Courier New" panose="02070309020205020404" pitchFamily="49" charset="0"/>
+              </a:rPr>
+              <a:t>:</a:t>
+            </a:r>
+          </a:p>
+          <a:p>
+            <a:endParaRPr lang="pt-BR" sz="2000" b="1" dirty="0">
+              <a:latin typeface="Courier New" panose="02070309020205020404" pitchFamily="49" charset="0"/>
+              <a:cs typeface="Courier New" panose="02070309020205020404" pitchFamily="49" charset="0"/>
+            </a:endParaRPr>
+          </a:p>
+          <a:p>
+            <a:r>
+              <a:rPr lang="pt-BR" sz="2000" b="1" dirty="0">
+                <a:latin typeface="Courier New" panose="02070309020205020404" pitchFamily="49" charset="0"/>
+                <a:cs typeface="Courier New" panose="02070309020205020404" pitchFamily="49" charset="0"/>
+              </a:rPr>
+              <a:t>$ </a:t>
+            </a:r>
+            <a:r>
+              <a:rPr lang="pt-BR" sz="2000" b="1" dirty="0" err="1">
+                <a:latin typeface="Courier New" panose="02070309020205020404" pitchFamily="49" charset="0"/>
+                <a:cs typeface="Courier New" panose="02070309020205020404" pitchFamily="49" charset="0"/>
+              </a:rPr>
+              <a:t>exit</a:t>
+            </a:r>
+            <a:br>
+              <a:rPr lang="pt-BR" sz="2000" b="1" dirty="0">
+                <a:latin typeface="Courier New" panose="02070309020205020404" pitchFamily="49" charset="0"/>
+                <a:cs typeface="Courier New" panose="02070309020205020404" pitchFamily="49" charset="0"/>
+              </a:rPr>
+            </a:br>
+            <a:br>
+              <a:rPr lang="pt-BR" b="1" dirty="0">
+                <a:latin typeface="Courier New" panose="02070309020205020404" pitchFamily="49" charset="0"/>
+                <a:cs typeface="Courier New" panose="02070309020205020404" pitchFamily="49" charset="0"/>
+              </a:rPr>
+            </a:br>
+            <a:endParaRPr lang="pt-BR" dirty="0"/>
+          </a:p>
+        </p:txBody>
+      </p:sp>
+      <p:pic>
+        <p:nvPicPr>
+          <p:cNvPr id="6" name="Espaço Reservado para Imagem 5">
+            <a:extLst>
+              <a:ext uri="{FF2B5EF4-FFF2-40B4-BE49-F238E27FC236}">
+                <a16:creationId xmlns:a16="http://schemas.microsoft.com/office/drawing/2014/main" id="{C5917645-57FC-4B7F-9997-B33A9D1BA351}"/>
+              </a:ext>
+            </a:extLst>
+          </p:cNvPr>
+          <p:cNvPicPr>
+            <a:picLocks noGrp="1" noChangeAspect="1"/>
+          </p:cNvPicPr>
+          <p:nvPr>
+            <p:ph type="pic" idx="1"/>
+          </p:nvPr>
+        </p:nvPicPr>
+        <p:blipFill rotWithShape="1">
+          <a:blip r:embed="rId2"/>
+          <a:srcRect t="2326" b="2326"/>
+          <a:stretch/>
+        </p:blipFill>
+        <p:spPr/>
+      </p:pic>
+    </p:spTree>
+    <p:extLst>
+      <p:ext uri="{BB962C8B-B14F-4D97-AF65-F5344CB8AC3E}">
+        <p14:creationId xmlns:p14="http://schemas.microsoft.com/office/powerpoint/2010/main" val="2793571720"/>
+      </p:ext>
+    </p:extLst>
+  </p:cSld>
+  <p:clrMapOvr>
+    <a:masterClrMapping/>
+  </p:clrMapOvr>
+</p:sld>
+</file>
+
+<file path=ppt/slides/slide41.xml><?xml version="1.0" encoding="utf-8"?>
+<p:sld xmlns:a="http://schemas.openxmlformats.org/drawingml/2006/main" xmlns:r="http://schemas.openxmlformats.org/officeDocument/2006/relationships" xmlns:p="http://schemas.openxmlformats.org/presentationml/2006/main">
+  <p:cSld>
+    <p:bg>
+      <p:bgPr>
+        <a:solidFill>
+          <a:schemeClr val="bg1"/>
+        </a:solidFill>
+        <a:effectLst/>
+      </p:bgPr>
+    </p:bg>
+    <p:spTree>
+      <p:nvGrpSpPr>
+        <p:cNvPr id="1" name=""/>
+        <p:cNvGrpSpPr/>
+        <p:nvPr/>
+      </p:nvGrpSpPr>
+      <p:grpSpPr>
+        <a:xfrm>
+          <a:off x="0" y="0"/>
+          <a:ext cx="0" cy="0"/>
+          <a:chOff x="0" y="0"/>
+          <a:chExt cx="0" cy="0"/>
+        </a:xfrm>
+      </p:grpSpPr>
+      <p:sp useBgFill="1">
+        <p:nvSpPr>
+          <p:cNvPr id="60" name="Rectangle 59">
+            <a:extLst>
+              <a:ext uri="{FF2B5EF4-FFF2-40B4-BE49-F238E27FC236}">
+                <a16:creationId xmlns:a16="http://schemas.microsoft.com/office/drawing/2014/main" id="{3E443FD7-A66B-4AA0-872D-B088B9BC5F17}"/>
+              </a:ext>
+              <a:ext uri="{C183D7F6-B498-43B3-948B-1728B52AA6E4}">
+                <adec:decorative xmlns:adec="http://schemas.microsoft.com/office/drawing/2017/decorative" val="1"/>
+              </a:ext>
+            </a:extLst>
+          </p:cNvPr>
+          <p:cNvSpPr>
+            <a:spLocks noGrp="1" noRot="1" noChangeAspect="1" noMove="1" noResize="1" noEditPoints="1" noAdjustHandles="1" noChangeArrowheads="1" noChangeShapeType="1" noTextEdit="1"/>
+          </p:cNvSpPr>
+          <p:nvPr>
+            <p:extLst>
+              <p:ext uri="{386F3935-93C4-4BCD-93E2-E3B085C9AB24}">
+                <p16:designElem xmlns:p16="http://schemas.microsoft.com/office/powerpoint/2015/main" val="1"/>
+              </p:ext>
+            </p:extLst>
+          </p:nvPr>
+        </p:nvSpPr>
+        <p:spPr>
+          <a:xfrm>
+            <a:off x="0" y="0"/>
+            <a:ext cx="12192000" cy="6858000"/>
+          </a:xfrm>
+          <a:prstGeom prst="rect">
+            <a:avLst/>
+          </a:prstGeom>
+          <a:ln>
+            <a:noFill/>
+          </a:ln>
+        </p:spPr>
+        <p:style>
+          <a:lnRef idx="2">
+            <a:schemeClr val="accent1">
+              <a:shade val="50000"/>
+            </a:schemeClr>
+          </a:lnRef>
+          <a:fillRef idx="1">
+            <a:schemeClr val="accent1"/>
+          </a:fillRef>
+          <a:effectRef idx="0">
+            <a:schemeClr val="accent1"/>
+          </a:effectRef>
+          <a:fontRef idx="minor">
+            <a:schemeClr val="lt1"/>
+          </a:fontRef>
+        </p:style>
+        <p:txBody>
+          <a:bodyPr rtlCol="0" anchor="ctr"/>
+          <a:lstStyle/>
+          <a:p>
+            <a:pPr algn="ctr"/>
+            <a:endParaRPr lang="en-US"/>
+          </a:p>
+        </p:txBody>
+      </p:sp>
+      <p:sp>
+        <p:nvSpPr>
+          <p:cNvPr id="2" name="Título 1">
+            <a:extLst>
+              <a:ext uri="{FF2B5EF4-FFF2-40B4-BE49-F238E27FC236}">
+                <a16:creationId xmlns:a16="http://schemas.microsoft.com/office/drawing/2014/main" id="{9B5DD48C-039E-43C7-B060-771CB2A8EF2B}"/>
+              </a:ext>
+            </a:extLst>
+          </p:cNvPr>
+          <p:cNvSpPr>
+            <a:spLocks noGrp="1"/>
+          </p:cNvSpPr>
+          <p:nvPr>
+            <p:ph type="ctrTitle"/>
+          </p:nvPr>
+        </p:nvSpPr>
+        <p:spPr>
+          <a:xfrm>
+            <a:off x="1094095" y="851517"/>
+            <a:ext cx="5238466" cy="2991416"/>
+          </a:xfrm>
+        </p:spPr>
+        <p:txBody>
+          <a:bodyPr anchor="b">
+            <a:normAutofit/>
+          </a:bodyPr>
+          <a:lstStyle/>
+          <a:p>
+            <a:pPr algn="l"/>
+            <a:r>
+              <a:rPr lang="pt-BR" b="1" dirty="0"/>
+              <a:t>Conexão com </a:t>
+            </a:r>
+            <a:r>
+              <a:rPr lang="pt-BR" b="1" dirty="0" err="1"/>
+              <a:t>Git</a:t>
+            </a:r>
+            <a:endParaRPr lang="pt-BR" b="1" dirty="0"/>
+          </a:p>
+        </p:txBody>
+      </p:sp>
+      <p:sp>
+        <p:nvSpPr>
+          <p:cNvPr id="3" name="Subtítulo 2">
+            <a:extLst>
+              <a:ext uri="{FF2B5EF4-FFF2-40B4-BE49-F238E27FC236}">
+                <a16:creationId xmlns:a16="http://schemas.microsoft.com/office/drawing/2014/main" id="{44095AEF-9434-45FE-BB86-7BC5AABE5432}"/>
+              </a:ext>
+            </a:extLst>
+          </p:cNvPr>
+          <p:cNvSpPr>
+            <a:spLocks noGrp="1"/>
+          </p:cNvSpPr>
+          <p:nvPr>
+            <p:ph type="subTitle" idx="1"/>
+          </p:nvPr>
+        </p:nvSpPr>
+        <p:spPr>
+          <a:xfrm>
+            <a:off x="1094096" y="3842932"/>
+            <a:ext cx="4167115" cy="2163551"/>
+          </a:xfrm>
+        </p:spPr>
+        <p:txBody>
+          <a:bodyPr anchor="t">
+            <a:normAutofit/>
+          </a:bodyPr>
+          <a:lstStyle/>
+          <a:p>
+            <a:pPr algn="l"/>
+            <a:r>
+              <a:rPr lang="pt-BR" b="1" dirty="0" err="1"/>
+              <a:t>Git</a:t>
+            </a:r>
+            <a:r>
+              <a:rPr lang="pt-BR" b="1" dirty="0"/>
+              <a:t> Console</a:t>
+            </a:r>
+          </a:p>
+        </p:txBody>
+      </p:sp>
+      <p:sp>
+        <p:nvSpPr>
+          <p:cNvPr id="62" name="Freeform: Shape 61">
+            <a:extLst>
+              <a:ext uri="{FF2B5EF4-FFF2-40B4-BE49-F238E27FC236}">
+                <a16:creationId xmlns:a16="http://schemas.microsoft.com/office/drawing/2014/main" id="{C04BE0EF-3561-49B4-9A29-F283168A91C7}"/>
+              </a:ext>
+              <a:ext uri="{C183D7F6-B498-43B3-948B-1728B52AA6E4}">
+                <adec:decorative xmlns:adec="http://schemas.microsoft.com/office/drawing/2017/decorative" val="1"/>
+              </a:ext>
+            </a:extLst>
+          </p:cNvPr>
+          <p:cNvSpPr>
+            <a:spLocks noGrp="1" noRot="1" noChangeAspect="1" noMove="1" noResize="1" noEditPoints="1" noAdjustHandles="1" noChangeArrowheads="1" noChangeShapeType="1" noTextEdit="1"/>
+          </p:cNvSpPr>
+          <p:nvPr>
+            <p:extLst>
+              <p:ext uri="{386F3935-93C4-4BCD-93E2-E3B085C9AB24}">
+                <p16:designElem xmlns:p16="http://schemas.microsoft.com/office/powerpoint/2015/main" val="1"/>
+              </p:ext>
+            </p:extLst>
+          </p:nvPr>
+        </p:nvSpPr>
+        <p:spPr>
+          <a:xfrm>
+            <a:off x="5510370" y="851518"/>
+            <a:ext cx="6184806" cy="5154967"/>
+          </a:xfrm>
+          <a:custGeom>
+            <a:avLst/>
+            <a:gdLst>
+              <a:gd name="connsiteX0" fmla="*/ 363179 w 6184806"/>
+              <a:gd name="connsiteY0" fmla="*/ 3125191 h 5154967"/>
+              <a:gd name="connsiteX1" fmla="*/ 898270 w 6184806"/>
+              <a:gd name="connsiteY1" fmla="*/ 3125191 h 5154967"/>
+              <a:gd name="connsiteX2" fmla="*/ 980326 w 6184806"/>
+              <a:gd name="connsiteY2" fmla="*/ 3173551 h 5154967"/>
+              <a:gd name="connsiteX3" fmla="*/ 1248448 w 6184806"/>
+              <a:gd name="connsiteY3" fmla="*/ 3635277 h 5154967"/>
+              <a:gd name="connsiteX4" fmla="*/ 1248448 w 6184806"/>
+              <a:gd name="connsiteY4" fmla="*/ 3729695 h 5154967"/>
+              <a:gd name="connsiteX5" fmla="*/ 980326 w 6184806"/>
+              <a:gd name="connsiteY5" fmla="*/ 4191421 h 5154967"/>
+              <a:gd name="connsiteX6" fmla="*/ 898270 w 6184806"/>
+              <a:gd name="connsiteY6" fmla="*/ 4239781 h 5154967"/>
+              <a:gd name="connsiteX7" fmla="*/ 363179 w 6184806"/>
+              <a:gd name="connsiteY7" fmla="*/ 4239781 h 5154967"/>
+              <a:gd name="connsiteX8" fmla="*/ 279969 w 6184806"/>
+              <a:gd name="connsiteY8" fmla="*/ 4191421 h 5154967"/>
+              <a:gd name="connsiteX9" fmla="*/ 13002 w 6184806"/>
+              <a:gd name="connsiteY9" fmla="*/ 3729695 h 5154967"/>
+              <a:gd name="connsiteX10" fmla="*/ 13002 w 6184806"/>
+              <a:gd name="connsiteY10" fmla="*/ 3635277 h 5154967"/>
+              <a:gd name="connsiteX11" fmla="*/ 279969 w 6184806"/>
+              <a:gd name="connsiteY11" fmla="*/ 3173551 h 5154967"/>
+              <a:gd name="connsiteX12" fmla="*/ 363179 w 6184806"/>
+              <a:gd name="connsiteY12" fmla="*/ 3125191 h 5154967"/>
+              <a:gd name="connsiteX13" fmla="*/ 2489721 w 6184806"/>
+              <a:gd name="connsiteY13" fmla="*/ 570035 h 5154967"/>
+              <a:gd name="connsiteX14" fmla="*/ 2764862 w 6184806"/>
+              <a:gd name="connsiteY14" fmla="*/ 570035 h 5154967"/>
+              <a:gd name="connsiteX15" fmla="*/ 2796959 w 6184806"/>
+              <a:gd name="connsiteY15" fmla="*/ 570035 h 5154967"/>
+              <a:gd name="connsiteX16" fmla="*/ 2827587 w 6184806"/>
+              <a:gd name="connsiteY16" fmla="*/ 622777 h 5154967"/>
+              <a:gd name="connsiteX17" fmla="*/ 2977604 w 6184806"/>
+              <a:gd name="connsiteY17" fmla="*/ 881117 h 5154967"/>
+              <a:gd name="connsiteX18" fmla="*/ 2977604 w 6184806"/>
+              <a:gd name="connsiteY18" fmla="*/ 1025720 h 5154967"/>
+              <a:gd name="connsiteX19" fmla="*/ 2566968 w 6184806"/>
+              <a:gd name="connsiteY19" fmla="*/ 1732863 h 5154967"/>
+              <a:gd name="connsiteX20" fmla="*/ 2441299 w 6184806"/>
+              <a:gd name="connsiteY20" fmla="*/ 1806927 h 5154967"/>
+              <a:gd name="connsiteX21" fmla="*/ 1621798 w 6184806"/>
+              <a:gd name="connsiteY21" fmla="*/ 1806927 h 5154967"/>
+              <a:gd name="connsiteX22" fmla="*/ 1583218 w 6184806"/>
+              <a:gd name="connsiteY22" fmla="*/ 1801802 h 5154967"/>
+              <a:gd name="connsiteX23" fmla="*/ 1556683 w 6184806"/>
+              <a:gd name="connsiteY23" fmla="*/ 1790677 h 5154967"/>
+              <a:gd name="connsiteX24" fmla="*/ 1572899 w 6184806"/>
+              <a:gd name="connsiteY24" fmla="*/ 1762630 h 5154967"/>
+              <a:gd name="connsiteX25" fmla="*/ 2147429 w 6184806"/>
+              <a:gd name="connsiteY25" fmla="*/ 768968 h 5154967"/>
+              <a:gd name="connsiteX26" fmla="*/ 2489721 w 6184806"/>
+              <a:gd name="connsiteY26" fmla="*/ 570035 h 5154967"/>
+              <a:gd name="connsiteX27" fmla="*/ 1573268 w 6184806"/>
+              <a:gd name="connsiteY27" fmla="*/ 0 h 5154967"/>
+              <a:gd name="connsiteX28" fmla="*/ 2497662 w 6184806"/>
+              <a:gd name="connsiteY28" fmla="*/ 0 h 5154967"/>
+              <a:gd name="connsiteX29" fmla="*/ 2639415 w 6184806"/>
+              <a:gd name="connsiteY29" fmla="*/ 83546 h 5154967"/>
+              <a:gd name="connsiteX30" fmla="*/ 2887862 w 6184806"/>
+              <a:gd name="connsiteY30" fmla="*/ 511387 h 5154967"/>
+              <a:gd name="connsiteX31" fmla="*/ 2915928 w 6184806"/>
+              <a:gd name="connsiteY31" fmla="*/ 559720 h 5154967"/>
+              <a:gd name="connsiteX32" fmla="*/ 2893844 w 6184806"/>
+              <a:gd name="connsiteY32" fmla="*/ 559720 h 5154967"/>
+              <a:gd name="connsiteX33" fmla="*/ 2789466 w 6184806"/>
+              <a:gd name="connsiteY33" fmla="*/ 559720 h 5154967"/>
+              <a:gd name="connsiteX34" fmla="*/ 2744122 w 6184806"/>
+              <a:gd name="connsiteY34" fmla="*/ 481634 h 5154967"/>
+              <a:gd name="connsiteX35" fmla="*/ 2570885 w 6184806"/>
+              <a:gd name="connsiteY35" fmla="*/ 183309 h 5154967"/>
+              <a:gd name="connsiteX36" fmla="*/ 2445216 w 6184806"/>
+              <a:gd name="connsiteY36" fmla="*/ 109243 h 5154967"/>
+              <a:gd name="connsiteX37" fmla="*/ 1625714 w 6184806"/>
+              <a:gd name="connsiteY37" fmla="*/ 109243 h 5154967"/>
+              <a:gd name="connsiteX38" fmla="*/ 1498276 w 6184806"/>
+              <a:gd name="connsiteY38" fmla="*/ 183309 h 5154967"/>
+              <a:gd name="connsiteX39" fmla="*/ 1089410 w 6184806"/>
+              <a:gd name="connsiteY39" fmla="*/ 890450 h 5154967"/>
+              <a:gd name="connsiteX40" fmla="*/ 1089410 w 6184806"/>
+              <a:gd name="connsiteY40" fmla="*/ 1035054 h 5154967"/>
+              <a:gd name="connsiteX41" fmla="*/ 1498276 w 6184806"/>
+              <a:gd name="connsiteY41" fmla="*/ 1742196 h 5154967"/>
+              <a:gd name="connsiteX42" fmla="*/ 1552039 w 6184806"/>
+              <a:gd name="connsiteY42" fmla="*/ 1796422 h 5154967"/>
+              <a:gd name="connsiteX43" fmla="*/ 1558260 w 6184806"/>
+              <a:gd name="connsiteY43" fmla="*/ 1799029 h 5154967"/>
+              <a:gd name="connsiteX44" fmla="*/ 1524911 w 6184806"/>
+              <a:gd name="connsiteY44" fmla="*/ 1856707 h 5154967"/>
+              <a:gd name="connsiteX45" fmla="*/ 1500108 w 6184806"/>
+              <a:gd name="connsiteY45" fmla="*/ 1899604 h 5154967"/>
+              <a:gd name="connsiteX46" fmla="*/ 1525834 w 6184806"/>
+              <a:gd name="connsiteY46" fmla="*/ 1910390 h 5154967"/>
+              <a:gd name="connsiteX47" fmla="*/ 1569352 w 6184806"/>
+              <a:gd name="connsiteY47" fmla="*/ 1916170 h 5154967"/>
+              <a:gd name="connsiteX48" fmla="*/ 2493745 w 6184806"/>
+              <a:gd name="connsiteY48" fmla="*/ 1916170 h 5154967"/>
+              <a:gd name="connsiteX49" fmla="*/ 2635498 w 6184806"/>
+              <a:gd name="connsiteY49" fmla="*/ 1832627 h 5154967"/>
+              <a:gd name="connsiteX50" fmla="*/ 3098693 w 6184806"/>
+              <a:gd name="connsiteY50" fmla="*/ 1034974 h 5154967"/>
+              <a:gd name="connsiteX51" fmla="*/ 3098693 w 6184806"/>
+              <a:gd name="connsiteY51" fmla="*/ 871863 h 5154967"/>
+              <a:gd name="connsiteX52" fmla="*/ 2945803 w 6184806"/>
+              <a:gd name="connsiteY52" fmla="*/ 608576 h 5154967"/>
+              <a:gd name="connsiteX53" fmla="*/ 2923422 w 6184806"/>
+              <a:gd name="connsiteY53" fmla="*/ 570035 h 5154967"/>
+              <a:gd name="connsiteX54" fmla="*/ 3027104 w 6184806"/>
+              <a:gd name="connsiteY54" fmla="*/ 570035 h 5154967"/>
+              <a:gd name="connsiteX55" fmla="*/ 4690846 w 6184806"/>
+              <a:gd name="connsiteY55" fmla="*/ 570035 h 5154967"/>
+              <a:gd name="connsiteX56" fmla="*/ 5028384 w 6184806"/>
+              <a:gd name="connsiteY56" fmla="*/ 768968 h 5154967"/>
+              <a:gd name="connsiteX57" fmla="*/ 6131323 w 6184806"/>
+              <a:gd name="connsiteY57" fmla="*/ 2668304 h 5154967"/>
+              <a:gd name="connsiteX58" fmla="*/ 6131323 w 6184806"/>
+              <a:gd name="connsiteY58" fmla="*/ 3056698 h 5154967"/>
+              <a:gd name="connsiteX59" fmla="*/ 5028384 w 6184806"/>
+              <a:gd name="connsiteY59" fmla="*/ 4956035 h 5154967"/>
+              <a:gd name="connsiteX60" fmla="*/ 4690846 w 6184806"/>
+              <a:gd name="connsiteY60" fmla="*/ 5154967 h 5154967"/>
+              <a:gd name="connsiteX61" fmla="*/ 2489721 w 6184806"/>
+              <a:gd name="connsiteY61" fmla="*/ 5154967 h 5154967"/>
+              <a:gd name="connsiteX62" fmla="*/ 2147429 w 6184806"/>
+              <a:gd name="connsiteY62" fmla="*/ 4956035 h 5154967"/>
+              <a:gd name="connsiteX63" fmla="*/ 1049243 w 6184806"/>
+              <a:gd name="connsiteY63" fmla="*/ 3056698 h 5154967"/>
+              <a:gd name="connsiteX64" fmla="*/ 1049243 w 6184806"/>
+              <a:gd name="connsiteY64" fmla="*/ 2668304 h 5154967"/>
+              <a:gd name="connsiteX65" fmla="*/ 1457007 w 6184806"/>
+              <a:gd name="connsiteY65" fmla="*/ 1963067 h 5154967"/>
+              <a:gd name="connsiteX66" fmla="*/ 1491373 w 6184806"/>
+              <a:gd name="connsiteY66" fmla="*/ 1903634 h 5154967"/>
+              <a:gd name="connsiteX67" fmla="*/ 1490164 w 6184806"/>
+              <a:gd name="connsiteY67" fmla="*/ 1903127 h 5154967"/>
+              <a:gd name="connsiteX68" fmla="*/ 1429519 w 6184806"/>
+              <a:gd name="connsiteY68" fmla="*/ 1841960 h 5154967"/>
+              <a:gd name="connsiteX69" fmla="*/ 968320 w 6184806"/>
+              <a:gd name="connsiteY69" fmla="*/ 1044307 h 5154967"/>
+              <a:gd name="connsiteX70" fmla="*/ 968320 w 6184806"/>
+              <a:gd name="connsiteY70" fmla="*/ 881196 h 5154967"/>
+              <a:gd name="connsiteX71" fmla="*/ 1429519 w 6184806"/>
+              <a:gd name="connsiteY71" fmla="*/ 83546 h 5154967"/>
+              <a:gd name="connsiteX72" fmla="*/ 1573268 w 6184806"/>
+              <a:gd name="connsiteY72" fmla="*/ 0 h 5154967"/>
+            </a:gdLst>
+            <a:ahLst/>
+            <a:cxnLst>
+              <a:cxn ang="0">
+                <a:pos x="connsiteX0" y="connsiteY0"/>
+              </a:cxn>
+              <a:cxn ang="0">
+                <a:pos x="connsiteX1" y="connsiteY1"/>
+              </a:cxn>
+              <a:cxn ang="0">
+                <a:pos x="connsiteX2" y="connsiteY2"/>
+              </a:cxn>
+              <a:cxn ang="0">
+                <a:pos x="connsiteX3" y="connsiteY3"/>
+              </a:cxn>
+              <a:cxn ang="0">
+                <a:pos x="connsiteX4" y="connsiteY4"/>
+              </a:cxn>
+              <a:cxn ang="0">
+                <a:pos x="connsiteX5" y="connsiteY5"/>
+              </a:cxn>
+              <a:cxn ang="0">
+                <a:pos x="connsiteX6" y="connsiteY6"/>
+              </a:cxn>
+              <a:cxn ang="0">
+                <a:pos x="connsiteX7" y="connsiteY7"/>
+              </a:cxn>
+              <a:cxn ang="0">
+                <a:pos x="connsiteX8" y="connsiteY8"/>
+              </a:cxn>
+              <a:cxn ang="0">
+                <a:pos x="connsiteX9" y="connsiteY9"/>
+              </a:cxn>
+              <a:cxn ang="0">
+                <a:pos x="connsiteX10" y="connsiteY10"/>
+              </a:cxn>
+              <a:cxn ang="0">
+                <a:pos x="connsiteX11" y="connsiteY11"/>
+              </a:cxn>
+              <a:cxn ang="0">
+                <a:pos x="connsiteX12" y="connsiteY12"/>
+              </a:cxn>
+              <a:cxn ang="0">
+                <a:pos x="connsiteX13" y="connsiteY13"/>
+              </a:cxn>
+              <a:cxn ang="0">
+                <a:pos x="connsiteX14" y="connsiteY14"/>
+              </a:cxn>
+              <a:cxn ang="0">
+                <a:pos x="connsiteX15" y="connsiteY15"/>
+              </a:cxn>
+              <a:cxn ang="0">
+                <a:pos x="connsiteX16" y="connsiteY16"/>
+              </a:cxn>
+              <a:cxn ang="0">
+                <a:pos x="connsiteX17" y="connsiteY17"/>
+              </a:cxn>
+              <a:cxn ang="0">
+                <a:pos x="connsiteX18" y="connsiteY18"/>
+              </a:cxn>
+              <a:cxn ang="0">
+                <a:pos x="connsiteX19" y="connsiteY19"/>
+              </a:cxn>
+              <a:cxn ang="0">
+                <a:pos x="connsiteX20" y="connsiteY20"/>
+              </a:cxn>
+              <a:cxn ang="0">
+                <a:pos x="connsiteX21" y="connsiteY21"/>
+              </a:cxn>
+              <a:cxn ang="0">
+                <a:pos x="connsiteX22" y="connsiteY22"/>
+              </a:cxn>
+              <a:cxn ang="0">
+                <a:pos x="connsiteX23" y="connsiteY23"/>
+              </a:cxn>
+              <a:cxn ang="0">
+                <a:pos x="connsiteX24" y="connsiteY24"/>
+              </a:cxn>
+              <a:cxn ang="0">
+                <a:pos x="connsiteX25" y="connsiteY25"/>
+              </a:cxn>
+              <a:cxn ang="0">
+                <a:pos x="connsiteX26" y="connsiteY26"/>
+              </a:cxn>
+              <a:cxn ang="0">
+                <a:pos x="connsiteX27" y="connsiteY27"/>
+              </a:cxn>
+              <a:cxn ang="0">
+                <a:pos x="connsiteX28" y="connsiteY28"/>
+              </a:cxn>
+              <a:cxn ang="0">
+                <a:pos x="connsiteX29" y="connsiteY29"/>
+              </a:cxn>
+              <a:cxn ang="0">
+                <a:pos x="connsiteX30" y="connsiteY30"/>
+              </a:cxn>
+              <a:cxn ang="0">
+                <a:pos x="connsiteX31" y="connsiteY31"/>
+              </a:cxn>
+              <a:cxn ang="0">
+                <a:pos x="connsiteX32" y="connsiteY32"/>
+              </a:cxn>
+              <a:cxn ang="0">
+                <a:pos x="connsiteX33" y="connsiteY33"/>
+              </a:cxn>
+              <a:cxn ang="0">
+                <a:pos x="connsiteX34" y="connsiteY34"/>
+              </a:cxn>
+              <a:cxn ang="0">
+                <a:pos x="connsiteX35" y="connsiteY35"/>
+              </a:cxn>
+              <a:cxn ang="0">
+                <a:pos x="connsiteX36" y="connsiteY36"/>
+              </a:cxn>
+              <a:cxn ang="0">
+                <a:pos x="connsiteX37" y="connsiteY37"/>
+              </a:cxn>
+              <a:cxn ang="0">
+                <a:pos x="connsiteX38" y="connsiteY38"/>
+              </a:cxn>
+              <a:cxn ang="0">
+                <a:pos x="connsiteX39" y="connsiteY39"/>
+              </a:cxn>
+              <a:cxn ang="0">
+                <a:pos x="connsiteX40" y="connsiteY40"/>
+              </a:cxn>
+              <a:cxn ang="0">
+                <a:pos x="connsiteX41" y="connsiteY41"/>
+              </a:cxn>
+              <a:cxn ang="0">
+                <a:pos x="connsiteX42" y="connsiteY42"/>
+              </a:cxn>
+              <a:cxn ang="0">
+                <a:pos x="connsiteX43" y="connsiteY43"/>
+              </a:cxn>
+              <a:cxn ang="0">
+                <a:pos x="connsiteX44" y="connsiteY44"/>
+              </a:cxn>
+              <a:cxn ang="0">
+                <a:pos x="connsiteX45" y="connsiteY45"/>
+              </a:cxn>
+              <a:cxn ang="0">
+                <a:pos x="connsiteX46" y="connsiteY46"/>
+              </a:cxn>
+              <a:cxn ang="0">
+                <a:pos x="connsiteX47" y="connsiteY47"/>
+              </a:cxn>
+              <a:cxn ang="0">
+                <a:pos x="connsiteX48" y="connsiteY48"/>
+              </a:cxn>
+              <a:cxn ang="0">
+                <a:pos x="connsiteX49" y="connsiteY49"/>
+              </a:cxn>
+              <a:cxn ang="0">
+                <a:pos x="connsiteX50" y="connsiteY50"/>
+              </a:cxn>
+              <a:cxn ang="0">
+                <a:pos x="connsiteX51" y="connsiteY51"/>
+              </a:cxn>
+              <a:cxn ang="0">
+                <a:pos x="connsiteX52" y="connsiteY52"/>
+              </a:cxn>
+              <a:cxn ang="0">
+                <a:pos x="connsiteX53" y="connsiteY53"/>
+              </a:cxn>
+              <a:cxn ang="0">
+                <a:pos x="connsiteX54" y="connsiteY54"/>
+              </a:cxn>
+              <a:cxn ang="0">
+                <a:pos x="connsiteX55" y="connsiteY55"/>
+              </a:cxn>
+              <a:cxn ang="0">
+                <a:pos x="connsiteX56" y="connsiteY56"/>
+              </a:cxn>
+              <a:cxn ang="0">
+                <a:pos x="connsiteX57" y="connsiteY57"/>
+              </a:cxn>
+              <a:cxn ang="0">
+                <a:pos x="connsiteX58" y="connsiteY58"/>
+              </a:cxn>
+              <a:cxn ang="0">
+                <a:pos x="connsiteX59" y="connsiteY59"/>
+              </a:cxn>
+              <a:cxn ang="0">
+                <a:pos x="connsiteX60" y="connsiteY60"/>
+              </a:cxn>
+              <a:cxn ang="0">
+                <a:pos x="connsiteX61" y="connsiteY61"/>
+              </a:cxn>
+              <a:cxn ang="0">
+                <a:pos x="connsiteX62" y="connsiteY62"/>
+              </a:cxn>
+              <a:cxn ang="0">
+                <a:pos x="connsiteX63" y="connsiteY63"/>
+              </a:cxn>
+              <a:cxn ang="0">
+                <a:pos x="connsiteX64" y="connsiteY64"/>
+              </a:cxn>
+              <a:cxn ang="0">
+                <a:pos x="connsiteX65" y="connsiteY65"/>
+              </a:cxn>
+              <a:cxn ang="0">
+                <a:pos x="connsiteX66" y="connsiteY66"/>
+              </a:cxn>
+              <a:cxn ang="0">
+                <a:pos x="connsiteX67" y="connsiteY67"/>
+              </a:cxn>
+              <a:cxn ang="0">
+                <a:pos x="connsiteX68" y="connsiteY68"/>
+              </a:cxn>
+              <a:cxn ang="0">
+                <a:pos x="connsiteX69" y="connsiteY69"/>
+              </a:cxn>
+              <a:cxn ang="0">
+                <a:pos x="connsiteX70" y="connsiteY70"/>
+              </a:cxn>
+              <a:cxn ang="0">
+                <a:pos x="connsiteX71" y="connsiteY71"/>
+              </a:cxn>
+              <a:cxn ang="0">
+                <a:pos x="connsiteX72" y="connsiteY72"/>
+              </a:cxn>
+            </a:cxnLst>
+            <a:rect l="l" t="t" r="r" b="b"/>
+            <a:pathLst>
+              <a:path w="6184806" h="5154967">
+                <a:moveTo>
+                  <a:pt x="363179" y="3125191"/>
+                </a:moveTo>
+                <a:cubicBezTo>
+                  <a:pt x="363179" y="3125191"/>
+                  <a:pt x="363179" y="3125191"/>
+                  <a:pt x="898270" y="3125191"/>
+                </a:cubicBezTo>
+                <a:cubicBezTo>
+                  <a:pt x="931786" y="3125191"/>
+                  <a:pt x="964145" y="3143614"/>
+                  <a:pt x="980326" y="3173551"/>
+                </a:cubicBezTo>
+                <a:cubicBezTo>
+                  <a:pt x="980326" y="3173551"/>
+                  <a:pt x="980326" y="3173551"/>
+                  <a:pt x="1248448" y="3635277"/>
+                </a:cubicBezTo>
+                <a:cubicBezTo>
+                  <a:pt x="1265784" y="3664063"/>
+                  <a:pt x="1265784" y="3700909"/>
+                  <a:pt x="1248448" y="3729695"/>
+                </a:cubicBezTo>
+                <a:cubicBezTo>
+                  <a:pt x="1248448" y="3729695"/>
+                  <a:pt x="1248448" y="3729695"/>
+                  <a:pt x="980326" y="4191421"/>
+                </a:cubicBezTo>
+                <a:cubicBezTo>
+                  <a:pt x="964145" y="4221358"/>
+                  <a:pt x="931786" y="4239781"/>
+                  <a:pt x="898270" y="4239781"/>
+                </a:cubicBezTo>
+                <a:cubicBezTo>
+                  <a:pt x="898270" y="4239781"/>
+                  <a:pt x="898270" y="4239781"/>
+                  <a:pt x="363179" y="4239781"/>
+                </a:cubicBezTo>
+                <a:cubicBezTo>
+                  <a:pt x="328508" y="4239781"/>
+                  <a:pt x="297305" y="4221358"/>
+                  <a:pt x="279969" y="4191421"/>
+                </a:cubicBezTo>
+                <a:cubicBezTo>
+                  <a:pt x="279969" y="4191421"/>
+                  <a:pt x="279969" y="4191421"/>
+                  <a:pt x="13002" y="3729695"/>
+                </a:cubicBezTo>
+                <a:cubicBezTo>
+                  <a:pt x="-4334" y="3700909"/>
+                  <a:pt x="-4334" y="3664063"/>
+                  <a:pt x="13002" y="3635277"/>
+                </a:cubicBezTo>
+                <a:cubicBezTo>
+                  <a:pt x="13002" y="3635277"/>
+                  <a:pt x="13002" y="3635277"/>
+                  <a:pt x="279969" y="3173551"/>
+                </a:cubicBezTo>
+                <a:cubicBezTo>
+                  <a:pt x="297305" y="3143614"/>
+                  <a:pt x="328508" y="3125191"/>
+                  <a:pt x="363179" y="3125191"/>
+                </a:cubicBezTo>
+                <a:close/>
+                <a:moveTo>
+                  <a:pt x="2489721" y="570035"/>
+                </a:moveTo>
+                <a:cubicBezTo>
+                  <a:pt x="2489721" y="570035"/>
+                  <a:pt x="2489721" y="570035"/>
+                  <a:pt x="2764862" y="570035"/>
+                </a:cubicBezTo>
+                <a:lnTo>
+                  <a:pt x="2796959" y="570035"/>
+                </a:lnTo>
+                <a:lnTo>
+                  <a:pt x="2827587" y="622777"/>
+                </a:lnTo>
+                <a:cubicBezTo>
+                  <a:pt x="2870233" y="696217"/>
+                  <a:pt x="2919858" y="781675"/>
+                  <a:pt x="2977604" y="881117"/>
+                </a:cubicBezTo>
+                <a:cubicBezTo>
+                  <a:pt x="3004153" y="925204"/>
+                  <a:pt x="3004153" y="981634"/>
+                  <a:pt x="2977604" y="1025720"/>
+                </a:cubicBezTo>
+                <a:cubicBezTo>
+                  <a:pt x="2977604" y="1025720"/>
+                  <a:pt x="2977604" y="1025720"/>
+                  <a:pt x="2566968" y="1732863"/>
+                </a:cubicBezTo>
+                <a:cubicBezTo>
+                  <a:pt x="2542188" y="1778712"/>
+                  <a:pt x="2492629" y="1806927"/>
+                  <a:pt x="2441299" y="1806927"/>
+                </a:cubicBezTo>
+                <a:cubicBezTo>
+                  <a:pt x="2441299" y="1806927"/>
+                  <a:pt x="2441299" y="1806927"/>
+                  <a:pt x="1621798" y="1806927"/>
+                </a:cubicBezTo>
+                <a:cubicBezTo>
+                  <a:pt x="1608523" y="1806927"/>
+                  <a:pt x="1595580" y="1805163"/>
+                  <a:pt x="1583218" y="1801802"/>
+                </a:cubicBezTo>
+                <a:lnTo>
+                  <a:pt x="1556683" y="1790677"/>
+                </a:lnTo>
+                <a:lnTo>
+                  <a:pt x="1572899" y="1762630"/>
+                </a:lnTo>
+                <a:cubicBezTo>
+                  <a:pt x="1719523" y="1509042"/>
+                  <a:pt x="1907201" y="1184448"/>
+                  <a:pt x="2147429" y="768968"/>
+                </a:cubicBezTo>
+                <a:cubicBezTo>
+                  <a:pt x="2218739" y="645819"/>
+                  <a:pt x="2347099" y="570035"/>
+                  <a:pt x="2489721" y="570035"/>
+                </a:cubicBezTo>
+                <a:close/>
+                <a:moveTo>
+                  <a:pt x="1573268" y="0"/>
+                </a:moveTo>
+                <a:cubicBezTo>
+                  <a:pt x="1573268" y="0"/>
+                  <a:pt x="1573268" y="0"/>
+                  <a:pt x="2497662" y="0"/>
+                </a:cubicBezTo>
+                <a:cubicBezTo>
+                  <a:pt x="2555561" y="0"/>
+                  <a:pt x="2611463" y="31828"/>
+                  <a:pt x="2639415" y="83546"/>
+                </a:cubicBezTo>
+                <a:cubicBezTo>
+                  <a:pt x="2639415" y="83546"/>
+                  <a:pt x="2639415" y="83546"/>
+                  <a:pt x="2887862" y="511387"/>
+                </a:cubicBezTo>
+                <a:lnTo>
+                  <a:pt x="2915928" y="559720"/>
+                </a:lnTo>
+                <a:lnTo>
+                  <a:pt x="2893844" y="559720"/>
+                </a:lnTo>
+                <a:lnTo>
+                  <a:pt x="2789466" y="559720"/>
+                </a:lnTo>
+                <a:lnTo>
+                  <a:pt x="2744122" y="481634"/>
+                </a:lnTo>
+                <a:cubicBezTo>
+                  <a:pt x="2570885" y="183309"/>
+                  <a:pt x="2570885" y="183309"/>
+                  <a:pt x="2570885" y="183309"/>
+                </a:cubicBezTo>
+                <a:cubicBezTo>
+                  <a:pt x="2546104" y="137459"/>
+                  <a:pt x="2496545" y="109243"/>
+                  <a:pt x="2445216" y="109243"/>
+                </a:cubicBezTo>
+                <a:cubicBezTo>
+                  <a:pt x="1625714" y="109243"/>
+                  <a:pt x="1625714" y="109243"/>
+                  <a:pt x="1625714" y="109243"/>
+                </a:cubicBezTo>
+                <a:cubicBezTo>
+                  <a:pt x="1572615" y="109243"/>
+                  <a:pt x="1524825" y="137459"/>
+                  <a:pt x="1498276" y="183309"/>
+                </a:cubicBezTo>
+                <a:cubicBezTo>
+                  <a:pt x="1089410" y="890450"/>
+                  <a:pt x="1089410" y="890450"/>
+                  <a:pt x="1089410" y="890450"/>
+                </a:cubicBezTo>
+                <a:cubicBezTo>
+                  <a:pt x="1062860" y="934537"/>
+                  <a:pt x="1062860" y="990967"/>
+                  <a:pt x="1089410" y="1035054"/>
+                </a:cubicBezTo>
+                <a:cubicBezTo>
+                  <a:pt x="1498276" y="1742196"/>
+                  <a:pt x="1498276" y="1742196"/>
+                  <a:pt x="1498276" y="1742196"/>
+                </a:cubicBezTo>
+                <a:cubicBezTo>
+                  <a:pt x="1511551" y="1765121"/>
+                  <a:pt x="1530135" y="1783637"/>
+                  <a:pt x="1552039" y="1796422"/>
+                </a:cubicBezTo>
+                <a:lnTo>
+                  <a:pt x="1558260" y="1799029"/>
+                </a:lnTo>
+                <a:lnTo>
+                  <a:pt x="1524911" y="1856707"/>
+                </a:lnTo>
+                <a:lnTo>
+                  <a:pt x="1500108" y="1899604"/>
+                </a:lnTo>
+                <a:lnTo>
+                  <a:pt x="1525834" y="1910390"/>
+                </a:lnTo>
+                <a:cubicBezTo>
+                  <a:pt x="1539779" y="1914181"/>
+                  <a:pt x="1554378" y="1916170"/>
+                  <a:pt x="1569352" y="1916170"/>
+                </a:cubicBezTo>
+                <a:cubicBezTo>
+                  <a:pt x="2493745" y="1916170"/>
+                  <a:pt x="2493745" y="1916170"/>
+                  <a:pt x="2493745" y="1916170"/>
+                </a:cubicBezTo>
+                <a:cubicBezTo>
+                  <a:pt x="2551645" y="1916170"/>
+                  <a:pt x="2607546" y="1884345"/>
+                  <a:pt x="2635498" y="1832627"/>
+                </a:cubicBezTo>
+                <a:cubicBezTo>
+                  <a:pt x="3098693" y="1034974"/>
+                  <a:pt x="3098693" y="1034974"/>
+                  <a:pt x="3098693" y="1034974"/>
+                </a:cubicBezTo>
+                <a:cubicBezTo>
+                  <a:pt x="3128641" y="985246"/>
+                  <a:pt x="3128641" y="921593"/>
+                  <a:pt x="3098693" y="871863"/>
+                </a:cubicBezTo>
+                <a:cubicBezTo>
+                  <a:pt x="3040794" y="772157"/>
+                  <a:pt x="2990132" y="684914"/>
+                  <a:pt x="2945803" y="608576"/>
+                </a:cubicBezTo>
+                <a:lnTo>
+                  <a:pt x="2923422" y="570035"/>
+                </a:lnTo>
+                <a:lnTo>
+                  <a:pt x="3027104" y="570035"/>
+                </a:lnTo>
+                <a:cubicBezTo>
+                  <a:pt x="3349535" y="570035"/>
+                  <a:pt x="3865424" y="570035"/>
+                  <a:pt x="4690846" y="570035"/>
+                </a:cubicBezTo>
+                <a:cubicBezTo>
+                  <a:pt x="4828714" y="570035"/>
+                  <a:pt x="4961827" y="645819"/>
+                  <a:pt x="5028384" y="768968"/>
+                </a:cubicBezTo>
+                <a:cubicBezTo>
+                  <a:pt x="5028384" y="768968"/>
+                  <a:pt x="5028384" y="768968"/>
+                  <a:pt x="6131323" y="2668304"/>
+                </a:cubicBezTo>
+                <a:cubicBezTo>
+                  <a:pt x="6202634" y="2786717"/>
+                  <a:pt x="6202634" y="2938285"/>
+                  <a:pt x="6131323" y="3056698"/>
+                </a:cubicBezTo>
+                <a:cubicBezTo>
+                  <a:pt x="6131323" y="3056698"/>
+                  <a:pt x="6131323" y="3056698"/>
+                  <a:pt x="5028384" y="4956035"/>
+                </a:cubicBezTo>
+                <a:cubicBezTo>
+                  <a:pt x="4961827" y="5079184"/>
+                  <a:pt x="4828714" y="5154967"/>
+                  <a:pt x="4690846" y="5154967"/>
+                </a:cubicBezTo>
+                <a:cubicBezTo>
+                  <a:pt x="4690846" y="5154967"/>
+                  <a:pt x="4690846" y="5154967"/>
+                  <a:pt x="2489721" y="5154967"/>
+                </a:cubicBezTo>
+                <a:cubicBezTo>
+                  <a:pt x="2347099" y="5154967"/>
+                  <a:pt x="2218739" y="5079184"/>
+                  <a:pt x="2147429" y="4956035"/>
+                </a:cubicBezTo>
+                <a:cubicBezTo>
+                  <a:pt x="2147429" y="4956035"/>
+                  <a:pt x="2147429" y="4956035"/>
+                  <a:pt x="1049243" y="3056698"/>
+                </a:cubicBezTo>
+                <a:cubicBezTo>
+                  <a:pt x="977932" y="2938285"/>
+                  <a:pt x="977932" y="2786717"/>
+                  <a:pt x="1049243" y="2668304"/>
+                </a:cubicBezTo>
+                <a:cubicBezTo>
+                  <a:pt x="1049243" y="2668304"/>
+                  <a:pt x="1049243" y="2668304"/>
+                  <a:pt x="1457007" y="1963067"/>
+                </a:cubicBezTo>
+                <a:lnTo>
+                  <a:pt x="1491373" y="1903634"/>
+                </a:lnTo>
+                <a:lnTo>
+                  <a:pt x="1490164" y="1903127"/>
+                </a:lnTo>
+                <a:cubicBezTo>
+                  <a:pt x="1465456" y="1888705"/>
+                  <a:pt x="1444493" y="1867820"/>
+                  <a:pt x="1429519" y="1841960"/>
+                </a:cubicBezTo>
+                <a:cubicBezTo>
+                  <a:pt x="1429519" y="1841960"/>
+                  <a:pt x="1429519" y="1841960"/>
+                  <a:pt x="968320" y="1044307"/>
+                </a:cubicBezTo>
+                <a:cubicBezTo>
+                  <a:pt x="938371" y="994579"/>
+                  <a:pt x="938371" y="930926"/>
+                  <a:pt x="968320" y="881196"/>
+                </a:cubicBezTo>
+                <a:cubicBezTo>
+                  <a:pt x="968320" y="881196"/>
+                  <a:pt x="968320" y="881196"/>
+                  <a:pt x="1429519" y="83546"/>
+                </a:cubicBezTo>
+                <a:cubicBezTo>
+                  <a:pt x="1459466" y="31828"/>
+                  <a:pt x="1513373" y="0"/>
+                  <a:pt x="1573268" y="0"/>
+                </a:cubicBezTo>
+                <a:close/>
+              </a:path>
+            </a:pathLst>
+          </a:custGeom>
+          <a:solidFill>
+            <a:schemeClr val="tx1">
+              <a:lumMod val="50000"/>
+              <a:lumOff val="50000"/>
+              <a:alpha val="15000"/>
+            </a:schemeClr>
+          </a:solidFill>
+          <a:ln>
+            <a:noFill/>
+          </a:ln>
+        </p:spPr>
+        <p:style>
+          <a:lnRef idx="2">
+            <a:schemeClr val="accent1">
+              <a:shade val="50000"/>
+            </a:schemeClr>
+          </a:lnRef>
+          <a:fillRef idx="1">
+            <a:schemeClr val="accent1"/>
+          </a:fillRef>
+          <a:effectRef idx="0">
+            <a:schemeClr val="accent1"/>
+          </a:effectRef>
+          <a:fontRef idx="minor">
+            <a:schemeClr val="lt1"/>
+          </a:fontRef>
+        </p:style>
+        <p:txBody>
+          <a:bodyPr wrap="square" rtlCol="0" anchor="ctr">
+            <a:noAutofit/>
+          </a:bodyPr>
+          <a:lstStyle/>
+          <a:p>
+            <a:pPr algn="ctr"/>
+            <a:endParaRPr lang="en-US"/>
+          </a:p>
+        </p:txBody>
+      </p:sp>
+      <p:pic>
+        <p:nvPicPr>
+          <p:cNvPr id="5" name="Imagem 4" descr="Ícone&#10;&#10;Descrição gerada automaticamente">
+            <a:extLst>
+              <a:ext uri="{FF2B5EF4-FFF2-40B4-BE49-F238E27FC236}">
+                <a16:creationId xmlns:a16="http://schemas.microsoft.com/office/drawing/2014/main" id="{2BA9278F-FD95-4F60-8489-05C120B62F2D}"/>
+              </a:ext>
+            </a:extLst>
+          </p:cNvPr>
+          <p:cNvPicPr>
+            <a:picLocks noChangeAspect="1"/>
+          </p:cNvPicPr>
+          <p:nvPr/>
+        </p:nvPicPr>
+        <p:blipFill>
+          <a:blip r:embed="rId3">
+            <a:extLst>
+              <a:ext uri="{28A0092B-C50C-407E-A947-70E740481C1C}">
+                <a14:useLocalDpi xmlns:a14="http://schemas.microsoft.com/office/drawing/2010/main" val="0"/>
+              </a:ext>
+            </a:extLst>
+          </a:blip>
+          <a:stretch>
+            <a:fillRect/>
+          </a:stretch>
+        </p:blipFill>
+        <p:spPr>
+          <a:xfrm>
+            <a:off x="7531503" y="2129307"/>
+            <a:ext cx="3217333" cy="3217333"/>
+          </a:xfrm>
+          <a:prstGeom prst="rect">
+            <a:avLst/>
+          </a:prstGeom>
+        </p:spPr>
+      </p:pic>
+    </p:spTree>
+    <p:extLst>
+      <p:ext uri="{BB962C8B-B14F-4D97-AF65-F5344CB8AC3E}">
+        <p14:creationId xmlns:p14="http://schemas.microsoft.com/office/powerpoint/2010/main" val="634407625"/>
+      </p:ext>
+    </p:extLst>
+  </p:cSld>
+  <p:clrMapOvr>
+    <a:masterClrMapping/>
+  </p:clrMapOvr>
+</p:sld>
+</file>
+
+<file path=ppt/slides/slide42.xml><?xml version="1.0" encoding="utf-8"?>
+<p:sld xmlns:a="http://schemas.openxmlformats.org/drawingml/2006/main" xmlns:r="http://schemas.openxmlformats.org/officeDocument/2006/relationships" xmlns:p="http://schemas.openxmlformats.org/presentationml/2006/main">
+  <p:cSld>
+    <p:spTree>
+      <p:nvGrpSpPr>
+        <p:cNvPr id="1" name=""/>
+        <p:cNvGrpSpPr/>
+        <p:nvPr/>
+      </p:nvGrpSpPr>
+      <p:grpSpPr>
+        <a:xfrm>
+          <a:off x="0" y="0"/>
+          <a:ext cx="0" cy="0"/>
+          <a:chOff x="0" y="0"/>
+          <a:chExt cx="0" cy="0"/>
+        </a:xfrm>
+      </p:grpSpPr>
+      <p:sp>
+        <p:nvSpPr>
+          <p:cNvPr id="2" name="Título 1">
+            <a:extLst>
+              <a:ext uri="{FF2B5EF4-FFF2-40B4-BE49-F238E27FC236}">
+                <a16:creationId xmlns:a16="http://schemas.microsoft.com/office/drawing/2014/main" id="{9A0CB290-6B69-45F0-908B-3D50CD709B01}"/>
+              </a:ext>
+            </a:extLst>
+          </p:cNvPr>
+          <p:cNvSpPr>
+            <a:spLocks noGrp="1"/>
+          </p:cNvSpPr>
+          <p:nvPr>
+            <p:ph type="title"/>
+          </p:nvPr>
+        </p:nvSpPr>
+        <p:spPr/>
+        <p:txBody>
+          <a:bodyPr>
+            <a:normAutofit fontScale="90000"/>
+          </a:bodyPr>
+          <a:lstStyle/>
+          <a:p>
+            <a:r>
+              <a:rPr lang="pt-BR" b="1" dirty="0"/>
+              <a:t>Conexão com </a:t>
+            </a:r>
+            <a:r>
+              <a:rPr lang="pt-BR" b="1" dirty="0" err="1"/>
+              <a:t>Git</a:t>
+            </a:r>
+            <a:br>
+              <a:rPr lang="pt-BR" dirty="0"/>
+            </a:br>
+            <a:endParaRPr lang="pt-BR" dirty="0"/>
+          </a:p>
+        </p:txBody>
+      </p:sp>
+      <p:sp>
+        <p:nvSpPr>
+          <p:cNvPr id="9" name="Espaço Reservado para Texto 8">
+            <a:extLst>
+              <a:ext uri="{FF2B5EF4-FFF2-40B4-BE49-F238E27FC236}">
+                <a16:creationId xmlns:a16="http://schemas.microsoft.com/office/drawing/2014/main" id="{E1E67D10-0AC5-4E4A-9AA4-CAD40D4E41A0}"/>
+              </a:ext>
+            </a:extLst>
+          </p:cNvPr>
+          <p:cNvSpPr>
+            <a:spLocks noGrp="1"/>
+          </p:cNvSpPr>
+          <p:nvPr>
+            <p:ph type="body" sz="half" idx="2"/>
+          </p:nvPr>
+        </p:nvSpPr>
+        <p:spPr/>
+        <p:txBody>
+          <a:bodyPr>
+            <a:normAutofit/>
+          </a:bodyPr>
+          <a:lstStyle/>
+          <a:p>
+            <a:r>
+              <a:rPr lang="pt-BR" sz="2000" b="1" dirty="0">
+                <a:latin typeface="Courier New" panose="02070309020205020404" pitchFamily="49" charset="0"/>
+                <a:cs typeface="Courier New" panose="02070309020205020404" pitchFamily="49" charset="0"/>
+              </a:rPr>
+              <a:t>$ site </a:t>
+            </a:r>
+            <a:r>
+              <a:rPr lang="pt-BR" sz="2000" b="1" dirty="0" err="1">
+                <a:latin typeface="Courier New" panose="02070309020205020404" pitchFamily="49" charset="0"/>
+                <a:cs typeface="Courier New" panose="02070309020205020404" pitchFamily="49" charset="0"/>
+              </a:rPr>
+              <a:t>git</a:t>
+            </a:r>
+            <a:r>
+              <a:rPr lang="pt-BR" sz="2000" b="1" dirty="0">
+                <a:latin typeface="Courier New" panose="02070309020205020404" pitchFamily="49" charset="0"/>
+                <a:cs typeface="Courier New" panose="02070309020205020404" pitchFamily="49" charset="0"/>
+              </a:rPr>
+              <a:t> </a:t>
+            </a:r>
+            <a:r>
+              <a:rPr lang="pt-BR" sz="2000" b="1" dirty="0" err="1">
+                <a:latin typeface="Courier New" panose="02070309020205020404" pitchFamily="49" charset="0"/>
+                <a:cs typeface="Courier New" panose="02070309020205020404" pitchFamily="49" charset="0"/>
+              </a:rPr>
+              <a:t>conn</a:t>
+            </a:r>
+            <a:r>
+              <a:rPr lang="pt-BR" sz="2000" b="1" dirty="0">
+                <a:latin typeface="Courier New" panose="02070309020205020404" pitchFamily="49" charset="0"/>
+                <a:cs typeface="Courier New" panose="02070309020205020404" pitchFamily="49" charset="0"/>
+              </a:rPr>
+              <a:t> </a:t>
+            </a:r>
+            <a:br>
+              <a:rPr lang="pt-BR" sz="2000" b="1" dirty="0">
+                <a:latin typeface="Courier New" panose="02070309020205020404" pitchFamily="49" charset="0"/>
+                <a:cs typeface="Courier New" panose="02070309020205020404" pitchFamily="49" charset="0"/>
+              </a:rPr>
+            </a:br>
+            <a:r>
+              <a:rPr lang="pt-BR" sz="2000" b="1" dirty="0">
+                <a:latin typeface="Courier New" panose="02070309020205020404" pitchFamily="49" charset="0"/>
+                <a:cs typeface="Courier New" panose="02070309020205020404" pitchFamily="49" charset="0"/>
+              </a:rPr>
+              <a:t>:</a:t>
+            </a:r>
+          </a:p>
+          <a:p>
+            <a:r>
+              <a:rPr lang="pt-BR" sz="2000" b="1" dirty="0">
+                <a:latin typeface="Courier New" panose="02070309020205020404" pitchFamily="49" charset="0"/>
+                <a:cs typeface="Courier New" panose="02070309020205020404" pitchFamily="49" charset="0"/>
+              </a:rPr>
+              <a:t>$ </a:t>
+            </a:r>
+            <a:r>
+              <a:rPr lang="pt-BR" sz="2000" b="1" dirty="0" err="1">
+                <a:latin typeface="Courier New" panose="02070309020205020404" pitchFamily="49" charset="0"/>
+                <a:cs typeface="Courier New" panose="02070309020205020404" pitchFamily="49" charset="0"/>
+              </a:rPr>
+              <a:t>exit</a:t>
+            </a:r>
+            <a:br>
+              <a:rPr lang="pt-BR" sz="2000" b="1" dirty="0">
+                <a:latin typeface="Courier New" panose="02070309020205020404" pitchFamily="49" charset="0"/>
+                <a:cs typeface="Courier New" panose="02070309020205020404" pitchFamily="49" charset="0"/>
+              </a:rPr>
+            </a:br>
+            <a:br>
+              <a:rPr lang="pt-BR" b="1" dirty="0">
+                <a:latin typeface="Courier New" panose="02070309020205020404" pitchFamily="49" charset="0"/>
+                <a:cs typeface="Courier New" panose="02070309020205020404" pitchFamily="49" charset="0"/>
+              </a:rPr>
+            </a:br>
+            <a:endParaRPr lang="pt-BR" dirty="0"/>
+          </a:p>
+        </p:txBody>
+      </p:sp>
+      <p:pic>
+        <p:nvPicPr>
+          <p:cNvPr id="6" name="Espaço Reservado para Imagem 5">
+            <a:extLst>
+              <a:ext uri="{FF2B5EF4-FFF2-40B4-BE49-F238E27FC236}">
+                <a16:creationId xmlns:a16="http://schemas.microsoft.com/office/drawing/2014/main" id="{38C8695B-CFC3-4A17-91DC-8BEF3C9A1CF3}"/>
+              </a:ext>
+            </a:extLst>
+          </p:cNvPr>
+          <p:cNvPicPr>
+            <a:picLocks noGrp="1" noChangeAspect="1"/>
+          </p:cNvPicPr>
+          <p:nvPr>
+            <p:ph type="pic" idx="1"/>
+          </p:nvPr>
+        </p:nvPicPr>
+        <p:blipFill rotWithShape="1">
+          <a:blip r:embed="rId2"/>
+          <a:srcRect t="2326" b="2326"/>
+          <a:stretch/>
+        </p:blipFill>
+        <p:spPr/>
+      </p:pic>
+    </p:spTree>
+    <p:extLst>
+      <p:ext uri="{BB962C8B-B14F-4D97-AF65-F5344CB8AC3E}">
+        <p14:creationId xmlns:p14="http://schemas.microsoft.com/office/powerpoint/2010/main" val="2067859501"/>
+      </p:ext>
+    </p:extLst>
+  </p:cSld>
+  <p:clrMapOvr>
+    <a:masterClrMapping/>
+  </p:clrMapOvr>
+</p:sld>
+</file>
+
+<file path=ppt/slides/slide43.xml><?xml version="1.0" encoding="utf-8"?>
+<p:sld xmlns:a="http://schemas.openxmlformats.org/drawingml/2006/main" xmlns:r="http://schemas.openxmlformats.org/officeDocument/2006/relationships" xmlns:p="http://schemas.openxmlformats.org/presentationml/2006/main">
+  <p:cSld>
+    <p:bg>
+      <p:bgPr>
+        <a:solidFill>
+          <a:schemeClr val="bg1"/>
+        </a:solidFill>
+        <a:effectLst/>
+      </p:bgPr>
+    </p:bg>
+    <p:spTree>
+      <p:nvGrpSpPr>
+        <p:cNvPr id="1" name=""/>
+        <p:cNvGrpSpPr/>
+        <p:nvPr/>
+      </p:nvGrpSpPr>
+      <p:grpSpPr>
+        <a:xfrm>
+          <a:off x="0" y="0"/>
+          <a:ext cx="0" cy="0"/>
+          <a:chOff x="0" y="0"/>
+          <a:chExt cx="0" cy="0"/>
+        </a:xfrm>
+      </p:grpSpPr>
+      <p:sp useBgFill="1">
+        <p:nvSpPr>
+          <p:cNvPr id="46" name="Rectangle 45">
+            <a:extLst>
+              <a:ext uri="{FF2B5EF4-FFF2-40B4-BE49-F238E27FC236}">
+                <a16:creationId xmlns:a16="http://schemas.microsoft.com/office/drawing/2014/main" id="{3E443FD7-A66B-4AA0-872D-B088B9BC5F17}"/>
+              </a:ext>
+              <a:ext uri="{C183D7F6-B498-43B3-948B-1728B52AA6E4}">
+                <adec:decorative xmlns:adec="http://schemas.microsoft.com/office/drawing/2017/decorative" val="1"/>
+              </a:ext>
+            </a:extLst>
+          </p:cNvPr>
+          <p:cNvSpPr>
+            <a:spLocks noGrp="1" noRot="1" noChangeAspect="1" noMove="1" noResize="1" noEditPoints="1" noAdjustHandles="1" noChangeArrowheads="1" noChangeShapeType="1" noTextEdit="1"/>
+          </p:cNvSpPr>
+          <p:nvPr>
+            <p:extLst>
+              <p:ext uri="{386F3935-93C4-4BCD-93E2-E3B085C9AB24}">
+                <p16:designElem xmlns:p16="http://schemas.microsoft.com/office/powerpoint/2015/main" val="1"/>
+              </p:ext>
+            </p:extLst>
+          </p:nvPr>
+        </p:nvSpPr>
+        <p:spPr>
+          <a:xfrm>
+            <a:off x="0" y="0"/>
+            <a:ext cx="12192000" cy="6858000"/>
+          </a:xfrm>
+          <a:prstGeom prst="rect">
+            <a:avLst/>
+          </a:prstGeom>
+          <a:ln>
+            <a:noFill/>
+          </a:ln>
+        </p:spPr>
+        <p:style>
+          <a:lnRef idx="2">
+            <a:schemeClr val="accent1">
+              <a:shade val="50000"/>
+            </a:schemeClr>
+          </a:lnRef>
+          <a:fillRef idx="1">
+            <a:schemeClr val="accent1"/>
+          </a:fillRef>
+          <a:effectRef idx="0">
+            <a:schemeClr val="accent1"/>
+          </a:effectRef>
+          <a:fontRef idx="minor">
+            <a:schemeClr val="lt1"/>
+          </a:fontRef>
+        </p:style>
+        <p:txBody>
+          <a:bodyPr rtlCol="0" anchor="ctr"/>
+          <a:lstStyle/>
+          <a:p>
+            <a:pPr algn="ctr"/>
+            <a:endParaRPr lang="en-US"/>
+          </a:p>
+        </p:txBody>
+      </p:sp>
+      <p:sp>
+        <p:nvSpPr>
+          <p:cNvPr id="2" name="Título 1">
+            <a:extLst>
+              <a:ext uri="{FF2B5EF4-FFF2-40B4-BE49-F238E27FC236}">
+                <a16:creationId xmlns:a16="http://schemas.microsoft.com/office/drawing/2014/main" id="{9B5DD48C-039E-43C7-B060-771CB2A8EF2B}"/>
+              </a:ext>
+            </a:extLst>
+          </p:cNvPr>
+          <p:cNvSpPr>
+            <a:spLocks noGrp="1"/>
+          </p:cNvSpPr>
+          <p:nvPr>
+            <p:ph type="ctrTitle"/>
+          </p:nvPr>
+        </p:nvSpPr>
+        <p:spPr>
+          <a:xfrm>
+            <a:off x="1094095" y="851517"/>
+            <a:ext cx="5238466" cy="2991416"/>
+          </a:xfrm>
+        </p:spPr>
+        <p:txBody>
+          <a:bodyPr anchor="b">
+            <a:normAutofit/>
+          </a:bodyPr>
+          <a:lstStyle/>
+          <a:p>
+            <a:pPr algn="l"/>
+            <a:r>
+              <a:rPr lang="pt-BR" b="1" dirty="0"/>
+              <a:t>Conexão com </a:t>
+            </a:r>
+            <a:r>
+              <a:rPr lang="pt-BR" b="1" dirty="0" err="1"/>
+              <a:t>Trello</a:t>
+            </a:r>
+            <a:endParaRPr lang="pt-BR" b="1" dirty="0"/>
+          </a:p>
+        </p:txBody>
+      </p:sp>
+      <p:sp>
+        <p:nvSpPr>
+          <p:cNvPr id="3" name="Subtítulo 2">
+            <a:extLst>
+              <a:ext uri="{FF2B5EF4-FFF2-40B4-BE49-F238E27FC236}">
+                <a16:creationId xmlns:a16="http://schemas.microsoft.com/office/drawing/2014/main" id="{44095AEF-9434-45FE-BB86-7BC5AABE5432}"/>
+              </a:ext>
+            </a:extLst>
+          </p:cNvPr>
+          <p:cNvSpPr>
+            <a:spLocks noGrp="1"/>
+          </p:cNvSpPr>
+          <p:nvPr>
+            <p:ph type="subTitle" idx="1"/>
+          </p:nvPr>
+        </p:nvSpPr>
+        <p:spPr>
+          <a:xfrm>
+            <a:off x="1094096" y="3842932"/>
+            <a:ext cx="4167115" cy="2163551"/>
+          </a:xfrm>
+        </p:spPr>
+        <p:txBody>
+          <a:bodyPr anchor="t">
+            <a:normAutofit/>
+          </a:bodyPr>
+          <a:lstStyle/>
+          <a:p>
+            <a:pPr algn="l"/>
+            <a:r>
+              <a:rPr lang="pt-BR" b="1" dirty="0" err="1"/>
+              <a:t>Trello</a:t>
+            </a:r>
+            <a:r>
+              <a:rPr lang="pt-BR" b="1" dirty="0"/>
+              <a:t> Console</a:t>
+            </a:r>
+          </a:p>
+        </p:txBody>
+      </p:sp>
+      <p:sp>
+        <p:nvSpPr>
+          <p:cNvPr id="48" name="Freeform: Shape 47">
+            <a:extLst>
+              <a:ext uri="{FF2B5EF4-FFF2-40B4-BE49-F238E27FC236}">
+                <a16:creationId xmlns:a16="http://schemas.microsoft.com/office/drawing/2014/main" id="{C04BE0EF-3561-49B4-9A29-F283168A91C7}"/>
+              </a:ext>
+              <a:ext uri="{C183D7F6-B498-43B3-948B-1728B52AA6E4}">
+                <adec:decorative xmlns:adec="http://schemas.microsoft.com/office/drawing/2017/decorative" val="1"/>
+              </a:ext>
+            </a:extLst>
+          </p:cNvPr>
+          <p:cNvSpPr>
+            <a:spLocks noGrp="1" noRot="1" noChangeAspect="1" noMove="1" noResize="1" noEditPoints="1" noAdjustHandles="1" noChangeArrowheads="1" noChangeShapeType="1" noTextEdit="1"/>
+          </p:cNvSpPr>
+          <p:nvPr>
+            <p:extLst>
+              <p:ext uri="{386F3935-93C4-4BCD-93E2-E3B085C9AB24}">
+                <p16:designElem xmlns:p16="http://schemas.microsoft.com/office/powerpoint/2015/main" val="1"/>
+              </p:ext>
+            </p:extLst>
+          </p:nvPr>
+        </p:nvSpPr>
+        <p:spPr>
+          <a:xfrm>
+            <a:off x="5510370" y="851518"/>
+            <a:ext cx="6184806" cy="5154967"/>
+          </a:xfrm>
+          <a:custGeom>
+            <a:avLst/>
+            <a:gdLst>
+              <a:gd name="connsiteX0" fmla="*/ 363179 w 6184806"/>
+              <a:gd name="connsiteY0" fmla="*/ 3125191 h 5154967"/>
+              <a:gd name="connsiteX1" fmla="*/ 898270 w 6184806"/>
+              <a:gd name="connsiteY1" fmla="*/ 3125191 h 5154967"/>
+              <a:gd name="connsiteX2" fmla="*/ 980326 w 6184806"/>
+              <a:gd name="connsiteY2" fmla="*/ 3173551 h 5154967"/>
+              <a:gd name="connsiteX3" fmla="*/ 1248448 w 6184806"/>
+              <a:gd name="connsiteY3" fmla="*/ 3635277 h 5154967"/>
+              <a:gd name="connsiteX4" fmla="*/ 1248448 w 6184806"/>
+              <a:gd name="connsiteY4" fmla="*/ 3729695 h 5154967"/>
+              <a:gd name="connsiteX5" fmla="*/ 980326 w 6184806"/>
+              <a:gd name="connsiteY5" fmla="*/ 4191421 h 5154967"/>
+              <a:gd name="connsiteX6" fmla="*/ 898270 w 6184806"/>
+              <a:gd name="connsiteY6" fmla="*/ 4239781 h 5154967"/>
+              <a:gd name="connsiteX7" fmla="*/ 363179 w 6184806"/>
+              <a:gd name="connsiteY7" fmla="*/ 4239781 h 5154967"/>
+              <a:gd name="connsiteX8" fmla="*/ 279969 w 6184806"/>
+              <a:gd name="connsiteY8" fmla="*/ 4191421 h 5154967"/>
+              <a:gd name="connsiteX9" fmla="*/ 13002 w 6184806"/>
+              <a:gd name="connsiteY9" fmla="*/ 3729695 h 5154967"/>
+              <a:gd name="connsiteX10" fmla="*/ 13002 w 6184806"/>
+              <a:gd name="connsiteY10" fmla="*/ 3635277 h 5154967"/>
+              <a:gd name="connsiteX11" fmla="*/ 279969 w 6184806"/>
+              <a:gd name="connsiteY11" fmla="*/ 3173551 h 5154967"/>
+              <a:gd name="connsiteX12" fmla="*/ 363179 w 6184806"/>
+              <a:gd name="connsiteY12" fmla="*/ 3125191 h 5154967"/>
+              <a:gd name="connsiteX13" fmla="*/ 2489721 w 6184806"/>
+              <a:gd name="connsiteY13" fmla="*/ 570035 h 5154967"/>
+              <a:gd name="connsiteX14" fmla="*/ 2764862 w 6184806"/>
+              <a:gd name="connsiteY14" fmla="*/ 570035 h 5154967"/>
+              <a:gd name="connsiteX15" fmla="*/ 2796959 w 6184806"/>
+              <a:gd name="connsiteY15" fmla="*/ 570035 h 5154967"/>
+              <a:gd name="connsiteX16" fmla="*/ 2827587 w 6184806"/>
+              <a:gd name="connsiteY16" fmla="*/ 622777 h 5154967"/>
+              <a:gd name="connsiteX17" fmla="*/ 2977604 w 6184806"/>
+              <a:gd name="connsiteY17" fmla="*/ 881117 h 5154967"/>
+              <a:gd name="connsiteX18" fmla="*/ 2977604 w 6184806"/>
+              <a:gd name="connsiteY18" fmla="*/ 1025720 h 5154967"/>
+              <a:gd name="connsiteX19" fmla="*/ 2566968 w 6184806"/>
+              <a:gd name="connsiteY19" fmla="*/ 1732863 h 5154967"/>
+              <a:gd name="connsiteX20" fmla="*/ 2441299 w 6184806"/>
+              <a:gd name="connsiteY20" fmla="*/ 1806927 h 5154967"/>
+              <a:gd name="connsiteX21" fmla="*/ 1621798 w 6184806"/>
+              <a:gd name="connsiteY21" fmla="*/ 1806927 h 5154967"/>
+              <a:gd name="connsiteX22" fmla="*/ 1583218 w 6184806"/>
+              <a:gd name="connsiteY22" fmla="*/ 1801802 h 5154967"/>
+              <a:gd name="connsiteX23" fmla="*/ 1556683 w 6184806"/>
+              <a:gd name="connsiteY23" fmla="*/ 1790677 h 5154967"/>
+              <a:gd name="connsiteX24" fmla="*/ 1572899 w 6184806"/>
+              <a:gd name="connsiteY24" fmla="*/ 1762630 h 5154967"/>
+              <a:gd name="connsiteX25" fmla="*/ 2147429 w 6184806"/>
+              <a:gd name="connsiteY25" fmla="*/ 768968 h 5154967"/>
+              <a:gd name="connsiteX26" fmla="*/ 2489721 w 6184806"/>
+              <a:gd name="connsiteY26" fmla="*/ 570035 h 5154967"/>
+              <a:gd name="connsiteX27" fmla="*/ 1573268 w 6184806"/>
+              <a:gd name="connsiteY27" fmla="*/ 0 h 5154967"/>
+              <a:gd name="connsiteX28" fmla="*/ 2497662 w 6184806"/>
+              <a:gd name="connsiteY28" fmla="*/ 0 h 5154967"/>
+              <a:gd name="connsiteX29" fmla="*/ 2639415 w 6184806"/>
+              <a:gd name="connsiteY29" fmla="*/ 83546 h 5154967"/>
+              <a:gd name="connsiteX30" fmla="*/ 2887862 w 6184806"/>
+              <a:gd name="connsiteY30" fmla="*/ 511387 h 5154967"/>
+              <a:gd name="connsiteX31" fmla="*/ 2915928 w 6184806"/>
+              <a:gd name="connsiteY31" fmla="*/ 559720 h 5154967"/>
+              <a:gd name="connsiteX32" fmla="*/ 2893844 w 6184806"/>
+              <a:gd name="connsiteY32" fmla="*/ 559720 h 5154967"/>
+              <a:gd name="connsiteX33" fmla="*/ 2789466 w 6184806"/>
+              <a:gd name="connsiteY33" fmla="*/ 559720 h 5154967"/>
+              <a:gd name="connsiteX34" fmla="*/ 2744122 w 6184806"/>
+              <a:gd name="connsiteY34" fmla="*/ 481634 h 5154967"/>
+              <a:gd name="connsiteX35" fmla="*/ 2570885 w 6184806"/>
+              <a:gd name="connsiteY35" fmla="*/ 183309 h 5154967"/>
+              <a:gd name="connsiteX36" fmla="*/ 2445216 w 6184806"/>
+              <a:gd name="connsiteY36" fmla="*/ 109243 h 5154967"/>
+              <a:gd name="connsiteX37" fmla="*/ 1625714 w 6184806"/>
+              <a:gd name="connsiteY37" fmla="*/ 109243 h 5154967"/>
+              <a:gd name="connsiteX38" fmla="*/ 1498276 w 6184806"/>
+              <a:gd name="connsiteY38" fmla="*/ 183309 h 5154967"/>
+              <a:gd name="connsiteX39" fmla="*/ 1089410 w 6184806"/>
+              <a:gd name="connsiteY39" fmla="*/ 890450 h 5154967"/>
+              <a:gd name="connsiteX40" fmla="*/ 1089410 w 6184806"/>
+              <a:gd name="connsiteY40" fmla="*/ 1035054 h 5154967"/>
+              <a:gd name="connsiteX41" fmla="*/ 1498276 w 6184806"/>
+              <a:gd name="connsiteY41" fmla="*/ 1742196 h 5154967"/>
+              <a:gd name="connsiteX42" fmla="*/ 1552039 w 6184806"/>
+              <a:gd name="connsiteY42" fmla="*/ 1796422 h 5154967"/>
+              <a:gd name="connsiteX43" fmla="*/ 1558260 w 6184806"/>
+              <a:gd name="connsiteY43" fmla="*/ 1799029 h 5154967"/>
+              <a:gd name="connsiteX44" fmla="*/ 1524911 w 6184806"/>
+              <a:gd name="connsiteY44" fmla="*/ 1856707 h 5154967"/>
+              <a:gd name="connsiteX45" fmla="*/ 1500108 w 6184806"/>
+              <a:gd name="connsiteY45" fmla="*/ 1899604 h 5154967"/>
+              <a:gd name="connsiteX46" fmla="*/ 1525834 w 6184806"/>
+              <a:gd name="connsiteY46" fmla="*/ 1910390 h 5154967"/>
+              <a:gd name="connsiteX47" fmla="*/ 1569352 w 6184806"/>
+              <a:gd name="connsiteY47" fmla="*/ 1916170 h 5154967"/>
+              <a:gd name="connsiteX48" fmla="*/ 2493745 w 6184806"/>
+              <a:gd name="connsiteY48" fmla="*/ 1916170 h 5154967"/>
+              <a:gd name="connsiteX49" fmla="*/ 2635498 w 6184806"/>
+              <a:gd name="connsiteY49" fmla="*/ 1832627 h 5154967"/>
+              <a:gd name="connsiteX50" fmla="*/ 3098693 w 6184806"/>
+              <a:gd name="connsiteY50" fmla="*/ 1034974 h 5154967"/>
+              <a:gd name="connsiteX51" fmla="*/ 3098693 w 6184806"/>
+              <a:gd name="connsiteY51" fmla="*/ 871863 h 5154967"/>
+              <a:gd name="connsiteX52" fmla="*/ 2945803 w 6184806"/>
+              <a:gd name="connsiteY52" fmla="*/ 608576 h 5154967"/>
+              <a:gd name="connsiteX53" fmla="*/ 2923422 w 6184806"/>
+              <a:gd name="connsiteY53" fmla="*/ 570035 h 5154967"/>
+              <a:gd name="connsiteX54" fmla="*/ 3027104 w 6184806"/>
+              <a:gd name="connsiteY54" fmla="*/ 570035 h 5154967"/>
+              <a:gd name="connsiteX55" fmla="*/ 4690846 w 6184806"/>
+              <a:gd name="connsiteY55" fmla="*/ 570035 h 5154967"/>
+              <a:gd name="connsiteX56" fmla="*/ 5028384 w 6184806"/>
+              <a:gd name="connsiteY56" fmla="*/ 768968 h 5154967"/>
+              <a:gd name="connsiteX57" fmla="*/ 6131323 w 6184806"/>
+              <a:gd name="connsiteY57" fmla="*/ 2668304 h 5154967"/>
+              <a:gd name="connsiteX58" fmla="*/ 6131323 w 6184806"/>
+              <a:gd name="connsiteY58" fmla="*/ 3056698 h 5154967"/>
+              <a:gd name="connsiteX59" fmla="*/ 5028384 w 6184806"/>
+              <a:gd name="connsiteY59" fmla="*/ 4956035 h 5154967"/>
+              <a:gd name="connsiteX60" fmla="*/ 4690846 w 6184806"/>
+              <a:gd name="connsiteY60" fmla="*/ 5154967 h 5154967"/>
+              <a:gd name="connsiteX61" fmla="*/ 2489721 w 6184806"/>
+              <a:gd name="connsiteY61" fmla="*/ 5154967 h 5154967"/>
+              <a:gd name="connsiteX62" fmla="*/ 2147429 w 6184806"/>
+              <a:gd name="connsiteY62" fmla="*/ 4956035 h 5154967"/>
+              <a:gd name="connsiteX63" fmla="*/ 1049243 w 6184806"/>
+              <a:gd name="connsiteY63" fmla="*/ 3056698 h 5154967"/>
+              <a:gd name="connsiteX64" fmla="*/ 1049243 w 6184806"/>
+              <a:gd name="connsiteY64" fmla="*/ 2668304 h 5154967"/>
+              <a:gd name="connsiteX65" fmla="*/ 1457007 w 6184806"/>
+              <a:gd name="connsiteY65" fmla="*/ 1963067 h 5154967"/>
+              <a:gd name="connsiteX66" fmla="*/ 1491373 w 6184806"/>
+              <a:gd name="connsiteY66" fmla="*/ 1903634 h 5154967"/>
+              <a:gd name="connsiteX67" fmla="*/ 1490164 w 6184806"/>
+              <a:gd name="connsiteY67" fmla="*/ 1903127 h 5154967"/>
+              <a:gd name="connsiteX68" fmla="*/ 1429519 w 6184806"/>
+              <a:gd name="connsiteY68" fmla="*/ 1841960 h 5154967"/>
+              <a:gd name="connsiteX69" fmla="*/ 968320 w 6184806"/>
+              <a:gd name="connsiteY69" fmla="*/ 1044307 h 5154967"/>
+              <a:gd name="connsiteX70" fmla="*/ 968320 w 6184806"/>
+              <a:gd name="connsiteY70" fmla="*/ 881196 h 5154967"/>
+              <a:gd name="connsiteX71" fmla="*/ 1429519 w 6184806"/>
+              <a:gd name="connsiteY71" fmla="*/ 83546 h 5154967"/>
+              <a:gd name="connsiteX72" fmla="*/ 1573268 w 6184806"/>
+              <a:gd name="connsiteY72" fmla="*/ 0 h 5154967"/>
+            </a:gdLst>
+            <a:ahLst/>
+            <a:cxnLst>
+              <a:cxn ang="0">
+                <a:pos x="connsiteX0" y="connsiteY0"/>
+              </a:cxn>
+              <a:cxn ang="0">
+                <a:pos x="connsiteX1" y="connsiteY1"/>
+              </a:cxn>
+              <a:cxn ang="0">
+                <a:pos x="connsiteX2" y="connsiteY2"/>
+              </a:cxn>
+              <a:cxn ang="0">
+                <a:pos x="connsiteX3" y="connsiteY3"/>
+              </a:cxn>
+              <a:cxn ang="0">
+                <a:pos x="connsiteX4" y="connsiteY4"/>
+              </a:cxn>
+              <a:cxn ang="0">
+                <a:pos x="connsiteX5" y="connsiteY5"/>
+              </a:cxn>
+              <a:cxn ang="0">
+                <a:pos x="connsiteX6" y="connsiteY6"/>
+              </a:cxn>
+              <a:cxn ang="0">
+                <a:pos x="connsiteX7" y="connsiteY7"/>
+              </a:cxn>
+              <a:cxn ang="0">
+                <a:pos x="connsiteX8" y="connsiteY8"/>
+              </a:cxn>
+              <a:cxn ang="0">
+                <a:pos x="connsiteX9" y="connsiteY9"/>
+              </a:cxn>
+              <a:cxn ang="0">
+                <a:pos x="connsiteX10" y="connsiteY10"/>
+              </a:cxn>
+              <a:cxn ang="0">
+                <a:pos x="connsiteX11" y="connsiteY11"/>
+              </a:cxn>
+              <a:cxn ang="0">
+                <a:pos x="connsiteX12" y="connsiteY12"/>
+              </a:cxn>
+              <a:cxn ang="0">
+                <a:pos x="connsiteX13" y="connsiteY13"/>
+              </a:cxn>
+              <a:cxn ang="0">
+                <a:pos x="connsiteX14" y="connsiteY14"/>
+              </a:cxn>
+              <a:cxn ang="0">
+                <a:pos x="connsiteX15" y="connsiteY15"/>
+              </a:cxn>
+              <a:cxn ang="0">
+                <a:pos x="connsiteX16" y="connsiteY16"/>
+              </a:cxn>
+              <a:cxn ang="0">
+                <a:pos x="connsiteX17" y="connsiteY17"/>
+              </a:cxn>
+              <a:cxn ang="0">
+                <a:pos x="connsiteX18" y="connsiteY18"/>
+              </a:cxn>
+              <a:cxn ang="0">
+                <a:pos x="connsiteX19" y="connsiteY19"/>
+              </a:cxn>
+              <a:cxn ang="0">
+                <a:pos x="connsiteX20" y="connsiteY20"/>
+              </a:cxn>
+              <a:cxn ang="0">
+                <a:pos x="connsiteX21" y="connsiteY21"/>
+              </a:cxn>
+              <a:cxn ang="0">
+                <a:pos x="connsiteX22" y="connsiteY22"/>
+              </a:cxn>
+              <a:cxn ang="0">
+                <a:pos x="connsiteX23" y="connsiteY23"/>
+              </a:cxn>
+              <a:cxn ang="0">
+                <a:pos x="connsiteX24" y="connsiteY24"/>
+              </a:cxn>
+              <a:cxn ang="0">
+                <a:pos x="connsiteX25" y="connsiteY25"/>
+              </a:cxn>
+              <a:cxn ang="0">
+                <a:pos x="connsiteX26" y="connsiteY26"/>
+              </a:cxn>
+              <a:cxn ang="0">
+                <a:pos x="connsiteX27" y="connsiteY27"/>
+              </a:cxn>
+              <a:cxn ang="0">
+                <a:pos x="connsiteX28" y="connsiteY28"/>
+              </a:cxn>
+              <a:cxn ang="0">
+                <a:pos x="connsiteX29" y="connsiteY29"/>
+              </a:cxn>
+              <a:cxn ang="0">
+                <a:pos x="connsiteX30" y="connsiteY30"/>
+              </a:cxn>
+              <a:cxn ang="0">
+                <a:pos x="connsiteX31" y="connsiteY31"/>
+              </a:cxn>
+              <a:cxn ang="0">
+                <a:pos x="connsiteX32" y="connsiteY32"/>
+              </a:cxn>
+              <a:cxn ang="0">
+                <a:pos x="connsiteX33" y="connsiteY33"/>
+              </a:cxn>
+              <a:cxn ang="0">
+                <a:pos x="connsiteX34" y="connsiteY34"/>
+              </a:cxn>
+              <a:cxn ang="0">
+                <a:pos x="connsiteX35" y="connsiteY35"/>
+              </a:cxn>
+              <a:cxn ang="0">
+                <a:pos x="connsiteX36" y="connsiteY36"/>
+              </a:cxn>
+              <a:cxn ang="0">
+                <a:pos x="connsiteX37" y="connsiteY37"/>
+              </a:cxn>
+              <a:cxn ang="0">
+                <a:pos x="connsiteX38" y="connsiteY38"/>
+              </a:cxn>
+              <a:cxn ang="0">
+                <a:pos x="connsiteX39" y="connsiteY39"/>
+              </a:cxn>
+              <a:cxn ang="0">
+                <a:pos x="connsiteX40" y="connsiteY40"/>
+              </a:cxn>
+              <a:cxn ang="0">
+                <a:pos x="connsiteX41" y="connsiteY41"/>
+              </a:cxn>
+              <a:cxn ang="0">
+                <a:pos x="connsiteX42" y="connsiteY42"/>
+              </a:cxn>
+              <a:cxn ang="0">
+                <a:pos x="connsiteX43" y="connsiteY43"/>
+              </a:cxn>
+              <a:cxn ang="0">
+                <a:pos x="connsiteX44" y="connsiteY44"/>
+              </a:cxn>
+              <a:cxn ang="0">
+                <a:pos x="connsiteX45" y="connsiteY45"/>
+              </a:cxn>
+              <a:cxn ang="0">
+                <a:pos x="connsiteX46" y="connsiteY46"/>
+              </a:cxn>
+              <a:cxn ang="0">
+                <a:pos x="connsiteX47" y="connsiteY47"/>
+              </a:cxn>
+              <a:cxn ang="0">
+                <a:pos x="connsiteX48" y="connsiteY48"/>
+              </a:cxn>
+              <a:cxn ang="0">
+                <a:pos x="connsiteX49" y="connsiteY49"/>
+              </a:cxn>
+              <a:cxn ang="0">
+                <a:pos x="connsiteX50" y="connsiteY50"/>
+              </a:cxn>
+              <a:cxn ang="0">
+                <a:pos x="connsiteX51" y="connsiteY51"/>
+              </a:cxn>
+              <a:cxn ang="0">
+                <a:pos x="connsiteX52" y="connsiteY52"/>
+              </a:cxn>
+              <a:cxn ang="0">
+                <a:pos x="connsiteX53" y="connsiteY53"/>
+              </a:cxn>
+              <a:cxn ang="0">
+                <a:pos x="connsiteX54" y="connsiteY54"/>
+              </a:cxn>
+              <a:cxn ang="0">
+                <a:pos x="connsiteX55" y="connsiteY55"/>
+              </a:cxn>
+              <a:cxn ang="0">
+                <a:pos x="connsiteX56" y="connsiteY56"/>
+              </a:cxn>
+              <a:cxn ang="0">
+                <a:pos x="connsiteX57" y="connsiteY57"/>
+              </a:cxn>
+              <a:cxn ang="0">
+                <a:pos x="connsiteX58" y="connsiteY58"/>
+              </a:cxn>
+              <a:cxn ang="0">
+                <a:pos x="connsiteX59" y="connsiteY59"/>
+              </a:cxn>
+              <a:cxn ang="0">
+                <a:pos x="connsiteX60" y="connsiteY60"/>
+              </a:cxn>
+              <a:cxn ang="0">
+                <a:pos x="connsiteX61" y="connsiteY61"/>
+              </a:cxn>
+              <a:cxn ang="0">
+                <a:pos x="connsiteX62" y="connsiteY62"/>
+              </a:cxn>
+              <a:cxn ang="0">
+                <a:pos x="connsiteX63" y="connsiteY63"/>
+              </a:cxn>
+              <a:cxn ang="0">
+                <a:pos x="connsiteX64" y="connsiteY64"/>
+              </a:cxn>
+              <a:cxn ang="0">
+                <a:pos x="connsiteX65" y="connsiteY65"/>
+              </a:cxn>
+              <a:cxn ang="0">
+                <a:pos x="connsiteX66" y="connsiteY66"/>
+              </a:cxn>
+              <a:cxn ang="0">
+                <a:pos x="connsiteX67" y="connsiteY67"/>
+              </a:cxn>
+              <a:cxn ang="0">
+                <a:pos x="connsiteX68" y="connsiteY68"/>
+              </a:cxn>
+              <a:cxn ang="0">
+                <a:pos x="connsiteX69" y="connsiteY69"/>
+              </a:cxn>
+              <a:cxn ang="0">
+                <a:pos x="connsiteX70" y="connsiteY70"/>
+              </a:cxn>
+              <a:cxn ang="0">
+                <a:pos x="connsiteX71" y="connsiteY71"/>
+              </a:cxn>
+              <a:cxn ang="0">
+                <a:pos x="connsiteX72" y="connsiteY72"/>
+              </a:cxn>
+            </a:cxnLst>
+            <a:rect l="l" t="t" r="r" b="b"/>
+            <a:pathLst>
+              <a:path w="6184806" h="5154967">
+                <a:moveTo>
+                  <a:pt x="363179" y="3125191"/>
+                </a:moveTo>
+                <a:cubicBezTo>
+                  <a:pt x="363179" y="3125191"/>
+                  <a:pt x="363179" y="3125191"/>
+                  <a:pt x="898270" y="3125191"/>
+                </a:cubicBezTo>
+                <a:cubicBezTo>
+                  <a:pt x="931786" y="3125191"/>
+                  <a:pt x="964145" y="3143614"/>
+                  <a:pt x="980326" y="3173551"/>
+                </a:cubicBezTo>
+                <a:cubicBezTo>
+                  <a:pt x="980326" y="3173551"/>
+                  <a:pt x="980326" y="3173551"/>
+                  <a:pt x="1248448" y="3635277"/>
+                </a:cubicBezTo>
+                <a:cubicBezTo>
+                  <a:pt x="1265784" y="3664063"/>
+                  <a:pt x="1265784" y="3700909"/>
+                  <a:pt x="1248448" y="3729695"/>
+                </a:cubicBezTo>
+                <a:cubicBezTo>
+                  <a:pt x="1248448" y="3729695"/>
+                  <a:pt x="1248448" y="3729695"/>
+                  <a:pt x="980326" y="4191421"/>
+                </a:cubicBezTo>
+                <a:cubicBezTo>
+                  <a:pt x="964145" y="4221358"/>
+                  <a:pt x="931786" y="4239781"/>
+                  <a:pt x="898270" y="4239781"/>
+                </a:cubicBezTo>
+                <a:cubicBezTo>
+                  <a:pt x="898270" y="4239781"/>
+                  <a:pt x="898270" y="4239781"/>
+                  <a:pt x="363179" y="4239781"/>
+                </a:cubicBezTo>
+                <a:cubicBezTo>
+                  <a:pt x="328508" y="4239781"/>
+                  <a:pt x="297305" y="4221358"/>
+                  <a:pt x="279969" y="4191421"/>
+                </a:cubicBezTo>
+                <a:cubicBezTo>
+                  <a:pt x="279969" y="4191421"/>
+                  <a:pt x="279969" y="4191421"/>
+                  <a:pt x="13002" y="3729695"/>
+                </a:cubicBezTo>
+                <a:cubicBezTo>
+                  <a:pt x="-4334" y="3700909"/>
+                  <a:pt x="-4334" y="3664063"/>
+                  <a:pt x="13002" y="3635277"/>
+                </a:cubicBezTo>
+                <a:cubicBezTo>
+                  <a:pt x="13002" y="3635277"/>
+                  <a:pt x="13002" y="3635277"/>
+                  <a:pt x="279969" y="3173551"/>
+                </a:cubicBezTo>
+                <a:cubicBezTo>
+                  <a:pt x="297305" y="3143614"/>
+                  <a:pt x="328508" y="3125191"/>
+                  <a:pt x="363179" y="3125191"/>
+                </a:cubicBezTo>
+                <a:close/>
+                <a:moveTo>
+                  <a:pt x="2489721" y="570035"/>
+                </a:moveTo>
+                <a:cubicBezTo>
+                  <a:pt x="2489721" y="570035"/>
+                  <a:pt x="2489721" y="570035"/>
+                  <a:pt x="2764862" y="570035"/>
+                </a:cubicBezTo>
+                <a:lnTo>
+                  <a:pt x="2796959" y="570035"/>
+                </a:lnTo>
+                <a:lnTo>
+                  <a:pt x="2827587" y="622777"/>
+                </a:lnTo>
+                <a:cubicBezTo>
+                  <a:pt x="2870233" y="696217"/>
+                  <a:pt x="2919858" y="781675"/>
+                  <a:pt x="2977604" y="881117"/>
+                </a:cubicBezTo>
+                <a:cubicBezTo>
+                  <a:pt x="3004153" y="925204"/>
+                  <a:pt x="3004153" y="981634"/>
+                  <a:pt x="2977604" y="1025720"/>
+                </a:cubicBezTo>
+                <a:cubicBezTo>
+                  <a:pt x="2977604" y="1025720"/>
+                  <a:pt x="2977604" y="1025720"/>
+                  <a:pt x="2566968" y="1732863"/>
+                </a:cubicBezTo>
+                <a:cubicBezTo>
+                  <a:pt x="2542188" y="1778712"/>
+                  <a:pt x="2492629" y="1806927"/>
+                  <a:pt x="2441299" y="1806927"/>
+                </a:cubicBezTo>
+                <a:cubicBezTo>
+                  <a:pt x="2441299" y="1806927"/>
+                  <a:pt x="2441299" y="1806927"/>
+                  <a:pt x="1621798" y="1806927"/>
+                </a:cubicBezTo>
+                <a:cubicBezTo>
+                  <a:pt x="1608523" y="1806927"/>
+                  <a:pt x="1595580" y="1805163"/>
+                  <a:pt x="1583218" y="1801802"/>
+                </a:cubicBezTo>
+                <a:lnTo>
+                  <a:pt x="1556683" y="1790677"/>
+                </a:lnTo>
+                <a:lnTo>
+                  <a:pt x="1572899" y="1762630"/>
+                </a:lnTo>
+                <a:cubicBezTo>
+                  <a:pt x="1719523" y="1509042"/>
+                  <a:pt x="1907201" y="1184448"/>
+                  <a:pt x="2147429" y="768968"/>
+                </a:cubicBezTo>
+                <a:cubicBezTo>
+                  <a:pt x="2218739" y="645819"/>
+                  <a:pt x="2347099" y="570035"/>
+                  <a:pt x="2489721" y="570035"/>
+                </a:cubicBezTo>
+                <a:close/>
+                <a:moveTo>
+                  <a:pt x="1573268" y="0"/>
+                </a:moveTo>
+                <a:cubicBezTo>
+                  <a:pt x="1573268" y="0"/>
+                  <a:pt x="1573268" y="0"/>
+                  <a:pt x="2497662" y="0"/>
+                </a:cubicBezTo>
+                <a:cubicBezTo>
+                  <a:pt x="2555561" y="0"/>
+                  <a:pt x="2611463" y="31828"/>
+                  <a:pt x="2639415" y="83546"/>
+                </a:cubicBezTo>
+                <a:cubicBezTo>
+                  <a:pt x="2639415" y="83546"/>
+                  <a:pt x="2639415" y="83546"/>
+                  <a:pt x="2887862" y="511387"/>
+                </a:cubicBezTo>
+                <a:lnTo>
+                  <a:pt x="2915928" y="559720"/>
+                </a:lnTo>
+                <a:lnTo>
+                  <a:pt x="2893844" y="559720"/>
+                </a:lnTo>
+                <a:lnTo>
+                  <a:pt x="2789466" y="559720"/>
+                </a:lnTo>
+                <a:lnTo>
+                  <a:pt x="2744122" y="481634"/>
+                </a:lnTo>
+                <a:cubicBezTo>
+                  <a:pt x="2570885" y="183309"/>
+                  <a:pt x="2570885" y="183309"/>
+                  <a:pt x="2570885" y="183309"/>
+                </a:cubicBezTo>
+                <a:cubicBezTo>
+                  <a:pt x="2546104" y="137459"/>
+                  <a:pt x="2496545" y="109243"/>
+                  <a:pt x="2445216" y="109243"/>
+                </a:cubicBezTo>
+                <a:cubicBezTo>
+                  <a:pt x="1625714" y="109243"/>
+                  <a:pt x="1625714" y="109243"/>
+                  <a:pt x="1625714" y="109243"/>
+                </a:cubicBezTo>
+                <a:cubicBezTo>
+                  <a:pt x="1572615" y="109243"/>
+                  <a:pt x="1524825" y="137459"/>
+                  <a:pt x="1498276" y="183309"/>
+                </a:cubicBezTo>
+                <a:cubicBezTo>
+                  <a:pt x="1089410" y="890450"/>
+                  <a:pt x="1089410" y="890450"/>
+                  <a:pt x="1089410" y="890450"/>
+                </a:cubicBezTo>
+                <a:cubicBezTo>
+                  <a:pt x="1062860" y="934537"/>
+                  <a:pt x="1062860" y="990967"/>
+                  <a:pt x="1089410" y="1035054"/>
+                </a:cubicBezTo>
+                <a:cubicBezTo>
+                  <a:pt x="1498276" y="1742196"/>
+                  <a:pt x="1498276" y="1742196"/>
+                  <a:pt x="1498276" y="1742196"/>
+                </a:cubicBezTo>
+                <a:cubicBezTo>
+                  <a:pt x="1511551" y="1765121"/>
+                  <a:pt x="1530135" y="1783637"/>
+                  <a:pt x="1552039" y="1796422"/>
+                </a:cubicBezTo>
+                <a:lnTo>
+                  <a:pt x="1558260" y="1799029"/>
+                </a:lnTo>
+                <a:lnTo>
+                  <a:pt x="1524911" y="1856707"/>
+                </a:lnTo>
+                <a:lnTo>
+                  <a:pt x="1500108" y="1899604"/>
+                </a:lnTo>
+                <a:lnTo>
+                  <a:pt x="1525834" y="1910390"/>
+                </a:lnTo>
+                <a:cubicBezTo>
+                  <a:pt x="1539779" y="1914181"/>
+                  <a:pt x="1554378" y="1916170"/>
+                  <a:pt x="1569352" y="1916170"/>
+                </a:cubicBezTo>
+                <a:cubicBezTo>
+                  <a:pt x="2493745" y="1916170"/>
+                  <a:pt x="2493745" y="1916170"/>
+                  <a:pt x="2493745" y="1916170"/>
+                </a:cubicBezTo>
+                <a:cubicBezTo>
+                  <a:pt x="2551645" y="1916170"/>
+                  <a:pt x="2607546" y="1884345"/>
+                  <a:pt x="2635498" y="1832627"/>
+                </a:cubicBezTo>
+                <a:cubicBezTo>
+                  <a:pt x="3098693" y="1034974"/>
+                  <a:pt x="3098693" y="1034974"/>
+                  <a:pt x="3098693" y="1034974"/>
+                </a:cubicBezTo>
+                <a:cubicBezTo>
+                  <a:pt x="3128641" y="985246"/>
+                  <a:pt x="3128641" y="921593"/>
+                  <a:pt x="3098693" y="871863"/>
+                </a:cubicBezTo>
+                <a:cubicBezTo>
+                  <a:pt x="3040794" y="772157"/>
+                  <a:pt x="2990132" y="684914"/>
+                  <a:pt x="2945803" y="608576"/>
+                </a:cubicBezTo>
+                <a:lnTo>
+                  <a:pt x="2923422" y="570035"/>
+                </a:lnTo>
+                <a:lnTo>
+                  <a:pt x="3027104" y="570035"/>
+                </a:lnTo>
+                <a:cubicBezTo>
+                  <a:pt x="3349535" y="570035"/>
+                  <a:pt x="3865424" y="570035"/>
+                  <a:pt x="4690846" y="570035"/>
+                </a:cubicBezTo>
+                <a:cubicBezTo>
+                  <a:pt x="4828714" y="570035"/>
+                  <a:pt x="4961827" y="645819"/>
+                  <a:pt x="5028384" y="768968"/>
+                </a:cubicBezTo>
+                <a:cubicBezTo>
+                  <a:pt x="5028384" y="768968"/>
+                  <a:pt x="5028384" y="768968"/>
+                  <a:pt x="6131323" y="2668304"/>
+                </a:cubicBezTo>
+                <a:cubicBezTo>
+                  <a:pt x="6202634" y="2786717"/>
+                  <a:pt x="6202634" y="2938285"/>
+                  <a:pt x="6131323" y="3056698"/>
+                </a:cubicBezTo>
+                <a:cubicBezTo>
+                  <a:pt x="6131323" y="3056698"/>
+                  <a:pt x="6131323" y="3056698"/>
+                  <a:pt x="5028384" y="4956035"/>
+                </a:cubicBezTo>
+                <a:cubicBezTo>
+                  <a:pt x="4961827" y="5079184"/>
+                  <a:pt x="4828714" y="5154967"/>
+                  <a:pt x="4690846" y="5154967"/>
+                </a:cubicBezTo>
+                <a:cubicBezTo>
+                  <a:pt x="4690846" y="5154967"/>
+                  <a:pt x="4690846" y="5154967"/>
+                  <a:pt x="2489721" y="5154967"/>
+                </a:cubicBezTo>
+                <a:cubicBezTo>
+                  <a:pt x="2347099" y="5154967"/>
+                  <a:pt x="2218739" y="5079184"/>
+                  <a:pt x="2147429" y="4956035"/>
+                </a:cubicBezTo>
+                <a:cubicBezTo>
+                  <a:pt x="2147429" y="4956035"/>
+                  <a:pt x="2147429" y="4956035"/>
+                  <a:pt x="1049243" y="3056698"/>
+                </a:cubicBezTo>
+                <a:cubicBezTo>
+                  <a:pt x="977932" y="2938285"/>
+                  <a:pt x="977932" y="2786717"/>
+                  <a:pt x="1049243" y="2668304"/>
+                </a:cubicBezTo>
+                <a:cubicBezTo>
+                  <a:pt x="1049243" y="2668304"/>
+                  <a:pt x="1049243" y="2668304"/>
+                  <a:pt x="1457007" y="1963067"/>
+                </a:cubicBezTo>
+                <a:lnTo>
+                  <a:pt x="1491373" y="1903634"/>
+                </a:lnTo>
+                <a:lnTo>
+                  <a:pt x="1490164" y="1903127"/>
+                </a:lnTo>
+                <a:cubicBezTo>
+                  <a:pt x="1465456" y="1888705"/>
+                  <a:pt x="1444493" y="1867820"/>
+                  <a:pt x="1429519" y="1841960"/>
+                </a:cubicBezTo>
+                <a:cubicBezTo>
+                  <a:pt x="1429519" y="1841960"/>
+                  <a:pt x="1429519" y="1841960"/>
+                  <a:pt x="968320" y="1044307"/>
+                </a:cubicBezTo>
+                <a:cubicBezTo>
+                  <a:pt x="938371" y="994579"/>
+                  <a:pt x="938371" y="930926"/>
+                  <a:pt x="968320" y="881196"/>
+                </a:cubicBezTo>
+                <a:cubicBezTo>
+                  <a:pt x="968320" y="881196"/>
+                  <a:pt x="968320" y="881196"/>
+                  <a:pt x="1429519" y="83546"/>
+                </a:cubicBezTo>
+                <a:cubicBezTo>
+                  <a:pt x="1459466" y="31828"/>
+                  <a:pt x="1513373" y="0"/>
+                  <a:pt x="1573268" y="0"/>
+                </a:cubicBezTo>
+                <a:close/>
+              </a:path>
+            </a:pathLst>
+          </a:custGeom>
+          <a:solidFill>
+            <a:schemeClr val="tx1">
+              <a:lumMod val="50000"/>
+              <a:lumOff val="50000"/>
+              <a:alpha val="15000"/>
+            </a:schemeClr>
+          </a:solidFill>
+          <a:ln>
+            <a:noFill/>
+          </a:ln>
+        </p:spPr>
+        <p:style>
+          <a:lnRef idx="2">
+            <a:schemeClr val="accent1">
+              <a:shade val="50000"/>
+            </a:schemeClr>
+          </a:lnRef>
+          <a:fillRef idx="1">
+            <a:schemeClr val="accent1"/>
+          </a:fillRef>
+          <a:effectRef idx="0">
+            <a:schemeClr val="accent1"/>
+          </a:effectRef>
+          <a:fontRef idx="minor">
+            <a:schemeClr val="lt1"/>
+          </a:fontRef>
+        </p:style>
+        <p:txBody>
+          <a:bodyPr wrap="square" rtlCol="0" anchor="ctr">
+            <a:noAutofit/>
+          </a:bodyPr>
+          <a:lstStyle/>
+          <a:p>
+            <a:pPr algn="ctr"/>
+            <a:endParaRPr lang="en-US"/>
+          </a:p>
+        </p:txBody>
+      </p:sp>
+      <p:pic>
+        <p:nvPicPr>
+          <p:cNvPr id="5" name="Imagem 4" descr="Ícone&#10;&#10;Descrição gerada automaticamente">
+            <a:extLst>
+              <a:ext uri="{FF2B5EF4-FFF2-40B4-BE49-F238E27FC236}">
+                <a16:creationId xmlns:a16="http://schemas.microsoft.com/office/drawing/2014/main" id="{65AD7CBF-34B3-4089-8495-D673DD390E37}"/>
+              </a:ext>
+            </a:extLst>
+          </p:cNvPr>
+          <p:cNvPicPr>
+            <a:picLocks noChangeAspect="1"/>
+          </p:cNvPicPr>
+          <p:nvPr/>
+        </p:nvPicPr>
+        <p:blipFill>
+          <a:blip r:embed="rId2">
+            <a:extLst>
+              <a:ext uri="{28A0092B-C50C-407E-A947-70E740481C1C}">
+                <a14:useLocalDpi xmlns:a14="http://schemas.microsoft.com/office/drawing/2010/main" val="0"/>
+              </a:ext>
+            </a:extLst>
+          </a:blip>
+          <a:stretch>
+            <a:fillRect/>
+          </a:stretch>
+        </p:blipFill>
+        <p:spPr>
+          <a:xfrm>
+            <a:off x="7531503" y="2129307"/>
+            <a:ext cx="3217333" cy="3217333"/>
+          </a:xfrm>
+          <a:prstGeom prst="rect">
+            <a:avLst/>
+          </a:prstGeom>
+        </p:spPr>
+      </p:pic>
+    </p:spTree>
+    <p:extLst>
+      <p:ext uri="{BB962C8B-B14F-4D97-AF65-F5344CB8AC3E}">
+        <p14:creationId xmlns:p14="http://schemas.microsoft.com/office/powerpoint/2010/main" val="161489523"/>
+      </p:ext>
+    </p:extLst>
+  </p:cSld>
+  <p:clrMapOvr>
+    <a:masterClrMapping/>
+  </p:clrMapOvr>
+</p:sld>
+</file>
+
+<file path=ppt/slides/slide44.xml><?xml version="1.0" encoding="utf-8"?>
+<p:sld xmlns:a="http://schemas.openxmlformats.org/drawingml/2006/main" xmlns:r="http://schemas.openxmlformats.org/officeDocument/2006/relationships" xmlns:p="http://schemas.openxmlformats.org/presentationml/2006/main">
+  <p:cSld>
+    <p:spTree>
+      <p:nvGrpSpPr>
+        <p:cNvPr id="1" name=""/>
+        <p:cNvGrpSpPr/>
+        <p:nvPr/>
+      </p:nvGrpSpPr>
+      <p:grpSpPr>
+        <a:xfrm>
+          <a:off x="0" y="0"/>
+          <a:ext cx="0" cy="0"/>
+          <a:chOff x="0" y="0"/>
+          <a:chExt cx="0" cy="0"/>
+        </a:xfrm>
+      </p:grpSpPr>
+      <p:sp>
+        <p:nvSpPr>
+          <p:cNvPr id="2" name="Título 1">
+            <a:extLst>
+              <a:ext uri="{FF2B5EF4-FFF2-40B4-BE49-F238E27FC236}">
+                <a16:creationId xmlns:a16="http://schemas.microsoft.com/office/drawing/2014/main" id="{9A0CB290-6B69-45F0-908B-3D50CD709B01}"/>
+              </a:ext>
+            </a:extLst>
+          </p:cNvPr>
+          <p:cNvSpPr>
+            <a:spLocks noGrp="1"/>
+          </p:cNvSpPr>
+          <p:nvPr>
+            <p:ph type="title"/>
+          </p:nvPr>
+        </p:nvSpPr>
+        <p:spPr/>
+        <p:txBody>
+          <a:bodyPr>
+            <a:normAutofit fontScale="90000"/>
+          </a:bodyPr>
+          <a:lstStyle/>
+          <a:p>
+            <a:r>
+              <a:rPr lang="pt-BR" b="1" dirty="0"/>
+              <a:t>Conexão com </a:t>
+            </a:r>
+            <a:r>
+              <a:rPr lang="pt-BR" b="1" dirty="0" err="1"/>
+              <a:t>Trello</a:t>
+            </a:r>
+            <a:br>
+              <a:rPr lang="pt-BR" dirty="0"/>
+            </a:br>
+            <a:endParaRPr lang="pt-BR" dirty="0"/>
+          </a:p>
+        </p:txBody>
+      </p:sp>
+      <p:sp>
+        <p:nvSpPr>
+          <p:cNvPr id="9" name="Espaço Reservado para Texto 8">
+            <a:extLst>
+              <a:ext uri="{FF2B5EF4-FFF2-40B4-BE49-F238E27FC236}">
+                <a16:creationId xmlns:a16="http://schemas.microsoft.com/office/drawing/2014/main" id="{E1E67D10-0AC5-4E4A-9AA4-CAD40D4E41A0}"/>
+              </a:ext>
+            </a:extLst>
+          </p:cNvPr>
+          <p:cNvSpPr>
+            <a:spLocks noGrp="1"/>
+          </p:cNvSpPr>
+          <p:nvPr>
+            <p:ph type="body" sz="half" idx="2"/>
+          </p:nvPr>
+        </p:nvSpPr>
+        <p:spPr/>
+        <p:txBody>
+          <a:bodyPr>
+            <a:normAutofit/>
+          </a:bodyPr>
+          <a:lstStyle/>
+          <a:p>
+            <a:r>
+              <a:rPr lang="pt-BR" sz="2000" b="1" dirty="0">
+                <a:latin typeface="Courier New" panose="02070309020205020404" pitchFamily="49" charset="0"/>
+                <a:cs typeface="Courier New" panose="02070309020205020404" pitchFamily="49" charset="0"/>
+              </a:rPr>
+              <a:t>$ site </a:t>
+            </a:r>
+            <a:r>
+              <a:rPr lang="pt-BR" sz="2000" b="1" dirty="0" err="1">
+                <a:latin typeface="Courier New" panose="02070309020205020404" pitchFamily="49" charset="0"/>
+                <a:cs typeface="Courier New" panose="02070309020205020404" pitchFamily="49" charset="0"/>
+              </a:rPr>
+              <a:t>trello</a:t>
+            </a:r>
+            <a:r>
+              <a:rPr lang="pt-BR" sz="2000" b="1" dirty="0">
+                <a:latin typeface="Courier New" panose="02070309020205020404" pitchFamily="49" charset="0"/>
+                <a:cs typeface="Courier New" panose="02070309020205020404" pitchFamily="49" charset="0"/>
+              </a:rPr>
+              <a:t> </a:t>
+            </a:r>
+            <a:r>
+              <a:rPr lang="pt-BR" sz="2000" b="1" dirty="0" err="1">
+                <a:latin typeface="Courier New" panose="02070309020205020404" pitchFamily="49" charset="0"/>
+                <a:cs typeface="Courier New" panose="02070309020205020404" pitchFamily="49" charset="0"/>
+              </a:rPr>
+              <a:t>conn</a:t>
+            </a:r>
+            <a:r>
+              <a:rPr lang="pt-BR" sz="2000" b="1" dirty="0">
+                <a:latin typeface="Courier New" panose="02070309020205020404" pitchFamily="49" charset="0"/>
+                <a:cs typeface="Courier New" panose="02070309020205020404" pitchFamily="49" charset="0"/>
+              </a:rPr>
+              <a:t> </a:t>
+            </a:r>
+            <a:br>
+              <a:rPr lang="pt-BR" sz="2000" b="1" dirty="0">
+                <a:latin typeface="Courier New" panose="02070309020205020404" pitchFamily="49" charset="0"/>
+                <a:cs typeface="Courier New" panose="02070309020205020404" pitchFamily="49" charset="0"/>
+              </a:rPr>
+            </a:br>
+            <a:r>
+              <a:rPr lang="pt-BR" sz="2000" b="1" dirty="0">
+                <a:latin typeface="Courier New" panose="02070309020205020404" pitchFamily="49" charset="0"/>
+                <a:cs typeface="Courier New" panose="02070309020205020404" pitchFamily="49" charset="0"/>
+              </a:rPr>
+              <a:t>$ board </a:t>
+            </a:r>
+            <a:r>
+              <a:rPr lang="pt-BR" sz="2000" b="1" dirty="0" err="1">
+                <a:latin typeface="Courier New" panose="02070309020205020404" pitchFamily="49" charset="0"/>
+                <a:cs typeface="Courier New" panose="02070309020205020404" pitchFamily="49" charset="0"/>
+              </a:rPr>
+              <a:t>list</a:t>
+            </a:r>
+            <a:br>
+              <a:rPr lang="pt-BR" sz="2000" b="1" dirty="0">
+                <a:latin typeface="Courier New" panose="02070309020205020404" pitchFamily="49" charset="0"/>
+                <a:cs typeface="Courier New" panose="02070309020205020404" pitchFamily="49" charset="0"/>
+              </a:rPr>
+            </a:br>
+            <a:r>
+              <a:rPr lang="pt-BR" sz="2000" b="1" dirty="0">
+                <a:latin typeface="Courier New" panose="02070309020205020404" pitchFamily="49" charset="0"/>
+                <a:cs typeface="Courier New" panose="02070309020205020404" pitchFamily="49" charset="0"/>
+              </a:rPr>
+              <a:t>$ board </a:t>
+            </a:r>
+            <a:r>
+              <a:rPr lang="pt-BR" sz="2000" b="1" dirty="0" err="1">
+                <a:latin typeface="Courier New" panose="02070309020205020404" pitchFamily="49" charset="0"/>
+                <a:cs typeface="Courier New" panose="02070309020205020404" pitchFamily="49" charset="0"/>
+              </a:rPr>
+              <a:t>select</a:t>
+            </a:r>
+            <a:r>
+              <a:rPr lang="pt-BR" sz="2000" b="1" dirty="0">
+                <a:latin typeface="Courier New" panose="02070309020205020404" pitchFamily="49" charset="0"/>
+                <a:cs typeface="Courier New" panose="02070309020205020404" pitchFamily="49" charset="0"/>
+              </a:rPr>
+              <a:t> #1</a:t>
+            </a:r>
+            <a:br>
+              <a:rPr lang="pt-BR" sz="2000" b="1" dirty="0">
+                <a:latin typeface="Courier New" panose="02070309020205020404" pitchFamily="49" charset="0"/>
+                <a:cs typeface="Courier New" panose="02070309020205020404" pitchFamily="49" charset="0"/>
+              </a:rPr>
+            </a:br>
+            <a:r>
+              <a:rPr lang="pt-BR" sz="2000" b="1" dirty="0">
+                <a:latin typeface="Courier New" panose="02070309020205020404" pitchFamily="49" charset="0"/>
+                <a:cs typeface="Courier New" panose="02070309020205020404" pitchFamily="49" charset="0"/>
+              </a:rPr>
+              <a:t>$ card </a:t>
+            </a:r>
+            <a:r>
+              <a:rPr lang="pt-BR" sz="2000" b="1" dirty="0" err="1">
+                <a:latin typeface="Courier New" panose="02070309020205020404" pitchFamily="49" charset="0"/>
+                <a:cs typeface="Courier New" panose="02070309020205020404" pitchFamily="49" charset="0"/>
+              </a:rPr>
+              <a:t>list</a:t>
+            </a:r>
+            <a:r>
+              <a:rPr lang="pt-BR" sz="2000" b="1" dirty="0">
+                <a:latin typeface="Courier New" panose="02070309020205020404" pitchFamily="49" charset="0"/>
+                <a:cs typeface="Courier New" panose="02070309020205020404" pitchFamily="49" charset="0"/>
+              </a:rPr>
+              <a:t>-mine</a:t>
+            </a:r>
+            <a:br>
+              <a:rPr lang="pt-BR" sz="2000" b="1" dirty="0">
+                <a:latin typeface="Courier New" panose="02070309020205020404" pitchFamily="49" charset="0"/>
+                <a:cs typeface="Courier New" panose="02070309020205020404" pitchFamily="49" charset="0"/>
+              </a:rPr>
+            </a:br>
+            <a:r>
+              <a:rPr lang="pt-BR" sz="2000" b="1" dirty="0">
+                <a:latin typeface="Courier New" panose="02070309020205020404" pitchFamily="49" charset="0"/>
+                <a:cs typeface="Courier New" panose="02070309020205020404" pitchFamily="49" charset="0"/>
+              </a:rPr>
+              <a:t>:</a:t>
+            </a:r>
+            <a:br>
+              <a:rPr lang="pt-BR" sz="2000" b="1" dirty="0">
+                <a:latin typeface="Courier New" panose="02070309020205020404" pitchFamily="49" charset="0"/>
+                <a:cs typeface="Courier New" panose="02070309020205020404" pitchFamily="49" charset="0"/>
+              </a:rPr>
+            </a:br>
+            <a:r>
+              <a:rPr lang="pt-BR" sz="2000" b="1" dirty="0">
+                <a:latin typeface="Courier New" panose="02070309020205020404" pitchFamily="49" charset="0"/>
+                <a:cs typeface="Courier New" panose="02070309020205020404" pitchFamily="49" charset="0"/>
+              </a:rPr>
+              <a:t>$ </a:t>
+            </a:r>
+            <a:r>
+              <a:rPr lang="pt-BR" sz="2000" b="1" dirty="0" err="1">
+                <a:latin typeface="Courier New" panose="02070309020205020404" pitchFamily="49" charset="0"/>
+                <a:cs typeface="Courier New" panose="02070309020205020404" pitchFamily="49" charset="0"/>
+              </a:rPr>
+              <a:t>exit</a:t>
+            </a:r>
+            <a:br>
+              <a:rPr lang="pt-BR" b="1" dirty="0">
+                <a:latin typeface="Courier New" panose="02070309020205020404" pitchFamily="49" charset="0"/>
+                <a:cs typeface="Courier New" panose="02070309020205020404" pitchFamily="49" charset="0"/>
+              </a:rPr>
+            </a:br>
+            <a:endParaRPr lang="pt-BR" dirty="0"/>
+          </a:p>
+        </p:txBody>
+      </p:sp>
+      <p:pic>
+        <p:nvPicPr>
+          <p:cNvPr id="7" name="Espaço Reservado para Imagem 6">
+            <a:extLst>
+              <a:ext uri="{FF2B5EF4-FFF2-40B4-BE49-F238E27FC236}">
+                <a16:creationId xmlns:a16="http://schemas.microsoft.com/office/drawing/2014/main" id="{672E4E7B-EA07-4650-8689-75F65E39A4F6}"/>
+              </a:ext>
+            </a:extLst>
+          </p:cNvPr>
+          <p:cNvPicPr>
+            <a:picLocks noGrp="1" noChangeAspect="1"/>
+          </p:cNvPicPr>
+          <p:nvPr>
+            <p:ph type="pic" idx="1"/>
+          </p:nvPr>
+        </p:nvPicPr>
+        <p:blipFill rotWithShape="1">
+          <a:blip r:embed="rId2"/>
+          <a:srcRect t="2382" b="2382"/>
+          <a:stretch/>
+        </p:blipFill>
+        <p:spPr/>
+      </p:pic>
+    </p:spTree>
+    <p:extLst>
+      <p:ext uri="{BB962C8B-B14F-4D97-AF65-F5344CB8AC3E}">
+        <p14:creationId xmlns:p14="http://schemas.microsoft.com/office/powerpoint/2010/main" val="2827380671"/>
+      </p:ext>
+    </p:extLst>
+  </p:cSld>
+  <p:clrMapOvr>
+    <a:masterClrMapping/>
+  </p:clrMapOvr>
+</p:sld>
+</file>
+
+<file path=ppt/slides/slide45.xml><?xml version="1.0" encoding="utf-8"?>
+<p:sld xmlns:a="http://schemas.openxmlformats.org/drawingml/2006/main" xmlns:r="http://schemas.openxmlformats.org/officeDocument/2006/relationships" xmlns:p="http://schemas.openxmlformats.org/presentationml/2006/main">
+  <p:cSld>
+    <p:bg>
+      <p:bgPr>
+        <a:solidFill>
+          <a:schemeClr val="bg1"/>
+        </a:solidFill>
+        <a:effectLst/>
+      </p:bgPr>
+    </p:bg>
+    <p:spTree>
+      <p:nvGrpSpPr>
+        <p:cNvPr id="1" name=""/>
+        <p:cNvGrpSpPr/>
+        <p:nvPr/>
+      </p:nvGrpSpPr>
+      <p:grpSpPr>
+        <a:xfrm>
+          <a:off x="0" y="0"/>
+          <a:ext cx="0" cy="0"/>
+          <a:chOff x="0" y="0"/>
+          <a:chExt cx="0" cy="0"/>
+        </a:xfrm>
+      </p:grpSpPr>
+      <p:sp useBgFill="1">
+        <p:nvSpPr>
+          <p:cNvPr id="39" name="Rectangle 38">
+            <a:extLst>
+              <a:ext uri="{FF2B5EF4-FFF2-40B4-BE49-F238E27FC236}">
+                <a16:creationId xmlns:a16="http://schemas.microsoft.com/office/drawing/2014/main" id="{3E443FD7-A66B-4AA0-872D-B088B9BC5F17}"/>
+              </a:ext>
+              <a:ext uri="{C183D7F6-B498-43B3-948B-1728B52AA6E4}">
+                <adec:decorative xmlns:adec="http://schemas.microsoft.com/office/drawing/2017/decorative" val="1"/>
+              </a:ext>
+            </a:extLst>
+          </p:cNvPr>
+          <p:cNvSpPr>
+            <a:spLocks noGrp="1" noRot="1" noChangeAspect="1" noMove="1" noResize="1" noEditPoints="1" noAdjustHandles="1" noChangeArrowheads="1" noChangeShapeType="1" noTextEdit="1"/>
+          </p:cNvSpPr>
+          <p:nvPr>
+            <p:extLst>
+              <p:ext uri="{386F3935-93C4-4BCD-93E2-E3B085C9AB24}">
+                <p16:designElem xmlns:p16="http://schemas.microsoft.com/office/powerpoint/2015/main" val="1"/>
+              </p:ext>
+            </p:extLst>
+          </p:nvPr>
+        </p:nvSpPr>
+        <p:spPr>
+          <a:xfrm>
+            <a:off x="0" y="0"/>
+            <a:ext cx="12192000" cy="6858000"/>
+          </a:xfrm>
+          <a:prstGeom prst="rect">
+            <a:avLst/>
+          </a:prstGeom>
+          <a:ln>
+            <a:noFill/>
+          </a:ln>
+        </p:spPr>
+        <p:style>
+          <a:lnRef idx="2">
+            <a:schemeClr val="accent1">
+              <a:shade val="50000"/>
+            </a:schemeClr>
+          </a:lnRef>
+          <a:fillRef idx="1">
+            <a:schemeClr val="accent1"/>
+          </a:fillRef>
+          <a:effectRef idx="0">
+            <a:schemeClr val="accent1"/>
+          </a:effectRef>
+          <a:fontRef idx="minor">
+            <a:schemeClr val="lt1"/>
+          </a:fontRef>
+        </p:style>
+        <p:txBody>
+          <a:bodyPr rtlCol="0" anchor="ctr"/>
+          <a:lstStyle/>
+          <a:p>
+            <a:pPr algn="ctr"/>
+            <a:endParaRPr lang="en-US"/>
+          </a:p>
+        </p:txBody>
+      </p:sp>
+      <p:sp>
+        <p:nvSpPr>
+          <p:cNvPr id="2" name="Título 1">
+            <a:extLst>
+              <a:ext uri="{FF2B5EF4-FFF2-40B4-BE49-F238E27FC236}">
+                <a16:creationId xmlns:a16="http://schemas.microsoft.com/office/drawing/2014/main" id="{9B5DD48C-039E-43C7-B060-771CB2A8EF2B}"/>
+              </a:ext>
+            </a:extLst>
+          </p:cNvPr>
+          <p:cNvSpPr>
+            <a:spLocks noGrp="1"/>
+          </p:cNvSpPr>
+          <p:nvPr>
+            <p:ph type="ctrTitle"/>
+          </p:nvPr>
+        </p:nvSpPr>
+        <p:spPr>
+          <a:xfrm>
+            <a:off x="1094095" y="851517"/>
+            <a:ext cx="5238466" cy="2991416"/>
+          </a:xfrm>
+        </p:spPr>
+        <p:txBody>
+          <a:bodyPr anchor="b">
+            <a:normAutofit/>
+          </a:bodyPr>
+          <a:lstStyle/>
+          <a:p>
+            <a:pPr algn="l"/>
+            <a:r>
+              <a:rPr lang="pt-BR" b="1" dirty="0"/>
+              <a:t>Site </a:t>
+            </a:r>
+            <a:r>
+              <a:rPr lang="pt-BR" b="1" dirty="0" err="1"/>
+              <a:t>Refs</a:t>
+            </a:r>
+            <a:r>
+              <a:rPr lang="pt-BR" b="1" dirty="0"/>
+              <a:t> </a:t>
+            </a:r>
+            <a:r>
+              <a:rPr lang="pt-BR" b="1" dirty="0" err="1"/>
+              <a:t>Obrasutils</a:t>
+            </a:r>
+            <a:endParaRPr lang="pt-BR" b="1" dirty="0"/>
+          </a:p>
+        </p:txBody>
+      </p:sp>
+      <p:sp>
+        <p:nvSpPr>
+          <p:cNvPr id="3" name="Subtítulo 2">
+            <a:extLst>
+              <a:ext uri="{FF2B5EF4-FFF2-40B4-BE49-F238E27FC236}">
+                <a16:creationId xmlns:a16="http://schemas.microsoft.com/office/drawing/2014/main" id="{44095AEF-9434-45FE-BB86-7BC5AABE5432}"/>
+              </a:ext>
+            </a:extLst>
+          </p:cNvPr>
+          <p:cNvSpPr>
+            <a:spLocks noGrp="1"/>
+          </p:cNvSpPr>
+          <p:nvPr>
+            <p:ph type="subTitle" idx="1"/>
+          </p:nvPr>
+        </p:nvSpPr>
+        <p:spPr>
+          <a:xfrm>
+            <a:off x="1094096" y="3842932"/>
+            <a:ext cx="4167115" cy="2163551"/>
+          </a:xfrm>
+        </p:spPr>
+        <p:txBody>
+          <a:bodyPr anchor="t">
+            <a:normAutofit/>
+          </a:bodyPr>
+          <a:lstStyle/>
+          <a:p>
+            <a:pPr algn="l"/>
+            <a:r>
+              <a:rPr lang="pt-BR" b="1" dirty="0"/>
+              <a:t>Referências</a:t>
+            </a:r>
+          </a:p>
+        </p:txBody>
+      </p:sp>
+      <p:sp>
+        <p:nvSpPr>
+          <p:cNvPr id="41" name="Freeform: Shape 40">
+            <a:extLst>
+              <a:ext uri="{FF2B5EF4-FFF2-40B4-BE49-F238E27FC236}">
+                <a16:creationId xmlns:a16="http://schemas.microsoft.com/office/drawing/2014/main" id="{C04BE0EF-3561-49B4-9A29-F283168A91C7}"/>
+              </a:ext>
+              <a:ext uri="{C183D7F6-B498-43B3-948B-1728B52AA6E4}">
+                <adec:decorative xmlns:adec="http://schemas.microsoft.com/office/drawing/2017/decorative" val="1"/>
+              </a:ext>
+            </a:extLst>
+          </p:cNvPr>
+          <p:cNvSpPr>
+            <a:spLocks noGrp="1" noRot="1" noChangeAspect="1" noMove="1" noResize="1" noEditPoints="1" noAdjustHandles="1" noChangeArrowheads="1" noChangeShapeType="1" noTextEdit="1"/>
+          </p:cNvSpPr>
+          <p:nvPr>
+            <p:extLst>
+              <p:ext uri="{386F3935-93C4-4BCD-93E2-E3B085C9AB24}">
+                <p16:designElem xmlns:p16="http://schemas.microsoft.com/office/powerpoint/2015/main" val="1"/>
+              </p:ext>
+            </p:extLst>
+          </p:nvPr>
+        </p:nvSpPr>
+        <p:spPr>
+          <a:xfrm>
+            <a:off x="5510370" y="851518"/>
+            <a:ext cx="6184806" cy="5154967"/>
+          </a:xfrm>
+          <a:custGeom>
+            <a:avLst/>
+            <a:gdLst>
+              <a:gd name="connsiteX0" fmla="*/ 363179 w 6184806"/>
+              <a:gd name="connsiteY0" fmla="*/ 3125191 h 5154967"/>
+              <a:gd name="connsiteX1" fmla="*/ 898270 w 6184806"/>
+              <a:gd name="connsiteY1" fmla="*/ 3125191 h 5154967"/>
+              <a:gd name="connsiteX2" fmla="*/ 980326 w 6184806"/>
+              <a:gd name="connsiteY2" fmla="*/ 3173551 h 5154967"/>
+              <a:gd name="connsiteX3" fmla="*/ 1248448 w 6184806"/>
+              <a:gd name="connsiteY3" fmla="*/ 3635277 h 5154967"/>
+              <a:gd name="connsiteX4" fmla="*/ 1248448 w 6184806"/>
+              <a:gd name="connsiteY4" fmla="*/ 3729695 h 5154967"/>
+              <a:gd name="connsiteX5" fmla="*/ 980326 w 6184806"/>
+              <a:gd name="connsiteY5" fmla="*/ 4191421 h 5154967"/>
+              <a:gd name="connsiteX6" fmla="*/ 898270 w 6184806"/>
+              <a:gd name="connsiteY6" fmla="*/ 4239781 h 5154967"/>
+              <a:gd name="connsiteX7" fmla="*/ 363179 w 6184806"/>
+              <a:gd name="connsiteY7" fmla="*/ 4239781 h 5154967"/>
+              <a:gd name="connsiteX8" fmla="*/ 279969 w 6184806"/>
+              <a:gd name="connsiteY8" fmla="*/ 4191421 h 5154967"/>
+              <a:gd name="connsiteX9" fmla="*/ 13002 w 6184806"/>
+              <a:gd name="connsiteY9" fmla="*/ 3729695 h 5154967"/>
+              <a:gd name="connsiteX10" fmla="*/ 13002 w 6184806"/>
+              <a:gd name="connsiteY10" fmla="*/ 3635277 h 5154967"/>
+              <a:gd name="connsiteX11" fmla="*/ 279969 w 6184806"/>
+              <a:gd name="connsiteY11" fmla="*/ 3173551 h 5154967"/>
+              <a:gd name="connsiteX12" fmla="*/ 363179 w 6184806"/>
+              <a:gd name="connsiteY12" fmla="*/ 3125191 h 5154967"/>
+              <a:gd name="connsiteX13" fmla="*/ 2489721 w 6184806"/>
+              <a:gd name="connsiteY13" fmla="*/ 570035 h 5154967"/>
+              <a:gd name="connsiteX14" fmla="*/ 2764862 w 6184806"/>
+              <a:gd name="connsiteY14" fmla="*/ 570035 h 5154967"/>
+              <a:gd name="connsiteX15" fmla="*/ 2796959 w 6184806"/>
+              <a:gd name="connsiteY15" fmla="*/ 570035 h 5154967"/>
+              <a:gd name="connsiteX16" fmla="*/ 2827587 w 6184806"/>
+              <a:gd name="connsiteY16" fmla="*/ 622777 h 5154967"/>
+              <a:gd name="connsiteX17" fmla="*/ 2977604 w 6184806"/>
+              <a:gd name="connsiteY17" fmla="*/ 881117 h 5154967"/>
+              <a:gd name="connsiteX18" fmla="*/ 2977604 w 6184806"/>
+              <a:gd name="connsiteY18" fmla="*/ 1025720 h 5154967"/>
+              <a:gd name="connsiteX19" fmla="*/ 2566968 w 6184806"/>
+              <a:gd name="connsiteY19" fmla="*/ 1732863 h 5154967"/>
+              <a:gd name="connsiteX20" fmla="*/ 2441299 w 6184806"/>
+              <a:gd name="connsiteY20" fmla="*/ 1806927 h 5154967"/>
+              <a:gd name="connsiteX21" fmla="*/ 1621798 w 6184806"/>
+              <a:gd name="connsiteY21" fmla="*/ 1806927 h 5154967"/>
+              <a:gd name="connsiteX22" fmla="*/ 1583218 w 6184806"/>
+              <a:gd name="connsiteY22" fmla="*/ 1801802 h 5154967"/>
+              <a:gd name="connsiteX23" fmla="*/ 1556683 w 6184806"/>
+              <a:gd name="connsiteY23" fmla="*/ 1790677 h 5154967"/>
+              <a:gd name="connsiteX24" fmla="*/ 1572899 w 6184806"/>
+              <a:gd name="connsiteY24" fmla="*/ 1762630 h 5154967"/>
+              <a:gd name="connsiteX25" fmla="*/ 2147429 w 6184806"/>
+              <a:gd name="connsiteY25" fmla="*/ 768968 h 5154967"/>
+              <a:gd name="connsiteX26" fmla="*/ 2489721 w 6184806"/>
+              <a:gd name="connsiteY26" fmla="*/ 570035 h 5154967"/>
+              <a:gd name="connsiteX27" fmla="*/ 1573268 w 6184806"/>
+              <a:gd name="connsiteY27" fmla="*/ 0 h 5154967"/>
+              <a:gd name="connsiteX28" fmla="*/ 2497662 w 6184806"/>
+              <a:gd name="connsiteY28" fmla="*/ 0 h 5154967"/>
+              <a:gd name="connsiteX29" fmla="*/ 2639415 w 6184806"/>
+              <a:gd name="connsiteY29" fmla="*/ 83546 h 5154967"/>
+              <a:gd name="connsiteX30" fmla="*/ 2887862 w 6184806"/>
+              <a:gd name="connsiteY30" fmla="*/ 511387 h 5154967"/>
+              <a:gd name="connsiteX31" fmla="*/ 2915928 w 6184806"/>
+              <a:gd name="connsiteY31" fmla="*/ 559720 h 5154967"/>
+              <a:gd name="connsiteX32" fmla="*/ 2893844 w 6184806"/>
+              <a:gd name="connsiteY32" fmla="*/ 559720 h 5154967"/>
+              <a:gd name="connsiteX33" fmla="*/ 2789466 w 6184806"/>
+              <a:gd name="connsiteY33" fmla="*/ 559720 h 5154967"/>
+              <a:gd name="connsiteX34" fmla="*/ 2744122 w 6184806"/>
+              <a:gd name="connsiteY34" fmla="*/ 481634 h 5154967"/>
+              <a:gd name="connsiteX35" fmla="*/ 2570885 w 6184806"/>
+              <a:gd name="connsiteY35" fmla="*/ 183309 h 5154967"/>
+              <a:gd name="connsiteX36" fmla="*/ 2445216 w 6184806"/>
+              <a:gd name="connsiteY36" fmla="*/ 109243 h 5154967"/>
+              <a:gd name="connsiteX37" fmla="*/ 1625714 w 6184806"/>
+              <a:gd name="connsiteY37" fmla="*/ 109243 h 5154967"/>
+              <a:gd name="connsiteX38" fmla="*/ 1498276 w 6184806"/>
+              <a:gd name="connsiteY38" fmla="*/ 183309 h 5154967"/>
+              <a:gd name="connsiteX39" fmla="*/ 1089410 w 6184806"/>
+              <a:gd name="connsiteY39" fmla="*/ 890450 h 5154967"/>
+              <a:gd name="connsiteX40" fmla="*/ 1089410 w 6184806"/>
+              <a:gd name="connsiteY40" fmla="*/ 1035054 h 5154967"/>
+              <a:gd name="connsiteX41" fmla="*/ 1498276 w 6184806"/>
+              <a:gd name="connsiteY41" fmla="*/ 1742196 h 5154967"/>
+              <a:gd name="connsiteX42" fmla="*/ 1552039 w 6184806"/>
+              <a:gd name="connsiteY42" fmla="*/ 1796422 h 5154967"/>
+              <a:gd name="connsiteX43" fmla="*/ 1558260 w 6184806"/>
+              <a:gd name="connsiteY43" fmla="*/ 1799029 h 5154967"/>
+              <a:gd name="connsiteX44" fmla="*/ 1524911 w 6184806"/>
+              <a:gd name="connsiteY44" fmla="*/ 1856707 h 5154967"/>
+              <a:gd name="connsiteX45" fmla="*/ 1500108 w 6184806"/>
+              <a:gd name="connsiteY45" fmla="*/ 1899604 h 5154967"/>
+              <a:gd name="connsiteX46" fmla="*/ 1525834 w 6184806"/>
+              <a:gd name="connsiteY46" fmla="*/ 1910390 h 5154967"/>
+              <a:gd name="connsiteX47" fmla="*/ 1569352 w 6184806"/>
+              <a:gd name="connsiteY47" fmla="*/ 1916170 h 5154967"/>
+              <a:gd name="connsiteX48" fmla="*/ 2493745 w 6184806"/>
+              <a:gd name="connsiteY48" fmla="*/ 1916170 h 5154967"/>
+              <a:gd name="connsiteX49" fmla="*/ 2635498 w 6184806"/>
+              <a:gd name="connsiteY49" fmla="*/ 1832627 h 5154967"/>
+              <a:gd name="connsiteX50" fmla="*/ 3098693 w 6184806"/>
+              <a:gd name="connsiteY50" fmla="*/ 1034974 h 5154967"/>
+              <a:gd name="connsiteX51" fmla="*/ 3098693 w 6184806"/>
+              <a:gd name="connsiteY51" fmla="*/ 871863 h 5154967"/>
+              <a:gd name="connsiteX52" fmla="*/ 2945803 w 6184806"/>
+              <a:gd name="connsiteY52" fmla="*/ 608576 h 5154967"/>
+              <a:gd name="connsiteX53" fmla="*/ 2923422 w 6184806"/>
+              <a:gd name="connsiteY53" fmla="*/ 570035 h 5154967"/>
+              <a:gd name="connsiteX54" fmla="*/ 3027104 w 6184806"/>
+              <a:gd name="connsiteY54" fmla="*/ 570035 h 5154967"/>
+              <a:gd name="connsiteX55" fmla="*/ 4690846 w 6184806"/>
+              <a:gd name="connsiteY55" fmla="*/ 570035 h 5154967"/>
+              <a:gd name="connsiteX56" fmla="*/ 5028384 w 6184806"/>
+              <a:gd name="connsiteY56" fmla="*/ 768968 h 5154967"/>
+              <a:gd name="connsiteX57" fmla="*/ 6131323 w 6184806"/>
+              <a:gd name="connsiteY57" fmla="*/ 2668304 h 5154967"/>
+              <a:gd name="connsiteX58" fmla="*/ 6131323 w 6184806"/>
+              <a:gd name="connsiteY58" fmla="*/ 3056698 h 5154967"/>
+              <a:gd name="connsiteX59" fmla="*/ 5028384 w 6184806"/>
+              <a:gd name="connsiteY59" fmla="*/ 4956035 h 5154967"/>
+              <a:gd name="connsiteX60" fmla="*/ 4690846 w 6184806"/>
+              <a:gd name="connsiteY60" fmla="*/ 5154967 h 5154967"/>
+              <a:gd name="connsiteX61" fmla="*/ 2489721 w 6184806"/>
+              <a:gd name="connsiteY61" fmla="*/ 5154967 h 5154967"/>
+              <a:gd name="connsiteX62" fmla="*/ 2147429 w 6184806"/>
+              <a:gd name="connsiteY62" fmla="*/ 4956035 h 5154967"/>
+              <a:gd name="connsiteX63" fmla="*/ 1049243 w 6184806"/>
+              <a:gd name="connsiteY63" fmla="*/ 3056698 h 5154967"/>
+              <a:gd name="connsiteX64" fmla="*/ 1049243 w 6184806"/>
+              <a:gd name="connsiteY64" fmla="*/ 2668304 h 5154967"/>
+              <a:gd name="connsiteX65" fmla="*/ 1457007 w 6184806"/>
+              <a:gd name="connsiteY65" fmla="*/ 1963067 h 5154967"/>
+              <a:gd name="connsiteX66" fmla="*/ 1491373 w 6184806"/>
+              <a:gd name="connsiteY66" fmla="*/ 1903634 h 5154967"/>
+              <a:gd name="connsiteX67" fmla="*/ 1490164 w 6184806"/>
+              <a:gd name="connsiteY67" fmla="*/ 1903127 h 5154967"/>
+              <a:gd name="connsiteX68" fmla="*/ 1429519 w 6184806"/>
+              <a:gd name="connsiteY68" fmla="*/ 1841960 h 5154967"/>
+              <a:gd name="connsiteX69" fmla="*/ 968320 w 6184806"/>
+              <a:gd name="connsiteY69" fmla="*/ 1044307 h 5154967"/>
+              <a:gd name="connsiteX70" fmla="*/ 968320 w 6184806"/>
+              <a:gd name="connsiteY70" fmla="*/ 881196 h 5154967"/>
+              <a:gd name="connsiteX71" fmla="*/ 1429519 w 6184806"/>
+              <a:gd name="connsiteY71" fmla="*/ 83546 h 5154967"/>
+              <a:gd name="connsiteX72" fmla="*/ 1573268 w 6184806"/>
+              <a:gd name="connsiteY72" fmla="*/ 0 h 5154967"/>
+            </a:gdLst>
+            <a:ahLst/>
+            <a:cxnLst>
+              <a:cxn ang="0">
+                <a:pos x="connsiteX0" y="connsiteY0"/>
+              </a:cxn>
+              <a:cxn ang="0">
+                <a:pos x="connsiteX1" y="connsiteY1"/>
+              </a:cxn>
+              <a:cxn ang="0">
+                <a:pos x="connsiteX2" y="connsiteY2"/>
+              </a:cxn>
+              <a:cxn ang="0">
+                <a:pos x="connsiteX3" y="connsiteY3"/>
+              </a:cxn>
+              <a:cxn ang="0">
+                <a:pos x="connsiteX4" y="connsiteY4"/>
+              </a:cxn>
+              <a:cxn ang="0">
+                <a:pos x="connsiteX5" y="connsiteY5"/>
+              </a:cxn>
+              <a:cxn ang="0">
+                <a:pos x="connsiteX6" y="connsiteY6"/>
+              </a:cxn>
+              <a:cxn ang="0">
+                <a:pos x="connsiteX7" y="connsiteY7"/>
+              </a:cxn>
+              <a:cxn ang="0">
+                <a:pos x="connsiteX8" y="connsiteY8"/>
+              </a:cxn>
+              <a:cxn ang="0">
+                <a:pos x="connsiteX9" y="connsiteY9"/>
+              </a:cxn>
+              <a:cxn ang="0">
+                <a:pos x="connsiteX10" y="connsiteY10"/>
+              </a:cxn>
+              <a:cxn ang="0">
+                <a:pos x="connsiteX11" y="connsiteY11"/>
+              </a:cxn>
+              <a:cxn ang="0">
+                <a:pos x="connsiteX12" y="connsiteY12"/>
+              </a:cxn>
+              <a:cxn ang="0">
+                <a:pos x="connsiteX13" y="connsiteY13"/>
+              </a:cxn>
+              <a:cxn ang="0">
+                <a:pos x="connsiteX14" y="connsiteY14"/>
+              </a:cxn>
+              <a:cxn ang="0">
+                <a:pos x="connsiteX15" y="connsiteY15"/>
+              </a:cxn>
+              <a:cxn ang="0">
+                <a:pos x="connsiteX16" y="connsiteY16"/>
+              </a:cxn>
+              <a:cxn ang="0">
+                <a:pos x="connsiteX17" y="connsiteY17"/>
+              </a:cxn>
+              <a:cxn ang="0">
+                <a:pos x="connsiteX18" y="connsiteY18"/>
+              </a:cxn>
+              <a:cxn ang="0">
+                <a:pos x="connsiteX19" y="connsiteY19"/>
+              </a:cxn>
+              <a:cxn ang="0">
+                <a:pos x="connsiteX20" y="connsiteY20"/>
+              </a:cxn>
+              <a:cxn ang="0">
+                <a:pos x="connsiteX21" y="connsiteY21"/>
+              </a:cxn>
+              <a:cxn ang="0">
+                <a:pos x="connsiteX22" y="connsiteY22"/>
+              </a:cxn>
+              <a:cxn ang="0">
+                <a:pos x="connsiteX23" y="connsiteY23"/>
+              </a:cxn>
+              <a:cxn ang="0">
+                <a:pos x="connsiteX24" y="connsiteY24"/>
+              </a:cxn>
+              <a:cxn ang="0">
+                <a:pos x="connsiteX25" y="connsiteY25"/>
+              </a:cxn>
+              <a:cxn ang="0">
+                <a:pos x="connsiteX26" y="connsiteY26"/>
+              </a:cxn>
+              <a:cxn ang="0">
+                <a:pos x="connsiteX27" y="connsiteY27"/>
+              </a:cxn>
+              <a:cxn ang="0">
+                <a:pos x="connsiteX28" y="connsiteY28"/>
+              </a:cxn>
+              <a:cxn ang="0">
+                <a:pos x="connsiteX29" y="connsiteY29"/>
+              </a:cxn>
+              <a:cxn ang="0">
+                <a:pos x="connsiteX30" y="connsiteY30"/>
+              </a:cxn>
+              <a:cxn ang="0">
+                <a:pos x="connsiteX31" y="connsiteY31"/>
+              </a:cxn>
+              <a:cxn ang="0">
+                <a:pos x="connsiteX32" y="connsiteY32"/>
+              </a:cxn>
+              <a:cxn ang="0">
+                <a:pos x="connsiteX33" y="connsiteY33"/>
+              </a:cxn>
+              <a:cxn ang="0">
+                <a:pos x="connsiteX34" y="connsiteY34"/>
+              </a:cxn>
+              <a:cxn ang="0">
+                <a:pos x="connsiteX35" y="connsiteY35"/>
+              </a:cxn>
+              <a:cxn ang="0">
+                <a:pos x="connsiteX36" y="connsiteY36"/>
+              </a:cxn>
+              <a:cxn ang="0">
+                <a:pos x="connsiteX37" y="connsiteY37"/>
+              </a:cxn>
+              <a:cxn ang="0">
+                <a:pos x="connsiteX38" y="connsiteY38"/>
+              </a:cxn>
+              <a:cxn ang="0">
+                <a:pos x="connsiteX39" y="connsiteY39"/>
+              </a:cxn>
+              <a:cxn ang="0">
+                <a:pos x="connsiteX40" y="connsiteY40"/>
+              </a:cxn>
+              <a:cxn ang="0">
+                <a:pos x="connsiteX41" y="connsiteY41"/>
+              </a:cxn>
+              <a:cxn ang="0">
+                <a:pos x="connsiteX42" y="connsiteY42"/>
+              </a:cxn>
+              <a:cxn ang="0">
+                <a:pos x="connsiteX43" y="connsiteY43"/>
+              </a:cxn>
+              <a:cxn ang="0">
+                <a:pos x="connsiteX44" y="connsiteY44"/>
+              </a:cxn>
+              <a:cxn ang="0">
+                <a:pos x="connsiteX45" y="connsiteY45"/>
+              </a:cxn>
+              <a:cxn ang="0">
+                <a:pos x="connsiteX46" y="connsiteY46"/>
+              </a:cxn>
+              <a:cxn ang="0">
+                <a:pos x="connsiteX47" y="connsiteY47"/>
+              </a:cxn>
+              <a:cxn ang="0">
+                <a:pos x="connsiteX48" y="connsiteY48"/>
+              </a:cxn>
+              <a:cxn ang="0">
+                <a:pos x="connsiteX49" y="connsiteY49"/>
+              </a:cxn>
+              <a:cxn ang="0">
+                <a:pos x="connsiteX50" y="connsiteY50"/>
+              </a:cxn>
+              <a:cxn ang="0">
+                <a:pos x="connsiteX51" y="connsiteY51"/>
+              </a:cxn>
+              <a:cxn ang="0">
+                <a:pos x="connsiteX52" y="connsiteY52"/>
+              </a:cxn>
+              <a:cxn ang="0">
+                <a:pos x="connsiteX53" y="connsiteY53"/>
+              </a:cxn>
+              <a:cxn ang="0">
+                <a:pos x="connsiteX54" y="connsiteY54"/>
+              </a:cxn>
+              <a:cxn ang="0">
+                <a:pos x="connsiteX55" y="connsiteY55"/>
+              </a:cxn>
+              <a:cxn ang="0">
+                <a:pos x="connsiteX56" y="connsiteY56"/>
+              </a:cxn>
+              <a:cxn ang="0">
+                <a:pos x="connsiteX57" y="connsiteY57"/>
+              </a:cxn>
+              <a:cxn ang="0">
+                <a:pos x="connsiteX58" y="connsiteY58"/>
+              </a:cxn>
+              <a:cxn ang="0">
+                <a:pos x="connsiteX59" y="connsiteY59"/>
+              </a:cxn>
+              <a:cxn ang="0">
+                <a:pos x="connsiteX60" y="connsiteY60"/>
+              </a:cxn>
+              <a:cxn ang="0">
+                <a:pos x="connsiteX61" y="connsiteY61"/>
+              </a:cxn>
+              <a:cxn ang="0">
+                <a:pos x="connsiteX62" y="connsiteY62"/>
+              </a:cxn>
+              <a:cxn ang="0">
+                <a:pos x="connsiteX63" y="connsiteY63"/>
+              </a:cxn>
+              <a:cxn ang="0">
+                <a:pos x="connsiteX64" y="connsiteY64"/>
+              </a:cxn>
+              <a:cxn ang="0">
+                <a:pos x="connsiteX65" y="connsiteY65"/>
+              </a:cxn>
+              <a:cxn ang="0">
+                <a:pos x="connsiteX66" y="connsiteY66"/>
+              </a:cxn>
+              <a:cxn ang="0">
+                <a:pos x="connsiteX67" y="connsiteY67"/>
+              </a:cxn>
+              <a:cxn ang="0">
+                <a:pos x="connsiteX68" y="connsiteY68"/>
+              </a:cxn>
+              <a:cxn ang="0">
+                <a:pos x="connsiteX69" y="connsiteY69"/>
+              </a:cxn>
+              <a:cxn ang="0">
+                <a:pos x="connsiteX70" y="connsiteY70"/>
+              </a:cxn>
+              <a:cxn ang="0">
+                <a:pos x="connsiteX71" y="connsiteY71"/>
+              </a:cxn>
+              <a:cxn ang="0">
+                <a:pos x="connsiteX72" y="connsiteY72"/>
+              </a:cxn>
+            </a:cxnLst>
+            <a:rect l="l" t="t" r="r" b="b"/>
+            <a:pathLst>
+              <a:path w="6184806" h="5154967">
+                <a:moveTo>
+                  <a:pt x="363179" y="3125191"/>
+                </a:moveTo>
+                <a:cubicBezTo>
+                  <a:pt x="363179" y="3125191"/>
+                  <a:pt x="363179" y="3125191"/>
+                  <a:pt x="898270" y="3125191"/>
+                </a:cubicBezTo>
+                <a:cubicBezTo>
+                  <a:pt x="931786" y="3125191"/>
+                  <a:pt x="964145" y="3143614"/>
+                  <a:pt x="980326" y="3173551"/>
+                </a:cubicBezTo>
+                <a:cubicBezTo>
+                  <a:pt x="980326" y="3173551"/>
+                  <a:pt x="980326" y="3173551"/>
+                  <a:pt x="1248448" y="3635277"/>
+                </a:cubicBezTo>
+                <a:cubicBezTo>
+                  <a:pt x="1265784" y="3664063"/>
+                  <a:pt x="1265784" y="3700909"/>
+                  <a:pt x="1248448" y="3729695"/>
+                </a:cubicBezTo>
+                <a:cubicBezTo>
+                  <a:pt x="1248448" y="3729695"/>
+                  <a:pt x="1248448" y="3729695"/>
+                  <a:pt x="980326" y="4191421"/>
+                </a:cubicBezTo>
+                <a:cubicBezTo>
+                  <a:pt x="964145" y="4221358"/>
+                  <a:pt x="931786" y="4239781"/>
+                  <a:pt x="898270" y="4239781"/>
+                </a:cubicBezTo>
+                <a:cubicBezTo>
+                  <a:pt x="898270" y="4239781"/>
+                  <a:pt x="898270" y="4239781"/>
+                  <a:pt x="363179" y="4239781"/>
+                </a:cubicBezTo>
+                <a:cubicBezTo>
+                  <a:pt x="328508" y="4239781"/>
+                  <a:pt x="297305" y="4221358"/>
+                  <a:pt x="279969" y="4191421"/>
+                </a:cubicBezTo>
+                <a:cubicBezTo>
+                  <a:pt x="279969" y="4191421"/>
+                  <a:pt x="279969" y="4191421"/>
+                  <a:pt x="13002" y="3729695"/>
+                </a:cubicBezTo>
+                <a:cubicBezTo>
+                  <a:pt x="-4334" y="3700909"/>
+                  <a:pt x="-4334" y="3664063"/>
+                  <a:pt x="13002" y="3635277"/>
+                </a:cubicBezTo>
+                <a:cubicBezTo>
+                  <a:pt x="13002" y="3635277"/>
+                  <a:pt x="13002" y="3635277"/>
+                  <a:pt x="279969" y="3173551"/>
+                </a:cubicBezTo>
+                <a:cubicBezTo>
+                  <a:pt x="297305" y="3143614"/>
+                  <a:pt x="328508" y="3125191"/>
+                  <a:pt x="363179" y="3125191"/>
+                </a:cubicBezTo>
+                <a:close/>
+                <a:moveTo>
+                  <a:pt x="2489721" y="570035"/>
+                </a:moveTo>
+                <a:cubicBezTo>
+                  <a:pt x="2489721" y="570035"/>
+                  <a:pt x="2489721" y="570035"/>
+                  <a:pt x="2764862" y="570035"/>
+                </a:cubicBezTo>
+                <a:lnTo>
+                  <a:pt x="2796959" y="570035"/>
+                </a:lnTo>
+                <a:lnTo>
+                  <a:pt x="2827587" y="622777"/>
+                </a:lnTo>
+                <a:cubicBezTo>
+                  <a:pt x="2870233" y="696217"/>
+                  <a:pt x="2919858" y="781675"/>
+                  <a:pt x="2977604" y="881117"/>
+                </a:cubicBezTo>
+                <a:cubicBezTo>
+                  <a:pt x="3004153" y="925204"/>
+                  <a:pt x="3004153" y="981634"/>
+                  <a:pt x="2977604" y="1025720"/>
+                </a:cubicBezTo>
+                <a:cubicBezTo>
+                  <a:pt x="2977604" y="1025720"/>
+                  <a:pt x="2977604" y="1025720"/>
+                  <a:pt x="2566968" y="1732863"/>
+                </a:cubicBezTo>
+                <a:cubicBezTo>
+                  <a:pt x="2542188" y="1778712"/>
+                  <a:pt x="2492629" y="1806927"/>
+                  <a:pt x="2441299" y="1806927"/>
+                </a:cubicBezTo>
+                <a:cubicBezTo>
+                  <a:pt x="2441299" y="1806927"/>
+                  <a:pt x="2441299" y="1806927"/>
+                  <a:pt x="1621798" y="1806927"/>
+                </a:cubicBezTo>
+                <a:cubicBezTo>
+                  <a:pt x="1608523" y="1806927"/>
+                  <a:pt x="1595580" y="1805163"/>
+                  <a:pt x="1583218" y="1801802"/>
+                </a:cubicBezTo>
+                <a:lnTo>
+                  <a:pt x="1556683" y="1790677"/>
+                </a:lnTo>
+                <a:lnTo>
+                  <a:pt x="1572899" y="1762630"/>
+                </a:lnTo>
+                <a:cubicBezTo>
+                  <a:pt x="1719523" y="1509042"/>
+                  <a:pt x="1907201" y="1184448"/>
+                  <a:pt x="2147429" y="768968"/>
+                </a:cubicBezTo>
+                <a:cubicBezTo>
+                  <a:pt x="2218739" y="645819"/>
+                  <a:pt x="2347099" y="570035"/>
+                  <a:pt x="2489721" y="570035"/>
+                </a:cubicBezTo>
+                <a:close/>
+                <a:moveTo>
+                  <a:pt x="1573268" y="0"/>
+                </a:moveTo>
+                <a:cubicBezTo>
+                  <a:pt x="1573268" y="0"/>
+                  <a:pt x="1573268" y="0"/>
+                  <a:pt x="2497662" y="0"/>
+                </a:cubicBezTo>
+                <a:cubicBezTo>
+                  <a:pt x="2555561" y="0"/>
+                  <a:pt x="2611463" y="31828"/>
+                  <a:pt x="2639415" y="83546"/>
+                </a:cubicBezTo>
+                <a:cubicBezTo>
+                  <a:pt x="2639415" y="83546"/>
+                  <a:pt x="2639415" y="83546"/>
+                  <a:pt x="2887862" y="511387"/>
+                </a:cubicBezTo>
+                <a:lnTo>
+                  <a:pt x="2915928" y="559720"/>
+                </a:lnTo>
+                <a:lnTo>
+                  <a:pt x="2893844" y="559720"/>
+                </a:lnTo>
+                <a:lnTo>
+                  <a:pt x="2789466" y="559720"/>
+                </a:lnTo>
+                <a:lnTo>
+                  <a:pt x="2744122" y="481634"/>
+                </a:lnTo>
+                <a:cubicBezTo>
+                  <a:pt x="2570885" y="183309"/>
+                  <a:pt x="2570885" y="183309"/>
+                  <a:pt x="2570885" y="183309"/>
+                </a:cubicBezTo>
+                <a:cubicBezTo>
+                  <a:pt x="2546104" y="137459"/>
+                  <a:pt x="2496545" y="109243"/>
+                  <a:pt x="2445216" y="109243"/>
+                </a:cubicBezTo>
+                <a:cubicBezTo>
+                  <a:pt x="1625714" y="109243"/>
+                  <a:pt x="1625714" y="109243"/>
+                  <a:pt x="1625714" y="109243"/>
+                </a:cubicBezTo>
+                <a:cubicBezTo>
+                  <a:pt x="1572615" y="109243"/>
+                  <a:pt x="1524825" y="137459"/>
+                  <a:pt x="1498276" y="183309"/>
+                </a:cubicBezTo>
+                <a:cubicBezTo>
+                  <a:pt x="1089410" y="890450"/>
+                  <a:pt x="1089410" y="890450"/>
+                  <a:pt x="1089410" y="890450"/>
+                </a:cubicBezTo>
+                <a:cubicBezTo>
+                  <a:pt x="1062860" y="934537"/>
+                  <a:pt x="1062860" y="990967"/>
+                  <a:pt x="1089410" y="1035054"/>
+                </a:cubicBezTo>
+                <a:cubicBezTo>
+                  <a:pt x="1498276" y="1742196"/>
+                  <a:pt x="1498276" y="1742196"/>
+                  <a:pt x="1498276" y="1742196"/>
+                </a:cubicBezTo>
+                <a:cubicBezTo>
+                  <a:pt x="1511551" y="1765121"/>
+                  <a:pt x="1530135" y="1783637"/>
+                  <a:pt x="1552039" y="1796422"/>
+                </a:cubicBezTo>
+                <a:lnTo>
+                  <a:pt x="1558260" y="1799029"/>
+                </a:lnTo>
+                <a:lnTo>
+                  <a:pt x="1524911" y="1856707"/>
+                </a:lnTo>
+                <a:lnTo>
+                  <a:pt x="1500108" y="1899604"/>
+                </a:lnTo>
+                <a:lnTo>
+                  <a:pt x="1525834" y="1910390"/>
+                </a:lnTo>
+                <a:cubicBezTo>
+                  <a:pt x="1539779" y="1914181"/>
+                  <a:pt x="1554378" y="1916170"/>
+                  <a:pt x="1569352" y="1916170"/>
+                </a:cubicBezTo>
+                <a:cubicBezTo>
+                  <a:pt x="2493745" y="1916170"/>
+                  <a:pt x="2493745" y="1916170"/>
+                  <a:pt x="2493745" y="1916170"/>
+                </a:cubicBezTo>
+                <a:cubicBezTo>
+                  <a:pt x="2551645" y="1916170"/>
+                  <a:pt x="2607546" y="1884345"/>
+                  <a:pt x="2635498" y="1832627"/>
+                </a:cubicBezTo>
+                <a:cubicBezTo>
+                  <a:pt x="3098693" y="1034974"/>
+                  <a:pt x="3098693" y="1034974"/>
+                  <a:pt x="3098693" y="1034974"/>
+                </a:cubicBezTo>
+                <a:cubicBezTo>
+                  <a:pt x="3128641" y="985246"/>
+                  <a:pt x="3128641" y="921593"/>
+                  <a:pt x="3098693" y="871863"/>
+                </a:cubicBezTo>
+                <a:cubicBezTo>
+                  <a:pt x="3040794" y="772157"/>
+                  <a:pt x="2990132" y="684914"/>
+                  <a:pt x="2945803" y="608576"/>
+                </a:cubicBezTo>
+                <a:lnTo>
+                  <a:pt x="2923422" y="570035"/>
+                </a:lnTo>
+                <a:lnTo>
+                  <a:pt x="3027104" y="570035"/>
+                </a:lnTo>
+                <a:cubicBezTo>
+                  <a:pt x="3349535" y="570035"/>
+                  <a:pt x="3865424" y="570035"/>
+                  <a:pt x="4690846" y="570035"/>
+                </a:cubicBezTo>
+                <a:cubicBezTo>
+                  <a:pt x="4828714" y="570035"/>
+                  <a:pt x="4961827" y="645819"/>
+                  <a:pt x="5028384" y="768968"/>
+                </a:cubicBezTo>
+                <a:cubicBezTo>
+                  <a:pt x="5028384" y="768968"/>
+                  <a:pt x="5028384" y="768968"/>
+                  <a:pt x="6131323" y="2668304"/>
+                </a:cubicBezTo>
+                <a:cubicBezTo>
+                  <a:pt x="6202634" y="2786717"/>
+                  <a:pt x="6202634" y="2938285"/>
+                  <a:pt x="6131323" y="3056698"/>
+                </a:cubicBezTo>
+                <a:cubicBezTo>
+                  <a:pt x="6131323" y="3056698"/>
+                  <a:pt x="6131323" y="3056698"/>
+                  <a:pt x="5028384" y="4956035"/>
+                </a:cubicBezTo>
+                <a:cubicBezTo>
+                  <a:pt x="4961827" y="5079184"/>
+                  <a:pt x="4828714" y="5154967"/>
+                  <a:pt x="4690846" y="5154967"/>
+                </a:cubicBezTo>
+                <a:cubicBezTo>
+                  <a:pt x="4690846" y="5154967"/>
+                  <a:pt x="4690846" y="5154967"/>
+                  <a:pt x="2489721" y="5154967"/>
+                </a:cubicBezTo>
+                <a:cubicBezTo>
+                  <a:pt x="2347099" y="5154967"/>
+                  <a:pt x="2218739" y="5079184"/>
+                  <a:pt x="2147429" y="4956035"/>
+                </a:cubicBezTo>
+                <a:cubicBezTo>
+                  <a:pt x="2147429" y="4956035"/>
+                  <a:pt x="2147429" y="4956035"/>
+                  <a:pt x="1049243" y="3056698"/>
+                </a:cubicBezTo>
+                <a:cubicBezTo>
+                  <a:pt x="977932" y="2938285"/>
+                  <a:pt x="977932" y="2786717"/>
+                  <a:pt x="1049243" y="2668304"/>
+                </a:cubicBezTo>
+                <a:cubicBezTo>
+                  <a:pt x="1049243" y="2668304"/>
+                  <a:pt x="1049243" y="2668304"/>
+                  <a:pt x="1457007" y="1963067"/>
+                </a:cubicBezTo>
+                <a:lnTo>
+                  <a:pt x="1491373" y="1903634"/>
+                </a:lnTo>
+                <a:lnTo>
+                  <a:pt x="1490164" y="1903127"/>
+                </a:lnTo>
+                <a:cubicBezTo>
+                  <a:pt x="1465456" y="1888705"/>
+                  <a:pt x="1444493" y="1867820"/>
+                  <a:pt x="1429519" y="1841960"/>
+                </a:cubicBezTo>
+                <a:cubicBezTo>
+                  <a:pt x="1429519" y="1841960"/>
+                  <a:pt x="1429519" y="1841960"/>
+                  <a:pt x="968320" y="1044307"/>
+                </a:cubicBezTo>
+                <a:cubicBezTo>
+                  <a:pt x="938371" y="994579"/>
+                  <a:pt x="938371" y="930926"/>
+                  <a:pt x="968320" y="881196"/>
+                </a:cubicBezTo>
+                <a:cubicBezTo>
+                  <a:pt x="968320" y="881196"/>
+                  <a:pt x="968320" y="881196"/>
+                  <a:pt x="1429519" y="83546"/>
+                </a:cubicBezTo>
+                <a:cubicBezTo>
+                  <a:pt x="1459466" y="31828"/>
+                  <a:pt x="1513373" y="0"/>
+                  <a:pt x="1573268" y="0"/>
+                </a:cubicBezTo>
+                <a:close/>
+              </a:path>
+            </a:pathLst>
+          </a:custGeom>
+          <a:solidFill>
+            <a:schemeClr val="tx1">
+              <a:lumMod val="50000"/>
+              <a:lumOff val="50000"/>
+              <a:alpha val="15000"/>
+            </a:schemeClr>
+          </a:solidFill>
+          <a:ln>
+            <a:noFill/>
+          </a:ln>
+        </p:spPr>
+        <p:style>
+          <a:lnRef idx="2">
+            <a:schemeClr val="accent1">
+              <a:shade val="50000"/>
+            </a:schemeClr>
+          </a:lnRef>
+          <a:fillRef idx="1">
+            <a:schemeClr val="accent1"/>
+          </a:fillRef>
+          <a:effectRef idx="0">
+            <a:schemeClr val="accent1"/>
+          </a:effectRef>
+          <a:fontRef idx="minor">
+            <a:schemeClr val="lt1"/>
+          </a:fontRef>
+        </p:style>
+        <p:txBody>
+          <a:bodyPr wrap="square" rtlCol="0" anchor="ctr">
+            <a:noAutofit/>
+          </a:bodyPr>
+          <a:lstStyle/>
+          <a:p>
+            <a:pPr algn="ctr"/>
+            <a:endParaRPr lang="en-US"/>
+          </a:p>
+        </p:txBody>
+      </p:sp>
+      <p:pic>
+        <p:nvPicPr>
+          <p:cNvPr id="7" name="Imagem 6" descr="Ícone&#10;&#10;Descrição gerada automaticamente">
+            <a:extLst>
+              <a:ext uri="{FF2B5EF4-FFF2-40B4-BE49-F238E27FC236}">
+                <a16:creationId xmlns:a16="http://schemas.microsoft.com/office/drawing/2014/main" id="{380C0845-E638-4E64-A8B2-6BF6123F1CB0}"/>
+              </a:ext>
+            </a:extLst>
+          </p:cNvPr>
+          <p:cNvPicPr>
+            <a:picLocks noChangeAspect="1"/>
+          </p:cNvPicPr>
+          <p:nvPr/>
+        </p:nvPicPr>
+        <p:blipFill>
+          <a:blip r:embed="rId2">
+            <a:extLst>
+              <a:ext uri="{28A0092B-C50C-407E-A947-70E740481C1C}">
+                <a14:useLocalDpi xmlns:a14="http://schemas.microsoft.com/office/drawing/2010/main" val="0"/>
+              </a:ext>
+            </a:extLst>
+          </a:blip>
+          <a:stretch>
+            <a:fillRect/>
+          </a:stretch>
+        </p:blipFill>
+        <p:spPr>
+          <a:xfrm>
+            <a:off x="7531503" y="2129307"/>
+            <a:ext cx="3217333" cy="3217333"/>
+          </a:xfrm>
+          <a:prstGeom prst="rect">
+            <a:avLst/>
+          </a:prstGeom>
+        </p:spPr>
+      </p:pic>
+    </p:spTree>
+    <p:extLst>
+      <p:ext uri="{BB962C8B-B14F-4D97-AF65-F5344CB8AC3E}">
+        <p14:creationId xmlns:p14="http://schemas.microsoft.com/office/powerpoint/2010/main" val="2208674123"/>
+      </p:ext>
+    </p:extLst>
+  </p:cSld>
+  <p:clrMapOvr>
+    <a:masterClrMapping/>
+  </p:clrMapOvr>
+</p:sld>
+</file>
+
+<file path=ppt/slides/slide46.xml><?xml version="1.0" encoding="utf-8"?>
+<p:sld xmlns:a="http://schemas.openxmlformats.org/drawingml/2006/main" xmlns:r="http://schemas.openxmlformats.org/officeDocument/2006/relationships" xmlns:p="http://schemas.openxmlformats.org/presentationml/2006/main">
+  <p:cSld>
+    <p:spTree>
+      <p:nvGrpSpPr>
+        <p:cNvPr id="1" name=""/>
+        <p:cNvGrpSpPr/>
+        <p:nvPr/>
+      </p:nvGrpSpPr>
+      <p:grpSpPr>
+        <a:xfrm>
+          <a:off x="0" y="0"/>
+          <a:ext cx="0" cy="0"/>
+          <a:chOff x="0" y="0"/>
+          <a:chExt cx="0" cy="0"/>
+        </a:xfrm>
+      </p:grpSpPr>
+      <p:sp>
+        <p:nvSpPr>
+          <p:cNvPr id="2" name="Título 1">
+            <a:extLst>
+              <a:ext uri="{FF2B5EF4-FFF2-40B4-BE49-F238E27FC236}">
+                <a16:creationId xmlns:a16="http://schemas.microsoft.com/office/drawing/2014/main" id="{9A0CB290-6B69-45F0-908B-3D50CD709B01}"/>
+              </a:ext>
+            </a:extLst>
+          </p:cNvPr>
+          <p:cNvSpPr>
+            <a:spLocks noGrp="1"/>
+          </p:cNvSpPr>
+          <p:nvPr>
+            <p:ph type="title"/>
+          </p:nvPr>
+        </p:nvSpPr>
+        <p:spPr/>
+        <p:txBody>
+          <a:bodyPr>
+            <a:normAutofit fontScale="90000"/>
+          </a:bodyPr>
+          <a:lstStyle/>
+          <a:p>
+            <a:r>
+              <a:rPr lang="pt-BR" b="1" dirty="0"/>
+              <a:t>Site </a:t>
+            </a:r>
+            <a:r>
+              <a:rPr lang="pt-BR" b="1" dirty="0" err="1"/>
+              <a:t>Refs</a:t>
+            </a:r>
+            <a:r>
+              <a:rPr lang="pt-BR" b="1" dirty="0"/>
+              <a:t> </a:t>
+            </a:r>
+            <a:r>
+              <a:rPr lang="pt-BR" b="1" dirty="0" err="1"/>
+              <a:t>Obrasutils</a:t>
+            </a:r>
+            <a:br>
+              <a:rPr lang="pt-BR" dirty="0"/>
+            </a:br>
+            <a:endParaRPr lang="pt-BR" dirty="0"/>
+          </a:p>
+        </p:txBody>
+      </p:sp>
+      <p:sp>
+        <p:nvSpPr>
+          <p:cNvPr id="9" name="Espaço Reservado para Texto 8">
+            <a:extLst>
+              <a:ext uri="{FF2B5EF4-FFF2-40B4-BE49-F238E27FC236}">
+                <a16:creationId xmlns:a16="http://schemas.microsoft.com/office/drawing/2014/main" id="{E1E67D10-0AC5-4E4A-9AA4-CAD40D4E41A0}"/>
+              </a:ext>
+            </a:extLst>
+          </p:cNvPr>
+          <p:cNvSpPr>
+            <a:spLocks noGrp="1"/>
+          </p:cNvSpPr>
+          <p:nvPr>
+            <p:ph type="body" sz="half" idx="2"/>
+          </p:nvPr>
+        </p:nvSpPr>
+        <p:spPr/>
+        <p:txBody>
+          <a:bodyPr>
+            <a:normAutofit/>
+          </a:bodyPr>
+          <a:lstStyle/>
+          <a:p>
+            <a:r>
+              <a:rPr lang="pt-BR" sz="2000" b="1" dirty="0">
+                <a:latin typeface="Courier New" panose="02070309020205020404" pitchFamily="49" charset="0"/>
+                <a:cs typeface="Courier New" panose="02070309020205020404" pitchFamily="49" charset="0"/>
+              </a:rPr>
+              <a:t>$ site </a:t>
+            </a:r>
+            <a:r>
+              <a:rPr lang="pt-BR" sz="2000" b="1" dirty="0" err="1">
+                <a:latin typeface="Courier New" panose="02070309020205020404" pitchFamily="49" charset="0"/>
+                <a:cs typeface="Courier New" panose="02070309020205020404" pitchFamily="49" charset="0"/>
+              </a:rPr>
+              <a:t>refs</a:t>
+            </a:r>
+            <a:r>
+              <a:rPr lang="pt-BR" sz="2000" b="1" dirty="0">
+                <a:latin typeface="Courier New" panose="02070309020205020404" pitchFamily="49" charset="0"/>
+                <a:cs typeface="Courier New" panose="02070309020205020404" pitchFamily="49" charset="0"/>
+              </a:rPr>
+              <a:t> </a:t>
+            </a:r>
+            <a:r>
+              <a:rPr lang="pt-BR" sz="2000" b="1" dirty="0" err="1">
+                <a:latin typeface="Courier New" panose="02070309020205020404" pitchFamily="49" charset="0"/>
+                <a:cs typeface="Courier New" panose="02070309020205020404" pitchFamily="49" charset="0"/>
+              </a:rPr>
+              <a:t>obrasutils</a:t>
+            </a:r>
+            <a:br>
+              <a:rPr lang="pt-BR" sz="2000" b="1" dirty="0">
+                <a:latin typeface="Courier New" panose="02070309020205020404" pitchFamily="49" charset="0"/>
+                <a:cs typeface="Courier New" panose="02070309020205020404" pitchFamily="49" charset="0"/>
+              </a:rPr>
+            </a:br>
+            <a:r>
+              <a:rPr lang="pt-BR" sz="2000" b="1" dirty="0">
+                <a:latin typeface="Courier New" panose="02070309020205020404" pitchFamily="49" charset="0"/>
+                <a:cs typeface="Courier New" panose="02070309020205020404" pitchFamily="49" charset="0"/>
+              </a:rPr>
+              <a:t>:</a:t>
+            </a:r>
+          </a:p>
+          <a:p>
+            <a:r>
+              <a:rPr lang="pt-BR" sz="2000" b="1" dirty="0">
+                <a:latin typeface="Courier New" panose="02070309020205020404" pitchFamily="49" charset="0"/>
+                <a:cs typeface="Courier New" panose="02070309020205020404" pitchFamily="49" charset="0"/>
+              </a:rPr>
+              <a:t>$ site </a:t>
+            </a:r>
+            <a:r>
+              <a:rPr lang="pt-BR" sz="2000" b="1" dirty="0" err="1">
+                <a:latin typeface="Courier New" panose="02070309020205020404" pitchFamily="49" charset="0"/>
+                <a:cs typeface="Courier New" panose="02070309020205020404" pitchFamily="49" charset="0"/>
+              </a:rPr>
+              <a:t>refs</a:t>
+            </a:r>
+            <a:r>
+              <a:rPr lang="pt-BR" sz="2000" b="1" dirty="0">
+                <a:latin typeface="Courier New" panose="02070309020205020404" pitchFamily="49" charset="0"/>
+                <a:cs typeface="Courier New" panose="02070309020205020404" pitchFamily="49" charset="0"/>
+              </a:rPr>
+              <a:t> </a:t>
+            </a:r>
+            <a:r>
+              <a:rPr lang="pt-BR" sz="2000" b="1" dirty="0" err="1">
+                <a:latin typeface="Courier New" panose="02070309020205020404" pitchFamily="49" charset="0"/>
+                <a:cs typeface="Courier New" panose="02070309020205020404" pitchFamily="49" charset="0"/>
+              </a:rPr>
+              <a:t>obrasutils</a:t>
+            </a:r>
+            <a:r>
+              <a:rPr lang="pt-BR" sz="2000" b="1" dirty="0">
+                <a:latin typeface="Courier New" panose="02070309020205020404" pitchFamily="49" charset="0"/>
+                <a:cs typeface="Courier New" panose="02070309020205020404" pitchFamily="49" charset="0"/>
+              </a:rPr>
+              <a:t> tools</a:t>
+            </a:r>
+            <a:br>
+              <a:rPr lang="pt-BR" sz="2000" b="1" dirty="0">
+                <a:latin typeface="Courier New" panose="02070309020205020404" pitchFamily="49" charset="0"/>
+                <a:cs typeface="Courier New" panose="02070309020205020404" pitchFamily="49" charset="0"/>
+              </a:rPr>
+            </a:br>
+            <a:r>
+              <a:rPr lang="pt-BR" sz="2000" b="1" dirty="0">
+                <a:latin typeface="Courier New" panose="02070309020205020404" pitchFamily="49" charset="0"/>
+                <a:cs typeface="Courier New" panose="02070309020205020404" pitchFamily="49" charset="0"/>
+              </a:rPr>
+              <a:t>:</a:t>
+            </a:r>
+            <a:br>
+              <a:rPr lang="pt-BR" sz="2000" b="1" dirty="0">
+                <a:latin typeface="Courier New" panose="02070309020205020404" pitchFamily="49" charset="0"/>
+                <a:cs typeface="Courier New" panose="02070309020205020404" pitchFamily="49" charset="0"/>
+              </a:rPr>
+            </a:br>
+            <a:br>
+              <a:rPr lang="pt-BR" sz="2000" b="1" dirty="0">
+                <a:latin typeface="Courier New" panose="02070309020205020404" pitchFamily="49" charset="0"/>
+                <a:cs typeface="Courier New" panose="02070309020205020404" pitchFamily="49" charset="0"/>
+              </a:rPr>
+            </a:br>
+            <a:r>
+              <a:rPr lang="pt-BR" sz="2000" b="1" dirty="0">
+                <a:latin typeface="Courier New" panose="02070309020205020404" pitchFamily="49" charset="0"/>
+                <a:cs typeface="Courier New" panose="02070309020205020404" pitchFamily="49" charset="0"/>
+              </a:rPr>
+              <a:t>$ site </a:t>
+            </a:r>
+            <a:r>
+              <a:rPr lang="pt-BR" sz="2000" b="1" dirty="0" err="1">
+                <a:latin typeface="Courier New" panose="02070309020205020404" pitchFamily="49" charset="0"/>
+                <a:cs typeface="Courier New" panose="02070309020205020404" pitchFamily="49" charset="0"/>
+              </a:rPr>
+              <a:t>refs</a:t>
+            </a:r>
+            <a:r>
+              <a:rPr lang="pt-BR" sz="2000" b="1" dirty="0">
+                <a:latin typeface="Courier New" panose="02070309020205020404" pitchFamily="49" charset="0"/>
+                <a:cs typeface="Courier New" panose="02070309020205020404" pitchFamily="49" charset="0"/>
+              </a:rPr>
+              <a:t> </a:t>
+            </a:r>
+            <a:r>
+              <a:rPr lang="pt-BR" sz="2000" b="1" dirty="0" err="1">
+                <a:latin typeface="Courier New" panose="02070309020205020404" pitchFamily="49" charset="0"/>
+                <a:cs typeface="Courier New" panose="02070309020205020404" pitchFamily="49" charset="0"/>
+              </a:rPr>
+              <a:t>obrasutils</a:t>
+            </a:r>
+            <a:r>
+              <a:rPr lang="pt-BR" sz="2000" b="1" dirty="0">
+                <a:latin typeface="Courier New" panose="02070309020205020404" pitchFamily="49" charset="0"/>
+                <a:cs typeface="Courier New" panose="02070309020205020404" pitchFamily="49" charset="0"/>
+              </a:rPr>
+              <a:t> </a:t>
+            </a:r>
+            <a:r>
+              <a:rPr lang="pt-BR" sz="2000" b="1" dirty="0" err="1">
+                <a:latin typeface="Courier New" panose="02070309020205020404" pitchFamily="49" charset="0"/>
+                <a:cs typeface="Courier New" panose="02070309020205020404" pitchFamily="49" charset="0"/>
+              </a:rPr>
+              <a:t>ssh</a:t>
+            </a:r>
+            <a:br>
+              <a:rPr lang="pt-BR" sz="2000" b="1" dirty="0">
+                <a:latin typeface="Courier New" panose="02070309020205020404" pitchFamily="49" charset="0"/>
+                <a:cs typeface="Courier New" panose="02070309020205020404" pitchFamily="49" charset="0"/>
+              </a:rPr>
+            </a:br>
+            <a:r>
+              <a:rPr lang="pt-BR" sz="2000" b="1" dirty="0">
+                <a:latin typeface="Courier New" panose="02070309020205020404" pitchFamily="49" charset="0"/>
+                <a:cs typeface="Courier New" panose="02070309020205020404" pitchFamily="49" charset="0"/>
+              </a:rPr>
+              <a:t>:</a:t>
+            </a:r>
+            <a:endParaRPr lang="pt-BR" sz="2000" dirty="0"/>
+          </a:p>
+        </p:txBody>
+      </p:sp>
+      <p:pic>
+        <p:nvPicPr>
+          <p:cNvPr id="12" name="Espaço Reservado para Imagem 11">
+            <a:extLst>
+              <a:ext uri="{FF2B5EF4-FFF2-40B4-BE49-F238E27FC236}">
+                <a16:creationId xmlns:a16="http://schemas.microsoft.com/office/drawing/2014/main" id="{63A55D9E-F3AE-4517-896F-99DEB4D9BFA7}"/>
+              </a:ext>
+            </a:extLst>
+          </p:cNvPr>
+          <p:cNvPicPr>
+            <a:picLocks noGrp="1" noChangeAspect="1"/>
+          </p:cNvPicPr>
+          <p:nvPr>
+            <p:ph type="pic" idx="1"/>
+          </p:nvPr>
+        </p:nvPicPr>
+        <p:blipFill rotWithShape="1">
+          <a:blip r:embed="rId2"/>
+          <a:srcRect t="27" b="27"/>
+          <a:stretch/>
+        </p:blipFill>
+        <p:spPr/>
+      </p:pic>
+    </p:spTree>
+    <p:extLst>
+      <p:ext uri="{BB962C8B-B14F-4D97-AF65-F5344CB8AC3E}">
+        <p14:creationId xmlns:p14="http://schemas.microsoft.com/office/powerpoint/2010/main" val="505473492"/>
+      </p:ext>
+    </p:extLst>
+  </p:cSld>
+  <p:clrMapOvr>
+    <a:masterClrMapping/>
+  </p:clrMapOvr>
+</p:sld>
+</file>
+
 <file path=ppt/slides/slide5.xml><?xml version="1.0" encoding="utf-8"?>
 <p:sld xmlns:a="http://schemas.openxmlformats.org/drawingml/2006/main" xmlns:r="http://schemas.openxmlformats.org/officeDocument/2006/relationships" xmlns:p="http://schemas.openxmlformats.org/presentationml/2006/main">
   <p:cSld>
@@ -15442,88 +22597,88 @@
           </a:p>
           <a:p>
             <a:r>
-              <a:rPr lang="pt-BR" sz="2400" b="1" dirty="0">
+              <a:rPr lang="pt-BR" sz="2000" b="1" dirty="0">
                 <a:latin typeface="Courier New" panose="02070309020205020404" pitchFamily="49" charset="0"/>
                 <a:cs typeface="Courier New" panose="02070309020205020404" pitchFamily="49" charset="0"/>
               </a:rPr>
               <a:t>$ site</a:t>
             </a:r>
             <a:br>
-              <a:rPr lang="pt-BR" sz="2400" b="1" dirty="0">
+              <a:rPr lang="pt-BR" sz="2000" b="1" dirty="0">
                 <a:latin typeface="Courier New" panose="02070309020205020404" pitchFamily="49" charset="0"/>
                 <a:cs typeface="Courier New" panose="02070309020205020404" pitchFamily="49" charset="0"/>
               </a:rPr>
             </a:br>
             <a:r>
-              <a:rPr lang="pt-BR" sz="2400" b="1" dirty="0">
+              <a:rPr lang="pt-BR" sz="2000" b="1" dirty="0">
                 <a:latin typeface="Courier New" panose="02070309020205020404" pitchFamily="49" charset="0"/>
                 <a:cs typeface="Courier New" panose="02070309020205020404" pitchFamily="49" charset="0"/>
               </a:rPr>
               <a:t>$ site</a:t>
             </a:r>
             <a:r>
-              <a:rPr lang="pt-BR" sz="2400" dirty="0">
+              <a:rPr lang="pt-BR" sz="2000" dirty="0">
                 <a:latin typeface="Courier New" panose="02070309020205020404" pitchFamily="49" charset="0"/>
                 <a:cs typeface="Courier New" panose="02070309020205020404" pitchFamily="49" charset="0"/>
               </a:rPr>
               <a:t> </a:t>
             </a:r>
             <a:r>
-              <a:rPr lang="pt-BR" sz="2400" b="1" dirty="0" err="1">
+              <a:rPr lang="pt-BR" sz="2000" b="1" dirty="0" err="1">
                 <a:latin typeface="Courier New" panose="02070309020205020404" pitchFamily="49" charset="0"/>
                 <a:cs typeface="Courier New" panose="02070309020205020404" pitchFamily="49" charset="0"/>
               </a:rPr>
               <a:t>db</a:t>
             </a:r>
             <a:br>
-              <a:rPr lang="pt-BR" sz="2400" b="1" dirty="0">
+              <a:rPr lang="pt-BR" sz="2000" b="1" dirty="0">
                 <a:latin typeface="Courier New" panose="02070309020205020404" pitchFamily="49" charset="0"/>
                 <a:cs typeface="Courier New" panose="02070309020205020404" pitchFamily="49" charset="0"/>
               </a:rPr>
             </a:br>
             <a:r>
-              <a:rPr lang="pt-BR" sz="2400" b="1" dirty="0">
+              <a:rPr lang="pt-BR" sz="2000" b="1" dirty="0">
                 <a:latin typeface="Courier New" panose="02070309020205020404" pitchFamily="49" charset="0"/>
                 <a:cs typeface="Courier New" panose="02070309020205020404" pitchFamily="49" charset="0"/>
               </a:rPr>
               <a:t>$ site</a:t>
             </a:r>
             <a:r>
-              <a:rPr lang="pt-BR" sz="2400" dirty="0">
+              <a:rPr lang="pt-BR" sz="2000" dirty="0">
                 <a:latin typeface="Courier New" panose="02070309020205020404" pitchFamily="49" charset="0"/>
                 <a:cs typeface="Courier New" panose="02070309020205020404" pitchFamily="49" charset="0"/>
               </a:rPr>
               <a:t> </a:t>
             </a:r>
             <a:r>
-              <a:rPr lang="pt-BR" sz="2400" b="1" dirty="0" err="1">
+              <a:rPr lang="pt-BR" sz="2000" b="1" dirty="0" err="1">
                 <a:latin typeface="Courier New" panose="02070309020205020404" pitchFamily="49" charset="0"/>
                 <a:cs typeface="Courier New" panose="02070309020205020404" pitchFamily="49" charset="0"/>
               </a:rPr>
               <a:t>services</a:t>
             </a:r>
             <a:br>
-              <a:rPr lang="pt-BR" sz="2400" b="1" dirty="0">
+              <a:rPr lang="pt-BR" sz="2000" b="1" dirty="0">
                 <a:latin typeface="Courier New" panose="02070309020205020404" pitchFamily="49" charset="0"/>
                 <a:cs typeface="Courier New" panose="02070309020205020404" pitchFamily="49" charset="0"/>
               </a:rPr>
             </a:br>
             <a:r>
-              <a:rPr lang="pt-BR" sz="2400" b="1" dirty="0">
+              <a:rPr lang="pt-BR" sz="2000" b="1" dirty="0">
                 <a:latin typeface="Courier New" panose="02070309020205020404" pitchFamily="49" charset="0"/>
                 <a:cs typeface="Courier New" panose="02070309020205020404" pitchFamily="49" charset="0"/>
               </a:rPr>
               <a:t>$ </a:t>
             </a:r>
             <a:r>
-              <a:rPr lang="pt-BR" sz="2400" b="1" dirty="0" err="1">
+              <a:rPr lang="pt-BR" sz="2000" b="1" dirty="0" err="1">
                 <a:latin typeface="Courier New" panose="02070309020205020404" pitchFamily="49" charset="0"/>
                 <a:cs typeface="Courier New" panose="02070309020205020404" pitchFamily="49" charset="0"/>
               </a:rPr>
               <a:t>obras_utils</a:t>
             </a:r>
             <a:r>
-              <a:rPr lang="pt-BR" sz="2400" b="1" dirty="0">
+              <a:rPr lang="pt-BR" sz="2000" b="1" dirty="0">
                 <a:latin typeface="Courier New" panose="02070309020205020404" pitchFamily="49" charset="0"/>
                 <a:cs typeface="Courier New" panose="02070309020205020404" pitchFamily="49" charset="0"/>
               </a:rPr>
@@ -15696,10 +22851,18 @@
         </p:nvSpPr>
         <p:spPr/>
         <p:txBody>
-          <a:bodyPr/>
+          <a:bodyPr>
+            <a:normAutofit/>
+          </a:bodyPr>
           <a:lstStyle/>
           <a:p>
-            <a:endParaRPr lang="pt-BR"/>
+            <a:r>
+              <a:rPr lang="pt-BR" sz="2000" b="1" dirty="0">
+                <a:latin typeface="Courier New" panose="02070309020205020404" pitchFamily="49" charset="0"/>
+                <a:cs typeface="Courier New" panose="02070309020205020404" pitchFamily="49" charset="0"/>
+              </a:rPr>
+              <a:t>$ site --help</a:t>
+            </a:r>
           </a:p>
         </p:txBody>
       </p:sp>
@@ -15789,10 +22952,32 @@
         </p:nvSpPr>
         <p:spPr/>
         <p:txBody>
-          <a:bodyPr/>
+          <a:bodyPr>
+            <a:normAutofit/>
+          </a:bodyPr>
           <a:lstStyle/>
           <a:p>
-            <a:endParaRPr lang="pt-BR"/>
+            <a:r>
+              <a:rPr lang="pt-BR" sz="2000" b="1" dirty="0">
+                <a:latin typeface="Courier New" panose="02070309020205020404" pitchFamily="49" charset="0"/>
+                <a:cs typeface="Courier New" panose="02070309020205020404" pitchFamily="49" charset="0"/>
+              </a:rPr>
+              <a:t>$ site </a:t>
+            </a:r>
+            <a:r>
+              <a:rPr lang="pt-BR" sz="2000" b="1" dirty="0" err="1">
+                <a:latin typeface="Courier New" panose="02070309020205020404" pitchFamily="49" charset="0"/>
+                <a:cs typeface="Courier New" panose="02070309020205020404" pitchFamily="49" charset="0"/>
+              </a:rPr>
+              <a:t>db</a:t>
+            </a:r>
+            <a:r>
+              <a:rPr lang="pt-BR" sz="2000" b="1" dirty="0">
+                <a:latin typeface="Courier New" panose="02070309020205020404" pitchFamily="49" charset="0"/>
+                <a:cs typeface="Courier New" panose="02070309020205020404" pitchFamily="49" charset="0"/>
+              </a:rPr>
+              <a:t> --help</a:t>
+            </a:r>
           </a:p>
         </p:txBody>
       </p:sp>
@@ -15905,10 +23090,32 @@
         </p:nvSpPr>
         <p:spPr/>
         <p:txBody>
-          <a:bodyPr/>
+          <a:bodyPr>
+            <a:normAutofit/>
+          </a:bodyPr>
           <a:lstStyle/>
           <a:p>
-            <a:endParaRPr lang="pt-BR"/>
+            <a:r>
+              <a:rPr lang="pt-BR" sz="2000" b="1" dirty="0">
+                <a:latin typeface="Courier New" panose="02070309020205020404" pitchFamily="49" charset="0"/>
+                <a:cs typeface="Courier New" panose="02070309020205020404" pitchFamily="49" charset="0"/>
+              </a:rPr>
+              <a:t>$ site </a:t>
+            </a:r>
+            <a:r>
+              <a:rPr lang="pt-BR" sz="2000" b="1" dirty="0" err="1">
+                <a:latin typeface="Courier New" panose="02070309020205020404" pitchFamily="49" charset="0"/>
+                <a:cs typeface="Courier New" panose="02070309020205020404" pitchFamily="49" charset="0"/>
+              </a:rPr>
+              <a:t>services</a:t>
+            </a:r>
+            <a:r>
+              <a:rPr lang="pt-BR" sz="2000" b="1" dirty="0">
+                <a:latin typeface="Courier New" panose="02070309020205020404" pitchFamily="49" charset="0"/>
+                <a:cs typeface="Courier New" panose="02070309020205020404" pitchFamily="49" charset="0"/>
+              </a:rPr>
+              <a:t> --help</a:t>
+            </a:r>
           </a:p>
         </p:txBody>
       </p:sp>
@@ -16021,10 +23228,32 @@
         </p:nvSpPr>
         <p:spPr/>
         <p:txBody>
-          <a:bodyPr/>
+          <a:bodyPr>
+            <a:normAutofit/>
+          </a:bodyPr>
           <a:lstStyle/>
           <a:p>
-            <a:endParaRPr lang="pt-BR" dirty="0"/>
+            <a:r>
+              <a:rPr lang="pt-BR" sz="2000" b="1" dirty="0">
+                <a:latin typeface="Courier New" panose="02070309020205020404" pitchFamily="49" charset="0"/>
+                <a:cs typeface="Courier New" panose="02070309020205020404" pitchFamily="49" charset="0"/>
+              </a:rPr>
+              <a:t>$ </a:t>
+            </a:r>
+            <a:r>
+              <a:rPr lang="pt-BR" sz="2000" b="1" dirty="0" err="1">
+                <a:latin typeface="Courier New" panose="02070309020205020404" pitchFamily="49" charset="0"/>
+                <a:cs typeface="Courier New" panose="02070309020205020404" pitchFamily="49" charset="0"/>
+              </a:rPr>
+              <a:t>obras_utils</a:t>
+            </a:r>
+            <a:r>
+              <a:rPr lang="pt-BR" sz="2000" b="1" dirty="0">
+                <a:latin typeface="Courier New" panose="02070309020205020404" pitchFamily="49" charset="0"/>
+                <a:cs typeface="Courier New" panose="02070309020205020404" pitchFamily="49" charset="0"/>
+              </a:rPr>
+              <a:t> </a:t>
+            </a:r>
           </a:p>
         </p:txBody>
       </p:sp>
@@ -16357,4 +23586,299 @@
     </a:ext>
   </a:extLst>
 </a:theme>
+</file>
+
+<file path=ppt/theme/theme2.xml><?xml version="1.0" encoding="utf-8"?>
+<a:theme xmlns:a="http://schemas.openxmlformats.org/drawingml/2006/main" name="Tema do Office">
+  <a:themeElements>
+    <a:clrScheme name="Office">
+      <a:dk1>
+        <a:sysClr val="windowText" lastClr="000000"/>
+      </a:dk1>
+      <a:lt1>
+        <a:sysClr val="window" lastClr="FFFFFF"/>
+      </a:lt1>
+      <a:dk2>
+        <a:srgbClr val="44546A"/>
+      </a:dk2>
+      <a:lt2>
+        <a:srgbClr val="E7E6E6"/>
+      </a:lt2>
+      <a:accent1>
+        <a:srgbClr val="4472C4"/>
+      </a:accent1>
+      <a:accent2>
+        <a:srgbClr val="ED7D31"/>
+      </a:accent2>
+      <a:accent3>
+        <a:srgbClr val="A5A5A5"/>
+      </a:accent3>
+      <a:accent4>
+        <a:srgbClr val="FFC000"/>
+      </a:accent4>
+      <a:accent5>
+        <a:srgbClr val="5B9BD5"/>
+      </a:accent5>
+      <a:accent6>
+        <a:srgbClr val="70AD47"/>
+      </a:accent6>
+      <a:hlink>
+        <a:srgbClr val="0563C1"/>
+      </a:hlink>
+      <a:folHlink>
+        <a:srgbClr val="954F72"/>
+      </a:folHlink>
+    </a:clrScheme>
+    <a:fontScheme name="Office">
+      <a:majorFont>
+        <a:latin typeface="Calibri Light" panose="020F0302020204030204"/>
+        <a:ea typeface=""/>
+        <a:cs typeface=""/>
+        <a:font script="Jpan" typeface="游ゴシック Light"/>
+        <a:font script="Hang" typeface="맑은 고딕"/>
+        <a:font script="Hans" typeface="等线 Light"/>
+        <a:font script="Hant" typeface="新細明體"/>
+        <a:font script="Arab" typeface="Times New Roman"/>
+        <a:font script="Hebr" typeface="Times New Roman"/>
+        <a:font script="Thai" typeface="Angsana New"/>
+        <a:font script="Ethi" typeface="Nyala"/>
+        <a:font script="Beng" typeface="Vrinda"/>
+        <a:font script="Gujr" typeface="Shruti"/>
+        <a:font script="Khmr" typeface="MoolBoran"/>
+        <a:font script="Knda" typeface="Tunga"/>
+        <a:font script="Guru" typeface="Raavi"/>
+        <a:font script="Cans" typeface="Euphemia"/>
+        <a:font script="Cher" typeface="Plantagenet Cherokee"/>
+        <a:font script="Yiii" typeface="Microsoft Yi Baiti"/>
+        <a:font script="Tibt" typeface="Microsoft Himalaya"/>
+        <a:font script="Thaa" typeface="MV Boli"/>
+        <a:font script="Deva" typeface="Mangal"/>
+        <a:font script="Telu" typeface="Gautami"/>
+        <a:font script="Taml" typeface="Latha"/>
+        <a:font script="Syrc" typeface="Estrangelo Edessa"/>
+        <a:font script="Orya" typeface="Kalinga"/>
+        <a:font script="Mlym" typeface="Kartika"/>
+        <a:font script="Laoo" typeface="DokChampa"/>
+        <a:font script="Sinh" typeface="Iskoola Pota"/>
+        <a:font script="Mong" typeface="Mongolian Baiti"/>
+        <a:font script="Viet" typeface="Times New Roman"/>
+        <a:font script="Uigh" typeface="Microsoft Uighur"/>
+        <a:font script="Geor" typeface="Sylfaen"/>
+        <a:font script="Armn" typeface="Arial"/>
+        <a:font script="Bugi" typeface="Leelawadee UI"/>
+        <a:font script="Bopo" typeface="Microsoft JhengHei"/>
+        <a:font script="Java" typeface="Javanese Text"/>
+        <a:font script="Lisu" typeface="Segoe UI"/>
+        <a:font script="Mymr" typeface="Myanmar Text"/>
+        <a:font script="Nkoo" typeface="Ebrima"/>
+        <a:font script="Olck" typeface="Nirmala UI"/>
+        <a:font script="Osma" typeface="Ebrima"/>
+        <a:font script="Phag" typeface="Phagspa"/>
+        <a:font script="Syrn" typeface="Estrangelo Edessa"/>
+        <a:font script="Syrj" typeface="Estrangelo Edessa"/>
+        <a:font script="Syre" typeface="Estrangelo Edessa"/>
+        <a:font script="Sora" typeface="Nirmala UI"/>
+        <a:font script="Tale" typeface="Microsoft Tai Le"/>
+        <a:font script="Talu" typeface="Microsoft New Tai Lue"/>
+        <a:font script="Tfng" typeface="Ebrima"/>
+      </a:majorFont>
+      <a:minorFont>
+        <a:latin typeface="Calibri" panose="020F0502020204030204"/>
+        <a:ea typeface=""/>
+        <a:cs typeface=""/>
+        <a:font script="Jpan" typeface="游ゴシック"/>
+        <a:font script="Hang" typeface="맑은 고딕"/>
+        <a:font script="Hans" typeface="等线"/>
+        <a:font script="Hant" typeface="新細明體"/>
+        <a:font script="Arab" typeface="Arial"/>
+        <a:font script="Hebr" typeface="Arial"/>
+        <a:font script="Thai" typeface="Cordia New"/>
+        <a:font script="Ethi" typeface="Nyala"/>
+        <a:font script="Beng" typeface="Vrinda"/>
+        <a:font script="Gujr" typeface="Shruti"/>
+        <a:font script="Khmr" typeface="DaunPenh"/>
+        <a:font script="Knda" typeface="Tunga"/>
+        <a:font script="Guru" typeface="Raavi"/>
+        <a:font script="Cans" typeface="Euphemia"/>
+        <a:font script="Cher" typeface="Plantagenet Cherokee"/>
+        <a:font script="Yiii" typeface="Microsoft Yi Baiti"/>
+        <a:font script="Tibt" typeface="Microsoft Himalaya"/>
+        <a:font script="Thaa" typeface="MV Boli"/>
+        <a:font script="Deva" typeface="Mangal"/>
+        <a:font script="Telu" typeface="Gautami"/>
+        <a:font script="Taml" typeface="Latha"/>
+        <a:font script="Syrc" typeface="Estrangelo Edessa"/>
+        <a:font script="Orya" typeface="Kalinga"/>
+        <a:font script="Mlym" typeface="Kartika"/>
+        <a:font script="Laoo" typeface="DokChampa"/>
+        <a:font script="Sinh" typeface="Iskoola Pota"/>
+        <a:font script="Mong" typeface="Mongolian Baiti"/>
+        <a:font script="Viet" typeface="Arial"/>
+        <a:font script="Uigh" typeface="Microsoft Uighur"/>
+        <a:font script="Geor" typeface="Sylfaen"/>
+        <a:font script="Armn" typeface="Arial"/>
+        <a:font script="Bugi" typeface="Leelawadee UI"/>
+        <a:font script="Bopo" typeface="Microsoft JhengHei"/>
+        <a:font script="Java" typeface="Javanese Text"/>
+        <a:font script="Lisu" typeface="Segoe UI"/>
+        <a:font script="Mymr" typeface="Myanmar Text"/>
+        <a:font script="Nkoo" typeface="Ebrima"/>
+        <a:font script="Olck" typeface="Nirmala UI"/>
+        <a:font script="Osma" typeface="Ebrima"/>
+        <a:font script="Phag" typeface="Phagspa"/>
+        <a:font script="Syrn" typeface="Estrangelo Edessa"/>
+        <a:font script="Syrj" typeface="Estrangelo Edessa"/>
+        <a:font script="Syre" typeface="Estrangelo Edessa"/>
+        <a:font script="Sora" typeface="Nirmala UI"/>
+        <a:font script="Tale" typeface="Microsoft Tai Le"/>
+        <a:font script="Talu" typeface="Microsoft New Tai Lue"/>
+        <a:font script="Tfng" typeface="Ebrima"/>
+      </a:minorFont>
+    </a:fontScheme>
+    <a:fmtScheme name="Office">
+      <a:fillStyleLst>
+        <a:solidFill>
+          <a:schemeClr val="phClr"/>
+        </a:solidFill>
+        <a:gradFill rotWithShape="1">
+          <a:gsLst>
+            <a:gs pos="0">
+              <a:schemeClr val="phClr">
+                <a:lumMod val="110000"/>
+                <a:satMod val="105000"/>
+                <a:tint val="67000"/>
+              </a:schemeClr>
+            </a:gs>
+            <a:gs pos="50000">
+              <a:schemeClr val="phClr">
+                <a:lumMod val="105000"/>
+                <a:satMod val="103000"/>
+                <a:tint val="73000"/>
+              </a:schemeClr>
+            </a:gs>
+            <a:gs pos="100000">
+              <a:schemeClr val="phClr">
+                <a:lumMod val="105000"/>
+                <a:satMod val="109000"/>
+                <a:tint val="81000"/>
+              </a:schemeClr>
+            </a:gs>
+          </a:gsLst>
+          <a:lin ang="5400000" scaled="0"/>
+        </a:gradFill>
+        <a:gradFill rotWithShape="1">
+          <a:gsLst>
+            <a:gs pos="0">
+              <a:schemeClr val="phClr">
+                <a:satMod val="103000"/>
+                <a:lumMod val="102000"/>
+                <a:tint val="94000"/>
+              </a:schemeClr>
+            </a:gs>
+            <a:gs pos="50000">
+              <a:schemeClr val="phClr">
+                <a:satMod val="110000"/>
+                <a:lumMod val="100000"/>
+                <a:shade val="100000"/>
+              </a:schemeClr>
+            </a:gs>
+            <a:gs pos="100000">
+              <a:schemeClr val="phClr">
+                <a:lumMod val="99000"/>
+                <a:satMod val="120000"/>
+                <a:shade val="78000"/>
+              </a:schemeClr>
+            </a:gs>
+          </a:gsLst>
+          <a:lin ang="5400000" scaled="0"/>
+        </a:gradFill>
+      </a:fillStyleLst>
+      <a:lnStyleLst>
+        <a:ln w="6350" cap="flat" cmpd="sng" algn="ctr">
+          <a:solidFill>
+            <a:schemeClr val="phClr"/>
+          </a:solidFill>
+          <a:prstDash val="solid"/>
+          <a:miter lim="800000"/>
+        </a:ln>
+        <a:ln w="12700" cap="flat" cmpd="sng" algn="ctr">
+          <a:solidFill>
+            <a:schemeClr val="phClr"/>
+          </a:solidFill>
+          <a:prstDash val="solid"/>
+          <a:miter lim="800000"/>
+        </a:ln>
+        <a:ln w="19050" cap="flat" cmpd="sng" algn="ctr">
+          <a:solidFill>
+            <a:schemeClr val="phClr"/>
+          </a:solidFill>
+          <a:prstDash val="solid"/>
+          <a:miter lim="800000"/>
+        </a:ln>
+      </a:lnStyleLst>
+      <a:effectStyleLst>
+        <a:effectStyle>
+          <a:effectLst/>
+        </a:effectStyle>
+        <a:effectStyle>
+          <a:effectLst/>
+        </a:effectStyle>
+        <a:effectStyle>
+          <a:effectLst>
+            <a:outerShdw blurRad="57150" dist="19050" dir="5400000" algn="ctr" rotWithShape="0">
+              <a:srgbClr val="000000">
+                <a:alpha val="63000"/>
+              </a:srgbClr>
+            </a:outerShdw>
+          </a:effectLst>
+        </a:effectStyle>
+      </a:effectStyleLst>
+      <a:bgFillStyleLst>
+        <a:solidFill>
+          <a:schemeClr val="phClr"/>
+        </a:solidFill>
+        <a:solidFill>
+          <a:schemeClr val="phClr">
+            <a:tint val="95000"/>
+            <a:satMod val="170000"/>
+          </a:schemeClr>
+        </a:solidFill>
+        <a:gradFill rotWithShape="1">
+          <a:gsLst>
+            <a:gs pos="0">
+              <a:schemeClr val="phClr">
+                <a:tint val="93000"/>
+                <a:satMod val="150000"/>
+                <a:shade val="98000"/>
+                <a:lumMod val="102000"/>
+              </a:schemeClr>
+            </a:gs>
+            <a:gs pos="50000">
+              <a:schemeClr val="phClr">
+                <a:tint val="98000"/>
+                <a:satMod val="130000"/>
+                <a:shade val="90000"/>
+                <a:lumMod val="103000"/>
+              </a:schemeClr>
+            </a:gs>
+            <a:gs pos="100000">
+              <a:schemeClr val="phClr">
+                <a:shade val="63000"/>
+                <a:satMod val="120000"/>
+              </a:schemeClr>
+            </a:gs>
+          </a:gsLst>
+          <a:lin ang="5400000" scaled="0"/>
+        </a:gradFill>
+      </a:bgFillStyleLst>
+    </a:fmtScheme>
+  </a:themeElements>
+  <a:objectDefaults/>
+  <a:extraClrSchemeLst/>
+  <a:extLst>
+    <a:ext uri="{05A4C25C-085E-4340-85A3-A5531E510DB2}">
+      <thm15:themeFamily xmlns:thm15="http://schemas.microsoft.com/office/thememl/2012/main" name="Office Theme" id="{62F939B6-93AF-4DB8-9C6B-D6C7DFDC589F}" vid="{4A3C46E8-61CC-4603-A589-7422A47A8E4A}"/>
+    </a:ext>
+  </a:extLst>
+</a:theme>
 </file>
--- a/obras/obras-devtools.pptx
+++ b/obras/obras-devtools.pptx
@@ -5,7 +5,7 @@
     <p:sldMasterId id="2147483648" r:id="rId1"/>
   </p:sldMasterIdLst>
   <p:notesMasterIdLst>
-    <p:notesMasterId r:id="rId48"/>
+    <p:notesMasterId r:id="rId49"/>
   </p:notesMasterIdLst>
   <p:sldIdLst>
     <p:sldId id="256" r:id="rId2"/>
@@ -23,37 +23,38 @@
     <p:sldId id="293" r:id="rId14"/>
     <p:sldId id="282" r:id="rId15"/>
     <p:sldId id="291" r:id="rId16"/>
-    <p:sldId id="287" r:id="rId17"/>
-    <p:sldId id="302" r:id="rId18"/>
-    <p:sldId id="303" r:id="rId19"/>
-    <p:sldId id="301" r:id="rId20"/>
-    <p:sldId id="262" r:id="rId21"/>
-    <p:sldId id="299" r:id="rId22"/>
-    <p:sldId id="298" r:id="rId23"/>
-    <p:sldId id="307" r:id="rId24"/>
-    <p:sldId id="288" r:id="rId25"/>
-    <p:sldId id="263" r:id="rId26"/>
-    <p:sldId id="304" r:id="rId27"/>
-    <p:sldId id="289" r:id="rId28"/>
-    <p:sldId id="300" r:id="rId29"/>
-    <p:sldId id="305" r:id="rId30"/>
-    <p:sldId id="290" r:id="rId31"/>
-    <p:sldId id="280" r:id="rId32"/>
-    <p:sldId id="281" r:id="rId33"/>
-    <p:sldId id="294" r:id="rId34"/>
-    <p:sldId id="295" r:id="rId35"/>
-    <p:sldId id="310" r:id="rId36"/>
-    <p:sldId id="306" r:id="rId37"/>
-    <p:sldId id="308" r:id="rId38"/>
-    <p:sldId id="311" r:id="rId39"/>
-    <p:sldId id="313" r:id="rId40"/>
-    <p:sldId id="314" r:id="rId41"/>
-    <p:sldId id="315" r:id="rId42"/>
-    <p:sldId id="316" r:id="rId43"/>
-    <p:sldId id="309" r:id="rId44"/>
-    <p:sldId id="312" r:id="rId45"/>
-    <p:sldId id="296" r:id="rId46"/>
-    <p:sldId id="297" r:id="rId47"/>
+    <p:sldId id="307" r:id="rId17"/>
+    <p:sldId id="287" r:id="rId18"/>
+    <p:sldId id="302" r:id="rId19"/>
+    <p:sldId id="303" r:id="rId20"/>
+    <p:sldId id="301" r:id="rId21"/>
+    <p:sldId id="262" r:id="rId22"/>
+    <p:sldId id="299" r:id="rId23"/>
+    <p:sldId id="298" r:id="rId24"/>
+    <p:sldId id="317" r:id="rId25"/>
+    <p:sldId id="288" r:id="rId26"/>
+    <p:sldId id="263" r:id="rId27"/>
+    <p:sldId id="304" r:id="rId28"/>
+    <p:sldId id="289" r:id="rId29"/>
+    <p:sldId id="300" r:id="rId30"/>
+    <p:sldId id="305" r:id="rId31"/>
+    <p:sldId id="290" r:id="rId32"/>
+    <p:sldId id="280" r:id="rId33"/>
+    <p:sldId id="281" r:id="rId34"/>
+    <p:sldId id="294" r:id="rId35"/>
+    <p:sldId id="295" r:id="rId36"/>
+    <p:sldId id="310" r:id="rId37"/>
+    <p:sldId id="306" r:id="rId38"/>
+    <p:sldId id="308" r:id="rId39"/>
+    <p:sldId id="311" r:id="rId40"/>
+    <p:sldId id="313" r:id="rId41"/>
+    <p:sldId id="314" r:id="rId42"/>
+    <p:sldId id="315" r:id="rId43"/>
+    <p:sldId id="316" r:id="rId44"/>
+    <p:sldId id="309" r:id="rId45"/>
+    <p:sldId id="312" r:id="rId46"/>
+    <p:sldId id="296" r:id="rId47"/>
+    <p:sldId id="297" r:id="rId48"/>
   </p:sldIdLst>
   <p:sldSz cx="12192000" cy="6858000"/>
   <p:notesSz cx="6858000" cy="9144000"/>
@@ -574,7 +575,7 @@
           <a:p>
             <a:fld id="{E0A443AD-DFAD-4E1D-BCCD-C3C5CA1AD359}" type="slidenum">
               <a:rPr lang="pt-BR" smtClean="0"/>
-              <a:t>39</a:t>
+              <a:t>40</a:t>
             </a:fld>
             <a:endParaRPr lang="pt-BR"/>
           </a:p>
@@ -658,7 +659,7 @@
           <a:p>
             <a:fld id="{E0A443AD-DFAD-4E1D-BCCD-C3C5CA1AD359}" type="slidenum">
               <a:rPr lang="pt-BR" smtClean="0"/>
-              <a:t>41</a:t>
+              <a:t>42</a:t>
             </a:fld>
             <a:endParaRPr lang="pt-BR"/>
           </a:p>
@@ -5169,7 +5170,12 @@
             <p:ph type="body" sz="half" idx="2"/>
           </p:nvPr>
         </p:nvSpPr>
-        <p:spPr/>
+        <p:spPr>
+          <a:xfrm>
+            <a:off x="128588" y="3881395"/>
+            <a:ext cx="3519776" cy="2173356"/>
+          </a:xfrm>
+        </p:spPr>
         <p:txBody>
           <a:bodyPr>
             <a:normAutofit/>
@@ -5177,93 +5183,356 @@
           <a:lstStyle/>
           <a:p>
             <a:r>
-              <a:rPr lang="pt-BR" sz="2000" b="1" dirty="0">
+              <a:rPr lang="pt-BR" b="1" dirty="0">
                 <a:latin typeface="Courier New" panose="02070309020205020404" pitchFamily="49" charset="0"/>
                 <a:cs typeface="Courier New" panose="02070309020205020404" pitchFamily="49" charset="0"/>
               </a:rPr>
               <a:t>$ </a:t>
             </a:r>
             <a:r>
-              <a:rPr lang="pt-BR" sz="2000" b="1" dirty="0" err="1">
+              <a:rPr lang="pt-BR" b="1" dirty="0" err="1">
                 <a:latin typeface="Courier New" panose="02070309020205020404" pitchFamily="49" charset="0"/>
                 <a:cs typeface="Courier New" panose="02070309020205020404" pitchFamily="49" charset="0"/>
               </a:rPr>
               <a:t>obras_utils</a:t>
             </a:r>
             <a:r>
-              <a:rPr lang="pt-BR" sz="2000" b="1" dirty="0">
+              <a:rPr lang="pt-BR" b="1" dirty="0">
                 <a:latin typeface="Courier New" panose="02070309020205020404" pitchFamily="49" charset="0"/>
                 <a:cs typeface="Courier New" panose="02070309020205020404" pitchFamily="49" charset="0"/>
               </a:rPr>
               <a:t> update</a:t>
             </a:r>
             <a:br>
-              <a:rPr lang="pt-BR" sz="2000" b="1" dirty="0">
+              <a:rPr lang="pt-BR" b="1" dirty="0">
                 <a:latin typeface="Courier New" panose="02070309020205020404" pitchFamily="49" charset="0"/>
                 <a:cs typeface="Courier New" panose="02070309020205020404" pitchFamily="49" charset="0"/>
               </a:rPr>
             </a:br>
             <a:r>
-              <a:rPr lang="pt-BR" sz="2000" b="1" dirty="0">
+              <a:rPr lang="pt-BR" b="1" dirty="0">
                 <a:latin typeface="Courier New" panose="02070309020205020404" pitchFamily="49" charset="0"/>
                 <a:cs typeface="Courier New" panose="02070309020205020404" pitchFamily="49" charset="0"/>
               </a:rPr>
               <a:t>:</a:t>
             </a:r>
             <a:br>
-              <a:rPr lang="pt-BR" sz="2000" b="1" dirty="0">
+              <a:rPr lang="pt-BR" b="1" dirty="0">
                 <a:latin typeface="Courier New" panose="02070309020205020404" pitchFamily="49" charset="0"/>
                 <a:cs typeface="Courier New" panose="02070309020205020404" pitchFamily="49" charset="0"/>
               </a:rPr>
             </a:br>
             <a:br>
+              <a:rPr lang="pt-BR" b="1" dirty="0">
+                <a:latin typeface="Courier New" panose="02070309020205020404" pitchFamily="49" charset="0"/>
+                <a:cs typeface="Courier New" panose="02070309020205020404" pitchFamily="49" charset="0"/>
+              </a:rPr>
+            </a:br>
+            <a:r>
+              <a:rPr lang="pt-BR" b="1" dirty="0">
+                <a:latin typeface="Courier New" panose="02070309020205020404" pitchFamily="49" charset="0"/>
+                <a:cs typeface="Courier New" panose="02070309020205020404" pitchFamily="49" charset="0"/>
+              </a:rPr>
+              <a:t>$ </a:t>
+            </a:r>
+            <a:r>
+              <a:rPr lang="pt-BR" b="1" dirty="0" err="1">
+                <a:latin typeface="Courier New" panose="02070309020205020404" pitchFamily="49" charset="0"/>
+                <a:cs typeface="Courier New" panose="02070309020205020404" pitchFamily="49" charset="0"/>
+              </a:rPr>
+              <a:t>obras_utils</a:t>
+            </a:r>
+            <a:r>
+              <a:rPr lang="pt-BR" b="1" dirty="0">
+                <a:latin typeface="Courier New" panose="02070309020205020404" pitchFamily="49" charset="0"/>
+                <a:cs typeface="Courier New" panose="02070309020205020404" pitchFamily="49" charset="0"/>
+              </a:rPr>
+              <a:t> </a:t>
+            </a:r>
+            <a:r>
+              <a:rPr lang="pt-BR" b="1" dirty="0" err="1">
+                <a:latin typeface="Courier New" panose="02070309020205020404" pitchFamily="49" charset="0"/>
+                <a:cs typeface="Courier New" panose="02070309020205020404" pitchFamily="49" charset="0"/>
+              </a:rPr>
+              <a:t>update_deps</a:t>
+            </a:r>
+            <a:br>
+              <a:rPr lang="pt-BR" b="1" dirty="0">
+                <a:latin typeface="Courier New" panose="02070309020205020404" pitchFamily="49" charset="0"/>
+                <a:cs typeface="Courier New" panose="02070309020205020404" pitchFamily="49" charset="0"/>
+              </a:rPr>
+            </a:br>
+            <a:r>
+              <a:rPr lang="pt-BR" b="1" dirty="0">
+                <a:latin typeface="Courier New" panose="02070309020205020404" pitchFamily="49" charset="0"/>
+                <a:cs typeface="Courier New" panose="02070309020205020404" pitchFamily="49" charset="0"/>
+              </a:rPr>
+              <a:t>:</a:t>
+            </a:r>
+            <a:endParaRPr lang="pt-BR" dirty="0"/>
+          </a:p>
+        </p:txBody>
+      </p:sp>
+      <p:sp>
+        <p:nvSpPr>
+          <p:cNvPr id="5" name="Espaço Reservado para Texto 8">
+            <a:extLst>
+              <a:ext uri="{FF2B5EF4-FFF2-40B4-BE49-F238E27FC236}">
+                <a16:creationId xmlns:a16="http://schemas.microsoft.com/office/drawing/2014/main" id="{66A30057-320C-4031-9F95-BFBF35470EC8}"/>
+              </a:ext>
+            </a:extLst>
+          </p:cNvPr>
+          <p:cNvSpPr txBox="1">
+            <a:spLocks/>
+          </p:cNvSpPr>
+          <p:nvPr/>
+        </p:nvSpPr>
+        <p:spPr>
+          <a:xfrm>
+            <a:off x="128588" y="1246909"/>
+            <a:ext cx="3519776" cy="2173356"/>
+          </a:xfrm>
+          <a:prstGeom prst="rect">
+            <a:avLst/>
+          </a:prstGeom>
+        </p:spPr>
+        <p:txBody>
+          <a:bodyPr vert="horz" lIns="91440" tIns="45720" rIns="91440" bIns="45720" rtlCol="0">
+            <a:noAutofit/>
+          </a:bodyPr>
+          <a:lstStyle>
+            <a:lvl1pPr marL="0" indent="0" algn="l" defTabSz="914400" rtl="0" eaLnBrk="1" latinLnBrk="0" hangingPunct="1">
+              <a:lnSpc>
+                <a:spcPct val="90000"/>
+              </a:lnSpc>
+              <a:spcBef>
+                <a:spcPts val="1000"/>
+              </a:spcBef>
+              <a:buFont typeface="Arial" panose="020B0604020202020204" pitchFamily="34" charset="0"/>
+              <a:buNone/>
+              <a:defRPr sz="1600" kern="1200">
+                <a:solidFill>
+                  <a:schemeClr val="tx1"/>
+                </a:solidFill>
+                <a:latin typeface="+mn-lt"/>
+                <a:ea typeface="+mn-ea"/>
+                <a:cs typeface="+mn-cs"/>
+              </a:defRPr>
+            </a:lvl1pPr>
+            <a:lvl2pPr marL="457200" indent="0" algn="l" defTabSz="914400" rtl="0" eaLnBrk="1" latinLnBrk="0" hangingPunct="1">
+              <a:lnSpc>
+                <a:spcPct val="90000"/>
+              </a:lnSpc>
+              <a:spcBef>
+                <a:spcPts val="500"/>
+              </a:spcBef>
+              <a:buFont typeface="Arial" panose="020B0604020202020204" pitchFamily="34" charset="0"/>
+              <a:buNone/>
+              <a:defRPr sz="1400" kern="1200">
+                <a:solidFill>
+                  <a:schemeClr val="tx1"/>
+                </a:solidFill>
+                <a:latin typeface="+mn-lt"/>
+                <a:ea typeface="+mn-ea"/>
+                <a:cs typeface="+mn-cs"/>
+              </a:defRPr>
+            </a:lvl2pPr>
+            <a:lvl3pPr marL="914400" indent="0" algn="l" defTabSz="914400" rtl="0" eaLnBrk="1" latinLnBrk="0" hangingPunct="1">
+              <a:lnSpc>
+                <a:spcPct val="90000"/>
+              </a:lnSpc>
+              <a:spcBef>
+                <a:spcPts val="500"/>
+              </a:spcBef>
+              <a:buFont typeface="Arial" panose="020B0604020202020204" pitchFamily="34" charset="0"/>
+              <a:buNone/>
+              <a:defRPr sz="1200" kern="1200">
+                <a:solidFill>
+                  <a:schemeClr val="tx1"/>
+                </a:solidFill>
+                <a:latin typeface="+mn-lt"/>
+                <a:ea typeface="+mn-ea"/>
+                <a:cs typeface="+mn-cs"/>
+              </a:defRPr>
+            </a:lvl3pPr>
+            <a:lvl4pPr marL="1371600" indent="0" algn="l" defTabSz="914400" rtl="0" eaLnBrk="1" latinLnBrk="0" hangingPunct="1">
+              <a:lnSpc>
+                <a:spcPct val="90000"/>
+              </a:lnSpc>
+              <a:spcBef>
+                <a:spcPts val="500"/>
+              </a:spcBef>
+              <a:buFont typeface="Arial" panose="020B0604020202020204" pitchFamily="34" charset="0"/>
+              <a:buNone/>
+              <a:defRPr sz="1000" kern="1200">
+                <a:solidFill>
+                  <a:schemeClr val="tx1"/>
+                </a:solidFill>
+                <a:latin typeface="+mn-lt"/>
+                <a:ea typeface="+mn-ea"/>
+                <a:cs typeface="+mn-cs"/>
+              </a:defRPr>
+            </a:lvl4pPr>
+            <a:lvl5pPr marL="1828800" indent="0" algn="l" defTabSz="914400" rtl="0" eaLnBrk="1" latinLnBrk="0" hangingPunct="1">
+              <a:lnSpc>
+                <a:spcPct val="90000"/>
+              </a:lnSpc>
+              <a:spcBef>
+                <a:spcPts val="500"/>
+              </a:spcBef>
+              <a:buFont typeface="Arial" panose="020B0604020202020204" pitchFamily="34" charset="0"/>
+              <a:buNone/>
+              <a:defRPr sz="1000" kern="1200">
+                <a:solidFill>
+                  <a:schemeClr val="tx1"/>
+                </a:solidFill>
+                <a:latin typeface="+mn-lt"/>
+                <a:ea typeface="+mn-ea"/>
+                <a:cs typeface="+mn-cs"/>
+              </a:defRPr>
+            </a:lvl5pPr>
+            <a:lvl6pPr marL="2286000" indent="0" algn="l" defTabSz="914400" rtl="0" eaLnBrk="1" latinLnBrk="0" hangingPunct="1">
+              <a:lnSpc>
+                <a:spcPct val="90000"/>
+              </a:lnSpc>
+              <a:spcBef>
+                <a:spcPts val="500"/>
+              </a:spcBef>
+              <a:buFont typeface="Arial" panose="020B0604020202020204" pitchFamily="34" charset="0"/>
+              <a:buNone/>
+              <a:defRPr sz="1000" kern="1200">
+                <a:solidFill>
+                  <a:schemeClr val="tx1"/>
+                </a:solidFill>
+                <a:latin typeface="+mn-lt"/>
+                <a:ea typeface="+mn-ea"/>
+                <a:cs typeface="+mn-cs"/>
+              </a:defRPr>
+            </a:lvl6pPr>
+            <a:lvl7pPr marL="2743200" indent="0" algn="l" defTabSz="914400" rtl="0" eaLnBrk="1" latinLnBrk="0" hangingPunct="1">
+              <a:lnSpc>
+                <a:spcPct val="90000"/>
+              </a:lnSpc>
+              <a:spcBef>
+                <a:spcPts val="500"/>
+              </a:spcBef>
+              <a:buFont typeface="Arial" panose="020B0604020202020204" pitchFamily="34" charset="0"/>
+              <a:buNone/>
+              <a:defRPr sz="1000" kern="1200">
+                <a:solidFill>
+                  <a:schemeClr val="tx1"/>
+                </a:solidFill>
+                <a:latin typeface="+mn-lt"/>
+                <a:ea typeface="+mn-ea"/>
+                <a:cs typeface="+mn-cs"/>
+              </a:defRPr>
+            </a:lvl7pPr>
+            <a:lvl8pPr marL="3200400" indent="0" algn="l" defTabSz="914400" rtl="0" eaLnBrk="1" latinLnBrk="0" hangingPunct="1">
+              <a:lnSpc>
+                <a:spcPct val="90000"/>
+              </a:lnSpc>
+              <a:spcBef>
+                <a:spcPts val="500"/>
+              </a:spcBef>
+              <a:buFont typeface="Arial" panose="020B0604020202020204" pitchFamily="34" charset="0"/>
+              <a:buNone/>
+              <a:defRPr sz="1000" kern="1200">
+                <a:solidFill>
+                  <a:schemeClr val="tx1"/>
+                </a:solidFill>
+                <a:latin typeface="+mn-lt"/>
+                <a:ea typeface="+mn-ea"/>
+                <a:cs typeface="+mn-cs"/>
+              </a:defRPr>
+            </a:lvl8pPr>
+            <a:lvl9pPr marL="3657600" indent="0" algn="l" defTabSz="914400" rtl="0" eaLnBrk="1" latinLnBrk="0" hangingPunct="1">
+              <a:lnSpc>
+                <a:spcPct val="90000"/>
+              </a:lnSpc>
+              <a:spcBef>
+                <a:spcPts val="500"/>
+              </a:spcBef>
+              <a:buFont typeface="Arial" panose="020B0604020202020204" pitchFamily="34" charset="0"/>
+              <a:buNone/>
+              <a:defRPr sz="1000" kern="1200">
+                <a:solidFill>
+                  <a:schemeClr val="tx1"/>
+                </a:solidFill>
+                <a:latin typeface="+mn-lt"/>
+                <a:ea typeface="+mn-ea"/>
+                <a:cs typeface="+mn-cs"/>
+              </a:defRPr>
+            </a:lvl9pPr>
+          </a:lstStyle>
+          <a:p>
+            <a:r>
+              <a:rPr lang="pt-BR" sz="2000" dirty="0"/>
+              <a:t>Com a opção </a:t>
+            </a:r>
+            <a:r>
               <a:rPr lang="pt-BR" sz="2000" b="1" dirty="0">
                 <a:latin typeface="Courier New" panose="02070309020205020404" pitchFamily="49" charset="0"/>
                 <a:cs typeface="Courier New" panose="02070309020205020404" pitchFamily="49" charset="0"/>
               </a:rPr>
+              <a:t>update, a</a:t>
+            </a:r>
+            <a:r>
+              <a:rPr lang="pt-BR" sz="2000" dirty="0"/>
+              <a:t>tualiza-se </a:t>
+            </a:r>
+            <a:r>
+              <a:rPr lang="pt-BR" sz="2000" b="1" dirty="0"/>
+              <a:t>Obras </a:t>
+            </a:r>
+            <a:r>
+              <a:rPr lang="pt-BR" sz="2000" b="1" dirty="0" err="1"/>
+              <a:t>devTools</a:t>
+            </a:r>
+            <a:r>
+              <a:rPr lang="pt-BR" sz="2000" b="1" dirty="0"/>
+              <a:t> </a:t>
+            </a:r>
+            <a:r>
+              <a:rPr lang="pt-BR" sz="2000" dirty="0"/>
+              <a:t>de acordo com a ultima revisão no </a:t>
+            </a:r>
+            <a:r>
+              <a:rPr lang="pt-BR" sz="2000" dirty="0" err="1"/>
+              <a:t>Github</a:t>
+            </a:r>
+            <a:r>
+              <a:rPr lang="pt-BR" sz="2000" dirty="0"/>
+              <a:t>. </a:t>
+            </a:r>
+            <a:br>
+              <a:rPr lang="pt-BR" sz="2000" dirty="0"/>
             </a:br>
-            <a:r>
-              <a:rPr lang="pt-BR" sz="2000" b="1" dirty="0">
-                <a:latin typeface="Courier New" panose="02070309020205020404" pitchFamily="49" charset="0"/>
-                <a:cs typeface="Courier New" panose="02070309020205020404" pitchFamily="49" charset="0"/>
-              </a:rPr>
-              <a:t>$ </a:t>
+            <a:br>
+              <a:rPr lang="pt-BR" sz="2000" dirty="0"/>
+            </a:br>
+            <a:r>
+              <a:rPr lang="pt-BR" sz="2000" dirty="0"/>
+              <a:t>A atualização das é realizado pela </a:t>
+            </a:r>
+            <a:r>
+              <a:rPr lang="pt-BR" sz="2000" dirty="0" err="1"/>
+              <a:t>opçãodependências</a:t>
+            </a:r>
+            <a:r>
+              <a:rPr lang="pt-BR" sz="2000" dirty="0"/>
+              <a:t> </a:t>
             </a:r>
             <a:r>
               <a:rPr lang="pt-BR" sz="2000" b="1" dirty="0" err="1">
                 <a:latin typeface="Courier New" panose="02070309020205020404" pitchFamily="49" charset="0"/>
                 <a:cs typeface="Courier New" panose="02070309020205020404" pitchFamily="49" charset="0"/>
               </a:rPr>
-              <a:t>obras_utils</a:t>
-            </a:r>
-            <a:r>
-              <a:rPr lang="pt-BR" sz="2000" b="1" dirty="0">
-                <a:latin typeface="Courier New" panose="02070309020205020404" pitchFamily="49" charset="0"/>
-                <a:cs typeface="Courier New" panose="02070309020205020404" pitchFamily="49" charset="0"/>
-              </a:rPr>
-              <a:t> </a:t>
-            </a:r>
-            <a:r>
-              <a:rPr lang="pt-BR" sz="2000" b="1" dirty="0" err="1">
-                <a:latin typeface="Courier New" panose="02070309020205020404" pitchFamily="49" charset="0"/>
-                <a:cs typeface="Courier New" panose="02070309020205020404" pitchFamily="49" charset="0"/>
-              </a:rPr>
               <a:t>update_deps</a:t>
             </a:r>
-            <a:br>
-              <a:rPr lang="pt-BR" sz="2000" b="1" dirty="0">
-                <a:latin typeface="Courier New" panose="02070309020205020404" pitchFamily="49" charset="0"/>
-                <a:cs typeface="Courier New" panose="02070309020205020404" pitchFamily="49" charset="0"/>
-              </a:rPr>
-            </a:br>
-            <a:r>
-              <a:rPr lang="pt-BR" sz="2000" b="1" dirty="0">
-                <a:latin typeface="Courier New" panose="02070309020205020404" pitchFamily="49" charset="0"/>
-                <a:cs typeface="Courier New" panose="02070309020205020404" pitchFamily="49" charset="0"/>
-              </a:rPr>
-              <a:t>:</a:t>
-            </a:r>
-            <a:endParaRPr lang="pt-BR" sz="2000" dirty="0"/>
+            <a:endParaRPr lang="pt-BR" sz="2000" b="1" dirty="0">
+              <a:latin typeface="Courier New" panose="02070309020205020404" pitchFamily="49" charset="0"/>
+              <a:cs typeface="Courier New" panose="02070309020205020404" pitchFamily="49" charset="0"/>
+            </a:endParaRPr>
           </a:p>
         </p:txBody>
       </p:sp>
@@ -5281,6 +5550,161 @@
 </file>
 
 <file path=ppt/slides/slide16.xml><?xml version="1.0" encoding="utf-8"?>
+<p:sld xmlns:a="http://schemas.openxmlformats.org/drawingml/2006/main" xmlns:r="http://schemas.openxmlformats.org/officeDocument/2006/relationships" xmlns:p="http://schemas.openxmlformats.org/presentationml/2006/main">
+  <p:cSld>
+    <p:spTree>
+      <p:nvGrpSpPr>
+        <p:cNvPr id="1" name=""/>
+        <p:cNvGrpSpPr/>
+        <p:nvPr/>
+      </p:nvGrpSpPr>
+      <p:grpSpPr>
+        <a:xfrm>
+          <a:off x="0" y="0"/>
+          <a:ext cx="0" cy="0"/>
+          <a:chOff x="0" y="0"/>
+          <a:chExt cx="0" cy="0"/>
+        </a:xfrm>
+      </p:grpSpPr>
+      <p:sp>
+        <p:nvSpPr>
+          <p:cNvPr id="2" name="Título 1">
+            <a:extLst>
+              <a:ext uri="{FF2B5EF4-FFF2-40B4-BE49-F238E27FC236}">
+                <a16:creationId xmlns:a16="http://schemas.microsoft.com/office/drawing/2014/main" id="{3E516DF0-911B-4D22-8061-C05CE57B19E4}"/>
+              </a:ext>
+            </a:extLst>
+          </p:cNvPr>
+          <p:cNvSpPr>
+            <a:spLocks noGrp="1"/>
+          </p:cNvSpPr>
+          <p:nvPr>
+            <p:ph type="title" idx="4294967295"/>
+          </p:nvPr>
+        </p:nvSpPr>
+        <p:spPr>
+          <a:xfrm>
+            <a:off x="1457325" y="207963"/>
+            <a:ext cx="10734675" cy="762000"/>
+          </a:xfrm>
+        </p:spPr>
+        <p:txBody>
+          <a:bodyPr>
+            <a:normAutofit fontScale="90000"/>
+          </a:bodyPr>
+          <a:lstStyle/>
+          <a:p>
+            <a:r>
+              <a:rPr lang="pt-BR" sz="4400" b="1" dirty="0"/>
+              <a:t>Atualizaç</a:t>
+            </a:r>
+            <a:r>
+              <a:rPr lang="pt-BR" b="1" dirty="0"/>
+              <a:t>ão</a:t>
+            </a:r>
+            <a:br>
+              <a:rPr lang="pt-BR" sz="4400" dirty="0"/>
+            </a:br>
+            <a:endParaRPr lang="pt-BR" dirty="0"/>
+          </a:p>
+        </p:txBody>
+      </p:sp>
+      <p:pic>
+        <p:nvPicPr>
+          <p:cNvPr id="7" name="Imagem 6">
+            <a:extLst>
+              <a:ext uri="{FF2B5EF4-FFF2-40B4-BE49-F238E27FC236}">
+                <a16:creationId xmlns:a16="http://schemas.microsoft.com/office/drawing/2014/main" id="{22D45D4E-34C5-454C-9A76-D377D3C3ABB5}"/>
+              </a:ext>
+            </a:extLst>
+          </p:cNvPr>
+          <p:cNvPicPr>
+            <a:picLocks noChangeAspect="1"/>
+          </p:cNvPicPr>
+          <p:nvPr/>
+        </p:nvPicPr>
+        <p:blipFill>
+          <a:blip r:embed="rId2"/>
+          <a:stretch>
+            <a:fillRect/>
+          </a:stretch>
+        </p:blipFill>
+        <p:spPr>
+          <a:xfrm>
+            <a:off x="251101" y="1238165"/>
+            <a:ext cx="11300654" cy="5411872"/>
+          </a:xfrm>
+          <a:prstGeom prst="rect">
+            <a:avLst/>
+          </a:prstGeom>
+        </p:spPr>
+      </p:pic>
+      <p:sp>
+        <p:nvSpPr>
+          <p:cNvPr id="8" name="Elipse 7">
+            <a:extLst>
+              <a:ext uri="{FF2B5EF4-FFF2-40B4-BE49-F238E27FC236}">
+                <a16:creationId xmlns:a16="http://schemas.microsoft.com/office/drawing/2014/main" id="{10FB23EA-4963-4CFF-BAF8-C8822AB05716}"/>
+              </a:ext>
+            </a:extLst>
+          </p:cNvPr>
+          <p:cNvSpPr/>
+          <p:nvPr/>
+        </p:nvSpPr>
+        <p:spPr>
+          <a:xfrm>
+            <a:off x="251101" y="3084598"/>
+            <a:ext cx="4321628" cy="1077686"/>
+          </a:xfrm>
+          <a:prstGeom prst="ellipse">
+            <a:avLst/>
+          </a:prstGeom>
+          <a:noFill/>
+          <a:ln w="28575">
+            <a:solidFill>
+              <a:srgbClr val="FF0000"/>
+            </a:solidFill>
+          </a:ln>
+        </p:spPr>
+        <p:style>
+          <a:lnRef idx="2">
+            <a:schemeClr val="accent1">
+              <a:shade val="50000"/>
+            </a:schemeClr>
+          </a:lnRef>
+          <a:fillRef idx="1">
+            <a:schemeClr val="accent1"/>
+          </a:fillRef>
+          <a:effectRef idx="0">
+            <a:schemeClr val="accent1"/>
+          </a:effectRef>
+          <a:fontRef idx="minor">
+            <a:schemeClr val="lt1"/>
+          </a:fontRef>
+        </p:style>
+        <p:txBody>
+          <a:bodyPr rtlCol="0" anchor="ctr"/>
+          <a:lstStyle/>
+          <a:p>
+            <a:pPr algn="ctr"/>
+            <a:endParaRPr lang="pt-BR"/>
+          </a:p>
+        </p:txBody>
+      </p:sp>
+    </p:spTree>
+    <p:extLst>
+      <p:ext uri="{BB962C8B-B14F-4D97-AF65-F5344CB8AC3E}">
+        <p14:creationId xmlns:p14="http://schemas.microsoft.com/office/powerpoint/2010/main" val="4235058978"/>
+      </p:ext>
+    </p:extLst>
+  </p:cSld>
+  <p:clrMapOvr>
+    <a:masterClrMapping/>
+  </p:clrMapOvr>
+</p:sld>
+</file>
+
+<file path=ppt/slides/slide17.xml><?xml version="1.0" encoding="utf-8"?>
 <p:sld xmlns:a="http://schemas.openxmlformats.org/drawingml/2006/main" xmlns:r="http://schemas.openxmlformats.org/officeDocument/2006/relationships" xmlns:p="http://schemas.openxmlformats.org/presentationml/2006/main">
   <p:cSld>
     <p:bg>
@@ -6264,7 +6688,7 @@
 </p:sld>
 </file>
 
-<file path=ppt/slides/slide17.xml><?xml version="1.0" encoding="utf-8"?>
+<file path=ppt/slides/slide18.xml><?xml version="1.0" encoding="utf-8"?>
 <p:sld xmlns:a="http://schemas.openxmlformats.org/drawingml/2006/main" xmlns:r="http://schemas.openxmlformats.org/officeDocument/2006/relationships" xmlns:p="http://schemas.openxmlformats.org/presentationml/2006/main">
   <p:cSld>
     <p:spTree>
@@ -6458,7 +6882,7 @@
 </p:sld>
 </file>
 
-<file path=ppt/slides/slide18.xml><?xml version="1.0" encoding="utf-8"?>
+<file path=ppt/slides/slide19.xml><?xml version="1.0" encoding="utf-8"?>
 <p:sld xmlns:a="http://schemas.openxmlformats.org/drawingml/2006/main" xmlns:r="http://schemas.openxmlformats.org/officeDocument/2006/relationships" xmlns:p="http://schemas.openxmlformats.org/presentationml/2006/main">
   <p:cSld>
     <p:spTree>
@@ -6644,7 +7068,267 @@
 </p:sld>
 </file>
 
-<file path=ppt/slides/slide19.xml><?xml version="1.0" encoding="utf-8"?>
+<file path=ppt/slides/slide2.xml><?xml version="1.0" encoding="utf-8"?>
+<p:sld xmlns:a="http://schemas.openxmlformats.org/drawingml/2006/main" xmlns:r="http://schemas.openxmlformats.org/officeDocument/2006/relationships" xmlns:p="http://schemas.openxmlformats.org/presentationml/2006/main">
+  <p:cSld>
+    <p:spTree>
+      <p:nvGrpSpPr>
+        <p:cNvPr id="1" name=""/>
+        <p:cNvGrpSpPr/>
+        <p:nvPr/>
+      </p:nvGrpSpPr>
+      <p:grpSpPr>
+        <a:xfrm>
+          <a:off x="0" y="0"/>
+          <a:ext cx="0" cy="0"/>
+          <a:chOff x="0" y="0"/>
+          <a:chExt cx="0" cy="0"/>
+        </a:xfrm>
+      </p:grpSpPr>
+      <p:sp>
+        <p:nvSpPr>
+          <p:cNvPr id="2" name="Título 1">
+            <a:extLst>
+              <a:ext uri="{FF2B5EF4-FFF2-40B4-BE49-F238E27FC236}">
+                <a16:creationId xmlns:a16="http://schemas.microsoft.com/office/drawing/2014/main" id="{B9BC6912-5A69-4893-9B9B-2B12F506195E}"/>
+              </a:ext>
+            </a:extLst>
+          </p:cNvPr>
+          <p:cNvSpPr>
+            <a:spLocks noGrp="1"/>
+          </p:cNvSpPr>
+          <p:nvPr>
+            <p:ph type="title"/>
+          </p:nvPr>
+        </p:nvSpPr>
+        <p:spPr/>
+        <p:txBody>
+          <a:bodyPr/>
+          <a:lstStyle/>
+          <a:p>
+            <a:r>
+              <a:rPr lang="pt-BR" b="1" dirty="0"/>
+              <a:t>Tópicos</a:t>
+            </a:r>
+          </a:p>
+        </p:txBody>
+      </p:sp>
+      <p:sp>
+        <p:nvSpPr>
+          <p:cNvPr id="3" name="Espaço Reservado para Conteúdo 2">
+            <a:extLst>
+              <a:ext uri="{FF2B5EF4-FFF2-40B4-BE49-F238E27FC236}">
+                <a16:creationId xmlns:a16="http://schemas.microsoft.com/office/drawing/2014/main" id="{ABAE822D-C72D-4404-B1C4-866911504C8B}"/>
+              </a:ext>
+            </a:extLst>
+          </p:cNvPr>
+          <p:cNvSpPr>
+            <a:spLocks noGrp="1"/>
+          </p:cNvSpPr>
+          <p:nvPr>
+            <p:ph type="body" sz="half" idx="2"/>
+          </p:nvPr>
+        </p:nvSpPr>
+        <p:spPr/>
+        <p:txBody>
+          <a:bodyPr>
+            <a:normAutofit fontScale="92500" lnSpcReduction="20000"/>
+          </a:bodyPr>
+          <a:lstStyle/>
+          <a:p>
+            <a:r>
+              <a:rPr lang="pt-BR" sz="2000" dirty="0"/>
+              <a:t>Objetivo</a:t>
+            </a:r>
+          </a:p>
+          <a:p>
+            <a:r>
+              <a:rPr lang="pt-BR" sz="2000" dirty="0"/>
+              <a:t>Vantagens</a:t>
+            </a:r>
+          </a:p>
+          <a:p>
+            <a:r>
+              <a:rPr lang="pt-BR" sz="2000" dirty="0"/>
+              <a:t>Implementação</a:t>
+            </a:r>
+          </a:p>
+          <a:p>
+            <a:r>
+              <a:rPr lang="pt-BR" sz="2000" dirty="0"/>
+              <a:t>Instalação, configuração, inicialização e atualização</a:t>
+            </a:r>
+            <a:br>
+              <a:rPr lang="pt-BR" sz="2000" dirty="0"/>
+            </a:br>
+            <a:br>
+              <a:rPr lang="pt-BR" sz="2000" dirty="0"/>
+            </a:br>
+            <a:r>
+              <a:rPr lang="pt-BR" sz="2000" dirty="0"/>
+              <a:t>DB Backups e Update</a:t>
+            </a:r>
+          </a:p>
+          <a:p>
+            <a:r>
+              <a:rPr lang="pt-BR" sz="2000" dirty="0"/>
+              <a:t>Teste automático com </a:t>
+            </a:r>
+            <a:r>
+              <a:rPr lang="pt-BR" sz="2000" b="1" dirty="0" err="1"/>
+              <a:t>Minitest</a:t>
+            </a:r>
+            <a:r>
+              <a:rPr lang="pt-BR" sz="2000" dirty="0"/>
+              <a:t> e </a:t>
+            </a:r>
+            <a:r>
+              <a:rPr lang="pt-BR" sz="2000" b="1" dirty="0" err="1"/>
+              <a:t>Rspec</a:t>
+            </a:r>
+            <a:endParaRPr lang="pt-BR" sz="2000" b="1" dirty="0"/>
+          </a:p>
+          <a:p>
+            <a:r>
+              <a:rPr lang="pt-BR" sz="2000" dirty="0"/>
+              <a:t>Padrões de estilo e formato com </a:t>
+            </a:r>
+            <a:r>
+              <a:rPr lang="pt-BR" sz="2000" b="1" dirty="0" err="1"/>
+              <a:t>Rubocop</a:t>
+            </a:r>
+            <a:endParaRPr lang="pt-BR" sz="2000" b="1" dirty="0"/>
+          </a:p>
+          <a:p>
+            <a:r>
+              <a:rPr lang="pt-BR" sz="2000" dirty="0" err="1"/>
+              <a:t>Refatoração</a:t>
+            </a:r>
+            <a:r>
+              <a:rPr lang="pt-BR" sz="2000" dirty="0"/>
+              <a:t> com </a:t>
+            </a:r>
+            <a:r>
+              <a:rPr lang="pt-BR" sz="2000" b="1" dirty="0" err="1"/>
+              <a:t>Rubycritic</a:t>
+            </a:r>
+            <a:endParaRPr lang="pt-BR" sz="2000" b="1" dirty="0"/>
+          </a:p>
+          <a:p>
+            <a:r>
+              <a:rPr lang="pt-BR" sz="2000" dirty="0"/>
+              <a:t>Verificação de vulnerabilidades com </a:t>
+            </a:r>
+            <a:r>
+              <a:rPr lang="pt-BR" sz="2000" dirty="0" err="1"/>
+              <a:t>Bundler</a:t>
+            </a:r>
+            <a:r>
+              <a:rPr lang="pt-BR" sz="2000" dirty="0"/>
+              <a:t> </a:t>
+            </a:r>
+            <a:r>
+              <a:rPr lang="pt-BR" sz="2000" b="1" dirty="0" err="1"/>
+              <a:t>Audit</a:t>
+            </a:r>
+            <a:r>
+              <a:rPr lang="pt-BR" sz="2000" dirty="0"/>
+              <a:t> e </a:t>
+            </a:r>
+            <a:r>
+              <a:rPr lang="pt-BR" sz="2000" b="1" dirty="0" err="1"/>
+              <a:t>Brakeman</a:t>
+            </a:r>
+            <a:br>
+              <a:rPr lang="pt-BR" sz="2000" b="1" dirty="0"/>
+            </a:br>
+            <a:r>
+              <a:rPr lang="pt-BR" sz="2000" dirty="0"/>
+              <a:t> </a:t>
+            </a:r>
+            <a:br>
+              <a:rPr lang="pt-BR" sz="2000" dirty="0"/>
+            </a:br>
+            <a:r>
+              <a:rPr lang="pt-BR" sz="2000" dirty="0"/>
+              <a:t>Site </a:t>
+            </a:r>
+            <a:r>
+              <a:rPr lang="pt-BR" sz="2000" dirty="0" err="1"/>
+              <a:t>Refs</a:t>
+            </a:r>
+            <a:r>
+              <a:rPr lang="pt-BR" sz="2000" dirty="0"/>
+              <a:t> e Conexões </a:t>
+            </a:r>
+          </a:p>
+          <a:p>
+            <a:pPr marL="0" indent="0">
+              <a:buNone/>
+            </a:pPr>
+            <a:endParaRPr lang="pt-BR" dirty="0"/>
+          </a:p>
+        </p:txBody>
+      </p:sp>
+      <p:pic>
+        <p:nvPicPr>
+          <p:cNvPr id="4098" name="Picture 2" descr="Topic Modeling with NLP on Amazon Reviews | by Enes Gokce | Towards Data  Science">
+            <a:extLst>
+              <a:ext uri="{FF2B5EF4-FFF2-40B4-BE49-F238E27FC236}">
+                <a16:creationId xmlns:a16="http://schemas.microsoft.com/office/drawing/2014/main" id="{BB4D5615-3C00-4833-BFD7-25BD49D4498A}"/>
+              </a:ext>
+            </a:extLst>
+          </p:cNvPr>
+          <p:cNvPicPr>
+            <a:picLocks noGrp="1" noChangeAspect="1" noChangeArrowheads="1"/>
+          </p:cNvPicPr>
+          <p:nvPr>
+            <p:ph type="pic" idx="1"/>
+          </p:nvPr>
+        </p:nvPicPr>
+        <p:blipFill>
+          <a:blip r:embed="rId2">
+            <a:extLst>
+              <a:ext uri="{28A0092B-C50C-407E-A947-70E740481C1C}">
+                <a14:useLocalDpi xmlns:a14="http://schemas.microsoft.com/office/drawing/2010/main" val="0"/>
+              </a:ext>
+            </a:extLst>
+          </a:blip>
+          <a:srcRect l="12729" r="12729"/>
+          <a:stretch>
+            <a:fillRect/>
+          </a:stretch>
+        </p:blipFill>
+        <p:spPr bwMode="auto">
+          <a:prstGeom prst="rect">
+            <a:avLst/>
+          </a:prstGeom>
+          <a:noFill/>
+          <a:extLst>
+            <a:ext uri="{909E8E84-426E-40DD-AFC4-6F175D3DCCD1}">
+              <a14:hiddenFill xmlns:a14="http://schemas.microsoft.com/office/drawing/2010/main">
+                <a:solidFill>
+                  <a:srgbClr val="FFFFFF"/>
+                </a:solidFill>
+              </a14:hiddenFill>
+            </a:ext>
+          </a:extLst>
+        </p:spPr>
+      </p:pic>
+    </p:spTree>
+    <p:extLst>
+      <p:ext uri="{BB962C8B-B14F-4D97-AF65-F5344CB8AC3E}">
+        <p14:creationId xmlns:p14="http://schemas.microsoft.com/office/powerpoint/2010/main" val="1971762995"/>
+      </p:ext>
+    </p:extLst>
+  </p:cSld>
+  <p:clrMapOvr>
+    <a:masterClrMapping/>
+  </p:clrMapOvr>
+</p:sld>
+</file>
+
+<file path=ppt/slides/slide20.xml><?xml version="1.0" encoding="utf-8"?>
 <p:sld xmlns:a="http://schemas.openxmlformats.org/drawingml/2006/main" xmlns:r="http://schemas.openxmlformats.org/officeDocument/2006/relationships" xmlns:p="http://schemas.openxmlformats.org/presentationml/2006/main">
   <p:cSld>
     <p:bg>
@@ -7633,429 +8317,6 @@
 </p:sld>
 </file>
 
-<file path=ppt/slides/slide2.xml><?xml version="1.0" encoding="utf-8"?>
-<p:sld xmlns:a="http://schemas.openxmlformats.org/drawingml/2006/main" xmlns:r="http://schemas.openxmlformats.org/officeDocument/2006/relationships" xmlns:p="http://schemas.openxmlformats.org/presentationml/2006/main">
-  <p:cSld>
-    <p:spTree>
-      <p:nvGrpSpPr>
-        <p:cNvPr id="1" name=""/>
-        <p:cNvGrpSpPr/>
-        <p:nvPr/>
-      </p:nvGrpSpPr>
-      <p:grpSpPr>
-        <a:xfrm>
-          <a:off x="0" y="0"/>
-          <a:ext cx="0" cy="0"/>
-          <a:chOff x="0" y="0"/>
-          <a:chExt cx="0" cy="0"/>
-        </a:xfrm>
-      </p:grpSpPr>
-      <p:sp>
-        <p:nvSpPr>
-          <p:cNvPr id="2" name="Título 1">
-            <a:extLst>
-              <a:ext uri="{FF2B5EF4-FFF2-40B4-BE49-F238E27FC236}">
-                <a16:creationId xmlns:a16="http://schemas.microsoft.com/office/drawing/2014/main" id="{B9BC6912-5A69-4893-9B9B-2B12F506195E}"/>
-              </a:ext>
-            </a:extLst>
-          </p:cNvPr>
-          <p:cNvSpPr>
-            <a:spLocks noGrp="1"/>
-          </p:cNvSpPr>
-          <p:nvPr>
-            <p:ph type="title"/>
-          </p:nvPr>
-        </p:nvSpPr>
-        <p:spPr/>
-        <p:txBody>
-          <a:bodyPr/>
-          <a:lstStyle/>
-          <a:p>
-            <a:r>
-              <a:rPr lang="pt-BR" b="1" dirty="0"/>
-              <a:t>Tópicos</a:t>
-            </a:r>
-          </a:p>
-        </p:txBody>
-      </p:sp>
-      <p:sp>
-        <p:nvSpPr>
-          <p:cNvPr id="3" name="Espaço Reservado para Conteúdo 2">
-            <a:extLst>
-              <a:ext uri="{FF2B5EF4-FFF2-40B4-BE49-F238E27FC236}">
-                <a16:creationId xmlns:a16="http://schemas.microsoft.com/office/drawing/2014/main" id="{ABAE822D-C72D-4404-B1C4-866911504C8B}"/>
-              </a:ext>
-            </a:extLst>
-          </p:cNvPr>
-          <p:cNvSpPr>
-            <a:spLocks noGrp="1"/>
-          </p:cNvSpPr>
-          <p:nvPr>
-            <p:ph type="body" sz="half" idx="2"/>
-          </p:nvPr>
-        </p:nvSpPr>
-        <p:spPr/>
-        <p:txBody>
-          <a:bodyPr>
-            <a:normAutofit fontScale="92500" lnSpcReduction="20000"/>
-          </a:bodyPr>
-          <a:lstStyle/>
-          <a:p>
-            <a:r>
-              <a:rPr lang="pt-BR" sz="2000" dirty="0"/>
-              <a:t>Objetivo</a:t>
-            </a:r>
-          </a:p>
-          <a:p>
-            <a:r>
-              <a:rPr lang="pt-BR" sz="2000" dirty="0"/>
-              <a:t>Vantagens</a:t>
-            </a:r>
-          </a:p>
-          <a:p>
-            <a:r>
-              <a:rPr lang="pt-BR" sz="2000" dirty="0"/>
-              <a:t>Implementação</a:t>
-            </a:r>
-          </a:p>
-          <a:p>
-            <a:r>
-              <a:rPr lang="pt-BR" sz="2000" dirty="0"/>
-              <a:t>Instalação, configuração, inicialização e atualização</a:t>
-            </a:r>
-            <a:br>
-              <a:rPr lang="pt-BR" sz="2000" dirty="0"/>
-            </a:br>
-            <a:br>
-              <a:rPr lang="pt-BR" sz="2000" dirty="0"/>
-            </a:br>
-            <a:r>
-              <a:rPr lang="pt-BR" sz="2000" dirty="0"/>
-              <a:t>DB Backups e Update</a:t>
-            </a:r>
-          </a:p>
-          <a:p>
-            <a:r>
-              <a:rPr lang="pt-BR" sz="2000" dirty="0"/>
-              <a:t>Teste automático com </a:t>
-            </a:r>
-            <a:r>
-              <a:rPr lang="pt-BR" sz="2000" b="1" dirty="0" err="1"/>
-              <a:t>Minitest</a:t>
-            </a:r>
-            <a:r>
-              <a:rPr lang="pt-BR" sz="2000" dirty="0"/>
-              <a:t> e </a:t>
-            </a:r>
-            <a:r>
-              <a:rPr lang="pt-BR" sz="2000" b="1" dirty="0" err="1"/>
-              <a:t>Rspec</a:t>
-            </a:r>
-            <a:endParaRPr lang="pt-BR" sz="2000" b="1" dirty="0"/>
-          </a:p>
-          <a:p>
-            <a:r>
-              <a:rPr lang="pt-BR" sz="2000" dirty="0"/>
-              <a:t>Padrões de estilo e formato com </a:t>
-            </a:r>
-            <a:r>
-              <a:rPr lang="pt-BR" sz="2000" b="1" dirty="0" err="1"/>
-              <a:t>Rubocop</a:t>
-            </a:r>
-            <a:endParaRPr lang="pt-BR" sz="2000" b="1" dirty="0"/>
-          </a:p>
-          <a:p>
-            <a:r>
-              <a:rPr lang="pt-BR" sz="2000" dirty="0" err="1"/>
-              <a:t>Refatoração</a:t>
-            </a:r>
-            <a:r>
-              <a:rPr lang="pt-BR" sz="2000" dirty="0"/>
-              <a:t> com </a:t>
-            </a:r>
-            <a:r>
-              <a:rPr lang="pt-BR" sz="2000" b="1" dirty="0" err="1"/>
-              <a:t>Rubycritic</a:t>
-            </a:r>
-            <a:endParaRPr lang="pt-BR" sz="2000" b="1" dirty="0"/>
-          </a:p>
-          <a:p>
-            <a:r>
-              <a:rPr lang="pt-BR" sz="2000" dirty="0"/>
-              <a:t>Verificação de vulnerabilidades com </a:t>
-            </a:r>
-            <a:r>
-              <a:rPr lang="pt-BR" sz="2000" dirty="0" err="1"/>
-              <a:t>Bundler</a:t>
-            </a:r>
-            <a:r>
-              <a:rPr lang="pt-BR" sz="2000" dirty="0"/>
-              <a:t> </a:t>
-            </a:r>
-            <a:r>
-              <a:rPr lang="pt-BR" sz="2000" b="1" dirty="0" err="1"/>
-              <a:t>Audit</a:t>
-            </a:r>
-            <a:r>
-              <a:rPr lang="pt-BR" sz="2000" dirty="0"/>
-              <a:t> e </a:t>
-            </a:r>
-            <a:r>
-              <a:rPr lang="pt-BR" sz="2000" b="1" dirty="0" err="1"/>
-              <a:t>Brakeman</a:t>
-            </a:r>
-            <a:br>
-              <a:rPr lang="pt-BR" sz="2000" b="1" dirty="0"/>
-            </a:br>
-            <a:r>
-              <a:rPr lang="pt-BR" sz="2000" dirty="0"/>
-              <a:t> </a:t>
-            </a:r>
-            <a:br>
-              <a:rPr lang="pt-BR" sz="2000" dirty="0"/>
-            </a:br>
-            <a:r>
-              <a:rPr lang="pt-BR" sz="2000" dirty="0"/>
-              <a:t>Site </a:t>
-            </a:r>
-            <a:r>
-              <a:rPr lang="pt-BR" sz="2000" dirty="0" err="1"/>
-              <a:t>Refs</a:t>
-            </a:r>
-            <a:r>
-              <a:rPr lang="pt-BR" sz="2000" dirty="0"/>
-              <a:t> </a:t>
-            </a:r>
-          </a:p>
-          <a:p>
-            <a:pPr marL="0" indent="0">
-              <a:buNone/>
-            </a:pPr>
-            <a:endParaRPr lang="pt-BR" dirty="0"/>
-          </a:p>
-        </p:txBody>
-      </p:sp>
-      <p:pic>
-        <p:nvPicPr>
-          <p:cNvPr id="4098" name="Picture 2" descr="Topic Modeling with NLP on Amazon Reviews | by Enes Gokce | Towards Data  Science">
-            <a:extLst>
-              <a:ext uri="{FF2B5EF4-FFF2-40B4-BE49-F238E27FC236}">
-                <a16:creationId xmlns:a16="http://schemas.microsoft.com/office/drawing/2014/main" id="{BB4D5615-3C00-4833-BFD7-25BD49D4498A}"/>
-              </a:ext>
-            </a:extLst>
-          </p:cNvPr>
-          <p:cNvPicPr>
-            <a:picLocks noGrp="1" noChangeAspect="1" noChangeArrowheads="1"/>
-          </p:cNvPicPr>
-          <p:nvPr>
-            <p:ph type="pic" idx="1"/>
-          </p:nvPr>
-        </p:nvPicPr>
-        <p:blipFill>
-          <a:blip r:embed="rId2">
-            <a:extLst>
-              <a:ext uri="{28A0092B-C50C-407E-A947-70E740481C1C}">
-                <a14:useLocalDpi xmlns:a14="http://schemas.microsoft.com/office/drawing/2010/main" val="0"/>
-              </a:ext>
-            </a:extLst>
-          </a:blip>
-          <a:srcRect l="12729" r="12729"/>
-          <a:stretch>
-            <a:fillRect/>
-          </a:stretch>
-        </p:blipFill>
-        <p:spPr bwMode="auto">
-          <a:prstGeom prst="rect">
-            <a:avLst/>
-          </a:prstGeom>
-          <a:noFill/>
-          <a:extLst>
-            <a:ext uri="{909E8E84-426E-40DD-AFC4-6F175D3DCCD1}">
-              <a14:hiddenFill xmlns:a14="http://schemas.microsoft.com/office/drawing/2010/main">
-                <a:solidFill>
-                  <a:srgbClr val="FFFFFF"/>
-                </a:solidFill>
-              </a14:hiddenFill>
-            </a:ext>
-          </a:extLst>
-        </p:spPr>
-      </p:pic>
-    </p:spTree>
-    <p:extLst>
-      <p:ext uri="{BB962C8B-B14F-4D97-AF65-F5344CB8AC3E}">
-        <p14:creationId xmlns:p14="http://schemas.microsoft.com/office/powerpoint/2010/main" val="1971762995"/>
-      </p:ext>
-    </p:extLst>
-  </p:cSld>
-  <p:clrMapOvr>
-    <a:masterClrMapping/>
-  </p:clrMapOvr>
-</p:sld>
-</file>
-
-<file path=ppt/slides/slide20.xml><?xml version="1.0" encoding="utf-8"?>
-<p:sld xmlns:a="http://schemas.openxmlformats.org/drawingml/2006/main" xmlns:r="http://schemas.openxmlformats.org/officeDocument/2006/relationships" xmlns:p="http://schemas.openxmlformats.org/presentationml/2006/main">
-  <p:cSld>
-    <p:spTree>
-      <p:nvGrpSpPr>
-        <p:cNvPr id="1" name=""/>
-        <p:cNvGrpSpPr/>
-        <p:nvPr/>
-      </p:nvGrpSpPr>
-      <p:grpSpPr>
-        <a:xfrm>
-          <a:off x="0" y="0"/>
-          <a:ext cx="0" cy="0"/>
-          <a:chOff x="0" y="0"/>
-          <a:chExt cx="0" cy="0"/>
-        </a:xfrm>
-      </p:grpSpPr>
-      <p:sp>
-        <p:nvSpPr>
-          <p:cNvPr id="2" name="Título 1">
-            <a:extLst>
-              <a:ext uri="{FF2B5EF4-FFF2-40B4-BE49-F238E27FC236}">
-                <a16:creationId xmlns:a16="http://schemas.microsoft.com/office/drawing/2014/main" id="{3C690A0D-D278-4A38-871F-02B62CEF2414}"/>
-              </a:ext>
-            </a:extLst>
-          </p:cNvPr>
-          <p:cNvSpPr>
-            <a:spLocks noGrp="1"/>
-          </p:cNvSpPr>
-          <p:nvPr>
-            <p:ph type="title"/>
-          </p:nvPr>
-        </p:nvSpPr>
-        <p:spPr/>
-        <p:txBody>
-          <a:bodyPr>
-            <a:normAutofit fontScale="90000"/>
-          </a:bodyPr>
-          <a:lstStyle/>
-          <a:p>
-            <a:r>
-              <a:rPr lang="pt-BR" sz="4400" b="1" dirty="0"/>
-              <a:t>Teste Automático</a:t>
-            </a:r>
-            <a:br>
-              <a:rPr lang="pt-BR" dirty="0"/>
-            </a:br>
-            <a:endParaRPr lang="pt-BR" dirty="0"/>
-          </a:p>
-        </p:txBody>
-      </p:sp>
-      <p:sp>
-        <p:nvSpPr>
-          <p:cNvPr id="9" name="Espaço Reservado para Texto 8">
-            <a:extLst>
-              <a:ext uri="{FF2B5EF4-FFF2-40B4-BE49-F238E27FC236}">
-                <a16:creationId xmlns:a16="http://schemas.microsoft.com/office/drawing/2014/main" id="{ED66AEF4-DAFB-4C0D-93C5-4F751255A23A}"/>
-              </a:ext>
-            </a:extLst>
-          </p:cNvPr>
-          <p:cNvSpPr>
-            <a:spLocks noGrp="1"/>
-          </p:cNvSpPr>
-          <p:nvPr>
-            <p:ph type="body" sz="half" idx="2"/>
-          </p:nvPr>
-        </p:nvSpPr>
-        <p:spPr/>
-        <p:txBody>
-          <a:bodyPr>
-            <a:normAutofit/>
-          </a:bodyPr>
-          <a:lstStyle/>
-          <a:p>
-            <a:r>
-              <a:rPr lang="pt-BR" sz="2400" dirty="0"/>
-              <a:t>Site </a:t>
-            </a:r>
-            <a:r>
-              <a:rPr lang="pt-BR" sz="2400" b="1" dirty="0"/>
-              <a:t>Demo</a:t>
-            </a:r>
-            <a:r>
-              <a:rPr lang="pt-BR" sz="2400" dirty="0"/>
-              <a:t> deve ser preparado para teste com o comando.</a:t>
-            </a:r>
-            <a:br>
-              <a:rPr lang="pt-BR" sz="2400" dirty="0"/>
-            </a:br>
-            <a:br>
-              <a:rPr lang="pt-BR" sz="2400" dirty="0"/>
-            </a:br>
-            <a:r>
-              <a:rPr lang="pt-BR" sz="2000" b="1" dirty="0">
-                <a:latin typeface="Courier New" panose="02070309020205020404" pitchFamily="49" charset="0"/>
-                <a:cs typeface="Courier New" panose="02070309020205020404" pitchFamily="49" charset="0"/>
-              </a:rPr>
-              <a:t>$ site </a:t>
-            </a:r>
-            <a:r>
-              <a:rPr lang="pt-BR" sz="2000" b="1" dirty="0" err="1">
-                <a:latin typeface="Courier New" panose="02070309020205020404" pitchFamily="49" charset="0"/>
-                <a:cs typeface="Courier New" panose="02070309020205020404" pitchFamily="49" charset="0"/>
-              </a:rPr>
-              <a:t>db</a:t>
-            </a:r>
-            <a:r>
-              <a:rPr lang="pt-BR" sz="2000" b="1" dirty="0">
-                <a:latin typeface="Courier New" panose="02070309020205020404" pitchFamily="49" charset="0"/>
-                <a:cs typeface="Courier New" panose="02070309020205020404" pitchFamily="49" charset="0"/>
-              </a:rPr>
-              <a:t> </a:t>
-            </a:r>
-            <a:r>
-              <a:rPr lang="pt-BR" sz="2000" b="1" dirty="0" err="1">
-                <a:latin typeface="Courier New" panose="02070309020205020404" pitchFamily="49" charset="0"/>
-                <a:cs typeface="Courier New" panose="02070309020205020404" pitchFamily="49" charset="0"/>
-              </a:rPr>
-              <a:t>preptest</a:t>
-            </a:r>
-            <a:endParaRPr lang="pt-BR" sz="2000" b="1" dirty="0">
-              <a:latin typeface="Courier New" panose="02070309020205020404" pitchFamily="49" charset="0"/>
-              <a:cs typeface="Courier New" panose="02070309020205020404" pitchFamily="49" charset="0"/>
-            </a:endParaRPr>
-          </a:p>
-        </p:txBody>
-      </p:sp>
-      <p:pic>
-        <p:nvPicPr>
-          <p:cNvPr id="15" name="Espaço Reservado para Imagem 14">
-            <a:extLst>
-              <a:ext uri="{FF2B5EF4-FFF2-40B4-BE49-F238E27FC236}">
-                <a16:creationId xmlns:a16="http://schemas.microsoft.com/office/drawing/2014/main" id="{D3616A01-920F-4BAC-AB39-1945B22A9E61}"/>
-              </a:ext>
-            </a:extLst>
-          </p:cNvPr>
-          <p:cNvPicPr>
-            <a:picLocks noGrp="1" noChangeAspect="1"/>
-          </p:cNvPicPr>
-          <p:nvPr>
-            <p:ph type="pic" idx="1"/>
-          </p:nvPr>
-        </p:nvPicPr>
-        <p:blipFill rotWithShape="1">
-          <a:blip r:embed="rId2"/>
-          <a:srcRect t="27" b="27"/>
-          <a:stretch/>
-        </p:blipFill>
-        <p:spPr/>
-      </p:pic>
-    </p:spTree>
-    <p:extLst>
-      <p:ext uri="{BB962C8B-B14F-4D97-AF65-F5344CB8AC3E}">
-        <p14:creationId xmlns:p14="http://schemas.microsoft.com/office/powerpoint/2010/main" val="4124271106"/>
-      </p:ext>
-    </p:extLst>
-  </p:cSld>
-  <p:clrMapOvr>
-    <a:masterClrMapping/>
-  </p:clrMapOvr>
-</p:sld>
-</file>
-
 <file path=ppt/slides/slide21.xml><?xml version="1.0" encoding="utf-8"?>
 <p:sld xmlns:a="http://schemas.openxmlformats.org/drawingml/2006/main" xmlns:r="http://schemas.openxmlformats.org/officeDocument/2006/relationships" xmlns:p="http://schemas.openxmlformats.org/presentationml/2006/main">
   <p:cSld>
@@ -8132,39 +8393,15 @@
           <a:p>
             <a:r>
               <a:rPr lang="pt-BR" sz="2400" dirty="0"/>
-              <a:t>A pasta </a:t>
-            </a:r>
-            <a:r>
-              <a:rPr lang="pt-BR" sz="2400" b="1" dirty="0" err="1"/>
-              <a:t>test</a:t>
+              <a:t>Site </a:t>
+            </a:r>
+            <a:r>
+              <a:rPr lang="pt-BR" sz="2400" b="1" dirty="0"/>
+              <a:t>Demo</a:t>
             </a:r>
             <a:r>
               <a:rPr lang="pt-BR" sz="2400" dirty="0"/>
-              <a:t> é relacionada ao </a:t>
-            </a:r>
-            <a:r>
-              <a:rPr lang="pt-BR" sz="2400" b="1" dirty="0" err="1"/>
-              <a:t>Minitest</a:t>
-            </a:r>
-            <a:r>
-              <a:rPr lang="pt-BR" sz="2400" dirty="0"/>
-              <a:t> e </a:t>
-            </a:r>
-            <a:r>
-              <a:rPr lang="pt-BR" sz="2400" b="1" dirty="0" err="1"/>
-              <a:t>spec</a:t>
-            </a:r>
-            <a:r>
-              <a:rPr lang="pt-BR" sz="2400" dirty="0"/>
-              <a:t> a </a:t>
-            </a:r>
-            <a:r>
-              <a:rPr lang="pt-BR" sz="2400" b="1" dirty="0" err="1"/>
-              <a:t>RSpec</a:t>
-            </a:r>
-            <a:r>
-              <a:rPr lang="pt-BR" sz="2400" dirty="0"/>
-              <a:t>.</a:t>
+              <a:t> deve ser preparado para teste com o comando.</a:t>
             </a:r>
             <a:br>
               <a:rPr lang="pt-BR" sz="2400" dirty="0"/>
@@ -8177,14 +8414,14 @@
                 <a:latin typeface="Courier New" panose="02070309020205020404" pitchFamily="49" charset="0"/>
                 <a:cs typeface="Courier New" panose="02070309020205020404" pitchFamily="49" charset="0"/>
               </a:rPr>
-              <a:t>$ </a:t>
+              <a:t>$ site </a:t>
             </a:r>
             <a:r>
               <a:rPr lang="pt-BR" sz="2000" b="1" dirty="0" err="1">
                 <a:latin typeface="Courier New" panose="02070309020205020404" pitchFamily="49" charset="0"/>
                 <a:cs typeface="Courier New" panose="02070309020205020404" pitchFamily="49" charset="0"/>
               </a:rPr>
-              <a:t>tree</a:t>
+              <a:t>db</a:t>
             </a:r>
             <a:r>
               <a:rPr lang="pt-BR" sz="2000" b="1" dirty="0">
@@ -8198,41 +8435,7 @@
                 <a:latin typeface="Courier New" panose="02070309020205020404" pitchFamily="49" charset="0"/>
                 <a:cs typeface="Courier New" panose="02070309020205020404" pitchFamily="49" charset="0"/>
               </a:rPr>
-              <a:t>test</a:t>
-            </a:r>
-            <a:br>
-              <a:rPr lang="pt-BR" sz="2000" b="1" dirty="0">
-                <a:latin typeface="Courier New" panose="02070309020205020404" pitchFamily="49" charset="0"/>
-                <a:cs typeface="Courier New" panose="02070309020205020404" pitchFamily="49" charset="0"/>
-              </a:rPr>
-            </a:br>
-            <a:r>
-              <a:rPr lang="pt-BR" sz="2000" b="1" dirty="0">
-                <a:latin typeface="Courier New" panose="02070309020205020404" pitchFamily="49" charset="0"/>
-                <a:cs typeface="Courier New" panose="02070309020205020404" pitchFamily="49" charset="0"/>
-              </a:rPr>
-              <a:t>$ </a:t>
-            </a:r>
-            <a:r>
-              <a:rPr lang="pt-BR" sz="2000" b="1" dirty="0" err="1">
-                <a:latin typeface="Courier New" panose="02070309020205020404" pitchFamily="49" charset="0"/>
-                <a:cs typeface="Courier New" panose="02070309020205020404" pitchFamily="49" charset="0"/>
-              </a:rPr>
-              <a:t>tree</a:t>
-            </a:r>
-            <a:r>
-              <a:rPr lang="pt-BR" sz="2000" b="1" dirty="0">
-                <a:latin typeface="Courier New" panose="02070309020205020404" pitchFamily="49" charset="0"/>
-                <a:cs typeface="Courier New" panose="02070309020205020404" pitchFamily="49" charset="0"/>
-              </a:rPr>
-              <a:t> </a:t>
-            </a:r>
-            <a:r>
-              <a:rPr lang="pt-BR" sz="2000" b="1" dirty="0" err="1">
-                <a:latin typeface="Courier New" panose="02070309020205020404" pitchFamily="49" charset="0"/>
-                <a:cs typeface="Courier New" panose="02070309020205020404" pitchFamily="49" charset="0"/>
-              </a:rPr>
-              <a:t>spec</a:t>
+              <a:t>preptest</a:t>
             </a:r>
             <a:endParaRPr lang="pt-BR" sz="2000" b="1" dirty="0">
               <a:latin typeface="Courier New" panose="02070309020205020404" pitchFamily="49" charset="0"/>
@@ -8243,10 +8446,10 @@
       </p:sp>
       <p:pic>
         <p:nvPicPr>
-          <p:cNvPr id="6" name="Espaço Reservado para Imagem 5">
+          <p:cNvPr id="15" name="Espaço Reservado para Imagem 14">
             <a:extLst>
               <a:ext uri="{FF2B5EF4-FFF2-40B4-BE49-F238E27FC236}">
-                <a16:creationId xmlns:a16="http://schemas.microsoft.com/office/drawing/2014/main" id="{DA52A79D-78F5-4C30-9681-187862E356CB}"/>
+                <a16:creationId xmlns:a16="http://schemas.microsoft.com/office/drawing/2014/main" id="{D3616A01-920F-4BAC-AB39-1945B22A9E61}"/>
               </a:ext>
             </a:extLst>
           </p:cNvPr>
@@ -8267,7 +8470,7 @@
     </p:spTree>
     <p:extLst>
       <p:ext uri="{BB962C8B-B14F-4D97-AF65-F5344CB8AC3E}">
-        <p14:creationId xmlns:p14="http://schemas.microsoft.com/office/powerpoint/2010/main" val="3064071029"/>
+        <p14:creationId xmlns:p14="http://schemas.microsoft.com/office/powerpoint/2010/main" val="4124271106"/>
       </p:ext>
     </p:extLst>
   </p:cSld>
@@ -8328,12 +8531,146 @@
           </a:p>
         </p:txBody>
       </p:sp>
+      <p:sp>
+        <p:nvSpPr>
+          <p:cNvPr id="9" name="Espaço Reservado para Texto 8">
+            <a:extLst>
+              <a:ext uri="{FF2B5EF4-FFF2-40B4-BE49-F238E27FC236}">
+                <a16:creationId xmlns:a16="http://schemas.microsoft.com/office/drawing/2014/main" id="{ED66AEF4-DAFB-4C0D-93C5-4F751255A23A}"/>
+              </a:ext>
+            </a:extLst>
+          </p:cNvPr>
+          <p:cNvSpPr>
+            <a:spLocks noGrp="1"/>
+          </p:cNvSpPr>
+          <p:nvPr>
+            <p:ph type="body" sz="half" idx="2"/>
+          </p:nvPr>
+        </p:nvSpPr>
+        <p:spPr/>
+        <p:txBody>
+          <a:bodyPr>
+            <a:normAutofit/>
+          </a:bodyPr>
+          <a:lstStyle/>
+          <a:p>
+            <a:r>
+              <a:rPr lang="pt-BR" sz="2400" dirty="0"/>
+              <a:t>A pasta </a:t>
+            </a:r>
+            <a:r>
+              <a:rPr lang="pt-BR" sz="2400" b="1" dirty="0" err="1"/>
+              <a:t>test</a:t>
+            </a:r>
+            <a:r>
+              <a:rPr lang="pt-BR" sz="2400" dirty="0"/>
+              <a:t> é relacionada ao </a:t>
+            </a:r>
+            <a:r>
+              <a:rPr lang="pt-BR" sz="2400" b="1" dirty="0" err="1"/>
+              <a:t>Minitest</a:t>
+            </a:r>
+            <a:r>
+              <a:rPr lang="pt-BR" sz="2400" dirty="0"/>
+              <a:t> e </a:t>
+            </a:r>
+            <a:r>
+              <a:rPr lang="pt-BR" sz="2400" b="1" dirty="0" err="1"/>
+              <a:t>spec</a:t>
+            </a:r>
+            <a:r>
+              <a:rPr lang="pt-BR" sz="2400" dirty="0"/>
+              <a:t> a </a:t>
+            </a:r>
+            <a:r>
+              <a:rPr lang="pt-BR" sz="2400" b="1" dirty="0" err="1"/>
+              <a:t>RSpec</a:t>
+            </a:r>
+            <a:r>
+              <a:rPr lang="pt-BR" sz="2400" dirty="0"/>
+              <a:t>.</a:t>
+            </a:r>
+            <a:br>
+              <a:rPr lang="pt-BR" sz="2400" dirty="0"/>
+            </a:br>
+            <a:br>
+              <a:rPr lang="pt-BR" sz="2400" dirty="0"/>
+            </a:br>
+            <a:r>
+              <a:rPr lang="pt-BR" sz="2000" b="1" dirty="0">
+                <a:latin typeface="Courier New" panose="02070309020205020404" pitchFamily="49" charset="0"/>
+                <a:cs typeface="Courier New" panose="02070309020205020404" pitchFamily="49" charset="0"/>
+              </a:rPr>
+              <a:t>$ </a:t>
+            </a:r>
+            <a:r>
+              <a:rPr lang="pt-BR" sz="2000" b="1" dirty="0" err="1">
+                <a:latin typeface="Courier New" panose="02070309020205020404" pitchFamily="49" charset="0"/>
+                <a:cs typeface="Courier New" panose="02070309020205020404" pitchFamily="49" charset="0"/>
+              </a:rPr>
+              <a:t>tree</a:t>
+            </a:r>
+            <a:r>
+              <a:rPr lang="pt-BR" sz="2000" b="1" dirty="0">
+                <a:latin typeface="Courier New" panose="02070309020205020404" pitchFamily="49" charset="0"/>
+                <a:cs typeface="Courier New" panose="02070309020205020404" pitchFamily="49" charset="0"/>
+              </a:rPr>
+              <a:t> </a:t>
+            </a:r>
+            <a:r>
+              <a:rPr lang="pt-BR" sz="2000" b="1" dirty="0" err="1">
+                <a:latin typeface="Courier New" panose="02070309020205020404" pitchFamily="49" charset="0"/>
+                <a:cs typeface="Courier New" panose="02070309020205020404" pitchFamily="49" charset="0"/>
+              </a:rPr>
+              <a:t>test</a:t>
+            </a:r>
+            <a:br>
+              <a:rPr lang="pt-BR" sz="2000" b="1" dirty="0">
+                <a:latin typeface="Courier New" panose="02070309020205020404" pitchFamily="49" charset="0"/>
+                <a:cs typeface="Courier New" panose="02070309020205020404" pitchFamily="49" charset="0"/>
+              </a:rPr>
+            </a:br>
+            <a:r>
+              <a:rPr lang="pt-BR" sz="2000" b="1" dirty="0">
+                <a:latin typeface="Courier New" panose="02070309020205020404" pitchFamily="49" charset="0"/>
+                <a:cs typeface="Courier New" panose="02070309020205020404" pitchFamily="49" charset="0"/>
+              </a:rPr>
+              <a:t>$ </a:t>
+            </a:r>
+            <a:r>
+              <a:rPr lang="pt-BR" sz="2000" b="1" dirty="0" err="1">
+                <a:latin typeface="Courier New" panose="02070309020205020404" pitchFamily="49" charset="0"/>
+                <a:cs typeface="Courier New" panose="02070309020205020404" pitchFamily="49" charset="0"/>
+              </a:rPr>
+              <a:t>tree</a:t>
+            </a:r>
+            <a:r>
+              <a:rPr lang="pt-BR" sz="2000" b="1" dirty="0">
+                <a:latin typeface="Courier New" panose="02070309020205020404" pitchFamily="49" charset="0"/>
+                <a:cs typeface="Courier New" panose="02070309020205020404" pitchFamily="49" charset="0"/>
+              </a:rPr>
+              <a:t> </a:t>
+            </a:r>
+            <a:r>
+              <a:rPr lang="pt-BR" sz="2000" b="1" dirty="0" err="1">
+                <a:latin typeface="Courier New" panose="02070309020205020404" pitchFamily="49" charset="0"/>
+                <a:cs typeface="Courier New" panose="02070309020205020404" pitchFamily="49" charset="0"/>
+              </a:rPr>
+              <a:t>spec</a:t>
+            </a:r>
+            <a:endParaRPr lang="pt-BR" sz="2000" b="1" dirty="0">
+              <a:latin typeface="Courier New" panose="02070309020205020404" pitchFamily="49" charset="0"/>
+              <a:cs typeface="Courier New" panose="02070309020205020404" pitchFamily="49" charset="0"/>
+            </a:endParaRPr>
+          </a:p>
+        </p:txBody>
+      </p:sp>
       <p:pic>
         <p:nvPicPr>
-          <p:cNvPr id="11" name="Espaço Reservado para Imagem 10">
+          <p:cNvPr id="6" name="Espaço Reservado para Imagem 5">
             <a:extLst>
               <a:ext uri="{FF2B5EF4-FFF2-40B4-BE49-F238E27FC236}">
-                <a16:creationId xmlns:a16="http://schemas.microsoft.com/office/drawing/2014/main" id="{AB0259E1-4672-45F6-975F-8F206FB52830}"/>
+                <a16:creationId xmlns:a16="http://schemas.microsoft.com/office/drawing/2014/main" id="{DA52A79D-78F5-4C30-9681-187862E356CB}"/>
               </a:ext>
             </a:extLst>
           </p:cNvPr>
@@ -8351,173 +8688,10 @@
         </p:blipFill>
         <p:spPr/>
       </p:pic>
-      <p:sp>
-        <p:nvSpPr>
-          <p:cNvPr id="9" name="Espaço Reservado para Texto 8">
-            <a:extLst>
-              <a:ext uri="{FF2B5EF4-FFF2-40B4-BE49-F238E27FC236}">
-                <a16:creationId xmlns:a16="http://schemas.microsoft.com/office/drawing/2014/main" id="{ED66AEF4-DAFB-4C0D-93C5-4F751255A23A}"/>
-              </a:ext>
-            </a:extLst>
-          </p:cNvPr>
-          <p:cNvSpPr>
-            <a:spLocks noGrp="1"/>
-          </p:cNvSpPr>
-          <p:nvPr>
-            <p:ph type="body" sz="half" idx="2"/>
-          </p:nvPr>
-        </p:nvSpPr>
-        <p:spPr/>
-        <p:txBody>
-          <a:bodyPr/>
-          <a:lstStyle/>
-          <a:p>
-            <a:r>
-              <a:rPr lang="pt-BR" sz="2400" dirty="0"/>
-              <a:t>A pasta </a:t>
-            </a:r>
-            <a:r>
-              <a:rPr lang="pt-BR" sz="2400" b="1" dirty="0" err="1"/>
-              <a:t>test</a:t>
-            </a:r>
-            <a:r>
-              <a:rPr lang="pt-BR" sz="2400" dirty="0"/>
-              <a:t> é relacionada ao </a:t>
-            </a:r>
-            <a:r>
-              <a:rPr lang="pt-BR" sz="2400" b="1" dirty="0" err="1"/>
-              <a:t>Minitest</a:t>
-            </a:r>
-            <a:r>
-              <a:rPr lang="pt-BR" sz="2400" dirty="0"/>
-              <a:t> e </a:t>
-            </a:r>
-            <a:r>
-              <a:rPr lang="pt-BR" sz="2400" b="1" dirty="0" err="1"/>
-              <a:t>spec</a:t>
-            </a:r>
-            <a:r>
-              <a:rPr lang="pt-BR" sz="2400" dirty="0"/>
-              <a:t> a </a:t>
-            </a:r>
-            <a:r>
-              <a:rPr lang="pt-BR" sz="2400" b="1" dirty="0" err="1"/>
-              <a:t>RSpec</a:t>
-            </a:r>
-            <a:r>
-              <a:rPr lang="pt-BR" sz="2400" dirty="0"/>
-              <a:t>.</a:t>
-            </a:r>
-            <a:br>
-              <a:rPr lang="pt-BR" sz="1600" dirty="0"/>
-            </a:br>
-            <a:br>
-              <a:rPr lang="pt-BR" sz="1600" dirty="0"/>
-            </a:br>
-            <a:r>
-              <a:rPr lang="pt-BR" sz="2000" b="1" dirty="0">
-                <a:latin typeface="Courier New" panose="02070309020205020404" pitchFamily="49" charset="0"/>
-                <a:cs typeface="Courier New" panose="02070309020205020404" pitchFamily="49" charset="0"/>
-              </a:rPr>
-              <a:t>$ site set </a:t>
-            </a:r>
-            <a:r>
-              <a:rPr lang="pt-BR" sz="2000" b="1" dirty="0" err="1">
-                <a:latin typeface="Courier New" panose="02070309020205020404" pitchFamily="49" charset="0"/>
-                <a:cs typeface="Courier New" panose="02070309020205020404" pitchFamily="49" charset="0"/>
-              </a:rPr>
-              <a:t>coverage</a:t>
-            </a:r>
-            <a:br>
-              <a:rPr lang="pt-BR" sz="2000" b="1" dirty="0">
-                <a:latin typeface="Courier New" panose="02070309020205020404" pitchFamily="49" charset="0"/>
-                <a:cs typeface="Courier New" panose="02070309020205020404" pitchFamily="49" charset="0"/>
-              </a:rPr>
-            </a:br>
-            <a:r>
-              <a:rPr lang="pt-BR" sz="2000" b="1" dirty="0">
-                <a:latin typeface="Courier New" panose="02070309020205020404" pitchFamily="49" charset="0"/>
-                <a:cs typeface="Courier New" panose="02070309020205020404" pitchFamily="49" charset="0"/>
-              </a:rPr>
-              <a:t>$ </a:t>
-            </a:r>
-            <a:r>
-              <a:rPr lang="en-US" sz="2000" b="1" dirty="0">
-                <a:latin typeface="Courier New" panose="02070309020205020404" pitchFamily="49" charset="0"/>
-                <a:cs typeface="Courier New" panose="02070309020205020404" pitchFamily="49" charset="0"/>
-              </a:rPr>
-              <a:t>site test test/models/</a:t>
-            </a:r>
-            <a:r>
-              <a:rPr lang="en-US" sz="2000" b="1" dirty="0" err="1">
-                <a:latin typeface="Courier New" panose="02070309020205020404" pitchFamily="49" charset="0"/>
-                <a:cs typeface="Courier New" panose="02070309020205020404" pitchFamily="49" charset="0"/>
-              </a:rPr>
-              <a:t>building_purpose_in_project_creations_test.rb</a:t>
-            </a:r>
-            <a:br>
-              <a:rPr lang="en-US" sz="2000" b="1" dirty="0">
-                <a:latin typeface="Courier New" panose="02070309020205020404" pitchFamily="49" charset="0"/>
-                <a:cs typeface="Courier New" panose="02070309020205020404" pitchFamily="49" charset="0"/>
-              </a:rPr>
-            </a:br>
-            <a:r>
-              <a:rPr lang="en-US" sz="2000" b="1" dirty="0">
-                <a:latin typeface="Courier New" panose="02070309020205020404" pitchFamily="49" charset="0"/>
-                <a:cs typeface="Courier New" panose="02070309020205020404" pitchFamily="49" charset="0"/>
-              </a:rPr>
-              <a:t>$ site</a:t>
-            </a:r>
-          </a:p>
-          <a:p>
-            <a:r>
-              <a:rPr lang="en-US" sz="2000" b="1" dirty="0">
-                <a:latin typeface="Courier New" panose="02070309020205020404" pitchFamily="49" charset="0"/>
-                <a:cs typeface="Courier New" panose="02070309020205020404" pitchFamily="49" charset="0"/>
-              </a:rPr>
-              <a:t>$ </a:t>
-            </a:r>
-            <a:r>
-              <a:rPr lang="en-US" sz="2000" b="1" dirty="0" err="1">
-                <a:latin typeface="Courier New" panose="02070309020205020404" pitchFamily="49" charset="0"/>
-                <a:cs typeface="Courier New" panose="02070309020205020404" pitchFamily="49" charset="0"/>
-              </a:rPr>
-              <a:t>xdg</a:t>
-            </a:r>
-            <a:r>
-              <a:rPr lang="en-US" sz="2000" b="1" dirty="0">
-                <a:latin typeface="Courier New" panose="02070309020205020404" pitchFamily="49" charset="0"/>
-                <a:cs typeface="Courier New" panose="02070309020205020404" pitchFamily="49" charset="0"/>
-              </a:rPr>
-              <a:t>-open coverage/index.html</a:t>
-            </a:r>
-            <a:br>
-              <a:rPr lang="en-US" sz="2000" b="1" dirty="0">
-                <a:latin typeface="Courier New" panose="02070309020205020404" pitchFamily="49" charset="0"/>
-                <a:cs typeface="Courier New" panose="02070309020205020404" pitchFamily="49" charset="0"/>
-              </a:rPr>
-            </a:br>
-            <a:r>
-              <a:rPr lang="en-US" sz="2000" b="1" dirty="0">
-                <a:latin typeface="Courier New" panose="02070309020205020404" pitchFamily="49" charset="0"/>
-                <a:cs typeface="Courier New" panose="02070309020205020404" pitchFamily="49" charset="0"/>
-              </a:rPr>
-              <a:t>$ site unset coverage</a:t>
-            </a:r>
-            <a:endParaRPr lang="pt-BR" sz="2000" b="1" dirty="0">
-              <a:latin typeface="Courier New" panose="02070309020205020404" pitchFamily="49" charset="0"/>
-              <a:cs typeface="Courier New" panose="02070309020205020404" pitchFamily="49" charset="0"/>
-            </a:endParaRPr>
-          </a:p>
-          <a:p>
-            <a:endParaRPr lang="pt-BR" dirty="0"/>
-          </a:p>
-        </p:txBody>
-      </p:sp>
     </p:spTree>
     <p:extLst>
       <p:ext uri="{BB962C8B-B14F-4D97-AF65-F5344CB8AC3E}">
-        <p14:creationId xmlns:p14="http://schemas.microsoft.com/office/powerpoint/2010/main" val="2255487751"/>
+        <p14:creationId xmlns:p14="http://schemas.microsoft.com/office/powerpoint/2010/main" val="3064071029"/>
       </p:ext>
     </p:extLst>
   </p:cSld>
@@ -8549,6 +8723,256 @@
           <p:cNvPr id="2" name="Título 1">
             <a:extLst>
               <a:ext uri="{FF2B5EF4-FFF2-40B4-BE49-F238E27FC236}">
+                <a16:creationId xmlns:a16="http://schemas.microsoft.com/office/drawing/2014/main" id="{3C690A0D-D278-4A38-871F-02B62CEF2414}"/>
+              </a:ext>
+            </a:extLst>
+          </p:cNvPr>
+          <p:cNvSpPr>
+            <a:spLocks noGrp="1"/>
+          </p:cNvSpPr>
+          <p:nvPr>
+            <p:ph type="title"/>
+          </p:nvPr>
+        </p:nvSpPr>
+        <p:spPr/>
+        <p:txBody>
+          <a:bodyPr>
+            <a:normAutofit fontScale="90000"/>
+          </a:bodyPr>
+          <a:lstStyle/>
+          <a:p>
+            <a:r>
+              <a:rPr lang="pt-BR" sz="4400" b="1" dirty="0"/>
+              <a:t>Teste Automático</a:t>
+            </a:r>
+            <a:br>
+              <a:rPr lang="pt-BR" dirty="0"/>
+            </a:br>
+            <a:endParaRPr lang="pt-BR" dirty="0"/>
+          </a:p>
+        </p:txBody>
+      </p:sp>
+      <p:pic>
+        <p:nvPicPr>
+          <p:cNvPr id="11" name="Espaço Reservado para Imagem 10">
+            <a:extLst>
+              <a:ext uri="{FF2B5EF4-FFF2-40B4-BE49-F238E27FC236}">
+                <a16:creationId xmlns:a16="http://schemas.microsoft.com/office/drawing/2014/main" id="{AB0259E1-4672-45F6-975F-8F206FB52830}"/>
+              </a:ext>
+            </a:extLst>
+          </p:cNvPr>
+          <p:cNvPicPr>
+            <a:picLocks noGrp="1" noChangeAspect="1"/>
+          </p:cNvPicPr>
+          <p:nvPr>
+            <p:ph type="pic" idx="1"/>
+          </p:nvPr>
+        </p:nvPicPr>
+        <p:blipFill rotWithShape="1">
+          <a:blip r:embed="rId2"/>
+          <a:srcRect t="27" b="27"/>
+          <a:stretch/>
+        </p:blipFill>
+        <p:spPr/>
+      </p:pic>
+      <p:sp>
+        <p:nvSpPr>
+          <p:cNvPr id="9" name="Espaço Reservado para Texto 8">
+            <a:extLst>
+              <a:ext uri="{FF2B5EF4-FFF2-40B4-BE49-F238E27FC236}">
+                <a16:creationId xmlns:a16="http://schemas.microsoft.com/office/drawing/2014/main" id="{ED66AEF4-DAFB-4C0D-93C5-4F751255A23A}"/>
+              </a:ext>
+            </a:extLst>
+          </p:cNvPr>
+          <p:cNvSpPr>
+            <a:spLocks noGrp="1"/>
+          </p:cNvSpPr>
+          <p:nvPr>
+            <p:ph type="body" sz="half" idx="2"/>
+          </p:nvPr>
+        </p:nvSpPr>
+        <p:spPr/>
+        <p:txBody>
+          <a:bodyPr/>
+          <a:lstStyle/>
+          <a:p>
+            <a:r>
+              <a:rPr lang="pt-BR" sz="2400" dirty="0"/>
+              <a:t>A pasta </a:t>
+            </a:r>
+            <a:r>
+              <a:rPr lang="pt-BR" sz="2400" b="1" dirty="0" err="1"/>
+              <a:t>test</a:t>
+            </a:r>
+            <a:r>
+              <a:rPr lang="pt-BR" sz="2400" dirty="0"/>
+              <a:t> é relacionada ao </a:t>
+            </a:r>
+            <a:r>
+              <a:rPr lang="pt-BR" sz="2400" b="1" dirty="0" err="1"/>
+              <a:t>Minitest</a:t>
+            </a:r>
+            <a:r>
+              <a:rPr lang="pt-BR" sz="2400" dirty="0"/>
+              <a:t> e </a:t>
+            </a:r>
+            <a:r>
+              <a:rPr lang="pt-BR" sz="2400" b="1" dirty="0" err="1"/>
+              <a:t>spec</a:t>
+            </a:r>
+            <a:r>
+              <a:rPr lang="pt-BR" sz="2400" dirty="0"/>
+              <a:t> a </a:t>
+            </a:r>
+            <a:r>
+              <a:rPr lang="pt-BR" sz="2400" b="1" dirty="0" err="1"/>
+              <a:t>RSpec</a:t>
+            </a:r>
+            <a:r>
+              <a:rPr lang="pt-BR" sz="2400" dirty="0"/>
+              <a:t>.</a:t>
+            </a:r>
+            <a:br>
+              <a:rPr lang="pt-BR" sz="1600" dirty="0"/>
+            </a:br>
+            <a:br>
+              <a:rPr lang="pt-BR" sz="1600" dirty="0"/>
+            </a:br>
+            <a:r>
+              <a:rPr lang="pt-BR" sz="2000" b="1" dirty="0">
+                <a:latin typeface="Courier New" panose="02070309020205020404" pitchFamily="49" charset="0"/>
+                <a:cs typeface="Courier New" panose="02070309020205020404" pitchFamily="49" charset="0"/>
+              </a:rPr>
+              <a:t>$ site set </a:t>
+            </a:r>
+            <a:r>
+              <a:rPr lang="pt-BR" sz="2000" b="1" dirty="0" err="1">
+                <a:latin typeface="Courier New" panose="02070309020205020404" pitchFamily="49" charset="0"/>
+                <a:cs typeface="Courier New" panose="02070309020205020404" pitchFamily="49" charset="0"/>
+              </a:rPr>
+              <a:t>coverage</a:t>
+            </a:r>
+            <a:br>
+              <a:rPr lang="pt-BR" sz="2000" b="1" dirty="0">
+                <a:latin typeface="Courier New" panose="02070309020205020404" pitchFamily="49" charset="0"/>
+                <a:cs typeface="Courier New" panose="02070309020205020404" pitchFamily="49" charset="0"/>
+              </a:rPr>
+            </a:br>
+            <a:r>
+              <a:rPr lang="pt-BR" sz="2000" b="1" dirty="0">
+                <a:latin typeface="Courier New" panose="02070309020205020404" pitchFamily="49" charset="0"/>
+                <a:cs typeface="Courier New" panose="02070309020205020404" pitchFamily="49" charset="0"/>
+              </a:rPr>
+              <a:t>$ </a:t>
+            </a:r>
+            <a:r>
+              <a:rPr lang="en-US" sz="2000" b="1" dirty="0">
+                <a:latin typeface="Courier New" panose="02070309020205020404" pitchFamily="49" charset="0"/>
+                <a:cs typeface="Courier New" panose="02070309020205020404" pitchFamily="49" charset="0"/>
+              </a:rPr>
+              <a:t>site test test/models/</a:t>
+            </a:r>
+            <a:r>
+              <a:rPr lang="en-US" sz="2000" b="1" dirty="0" err="1">
+                <a:latin typeface="Courier New" panose="02070309020205020404" pitchFamily="49" charset="0"/>
+                <a:cs typeface="Courier New" panose="02070309020205020404" pitchFamily="49" charset="0"/>
+              </a:rPr>
+              <a:t>building_purpose_in_project_creations_test.rb</a:t>
+            </a:r>
+            <a:br>
+              <a:rPr lang="en-US" sz="2000" b="1" dirty="0">
+                <a:latin typeface="Courier New" panose="02070309020205020404" pitchFamily="49" charset="0"/>
+                <a:cs typeface="Courier New" panose="02070309020205020404" pitchFamily="49" charset="0"/>
+              </a:rPr>
+            </a:br>
+            <a:r>
+              <a:rPr lang="en-US" sz="2000" b="1" dirty="0">
+                <a:latin typeface="Courier New" panose="02070309020205020404" pitchFamily="49" charset="0"/>
+                <a:cs typeface="Courier New" panose="02070309020205020404" pitchFamily="49" charset="0"/>
+              </a:rPr>
+              <a:t>$ site</a:t>
+            </a:r>
+          </a:p>
+          <a:p>
+            <a:r>
+              <a:rPr lang="en-US" sz="2000" b="1" dirty="0">
+                <a:latin typeface="Courier New" panose="02070309020205020404" pitchFamily="49" charset="0"/>
+                <a:cs typeface="Courier New" panose="02070309020205020404" pitchFamily="49" charset="0"/>
+              </a:rPr>
+              <a:t>$ </a:t>
+            </a:r>
+            <a:r>
+              <a:rPr lang="en-US" sz="2000" b="1" dirty="0" err="1">
+                <a:latin typeface="Courier New" panose="02070309020205020404" pitchFamily="49" charset="0"/>
+                <a:cs typeface="Courier New" panose="02070309020205020404" pitchFamily="49" charset="0"/>
+              </a:rPr>
+              <a:t>xdg</a:t>
+            </a:r>
+            <a:r>
+              <a:rPr lang="en-US" sz="2000" b="1" dirty="0">
+                <a:latin typeface="Courier New" panose="02070309020205020404" pitchFamily="49" charset="0"/>
+                <a:cs typeface="Courier New" panose="02070309020205020404" pitchFamily="49" charset="0"/>
+              </a:rPr>
+              <a:t>-open coverage/index.html</a:t>
+            </a:r>
+            <a:br>
+              <a:rPr lang="en-US" sz="2000" b="1" dirty="0">
+                <a:latin typeface="Courier New" panose="02070309020205020404" pitchFamily="49" charset="0"/>
+                <a:cs typeface="Courier New" panose="02070309020205020404" pitchFamily="49" charset="0"/>
+              </a:rPr>
+            </a:br>
+            <a:r>
+              <a:rPr lang="en-US" sz="2000" b="1" dirty="0">
+                <a:latin typeface="Courier New" panose="02070309020205020404" pitchFamily="49" charset="0"/>
+                <a:cs typeface="Courier New" panose="02070309020205020404" pitchFamily="49" charset="0"/>
+              </a:rPr>
+              <a:t>$ site unset coverage</a:t>
+            </a:r>
+            <a:endParaRPr lang="pt-BR" sz="2000" b="1" dirty="0">
+              <a:latin typeface="Courier New" panose="02070309020205020404" pitchFamily="49" charset="0"/>
+              <a:cs typeface="Courier New" panose="02070309020205020404" pitchFamily="49" charset="0"/>
+            </a:endParaRPr>
+          </a:p>
+          <a:p>
+            <a:endParaRPr lang="pt-BR" dirty="0"/>
+          </a:p>
+        </p:txBody>
+      </p:sp>
+    </p:spTree>
+    <p:extLst>
+      <p:ext uri="{BB962C8B-B14F-4D97-AF65-F5344CB8AC3E}">
+        <p14:creationId xmlns:p14="http://schemas.microsoft.com/office/powerpoint/2010/main" val="2255487751"/>
+      </p:ext>
+    </p:extLst>
+  </p:cSld>
+  <p:clrMapOvr>
+    <a:masterClrMapping/>
+  </p:clrMapOvr>
+</p:sld>
+</file>
+
+<file path=ppt/slides/slide24.xml><?xml version="1.0" encoding="utf-8"?>
+<p:sld xmlns:a="http://schemas.openxmlformats.org/drawingml/2006/main" xmlns:r="http://schemas.openxmlformats.org/officeDocument/2006/relationships" xmlns:p="http://schemas.openxmlformats.org/presentationml/2006/main">
+  <p:cSld>
+    <p:spTree>
+      <p:nvGrpSpPr>
+        <p:cNvPr id="1" name=""/>
+        <p:cNvGrpSpPr/>
+        <p:nvPr/>
+      </p:nvGrpSpPr>
+      <p:grpSpPr>
+        <a:xfrm>
+          <a:off x="0" y="0"/>
+          <a:ext cx="0" cy="0"/>
+          <a:chOff x="0" y="0"/>
+          <a:chExt cx="0" cy="0"/>
+        </a:xfrm>
+      </p:grpSpPr>
+      <p:sp>
+        <p:nvSpPr>
+          <p:cNvPr id="2" name="Título 1">
+            <a:extLst>
+              <a:ext uri="{FF2B5EF4-FFF2-40B4-BE49-F238E27FC236}">
                 <a16:creationId xmlns:a16="http://schemas.microsoft.com/office/drawing/2014/main" id="{3E516DF0-911B-4D22-8061-C05CE57B19E4}"/>
               </a:ext>
             </a:extLst>
@@ -8616,7 +9040,7 @@
     </p:spTree>
     <p:extLst>
       <p:ext uri="{BB962C8B-B14F-4D97-AF65-F5344CB8AC3E}">
-        <p14:creationId xmlns:p14="http://schemas.microsoft.com/office/powerpoint/2010/main" val="4235058978"/>
+        <p14:creationId xmlns:p14="http://schemas.microsoft.com/office/powerpoint/2010/main" val="3889225128"/>
       </p:ext>
     </p:extLst>
   </p:cSld>
@@ -8626,7 +9050,7 @@
 </p:sld>
 </file>
 
-<file path=ppt/slides/slide24.xml><?xml version="1.0" encoding="utf-8"?>
+<file path=ppt/slides/slide25.xml><?xml version="1.0" encoding="utf-8"?>
 <p:sld xmlns:a="http://schemas.openxmlformats.org/drawingml/2006/main" xmlns:r="http://schemas.openxmlformats.org/officeDocument/2006/relationships" xmlns:p="http://schemas.openxmlformats.org/presentationml/2006/main">
   <p:cSld>
     <p:bg>
@@ -9607,7 +10031,7 @@
 </p:sld>
 </file>
 
-<file path=ppt/slides/slide25.xml><?xml version="1.0" encoding="utf-8"?>
+<file path=ppt/slides/slide26.xml><?xml version="1.0" encoding="utf-8"?>
 <p:sld xmlns:a="http://schemas.openxmlformats.org/drawingml/2006/main" xmlns:r="http://schemas.openxmlformats.org/officeDocument/2006/relationships" xmlns:p="http://schemas.openxmlformats.org/presentationml/2006/main">
   <p:cSld>
     <p:spTree>
@@ -9882,7 +10306,7 @@
 </p:sld>
 </file>
 
-<file path=ppt/slides/slide26.xml><?xml version="1.0" encoding="utf-8"?>
+<file path=ppt/slides/slide27.xml><?xml version="1.0" encoding="utf-8"?>
 <p:sld xmlns:a="http://schemas.openxmlformats.org/drawingml/2006/main" xmlns:r="http://schemas.openxmlformats.org/officeDocument/2006/relationships" xmlns:p="http://schemas.openxmlformats.org/presentationml/2006/main">
   <p:cSld>
     <p:spTree>
@@ -9981,7 +10405,7 @@
 </p:sld>
 </file>
 
-<file path=ppt/slides/slide27.xml><?xml version="1.0" encoding="utf-8"?>
+<file path=ppt/slides/slide28.xml><?xml version="1.0" encoding="utf-8"?>
 <p:sld xmlns:a="http://schemas.openxmlformats.org/drawingml/2006/main" xmlns:r="http://schemas.openxmlformats.org/officeDocument/2006/relationships" xmlns:p="http://schemas.openxmlformats.org/presentationml/2006/main">
   <p:cSld>
     <p:bg>
@@ -10963,300 +11387,6 @@
 </p:sld>
 </file>
 
-<file path=ppt/slides/slide28.xml><?xml version="1.0" encoding="utf-8"?>
-<p:sld xmlns:a="http://schemas.openxmlformats.org/drawingml/2006/main" xmlns:r="http://schemas.openxmlformats.org/officeDocument/2006/relationships" xmlns:p="http://schemas.openxmlformats.org/presentationml/2006/main">
-  <p:cSld>
-    <p:spTree>
-      <p:nvGrpSpPr>
-        <p:cNvPr id="1" name=""/>
-        <p:cNvGrpSpPr/>
-        <p:nvPr/>
-      </p:nvGrpSpPr>
-      <p:grpSpPr>
-        <a:xfrm>
-          <a:off x="0" y="0"/>
-          <a:ext cx="0" cy="0"/>
-          <a:chOff x="0" y="0"/>
-          <a:chExt cx="0" cy="0"/>
-        </a:xfrm>
-      </p:grpSpPr>
-      <p:sp>
-        <p:nvSpPr>
-          <p:cNvPr id="2" name="Título 1">
-            <a:extLst>
-              <a:ext uri="{FF2B5EF4-FFF2-40B4-BE49-F238E27FC236}">
-                <a16:creationId xmlns:a16="http://schemas.microsoft.com/office/drawing/2014/main" id="{3E516DF0-911B-4D22-8061-C05CE57B19E4}"/>
-              </a:ext>
-            </a:extLst>
-          </p:cNvPr>
-          <p:cNvSpPr>
-            <a:spLocks noGrp="1"/>
-          </p:cNvSpPr>
-          <p:nvPr>
-            <p:ph type="title"/>
-          </p:nvPr>
-        </p:nvSpPr>
-        <p:spPr>
-          <a:xfrm>
-            <a:off x="1216891" y="77478"/>
-            <a:ext cx="10734964" cy="761712"/>
-          </a:xfrm>
-        </p:spPr>
-        <p:txBody>
-          <a:bodyPr>
-            <a:normAutofit fontScale="90000"/>
-          </a:bodyPr>
-          <a:lstStyle/>
-          <a:p>
-            <a:r>
-              <a:rPr lang="pt-BR" sz="4400" b="1" dirty="0" err="1"/>
-              <a:t>Rubycritic</a:t>
-            </a:r>
-            <a:br>
-              <a:rPr lang="pt-BR" sz="4400" dirty="0"/>
-            </a:br>
-            <a:endParaRPr lang="pt-BR" dirty="0"/>
-          </a:p>
-        </p:txBody>
-      </p:sp>
-      <p:sp>
-        <p:nvSpPr>
-          <p:cNvPr id="9" name="Espaço Reservado para Texto 8">
-            <a:extLst>
-              <a:ext uri="{FF2B5EF4-FFF2-40B4-BE49-F238E27FC236}">
-                <a16:creationId xmlns:a16="http://schemas.microsoft.com/office/drawing/2014/main" id="{043D2A20-5E53-4C9E-9203-D6E0ED96BB10}"/>
-              </a:ext>
-            </a:extLst>
-          </p:cNvPr>
-          <p:cNvSpPr>
-            <a:spLocks noGrp="1"/>
-          </p:cNvSpPr>
-          <p:nvPr>
-            <p:ph type="body" sz="half" idx="2"/>
-          </p:nvPr>
-        </p:nvSpPr>
-        <p:spPr/>
-        <p:txBody>
-          <a:bodyPr>
-            <a:normAutofit/>
-          </a:bodyPr>
-          <a:lstStyle/>
-          <a:p>
-            <a:r>
-              <a:rPr lang="pt-BR" sz="2400" dirty="0"/>
-              <a:t>Para rodar </a:t>
-            </a:r>
-            <a:r>
-              <a:rPr lang="pt-BR" sz="2400" b="1" dirty="0" err="1"/>
-              <a:t>Rubycritic</a:t>
-            </a:r>
-            <a:r>
-              <a:rPr lang="pt-BR" sz="2400" dirty="0"/>
-              <a:t>, flag </a:t>
-            </a:r>
-            <a:r>
-              <a:rPr lang="pt-BR" sz="2400" b="1" dirty="0" err="1"/>
-              <a:t>robycritic</a:t>
-            </a:r>
-            <a:r>
-              <a:rPr lang="pt-BR" sz="2400" dirty="0"/>
-              <a:t> tem de ser habilitado.</a:t>
-            </a:r>
-            <a:br>
-              <a:rPr lang="pt-BR" sz="2400" dirty="0"/>
-            </a:br>
-            <a:br>
-              <a:rPr lang="pt-BR" sz="2400" dirty="0"/>
-            </a:br>
-            <a:r>
-              <a:rPr lang="pt-BR" sz="2000" b="1" dirty="0">
-                <a:latin typeface="Courier New" panose="02070309020205020404" pitchFamily="49" charset="0"/>
-                <a:cs typeface="Courier New" panose="02070309020205020404" pitchFamily="49" charset="0"/>
-              </a:rPr>
-              <a:t>$ site set </a:t>
-            </a:r>
-            <a:r>
-              <a:rPr lang="pt-BR" sz="2000" b="1" dirty="0" err="1">
-                <a:latin typeface="Courier New" panose="02070309020205020404" pitchFamily="49" charset="0"/>
-                <a:cs typeface="Courier New" panose="02070309020205020404" pitchFamily="49" charset="0"/>
-              </a:rPr>
-              <a:t>rubycritic</a:t>
-            </a:r>
-            <a:br>
-              <a:rPr lang="pt-BR" sz="2000" b="1" dirty="0">
-                <a:latin typeface="Courier New" panose="02070309020205020404" pitchFamily="49" charset="0"/>
-                <a:cs typeface="Courier New" panose="02070309020205020404" pitchFamily="49" charset="0"/>
-              </a:rPr>
-            </a:br>
-            <a:br>
-              <a:rPr lang="pt-BR" sz="2000" b="1" dirty="0">
-                <a:latin typeface="Courier New" panose="02070309020205020404" pitchFamily="49" charset="0"/>
-                <a:cs typeface="Courier New" panose="02070309020205020404" pitchFamily="49" charset="0"/>
-              </a:rPr>
-            </a:br>
-            <a:r>
-              <a:rPr lang="pt-BR" sz="2000" b="1" dirty="0">
-                <a:latin typeface="Courier New" panose="02070309020205020404" pitchFamily="49" charset="0"/>
-                <a:cs typeface="Courier New" panose="02070309020205020404" pitchFamily="49" charset="0"/>
-              </a:rPr>
-              <a:t>$ </a:t>
-            </a:r>
-            <a:r>
-              <a:rPr lang="pt-BR" sz="2000" b="1" dirty="0" err="1">
-                <a:latin typeface="Courier New" panose="02070309020205020404" pitchFamily="49" charset="0"/>
-                <a:cs typeface="Courier New" panose="02070309020205020404" pitchFamily="49" charset="0"/>
-              </a:rPr>
-              <a:t>rubycritic</a:t>
-            </a:r>
-            <a:br>
-              <a:rPr lang="pt-BR" sz="2000" b="1" dirty="0">
-                <a:latin typeface="Courier New" panose="02070309020205020404" pitchFamily="49" charset="0"/>
-                <a:cs typeface="Courier New" panose="02070309020205020404" pitchFamily="49" charset="0"/>
-              </a:rPr>
-            </a:br>
-            <a:br>
-              <a:rPr lang="pt-BR" sz="2000" b="1" dirty="0">
-                <a:latin typeface="Courier New" panose="02070309020205020404" pitchFamily="49" charset="0"/>
-                <a:cs typeface="Courier New" panose="02070309020205020404" pitchFamily="49" charset="0"/>
-              </a:rPr>
-            </a:br>
-            <a:r>
-              <a:rPr lang="pt-BR" sz="2000" b="1" dirty="0">
-                <a:latin typeface="Courier New" panose="02070309020205020404" pitchFamily="49" charset="0"/>
-                <a:cs typeface="Courier New" panose="02070309020205020404" pitchFamily="49" charset="0"/>
-              </a:rPr>
-              <a:t>$ site</a:t>
-            </a:r>
-          </a:p>
-          <a:p>
-            <a:r>
-              <a:rPr lang="pt-BR" sz="2000" b="1" dirty="0">
-                <a:latin typeface="Courier New" panose="02070309020205020404" pitchFamily="49" charset="0"/>
-                <a:cs typeface="Courier New" panose="02070309020205020404" pitchFamily="49" charset="0"/>
-              </a:rPr>
-              <a:t>$ </a:t>
-            </a:r>
-            <a:r>
-              <a:rPr lang="pt-BR" sz="2000" b="1" dirty="0" err="1">
-                <a:latin typeface="Courier New" panose="02070309020205020404" pitchFamily="49" charset="0"/>
-                <a:cs typeface="Courier New" panose="02070309020205020404" pitchFamily="49" charset="0"/>
-              </a:rPr>
-              <a:t>xdg</a:t>
-            </a:r>
-            <a:r>
-              <a:rPr lang="pt-BR" sz="2000" b="1" dirty="0">
-                <a:latin typeface="Courier New" panose="02070309020205020404" pitchFamily="49" charset="0"/>
-                <a:cs typeface="Courier New" panose="02070309020205020404" pitchFamily="49" charset="0"/>
-              </a:rPr>
-              <a:t>-open tmp/</a:t>
-            </a:r>
-            <a:r>
-              <a:rPr lang="pt-BR" sz="2000" b="1" dirty="0" err="1">
-                <a:latin typeface="Courier New" panose="02070309020205020404" pitchFamily="49" charset="0"/>
-                <a:cs typeface="Courier New" panose="02070309020205020404" pitchFamily="49" charset="0"/>
-              </a:rPr>
-              <a:t>rubycritic</a:t>
-            </a:r>
-            <a:r>
-              <a:rPr lang="pt-BR" sz="2000" b="1" dirty="0">
-                <a:latin typeface="Courier New" panose="02070309020205020404" pitchFamily="49" charset="0"/>
-                <a:cs typeface="Courier New" panose="02070309020205020404" pitchFamily="49" charset="0"/>
-              </a:rPr>
-              <a:t>/overview.html</a:t>
-            </a:r>
-            <a:br>
-              <a:rPr lang="pt-BR" sz="2000" b="1" dirty="0">
-                <a:latin typeface="Courier New" panose="02070309020205020404" pitchFamily="49" charset="0"/>
-                <a:cs typeface="Courier New" panose="02070309020205020404" pitchFamily="49" charset="0"/>
-              </a:rPr>
-            </a:br>
-            <a:r>
-              <a:rPr lang="pt-BR" sz="2000" b="1" dirty="0">
-                <a:latin typeface="Courier New" panose="02070309020205020404" pitchFamily="49" charset="0"/>
-                <a:cs typeface="Courier New" panose="02070309020205020404" pitchFamily="49" charset="0"/>
-              </a:rPr>
-              <a:t>:</a:t>
-            </a:r>
-            <a:br>
-              <a:rPr lang="pt-BR" sz="2000" b="1" dirty="0">
-                <a:latin typeface="Courier New" panose="02070309020205020404" pitchFamily="49" charset="0"/>
-                <a:cs typeface="Courier New" panose="02070309020205020404" pitchFamily="49" charset="0"/>
-              </a:rPr>
-            </a:br>
-            <a:r>
-              <a:rPr lang="pt-BR" sz="2000" b="1" dirty="0">
-                <a:latin typeface="Courier New" panose="02070309020205020404" pitchFamily="49" charset="0"/>
-                <a:cs typeface="Courier New" panose="02070309020205020404" pitchFamily="49" charset="0"/>
-              </a:rPr>
-              <a:t>$ site </a:t>
-            </a:r>
-            <a:r>
-              <a:rPr lang="pt-BR" sz="2000" b="1" dirty="0" err="1">
-                <a:latin typeface="Courier New" panose="02070309020205020404" pitchFamily="49" charset="0"/>
-                <a:cs typeface="Courier New" panose="02070309020205020404" pitchFamily="49" charset="0"/>
-              </a:rPr>
-              <a:t>unset</a:t>
-            </a:r>
-            <a:r>
-              <a:rPr lang="pt-BR" sz="2000" b="1" dirty="0">
-                <a:latin typeface="Courier New" panose="02070309020205020404" pitchFamily="49" charset="0"/>
-                <a:cs typeface="Courier New" panose="02070309020205020404" pitchFamily="49" charset="0"/>
-              </a:rPr>
-              <a:t> </a:t>
-            </a:r>
-            <a:r>
-              <a:rPr lang="pt-BR" sz="2000" b="1" dirty="0" err="1">
-                <a:latin typeface="Courier New" panose="02070309020205020404" pitchFamily="49" charset="0"/>
-                <a:cs typeface="Courier New" panose="02070309020205020404" pitchFamily="49" charset="0"/>
-              </a:rPr>
-              <a:t>rubycritic</a:t>
-            </a:r>
-            <a:endParaRPr lang="pt-BR" sz="2000" b="1" dirty="0">
-              <a:latin typeface="Courier New" panose="02070309020205020404" pitchFamily="49" charset="0"/>
-              <a:cs typeface="Courier New" panose="02070309020205020404" pitchFamily="49" charset="0"/>
-            </a:endParaRPr>
-          </a:p>
-          <a:p>
-            <a:endParaRPr lang="pt-BR" dirty="0"/>
-          </a:p>
-        </p:txBody>
-      </p:sp>
-      <p:pic>
-        <p:nvPicPr>
-          <p:cNvPr id="6" name="Espaço Reservado para Imagem 5">
-            <a:extLst>
-              <a:ext uri="{FF2B5EF4-FFF2-40B4-BE49-F238E27FC236}">
-                <a16:creationId xmlns:a16="http://schemas.microsoft.com/office/drawing/2014/main" id="{9D20D91A-D2F5-4E89-90B5-0D8304EF7530}"/>
-              </a:ext>
-            </a:extLst>
-          </p:cNvPr>
-          <p:cNvPicPr>
-            <a:picLocks noGrp="1" noChangeAspect="1"/>
-          </p:cNvPicPr>
-          <p:nvPr>
-            <p:ph type="pic" idx="1"/>
-          </p:nvPr>
-        </p:nvPicPr>
-        <p:blipFill rotWithShape="1">
-          <a:blip r:embed="rId2"/>
-          <a:srcRect t="27" b="27"/>
-          <a:stretch/>
-        </p:blipFill>
-        <p:spPr/>
-      </p:pic>
-    </p:spTree>
-    <p:extLst>
-      <p:ext uri="{BB962C8B-B14F-4D97-AF65-F5344CB8AC3E}">
-        <p14:creationId xmlns:p14="http://schemas.microsoft.com/office/powerpoint/2010/main" val="431215963"/>
-      </p:ext>
-    </p:extLst>
-  </p:cSld>
-  <p:clrMapOvr>
-    <a:masterClrMapping/>
-  </p:clrMapOvr>
-</p:sld>
-</file>
-
 <file path=ppt/slides/slide29.xml><?xml version="1.0" encoding="utf-8"?>
 <p:sld xmlns:a="http://schemas.openxmlformats.org/drawingml/2006/main" xmlns:r="http://schemas.openxmlformats.org/officeDocument/2006/relationships" xmlns:p="http://schemas.openxmlformats.org/presentationml/2006/main">
   <p:cSld>
@@ -11287,13 +11417,13 @@
             <a:spLocks noGrp="1"/>
           </p:cNvSpPr>
           <p:nvPr>
-            <p:ph type="title" idx="4294967295"/>
+            <p:ph type="title"/>
           </p:nvPr>
         </p:nvSpPr>
         <p:spPr>
           <a:xfrm>
-            <a:off x="1457325" y="207963"/>
-            <a:ext cx="10734675" cy="762000"/>
+            <a:off x="1216891" y="77478"/>
+            <a:ext cx="10734964" cy="761712"/>
           </a:xfrm>
         </p:spPr>
         <p:txBody>
@@ -11313,40 +11443,235 @@
           </a:p>
         </p:txBody>
       </p:sp>
+      <p:sp>
+        <p:nvSpPr>
+          <p:cNvPr id="9" name="Espaço Reservado para Texto 8">
+            <a:extLst>
+              <a:ext uri="{FF2B5EF4-FFF2-40B4-BE49-F238E27FC236}">
+                <a16:creationId xmlns:a16="http://schemas.microsoft.com/office/drawing/2014/main" id="{043D2A20-5E53-4C9E-9203-D6E0ED96BB10}"/>
+              </a:ext>
+            </a:extLst>
+          </p:cNvPr>
+          <p:cNvSpPr>
+            <a:spLocks noGrp="1"/>
+          </p:cNvSpPr>
+          <p:nvPr>
+            <p:ph type="body" sz="half" idx="2"/>
+          </p:nvPr>
+        </p:nvSpPr>
+        <p:spPr/>
+        <p:txBody>
+          <a:bodyPr>
+            <a:normAutofit/>
+          </a:bodyPr>
+          <a:lstStyle/>
+          <a:p>
+            <a:r>
+              <a:rPr lang="pt-BR" sz="2400" dirty="0"/>
+              <a:t>Para rodar </a:t>
+            </a:r>
+            <a:r>
+              <a:rPr lang="pt-BR" sz="2400" b="1" dirty="0" err="1"/>
+              <a:t>Rubycritic</a:t>
+            </a:r>
+            <a:r>
+              <a:rPr lang="pt-BR" sz="2400" dirty="0"/>
+              <a:t>, flag </a:t>
+            </a:r>
+            <a:r>
+              <a:rPr lang="pt-BR" sz="2400" b="1" dirty="0" err="1"/>
+              <a:t>robycritic</a:t>
+            </a:r>
+            <a:r>
+              <a:rPr lang="pt-BR" sz="2400" dirty="0"/>
+              <a:t> tem de ser habilitado.</a:t>
+            </a:r>
+            <a:br>
+              <a:rPr lang="pt-BR" sz="2400" dirty="0"/>
+            </a:br>
+            <a:br>
+              <a:rPr lang="pt-BR" sz="2400" dirty="0"/>
+            </a:br>
+            <a:r>
+              <a:rPr lang="pt-BR" sz="2000" b="1" dirty="0">
+                <a:latin typeface="Courier New" panose="02070309020205020404" pitchFamily="49" charset="0"/>
+                <a:cs typeface="Courier New" panose="02070309020205020404" pitchFamily="49" charset="0"/>
+              </a:rPr>
+              <a:t>$ site set </a:t>
+            </a:r>
+            <a:r>
+              <a:rPr lang="pt-BR" sz="2000" b="1" dirty="0" err="1">
+                <a:latin typeface="Courier New" panose="02070309020205020404" pitchFamily="49" charset="0"/>
+                <a:cs typeface="Courier New" panose="02070309020205020404" pitchFamily="49" charset="0"/>
+              </a:rPr>
+              <a:t>rubycritic</a:t>
+            </a:r>
+            <a:br>
+              <a:rPr lang="pt-BR" sz="2000" b="1" dirty="0">
+                <a:latin typeface="Courier New" panose="02070309020205020404" pitchFamily="49" charset="0"/>
+                <a:cs typeface="Courier New" panose="02070309020205020404" pitchFamily="49" charset="0"/>
+              </a:rPr>
+            </a:br>
+            <a:br>
+              <a:rPr lang="pt-BR" sz="2000" b="1" dirty="0">
+                <a:latin typeface="Courier New" panose="02070309020205020404" pitchFamily="49" charset="0"/>
+                <a:cs typeface="Courier New" panose="02070309020205020404" pitchFamily="49" charset="0"/>
+              </a:rPr>
+            </a:br>
+            <a:r>
+              <a:rPr lang="pt-BR" sz="2000" b="1" dirty="0">
+                <a:latin typeface="Courier New" panose="02070309020205020404" pitchFamily="49" charset="0"/>
+                <a:cs typeface="Courier New" panose="02070309020205020404" pitchFamily="49" charset="0"/>
+              </a:rPr>
+              <a:t>$ </a:t>
+            </a:r>
+            <a:r>
+              <a:rPr lang="pt-BR" sz="2000" b="1" dirty="0" err="1">
+                <a:latin typeface="Courier New" panose="02070309020205020404" pitchFamily="49" charset="0"/>
+                <a:cs typeface="Courier New" panose="02070309020205020404" pitchFamily="49" charset="0"/>
+              </a:rPr>
+              <a:t>rubycritic</a:t>
+            </a:r>
+            <a:br>
+              <a:rPr lang="pt-BR" sz="2000" b="1" dirty="0">
+                <a:latin typeface="Courier New" panose="02070309020205020404" pitchFamily="49" charset="0"/>
+                <a:cs typeface="Courier New" panose="02070309020205020404" pitchFamily="49" charset="0"/>
+              </a:rPr>
+            </a:br>
+            <a:br>
+              <a:rPr lang="pt-BR" sz="2000" b="1" dirty="0">
+                <a:latin typeface="Courier New" panose="02070309020205020404" pitchFamily="49" charset="0"/>
+                <a:cs typeface="Courier New" panose="02070309020205020404" pitchFamily="49" charset="0"/>
+              </a:rPr>
+            </a:br>
+            <a:r>
+              <a:rPr lang="pt-BR" sz="2000" b="1" dirty="0">
+                <a:latin typeface="Courier New" panose="02070309020205020404" pitchFamily="49" charset="0"/>
+                <a:cs typeface="Courier New" panose="02070309020205020404" pitchFamily="49" charset="0"/>
+              </a:rPr>
+              <a:t>$ site</a:t>
+            </a:r>
+          </a:p>
+          <a:p>
+            <a:r>
+              <a:rPr lang="pt-BR" sz="2000" b="1" dirty="0">
+                <a:latin typeface="Courier New" panose="02070309020205020404" pitchFamily="49" charset="0"/>
+                <a:cs typeface="Courier New" panose="02070309020205020404" pitchFamily="49" charset="0"/>
+              </a:rPr>
+              <a:t>$ </a:t>
+            </a:r>
+            <a:r>
+              <a:rPr lang="pt-BR" sz="2000" b="1" dirty="0" err="1">
+                <a:latin typeface="Courier New" panose="02070309020205020404" pitchFamily="49" charset="0"/>
+                <a:cs typeface="Courier New" panose="02070309020205020404" pitchFamily="49" charset="0"/>
+              </a:rPr>
+              <a:t>xdg</a:t>
+            </a:r>
+            <a:r>
+              <a:rPr lang="pt-BR" sz="2000" b="1" dirty="0">
+                <a:latin typeface="Courier New" panose="02070309020205020404" pitchFamily="49" charset="0"/>
+                <a:cs typeface="Courier New" panose="02070309020205020404" pitchFamily="49" charset="0"/>
+              </a:rPr>
+              <a:t>-open tmp/</a:t>
+            </a:r>
+            <a:r>
+              <a:rPr lang="pt-BR" sz="2000" b="1" dirty="0" err="1">
+                <a:latin typeface="Courier New" panose="02070309020205020404" pitchFamily="49" charset="0"/>
+                <a:cs typeface="Courier New" panose="02070309020205020404" pitchFamily="49" charset="0"/>
+              </a:rPr>
+              <a:t>rubycritic</a:t>
+            </a:r>
+            <a:r>
+              <a:rPr lang="pt-BR" sz="2000" b="1" dirty="0">
+                <a:latin typeface="Courier New" panose="02070309020205020404" pitchFamily="49" charset="0"/>
+                <a:cs typeface="Courier New" panose="02070309020205020404" pitchFamily="49" charset="0"/>
+              </a:rPr>
+              <a:t>/overview.html</a:t>
+            </a:r>
+            <a:br>
+              <a:rPr lang="pt-BR" sz="2000" b="1" dirty="0">
+                <a:latin typeface="Courier New" panose="02070309020205020404" pitchFamily="49" charset="0"/>
+                <a:cs typeface="Courier New" panose="02070309020205020404" pitchFamily="49" charset="0"/>
+              </a:rPr>
+            </a:br>
+            <a:r>
+              <a:rPr lang="pt-BR" sz="2000" b="1" dirty="0">
+                <a:latin typeface="Courier New" panose="02070309020205020404" pitchFamily="49" charset="0"/>
+                <a:cs typeface="Courier New" panose="02070309020205020404" pitchFamily="49" charset="0"/>
+              </a:rPr>
+              <a:t>:</a:t>
+            </a:r>
+            <a:br>
+              <a:rPr lang="pt-BR" sz="2000" b="1" dirty="0">
+                <a:latin typeface="Courier New" panose="02070309020205020404" pitchFamily="49" charset="0"/>
+                <a:cs typeface="Courier New" panose="02070309020205020404" pitchFamily="49" charset="0"/>
+              </a:rPr>
+            </a:br>
+            <a:r>
+              <a:rPr lang="pt-BR" sz="2000" b="1" dirty="0">
+                <a:latin typeface="Courier New" panose="02070309020205020404" pitchFamily="49" charset="0"/>
+                <a:cs typeface="Courier New" panose="02070309020205020404" pitchFamily="49" charset="0"/>
+              </a:rPr>
+              <a:t>$ site </a:t>
+            </a:r>
+            <a:r>
+              <a:rPr lang="pt-BR" sz="2000" b="1" dirty="0" err="1">
+                <a:latin typeface="Courier New" panose="02070309020205020404" pitchFamily="49" charset="0"/>
+                <a:cs typeface="Courier New" panose="02070309020205020404" pitchFamily="49" charset="0"/>
+              </a:rPr>
+              <a:t>unset</a:t>
+            </a:r>
+            <a:r>
+              <a:rPr lang="pt-BR" sz="2000" b="1" dirty="0">
+                <a:latin typeface="Courier New" panose="02070309020205020404" pitchFamily="49" charset="0"/>
+                <a:cs typeface="Courier New" panose="02070309020205020404" pitchFamily="49" charset="0"/>
+              </a:rPr>
+              <a:t> </a:t>
+            </a:r>
+            <a:r>
+              <a:rPr lang="pt-BR" sz="2000" b="1" dirty="0" err="1">
+                <a:latin typeface="Courier New" panose="02070309020205020404" pitchFamily="49" charset="0"/>
+                <a:cs typeface="Courier New" panose="02070309020205020404" pitchFamily="49" charset="0"/>
+              </a:rPr>
+              <a:t>rubycritic</a:t>
+            </a:r>
+            <a:endParaRPr lang="pt-BR" sz="2000" b="1" dirty="0">
+              <a:latin typeface="Courier New" panose="02070309020205020404" pitchFamily="49" charset="0"/>
+              <a:cs typeface="Courier New" panose="02070309020205020404" pitchFamily="49" charset="0"/>
+            </a:endParaRPr>
+          </a:p>
+          <a:p>
+            <a:endParaRPr lang="pt-BR" dirty="0"/>
+          </a:p>
+        </p:txBody>
+      </p:sp>
       <p:pic>
         <p:nvPicPr>
-          <p:cNvPr id="9" name="Imagem 8">
+          <p:cNvPr id="6" name="Espaço Reservado para Imagem 5">
             <a:extLst>
               <a:ext uri="{FF2B5EF4-FFF2-40B4-BE49-F238E27FC236}">
-                <a16:creationId xmlns:a16="http://schemas.microsoft.com/office/drawing/2014/main" id="{9C0C35D4-CF68-4091-B23B-5E45793834F7}"/>
+                <a16:creationId xmlns:a16="http://schemas.microsoft.com/office/drawing/2014/main" id="{9D20D91A-D2F5-4E89-90B5-0D8304EF7530}"/>
               </a:ext>
             </a:extLst>
           </p:cNvPr>
           <p:cNvPicPr>
-            <a:picLocks noChangeAspect="1"/>
+            <a:picLocks noGrp="1" noChangeAspect="1"/>
           </p:cNvPicPr>
-          <p:nvPr/>
+          <p:nvPr>
+            <p:ph type="pic" idx="1"/>
+          </p:nvPr>
         </p:nvPicPr>
-        <p:blipFill>
+        <p:blipFill rotWithShape="1">
           <a:blip r:embed="rId2"/>
-          <a:stretch>
-            <a:fillRect/>
-          </a:stretch>
+          <a:srcRect t="27" b="27"/>
+          <a:stretch/>
         </p:blipFill>
-        <p:spPr>
-          <a:xfrm>
-            <a:off x="199848" y="1110882"/>
-            <a:ext cx="11600267" cy="5539155"/>
-          </a:xfrm>
-          <a:prstGeom prst="rect">
-            <a:avLst/>
-          </a:prstGeom>
-        </p:spPr>
+        <p:spPr/>
       </p:pic>
     </p:spTree>
     <p:extLst>
       <p:ext uri="{BB962C8B-B14F-4D97-AF65-F5344CB8AC3E}">
-        <p14:creationId xmlns:p14="http://schemas.microsoft.com/office/powerpoint/2010/main" val="3332980081"/>
+        <p14:creationId xmlns:p14="http://schemas.microsoft.com/office/powerpoint/2010/main" val="431215963"/>
       </p:ext>
     </p:extLst>
   </p:cSld>
@@ -11427,10 +11752,15 @@
             <p:ph type="body" sz="half" idx="2"/>
           </p:nvPr>
         </p:nvSpPr>
-        <p:spPr/>
+        <p:spPr>
+          <a:xfrm>
+            <a:off x="368734" y="2126673"/>
+            <a:ext cx="3732212" cy="1439667"/>
+          </a:xfrm>
+        </p:spPr>
         <p:txBody>
           <a:bodyPr>
-            <a:normAutofit/>
+            <a:normAutofit fontScale="92500" lnSpcReduction="10000"/>
           </a:bodyPr>
           <a:lstStyle/>
           <a:p>
@@ -11456,8 +11786,23 @@
             </a:r>
             <a:r>
               <a:rPr lang="pt-BR" sz="2400" b="1" dirty="0"/>
-              <a:t>Obras</a:t>
-            </a:r>
+              <a:t>Obras.</a:t>
+            </a:r>
+            <a:br>
+              <a:rPr lang="pt-BR" sz="2400" b="1" dirty="0"/>
+            </a:br>
+            <a:br>
+              <a:rPr lang="pt-BR" sz="2400" b="1" dirty="0"/>
+            </a:br>
+            <a:r>
+              <a:rPr lang="pt-BR" sz="2400" u="sng" dirty="0" err="1"/>
+              <a:t>Algums</a:t>
+            </a:r>
+            <a:r>
+              <a:rPr lang="pt-BR" sz="2400" u="sng" dirty="0"/>
+              <a:t> aspectos:</a:t>
+            </a:r>
+            <a:endParaRPr lang="pt-BR" sz="2400" b="1" u="sng" dirty="0"/>
           </a:p>
         </p:txBody>
       </p:sp>
@@ -11506,6 +11851,445 @@
           </a:extLst>
         </p:spPr>
       </p:pic>
+      <p:sp>
+        <p:nvSpPr>
+          <p:cNvPr id="5" name="Espaço Reservado para Conteúdo 2">
+            <a:extLst>
+              <a:ext uri="{FF2B5EF4-FFF2-40B4-BE49-F238E27FC236}">
+                <a16:creationId xmlns:a16="http://schemas.microsoft.com/office/drawing/2014/main" id="{556B0699-6960-42BA-B53F-B3AD88EAA8D8}"/>
+              </a:ext>
+            </a:extLst>
+          </p:cNvPr>
+          <p:cNvSpPr txBox="1">
+            <a:spLocks/>
+          </p:cNvSpPr>
+          <p:nvPr/>
+        </p:nvSpPr>
+        <p:spPr>
+          <a:xfrm>
+            <a:off x="405679" y="3566340"/>
+            <a:ext cx="3732212" cy="1439667"/>
+          </a:xfrm>
+          <a:prstGeom prst="rect">
+            <a:avLst/>
+          </a:prstGeom>
+        </p:spPr>
+        <p:txBody>
+          <a:bodyPr vert="horz" lIns="91440" tIns="45720" rIns="91440" bIns="45720" rtlCol="0">
+            <a:normAutofit/>
+          </a:bodyPr>
+          <a:lstStyle>
+            <a:lvl1pPr marL="0" indent="0" algn="l" defTabSz="914400" rtl="0" eaLnBrk="1" latinLnBrk="0" hangingPunct="1">
+              <a:lnSpc>
+                <a:spcPct val="90000"/>
+              </a:lnSpc>
+              <a:spcBef>
+                <a:spcPts val="1000"/>
+              </a:spcBef>
+              <a:buFont typeface="Arial" panose="020B0604020202020204" pitchFamily="34" charset="0"/>
+              <a:buNone/>
+              <a:defRPr sz="1600" kern="1200">
+                <a:solidFill>
+                  <a:schemeClr val="tx1"/>
+                </a:solidFill>
+                <a:latin typeface="+mn-lt"/>
+                <a:ea typeface="+mn-ea"/>
+                <a:cs typeface="+mn-cs"/>
+              </a:defRPr>
+            </a:lvl1pPr>
+            <a:lvl2pPr marL="457200" indent="0" algn="l" defTabSz="914400" rtl="0" eaLnBrk="1" latinLnBrk="0" hangingPunct="1">
+              <a:lnSpc>
+                <a:spcPct val="90000"/>
+              </a:lnSpc>
+              <a:spcBef>
+                <a:spcPts val="500"/>
+              </a:spcBef>
+              <a:buFont typeface="Arial" panose="020B0604020202020204" pitchFamily="34" charset="0"/>
+              <a:buNone/>
+              <a:defRPr sz="1400" kern="1200">
+                <a:solidFill>
+                  <a:schemeClr val="tx1"/>
+                </a:solidFill>
+                <a:latin typeface="+mn-lt"/>
+                <a:ea typeface="+mn-ea"/>
+                <a:cs typeface="+mn-cs"/>
+              </a:defRPr>
+            </a:lvl2pPr>
+            <a:lvl3pPr marL="914400" indent="0" algn="l" defTabSz="914400" rtl="0" eaLnBrk="1" latinLnBrk="0" hangingPunct="1">
+              <a:lnSpc>
+                <a:spcPct val="90000"/>
+              </a:lnSpc>
+              <a:spcBef>
+                <a:spcPts val="500"/>
+              </a:spcBef>
+              <a:buFont typeface="Arial" panose="020B0604020202020204" pitchFamily="34" charset="0"/>
+              <a:buNone/>
+              <a:defRPr sz="1200" kern="1200">
+                <a:solidFill>
+                  <a:schemeClr val="tx1"/>
+                </a:solidFill>
+                <a:latin typeface="+mn-lt"/>
+                <a:ea typeface="+mn-ea"/>
+                <a:cs typeface="+mn-cs"/>
+              </a:defRPr>
+            </a:lvl3pPr>
+            <a:lvl4pPr marL="1371600" indent="0" algn="l" defTabSz="914400" rtl="0" eaLnBrk="1" latinLnBrk="0" hangingPunct="1">
+              <a:lnSpc>
+                <a:spcPct val="90000"/>
+              </a:lnSpc>
+              <a:spcBef>
+                <a:spcPts val="500"/>
+              </a:spcBef>
+              <a:buFont typeface="Arial" panose="020B0604020202020204" pitchFamily="34" charset="0"/>
+              <a:buNone/>
+              <a:defRPr sz="1000" kern="1200">
+                <a:solidFill>
+                  <a:schemeClr val="tx1"/>
+                </a:solidFill>
+                <a:latin typeface="+mn-lt"/>
+                <a:ea typeface="+mn-ea"/>
+                <a:cs typeface="+mn-cs"/>
+              </a:defRPr>
+            </a:lvl4pPr>
+            <a:lvl5pPr marL="1828800" indent="0" algn="l" defTabSz="914400" rtl="0" eaLnBrk="1" latinLnBrk="0" hangingPunct="1">
+              <a:lnSpc>
+                <a:spcPct val="90000"/>
+              </a:lnSpc>
+              <a:spcBef>
+                <a:spcPts val="500"/>
+              </a:spcBef>
+              <a:buFont typeface="Arial" panose="020B0604020202020204" pitchFamily="34" charset="0"/>
+              <a:buNone/>
+              <a:defRPr sz="1000" kern="1200">
+                <a:solidFill>
+                  <a:schemeClr val="tx1"/>
+                </a:solidFill>
+                <a:latin typeface="+mn-lt"/>
+                <a:ea typeface="+mn-ea"/>
+                <a:cs typeface="+mn-cs"/>
+              </a:defRPr>
+            </a:lvl5pPr>
+            <a:lvl6pPr marL="2286000" indent="0" algn="l" defTabSz="914400" rtl="0" eaLnBrk="1" latinLnBrk="0" hangingPunct="1">
+              <a:lnSpc>
+                <a:spcPct val="90000"/>
+              </a:lnSpc>
+              <a:spcBef>
+                <a:spcPts val="500"/>
+              </a:spcBef>
+              <a:buFont typeface="Arial" panose="020B0604020202020204" pitchFamily="34" charset="0"/>
+              <a:buNone/>
+              <a:defRPr sz="1000" kern="1200">
+                <a:solidFill>
+                  <a:schemeClr val="tx1"/>
+                </a:solidFill>
+                <a:latin typeface="+mn-lt"/>
+                <a:ea typeface="+mn-ea"/>
+                <a:cs typeface="+mn-cs"/>
+              </a:defRPr>
+            </a:lvl6pPr>
+            <a:lvl7pPr marL="2743200" indent="0" algn="l" defTabSz="914400" rtl="0" eaLnBrk="1" latinLnBrk="0" hangingPunct="1">
+              <a:lnSpc>
+                <a:spcPct val="90000"/>
+              </a:lnSpc>
+              <a:spcBef>
+                <a:spcPts val="500"/>
+              </a:spcBef>
+              <a:buFont typeface="Arial" panose="020B0604020202020204" pitchFamily="34" charset="0"/>
+              <a:buNone/>
+              <a:defRPr sz="1000" kern="1200">
+                <a:solidFill>
+                  <a:schemeClr val="tx1"/>
+                </a:solidFill>
+                <a:latin typeface="+mn-lt"/>
+                <a:ea typeface="+mn-ea"/>
+                <a:cs typeface="+mn-cs"/>
+              </a:defRPr>
+            </a:lvl7pPr>
+            <a:lvl8pPr marL="3200400" indent="0" algn="l" defTabSz="914400" rtl="0" eaLnBrk="1" latinLnBrk="0" hangingPunct="1">
+              <a:lnSpc>
+                <a:spcPct val="90000"/>
+              </a:lnSpc>
+              <a:spcBef>
+                <a:spcPts val="500"/>
+              </a:spcBef>
+              <a:buFont typeface="Arial" panose="020B0604020202020204" pitchFamily="34" charset="0"/>
+              <a:buNone/>
+              <a:defRPr sz="1000" kern="1200">
+                <a:solidFill>
+                  <a:schemeClr val="tx1"/>
+                </a:solidFill>
+                <a:latin typeface="+mn-lt"/>
+                <a:ea typeface="+mn-ea"/>
+                <a:cs typeface="+mn-cs"/>
+              </a:defRPr>
+            </a:lvl8pPr>
+            <a:lvl9pPr marL="3657600" indent="0" algn="l" defTabSz="914400" rtl="0" eaLnBrk="1" latinLnBrk="0" hangingPunct="1">
+              <a:lnSpc>
+                <a:spcPct val="90000"/>
+              </a:lnSpc>
+              <a:spcBef>
+                <a:spcPts val="500"/>
+              </a:spcBef>
+              <a:buFont typeface="Arial" panose="020B0604020202020204" pitchFamily="34" charset="0"/>
+              <a:buNone/>
+              <a:defRPr sz="1000" kern="1200">
+                <a:solidFill>
+                  <a:schemeClr val="tx1"/>
+                </a:solidFill>
+                <a:latin typeface="+mn-lt"/>
+                <a:ea typeface="+mn-ea"/>
+                <a:cs typeface="+mn-cs"/>
+              </a:defRPr>
+            </a:lvl9pPr>
+          </a:lstStyle>
+          <a:p>
+            <a:br>
+              <a:rPr lang="pt-BR" sz="2400" b="1" dirty="0"/>
+            </a:br>
+            <a:endParaRPr lang="pt-BR" sz="2400" b="1" dirty="0"/>
+          </a:p>
+        </p:txBody>
+      </p:sp>
+      <p:sp>
+        <p:nvSpPr>
+          <p:cNvPr id="6" name="Espaço Reservado para Conteúdo 2">
+            <a:extLst>
+              <a:ext uri="{FF2B5EF4-FFF2-40B4-BE49-F238E27FC236}">
+                <a16:creationId xmlns:a16="http://schemas.microsoft.com/office/drawing/2014/main" id="{9E2138CF-A2FC-4B26-864C-2E8E3CA49297}"/>
+              </a:ext>
+            </a:extLst>
+          </p:cNvPr>
+          <p:cNvSpPr txBox="1">
+            <a:spLocks/>
+          </p:cNvSpPr>
+          <p:nvPr/>
+        </p:nvSpPr>
+        <p:spPr>
+          <a:xfrm>
+            <a:off x="387207" y="3614228"/>
+            <a:ext cx="3732212" cy="3110346"/>
+          </a:xfrm>
+          <a:prstGeom prst="rect">
+            <a:avLst/>
+          </a:prstGeom>
+        </p:spPr>
+        <p:txBody>
+          <a:bodyPr vert="horz" lIns="91440" tIns="45720" rIns="91440" bIns="45720" rtlCol="0">
+            <a:normAutofit/>
+          </a:bodyPr>
+          <a:lstStyle>
+            <a:lvl1pPr marL="0" indent="0" algn="l" defTabSz="914400" rtl="0" eaLnBrk="1" latinLnBrk="0" hangingPunct="1">
+              <a:lnSpc>
+                <a:spcPct val="90000"/>
+              </a:lnSpc>
+              <a:spcBef>
+                <a:spcPts val="1000"/>
+              </a:spcBef>
+              <a:buFont typeface="Arial" panose="020B0604020202020204" pitchFamily="34" charset="0"/>
+              <a:buNone/>
+              <a:defRPr sz="1600" kern="1200">
+                <a:solidFill>
+                  <a:schemeClr val="tx1"/>
+                </a:solidFill>
+                <a:latin typeface="+mn-lt"/>
+                <a:ea typeface="+mn-ea"/>
+                <a:cs typeface="+mn-cs"/>
+              </a:defRPr>
+            </a:lvl1pPr>
+            <a:lvl2pPr marL="457200" indent="0" algn="l" defTabSz="914400" rtl="0" eaLnBrk="1" latinLnBrk="0" hangingPunct="1">
+              <a:lnSpc>
+                <a:spcPct val="90000"/>
+              </a:lnSpc>
+              <a:spcBef>
+                <a:spcPts val="500"/>
+              </a:spcBef>
+              <a:buFont typeface="Arial" panose="020B0604020202020204" pitchFamily="34" charset="0"/>
+              <a:buNone/>
+              <a:defRPr sz="1400" kern="1200">
+                <a:solidFill>
+                  <a:schemeClr val="tx1"/>
+                </a:solidFill>
+                <a:latin typeface="+mn-lt"/>
+                <a:ea typeface="+mn-ea"/>
+                <a:cs typeface="+mn-cs"/>
+              </a:defRPr>
+            </a:lvl2pPr>
+            <a:lvl3pPr marL="914400" indent="0" algn="l" defTabSz="914400" rtl="0" eaLnBrk="1" latinLnBrk="0" hangingPunct="1">
+              <a:lnSpc>
+                <a:spcPct val="90000"/>
+              </a:lnSpc>
+              <a:spcBef>
+                <a:spcPts val="500"/>
+              </a:spcBef>
+              <a:buFont typeface="Arial" panose="020B0604020202020204" pitchFamily="34" charset="0"/>
+              <a:buNone/>
+              <a:defRPr sz="1200" kern="1200">
+                <a:solidFill>
+                  <a:schemeClr val="tx1"/>
+                </a:solidFill>
+                <a:latin typeface="+mn-lt"/>
+                <a:ea typeface="+mn-ea"/>
+                <a:cs typeface="+mn-cs"/>
+              </a:defRPr>
+            </a:lvl3pPr>
+            <a:lvl4pPr marL="1371600" indent="0" algn="l" defTabSz="914400" rtl="0" eaLnBrk="1" latinLnBrk="0" hangingPunct="1">
+              <a:lnSpc>
+                <a:spcPct val="90000"/>
+              </a:lnSpc>
+              <a:spcBef>
+                <a:spcPts val="500"/>
+              </a:spcBef>
+              <a:buFont typeface="Arial" panose="020B0604020202020204" pitchFamily="34" charset="0"/>
+              <a:buNone/>
+              <a:defRPr sz="1000" kern="1200">
+                <a:solidFill>
+                  <a:schemeClr val="tx1"/>
+                </a:solidFill>
+                <a:latin typeface="+mn-lt"/>
+                <a:ea typeface="+mn-ea"/>
+                <a:cs typeface="+mn-cs"/>
+              </a:defRPr>
+            </a:lvl4pPr>
+            <a:lvl5pPr marL="1828800" indent="0" algn="l" defTabSz="914400" rtl="0" eaLnBrk="1" latinLnBrk="0" hangingPunct="1">
+              <a:lnSpc>
+                <a:spcPct val="90000"/>
+              </a:lnSpc>
+              <a:spcBef>
+                <a:spcPts val="500"/>
+              </a:spcBef>
+              <a:buFont typeface="Arial" panose="020B0604020202020204" pitchFamily="34" charset="0"/>
+              <a:buNone/>
+              <a:defRPr sz="1000" kern="1200">
+                <a:solidFill>
+                  <a:schemeClr val="tx1"/>
+                </a:solidFill>
+                <a:latin typeface="+mn-lt"/>
+                <a:ea typeface="+mn-ea"/>
+                <a:cs typeface="+mn-cs"/>
+              </a:defRPr>
+            </a:lvl5pPr>
+            <a:lvl6pPr marL="2286000" indent="0" algn="l" defTabSz="914400" rtl="0" eaLnBrk="1" latinLnBrk="0" hangingPunct="1">
+              <a:lnSpc>
+                <a:spcPct val="90000"/>
+              </a:lnSpc>
+              <a:spcBef>
+                <a:spcPts val="500"/>
+              </a:spcBef>
+              <a:buFont typeface="Arial" panose="020B0604020202020204" pitchFamily="34" charset="0"/>
+              <a:buNone/>
+              <a:defRPr sz="1000" kern="1200">
+                <a:solidFill>
+                  <a:schemeClr val="tx1"/>
+                </a:solidFill>
+                <a:latin typeface="+mn-lt"/>
+                <a:ea typeface="+mn-ea"/>
+                <a:cs typeface="+mn-cs"/>
+              </a:defRPr>
+            </a:lvl6pPr>
+            <a:lvl7pPr marL="2743200" indent="0" algn="l" defTabSz="914400" rtl="0" eaLnBrk="1" latinLnBrk="0" hangingPunct="1">
+              <a:lnSpc>
+                <a:spcPct val="90000"/>
+              </a:lnSpc>
+              <a:spcBef>
+                <a:spcPts val="500"/>
+              </a:spcBef>
+              <a:buFont typeface="Arial" panose="020B0604020202020204" pitchFamily="34" charset="0"/>
+              <a:buNone/>
+              <a:defRPr sz="1000" kern="1200">
+                <a:solidFill>
+                  <a:schemeClr val="tx1"/>
+                </a:solidFill>
+                <a:latin typeface="+mn-lt"/>
+                <a:ea typeface="+mn-ea"/>
+                <a:cs typeface="+mn-cs"/>
+              </a:defRPr>
+            </a:lvl7pPr>
+            <a:lvl8pPr marL="3200400" indent="0" algn="l" defTabSz="914400" rtl="0" eaLnBrk="1" latinLnBrk="0" hangingPunct="1">
+              <a:lnSpc>
+                <a:spcPct val="90000"/>
+              </a:lnSpc>
+              <a:spcBef>
+                <a:spcPts val="500"/>
+              </a:spcBef>
+              <a:buFont typeface="Arial" panose="020B0604020202020204" pitchFamily="34" charset="0"/>
+              <a:buNone/>
+              <a:defRPr sz="1000" kern="1200">
+                <a:solidFill>
+                  <a:schemeClr val="tx1"/>
+                </a:solidFill>
+                <a:latin typeface="+mn-lt"/>
+                <a:ea typeface="+mn-ea"/>
+                <a:cs typeface="+mn-cs"/>
+              </a:defRPr>
+            </a:lvl8pPr>
+            <a:lvl9pPr marL="3657600" indent="0" algn="l" defTabSz="914400" rtl="0" eaLnBrk="1" latinLnBrk="0" hangingPunct="1">
+              <a:lnSpc>
+                <a:spcPct val="90000"/>
+              </a:lnSpc>
+              <a:spcBef>
+                <a:spcPts val="500"/>
+              </a:spcBef>
+              <a:buFont typeface="Arial" panose="020B0604020202020204" pitchFamily="34" charset="0"/>
+              <a:buNone/>
+              <a:defRPr sz="1000" kern="1200">
+                <a:solidFill>
+                  <a:schemeClr val="tx1"/>
+                </a:solidFill>
+                <a:latin typeface="+mn-lt"/>
+                <a:ea typeface="+mn-ea"/>
+                <a:cs typeface="+mn-cs"/>
+              </a:defRPr>
+            </a:lvl9pPr>
+          </a:lstStyle>
+          <a:p>
+            <a:pPr marL="342900" indent="-342900">
+              <a:buFont typeface="Arial" panose="020B0604020202020204" pitchFamily="34" charset="0"/>
+              <a:buChar char="•"/>
+            </a:pPr>
+            <a:r>
+              <a:rPr lang="pt-BR" sz="2000" dirty="0"/>
+              <a:t>Manuseio com </a:t>
+            </a:r>
+            <a:r>
+              <a:rPr lang="pt-BR" sz="2000" dirty="0" err="1"/>
+              <a:t>dumps</a:t>
+            </a:r>
+            <a:r>
+              <a:rPr lang="pt-BR" sz="2000" dirty="0"/>
+              <a:t> e serviços</a:t>
+            </a:r>
+          </a:p>
+          <a:p>
+            <a:pPr marL="342900" indent="-342900">
+              <a:buFont typeface="Arial" panose="020B0604020202020204" pitchFamily="34" charset="0"/>
+              <a:buChar char="•"/>
+            </a:pPr>
+            <a:r>
+              <a:rPr lang="pt-BR" sz="2000" dirty="0"/>
+              <a:t>Acesso a sites de </a:t>
+            </a:r>
+            <a:r>
+              <a:rPr lang="pt-BR" sz="2000" dirty="0" err="1"/>
+              <a:t>Homolog</a:t>
+            </a:r>
+            <a:endParaRPr lang="pt-BR" sz="2000" dirty="0"/>
+          </a:p>
+          <a:p>
+            <a:pPr marL="342900" indent="-342900">
+              <a:buFont typeface="Arial" panose="020B0604020202020204" pitchFamily="34" charset="0"/>
+              <a:buChar char="•"/>
+            </a:pPr>
+            <a:r>
+              <a:rPr lang="pt-BR" sz="2000" dirty="0"/>
+              <a:t>Controle das ferramentas de Estilo, Teste e Auditoria</a:t>
+            </a:r>
+            <a:br>
+              <a:rPr lang="pt-BR" sz="2000" dirty="0"/>
+            </a:br>
+            <a:endParaRPr lang="pt-BR" sz="2000" dirty="0"/>
+          </a:p>
+        </p:txBody>
+      </p:sp>
     </p:spTree>
     <p:extLst>
       <p:ext uri="{BB962C8B-B14F-4D97-AF65-F5344CB8AC3E}">
@@ -11520,6 +12304,105 @@
 </file>
 
 <file path=ppt/slides/slide30.xml><?xml version="1.0" encoding="utf-8"?>
+<p:sld xmlns:a="http://schemas.openxmlformats.org/drawingml/2006/main" xmlns:r="http://schemas.openxmlformats.org/officeDocument/2006/relationships" xmlns:p="http://schemas.openxmlformats.org/presentationml/2006/main">
+  <p:cSld>
+    <p:spTree>
+      <p:nvGrpSpPr>
+        <p:cNvPr id="1" name=""/>
+        <p:cNvGrpSpPr/>
+        <p:nvPr/>
+      </p:nvGrpSpPr>
+      <p:grpSpPr>
+        <a:xfrm>
+          <a:off x="0" y="0"/>
+          <a:ext cx="0" cy="0"/>
+          <a:chOff x="0" y="0"/>
+          <a:chExt cx="0" cy="0"/>
+        </a:xfrm>
+      </p:grpSpPr>
+      <p:sp>
+        <p:nvSpPr>
+          <p:cNvPr id="2" name="Título 1">
+            <a:extLst>
+              <a:ext uri="{FF2B5EF4-FFF2-40B4-BE49-F238E27FC236}">
+                <a16:creationId xmlns:a16="http://schemas.microsoft.com/office/drawing/2014/main" id="{3E516DF0-911B-4D22-8061-C05CE57B19E4}"/>
+              </a:ext>
+            </a:extLst>
+          </p:cNvPr>
+          <p:cNvSpPr>
+            <a:spLocks noGrp="1"/>
+          </p:cNvSpPr>
+          <p:nvPr>
+            <p:ph type="title" idx="4294967295"/>
+          </p:nvPr>
+        </p:nvSpPr>
+        <p:spPr>
+          <a:xfrm>
+            <a:off x="1457325" y="207963"/>
+            <a:ext cx="10734675" cy="762000"/>
+          </a:xfrm>
+        </p:spPr>
+        <p:txBody>
+          <a:bodyPr>
+            <a:normAutofit fontScale="90000"/>
+          </a:bodyPr>
+          <a:lstStyle/>
+          <a:p>
+            <a:r>
+              <a:rPr lang="pt-BR" sz="4400" b="1" dirty="0" err="1"/>
+              <a:t>Rubycritic</a:t>
+            </a:r>
+            <a:br>
+              <a:rPr lang="pt-BR" sz="4400" dirty="0"/>
+            </a:br>
+            <a:endParaRPr lang="pt-BR" dirty="0"/>
+          </a:p>
+        </p:txBody>
+      </p:sp>
+      <p:pic>
+        <p:nvPicPr>
+          <p:cNvPr id="9" name="Imagem 8">
+            <a:extLst>
+              <a:ext uri="{FF2B5EF4-FFF2-40B4-BE49-F238E27FC236}">
+                <a16:creationId xmlns:a16="http://schemas.microsoft.com/office/drawing/2014/main" id="{9C0C35D4-CF68-4091-B23B-5E45793834F7}"/>
+              </a:ext>
+            </a:extLst>
+          </p:cNvPr>
+          <p:cNvPicPr>
+            <a:picLocks noChangeAspect="1"/>
+          </p:cNvPicPr>
+          <p:nvPr/>
+        </p:nvPicPr>
+        <p:blipFill>
+          <a:blip r:embed="rId2"/>
+          <a:stretch>
+            <a:fillRect/>
+          </a:stretch>
+        </p:blipFill>
+        <p:spPr>
+          <a:xfrm>
+            <a:off x="199848" y="1110882"/>
+            <a:ext cx="11600267" cy="5539155"/>
+          </a:xfrm>
+          <a:prstGeom prst="rect">
+            <a:avLst/>
+          </a:prstGeom>
+        </p:spPr>
+      </p:pic>
+    </p:spTree>
+    <p:extLst>
+      <p:ext uri="{BB962C8B-B14F-4D97-AF65-F5344CB8AC3E}">
+        <p14:creationId xmlns:p14="http://schemas.microsoft.com/office/powerpoint/2010/main" val="3332980081"/>
+      </p:ext>
+    </p:extLst>
+  </p:cSld>
+  <p:clrMapOvr>
+    <a:masterClrMapping/>
+  </p:clrMapOvr>
+</p:sld>
+</file>
+
+<file path=ppt/slides/slide31.xml><?xml version="1.0" encoding="utf-8"?>
 <p:sld xmlns:a="http://schemas.openxmlformats.org/drawingml/2006/main" xmlns:r="http://schemas.openxmlformats.org/officeDocument/2006/relationships" xmlns:p="http://schemas.openxmlformats.org/presentationml/2006/main">
   <p:cSld>
     <p:bg>
@@ -12516,7 +13399,7 @@
 </p:sld>
 </file>
 
-<file path=ppt/slides/slide31.xml><?xml version="1.0" encoding="utf-8"?>
+<file path=ppt/slides/slide32.xml><?xml version="1.0" encoding="utf-8"?>
 <p:sld xmlns:a="http://schemas.openxmlformats.org/drawingml/2006/main" xmlns:r="http://schemas.openxmlformats.org/officeDocument/2006/relationships" xmlns:p="http://schemas.openxmlformats.org/presentationml/2006/main">
   <p:cSld>
     <p:spTree>
@@ -12773,7 +13656,7 @@
 </p:sld>
 </file>
 
-<file path=ppt/slides/slide32.xml><?xml version="1.0" encoding="utf-8"?>
+<file path=ppt/slides/slide33.xml><?xml version="1.0" encoding="utf-8"?>
 <p:sld xmlns:a="http://schemas.openxmlformats.org/drawingml/2006/main" xmlns:r="http://schemas.openxmlformats.org/officeDocument/2006/relationships" xmlns:p="http://schemas.openxmlformats.org/presentationml/2006/main">
   <p:cSld>
     <p:spTree>
@@ -13007,7 +13890,7 @@
 </p:sld>
 </file>
 
-<file path=ppt/slides/slide33.xml><?xml version="1.0" encoding="utf-8"?>
+<file path=ppt/slides/slide34.xml><?xml version="1.0" encoding="utf-8"?>
 <p:sld xmlns:a="http://schemas.openxmlformats.org/drawingml/2006/main" xmlns:r="http://schemas.openxmlformats.org/officeDocument/2006/relationships" xmlns:p="http://schemas.openxmlformats.org/presentationml/2006/main">
   <p:cSld>
     <p:bg>
@@ -13992,7 +14875,7 @@
 </p:sld>
 </file>
 
-<file path=ppt/slides/slide34.xml><?xml version="1.0" encoding="utf-8"?>
+<file path=ppt/slides/slide35.xml><?xml version="1.0" encoding="utf-8"?>
 <p:sld xmlns:a="http://schemas.openxmlformats.org/drawingml/2006/main" xmlns:r="http://schemas.openxmlformats.org/officeDocument/2006/relationships" xmlns:p="http://schemas.openxmlformats.org/presentationml/2006/main">
   <p:cSld>
     <p:spTree>
@@ -14150,7 +15033,7 @@
 </p:sld>
 </file>
 
-<file path=ppt/slides/slide35.xml><?xml version="1.0" encoding="utf-8"?>
+<file path=ppt/slides/slide36.xml><?xml version="1.0" encoding="utf-8"?>
 <p:sld xmlns:a="http://schemas.openxmlformats.org/drawingml/2006/main" xmlns:r="http://schemas.openxmlformats.org/officeDocument/2006/relationships" xmlns:p="http://schemas.openxmlformats.org/presentationml/2006/main">
   <p:cSld>
     <p:bg>
@@ -15139,7 +16022,7 @@
 </p:sld>
 </file>
 
-<file path=ppt/slides/slide36.xml><?xml version="1.0" encoding="utf-8"?>
+<file path=ppt/slides/slide37.xml><?xml version="1.0" encoding="utf-8"?>
 <p:sld xmlns:a="http://schemas.openxmlformats.org/drawingml/2006/main" xmlns:r="http://schemas.openxmlformats.org/officeDocument/2006/relationships" xmlns:p="http://schemas.openxmlformats.org/presentationml/2006/main">
   <p:cSld>
     <p:spTree>
@@ -15378,7 +16261,7 @@
 </p:sld>
 </file>
 
-<file path=ppt/slides/slide37.xml><?xml version="1.0" encoding="utf-8"?>
+<file path=ppt/slides/slide38.xml><?xml version="1.0" encoding="utf-8"?>
 <p:sld xmlns:a="http://schemas.openxmlformats.org/drawingml/2006/main" xmlns:r="http://schemas.openxmlformats.org/officeDocument/2006/relationships" xmlns:p="http://schemas.openxmlformats.org/presentationml/2006/main">
   <p:cSld>
     <p:bg>
@@ -16363,7 +17246,7 @@
 </p:sld>
 </file>
 
-<file path=ppt/slides/slide38.xml><?xml version="1.0" encoding="utf-8"?>
+<file path=ppt/slides/slide39.xml><?xml version="1.0" encoding="utf-8"?>
 <p:sld xmlns:a="http://schemas.openxmlformats.org/drawingml/2006/main" xmlns:r="http://schemas.openxmlformats.org/officeDocument/2006/relationships" xmlns:p="http://schemas.openxmlformats.org/presentationml/2006/main">
   <p:cSld>
     <p:spTree>
@@ -16608,986 +17491,6 @@
     <p:extLst>
       <p:ext uri="{BB962C8B-B14F-4D97-AF65-F5344CB8AC3E}">
         <p14:creationId xmlns:p14="http://schemas.microsoft.com/office/powerpoint/2010/main" val="796341809"/>
-      </p:ext>
-    </p:extLst>
-  </p:cSld>
-  <p:clrMapOvr>
-    <a:masterClrMapping/>
-  </p:clrMapOvr>
-</p:sld>
-</file>
-
-<file path=ppt/slides/slide39.xml><?xml version="1.0" encoding="utf-8"?>
-<p:sld xmlns:a="http://schemas.openxmlformats.org/drawingml/2006/main" xmlns:r="http://schemas.openxmlformats.org/officeDocument/2006/relationships" xmlns:p="http://schemas.openxmlformats.org/presentationml/2006/main">
-  <p:cSld>
-    <p:bg>
-      <p:bgPr>
-        <a:solidFill>
-          <a:schemeClr val="bg1"/>
-        </a:solidFill>
-        <a:effectLst/>
-      </p:bgPr>
-    </p:bg>
-    <p:spTree>
-      <p:nvGrpSpPr>
-        <p:cNvPr id="1" name=""/>
-        <p:cNvGrpSpPr/>
-        <p:nvPr/>
-      </p:nvGrpSpPr>
-      <p:grpSpPr>
-        <a:xfrm>
-          <a:off x="0" y="0"/>
-          <a:ext cx="0" cy="0"/>
-          <a:chOff x="0" y="0"/>
-          <a:chExt cx="0" cy="0"/>
-        </a:xfrm>
-      </p:grpSpPr>
-      <p:sp useBgFill="1">
-        <p:nvSpPr>
-          <p:cNvPr id="53" name="Rectangle 52">
-            <a:extLst>
-              <a:ext uri="{FF2B5EF4-FFF2-40B4-BE49-F238E27FC236}">
-                <a16:creationId xmlns:a16="http://schemas.microsoft.com/office/drawing/2014/main" id="{3E443FD7-A66B-4AA0-872D-B088B9BC5F17}"/>
-              </a:ext>
-              <a:ext uri="{C183D7F6-B498-43B3-948B-1728B52AA6E4}">
-                <adec:decorative xmlns:adec="http://schemas.microsoft.com/office/drawing/2017/decorative" val="1"/>
-              </a:ext>
-            </a:extLst>
-          </p:cNvPr>
-          <p:cNvSpPr>
-            <a:spLocks noGrp="1" noRot="1" noChangeAspect="1" noMove="1" noResize="1" noEditPoints="1" noAdjustHandles="1" noChangeArrowheads="1" noChangeShapeType="1" noTextEdit="1"/>
-          </p:cNvSpPr>
-          <p:nvPr>
-            <p:extLst>
-              <p:ext uri="{386F3935-93C4-4BCD-93E2-E3B085C9AB24}">
-                <p16:designElem xmlns:p16="http://schemas.microsoft.com/office/powerpoint/2015/main" val="1"/>
-              </p:ext>
-            </p:extLst>
-          </p:nvPr>
-        </p:nvSpPr>
-        <p:spPr>
-          <a:xfrm>
-            <a:off x="0" y="0"/>
-            <a:ext cx="12192000" cy="6858000"/>
-          </a:xfrm>
-          <a:prstGeom prst="rect">
-            <a:avLst/>
-          </a:prstGeom>
-          <a:ln>
-            <a:noFill/>
-          </a:ln>
-        </p:spPr>
-        <p:style>
-          <a:lnRef idx="2">
-            <a:schemeClr val="accent1">
-              <a:shade val="50000"/>
-            </a:schemeClr>
-          </a:lnRef>
-          <a:fillRef idx="1">
-            <a:schemeClr val="accent1"/>
-          </a:fillRef>
-          <a:effectRef idx="0">
-            <a:schemeClr val="accent1"/>
-          </a:effectRef>
-          <a:fontRef idx="minor">
-            <a:schemeClr val="lt1"/>
-          </a:fontRef>
-        </p:style>
-        <p:txBody>
-          <a:bodyPr rtlCol="0" anchor="ctr"/>
-          <a:lstStyle/>
-          <a:p>
-            <a:pPr algn="ctr"/>
-            <a:endParaRPr lang="en-US"/>
-          </a:p>
-        </p:txBody>
-      </p:sp>
-      <p:sp>
-        <p:nvSpPr>
-          <p:cNvPr id="2" name="Título 1">
-            <a:extLst>
-              <a:ext uri="{FF2B5EF4-FFF2-40B4-BE49-F238E27FC236}">
-                <a16:creationId xmlns:a16="http://schemas.microsoft.com/office/drawing/2014/main" id="{9B5DD48C-039E-43C7-B060-771CB2A8EF2B}"/>
-              </a:ext>
-            </a:extLst>
-          </p:cNvPr>
-          <p:cNvSpPr>
-            <a:spLocks noGrp="1"/>
-          </p:cNvSpPr>
-          <p:nvPr>
-            <p:ph type="ctrTitle"/>
-          </p:nvPr>
-        </p:nvSpPr>
-        <p:spPr>
-          <a:xfrm>
-            <a:off x="1094095" y="851517"/>
-            <a:ext cx="5238466" cy="2991416"/>
-          </a:xfrm>
-        </p:spPr>
-        <p:txBody>
-          <a:bodyPr anchor="b">
-            <a:normAutofit/>
-          </a:bodyPr>
-          <a:lstStyle/>
-          <a:p>
-            <a:pPr algn="l"/>
-            <a:r>
-              <a:rPr lang="pt-BR" b="1" dirty="0"/>
-              <a:t>Conexão com Redis</a:t>
-            </a:r>
-          </a:p>
-        </p:txBody>
-      </p:sp>
-      <p:sp>
-        <p:nvSpPr>
-          <p:cNvPr id="3" name="Subtítulo 2">
-            <a:extLst>
-              <a:ext uri="{FF2B5EF4-FFF2-40B4-BE49-F238E27FC236}">
-                <a16:creationId xmlns:a16="http://schemas.microsoft.com/office/drawing/2014/main" id="{44095AEF-9434-45FE-BB86-7BC5AABE5432}"/>
-              </a:ext>
-            </a:extLst>
-          </p:cNvPr>
-          <p:cNvSpPr>
-            <a:spLocks noGrp="1"/>
-          </p:cNvSpPr>
-          <p:nvPr>
-            <p:ph type="subTitle" idx="1"/>
-          </p:nvPr>
-        </p:nvSpPr>
-        <p:spPr>
-          <a:xfrm>
-            <a:off x="1094096" y="3842932"/>
-            <a:ext cx="4167115" cy="2163551"/>
-          </a:xfrm>
-        </p:spPr>
-        <p:txBody>
-          <a:bodyPr anchor="t">
-            <a:normAutofit/>
-          </a:bodyPr>
-          <a:lstStyle/>
-          <a:p>
-            <a:pPr algn="l"/>
-            <a:r>
-              <a:rPr lang="pt-BR" b="1" dirty="0"/>
-              <a:t>Redis Console</a:t>
-            </a:r>
-          </a:p>
-        </p:txBody>
-      </p:sp>
-      <p:sp>
-        <p:nvSpPr>
-          <p:cNvPr id="55" name="Freeform: Shape 54">
-            <a:extLst>
-              <a:ext uri="{FF2B5EF4-FFF2-40B4-BE49-F238E27FC236}">
-                <a16:creationId xmlns:a16="http://schemas.microsoft.com/office/drawing/2014/main" id="{C04BE0EF-3561-49B4-9A29-F283168A91C7}"/>
-              </a:ext>
-              <a:ext uri="{C183D7F6-B498-43B3-948B-1728B52AA6E4}">
-                <adec:decorative xmlns:adec="http://schemas.microsoft.com/office/drawing/2017/decorative" val="1"/>
-              </a:ext>
-            </a:extLst>
-          </p:cNvPr>
-          <p:cNvSpPr>
-            <a:spLocks noGrp="1" noRot="1" noChangeAspect="1" noMove="1" noResize="1" noEditPoints="1" noAdjustHandles="1" noChangeArrowheads="1" noChangeShapeType="1" noTextEdit="1"/>
-          </p:cNvSpPr>
-          <p:nvPr>
-            <p:extLst>
-              <p:ext uri="{386F3935-93C4-4BCD-93E2-E3B085C9AB24}">
-                <p16:designElem xmlns:p16="http://schemas.microsoft.com/office/powerpoint/2015/main" val="1"/>
-              </p:ext>
-            </p:extLst>
-          </p:nvPr>
-        </p:nvSpPr>
-        <p:spPr>
-          <a:xfrm>
-            <a:off x="5510370" y="851518"/>
-            <a:ext cx="6184806" cy="5154967"/>
-          </a:xfrm>
-          <a:custGeom>
-            <a:avLst/>
-            <a:gdLst>
-              <a:gd name="connsiteX0" fmla="*/ 363179 w 6184806"/>
-              <a:gd name="connsiteY0" fmla="*/ 3125191 h 5154967"/>
-              <a:gd name="connsiteX1" fmla="*/ 898270 w 6184806"/>
-              <a:gd name="connsiteY1" fmla="*/ 3125191 h 5154967"/>
-              <a:gd name="connsiteX2" fmla="*/ 980326 w 6184806"/>
-              <a:gd name="connsiteY2" fmla="*/ 3173551 h 5154967"/>
-              <a:gd name="connsiteX3" fmla="*/ 1248448 w 6184806"/>
-              <a:gd name="connsiteY3" fmla="*/ 3635277 h 5154967"/>
-              <a:gd name="connsiteX4" fmla="*/ 1248448 w 6184806"/>
-              <a:gd name="connsiteY4" fmla="*/ 3729695 h 5154967"/>
-              <a:gd name="connsiteX5" fmla="*/ 980326 w 6184806"/>
-              <a:gd name="connsiteY5" fmla="*/ 4191421 h 5154967"/>
-              <a:gd name="connsiteX6" fmla="*/ 898270 w 6184806"/>
-              <a:gd name="connsiteY6" fmla="*/ 4239781 h 5154967"/>
-              <a:gd name="connsiteX7" fmla="*/ 363179 w 6184806"/>
-              <a:gd name="connsiteY7" fmla="*/ 4239781 h 5154967"/>
-              <a:gd name="connsiteX8" fmla="*/ 279969 w 6184806"/>
-              <a:gd name="connsiteY8" fmla="*/ 4191421 h 5154967"/>
-              <a:gd name="connsiteX9" fmla="*/ 13002 w 6184806"/>
-              <a:gd name="connsiteY9" fmla="*/ 3729695 h 5154967"/>
-              <a:gd name="connsiteX10" fmla="*/ 13002 w 6184806"/>
-              <a:gd name="connsiteY10" fmla="*/ 3635277 h 5154967"/>
-              <a:gd name="connsiteX11" fmla="*/ 279969 w 6184806"/>
-              <a:gd name="connsiteY11" fmla="*/ 3173551 h 5154967"/>
-              <a:gd name="connsiteX12" fmla="*/ 363179 w 6184806"/>
-              <a:gd name="connsiteY12" fmla="*/ 3125191 h 5154967"/>
-              <a:gd name="connsiteX13" fmla="*/ 2489721 w 6184806"/>
-              <a:gd name="connsiteY13" fmla="*/ 570035 h 5154967"/>
-              <a:gd name="connsiteX14" fmla="*/ 2764862 w 6184806"/>
-              <a:gd name="connsiteY14" fmla="*/ 570035 h 5154967"/>
-              <a:gd name="connsiteX15" fmla="*/ 2796959 w 6184806"/>
-              <a:gd name="connsiteY15" fmla="*/ 570035 h 5154967"/>
-              <a:gd name="connsiteX16" fmla="*/ 2827587 w 6184806"/>
-              <a:gd name="connsiteY16" fmla="*/ 622777 h 5154967"/>
-              <a:gd name="connsiteX17" fmla="*/ 2977604 w 6184806"/>
-              <a:gd name="connsiteY17" fmla="*/ 881117 h 5154967"/>
-              <a:gd name="connsiteX18" fmla="*/ 2977604 w 6184806"/>
-              <a:gd name="connsiteY18" fmla="*/ 1025720 h 5154967"/>
-              <a:gd name="connsiteX19" fmla="*/ 2566968 w 6184806"/>
-              <a:gd name="connsiteY19" fmla="*/ 1732863 h 5154967"/>
-              <a:gd name="connsiteX20" fmla="*/ 2441299 w 6184806"/>
-              <a:gd name="connsiteY20" fmla="*/ 1806927 h 5154967"/>
-              <a:gd name="connsiteX21" fmla="*/ 1621798 w 6184806"/>
-              <a:gd name="connsiteY21" fmla="*/ 1806927 h 5154967"/>
-              <a:gd name="connsiteX22" fmla="*/ 1583218 w 6184806"/>
-              <a:gd name="connsiteY22" fmla="*/ 1801802 h 5154967"/>
-              <a:gd name="connsiteX23" fmla="*/ 1556683 w 6184806"/>
-              <a:gd name="connsiteY23" fmla="*/ 1790677 h 5154967"/>
-              <a:gd name="connsiteX24" fmla="*/ 1572899 w 6184806"/>
-              <a:gd name="connsiteY24" fmla="*/ 1762630 h 5154967"/>
-              <a:gd name="connsiteX25" fmla="*/ 2147429 w 6184806"/>
-              <a:gd name="connsiteY25" fmla="*/ 768968 h 5154967"/>
-              <a:gd name="connsiteX26" fmla="*/ 2489721 w 6184806"/>
-              <a:gd name="connsiteY26" fmla="*/ 570035 h 5154967"/>
-              <a:gd name="connsiteX27" fmla="*/ 1573268 w 6184806"/>
-              <a:gd name="connsiteY27" fmla="*/ 0 h 5154967"/>
-              <a:gd name="connsiteX28" fmla="*/ 2497662 w 6184806"/>
-              <a:gd name="connsiteY28" fmla="*/ 0 h 5154967"/>
-              <a:gd name="connsiteX29" fmla="*/ 2639415 w 6184806"/>
-              <a:gd name="connsiteY29" fmla="*/ 83546 h 5154967"/>
-              <a:gd name="connsiteX30" fmla="*/ 2887862 w 6184806"/>
-              <a:gd name="connsiteY30" fmla="*/ 511387 h 5154967"/>
-              <a:gd name="connsiteX31" fmla="*/ 2915928 w 6184806"/>
-              <a:gd name="connsiteY31" fmla="*/ 559720 h 5154967"/>
-              <a:gd name="connsiteX32" fmla="*/ 2893844 w 6184806"/>
-              <a:gd name="connsiteY32" fmla="*/ 559720 h 5154967"/>
-              <a:gd name="connsiteX33" fmla="*/ 2789466 w 6184806"/>
-              <a:gd name="connsiteY33" fmla="*/ 559720 h 5154967"/>
-              <a:gd name="connsiteX34" fmla="*/ 2744122 w 6184806"/>
-              <a:gd name="connsiteY34" fmla="*/ 481634 h 5154967"/>
-              <a:gd name="connsiteX35" fmla="*/ 2570885 w 6184806"/>
-              <a:gd name="connsiteY35" fmla="*/ 183309 h 5154967"/>
-              <a:gd name="connsiteX36" fmla="*/ 2445216 w 6184806"/>
-              <a:gd name="connsiteY36" fmla="*/ 109243 h 5154967"/>
-              <a:gd name="connsiteX37" fmla="*/ 1625714 w 6184806"/>
-              <a:gd name="connsiteY37" fmla="*/ 109243 h 5154967"/>
-              <a:gd name="connsiteX38" fmla="*/ 1498276 w 6184806"/>
-              <a:gd name="connsiteY38" fmla="*/ 183309 h 5154967"/>
-              <a:gd name="connsiteX39" fmla="*/ 1089410 w 6184806"/>
-              <a:gd name="connsiteY39" fmla="*/ 890450 h 5154967"/>
-              <a:gd name="connsiteX40" fmla="*/ 1089410 w 6184806"/>
-              <a:gd name="connsiteY40" fmla="*/ 1035054 h 5154967"/>
-              <a:gd name="connsiteX41" fmla="*/ 1498276 w 6184806"/>
-              <a:gd name="connsiteY41" fmla="*/ 1742196 h 5154967"/>
-              <a:gd name="connsiteX42" fmla="*/ 1552039 w 6184806"/>
-              <a:gd name="connsiteY42" fmla="*/ 1796422 h 5154967"/>
-              <a:gd name="connsiteX43" fmla="*/ 1558260 w 6184806"/>
-              <a:gd name="connsiteY43" fmla="*/ 1799029 h 5154967"/>
-              <a:gd name="connsiteX44" fmla="*/ 1524911 w 6184806"/>
-              <a:gd name="connsiteY44" fmla="*/ 1856707 h 5154967"/>
-              <a:gd name="connsiteX45" fmla="*/ 1500108 w 6184806"/>
-              <a:gd name="connsiteY45" fmla="*/ 1899604 h 5154967"/>
-              <a:gd name="connsiteX46" fmla="*/ 1525834 w 6184806"/>
-              <a:gd name="connsiteY46" fmla="*/ 1910390 h 5154967"/>
-              <a:gd name="connsiteX47" fmla="*/ 1569352 w 6184806"/>
-              <a:gd name="connsiteY47" fmla="*/ 1916170 h 5154967"/>
-              <a:gd name="connsiteX48" fmla="*/ 2493745 w 6184806"/>
-              <a:gd name="connsiteY48" fmla="*/ 1916170 h 5154967"/>
-              <a:gd name="connsiteX49" fmla="*/ 2635498 w 6184806"/>
-              <a:gd name="connsiteY49" fmla="*/ 1832627 h 5154967"/>
-              <a:gd name="connsiteX50" fmla="*/ 3098693 w 6184806"/>
-              <a:gd name="connsiteY50" fmla="*/ 1034974 h 5154967"/>
-              <a:gd name="connsiteX51" fmla="*/ 3098693 w 6184806"/>
-              <a:gd name="connsiteY51" fmla="*/ 871863 h 5154967"/>
-              <a:gd name="connsiteX52" fmla="*/ 2945803 w 6184806"/>
-              <a:gd name="connsiteY52" fmla="*/ 608576 h 5154967"/>
-              <a:gd name="connsiteX53" fmla="*/ 2923422 w 6184806"/>
-              <a:gd name="connsiteY53" fmla="*/ 570035 h 5154967"/>
-              <a:gd name="connsiteX54" fmla="*/ 3027104 w 6184806"/>
-              <a:gd name="connsiteY54" fmla="*/ 570035 h 5154967"/>
-              <a:gd name="connsiteX55" fmla="*/ 4690846 w 6184806"/>
-              <a:gd name="connsiteY55" fmla="*/ 570035 h 5154967"/>
-              <a:gd name="connsiteX56" fmla="*/ 5028384 w 6184806"/>
-              <a:gd name="connsiteY56" fmla="*/ 768968 h 5154967"/>
-              <a:gd name="connsiteX57" fmla="*/ 6131323 w 6184806"/>
-              <a:gd name="connsiteY57" fmla="*/ 2668304 h 5154967"/>
-              <a:gd name="connsiteX58" fmla="*/ 6131323 w 6184806"/>
-              <a:gd name="connsiteY58" fmla="*/ 3056698 h 5154967"/>
-              <a:gd name="connsiteX59" fmla="*/ 5028384 w 6184806"/>
-              <a:gd name="connsiteY59" fmla="*/ 4956035 h 5154967"/>
-              <a:gd name="connsiteX60" fmla="*/ 4690846 w 6184806"/>
-              <a:gd name="connsiteY60" fmla="*/ 5154967 h 5154967"/>
-              <a:gd name="connsiteX61" fmla="*/ 2489721 w 6184806"/>
-              <a:gd name="connsiteY61" fmla="*/ 5154967 h 5154967"/>
-              <a:gd name="connsiteX62" fmla="*/ 2147429 w 6184806"/>
-              <a:gd name="connsiteY62" fmla="*/ 4956035 h 5154967"/>
-              <a:gd name="connsiteX63" fmla="*/ 1049243 w 6184806"/>
-              <a:gd name="connsiteY63" fmla="*/ 3056698 h 5154967"/>
-              <a:gd name="connsiteX64" fmla="*/ 1049243 w 6184806"/>
-              <a:gd name="connsiteY64" fmla="*/ 2668304 h 5154967"/>
-              <a:gd name="connsiteX65" fmla="*/ 1457007 w 6184806"/>
-              <a:gd name="connsiteY65" fmla="*/ 1963067 h 5154967"/>
-              <a:gd name="connsiteX66" fmla="*/ 1491373 w 6184806"/>
-              <a:gd name="connsiteY66" fmla="*/ 1903634 h 5154967"/>
-              <a:gd name="connsiteX67" fmla="*/ 1490164 w 6184806"/>
-              <a:gd name="connsiteY67" fmla="*/ 1903127 h 5154967"/>
-              <a:gd name="connsiteX68" fmla="*/ 1429519 w 6184806"/>
-              <a:gd name="connsiteY68" fmla="*/ 1841960 h 5154967"/>
-              <a:gd name="connsiteX69" fmla="*/ 968320 w 6184806"/>
-              <a:gd name="connsiteY69" fmla="*/ 1044307 h 5154967"/>
-              <a:gd name="connsiteX70" fmla="*/ 968320 w 6184806"/>
-              <a:gd name="connsiteY70" fmla="*/ 881196 h 5154967"/>
-              <a:gd name="connsiteX71" fmla="*/ 1429519 w 6184806"/>
-              <a:gd name="connsiteY71" fmla="*/ 83546 h 5154967"/>
-              <a:gd name="connsiteX72" fmla="*/ 1573268 w 6184806"/>
-              <a:gd name="connsiteY72" fmla="*/ 0 h 5154967"/>
-            </a:gdLst>
-            <a:ahLst/>
-            <a:cxnLst>
-              <a:cxn ang="0">
-                <a:pos x="connsiteX0" y="connsiteY0"/>
-              </a:cxn>
-              <a:cxn ang="0">
-                <a:pos x="connsiteX1" y="connsiteY1"/>
-              </a:cxn>
-              <a:cxn ang="0">
-                <a:pos x="connsiteX2" y="connsiteY2"/>
-              </a:cxn>
-              <a:cxn ang="0">
-                <a:pos x="connsiteX3" y="connsiteY3"/>
-              </a:cxn>
-              <a:cxn ang="0">
-                <a:pos x="connsiteX4" y="connsiteY4"/>
-              </a:cxn>
-              <a:cxn ang="0">
-                <a:pos x="connsiteX5" y="connsiteY5"/>
-              </a:cxn>
-              <a:cxn ang="0">
-                <a:pos x="connsiteX6" y="connsiteY6"/>
-              </a:cxn>
-              <a:cxn ang="0">
-                <a:pos x="connsiteX7" y="connsiteY7"/>
-              </a:cxn>
-              <a:cxn ang="0">
-                <a:pos x="connsiteX8" y="connsiteY8"/>
-              </a:cxn>
-              <a:cxn ang="0">
-                <a:pos x="connsiteX9" y="connsiteY9"/>
-              </a:cxn>
-              <a:cxn ang="0">
-                <a:pos x="connsiteX10" y="connsiteY10"/>
-              </a:cxn>
-              <a:cxn ang="0">
-                <a:pos x="connsiteX11" y="connsiteY11"/>
-              </a:cxn>
-              <a:cxn ang="0">
-                <a:pos x="connsiteX12" y="connsiteY12"/>
-              </a:cxn>
-              <a:cxn ang="0">
-                <a:pos x="connsiteX13" y="connsiteY13"/>
-              </a:cxn>
-              <a:cxn ang="0">
-                <a:pos x="connsiteX14" y="connsiteY14"/>
-              </a:cxn>
-              <a:cxn ang="0">
-                <a:pos x="connsiteX15" y="connsiteY15"/>
-              </a:cxn>
-              <a:cxn ang="0">
-                <a:pos x="connsiteX16" y="connsiteY16"/>
-              </a:cxn>
-              <a:cxn ang="0">
-                <a:pos x="connsiteX17" y="connsiteY17"/>
-              </a:cxn>
-              <a:cxn ang="0">
-                <a:pos x="connsiteX18" y="connsiteY18"/>
-              </a:cxn>
-              <a:cxn ang="0">
-                <a:pos x="connsiteX19" y="connsiteY19"/>
-              </a:cxn>
-              <a:cxn ang="0">
-                <a:pos x="connsiteX20" y="connsiteY20"/>
-              </a:cxn>
-              <a:cxn ang="0">
-                <a:pos x="connsiteX21" y="connsiteY21"/>
-              </a:cxn>
-              <a:cxn ang="0">
-                <a:pos x="connsiteX22" y="connsiteY22"/>
-              </a:cxn>
-              <a:cxn ang="0">
-                <a:pos x="connsiteX23" y="connsiteY23"/>
-              </a:cxn>
-              <a:cxn ang="0">
-                <a:pos x="connsiteX24" y="connsiteY24"/>
-              </a:cxn>
-              <a:cxn ang="0">
-                <a:pos x="connsiteX25" y="connsiteY25"/>
-              </a:cxn>
-              <a:cxn ang="0">
-                <a:pos x="connsiteX26" y="connsiteY26"/>
-              </a:cxn>
-              <a:cxn ang="0">
-                <a:pos x="connsiteX27" y="connsiteY27"/>
-              </a:cxn>
-              <a:cxn ang="0">
-                <a:pos x="connsiteX28" y="connsiteY28"/>
-              </a:cxn>
-              <a:cxn ang="0">
-                <a:pos x="connsiteX29" y="connsiteY29"/>
-              </a:cxn>
-              <a:cxn ang="0">
-                <a:pos x="connsiteX30" y="connsiteY30"/>
-              </a:cxn>
-              <a:cxn ang="0">
-                <a:pos x="connsiteX31" y="connsiteY31"/>
-              </a:cxn>
-              <a:cxn ang="0">
-                <a:pos x="connsiteX32" y="connsiteY32"/>
-              </a:cxn>
-              <a:cxn ang="0">
-                <a:pos x="connsiteX33" y="connsiteY33"/>
-              </a:cxn>
-              <a:cxn ang="0">
-                <a:pos x="connsiteX34" y="connsiteY34"/>
-              </a:cxn>
-              <a:cxn ang="0">
-                <a:pos x="connsiteX35" y="connsiteY35"/>
-              </a:cxn>
-              <a:cxn ang="0">
-                <a:pos x="connsiteX36" y="connsiteY36"/>
-              </a:cxn>
-              <a:cxn ang="0">
-                <a:pos x="connsiteX37" y="connsiteY37"/>
-              </a:cxn>
-              <a:cxn ang="0">
-                <a:pos x="connsiteX38" y="connsiteY38"/>
-              </a:cxn>
-              <a:cxn ang="0">
-                <a:pos x="connsiteX39" y="connsiteY39"/>
-              </a:cxn>
-              <a:cxn ang="0">
-                <a:pos x="connsiteX40" y="connsiteY40"/>
-              </a:cxn>
-              <a:cxn ang="0">
-                <a:pos x="connsiteX41" y="connsiteY41"/>
-              </a:cxn>
-              <a:cxn ang="0">
-                <a:pos x="connsiteX42" y="connsiteY42"/>
-              </a:cxn>
-              <a:cxn ang="0">
-                <a:pos x="connsiteX43" y="connsiteY43"/>
-              </a:cxn>
-              <a:cxn ang="0">
-                <a:pos x="connsiteX44" y="connsiteY44"/>
-              </a:cxn>
-              <a:cxn ang="0">
-                <a:pos x="connsiteX45" y="connsiteY45"/>
-              </a:cxn>
-              <a:cxn ang="0">
-                <a:pos x="connsiteX46" y="connsiteY46"/>
-              </a:cxn>
-              <a:cxn ang="0">
-                <a:pos x="connsiteX47" y="connsiteY47"/>
-              </a:cxn>
-              <a:cxn ang="0">
-                <a:pos x="connsiteX48" y="connsiteY48"/>
-              </a:cxn>
-              <a:cxn ang="0">
-                <a:pos x="connsiteX49" y="connsiteY49"/>
-              </a:cxn>
-              <a:cxn ang="0">
-                <a:pos x="connsiteX50" y="connsiteY50"/>
-              </a:cxn>
-              <a:cxn ang="0">
-                <a:pos x="connsiteX51" y="connsiteY51"/>
-              </a:cxn>
-              <a:cxn ang="0">
-                <a:pos x="connsiteX52" y="connsiteY52"/>
-              </a:cxn>
-              <a:cxn ang="0">
-                <a:pos x="connsiteX53" y="connsiteY53"/>
-              </a:cxn>
-              <a:cxn ang="0">
-                <a:pos x="connsiteX54" y="connsiteY54"/>
-              </a:cxn>
-              <a:cxn ang="0">
-                <a:pos x="connsiteX55" y="connsiteY55"/>
-              </a:cxn>
-              <a:cxn ang="0">
-                <a:pos x="connsiteX56" y="connsiteY56"/>
-              </a:cxn>
-              <a:cxn ang="0">
-                <a:pos x="connsiteX57" y="connsiteY57"/>
-              </a:cxn>
-              <a:cxn ang="0">
-                <a:pos x="connsiteX58" y="connsiteY58"/>
-              </a:cxn>
-              <a:cxn ang="0">
-                <a:pos x="connsiteX59" y="connsiteY59"/>
-              </a:cxn>
-              <a:cxn ang="0">
-                <a:pos x="connsiteX60" y="connsiteY60"/>
-              </a:cxn>
-              <a:cxn ang="0">
-                <a:pos x="connsiteX61" y="connsiteY61"/>
-              </a:cxn>
-              <a:cxn ang="0">
-                <a:pos x="connsiteX62" y="connsiteY62"/>
-              </a:cxn>
-              <a:cxn ang="0">
-                <a:pos x="connsiteX63" y="connsiteY63"/>
-              </a:cxn>
-              <a:cxn ang="0">
-                <a:pos x="connsiteX64" y="connsiteY64"/>
-              </a:cxn>
-              <a:cxn ang="0">
-                <a:pos x="connsiteX65" y="connsiteY65"/>
-              </a:cxn>
-              <a:cxn ang="0">
-                <a:pos x="connsiteX66" y="connsiteY66"/>
-              </a:cxn>
-              <a:cxn ang="0">
-                <a:pos x="connsiteX67" y="connsiteY67"/>
-              </a:cxn>
-              <a:cxn ang="0">
-                <a:pos x="connsiteX68" y="connsiteY68"/>
-              </a:cxn>
-              <a:cxn ang="0">
-                <a:pos x="connsiteX69" y="connsiteY69"/>
-              </a:cxn>
-              <a:cxn ang="0">
-                <a:pos x="connsiteX70" y="connsiteY70"/>
-              </a:cxn>
-              <a:cxn ang="0">
-                <a:pos x="connsiteX71" y="connsiteY71"/>
-              </a:cxn>
-              <a:cxn ang="0">
-                <a:pos x="connsiteX72" y="connsiteY72"/>
-              </a:cxn>
-            </a:cxnLst>
-            <a:rect l="l" t="t" r="r" b="b"/>
-            <a:pathLst>
-              <a:path w="6184806" h="5154967">
-                <a:moveTo>
-                  <a:pt x="363179" y="3125191"/>
-                </a:moveTo>
-                <a:cubicBezTo>
-                  <a:pt x="363179" y="3125191"/>
-                  <a:pt x="363179" y="3125191"/>
-                  <a:pt x="898270" y="3125191"/>
-                </a:cubicBezTo>
-                <a:cubicBezTo>
-                  <a:pt x="931786" y="3125191"/>
-                  <a:pt x="964145" y="3143614"/>
-                  <a:pt x="980326" y="3173551"/>
-                </a:cubicBezTo>
-                <a:cubicBezTo>
-                  <a:pt x="980326" y="3173551"/>
-                  <a:pt x="980326" y="3173551"/>
-                  <a:pt x="1248448" y="3635277"/>
-                </a:cubicBezTo>
-                <a:cubicBezTo>
-                  <a:pt x="1265784" y="3664063"/>
-                  <a:pt x="1265784" y="3700909"/>
-                  <a:pt x="1248448" y="3729695"/>
-                </a:cubicBezTo>
-                <a:cubicBezTo>
-                  <a:pt x="1248448" y="3729695"/>
-                  <a:pt x="1248448" y="3729695"/>
-                  <a:pt x="980326" y="4191421"/>
-                </a:cubicBezTo>
-                <a:cubicBezTo>
-                  <a:pt x="964145" y="4221358"/>
-                  <a:pt x="931786" y="4239781"/>
-                  <a:pt x="898270" y="4239781"/>
-                </a:cubicBezTo>
-                <a:cubicBezTo>
-                  <a:pt x="898270" y="4239781"/>
-                  <a:pt x="898270" y="4239781"/>
-                  <a:pt x="363179" y="4239781"/>
-                </a:cubicBezTo>
-                <a:cubicBezTo>
-                  <a:pt x="328508" y="4239781"/>
-                  <a:pt x="297305" y="4221358"/>
-                  <a:pt x="279969" y="4191421"/>
-                </a:cubicBezTo>
-                <a:cubicBezTo>
-                  <a:pt x="279969" y="4191421"/>
-                  <a:pt x="279969" y="4191421"/>
-                  <a:pt x="13002" y="3729695"/>
-                </a:cubicBezTo>
-                <a:cubicBezTo>
-                  <a:pt x="-4334" y="3700909"/>
-                  <a:pt x="-4334" y="3664063"/>
-                  <a:pt x="13002" y="3635277"/>
-                </a:cubicBezTo>
-                <a:cubicBezTo>
-                  <a:pt x="13002" y="3635277"/>
-                  <a:pt x="13002" y="3635277"/>
-                  <a:pt x="279969" y="3173551"/>
-                </a:cubicBezTo>
-                <a:cubicBezTo>
-                  <a:pt x="297305" y="3143614"/>
-                  <a:pt x="328508" y="3125191"/>
-                  <a:pt x="363179" y="3125191"/>
-                </a:cubicBezTo>
-                <a:close/>
-                <a:moveTo>
-                  <a:pt x="2489721" y="570035"/>
-                </a:moveTo>
-                <a:cubicBezTo>
-                  <a:pt x="2489721" y="570035"/>
-                  <a:pt x="2489721" y="570035"/>
-                  <a:pt x="2764862" y="570035"/>
-                </a:cubicBezTo>
-                <a:lnTo>
-                  <a:pt x="2796959" y="570035"/>
-                </a:lnTo>
-                <a:lnTo>
-                  <a:pt x="2827587" y="622777"/>
-                </a:lnTo>
-                <a:cubicBezTo>
-                  <a:pt x="2870233" y="696217"/>
-                  <a:pt x="2919858" y="781675"/>
-                  <a:pt x="2977604" y="881117"/>
-                </a:cubicBezTo>
-                <a:cubicBezTo>
-                  <a:pt x="3004153" y="925204"/>
-                  <a:pt x="3004153" y="981634"/>
-                  <a:pt x="2977604" y="1025720"/>
-                </a:cubicBezTo>
-                <a:cubicBezTo>
-                  <a:pt x="2977604" y="1025720"/>
-                  <a:pt x="2977604" y="1025720"/>
-                  <a:pt x="2566968" y="1732863"/>
-                </a:cubicBezTo>
-                <a:cubicBezTo>
-                  <a:pt x="2542188" y="1778712"/>
-                  <a:pt x="2492629" y="1806927"/>
-                  <a:pt x="2441299" y="1806927"/>
-                </a:cubicBezTo>
-                <a:cubicBezTo>
-                  <a:pt x="2441299" y="1806927"/>
-                  <a:pt x="2441299" y="1806927"/>
-                  <a:pt x="1621798" y="1806927"/>
-                </a:cubicBezTo>
-                <a:cubicBezTo>
-                  <a:pt x="1608523" y="1806927"/>
-                  <a:pt x="1595580" y="1805163"/>
-                  <a:pt x="1583218" y="1801802"/>
-                </a:cubicBezTo>
-                <a:lnTo>
-                  <a:pt x="1556683" y="1790677"/>
-                </a:lnTo>
-                <a:lnTo>
-                  <a:pt x="1572899" y="1762630"/>
-                </a:lnTo>
-                <a:cubicBezTo>
-                  <a:pt x="1719523" y="1509042"/>
-                  <a:pt x="1907201" y="1184448"/>
-                  <a:pt x="2147429" y="768968"/>
-                </a:cubicBezTo>
-                <a:cubicBezTo>
-                  <a:pt x="2218739" y="645819"/>
-                  <a:pt x="2347099" y="570035"/>
-                  <a:pt x="2489721" y="570035"/>
-                </a:cubicBezTo>
-                <a:close/>
-                <a:moveTo>
-                  <a:pt x="1573268" y="0"/>
-                </a:moveTo>
-                <a:cubicBezTo>
-                  <a:pt x="1573268" y="0"/>
-                  <a:pt x="1573268" y="0"/>
-                  <a:pt x="2497662" y="0"/>
-                </a:cubicBezTo>
-                <a:cubicBezTo>
-                  <a:pt x="2555561" y="0"/>
-                  <a:pt x="2611463" y="31828"/>
-                  <a:pt x="2639415" y="83546"/>
-                </a:cubicBezTo>
-                <a:cubicBezTo>
-                  <a:pt x="2639415" y="83546"/>
-                  <a:pt x="2639415" y="83546"/>
-                  <a:pt x="2887862" y="511387"/>
-                </a:cubicBezTo>
-                <a:lnTo>
-                  <a:pt x="2915928" y="559720"/>
-                </a:lnTo>
-                <a:lnTo>
-                  <a:pt x="2893844" y="559720"/>
-                </a:lnTo>
-                <a:lnTo>
-                  <a:pt x="2789466" y="559720"/>
-                </a:lnTo>
-                <a:lnTo>
-                  <a:pt x="2744122" y="481634"/>
-                </a:lnTo>
-                <a:cubicBezTo>
-                  <a:pt x="2570885" y="183309"/>
-                  <a:pt x="2570885" y="183309"/>
-                  <a:pt x="2570885" y="183309"/>
-                </a:cubicBezTo>
-                <a:cubicBezTo>
-                  <a:pt x="2546104" y="137459"/>
-                  <a:pt x="2496545" y="109243"/>
-                  <a:pt x="2445216" y="109243"/>
-                </a:cubicBezTo>
-                <a:cubicBezTo>
-                  <a:pt x="1625714" y="109243"/>
-                  <a:pt x="1625714" y="109243"/>
-                  <a:pt x="1625714" y="109243"/>
-                </a:cubicBezTo>
-                <a:cubicBezTo>
-                  <a:pt x="1572615" y="109243"/>
-                  <a:pt x="1524825" y="137459"/>
-                  <a:pt x="1498276" y="183309"/>
-                </a:cubicBezTo>
-                <a:cubicBezTo>
-                  <a:pt x="1089410" y="890450"/>
-                  <a:pt x="1089410" y="890450"/>
-                  <a:pt x="1089410" y="890450"/>
-                </a:cubicBezTo>
-                <a:cubicBezTo>
-                  <a:pt x="1062860" y="934537"/>
-                  <a:pt x="1062860" y="990967"/>
-                  <a:pt x="1089410" y="1035054"/>
-                </a:cubicBezTo>
-                <a:cubicBezTo>
-                  <a:pt x="1498276" y="1742196"/>
-                  <a:pt x="1498276" y="1742196"/>
-                  <a:pt x="1498276" y="1742196"/>
-                </a:cubicBezTo>
-                <a:cubicBezTo>
-                  <a:pt x="1511551" y="1765121"/>
-                  <a:pt x="1530135" y="1783637"/>
-                  <a:pt x="1552039" y="1796422"/>
-                </a:cubicBezTo>
-                <a:lnTo>
-                  <a:pt x="1558260" y="1799029"/>
-                </a:lnTo>
-                <a:lnTo>
-                  <a:pt x="1524911" y="1856707"/>
-                </a:lnTo>
-                <a:lnTo>
-                  <a:pt x="1500108" y="1899604"/>
-                </a:lnTo>
-                <a:lnTo>
-                  <a:pt x="1525834" y="1910390"/>
-                </a:lnTo>
-                <a:cubicBezTo>
-                  <a:pt x="1539779" y="1914181"/>
-                  <a:pt x="1554378" y="1916170"/>
-                  <a:pt x="1569352" y="1916170"/>
-                </a:cubicBezTo>
-                <a:cubicBezTo>
-                  <a:pt x="2493745" y="1916170"/>
-                  <a:pt x="2493745" y="1916170"/>
-                  <a:pt x="2493745" y="1916170"/>
-                </a:cubicBezTo>
-                <a:cubicBezTo>
-                  <a:pt x="2551645" y="1916170"/>
-                  <a:pt x="2607546" y="1884345"/>
-                  <a:pt x="2635498" y="1832627"/>
-                </a:cubicBezTo>
-                <a:cubicBezTo>
-                  <a:pt x="3098693" y="1034974"/>
-                  <a:pt x="3098693" y="1034974"/>
-                  <a:pt x="3098693" y="1034974"/>
-                </a:cubicBezTo>
-                <a:cubicBezTo>
-                  <a:pt x="3128641" y="985246"/>
-                  <a:pt x="3128641" y="921593"/>
-                  <a:pt x="3098693" y="871863"/>
-                </a:cubicBezTo>
-                <a:cubicBezTo>
-                  <a:pt x="3040794" y="772157"/>
-                  <a:pt x="2990132" y="684914"/>
-                  <a:pt x="2945803" y="608576"/>
-                </a:cubicBezTo>
-                <a:lnTo>
-                  <a:pt x="2923422" y="570035"/>
-                </a:lnTo>
-                <a:lnTo>
-                  <a:pt x="3027104" y="570035"/>
-                </a:lnTo>
-                <a:cubicBezTo>
-                  <a:pt x="3349535" y="570035"/>
-                  <a:pt x="3865424" y="570035"/>
-                  <a:pt x="4690846" y="570035"/>
-                </a:cubicBezTo>
-                <a:cubicBezTo>
-                  <a:pt x="4828714" y="570035"/>
-                  <a:pt x="4961827" y="645819"/>
-                  <a:pt x="5028384" y="768968"/>
-                </a:cubicBezTo>
-                <a:cubicBezTo>
-                  <a:pt x="5028384" y="768968"/>
-                  <a:pt x="5028384" y="768968"/>
-                  <a:pt x="6131323" y="2668304"/>
-                </a:cubicBezTo>
-                <a:cubicBezTo>
-                  <a:pt x="6202634" y="2786717"/>
-                  <a:pt x="6202634" y="2938285"/>
-                  <a:pt x="6131323" y="3056698"/>
-                </a:cubicBezTo>
-                <a:cubicBezTo>
-                  <a:pt x="6131323" y="3056698"/>
-                  <a:pt x="6131323" y="3056698"/>
-                  <a:pt x="5028384" y="4956035"/>
-                </a:cubicBezTo>
-                <a:cubicBezTo>
-                  <a:pt x="4961827" y="5079184"/>
-                  <a:pt x="4828714" y="5154967"/>
-                  <a:pt x="4690846" y="5154967"/>
-                </a:cubicBezTo>
-                <a:cubicBezTo>
-                  <a:pt x="4690846" y="5154967"/>
-                  <a:pt x="4690846" y="5154967"/>
-                  <a:pt x="2489721" y="5154967"/>
-                </a:cubicBezTo>
-                <a:cubicBezTo>
-                  <a:pt x="2347099" y="5154967"/>
-                  <a:pt x="2218739" y="5079184"/>
-                  <a:pt x="2147429" y="4956035"/>
-                </a:cubicBezTo>
-                <a:cubicBezTo>
-                  <a:pt x="2147429" y="4956035"/>
-                  <a:pt x="2147429" y="4956035"/>
-                  <a:pt x="1049243" y="3056698"/>
-                </a:cubicBezTo>
-                <a:cubicBezTo>
-                  <a:pt x="977932" y="2938285"/>
-                  <a:pt x="977932" y="2786717"/>
-                  <a:pt x="1049243" y="2668304"/>
-                </a:cubicBezTo>
-                <a:cubicBezTo>
-                  <a:pt x="1049243" y="2668304"/>
-                  <a:pt x="1049243" y="2668304"/>
-                  <a:pt x="1457007" y="1963067"/>
-                </a:cubicBezTo>
-                <a:lnTo>
-                  <a:pt x="1491373" y="1903634"/>
-                </a:lnTo>
-                <a:lnTo>
-                  <a:pt x="1490164" y="1903127"/>
-                </a:lnTo>
-                <a:cubicBezTo>
-                  <a:pt x="1465456" y="1888705"/>
-                  <a:pt x="1444493" y="1867820"/>
-                  <a:pt x="1429519" y="1841960"/>
-                </a:cubicBezTo>
-                <a:cubicBezTo>
-                  <a:pt x="1429519" y="1841960"/>
-                  <a:pt x="1429519" y="1841960"/>
-                  <a:pt x="968320" y="1044307"/>
-                </a:cubicBezTo>
-                <a:cubicBezTo>
-                  <a:pt x="938371" y="994579"/>
-                  <a:pt x="938371" y="930926"/>
-                  <a:pt x="968320" y="881196"/>
-                </a:cubicBezTo>
-                <a:cubicBezTo>
-                  <a:pt x="968320" y="881196"/>
-                  <a:pt x="968320" y="881196"/>
-                  <a:pt x="1429519" y="83546"/>
-                </a:cubicBezTo>
-                <a:cubicBezTo>
-                  <a:pt x="1459466" y="31828"/>
-                  <a:pt x="1513373" y="0"/>
-                  <a:pt x="1573268" y="0"/>
-                </a:cubicBezTo>
-                <a:close/>
-              </a:path>
-            </a:pathLst>
-          </a:custGeom>
-          <a:solidFill>
-            <a:schemeClr val="tx1">
-              <a:lumMod val="50000"/>
-              <a:lumOff val="50000"/>
-              <a:alpha val="15000"/>
-            </a:schemeClr>
-          </a:solidFill>
-          <a:ln>
-            <a:noFill/>
-          </a:ln>
-        </p:spPr>
-        <p:style>
-          <a:lnRef idx="2">
-            <a:schemeClr val="accent1">
-              <a:shade val="50000"/>
-            </a:schemeClr>
-          </a:lnRef>
-          <a:fillRef idx="1">
-            <a:schemeClr val="accent1"/>
-          </a:fillRef>
-          <a:effectRef idx="0">
-            <a:schemeClr val="accent1"/>
-          </a:effectRef>
-          <a:fontRef idx="minor">
-            <a:schemeClr val="lt1"/>
-          </a:fontRef>
-        </p:style>
-        <p:txBody>
-          <a:bodyPr wrap="square" rtlCol="0" anchor="ctr">
-            <a:noAutofit/>
-          </a:bodyPr>
-          <a:lstStyle/>
-          <a:p>
-            <a:pPr algn="ctr"/>
-            <a:endParaRPr lang="en-US"/>
-          </a:p>
-        </p:txBody>
-      </p:sp>
-      <p:pic>
-        <p:nvPicPr>
-          <p:cNvPr id="6" name="Imagem 5">
-            <a:extLst>
-              <a:ext uri="{FF2B5EF4-FFF2-40B4-BE49-F238E27FC236}">
-                <a16:creationId xmlns:a16="http://schemas.microsoft.com/office/drawing/2014/main" id="{4D445E4A-A4E5-491D-8812-631DB00582FE}"/>
-              </a:ext>
-            </a:extLst>
-          </p:cNvPr>
-          <p:cNvPicPr>
-            <a:picLocks noChangeAspect="1"/>
-          </p:cNvPicPr>
-          <p:nvPr/>
-        </p:nvPicPr>
-        <p:blipFill>
-          <a:blip r:embed="rId3">
-            <a:extLst>
-              <a:ext uri="{28A0092B-C50C-407E-A947-70E740481C1C}">
-                <a14:useLocalDpi xmlns:a14="http://schemas.microsoft.com/office/drawing/2010/main" val="0"/>
-              </a:ext>
-            </a:extLst>
-          </a:blip>
-          <a:stretch>
-            <a:fillRect/>
-          </a:stretch>
-        </p:blipFill>
-        <p:spPr>
-          <a:xfrm>
-            <a:off x="7531503" y="2129307"/>
-            <a:ext cx="3217333" cy="3217333"/>
-          </a:xfrm>
-          <a:prstGeom prst="rect">
-            <a:avLst/>
-          </a:prstGeom>
-        </p:spPr>
-      </p:pic>
-    </p:spTree>
-    <p:extLst>
-      <p:ext uri="{BB962C8B-B14F-4D97-AF65-F5344CB8AC3E}">
-        <p14:creationId xmlns:p14="http://schemas.microsoft.com/office/powerpoint/2010/main" val="2718623650"/>
       </p:ext>
     </p:extLst>
   </p:cSld>
@@ -18293,214 +18196,6 @@
 <file path=ppt/slides/slide40.xml><?xml version="1.0" encoding="utf-8"?>
 <p:sld xmlns:a="http://schemas.openxmlformats.org/drawingml/2006/main" xmlns:r="http://schemas.openxmlformats.org/officeDocument/2006/relationships" xmlns:p="http://schemas.openxmlformats.org/presentationml/2006/main">
   <p:cSld>
-    <p:spTree>
-      <p:nvGrpSpPr>
-        <p:cNvPr id="1" name=""/>
-        <p:cNvGrpSpPr/>
-        <p:nvPr/>
-      </p:nvGrpSpPr>
-      <p:grpSpPr>
-        <a:xfrm>
-          <a:off x="0" y="0"/>
-          <a:ext cx="0" cy="0"/>
-          <a:chOff x="0" y="0"/>
-          <a:chExt cx="0" cy="0"/>
-        </a:xfrm>
-      </p:grpSpPr>
-      <p:sp>
-        <p:nvSpPr>
-          <p:cNvPr id="2" name="Título 1">
-            <a:extLst>
-              <a:ext uri="{FF2B5EF4-FFF2-40B4-BE49-F238E27FC236}">
-                <a16:creationId xmlns:a16="http://schemas.microsoft.com/office/drawing/2014/main" id="{9A0CB290-6B69-45F0-908B-3D50CD709B01}"/>
-              </a:ext>
-            </a:extLst>
-          </p:cNvPr>
-          <p:cNvSpPr>
-            <a:spLocks noGrp="1"/>
-          </p:cNvSpPr>
-          <p:nvPr>
-            <p:ph type="title"/>
-          </p:nvPr>
-        </p:nvSpPr>
-        <p:spPr/>
-        <p:txBody>
-          <a:bodyPr>
-            <a:normAutofit fontScale="90000"/>
-          </a:bodyPr>
-          <a:lstStyle/>
-          <a:p>
-            <a:r>
-              <a:rPr lang="pt-BR" b="1" dirty="0"/>
-              <a:t>Conexão com Redis</a:t>
-            </a:r>
-            <a:br>
-              <a:rPr lang="pt-BR" dirty="0"/>
-            </a:br>
-            <a:endParaRPr lang="pt-BR" dirty="0"/>
-          </a:p>
-        </p:txBody>
-      </p:sp>
-      <p:sp>
-        <p:nvSpPr>
-          <p:cNvPr id="9" name="Espaço Reservado para Texto 8">
-            <a:extLst>
-              <a:ext uri="{FF2B5EF4-FFF2-40B4-BE49-F238E27FC236}">
-                <a16:creationId xmlns:a16="http://schemas.microsoft.com/office/drawing/2014/main" id="{E1E67D10-0AC5-4E4A-9AA4-CAD40D4E41A0}"/>
-              </a:ext>
-            </a:extLst>
-          </p:cNvPr>
-          <p:cNvSpPr>
-            <a:spLocks noGrp="1"/>
-          </p:cNvSpPr>
-          <p:nvPr>
-            <p:ph type="body" sz="half" idx="2"/>
-          </p:nvPr>
-        </p:nvSpPr>
-        <p:spPr/>
-        <p:txBody>
-          <a:bodyPr>
-            <a:normAutofit/>
-          </a:bodyPr>
-          <a:lstStyle/>
-          <a:p>
-            <a:r>
-              <a:rPr lang="pt-BR" sz="2000" b="1" dirty="0">
-                <a:latin typeface="Courier New" panose="02070309020205020404" pitchFamily="49" charset="0"/>
-                <a:cs typeface="Courier New" panose="02070309020205020404" pitchFamily="49" charset="0"/>
-              </a:rPr>
-              <a:t>$ site redis </a:t>
-            </a:r>
-            <a:r>
-              <a:rPr lang="pt-BR" sz="2000" b="1" dirty="0" err="1">
-                <a:latin typeface="Courier New" panose="02070309020205020404" pitchFamily="49" charset="0"/>
-                <a:cs typeface="Courier New" panose="02070309020205020404" pitchFamily="49" charset="0"/>
-              </a:rPr>
-              <a:t>conn</a:t>
-            </a:r>
-            <a:r>
-              <a:rPr lang="pt-BR" sz="2000" b="1" dirty="0">
-                <a:latin typeface="Courier New" panose="02070309020205020404" pitchFamily="49" charset="0"/>
-                <a:cs typeface="Courier New" panose="02070309020205020404" pitchFamily="49" charset="0"/>
-              </a:rPr>
-              <a:t> </a:t>
-            </a:r>
-            <a:br>
-              <a:rPr lang="pt-BR" sz="2000" b="1" dirty="0">
-                <a:latin typeface="Courier New" panose="02070309020205020404" pitchFamily="49" charset="0"/>
-                <a:cs typeface="Courier New" panose="02070309020205020404" pitchFamily="49" charset="0"/>
-              </a:rPr>
-            </a:br>
-            <a:br>
-              <a:rPr lang="pt-BR" sz="2000" b="1" dirty="0">
-                <a:latin typeface="Courier New" panose="02070309020205020404" pitchFamily="49" charset="0"/>
-                <a:cs typeface="Courier New" panose="02070309020205020404" pitchFamily="49" charset="0"/>
-              </a:rPr>
-            </a:br>
-            <a:r>
-              <a:rPr lang="pt-BR" sz="2000" b="1" dirty="0">
-                <a:latin typeface="Courier New" panose="02070309020205020404" pitchFamily="49" charset="0"/>
-                <a:cs typeface="Courier New" panose="02070309020205020404" pitchFamily="49" charset="0"/>
-              </a:rPr>
-              <a:t>$ </a:t>
-            </a:r>
-            <a:r>
-              <a:rPr lang="pt-BR" sz="2000" b="1" dirty="0" err="1">
-                <a:latin typeface="Courier New" panose="02070309020205020404" pitchFamily="49" charset="0"/>
-                <a:cs typeface="Courier New" panose="02070309020205020404" pitchFamily="49" charset="0"/>
-              </a:rPr>
-              <a:t>ping</a:t>
-            </a:r>
-            <a:br>
-              <a:rPr lang="pt-BR" sz="2000" b="1" dirty="0">
-                <a:latin typeface="Courier New" panose="02070309020205020404" pitchFamily="49" charset="0"/>
-                <a:cs typeface="Courier New" panose="02070309020205020404" pitchFamily="49" charset="0"/>
-              </a:rPr>
-            </a:br>
-            <a:r>
-              <a:rPr lang="pt-BR" sz="2000" b="1" dirty="0">
-                <a:latin typeface="Courier New" panose="02070309020205020404" pitchFamily="49" charset="0"/>
-                <a:cs typeface="Courier New" panose="02070309020205020404" pitchFamily="49" charset="0"/>
-              </a:rPr>
-              <a:t>:</a:t>
-            </a:r>
-          </a:p>
-          <a:p>
-            <a:endParaRPr lang="pt-BR" sz="2000" b="1" dirty="0">
-              <a:latin typeface="Courier New" panose="02070309020205020404" pitchFamily="49" charset="0"/>
-              <a:cs typeface="Courier New" panose="02070309020205020404" pitchFamily="49" charset="0"/>
-            </a:endParaRPr>
-          </a:p>
-          <a:p>
-            <a:r>
-              <a:rPr lang="pt-BR" sz="2000" b="1" dirty="0">
-                <a:latin typeface="Courier New" panose="02070309020205020404" pitchFamily="49" charset="0"/>
-                <a:cs typeface="Courier New" panose="02070309020205020404" pitchFamily="49" charset="0"/>
-              </a:rPr>
-              <a:t>$ </a:t>
-            </a:r>
-            <a:r>
-              <a:rPr lang="pt-BR" sz="2000" b="1" dirty="0" err="1">
-                <a:latin typeface="Courier New" panose="02070309020205020404" pitchFamily="49" charset="0"/>
-                <a:cs typeface="Courier New" panose="02070309020205020404" pitchFamily="49" charset="0"/>
-              </a:rPr>
-              <a:t>exit</a:t>
-            </a:r>
-            <a:br>
-              <a:rPr lang="pt-BR" sz="2000" b="1" dirty="0">
-                <a:latin typeface="Courier New" panose="02070309020205020404" pitchFamily="49" charset="0"/>
-                <a:cs typeface="Courier New" panose="02070309020205020404" pitchFamily="49" charset="0"/>
-              </a:rPr>
-            </a:br>
-            <a:br>
-              <a:rPr lang="pt-BR" b="1" dirty="0">
-                <a:latin typeface="Courier New" panose="02070309020205020404" pitchFamily="49" charset="0"/>
-                <a:cs typeface="Courier New" panose="02070309020205020404" pitchFamily="49" charset="0"/>
-              </a:rPr>
-            </a:br>
-            <a:endParaRPr lang="pt-BR" dirty="0"/>
-          </a:p>
-        </p:txBody>
-      </p:sp>
-      <p:pic>
-        <p:nvPicPr>
-          <p:cNvPr id="6" name="Espaço Reservado para Imagem 5">
-            <a:extLst>
-              <a:ext uri="{FF2B5EF4-FFF2-40B4-BE49-F238E27FC236}">
-                <a16:creationId xmlns:a16="http://schemas.microsoft.com/office/drawing/2014/main" id="{C5917645-57FC-4B7F-9997-B33A9D1BA351}"/>
-              </a:ext>
-            </a:extLst>
-          </p:cNvPr>
-          <p:cNvPicPr>
-            <a:picLocks noGrp="1" noChangeAspect="1"/>
-          </p:cNvPicPr>
-          <p:nvPr>
-            <p:ph type="pic" idx="1"/>
-          </p:nvPr>
-        </p:nvPicPr>
-        <p:blipFill rotWithShape="1">
-          <a:blip r:embed="rId2"/>
-          <a:srcRect t="2326" b="2326"/>
-          <a:stretch/>
-        </p:blipFill>
-        <p:spPr/>
-      </p:pic>
-    </p:spTree>
-    <p:extLst>
-      <p:ext uri="{BB962C8B-B14F-4D97-AF65-F5344CB8AC3E}">
-        <p14:creationId xmlns:p14="http://schemas.microsoft.com/office/powerpoint/2010/main" val="2793571720"/>
-      </p:ext>
-    </p:extLst>
-  </p:cSld>
-  <p:clrMapOvr>
-    <a:masterClrMapping/>
-  </p:clrMapOvr>
-</p:sld>
-</file>
-
-<file path=ppt/slides/slide41.xml><?xml version="1.0" encoding="utf-8"?>
-<p:sld xmlns:a="http://schemas.openxmlformats.org/drawingml/2006/main" xmlns:r="http://schemas.openxmlformats.org/officeDocument/2006/relationships" xmlns:p="http://schemas.openxmlformats.org/presentationml/2006/main">
-  <p:cSld>
     <p:bg>
       <p:bgPr>
         <a:solidFill>
@@ -18525,7 +18220,7 @@
       </p:grpSpPr>
       <p:sp useBgFill="1">
         <p:nvSpPr>
-          <p:cNvPr id="60" name="Rectangle 59">
+          <p:cNvPr id="53" name="Rectangle 52">
             <a:extLst>
               <a:ext uri="{FF2B5EF4-FFF2-40B4-BE49-F238E27FC236}">
                 <a16:creationId xmlns:a16="http://schemas.microsoft.com/office/drawing/2014/main" id="{3E443FD7-A66B-4AA0-872D-B088B9BC5F17}"/>
@@ -18614,13 +18309,8 @@
             <a:pPr algn="l"/>
             <a:r>
               <a:rPr lang="pt-BR" b="1" dirty="0"/>
-              <a:t>Conexão com </a:t>
-            </a:r>
-            <a:r>
-              <a:rPr lang="pt-BR" b="1" dirty="0" err="1"/>
-              <a:t>Git</a:t>
-            </a:r>
-            <a:endParaRPr lang="pt-BR" b="1" dirty="0"/>
+              <a:t>Conexão com Redis</a:t>
+            </a:r>
           </a:p>
         </p:txBody>
       </p:sp>
@@ -18654,19 +18344,15 @@
           <a:p>
             <a:pPr algn="l"/>
             <a:r>
-              <a:rPr lang="pt-BR" b="1" dirty="0" err="1"/>
-              <a:t>Git</a:t>
-            </a:r>
-            <a:r>
               <a:rPr lang="pt-BR" b="1" dirty="0"/>
-              <a:t> Console</a:t>
+              <a:t>Redis Console</a:t>
             </a:r>
           </a:p>
         </p:txBody>
       </p:sp>
       <p:sp>
         <p:nvSpPr>
-          <p:cNvPr id="62" name="Freeform: Shape 61">
+          <p:cNvPr id="55" name="Freeform: Shape 54">
             <a:extLst>
               <a:ext uri="{FF2B5EF4-FFF2-40B4-BE49-F238E27FC236}">
                 <a16:creationId xmlns:a16="http://schemas.microsoft.com/office/drawing/2014/main" id="{C04BE0EF-3561-49B4-9A29-F283168A91C7}"/>
@@ -19440,10 +19126,10 @@
       </p:sp>
       <p:pic>
         <p:nvPicPr>
-          <p:cNvPr id="5" name="Imagem 4" descr="Ícone&#10;&#10;Descrição gerada automaticamente">
+          <p:cNvPr id="6" name="Imagem 5">
             <a:extLst>
               <a:ext uri="{FF2B5EF4-FFF2-40B4-BE49-F238E27FC236}">
-                <a16:creationId xmlns:a16="http://schemas.microsoft.com/office/drawing/2014/main" id="{2BA9278F-FD95-4F60-8489-05C120B62F2D}"/>
+                <a16:creationId xmlns:a16="http://schemas.microsoft.com/office/drawing/2014/main" id="{4D445E4A-A4E5-491D-8812-631DB00582FE}"/>
               </a:ext>
             </a:extLst>
           </p:cNvPr>
@@ -19477,7 +19163,7 @@
     </p:spTree>
     <p:extLst>
       <p:ext uri="{BB962C8B-B14F-4D97-AF65-F5344CB8AC3E}">
-        <p14:creationId xmlns:p14="http://schemas.microsoft.com/office/powerpoint/2010/main" val="634407625"/>
+        <p14:creationId xmlns:p14="http://schemas.microsoft.com/office/powerpoint/2010/main" val="2718623650"/>
       </p:ext>
     </p:extLst>
   </p:cSld>
@@ -19487,7 +19173,7 @@
 </p:sld>
 </file>
 
-<file path=ppt/slides/slide42.xml><?xml version="1.0" encoding="utf-8"?>
+<file path=ppt/slides/slide41.xml><?xml version="1.0" encoding="utf-8"?>
 <p:sld xmlns:a="http://schemas.openxmlformats.org/drawingml/2006/main" xmlns:r="http://schemas.openxmlformats.org/officeDocument/2006/relationships" xmlns:p="http://schemas.openxmlformats.org/presentationml/2006/main">
   <p:cSld>
     <p:spTree>
@@ -19529,11 +19215,7 @@
           <a:p>
             <a:r>
               <a:rPr lang="pt-BR" b="1" dirty="0"/>
-              <a:t>Conexão com </a:t>
-            </a:r>
-            <a:r>
-              <a:rPr lang="pt-BR" b="1" dirty="0" err="1"/>
-              <a:t>Git</a:t>
+              <a:t>Conexão com Redis</a:t>
             </a:r>
             <a:br>
               <a:rPr lang="pt-BR" dirty="0"/>
@@ -19570,21 +19252,7 @@
                 <a:latin typeface="Courier New" panose="02070309020205020404" pitchFamily="49" charset="0"/>
                 <a:cs typeface="Courier New" panose="02070309020205020404" pitchFamily="49" charset="0"/>
               </a:rPr>
-              <a:t>$ site </a:t>
-            </a:r>
-            <a:r>
-              <a:rPr lang="pt-BR" sz="2000" b="1" dirty="0" err="1">
-                <a:latin typeface="Courier New" panose="02070309020205020404" pitchFamily="49" charset="0"/>
-                <a:cs typeface="Courier New" panose="02070309020205020404" pitchFamily="49" charset="0"/>
-              </a:rPr>
-              <a:t>git</a:t>
-            </a:r>
-            <a:r>
-              <a:rPr lang="pt-BR" sz="2000" b="1" dirty="0">
-                <a:latin typeface="Courier New" panose="02070309020205020404" pitchFamily="49" charset="0"/>
-                <a:cs typeface="Courier New" panose="02070309020205020404" pitchFamily="49" charset="0"/>
-              </a:rPr>
-              <a:t> </a:t>
+              <a:t>$ site redis </a:t>
             </a:r>
             <a:r>
               <a:rPr lang="pt-BR" sz="2000" b="1" dirty="0" err="1">
@@ -19606,13 +19274,45 @@
                 <a:cs typeface="Courier New" panose="02070309020205020404" pitchFamily="49" charset="0"/>
               </a:rPr>
             </a:br>
-            <a:r>
+            <a:br>
               <a:rPr lang="pt-BR" sz="2000" b="1" dirty="0">
                 <a:latin typeface="Courier New" panose="02070309020205020404" pitchFamily="49" charset="0"/>
                 <a:cs typeface="Courier New" panose="02070309020205020404" pitchFamily="49" charset="0"/>
               </a:rPr>
+            </a:br>
+            <a:r>
+              <a:rPr lang="pt-BR" sz="2000" b="1" dirty="0">
+                <a:latin typeface="Courier New" panose="02070309020205020404" pitchFamily="49" charset="0"/>
+                <a:cs typeface="Courier New" panose="02070309020205020404" pitchFamily="49" charset="0"/>
+              </a:rPr>
+              <a:t>$ </a:t>
+            </a:r>
+            <a:r>
+              <a:rPr lang="pt-BR" sz="2000" b="1" dirty="0" err="1">
+                <a:latin typeface="Courier New" panose="02070309020205020404" pitchFamily="49" charset="0"/>
+                <a:cs typeface="Courier New" panose="02070309020205020404" pitchFamily="49" charset="0"/>
+              </a:rPr>
+              <a:t>ping</a:t>
+            </a:r>
+            <a:br>
+              <a:rPr lang="pt-BR" sz="2000" b="1" dirty="0">
+                <a:latin typeface="Courier New" panose="02070309020205020404" pitchFamily="49" charset="0"/>
+                <a:cs typeface="Courier New" panose="02070309020205020404" pitchFamily="49" charset="0"/>
+              </a:rPr>
+            </a:br>
+            <a:r>
+              <a:rPr lang="pt-BR" sz="2000" b="1" dirty="0">
+                <a:latin typeface="Courier New" panose="02070309020205020404" pitchFamily="49" charset="0"/>
+                <a:cs typeface="Courier New" panose="02070309020205020404" pitchFamily="49" charset="0"/>
+              </a:rPr>
               <a:t>:</a:t>
             </a:r>
+          </a:p>
+          <a:p>
+            <a:endParaRPr lang="pt-BR" sz="2000" b="1" dirty="0">
+              <a:latin typeface="Courier New" panose="02070309020205020404" pitchFamily="49" charset="0"/>
+              <a:cs typeface="Courier New" panose="02070309020205020404" pitchFamily="49" charset="0"/>
+            </a:endParaRPr>
           </a:p>
           <a:p>
             <a:r>
@@ -19650,7 +19350,7 @@
           <p:cNvPr id="6" name="Espaço Reservado para Imagem 5">
             <a:extLst>
               <a:ext uri="{FF2B5EF4-FFF2-40B4-BE49-F238E27FC236}">
-                <a16:creationId xmlns:a16="http://schemas.microsoft.com/office/drawing/2014/main" id="{38C8695B-CFC3-4A17-91DC-8BEF3C9A1CF3}"/>
+                <a16:creationId xmlns:a16="http://schemas.microsoft.com/office/drawing/2014/main" id="{C5917645-57FC-4B7F-9997-B33A9D1BA351}"/>
               </a:ext>
             </a:extLst>
           </p:cNvPr>
@@ -19671,7 +19371,7 @@
     </p:spTree>
     <p:extLst>
       <p:ext uri="{BB962C8B-B14F-4D97-AF65-F5344CB8AC3E}">
-        <p14:creationId xmlns:p14="http://schemas.microsoft.com/office/powerpoint/2010/main" val="2067859501"/>
+        <p14:creationId xmlns:p14="http://schemas.microsoft.com/office/powerpoint/2010/main" val="2793571720"/>
       </p:ext>
     </p:extLst>
   </p:cSld>
@@ -19681,7 +19381,7 @@
 </p:sld>
 </file>
 
-<file path=ppt/slides/slide43.xml><?xml version="1.0" encoding="utf-8"?>
+<file path=ppt/slides/slide42.xml><?xml version="1.0" encoding="utf-8"?>
 <p:sld xmlns:a="http://schemas.openxmlformats.org/drawingml/2006/main" xmlns:r="http://schemas.openxmlformats.org/officeDocument/2006/relationships" xmlns:p="http://schemas.openxmlformats.org/presentationml/2006/main">
   <p:cSld>
     <p:bg>
@@ -19708,7 +19408,7 @@
       </p:grpSpPr>
       <p:sp useBgFill="1">
         <p:nvSpPr>
-          <p:cNvPr id="46" name="Rectangle 45">
+          <p:cNvPr id="60" name="Rectangle 59">
             <a:extLst>
               <a:ext uri="{FF2B5EF4-FFF2-40B4-BE49-F238E27FC236}">
                 <a16:creationId xmlns:a16="http://schemas.microsoft.com/office/drawing/2014/main" id="{3E443FD7-A66B-4AA0-872D-B088B9BC5F17}"/>
@@ -19801,7 +19501,7 @@
             </a:r>
             <a:r>
               <a:rPr lang="pt-BR" b="1" dirty="0" err="1"/>
-              <a:t>Trello</a:t>
+              <a:t>Git</a:t>
             </a:r>
             <a:endParaRPr lang="pt-BR" b="1" dirty="0"/>
           </a:p>
@@ -19838,7 +19538,7 @@
             <a:pPr algn="l"/>
             <a:r>
               <a:rPr lang="pt-BR" b="1" dirty="0" err="1"/>
-              <a:t>Trello</a:t>
+              <a:t>Git</a:t>
             </a:r>
             <a:r>
               <a:rPr lang="pt-BR" b="1" dirty="0"/>
@@ -19849,7 +19549,7 @@
       </p:sp>
       <p:sp>
         <p:nvSpPr>
-          <p:cNvPr id="48" name="Freeform: Shape 47">
+          <p:cNvPr id="62" name="Freeform: Shape 61">
             <a:extLst>
               <a:ext uri="{FF2B5EF4-FFF2-40B4-BE49-F238E27FC236}">
                 <a16:creationId xmlns:a16="http://schemas.microsoft.com/office/drawing/2014/main" id="{C04BE0EF-3561-49B4-9A29-F283168A91C7}"/>
@@ -20626,7 +20326,7 @@
           <p:cNvPr id="5" name="Imagem 4" descr="Ícone&#10;&#10;Descrição gerada automaticamente">
             <a:extLst>
               <a:ext uri="{FF2B5EF4-FFF2-40B4-BE49-F238E27FC236}">
-                <a16:creationId xmlns:a16="http://schemas.microsoft.com/office/drawing/2014/main" id="{65AD7CBF-34B3-4089-8495-D673DD390E37}"/>
+                <a16:creationId xmlns:a16="http://schemas.microsoft.com/office/drawing/2014/main" id="{2BA9278F-FD95-4F60-8489-05C120B62F2D}"/>
               </a:ext>
             </a:extLst>
           </p:cNvPr>
@@ -20636,7 +20336,7 @@
           <p:nvPr/>
         </p:nvPicPr>
         <p:blipFill>
-          <a:blip r:embed="rId2">
+          <a:blip r:embed="rId3">
             <a:extLst>
               <a:ext uri="{28A0092B-C50C-407E-A947-70E740481C1C}">
                 <a14:useLocalDpi xmlns:a14="http://schemas.microsoft.com/office/drawing/2010/main" val="0"/>
@@ -20660,7 +20360,7 @@
     </p:spTree>
     <p:extLst>
       <p:ext uri="{BB962C8B-B14F-4D97-AF65-F5344CB8AC3E}">
-        <p14:creationId xmlns:p14="http://schemas.microsoft.com/office/powerpoint/2010/main" val="161489523"/>
+        <p14:creationId xmlns:p14="http://schemas.microsoft.com/office/powerpoint/2010/main" val="634407625"/>
       </p:ext>
     </p:extLst>
   </p:cSld>
@@ -20670,7 +20370,7 @@
 </p:sld>
 </file>
 
-<file path=ppt/slides/slide44.xml><?xml version="1.0" encoding="utf-8"?>
+<file path=ppt/slides/slide43.xml><?xml version="1.0" encoding="utf-8"?>
 <p:sld xmlns:a="http://schemas.openxmlformats.org/drawingml/2006/main" xmlns:r="http://schemas.openxmlformats.org/officeDocument/2006/relationships" xmlns:p="http://schemas.openxmlformats.org/presentationml/2006/main">
   <p:cSld>
     <p:spTree>
@@ -20716,7 +20416,7 @@
             </a:r>
             <a:r>
               <a:rPr lang="pt-BR" b="1" dirty="0" err="1"/>
-              <a:t>Trello</a:t>
+              <a:t>Git</a:t>
             </a:r>
             <a:br>
               <a:rPr lang="pt-BR" dirty="0"/>
@@ -20760,7 +20460,7 @@
                 <a:latin typeface="Courier New" panose="02070309020205020404" pitchFamily="49" charset="0"/>
                 <a:cs typeface="Courier New" panose="02070309020205020404" pitchFamily="49" charset="0"/>
               </a:rPr>
-              <a:t>trello</a:t>
+              <a:t>git</a:t>
             </a:r>
             <a:r>
               <a:rPr lang="pt-BR" sz="2000" b="1" dirty="0">
@@ -20794,14 +20494,23 @@
                 <a:latin typeface="Courier New" panose="02070309020205020404" pitchFamily="49" charset="0"/>
                 <a:cs typeface="Courier New" panose="02070309020205020404" pitchFamily="49" charset="0"/>
               </a:rPr>
-              <a:t>$ board </a:t>
+              <a:t>:</a:t>
+            </a:r>
+          </a:p>
+          <a:p>
+            <a:r>
+              <a:rPr lang="pt-BR" sz="2000" b="1" dirty="0">
+                <a:latin typeface="Courier New" panose="02070309020205020404" pitchFamily="49" charset="0"/>
+                <a:cs typeface="Courier New" panose="02070309020205020404" pitchFamily="49" charset="0"/>
+              </a:rPr>
+              <a:t>$ </a:t>
             </a:r>
             <a:r>
               <a:rPr lang="pt-BR" sz="2000" b="1" dirty="0" err="1">
                 <a:latin typeface="Courier New" panose="02070309020205020404" pitchFamily="49" charset="0"/>
                 <a:cs typeface="Courier New" panose="02070309020205020404" pitchFamily="49" charset="0"/>
               </a:rPr>
-              <a:t>list</a:t>
+              <a:t>exit</a:t>
             </a:r>
             <a:br>
               <a:rPr lang="pt-BR" sz="2000" b="1" dirty="0">
@@ -20809,87 +20518,6 @@
                 <a:cs typeface="Courier New" panose="02070309020205020404" pitchFamily="49" charset="0"/>
               </a:rPr>
             </a:br>
-            <a:r>
-              <a:rPr lang="pt-BR" sz="2000" b="1" dirty="0">
-                <a:latin typeface="Courier New" panose="02070309020205020404" pitchFamily="49" charset="0"/>
-                <a:cs typeface="Courier New" panose="02070309020205020404" pitchFamily="49" charset="0"/>
-              </a:rPr>
-              <a:t>$ board </a:t>
-            </a:r>
-            <a:r>
-              <a:rPr lang="pt-BR" sz="2000" b="1" dirty="0" err="1">
-                <a:latin typeface="Courier New" panose="02070309020205020404" pitchFamily="49" charset="0"/>
-                <a:cs typeface="Courier New" panose="02070309020205020404" pitchFamily="49" charset="0"/>
-              </a:rPr>
-              <a:t>select</a:t>
-            </a:r>
-            <a:r>
-              <a:rPr lang="pt-BR" sz="2000" b="1" dirty="0">
-                <a:latin typeface="Courier New" panose="02070309020205020404" pitchFamily="49" charset="0"/>
-                <a:cs typeface="Courier New" panose="02070309020205020404" pitchFamily="49" charset="0"/>
-              </a:rPr>
-              <a:t> #1</a:t>
-            </a:r>
-            <a:br>
-              <a:rPr lang="pt-BR" sz="2000" b="1" dirty="0">
-                <a:latin typeface="Courier New" panose="02070309020205020404" pitchFamily="49" charset="0"/>
-                <a:cs typeface="Courier New" panose="02070309020205020404" pitchFamily="49" charset="0"/>
-              </a:rPr>
-            </a:br>
-            <a:r>
-              <a:rPr lang="pt-BR" sz="2000" b="1" dirty="0">
-                <a:latin typeface="Courier New" panose="02070309020205020404" pitchFamily="49" charset="0"/>
-                <a:cs typeface="Courier New" panose="02070309020205020404" pitchFamily="49" charset="0"/>
-              </a:rPr>
-              <a:t>$ card </a:t>
-            </a:r>
-            <a:r>
-              <a:rPr lang="pt-BR" sz="2000" b="1" dirty="0" err="1">
-                <a:latin typeface="Courier New" panose="02070309020205020404" pitchFamily="49" charset="0"/>
-                <a:cs typeface="Courier New" panose="02070309020205020404" pitchFamily="49" charset="0"/>
-              </a:rPr>
-              <a:t>list</a:t>
-            </a:r>
-            <a:r>
-              <a:rPr lang="pt-BR" sz="2000" b="1" dirty="0">
-                <a:latin typeface="Courier New" panose="02070309020205020404" pitchFamily="49" charset="0"/>
-                <a:cs typeface="Courier New" panose="02070309020205020404" pitchFamily="49" charset="0"/>
-              </a:rPr>
-              <a:t>-mine</a:t>
-            </a:r>
-            <a:br>
-              <a:rPr lang="pt-BR" sz="2000" b="1" dirty="0">
-                <a:latin typeface="Courier New" panose="02070309020205020404" pitchFamily="49" charset="0"/>
-                <a:cs typeface="Courier New" panose="02070309020205020404" pitchFamily="49" charset="0"/>
-              </a:rPr>
-            </a:br>
-            <a:r>
-              <a:rPr lang="pt-BR" sz="2000" b="1" dirty="0">
-                <a:latin typeface="Courier New" panose="02070309020205020404" pitchFamily="49" charset="0"/>
-                <a:cs typeface="Courier New" panose="02070309020205020404" pitchFamily="49" charset="0"/>
-              </a:rPr>
-              <a:t>:</a:t>
-            </a:r>
-            <a:br>
-              <a:rPr lang="pt-BR" sz="2000" b="1" dirty="0">
-                <a:latin typeface="Courier New" panose="02070309020205020404" pitchFamily="49" charset="0"/>
-                <a:cs typeface="Courier New" panose="02070309020205020404" pitchFamily="49" charset="0"/>
-              </a:rPr>
-            </a:br>
-            <a:r>
-              <a:rPr lang="pt-BR" sz="2000" b="1" dirty="0">
-                <a:latin typeface="Courier New" panose="02070309020205020404" pitchFamily="49" charset="0"/>
-                <a:cs typeface="Courier New" panose="02070309020205020404" pitchFamily="49" charset="0"/>
-              </a:rPr>
-              <a:t>$ </a:t>
-            </a:r>
-            <a:r>
-              <a:rPr lang="pt-BR" sz="2000" b="1" dirty="0" err="1">
-                <a:latin typeface="Courier New" panose="02070309020205020404" pitchFamily="49" charset="0"/>
-                <a:cs typeface="Courier New" panose="02070309020205020404" pitchFamily="49" charset="0"/>
-              </a:rPr>
-              <a:t>exit</a:t>
-            </a:r>
             <a:br>
               <a:rPr lang="pt-BR" b="1" dirty="0">
                 <a:latin typeface="Courier New" panose="02070309020205020404" pitchFamily="49" charset="0"/>
@@ -20902,10 +20530,10 @@
       </p:sp>
       <p:pic>
         <p:nvPicPr>
-          <p:cNvPr id="7" name="Espaço Reservado para Imagem 6">
+          <p:cNvPr id="6" name="Espaço Reservado para Imagem 5">
             <a:extLst>
               <a:ext uri="{FF2B5EF4-FFF2-40B4-BE49-F238E27FC236}">
-                <a16:creationId xmlns:a16="http://schemas.microsoft.com/office/drawing/2014/main" id="{672E4E7B-EA07-4650-8689-75F65E39A4F6}"/>
+                <a16:creationId xmlns:a16="http://schemas.microsoft.com/office/drawing/2014/main" id="{38C8695B-CFC3-4A17-91DC-8BEF3C9A1CF3}"/>
               </a:ext>
             </a:extLst>
           </p:cNvPr>
@@ -20918,7 +20546,7 @@
         </p:nvPicPr>
         <p:blipFill rotWithShape="1">
           <a:blip r:embed="rId2"/>
-          <a:srcRect t="2382" b="2382"/>
+          <a:srcRect t="2326" b="2326"/>
           <a:stretch/>
         </p:blipFill>
         <p:spPr/>
@@ -20926,7 +20554,7 @@
     </p:spTree>
     <p:extLst>
       <p:ext uri="{BB962C8B-B14F-4D97-AF65-F5344CB8AC3E}">
-        <p14:creationId xmlns:p14="http://schemas.microsoft.com/office/powerpoint/2010/main" val="2827380671"/>
+        <p14:creationId xmlns:p14="http://schemas.microsoft.com/office/powerpoint/2010/main" val="2067859501"/>
       </p:ext>
     </p:extLst>
   </p:cSld>
@@ -20936,7 +20564,7 @@
 </p:sld>
 </file>
 
-<file path=ppt/slides/slide45.xml><?xml version="1.0" encoding="utf-8"?>
+<file path=ppt/slides/slide44.xml><?xml version="1.0" encoding="utf-8"?>
 <p:sld xmlns:a="http://schemas.openxmlformats.org/drawingml/2006/main" xmlns:r="http://schemas.openxmlformats.org/officeDocument/2006/relationships" xmlns:p="http://schemas.openxmlformats.org/presentationml/2006/main">
   <p:cSld>
     <p:bg>
@@ -20963,7 +20591,7 @@
       </p:grpSpPr>
       <p:sp useBgFill="1">
         <p:nvSpPr>
-          <p:cNvPr id="39" name="Rectangle 38">
+          <p:cNvPr id="46" name="Rectangle 45">
             <a:extLst>
               <a:ext uri="{FF2B5EF4-FFF2-40B4-BE49-F238E27FC236}">
                 <a16:creationId xmlns:a16="http://schemas.microsoft.com/office/drawing/2014/main" id="{3E443FD7-A66B-4AA0-872D-B088B9BC5F17}"/>
@@ -21052,19 +20680,11 @@
             <a:pPr algn="l"/>
             <a:r>
               <a:rPr lang="pt-BR" b="1" dirty="0"/>
-              <a:t>Site </a:t>
+              <a:t>Conexão com </a:t>
             </a:r>
             <a:r>
               <a:rPr lang="pt-BR" b="1" dirty="0" err="1"/>
-              <a:t>Refs</a:t>
-            </a:r>
-            <a:r>
-              <a:rPr lang="pt-BR" b="1" dirty="0"/>
-              <a:t> </a:t>
-            </a:r>
-            <a:r>
-              <a:rPr lang="pt-BR" b="1" dirty="0" err="1"/>
-              <a:t>Obrasutils</a:t>
+              <a:t>Trello</a:t>
             </a:r>
             <a:endParaRPr lang="pt-BR" b="1" dirty="0"/>
           </a:p>
@@ -21100,15 +20720,19 @@
           <a:p>
             <a:pPr algn="l"/>
             <a:r>
+              <a:rPr lang="pt-BR" b="1" dirty="0" err="1"/>
+              <a:t>Trello</a:t>
+            </a:r>
+            <a:r>
               <a:rPr lang="pt-BR" b="1" dirty="0"/>
-              <a:t>Referências</a:t>
+              <a:t> Console</a:t>
             </a:r>
           </a:p>
         </p:txBody>
       </p:sp>
       <p:sp>
         <p:nvSpPr>
-          <p:cNvPr id="41" name="Freeform: Shape 40">
+          <p:cNvPr id="48" name="Freeform: Shape 47">
             <a:extLst>
               <a:ext uri="{FF2B5EF4-FFF2-40B4-BE49-F238E27FC236}">
                 <a16:creationId xmlns:a16="http://schemas.microsoft.com/office/drawing/2014/main" id="{C04BE0EF-3561-49B4-9A29-F283168A91C7}"/>
@@ -21882,6 +21506,1265 @@
       </p:sp>
       <p:pic>
         <p:nvPicPr>
+          <p:cNvPr id="5" name="Imagem 4" descr="Ícone&#10;&#10;Descrição gerada automaticamente">
+            <a:extLst>
+              <a:ext uri="{FF2B5EF4-FFF2-40B4-BE49-F238E27FC236}">
+                <a16:creationId xmlns:a16="http://schemas.microsoft.com/office/drawing/2014/main" id="{65AD7CBF-34B3-4089-8495-D673DD390E37}"/>
+              </a:ext>
+            </a:extLst>
+          </p:cNvPr>
+          <p:cNvPicPr>
+            <a:picLocks noChangeAspect="1"/>
+          </p:cNvPicPr>
+          <p:nvPr/>
+        </p:nvPicPr>
+        <p:blipFill>
+          <a:blip r:embed="rId2">
+            <a:extLst>
+              <a:ext uri="{28A0092B-C50C-407E-A947-70E740481C1C}">
+                <a14:useLocalDpi xmlns:a14="http://schemas.microsoft.com/office/drawing/2010/main" val="0"/>
+              </a:ext>
+            </a:extLst>
+          </a:blip>
+          <a:stretch>
+            <a:fillRect/>
+          </a:stretch>
+        </p:blipFill>
+        <p:spPr>
+          <a:xfrm>
+            <a:off x="7531503" y="2129307"/>
+            <a:ext cx="3217333" cy="3217333"/>
+          </a:xfrm>
+          <a:prstGeom prst="rect">
+            <a:avLst/>
+          </a:prstGeom>
+        </p:spPr>
+      </p:pic>
+    </p:spTree>
+    <p:extLst>
+      <p:ext uri="{BB962C8B-B14F-4D97-AF65-F5344CB8AC3E}">
+        <p14:creationId xmlns:p14="http://schemas.microsoft.com/office/powerpoint/2010/main" val="161489523"/>
+      </p:ext>
+    </p:extLst>
+  </p:cSld>
+  <p:clrMapOvr>
+    <a:masterClrMapping/>
+  </p:clrMapOvr>
+</p:sld>
+</file>
+
+<file path=ppt/slides/slide45.xml><?xml version="1.0" encoding="utf-8"?>
+<p:sld xmlns:a="http://schemas.openxmlformats.org/drawingml/2006/main" xmlns:r="http://schemas.openxmlformats.org/officeDocument/2006/relationships" xmlns:p="http://schemas.openxmlformats.org/presentationml/2006/main">
+  <p:cSld>
+    <p:spTree>
+      <p:nvGrpSpPr>
+        <p:cNvPr id="1" name=""/>
+        <p:cNvGrpSpPr/>
+        <p:nvPr/>
+      </p:nvGrpSpPr>
+      <p:grpSpPr>
+        <a:xfrm>
+          <a:off x="0" y="0"/>
+          <a:ext cx="0" cy="0"/>
+          <a:chOff x="0" y="0"/>
+          <a:chExt cx="0" cy="0"/>
+        </a:xfrm>
+      </p:grpSpPr>
+      <p:sp>
+        <p:nvSpPr>
+          <p:cNvPr id="2" name="Título 1">
+            <a:extLst>
+              <a:ext uri="{FF2B5EF4-FFF2-40B4-BE49-F238E27FC236}">
+                <a16:creationId xmlns:a16="http://schemas.microsoft.com/office/drawing/2014/main" id="{9A0CB290-6B69-45F0-908B-3D50CD709B01}"/>
+              </a:ext>
+            </a:extLst>
+          </p:cNvPr>
+          <p:cNvSpPr>
+            <a:spLocks noGrp="1"/>
+          </p:cNvSpPr>
+          <p:nvPr>
+            <p:ph type="title"/>
+          </p:nvPr>
+        </p:nvSpPr>
+        <p:spPr/>
+        <p:txBody>
+          <a:bodyPr>
+            <a:normAutofit fontScale="90000"/>
+          </a:bodyPr>
+          <a:lstStyle/>
+          <a:p>
+            <a:r>
+              <a:rPr lang="pt-BR" b="1" dirty="0"/>
+              <a:t>Conexão com </a:t>
+            </a:r>
+            <a:r>
+              <a:rPr lang="pt-BR" b="1" dirty="0" err="1"/>
+              <a:t>Trello</a:t>
+            </a:r>
+            <a:br>
+              <a:rPr lang="pt-BR" dirty="0"/>
+            </a:br>
+            <a:endParaRPr lang="pt-BR" dirty="0"/>
+          </a:p>
+        </p:txBody>
+      </p:sp>
+      <p:sp>
+        <p:nvSpPr>
+          <p:cNvPr id="9" name="Espaço Reservado para Texto 8">
+            <a:extLst>
+              <a:ext uri="{FF2B5EF4-FFF2-40B4-BE49-F238E27FC236}">
+                <a16:creationId xmlns:a16="http://schemas.microsoft.com/office/drawing/2014/main" id="{E1E67D10-0AC5-4E4A-9AA4-CAD40D4E41A0}"/>
+              </a:ext>
+            </a:extLst>
+          </p:cNvPr>
+          <p:cNvSpPr>
+            <a:spLocks noGrp="1"/>
+          </p:cNvSpPr>
+          <p:nvPr>
+            <p:ph type="body" sz="half" idx="2"/>
+          </p:nvPr>
+        </p:nvSpPr>
+        <p:spPr/>
+        <p:txBody>
+          <a:bodyPr>
+            <a:normAutofit/>
+          </a:bodyPr>
+          <a:lstStyle/>
+          <a:p>
+            <a:r>
+              <a:rPr lang="pt-BR" sz="2000" b="1" dirty="0">
+                <a:latin typeface="Courier New" panose="02070309020205020404" pitchFamily="49" charset="0"/>
+                <a:cs typeface="Courier New" panose="02070309020205020404" pitchFamily="49" charset="0"/>
+              </a:rPr>
+              <a:t>$ site </a:t>
+            </a:r>
+            <a:r>
+              <a:rPr lang="pt-BR" sz="2000" b="1" dirty="0" err="1">
+                <a:latin typeface="Courier New" panose="02070309020205020404" pitchFamily="49" charset="0"/>
+                <a:cs typeface="Courier New" panose="02070309020205020404" pitchFamily="49" charset="0"/>
+              </a:rPr>
+              <a:t>trello</a:t>
+            </a:r>
+            <a:r>
+              <a:rPr lang="pt-BR" sz="2000" b="1" dirty="0">
+                <a:latin typeface="Courier New" panose="02070309020205020404" pitchFamily="49" charset="0"/>
+                <a:cs typeface="Courier New" panose="02070309020205020404" pitchFamily="49" charset="0"/>
+              </a:rPr>
+              <a:t> </a:t>
+            </a:r>
+            <a:r>
+              <a:rPr lang="pt-BR" sz="2000" b="1" dirty="0" err="1">
+                <a:latin typeface="Courier New" panose="02070309020205020404" pitchFamily="49" charset="0"/>
+                <a:cs typeface="Courier New" panose="02070309020205020404" pitchFamily="49" charset="0"/>
+              </a:rPr>
+              <a:t>conn</a:t>
+            </a:r>
+            <a:r>
+              <a:rPr lang="pt-BR" sz="2000" b="1" dirty="0">
+                <a:latin typeface="Courier New" panose="02070309020205020404" pitchFamily="49" charset="0"/>
+                <a:cs typeface="Courier New" panose="02070309020205020404" pitchFamily="49" charset="0"/>
+              </a:rPr>
+              <a:t> </a:t>
+            </a:r>
+            <a:br>
+              <a:rPr lang="pt-BR" sz="2000" b="1" dirty="0">
+                <a:latin typeface="Courier New" panose="02070309020205020404" pitchFamily="49" charset="0"/>
+                <a:cs typeface="Courier New" panose="02070309020205020404" pitchFamily="49" charset="0"/>
+              </a:rPr>
+            </a:br>
+            <a:r>
+              <a:rPr lang="pt-BR" sz="2000" b="1" dirty="0">
+                <a:latin typeface="Courier New" panose="02070309020205020404" pitchFamily="49" charset="0"/>
+                <a:cs typeface="Courier New" panose="02070309020205020404" pitchFamily="49" charset="0"/>
+              </a:rPr>
+              <a:t>$ board </a:t>
+            </a:r>
+            <a:r>
+              <a:rPr lang="pt-BR" sz="2000" b="1" dirty="0" err="1">
+                <a:latin typeface="Courier New" panose="02070309020205020404" pitchFamily="49" charset="0"/>
+                <a:cs typeface="Courier New" panose="02070309020205020404" pitchFamily="49" charset="0"/>
+              </a:rPr>
+              <a:t>list</a:t>
+            </a:r>
+            <a:br>
+              <a:rPr lang="pt-BR" sz="2000" b="1" dirty="0">
+                <a:latin typeface="Courier New" panose="02070309020205020404" pitchFamily="49" charset="0"/>
+                <a:cs typeface="Courier New" panose="02070309020205020404" pitchFamily="49" charset="0"/>
+              </a:rPr>
+            </a:br>
+            <a:r>
+              <a:rPr lang="pt-BR" sz="2000" b="1" dirty="0">
+                <a:latin typeface="Courier New" panose="02070309020205020404" pitchFamily="49" charset="0"/>
+                <a:cs typeface="Courier New" panose="02070309020205020404" pitchFamily="49" charset="0"/>
+              </a:rPr>
+              <a:t>$ board </a:t>
+            </a:r>
+            <a:r>
+              <a:rPr lang="pt-BR" sz="2000" b="1" dirty="0" err="1">
+                <a:latin typeface="Courier New" panose="02070309020205020404" pitchFamily="49" charset="0"/>
+                <a:cs typeface="Courier New" panose="02070309020205020404" pitchFamily="49" charset="0"/>
+              </a:rPr>
+              <a:t>select</a:t>
+            </a:r>
+            <a:r>
+              <a:rPr lang="pt-BR" sz="2000" b="1" dirty="0">
+                <a:latin typeface="Courier New" panose="02070309020205020404" pitchFamily="49" charset="0"/>
+                <a:cs typeface="Courier New" panose="02070309020205020404" pitchFamily="49" charset="0"/>
+              </a:rPr>
+              <a:t> #1</a:t>
+            </a:r>
+            <a:br>
+              <a:rPr lang="pt-BR" sz="2000" b="1" dirty="0">
+                <a:latin typeface="Courier New" panose="02070309020205020404" pitchFamily="49" charset="0"/>
+                <a:cs typeface="Courier New" panose="02070309020205020404" pitchFamily="49" charset="0"/>
+              </a:rPr>
+            </a:br>
+            <a:r>
+              <a:rPr lang="pt-BR" sz="2000" b="1" dirty="0">
+                <a:latin typeface="Courier New" panose="02070309020205020404" pitchFamily="49" charset="0"/>
+                <a:cs typeface="Courier New" panose="02070309020205020404" pitchFamily="49" charset="0"/>
+              </a:rPr>
+              <a:t>$ card </a:t>
+            </a:r>
+            <a:r>
+              <a:rPr lang="pt-BR" sz="2000" b="1" dirty="0" err="1">
+                <a:latin typeface="Courier New" panose="02070309020205020404" pitchFamily="49" charset="0"/>
+                <a:cs typeface="Courier New" panose="02070309020205020404" pitchFamily="49" charset="0"/>
+              </a:rPr>
+              <a:t>list</a:t>
+            </a:r>
+            <a:r>
+              <a:rPr lang="pt-BR" sz="2000" b="1" dirty="0">
+                <a:latin typeface="Courier New" panose="02070309020205020404" pitchFamily="49" charset="0"/>
+                <a:cs typeface="Courier New" panose="02070309020205020404" pitchFamily="49" charset="0"/>
+              </a:rPr>
+              <a:t>-mine</a:t>
+            </a:r>
+            <a:br>
+              <a:rPr lang="pt-BR" sz="2000" b="1" dirty="0">
+                <a:latin typeface="Courier New" panose="02070309020205020404" pitchFamily="49" charset="0"/>
+                <a:cs typeface="Courier New" panose="02070309020205020404" pitchFamily="49" charset="0"/>
+              </a:rPr>
+            </a:br>
+            <a:r>
+              <a:rPr lang="pt-BR" sz="2000" b="1" dirty="0">
+                <a:latin typeface="Courier New" panose="02070309020205020404" pitchFamily="49" charset="0"/>
+                <a:cs typeface="Courier New" panose="02070309020205020404" pitchFamily="49" charset="0"/>
+              </a:rPr>
+              <a:t>:</a:t>
+            </a:r>
+            <a:br>
+              <a:rPr lang="pt-BR" sz="2000" b="1" dirty="0">
+                <a:latin typeface="Courier New" panose="02070309020205020404" pitchFamily="49" charset="0"/>
+                <a:cs typeface="Courier New" panose="02070309020205020404" pitchFamily="49" charset="0"/>
+              </a:rPr>
+            </a:br>
+            <a:r>
+              <a:rPr lang="pt-BR" sz="2000" b="1" dirty="0">
+                <a:latin typeface="Courier New" panose="02070309020205020404" pitchFamily="49" charset="0"/>
+                <a:cs typeface="Courier New" panose="02070309020205020404" pitchFamily="49" charset="0"/>
+              </a:rPr>
+              <a:t>$ </a:t>
+            </a:r>
+            <a:r>
+              <a:rPr lang="pt-BR" sz="2000" b="1" dirty="0" err="1">
+                <a:latin typeface="Courier New" panose="02070309020205020404" pitchFamily="49" charset="0"/>
+                <a:cs typeface="Courier New" panose="02070309020205020404" pitchFamily="49" charset="0"/>
+              </a:rPr>
+              <a:t>exit</a:t>
+            </a:r>
+            <a:br>
+              <a:rPr lang="pt-BR" b="1" dirty="0">
+                <a:latin typeface="Courier New" panose="02070309020205020404" pitchFamily="49" charset="0"/>
+                <a:cs typeface="Courier New" panose="02070309020205020404" pitchFamily="49" charset="0"/>
+              </a:rPr>
+            </a:br>
+            <a:endParaRPr lang="pt-BR" dirty="0"/>
+          </a:p>
+        </p:txBody>
+      </p:sp>
+      <p:pic>
+        <p:nvPicPr>
+          <p:cNvPr id="7" name="Espaço Reservado para Imagem 6">
+            <a:extLst>
+              <a:ext uri="{FF2B5EF4-FFF2-40B4-BE49-F238E27FC236}">
+                <a16:creationId xmlns:a16="http://schemas.microsoft.com/office/drawing/2014/main" id="{672E4E7B-EA07-4650-8689-75F65E39A4F6}"/>
+              </a:ext>
+            </a:extLst>
+          </p:cNvPr>
+          <p:cNvPicPr>
+            <a:picLocks noGrp="1" noChangeAspect="1"/>
+          </p:cNvPicPr>
+          <p:nvPr>
+            <p:ph type="pic" idx="1"/>
+          </p:nvPr>
+        </p:nvPicPr>
+        <p:blipFill rotWithShape="1">
+          <a:blip r:embed="rId2"/>
+          <a:srcRect t="2382" b="2382"/>
+          <a:stretch/>
+        </p:blipFill>
+        <p:spPr/>
+      </p:pic>
+    </p:spTree>
+    <p:extLst>
+      <p:ext uri="{BB962C8B-B14F-4D97-AF65-F5344CB8AC3E}">
+        <p14:creationId xmlns:p14="http://schemas.microsoft.com/office/powerpoint/2010/main" val="2827380671"/>
+      </p:ext>
+    </p:extLst>
+  </p:cSld>
+  <p:clrMapOvr>
+    <a:masterClrMapping/>
+  </p:clrMapOvr>
+</p:sld>
+</file>
+
+<file path=ppt/slides/slide46.xml><?xml version="1.0" encoding="utf-8"?>
+<p:sld xmlns:a="http://schemas.openxmlformats.org/drawingml/2006/main" xmlns:r="http://schemas.openxmlformats.org/officeDocument/2006/relationships" xmlns:p="http://schemas.openxmlformats.org/presentationml/2006/main">
+  <p:cSld>
+    <p:bg>
+      <p:bgPr>
+        <a:solidFill>
+          <a:schemeClr val="bg1"/>
+        </a:solidFill>
+        <a:effectLst/>
+      </p:bgPr>
+    </p:bg>
+    <p:spTree>
+      <p:nvGrpSpPr>
+        <p:cNvPr id="1" name=""/>
+        <p:cNvGrpSpPr/>
+        <p:nvPr/>
+      </p:nvGrpSpPr>
+      <p:grpSpPr>
+        <a:xfrm>
+          <a:off x="0" y="0"/>
+          <a:ext cx="0" cy="0"/>
+          <a:chOff x="0" y="0"/>
+          <a:chExt cx="0" cy="0"/>
+        </a:xfrm>
+      </p:grpSpPr>
+      <p:sp useBgFill="1">
+        <p:nvSpPr>
+          <p:cNvPr id="39" name="Rectangle 38">
+            <a:extLst>
+              <a:ext uri="{FF2B5EF4-FFF2-40B4-BE49-F238E27FC236}">
+                <a16:creationId xmlns:a16="http://schemas.microsoft.com/office/drawing/2014/main" id="{3E443FD7-A66B-4AA0-872D-B088B9BC5F17}"/>
+              </a:ext>
+              <a:ext uri="{C183D7F6-B498-43B3-948B-1728B52AA6E4}">
+                <adec:decorative xmlns:adec="http://schemas.microsoft.com/office/drawing/2017/decorative" val="1"/>
+              </a:ext>
+            </a:extLst>
+          </p:cNvPr>
+          <p:cNvSpPr>
+            <a:spLocks noGrp="1" noRot="1" noChangeAspect="1" noMove="1" noResize="1" noEditPoints="1" noAdjustHandles="1" noChangeArrowheads="1" noChangeShapeType="1" noTextEdit="1"/>
+          </p:cNvSpPr>
+          <p:nvPr>
+            <p:extLst>
+              <p:ext uri="{386F3935-93C4-4BCD-93E2-E3B085C9AB24}">
+                <p16:designElem xmlns:p16="http://schemas.microsoft.com/office/powerpoint/2015/main" val="1"/>
+              </p:ext>
+            </p:extLst>
+          </p:nvPr>
+        </p:nvSpPr>
+        <p:spPr>
+          <a:xfrm>
+            <a:off x="0" y="0"/>
+            <a:ext cx="12192000" cy="6858000"/>
+          </a:xfrm>
+          <a:prstGeom prst="rect">
+            <a:avLst/>
+          </a:prstGeom>
+          <a:ln>
+            <a:noFill/>
+          </a:ln>
+        </p:spPr>
+        <p:style>
+          <a:lnRef idx="2">
+            <a:schemeClr val="accent1">
+              <a:shade val="50000"/>
+            </a:schemeClr>
+          </a:lnRef>
+          <a:fillRef idx="1">
+            <a:schemeClr val="accent1"/>
+          </a:fillRef>
+          <a:effectRef idx="0">
+            <a:schemeClr val="accent1"/>
+          </a:effectRef>
+          <a:fontRef idx="minor">
+            <a:schemeClr val="lt1"/>
+          </a:fontRef>
+        </p:style>
+        <p:txBody>
+          <a:bodyPr rtlCol="0" anchor="ctr"/>
+          <a:lstStyle/>
+          <a:p>
+            <a:pPr algn="ctr"/>
+            <a:endParaRPr lang="en-US"/>
+          </a:p>
+        </p:txBody>
+      </p:sp>
+      <p:sp>
+        <p:nvSpPr>
+          <p:cNvPr id="2" name="Título 1">
+            <a:extLst>
+              <a:ext uri="{FF2B5EF4-FFF2-40B4-BE49-F238E27FC236}">
+                <a16:creationId xmlns:a16="http://schemas.microsoft.com/office/drawing/2014/main" id="{9B5DD48C-039E-43C7-B060-771CB2A8EF2B}"/>
+              </a:ext>
+            </a:extLst>
+          </p:cNvPr>
+          <p:cNvSpPr>
+            <a:spLocks noGrp="1"/>
+          </p:cNvSpPr>
+          <p:nvPr>
+            <p:ph type="ctrTitle"/>
+          </p:nvPr>
+        </p:nvSpPr>
+        <p:spPr>
+          <a:xfrm>
+            <a:off x="1094095" y="851517"/>
+            <a:ext cx="5238466" cy="2991416"/>
+          </a:xfrm>
+        </p:spPr>
+        <p:txBody>
+          <a:bodyPr anchor="b">
+            <a:normAutofit/>
+          </a:bodyPr>
+          <a:lstStyle/>
+          <a:p>
+            <a:pPr algn="l"/>
+            <a:r>
+              <a:rPr lang="pt-BR" b="1" dirty="0"/>
+              <a:t>Site </a:t>
+            </a:r>
+            <a:r>
+              <a:rPr lang="pt-BR" b="1" dirty="0" err="1"/>
+              <a:t>Refs</a:t>
+            </a:r>
+            <a:r>
+              <a:rPr lang="pt-BR" b="1" dirty="0"/>
+              <a:t> </a:t>
+            </a:r>
+            <a:r>
+              <a:rPr lang="pt-BR" b="1" dirty="0" err="1"/>
+              <a:t>Obrasutils</a:t>
+            </a:r>
+            <a:endParaRPr lang="pt-BR" b="1" dirty="0"/>
+          </a:p>
+        </p:txBody>
+      </p:sp>
+      <p:sp>
+        <p:nvSpPr>
+          <p:cNvPr id="3" name="Subtítulo 2">
+            <a:extLst>
+              <a:ext uri="{FF2B5EF4-FFF2-40B4-BE49-F238E27FC236}">
+                <a16:creationId xmlns:a16="http://schemas.microsoft.com/office/drawing/2014/main" id="{44095AEF-9434-45FE-BB86-7BC5AABE5432}"/>
+              </a:ext>
+            </a:extLst>
+          </p:cNvPr>
+          <p:cNvSpPr>
+            <a:spLocks noGrp="1"/>
+          </p:cNvSpPr>
+          <p:nvPr>
+            <p:ph type="subTitle" idx="1"/>
+          </p:nvPr>
+        </p:nvSpPr>
+        <p:spPr>
+          <a:xfrm>
+            <a:off x="1094096" y="3842932"/>
+            <a:ext cx="4167115" cy="2163551"/>
+          </a:xfrm>
+        </p:spPr>
+        <p:txBody>
+          <a:bodyPr anchor="t">
+            <a:normAutofit/>
+          </a:bodyPr>
+          <a:lstStyle/>
+          <a:p>
+            <a:pPr algn="l"/>
+            <a:r>
+              <a:rPr lang="pt-BR" b="1" dirty="0"/>
+              <a:t>Referências</a:t>
+            </a:r>
+          </a:p>
+        </p:txBody>
+      </p:sp>
+      <p:sp>
+        <p:nvSpPr>
+          <p:cNvPr id="41" name="Freeform: Shape 40">
+            <a:extLst>
+              <a:ext uri="{FF2B5EF4-FFF2-40B4-BE49-F238E27FC236}">
+                <a16:creationId xmlns:a16="http://schemas.microsoft.com/office/drawing/2014/main" id="{C04BE0EF-3561-49B4-9A29-F283168A91C7}"/>
+              </a:ext>
+              <a:ext uri="{C183D7F6-B498-43B3-948B-1728B52AA6E4}">
+                <adec:decorative xmlns:adec="http://schemas.microsoft.com/office/drawing/2017/decorative" val="1"/>
+              </a:ext>
+            </a:extLst>
+          </p:cNvPr>
+          <p:cNvSpPr>
+            <a:spLocks noGrp="1" noRot="1" noChangeAspect="1" noMove="1" noResize="1" noEditPoints="1" noAdjustHandles="1" noChangeArrowheads="1" noChangeShapeType="1" noTextEdit="1"/>
+          </p:cNvSpPr>
+          <p:nvPr>
+            <p:extLst>
+              <p:ext uri="{386F3935-93C4-4BCD-93E2-E3B085C9AB24}">
+                <p16:designElem xmlns:p16="http://schemas.microsoft.com/office/powerpoint/2015/main" val="1"/>
+              </p:ext>
+            </p:extLst>
+          </p:nvPr>
+        </p:nvSpPr>
+        <p:spPr>
+          <a:xfrm>
+            <a:off x="5510370" y="851518"/>
+            <a:ext cx="6184806" cy="5154967"/>
+          </a:xfrm>
+          <a:custGeom>
+            <a:avLst/>
+            <a:gdLst>
+              <a:gd name="connsiteX0" fmla="*/ 363179 w 6184806"/>
+              <a:gd name="connsiteY0" fmla="*/ 3125191 h 5154967"/>
+              <a:gd name="connsiteX1" fmla="*/ 898270 w 6184806"/>
+              <a:gd name="connsiteY1" fmla="*/ 3125191 h 5154967"/>
+              <a:gd name="connsiteX2" fmla="*/ 980326 w 6184806"/>
+              <a:gd name="connsiteY2" fmla="*/ 3173551 h 5154967"/>
+              <a:gd name="connsiteX3" fmla="*/ 1248448 w 6184806"/>
+              <a:gd name="connsiteY3" fmla="*/ 3635277 h 5154967"/>
+              <a:gd name="connsiteX4" fmla="*/ 1248448 w 6184806"/>
+              <a:gd name="connsiteY4" fmla="*/ 3729695 h 5154967"/>
+              <a:gd name="connsiteX5" fmla="*/ 980326 w 6184806"/>
+              <a:gd name="connsiteY5" fmla="*/ 4191421 h 5154967"/>
+              <a:gd name="connsiteX6" fmla="*/ 898270 w 6184806"/>
+              <a:gd name="connsiteY6" fmla="*/ 4239781 h 5154967"/>
+              <a:gd name="connsiteX7" fmla="*/ 363179 w 6184806"/>
+              <a:gd name="connsiteY7" fmla="*/ 4239781 h 5154967"/>
+              <a:gd name="connsiteX8" fmla="*/ 279969 w 6184806"/>
+              <a:gd name="connsiteY8" fmla="*/ 4191421 h 5154967"/>
+              <a:gd name="connsiteX9" fmla="*/ 13002 w 6184806"/>
+              <a:gd name="connsiteY9" fmla="*/ 3729695 h 5154967"/>
+              <a:gd name="connsiteX10" fmla="*/ 13002 w 6184806"/>
+              <a:gd name="connsiteY10" fmla="*/ 3635277 h 5154967"/>
+              <a:gd name="connsiteX11" fmla="*/ 279969 w 6184806"/>
+              <a:gd name="connsiteY11" fmla="*/ 3173551 h 5154967"/>
+              <a:gd name="connsiteX12" fmla="*/ 363179 w 6184806"/>
+              <a:gd name="connsiteY12" fmla="*/ 3125191 h 5154967"/>
+              <a:gd name="connsiteX13" fmla="*/ 2489721 w 6184806"/>
+              <a:gd name="connsiteY13" fmla="*/ 570035 h 5154967"/>
+              <a:gd name="connsiteX14" fmla="*/ 2764862 w 6184806"/>
+              <a:gd name="connsiteY14" fmla="*/ 570035 h 5154967"/>
+              <a:gd name="connsiteX15" fmla="*/ 2796959 w 6184806"/>
+              <a:gd name="connsiteY15" fmla="*/ 570035 h 5154967"/>
+              <a:gd name="connsiteX16" fmla="*/ 2827587 w 6184806"/>
+              <a:gd name="connsiteY16" fmla="*/ 622777 h 5154967"/>
+              <a:gd name="connsiteX17" fmla="*/ 2977604 w 6184806"/>
+              <a:gd name="connsiteY17" fmla="*/ 881117 h 5154967"/>
+              <a:gd name="connsiteX18" fmla="*/ 2977604 w 6184806"/>
+              <a:gd name="connsiteY18" fmla="*/ 1025720 h 5154967"/>
+              <a:gd name="connsiteX19" fmla="*/ 2566968 w 6184806"/>
+              <a:gd name="connsiteY19" fmla="*/ 1732863 h 5154967"/>
+              <a:gd name="connsiteX20" fmla="*/ 2441299 w 6184806"/>
+              <a:gd name="connsiteY20" fmla="*/ 1806927 h 5154967"/>
+              <a:gd name="connsiteX21" fmla="*/ 1621798 w 6184806"/>
+              <a:gd name="connsiteY21" fmla="*/ 1806927 h 5154967"/>
+              <a:gd name="connsiteX22" fmla="*/ 1583218 w 6184806"/>
+              <a:gd name="connsiteY22" fmla="*/ 1801802 h 5154967"/>
+              <a:gd name="connsiteX23" fmla="*/ 1556683 w 6184806"/>
+              <a:gd name="connsiteY23" fmla="*/ 1790677 h 5154967"/>
+              <a:gd name="connsiteX24" fmla="*/ 1572899 w 6184806"/>
+              <a:gd name="connsiteY24" fmla="*/ 1762630 h 5154967"/>
+              <a:gd name="connsiteX25" fmla="*/ 2147429 w 6184806"/>
+              <a:gd name="connsiteY25" fmla="*/ 768968 h 5154967"/>
+              <a:gd name="connsiteX26" fmla="*/ 2489721 w 6184806"/>
+              <a:gd name="connsiteY26" fmla="*/ 570035 h 5154967"/>
+              <a:gd name="connsiteX27" fmla="*/ 1573268 w 6184806"/>
+              <a:gd name="connsiteY27" fmla="*/ 0 h 5154967"/>
+              <a:gd name="connsiteX28" fmla="*/ 2497662 w 6184806"/>
+              <a:gd name="connsiteY28" fmla="*/ 0 h 5154967"/>
+              <a:gd name="connsiteX29" fmla="*/ 2639415 w 6184806"/>
+              <a:gd name="connsiteY29" fmla="*/ 83546 h 5154967"/>
+              <a:gd name="connsiteX30" fmla="*/ 2887862 w 6184806"/>
+              <a:gd name="connsiteY30" fmla="*/ 511387 h 5154967"/>
+              <a:gd name="connsiteX31" fmla="*/ 2915928 w 6184806"/>
+              <a:gd name="connsiteY31" fmla="*/ 559720 h 5154967"/>
+              <a:gd name="connsiteX32" fmla="*/ 2893844 w 6184806"/>
+              <a:gd name="connsiteY32" fmla="*/ 559720 h 5154967"/>
+              <a:gd name="connsiteX33" fmla="*/ 2789466 w 6184806"/>
+              <a:gd name="connsiteY33" fmla="*/ 559720 h 5154967"/>
+              <a:gd name="connsiteX34" fmla="*/ 2744122 w 6184806"/>
+              <a:gd name="connsiteY34" fmla="*/ 481634 h 5154967"/>
+              <a:gd name="connsiteX35" fmla="*/ 2570885 w 6184806"/>
+              <a:gd name="connsiteY35" fmla="*/ 183309 h 5154967"/>
+              <a:gd name="connsiteX36" fmla="*/ 2445216 w 6184806"/>
+              <a:gd name="connsiteY36" fmla="*/ 109243 h 5154967"/>
+              <a:gd name="connsiteX37" fmla="*/ 1625714 w 6184806"/>
+              <a:gd name="connsiteY37" fmla="*/ 109243 h 5154967"/>
+              <a:gd name="connsiteX38" fmla="*/ 1498276 w 6184806"/>
+              <a:gd name="connsiteY38" fmla="*/ 183309 h 5154967"/>
+              <a:gd name="connsiteX39" fmla="*/ 1089410 w 6184806"/>
+              <a:gd name="connsiteY39" fmla="*/ 890450 h 5154967"/>
+              <a:gd name="connsiteX40" fmla="*/ 1089410 w 6184806"/>
+              <a:gd name="connsiteY40" fmla="*/ 1035054 h 5154967"/>
+              <a:gd name="connsiteX41" fmla="*/ 1498276 w 6184806"/>
+              <a:gd name="connsiteY41" fmla="*/ 1742196 h 5154967"/>
+              <a:gd name="connsiteX42" fmla="*/ 1552039 w 6184806"/>
+              <a:gd name="connsiteY42" fmla="*/ 1796422 h 5154967"/>
+              <a:gd name="connsiteX43" fmla="*/ 1558260 w 6184806"/>
+              <a:gd name="connsiteY43" fmla="*/ 1799029 h 5154967"/>
+              <a:gd name="connsiteX44" fmla="*/ 1524911 w 6184806"/>
+              <a:gd name="connsiteY44" fmla="*/ 1856707 h 5154967"/>
+              <a:gd name="connsiteX45" fmla="*/ 1500108 w 6184806"/>
+              <a:gd name="connsiteY45" fmla="*/ 1899604 h 5154967"/>
+              <a:gd name="connsiteX46" fmla="*/ 1525834 w 6184806"/>
+              <a:gd name="connsiteY46" fmla="*/ 1910390 h 5154967"/>
+              <a:gd name="connsiteX47" fmla="*/ 1569352 w 6184806"/>
+              <a:gd name="connsiteY47" fmla="*/ 1916170 h 5154967"/>
+              <a:gd name="connsiteX48" fmla="*/ 2493745 w 6184806"/>
+              <a:gd name="connsiteY48" fmla="*/ 1916170 h 5154967"/>
+              <a:gd name="connsiteX49" fmla="*/ 2635498 w 6184806"/>
+              <a:gd name="connsiteY49" fmla="*/ 1832627 h 5154967"/>
+              <a:gd name="connsiteX50" fmla="*/ 3098693 w 6184806"/>
+              <a:gd name="connsiteY50" fmla="*/ 1034974 h 5154967"/>
+              <a:gd name="connsiteX51" fmla="*/ 3098693 w 6184806"/>
+              <a:gd name="connsiteY51" fmla="*/ 871863 h 5154967"/>
+              <a:gd name="connsiteX52" fmla="*/ 2945803 w 6184806"/>
+              <a:gd name="connsiteY52" fmla="*/ 608576 h 5154967"/>
+              <a:gd name="connsiteX53" fmla="*/ 2923422 w 6184806"/>
+              <a:gd name="connsiteY53" fmla="*/ 570035 h 5154967"/>
+              <a:gd name="connsiteX54" fmla="*/ 3027104 w 6184806"/>
+              <a:gd name="connsiteY54" fmla="*/ 570035 h 5154967"/>
+              <a:gd name="connsiteX55" fmla="*/ 4690846 w 6184806"/>
+              <a:gd name="connsiteY55" fmla="*/ 570035 h 5154967"/>
+              <a:gd name="connsiteX56" fmla="*/ 5028384 w 6184806"/>
+              <a:gd name="connsiteY56" fmla="*/ 768968 h 5154967"/>
+              <a:gd name="connsiteX57" fmla="*/ 6131323 w 6184806"/>
+              <a:gd name="connsiteY57" fmla="*/ 2668304 h 5154967"/>
+              <a:gd name="connsiteX58" fmla="*/ 6131323 w 6184806"/>
+              <a:gd name="connsiteY58" fmla="*/ 3056698 h 5154967"/>
+              <a:gd name="connsiteX59" fmla="*/ 5028384 w 6184806"/>
+              <a:gd name="connsiteY59" fmla="*/ 4956035 h 5154967"/>
+              <a:gd name="connsiteX60" fmla="*/ 4690846 w 6184806"/>
+              <a:gd name="connsiteY60" fmla="*/ 5154967 h 5154967"/>
+              <a:gd name="connsiteX61" fmla="*/ 2489721 w 6184806"/>
+              <a:gd name="connsiteY61" fmla="*/ 5154967 h 5154967"/>
+              <a:gd name="connsiteX62" fmla="*/ 2147429 w 6184806"/>
+              <a:gd name="connsiteY62" fmla="*/ 4956035 h 5154967"/>
+              <a:gd name="connsiteX63" fmla="*/ 1049243 w 6184806"/>
+              <a:gd name="connsiteY63" fmla="*/ 3056698 h 5154967"/>
+              <a:gd name="connsiteX64" fmla="*/ 1049243 w 6184806"/>
+              <a:gd name="connsiteY64" fmla="*/ 2668304 h 5154967"/>
+              <a:gd name="connsiteX65" fmla="*/ 1457007 w 6184806"/>
+              <a:gd name="connsiteY65" fmla="*/ 1963067 h 5154967"/>
+              <a:gd name="connsiteX66" fmla="*/ 1491373 w 6184806"/>
+              <a:gd name="connsiteY66" fmla="*/ 1903634 h 5154967"/>
+              <a:gd name="connsiteX67" fmla="*/ 1490164 w 6184806"/>
+              <a:gd name="connsiteY67" fmla="*/ 1903127 h 5154967"/>
+              <a:gd name="connsiteX68" fmla="*/ 1429519 w 6184806"/>
+              <a:gd name="connsiteY68" fmla="*/ 1841960 h 5154967"/>
+              <a:gd name="connsiteX69" fmla="*/ 968320 w 6184806"/>
+              <a:gd name="connsiteY69" fmla="*/ 1044307 h 5154967"/>
+              <a:gd name="connsiteX70" fmla="*/ 968320 w 6184806"/>
+              <a:gd name="connsiteY70" fmla="*/ 881196 h 5154967"/>
+              <a:gd name="connsiteX71" fmla="*/ 1429519 w 6184806"/>
+              <a:gd name="connsiteY71" fmla="*/ 83546 h 5154967"/>
+              <a:gd name="connsiteX72" fmla="*/ 1573268 w 6184806"/>
+              <a:gd name="connsiteY72" fmla="*/ 0 h 5154967"/>
+            </a:gdLst>
+            <a:ahLst/>
+            <a:cxnLst>
+              <a:cxn ang="0">
+                <a:pos x="connsiteX0" y="connsiteY0"/>
+              </a:cxn>
+              <a:cxn ang="0">
+                <a:pos x="connsiteX1" y="connsiteY1"/>
+              </a:cxn>
+              <a:cxn ang="0">
+                <a:pos x="connsiteX2" y="connsiteY2"/>
+              </a:cxn>
+              <a:cxn ang="0">
+                <a:pos x="connsiteX3" y="connsiteY3"/>
+              </a:cxn>
+              <a:cxn ang="0">
+                <a:pos x="connsiteX4" y="connsiteY4"/>
+              </a:cxn>
+              <a:cxn ang="0">
+                <a:pos x="connsiteX5" y="connsiteY5"/>
+              </a:cxn>
+              <a:cxn ang="0">
+                <a:pos x="connsiteX6" y="connsiteY6"/>
+              </a:cxn>
+              <a:cxn ang="0">
+                <a:pos x="connsiteX7" y="connsiteY7"/>
+              </a:cxn>
+              <a:cxn ang="0">
+                <a:pos x="connsiteX8" y="connsiteY8"/>
+              </a:cxn>
+              <a:cxn ang="0">
+                <a:pos x="connsiteX9" y="connsiteY9"/>
+              </a:cxn>
+              <a:cxn ang="0">
+                <a:pos x="connsiteX10" y="connsiteY10"/>
+              </a:cxn>
+              <a:cxn ang="0">
+                <a:pos x="connsiteX11" y="connsiteY11"/>
+              </a:cxn>
+              <a:cxn ang="0">
+                <a:pos x="connsiteX12" y="connsiteY12"/>
+              </a:cxn>
+              <a:cxn ang="0">
+                <a:pos x="connsiteX13" y="connsiteY13"/>
+              </a:cxn>
+              <a:cxn ang="0">
+                <a:pos x="connsiteX14" y="connsiteY14"/>
+              </a:cxn>
+              <a:cxn ang="0">
+                <a:pos x="connsiteX15" y="connsiteY15"/>
+              </a:cxn>
+              <a:cxn ang="0">
+                <a:pos x="connsiteX16" y="connsiteY16"/>
+              </a:cxn>
+              <a:cxn ang="0">
+                <a:pos x="connsiteX17" y="connsiteY17"/>
+              </a:cxn>
+              <a:cxn ang="0">
+                <a:pos x="connsiteX18" y="connsiteY18"/>
+              </a:cxn>
+              <a:cxn ang="0">
+                <a:pos x="connsiteX19" y="connsiteY19"/>
+              </a:cxn>
+              <a:cxn ang="0">
+                <a:pos x="connsiteX20" y="connsiteY20"/>
+              </a:cxn>
+              <a:cxn ang="0">
+                <a:pos x="connsiteX21" y="connsiteY21"/>
+              </a:cxn>
+              <a:cxn ang="0">
+                <a:pos x="connsiteX22" y="connsiteY22"/>
+              </a:cxn>
+              <a:cxn ang="0">
+                <a:pos x="connsiteX23" y="connsiteY23"/>
+              </a:cxn>
+              <a:cxn ang="0">
+                <a:pos x="connsiteX24" y="connsiteY24"/>
+              </a:cxn>
+              <a:cxn ang="0">
+                <a:pos x="connsiteX25" y="connsiteY25"/>
+              </a:cxn>
+              <a:cxn ang="0">
+                <a:pos x="connsiteX26" y="connsiteY26"/>
+              </a:cxn>
+              <a:cxn ang="0">
+                <a:pos x="connsiteX27" y="connsiteY27"/>
+              </a:cxn>
+              <a:cxn ang="0">
+                <a:pos x="connsiteX28" y="connsiteY28"/>
+              </a:cxn>
+              <a:cxn ang="0">
+                <a:pos x="connsiteX29" y="connsiteY29"/>
+              </a:cxn>
+              <a:cxn ang="0">
+                <a:pos x="connsiteX30" y="connsiteY30"/>
+              </a:cxn>
+              <a:cxn ang="0">
+                <a:pos x="connsiteX31" y="connsiteY31"/>
+              </a:cxn>
+              <a:cxn ang="0">
+                <a:pos x="connsiteX32" y="connsiteY32"/>
+              </a:cxn>
+              <a:cxn ang="0">
+                <a:pos x="connsiteX33" y="connsiteY33"/>
+              </a:cxn>
+              <a:cxn ang="0">
+                <a:pos x="connsiteX34" y="connsiteY34"/>
+              </a:cxn>
+              <a:cxn ang="0">
+                <a:pos x="connsiteX35" y="connsiteY35"/>
+              </a:cxn>
+              <a:cxn ang="0">
+                <a:pos x="connsiteX36" y="connsiteY36"/>
+              </a:cxn>
+              <a:cxn ang="0">
+                <a:pos x="connsiteX37" y="connsiteY37"/>
+              </a:cxn>
+              <a:cxn ang="0">
+                <a:pos x="connsiteX38" y="connsiteY38"/>
+              </a:cxn>
+              <a:cxn ang="0">
+                <a:pos x="connsiteX39" y="connsiteY39"/>
+              </a:cxn>
+              <a:cxn ang="0">
+                <a:pos x="connsiteX40" y="connsiteY40"/>
+              </a:cxn>
+              <a:cxn ang="0">
+                <a:pos x="connsiteX41" y="connsiteY41"/>
+              </a:cxn>
+              <a:cxn ang="0">
+                <a:pos x="connsiteX42" y="connsiteY42"/>
+              </a:cxn>
+              <a:cxn ang="0">
+                <a:pos x="connsiteX43" y="connsiteY43"/>
+              </a:cxn>
+              <a:cxn ang="0">
+                <a:pos x="connsiteX44" y="connsiteY44"/>
+              </a:cxn>
+              <a:cxn ang="0">
+                <a:pos x="connsiteX45" y="connsiteY45"/>
+              </a:cxn>
+              <a:cxn ang="0">
+                <a:pos x="connsiteX46" y="connsiteY46"/>
+              </a:cxn>
+              <a:cxn ang="0">
+                <a:pos x="connsiteX47" y="connsiteY47"/>
+              </a:cxn>
+              <a:cxn ang="0">
+                <a:pos x="connsiteX48" y="connsiteY48"/>
+              </a:cxn>
+              <a:cxn ang="0">
+                <a:pos x="connsiteX49" y="connsiteY49"/>
+              </a:cxn>
+              <a:cxn ang="0">
+                <a:pos x="connsiteX50" y="connsiteY50"/>
+              </a:cxn>
+              <a:cxn ang="0">
+                <a:pos x="connsiteX51" y="connsiteY51"/>
+              </a:cxn>
+              <a:cxn ang="0">
+                <a:pos x="connsiteX52" y="connsiteY52"/>
+              </a:cxn>
+              <a:cxn ang="0">
+                <a:pos x="connsiteX53" y="connsiteY53"/>
+              </a:cxn>
+              <a:cxn ang="0">
+                <a:pos x="connsiteX54" y="connsiteY54"/>
+              </a:cxn>
+              <a:cxn ang="0">
+                <a:pos x="connsiteX55" y="connsiteY55"/>
+              </a:cxn>
+              <a:cxn ang="0">
+                <a:pos x="connsiteX56" y="connsiteY56"/>
+              </a:cxn>
+              <a:cxn ang="0">
+                <a:pos x="connsiteX57" y="connsiteY57"/>
+              </a:cxn>
+              <a:cxn ang="0">
+                <a:pos x="connsiteX58" y="connsiteY58"/>
+              </a:cxn>
+              <a:cxn ang="0">
+                <a:pos x="connsiteX59" y="connsiteY59"/>
+              </a:cxn>
+              <a:cxn ang="0">
+                <a:pos x="connsiteX60" y="connsiteY60"/>
+              </a:cxn>
+              <a:cxn ang="0">
+                <a:pos x="connsiteX61" y="connsiteY61"/>
+              </a:cxn>
+              <a:cxn ang="0">
+                <a:pos x="connsiteX62" y="connsiteY62"/>
+              </a:cxn>
+              <a:cxn ang="0">
+                <a:pos x="connsiteX63" y="connsiteY63"/>
+              </a:cxn>
+              <a:cxn ang="0">
+                <a:pos x="connsiteX64" y="connsiteY64"/>
+              </a:cxn>
+              <a:cxn ang="0">
+                <a:pos x="connsiteX65" y="connsiteY65"/>
+              </a:cxn>
+              <a:cxn ang="0">
+                <a:pos x="connsiteX66" y="connsiteY66"/>
+              </a:cxn>
+              <a:cxn ang="0">
+                <a:pos x="connsiteX67" y="connsiteY67"/>
+              </a:cxn>
+              <a:cxn ang="0">
+                <a:pos x="connsiteX68" y="connsiteY68"/>
+              </a:cxn>
+              <a:cxn ang="0">
+                <a:pos x="connsiteX69" y="connsiteY69"/>
+              </a:cxn>
+              <a:cxn ang="0">
+                <a:pos x="connsiteX70" y="connsiteY70"/>
+              </a:cxn>
+              <a:cxn ang="0">
+                <a:pos x="connsiteX71" y="connsiteY71"/>
+              </a:cxn>
+              <a:cxn ang="0">
+                <a:pos x="connsiteX72" y="connsiteY72"/>
+              </a:cxn>
+            </a:cxnLst>
+            <a:rect l="l" t="t" r="r" b="b"/>
+            <a:pathLst>
+              <a:path w="6184806" h="5154967">
+                <a:moveTo>
+                  <a:pt x="363179" y="3125191"/>
+                </a:moveTo>
+                <a:cubicBezTo>
+                  <a:pt x="363179" y="3125191"/>
+                  <a:pt x="363179" y="3125191"/>
+                  <a:pt x="898270" y="3125191"/>
+                </a:cubicBezTo>
+                <a:cubicBezTo>
+                  <a:pt x="931786" y="3125191"/>
+                  <a:pt x="964145" y="3143614"/>
+                  <a:pt x="980326" y="3173551"/>
+                </a:cubicBezTo>
+                <a:cubicBezTo>
+                  <a:pt x="980326" y="3173551"/>
+                  <a:pt x="980326" y="3173551"/>
+                  <a:pt x="1248448" y="3635277"/>
+                </a:cubicBezTo>
+                <a:cubicBezTo>
+                  <a:pt x="1265784" y="3664063"/>
+                  <a:pt x="1265784" y="3700909"/>
+                  <a:pt x="1248448" y="3729695"/>
+                </a:cubicBezTo>
+                <a:cubicBezTo>
+                  <a:pt x="1248448" y="3729695"/>
+                  <a:pt x="1248448" y="3729695"/>
+                  <a:pt x="980326" y="4191421"/>
+                </a:cubicBezTo>
+                <a:cubicBezTo>
+                  <a:pt x="964145" y="4221358"/>
+                  <a:pt x="931786" y="4239781"/>
+                  <a:pt x="898270" y="4239781"/>
+                </a:cubicBezTo>
+                <a:cubicBezTo>
+                  <a:pt x="898270" y="4239781"/>
+                  <a:pt x="898270" y="4239781"/>
+                  <a:pt x="363179" y="4239781"/>
+                </a:cubicBezTo>
+                <a:cubicBezTo>
+                  <a:pt x="328508" y="4239781"/>
+                  <a:pt x="297305" y="4221358"/>
+                  <a:pt x="279969" y="4191421"/>
+                </a:cubicBezTo>
+                <a:cubicBezTo>
+                  <a:pt x="279969" y="4191421"/>
+                  <a:pt x="279969" y="4191421"/>
+                  <a:pt x="13002" y="3729695"/>
+                </a:cubicBezTo>
+                <a:cubicBezTo>
+                  <a:pt x="-4334" y="3700909"/>
+                  <a:pt x="-4334" y="3664063"/>
+                  <a:pt x="13002" y="3635277"/>
+                </a:cubicBezTo>
+                <a:cubicBezTo>
+                  <a:pt x="13002" y="3635277"/>
+                  <a:pt x="13002" y="3635277"/>
+                  <a:pt x="279969" y="3173551"/>
+                </a:cubicBezTo>
+                <a:cubicBezTo>
+                  <a:pt x="297305" y="3143614"/>
+                  <a:pt x="328508" y="3125191"/>
+                  <a:pt x="363179" y="3125191"/>
+                </a:cubicBezTo>
+                <a:close/>
+                <a:moveTo>
+                  <a:pt x="2489721" y="570035"/>
+                </a:moveTo>
+                <a:cubicBezTo>
+                  <a:pt x="2489721" y="570035"/>
+                  <a:pt x="2489721" y="570035"/>
+                  <a:pt x="2764862" y="570035"/>
+                </a:cubicBezTo>
+                <a:lnTo>
+                  <a:pt x="2796959" y="570035"/>
+                </a:lnTo>
+                <a:lnTo>
+                  <a:pt x="2827587" y="622777"/>
+                </a:lnTo>
+                <a:cubicBezTo>
+                  <a:pt x="2870233" y="696217"/>
+                  <a:pt x="2919858" y="781675"/>
+                  <a:pt x="2977604" y="881117"/>
+                </a:cubicBezTo>
+                <a:cubicBezTo>
+                  <a:pt x="3004153" y="925204"/>
+                  <a:pt x="3004153" y="981634"/>
+                  <a:pt x="2977604" y="1025720"/>
+                </a:cubicBezTo>
+                <a:cubicBezTo>
+                  <a:pt x="2977604" y="1025720"/>
+                  <a:pt x="2977604" y="1025720"/>
+                  <a:pt x="2566968" y="1732863"/>
+                </a:cubicBezTo>
+                <a:cubicBezTo>
+                  <a:pt x="2542188" y="1778712"/>
+                  <a:pt x="2492629" y="1806927"/>
+                  <a:pt x="2441299" y="1806927"/>
+                </a:cubicBezTo>
+                <a:cubicBezTo>
+                  <a:pt x="2441299" y="1806927"/>
+                  <a:pt x="2441299" y="1806927"/>
+                  <a:pt x="1621798" y="1806927"/>
+                </a:cubicBezTo>
+                <a:cubicBezTo>
+                  <a:pt x="1608523" y="1806927"/>
+                  <a:pt x="1595580" y="1805163"/>
+                  <a:pt x="1583218" y="1801802"/>
+                </a:cubicBezTo>
+                <a:lnTo>
+                  <a:pt x="1556683" y="1790677"/>
+                </a:lnTo>
+                <a:lnTo>
+                  <a:pt x="1572899" y="1762630"/>
+                </a:lnTo>
+                <a:cubicBezTo>
+                  <a:pt x="1719523" y="1509042"/>
+                  <a:pt x="1907201" y="1184448"/>
+                  <a:pt x="2147429" y="768968"/>
+                </a:cubicBezTo>
+                <a:cubicBezTo>
+                  <a:pt x="2218739" y="645819"/>
+                  <a:pt x="2347099" y="570035"/>
+                  <a:pt x="2489721" y="570035"/>
+                </a:cubicBezTo>
+                <a:close/>
+                <a:moveTo>
+                  <a:pt x="1573268" y="0"/>
+                </a:moveTo>
+                <a:cubicBezTo>
+                  <a:pt x="1573268" y="0"/>
+                  <a:pt x="1573268" y="0"/>
+                  <a:pt x="2497662" y="0"/>
+                </a:cubicBezTo>
+                <a:cubicBezTo>
+                  <a:pt x="2555561" y="0"/>
+                  <a:pt x="2611463" y="31828"/>
+                  <a:pt x="2639415" y="83546"/>
+                </a:cubicBezTo>
+                <a:cubicBezTo>
+                  <a:pt x="2639415" y="83546"/>
+                  <a:pt x="2639415" y="83546"/>
+                  <a:pt x="2887862" y="511387"/>
+                </a:cubicBezTo>
+                <a:lnTo>
+                  <a:pt x="2915928" y="559720"/>
+                </a:lnTo>
+                <a:lnTo>
+                  <a:pt x="2893844" y="559720"/>
+                </a:lnTo>
+                <a:lnTo>
+                  <a:pt x="2789466" y="559720"/>
+                </a:lnTo>
+                <a:lnTo>
+                  <a:pt x="2744122" y="481634"/>
+                </a:lnTo>
+                <a:cubicBezTo>
+                  <a:pt x="2570885" y="183309"/>
+                  <a:pt x="2570885" y="183309"/>
+                  <a:pt x="2570885" y="183309"/>
+                </a:cubicBezTo>
+                <a:cubicBezTo>
+                  <a:pt x="2546104" y="137459"/>
+                  <a:pt x="2496545" y="109243"/>
+                  <a:pt x="2445216" y="109243"/>
+                </a:cubicBezTo>
+                <a:cubicBezTo>
+                  <a:pt x="1625714" y="109243"/>
+                  <a:pt x="1625714" y="109243"/>
+                  <a:pt x="1625714" y="109243"/>
+                </a:cubicBezTo>
+                <a:cubicBezTo>
+                  <a:pt x="1572615" y="109243"/>
+                  <a:pt x="1524825" y="137459"/>
+                  <a:pt x="1498276" y="183309"/>
+                </a:cubicBezTo>
+                <a:cubicBezTo>
+                  <a:pt x="1089410" y="890450"/>
+                  <a:pt x="1089410" y="890450"/>
+                  <a:pt x="1089410" y="890450"/>
+                </a:cubicBezTo>
+                <a:cubicBezTo>
+                  <a:pt x="1062860" y="934537"/>
+                  <a:pt x="1062860" y="990967"/>
+                  <a:pt x="1089410" y="1035054"/>
+                </a:cubicBezTo>
+                <a:cubicBezTo>
+                  <a:pt x="1498276" y="1742196"/>
+                  <a:pt x="1498276" y="1742196"/>
+                  <a:pt x="1498276" y="1742196"/>
+                </a:cubicBezTo>
+                <a:cubicBezTo>
+                  <a:pt x="1511551" y="1765121"/>
+                  <a:pt x="1530135" y="1783637"/>
+                  <a:pt x="1552039" y="1796422"/>
+                </a:cubicBezTo>
+                <a:lnTo>
+                  <a:pt x="1558260" y="1799029"/>
+                </a:lnTo>
+                <a:lnTo>
+                  <a:pt x="1524911" y="1856707"/>
+                </a:lnTo>
+                <a:lnTo>
+                  <a:pt x="1500108" y="1899604"/>
+                </a:lnTo>
+                <a:lnTo>
+                  <a:pt x="1525834" y="1910390"/>
+                </a:lnTo>
+                <a:cubicBezTo>
+                  <a:pt x="1539779" y="1914181"/>
+                  <a:pt x="1554378" y="1916170"/>
+                  <a:pt x="1569352" y="1916170"/>
+                </a:cubicBezTo>
+                <a:cubicBezTo>
+                  <a:pt x="2493745" y="1916170"/>
+                  <a:pt x="2493745" y="1916170"/>
+                  <a:pt x="2493745" y="1916170"/>
+                </a:cubicBezTo>
+                <a:cubicBezTo>
+                  <a:pt x="2551645" y="1916170"/>
+                  <a:pt x="2607546" y="1884345"/>
+                  <a:pt x="2635498" y="1832627"/>
+                </a:cubicBezTo>
+                <a:cubicBezTo>
+                  <a:pt x="3098693" y="1034974"/>
+                  <a:pt x="3098693" y="1034974"/>
+                  <a:pt x="3098693" y="1034974"/>
+                </a:cubicBezTo>
+                <a:cubicBezTo>
+                  <a:pt x="3128641" y="985246"/>
+                  <a:pt x="3128641" y="921593"/>
+                  <a:pt x="3098693" y="871863"/>
+                </a:cubicBezTo>
+                <a:cubicBezTo>
+                  <a:pt x="3040794" y="772157"/>
+                  <a:pt x="2990132" y="684914"/>
+                  <a:pt x="2945803" y="608576"/>
+                </a:cubicBezTo>
+                <a:lnTo>
+                  <a:pt x="2923422" y="570035"/>
+                </a:lnTo>
+                <a:lnTo>
+                  <a:pt x="3027104" y="570035"/>
+                </a:lnTo>
+                <a:cubicBezTo>
+                  <a:pt x="3349535" y="570035"/>
+                  <a:pt x="3865424" y="570035"/>
+                  <a:pt x="4690846" y="570035"/>
+                </a:cubicBezTo>
+                <a:cubicBezTo>
+                  <a:pt x="4828714" y="570035"/>
+                  <a:pt x="4961827" y="645819"/>
+                  <a:pt x="5028384" y="768968"/>
+                </a:cubicBezTo>
+                <a:cubicBezTo>
+                  <a:pt x="5028384" y="768968"/>
+                  <a:pt x="5028384" y="768968"/>
+                  <a:pt x="6131323" y="2668304"/>
+                </a:cubicBezTo>
+                <a:cubicBezTo>
+                  <a:pt x="6202634" y="2786717"/>
+                  <a:pt x="6202634" y="2938285"/>
+                  <a:pt x="6131323" y="3056698"/>
+                </a:cubicBezTo>
+                <a:cubicBezTo>
+                  <a:pt x="6131323" y="3056698"/>
+                  <a:pt x="6131323" y="3056698"/>
+                  <a:pt x="5028384" y="4956035"/>
+                </a:cubicBezTo>
+                <a:cubicBezTo>
+                  <a:pt x="4961827" y="5079184"/>
+                  <a:pt x="4828714" y="5154967"/>
+                  <a:pt x="4690846" y="5154967"/>
+                </a:cubicBezTo>
+                <a:cubicBezTo>
+                  <a:pt x="4690846" y="5154967"/>
+                  <a:pt x="4690846" y="5154967"/>
+                  <a:pt x="2489721" y="5154967"/>
+                </a:cubicBezTo>
+                <a:cubicBezTo>
+                  <a:pt x="2347099" y="5154967"/>
+                  <a:pt x="2218739" y="5079184"/>
+                  <a:pt x="2147429" y="4956035"/>
+                </a:cubicBezTo>
+                <a:cubicBezTo>
+                  <a:pt x="2147429" y="4956035"/>
+                  <a:pt x="2147429" y="4956035"/>
+                  <a:pt x="1049243" y="3056698"/>
+                </a:cubicBezTo>
+                <a:cubicBezTo>
+                  <a:pt x="977932" y="2938285"/>
+                  <a:pt x="977932" y="2786717"/>
+                  <a:pt x="1049243" y="2668304"/>
+                </a:cubicBezTo>
+                <a:cubicBezTo>
+                  <a:pt x="1049243" y="2668304"/>
+                  <a:pt x="1049243" y="2668304"/>
+                  <a:pt x="1457007" y="1963067"/>
+                </a:cubicBezTo>
+                <a:lnTo>
+                  <a:pt x="1491373" y="1903634"/>
+                </a:lnTo>
+                <a:lnTo>
+                  <a:pt x="1490164" y="1903127"/>
+                </a:lnTo>
+                <a:cubicBezTo>
+                  <a:pt x="1465456" y="1888705"/>
+                  <a:pt x="1444493" y="1867820"/>
+                  <a:pt x="1429519" y="1841960"/>
+                </a:cubicBezTo>
+                <a:cubicBezTo>
+                  <a:pt x="1429519" y="1841960"/>
+                  <a:pt x="1429519" y="1841960"/>
+                  <a:pt x="968320" y="1044307"/>
+                </a:cubicBezTo>
+                <a:cubicBezTo>
+                  <a:pt x="938371" y="994579"/>
+                  <a:pt x="938371" y="930926"/>
+                  <a:pt x="968320" y="881196"/>
+                </a:cubicBezTo>
+                <a:cubicBezTo>
+                  <a:pt x="968320" y="881196"/>
+                  <a:pt x="968320" y="881196"/>
+                  <a:pt x="1429519" y="83546"/>
+                </a:cubicBezTo>
+                <a:cubicBezTo>
+                  <a:pt x="1459466" y="31828"/>
+                  <a:pt x="1513373" y="0"/>
+                  <a:pt x="1573268" y="0"/>
+                </a:cubicBezTo>
+                <a:close/>
+              </a:path>
+            </a:pathLst>
+          </a:custGeom>
+          <a:solidFill>
+            <a:schemeClr val="tx1">
+              <a:lumMod val="50000"/>
+              <a:lumOff val="50000"/>
+              <a:alpha val="15000"/>
+            </a:schemeClr>
+          </a:solidFill>
+          <a:ln>
+            <a:noFill/>
+          </a:ln>
+        </p:spPr>
+        <p:style>
+          <a:lnRef idx="2">
+            <a:schemeClr val="accent1">
+              <a:shade val="50000"/>
+            </a:schemeClr>
+          </a:lnRef>
+          <a:fillRef idx="1">
+            <a:schemeClr val="accent1"/>
+          </a:fillRef>
+          <a:effectRef idx="0">
+            <a:schemeClr val="accent1"/>
+          </a:effectRef>
+          <a:fontRef idx="minor">
+            <a:schemeClr val="lt1"/>
+          </a:fontRef>
+        </p:style>
+        <p:txBody>
+          <a:bodyPr wrap="square" rtlCol="0" anchor="ctr">
+            <a:noAutofit/>
+          </a:bodyPr>
+          <a:lstStyle/>
+          <a:p>
+            <a:pPr algn="ctr"/>
+            <a:endParaRPr lang="en-US"/>
+          </a:p>
+        </p:txBody>
+      </p:sp>
+      <p:pic>
+        <p:nvPicPr>
           <p:cNvPr id="7" name="Imagem 6" descr="Ícone&#10;&#10;Descrição gerada automaticamente">
             <a:extLst>
               <a:ext uri="{FF2B5EF4-FFF2-40B4-BE49-F238E27FC236}">
@@ -21929,7 +22812,7 @@
 </p:sld>
 </file>
 
-<file path=ppt/slides/slide46.xml><?xml version="1.0" encoding="utf-8"?>
+<file path=ppt/slides/slide47.xml><?xml version="1.0" encoding="utf-8"?>
 <p:sld xmlns:a="http://schemas.openxmlformats.org/drawingml/2006/main" xmlns:r="http://schemas.openxmlformats.org/officeDocument/2006/relationships" xmlns:p="http://schemas.openxmlformats.org/presentationml/2006/main">
   <p:cSld>
     <p:spTree>

--- a/obras/obras-devtools.pptx
+++ b/obras/obras-devtools.pptx
@@ -5,7 +5,7 @@
     <p:sldMasterId id="2147483648" r:id="rId1"/>
   </p:sldMasterIdLst>
   <p:notesMasterIdLst>
-    <p:notesMasterId r:id="rId49"/>
+    <p:notesMasterId r:id="rId52"/>
   </p:notesMasterIdLst>
   <p:sldIdLst>
     <p:sldId id="256" r:id="rId2"/>
@@ -27,34 +27,37 @@
     <p:sldId id="287" r:id="rId18"/>
     <p:sldId id="302" r:id="rId19"/>
     <p:sldId id="303" r:id="rId20"/>
-    <p:sldId id="301" r:id="rId21"/>
-    <p:sldId id="262" r:id="rId22"/>
-    <p:sldId id="299" r:id="rId23"/>
-    <p:sldId id="298" r:id="rId24"/>
-    <p:sldId id="317" r:id="rId25"/>
-    <p:sldId id="288" r:id="rId26"/>
-    <p:sldId id="263" r:id="rId27"/>
-    <p:sldId id="304" r:id="rId28"/>
-    <p:sldId id="289" r:id="rId29"/>
-    <p:sldId id="300" r:id="rId30"/>
-    <p:sldId id="305" r:id="rId31"/>
-    <p:sldId id="290" r:id="rId32"/>
-    <p:sldId id="280" r:id="rId33"/>
-    <p:sldId id="281" r:id="rId34"/>
-    <p:sldId id="294" r:id="rId35"/>
-    <p:sldId id="295" r:id="rId36"/>
-    <p:sldId id="310" r:id="rId37"/>
-    <p:sldId id="306" r:id="rId38"/>
-    <p:sldId id="308" r:id="rId39"/>
-    <p:sldId id="311" r:id="rId40"/>
-    <p:sldId id="313" r:id="rId41"/>
-    <p:sldId id="314" r:id="rId42"/>
-    <p:sldId id="315" r:id="rId43"/>
-    <p:sldId id="316" r:id="rId44"/>
-    <p:sldId id="309" r:id="rId45"/>
-    <p:sldId id="312" r:id="rId46"/>
-    <p:sldId id="296" r:id="rId47"/>
-    <p:sldId id="297" r:id="rId48"/>
+    <p:sldId id="318" r:id="rId21"/>
+    <p:sldId id="319" r:id="rId22"/>
+    <p:sldId id="320" r:id="rId23"/>
+    <p:sldId id="301" r:id="rId24"/>
+    <p:sldId id="262" r:id="rId25"/>
+    <p:sldId id="299" r:id="rId26"/>
+    <p:sldId id="298" r:id="rId27"/>
+    <p:sldId id="317" r:id="rId28"/>
+    <p:sldId id="288" r:id="rId29"/>
+    <p:sldId id="263" r:id="rId30"/>
+    <p:sldId id="304" r:id="rId31"/>
+    <p:sldId id="289" r:id="rId32"/>
+    <p:sldId id="300" r:id="rId33"/>
+    <p:sldId id="305" r:id="rId34"/>
+    <p:sldId id="290" r:id="rId35"/>
+    <p:sldId id="280" r:id="rId36"/>
+    <p:sldId id="281" r:id="rId37"/>
+    <p:sldId id="294" r:id="rId38"/>
+    <p:sldId id="295" r:id="rId39"/>
+    <p:sldId id="310" r:id="rId40"/>
+    <p:sldId id="306" r:id="rId41"/>
+    <p:sldId id="308" r:id="rId42"/>
+    <p:sldId id="311" r:id="rId43"/>
+    <p:sldId id="313" r:id="rId44"/>
+    <p:sldId id="314" r:id="rId45"/>
+    <p:sldId id="315" r:id="rId46"/>
+    <p:sldId id="316" r:id="rId47"/>
+    <p:sldId id="309" r:id="rId48"/>
+    <p:sldId id="312" r:id="rId49"/>
+    <p:sldId id="296" r:id="rId50"/>
+    <p:sldId id="297" r:id="rId51"/>
   </p:sldIdLst>
   <p:sldSz cx="12192000" cy="6858000"/>
   <p:notesSz cx="6858000" cy="9144000"/>
@@ -575,7 +578,7 @@
           <a:p>
             <a:fld id="{E0A443AD-DFAD-4E1D-BCCD-C3C5CA1AD359}" type="slidenum">
               <a:rPr lang="pt-BR" smtClean="0"/>
-              <a:t>40</a:t>
+              <a:t>43</a:t>
             </a:fld>
             <a:endParaRPr lang="pt-BR"/>
           </a:p>
@@ -659,7 +662,7 @@
           <a:p>
             <a:fld id="{E0A443AD-DFAD-4E1D-BCCD-C3C5CA1AD359}" type="slidenum">
               <a:rPr lang="pt-BR" smtClean="0"/>
-              <a:t>42</a:t>
+              <a:t>45</a:t>
             </a:fld>
             <a:endParaRPr lang="pt-BR"/>
           </a:p>
@@ -7355,7 +7358,7 @@
       </p:grpSpPr>
       <p:sp useBgFill="1">
         <p:nvSpPr>
-          <p:cNvPr id="25" name="Rectangle 24">
+          <p:cNvPr id="71" name="Rectangle 70">
             <a:extLst>
               <a:ext uri="{FF2B5EF4-FFF2-40B4-BE49-F238E27FC236}">
                 <a16:creationId xmlns:a16="http://schemas.microsoft.com/office/drawing/2014/main" id="{3E443FD7-A66B-4AA0-872D-B088B9BC5F17}"/>
@@ -7443,18 +7446,9 @@
           <a:p>
             <a:pPr algn="l"/>
             <a:r>
-              <a:rPr lang="pt-BR" b="1" dirty="0" err="1"/>
-              <a:t>Minitest</a:t>
-            </a:r>
-            <a:r>
               <a:rPr lang="pt-BR" b="1" dirty="0"/>
-              <a:t> e </a:t>
-            </a:r>
-            <a:r>
-              <a:rPr lang="pt-BR" b="1" dirty="0" err="1"/>
-              <a:t>RSpec</a:t>
-            </a:r>
-            <a:endParaRPr lang="pt-BR" b="1" dirty="0"/>
+              <a:t>Serviços</a:t>
+            </a:r>
           </a:p>
         </p:txBody>
       </p:sp>
@@ -7488,15 +7482,16 @@
           <a:p>
             <a:pPr algn="l"/>
             <a:r>
-              <a:rPr lang="pt-BR" b="1" dirty="0"/>
-              <a:t>Teste Automático</a:t>
-            </a:r>
+              <a:rPr lang="pt-BR" dirty="0"/>
+              <a:t>Manuseio com Serviços.</a:t>
+            </a:r>
+            <a:endParaRPr lang="pt-BR" b="1" dirty="0"/>
           </a:p>
         </p:txBody>
       </p:sp>
       <p:sp>
         <p:nvSpPr>
-          <p:cNvPr id="27" name="Freeform: Shape 26">
+          <p:cNvPr id="73" name="Freeform: Shape 72">
             <a:extLst>
               <a:ext uri="{FF2B5EF4-FFF2-40B4-BE49-F238E27FC236}">
                 <a16:creationId xmlns:a16="http://schemas.microsoft.com/office/drawing/2014/main" id="{C04BE0EF-3561-49B4-9A29-F283168A91C7}"/>
@@ -8270,15 +8265,15 @@
       </p:sp>
       <p:pic>
         <p:nvPicPr>
-          <p:cNvPr id="6" name="Imagem 5" descr="Tela de celular com texto preto sobre fundo branco&#10;&#10;Descrição gerada automaticamente com confiança média">
+          <p:cNvPr id="1026" name="Picture 2" descr="Services Logo - LogoDix">
             <a:extLst>
               <a:ext uri="{FF2B5EF4-FFF2-40B4-BE49-F238E27FC236}">
-                <a16:creationId xmlns:a16="http://schemas.microsoft.com/office/drawing/2014/main" id="{76C8384A-50D3-45A5-9A25-3C913814D2F7}"/>
+                <a16:creationId xmlns:a16="http://schemas.microsoft.com/office/drawing/2014/main" id="{A74636A2-1191-4F30-B233-83997DDCAEE6}"/>
               </a:ext>
             </a:extLst>
           </p:cNvPr>
           <p:cNvPicPr>
-            <a:picLocks noChangeAspect="1"/>
+            <a:picLocks noChangeAspect="1" noChangeArrowheads="1"/>
           </p:cNvPicPr>
           <p:nvPr/>
         </p:nvPicPr>
@@ -8294,20 +8289,30 @@
             <a:fillRect/>
           </a:stretch>
         </p:blipFill>
-        <p:spPr>
+        <p:spPr bwMode="auto">
           <a:xfrm>
-            <a:off x="7531503" y="2129307"/>
-            <a:ext cx="3217333" cy="3217333"/>
+            <a:off x="7531503" y="2340173"/>
+            <a:ext cx="3217333" cy="2795601"/>
           </a:xfrm>
           <a:prstGeom prst="rect">
             <a:avLst/>
           </a:prstGeom>
+          <a:noFill/>
+          <a:extLst>
+            <a:ext uri="{909E8E84-426E-40DD-AFC4-6F175D3DCCD1}">
+              <a14:hiddenFill xmlns:a14="http://schemas.microsoft.com/office/drawing/2010/main">
+                <a:solidFill>
+                  <a:srgbClr val="FFFFFF"/>
+                </a:solidFill>
+              </a14:hiddenFill>
+            </a:ext>
+          </a:extLst>
         </p:spPr>
       </p:pic>
     </p:spTree>
     <p:extLst>
       <p:ext uri="{BB962C8B-B14F-4D97-AF65-F5344CB8AC3E}">
-        <p14:creationId xmlns:p14="http://schemas.microsoft.com/office/powerpoint/2010/main" val="1944302417"/>
+        <p14:creationId xmlns:p14="http://schemas.microsoft.com/office/powerpoint/2010/main" val="3495621091"/>
       </p:ext>
     </p:extLst>
   </p:cSld>
@@ -8339,7 +8344,7 @@
           <p:cNvPr id="2" name="Título 1">
             <a:extLst>
               <a:ext uri="{FF2B5EF4-FFF2-40B4-BE49-F238E27FC236}">
-                <a16:creationId xmlns:a16="http://schemas.microsoft.com/office/drawing/2014/main" id="{3C690A0D-D278-4A38-871F-02B62CEF2414}"/>
+                <a16:creationId xmlns:a16="http://schemas.microsoft.com/office/drawing/2014/main" id="{9A0CB290-6B69-45F0-908B-3D50CD709B01}"/>
               </a:ext>
             </a:extLst>
           </p:cNvPr>
@@ -8358,8 +8363,8 @@
           <a:lstStyle/>
           <a:p>
             <a:r>
-              <a:rPr lang="pt-BR" sz="4400" b="1" dirty="0"/>
-              <a:t>Teste Automático</a:t>
+              <a:rPr lang="pt-BR" b="1" dirty="0"/>
+              <a:t>Serviços</a:t>
             </a:r>
             <a:br>
               <a:rPr lang="pt-BR" dirty="0"/>
@@ -8373,7 +8378,7 @@
           <p:cNvPr id="9" name="Espaço Reservado para Texto 8">
             <a:extLst>
               <a:ext uri="{FF2B5EF4-FFF2-40B4-BE49-F238E27FC236}">
-                <a16:creationId xmlns:a16="http://schemas.microsoft.com/office/drawing/2014/main" id="{ED66AEF4-DAFB-4C0D-93C5-4F751255A23A}"/>
+                <a16:creationId xmlns:a16="http://schemas.microsoft.com/office/drawing/2014/main" id="{E1E67D10-0AC5-4E4A-9AA4-CAD40D4E41A0}"/>
               </a:ext>
             </a:extLst>
           </p:cNvPr>
@@ -8392,64 +8397,101 @@
           <a:lstStyle/>
           <a:p>
             <a:r>
-              <a:rPr lang="pt-BR" sz="2400" dirty="0"/>
-              <a:t>Site </a:t>
-            </a:r>
-            <a:r>
-              <a:rPr lang="pt-BR" sz="2400" b="1" dirty="0"/>
-              <a:t>Demo</a:t>
-            </a:r>
-            <a:r>
-              <a:rPr lang="pt-BR" sz="2400" dirty="0"/>
-              <a:t> deve ser preparado para teste com o comando.</a:t>
+              <a:rPr lang="pt-BR" sz="1400" b="1" dirty="0">
+                <a:latin typeface="Courier New" panose="02070309020205020404" pitchFamily="49" charset="0"/>
+                <a:cs typeface="Courier New" panose="02070309020205020404" pitchFamily="49" charset="0"/>
+              </a:rPr>
+              <a:t>$ site </a:t>
+            </a:r>
+            <a:r>
+              <a:rPr lang="pt-BR" sz="1400" b="1" dirty="0" err="1">
+                <a:latin typeface="Courier New" panose="02070309020205020404" pitchFamily="49" charset="0"/>
+                <a:cs typeface="Courier New" panose="02070309020205020404" pitchFamily="49" charset="0"/>
+              </a:rPr>
+              <a:t>services</a:t>
+            </a:r>
+            <a:r>
+              <a:rPr lang="pt-BR" sz="1400" b="1" dirty="0">
+                <a:latin typeface="Courier New" panose="02070309020205020404" pitchFamily="49" charset="0"/>
+                <a:cs typeface="Courier New" panose="02070309020205020404" pitchFamily="49" charset="0"/>
+              </a:rPr>
+              <a:t> </a:t>
+            </a:r>
+            <a:r>
+              <a:rPr lang="pt-BR" sz="1400" b="1" dirty="0" err="1">
+                <a:latin typeface="Courier New" panose="02070309020205020404" pitchFamily="49" charset="0"/>
+                <a:cs typeface="Courier New" panose="02070309020205020404" pitchFamily="49" charset="0"/>
+              </a:rPr>
+              <a:t>disable</a:t>
+            </a:r>
+            <a:r>
+              <a:rPr lang="pt-BR" sz="1400" b="1" dirty="0">
+                <a:latin typeface="Courier New" panose="02070309020205020404" pitchFamily="49" charset="0"/>
+                <a:cs typeface="Courier New" panose="02070309020205020404" pitchFamily="49" charset="0"/>
+              </a:rPr>
+              <a:t> </a:t>
+            </a:r>
+            <a:r>
+              <a:rPr lang="pt-BR" sz="1400" b="1" dirty="0" err="1">
+                <a:latin typeface="Courier New" panose="02070309020205020404" pitchFamily="49" charset="0"/>
+                <a:cs typeface="Courier New" panose="02070309020205020404" pitchFamily="49" charset="0"/>
+              </a:rPr>
+              <a:t>ngrok</a:t>
             </a:r>
             <a:br>
-              <a:rPr lang="pt-BR" sz="2400" dirty="0"/>
+              <a:rPr lang="pt-BR" sz="1400" b="1" dirty="0">
+                <a:latin typeface="Courier New" panose="02070309020205020404" pitchFamily="49" charset="0"/>
+                <a:cs typeface="Courier New" panose="02070309020205020404" pitchFamily="49" charset="0"/>
+              </a:rPr>
+            </a:br>
+            <a:r>
+              <a:rPr lang="pt-BR" sz="1400" b="1" dirty="0">
+                <a:latin typeface="Courier New" panose="02070309020205020404" pitchFamily="49" charset="0"/>
+                <a:cs typeface="Courier New" panose="02070309020205020404" pitchFamily="49" charset="0"/>
+              </a:rPr>
+              <a:t>:</a:t>
+            </a:r>
+            <a:br>
+              <a:rPr lang="pt-BR" sz="1400" b="1" dirty="0">
+                <a:latin typeface="Courier New" panose="02070309020205020404" pitchFamily="49" charset="0"/>
+                <a:cs typeface="Courier New" panose="02070309020205020404" pitchFamily="49" charset="0"/>
+              </a:rPr>
+            </a:br>
+            <a:r>
+              <a:rPr lang="pt-BR" sz="1400" b="1" dirty="0">
+                <a:latin typeface="Courier New" panose="02070309020205020404" pitchFamily="49" charset="0"/>
+                <a:cs typeface="Courier New" panose="02070309020205020404" pitchFamily="49" charset="0"/>
+              </a:rPr>
+              <a:t>$ site </a:t>
+            </a:r>
+            <a:br>
+              <a:rPr lang="pt-BR" sz="1400" b="1" dirty="0">
+                <a:latin typeface="Courier New" panose="02070309020205020404" pitchFamily="49" charset="0"/>
+                <a:cs typeface="Courier New" panose="02070309020205020404" pitchFamily="49" charset="0"/>
+              </a:rPr>
             </a:br>
             <a:br>
-              <a:rPr lang="pt-BR" sz="2400" dirty="0"/>
+              <a:rPr lang="pt-BR" sz="2000" b="1" dirty="0">
+                <a:latin typeface="Courier New" panose="02070309020205020404" pitchFamily="49" charset="0"/>
+                <a:cs typeface="Courier New" panose="02070309020205020404" pitchFamily="49" charset="0"/>
+              </a:rPr>
             </a:br>
-            <a:r>
-              <a:rPr lang="pt-BR" sz="2000" b="1" dirty="0">
-                <a:latin typeface="Courier New" panose="02070309020205020404" pitchFamily="49" charset="0"/>
-                <a:cs typeface="Courier New" panose="02070309020205020404" pitchFamily="49" charset="0"/>
-              </a:rPr>
-              <a:t>$ site </a:t>
-            </a:r>
-            <a:r>
-              <a:rPr lang="pt-BR" sz="2000" b="1" dirty="0" err="1">
-                <a:latin typeface="Courier New" panose="02070309020205020404" pitchFamily="49" charset="0"/>
-                <a:cs typeface="Courier New" panose="02070309020205020404" pitchFamily="49" charset="0"/>
-              </a:rPr>
-              <a:t>db</a:t>
-            </a:r>
-            <a:r>
-              <a:rPr lang="pt-BR" sz="2000" b="1" dirty="0">
-                <a:latin typeface="Courier New" panose="02070309020205020404" pitchFamily="49" charset="0"/>
-                <a:cs typeface="Courier New" panose="02070309020205020404" pitchFamily="49" charset="0"/>
-              </a:rPr>
-              <a:t> </a:t>
-            </a:r>
-            <a:r>
-              <a:rPr lang="pt-BR" sz="2000" b="1" dirty="0" err="1">
-                <a:latin typeface="Courier New" panose="02070309020205020404" pitchFamily="49" charset="0"/>
-                <a:cs typeface="Courier New" panose="02070309020205020404" pitchFamily="49" charset="0"/>
-              </a:rPr>
-              <a:t>preptest</a:t>
-            </a:r>
-            <a:endParaRPr lang="pt-BR" sz="2000" b="1" dirty="0">
-              <a:latin typeface="Courier New" panose="02070309020205020404" pitchFamily="49" charset="0"/>
-              <a:cs typeface="Courier New" panose="02070309020205020404" pitchFamily="49" charset="0"/>
-            </a:endParaRPr>
+            <a:br>
+              <a:rPr lang="pt-BR" sz="2400" b="1" dirty="0">
+                <a:latin typeface="Courier New" panose="02070309020205020404" pitchFamily="49" charset="0"/>
+                <a:cs typeface="Courier New" panose="02070309020205020404" pitchFamily="49" charset="0"/>
+              </a:rPr>
+            </a:br>
+            <a:endParaRPr lang="pt-BR" sz="2400" dirty="0"/>
           </a:p>
         </p:txBody>
       </p:sp>
       <p:pic>
         <p:nvPicPr>
-          <p:cNvPr id="15" name="Espaço Reservado para Imagem 14">
+          <p:cNvPr id="6" name="Espaço Reservado para Imagem 5">
             <a:extLst>
               <a:ext uri="{FF2B5EF4-FFF2-40B4-BE49-F238E27FC236}">
-                <a16:creationId xmlns:a16="http://schemas.microsoft.com/office/drawing/2014/main" id="{D3616A01-920F-4BAC-AB39-1945B22A9E61}"/>
+                <a16:creationId xmlns:a16="http://schemas.microsoft.com/office/drawing/2014/main" id="{9DBD486D-890E-4D2C-AA14-FC58E712B0D8}"/>
               </a:ext>
             </a:extLst>
           </p:cNvPr>
@@ -8462,7 +8504,7 @@
         </p:nvPicPr>
         <p:blipFill rotWithShape="1">
           <a:blip r:embed="rId2"/>
-          <a:srcRect t="27" b="27"/>
+          <a:srcRect l="260" r="260"/>
           <a:stretch/>
         </p:blipFill>
         <p:spPr/>
@@ -8470,7 +8512,7 @@
     </p:spTree>
     <p:extLst>
       <p:ext uri="{BB962C8B-B14F-4D97-AF65-F5344CB8AC3E}">
-        <p14:creationId xmlns:p14="http://schemas.microsoft.com/office/powerpoint/2010/main" val="4124271106"/>
+        <p14:creationId xmlns:p14="http://schemas.microsoft.com/office/powerpoint/2010/main" val="4070850538"/>
       </p:ext>
     </p:extLst>
   </p:cSld>
@@ -8502,7 +8544,7 @@
           <p:cNvPr id="2" name="Título 1">
             <a:extLst>
               <a:ext uri="{FF2B5EF4-FFF2-40B4-BE49-F238E27FC236}">
-                <a16:creationId xmlns:a16="http://schemas.microsoft.com/office/drawing/2014/main" id="{3C690A0D-D278-4A38-871F-02B62CEF2414}"/>
+                <a16:creationId xmlns:a16="http://schemas.microsoft.com/office/drawing/2014/main" id="{9A0CB290-6B69-45F0-908B-3D50CD709B01}"/>
               </a:ext>
             </a:extLst>
           </p:cNvPr>
@@ -8521,8 +8563,8 @@
           <a:lstStyle/>
           <a:p>
             <a:r>
-              <a:rPr lang="pt-BR" sz="4400" b="1" dirty="0"/>
-              <a:t>Teste Automático</a:t>
+              <a:rPr lang="pt-BR" b="1" dirty="0"/>
+              <a:t>Serviços</a:t>
             </a:r>
             <a:br>
               <a:rPr lang="pt-BR" dirty="0"/>
@@ -8536,7 +8578,7 @@
           <p:cNvPr id="9" name="Espaço Reservado para Texto 8">
             <a:extLst>
               <a:ext uri="{FF2B5EF4-FFF2-40B4-BE49-F238E27FC236}">
-                <a16:creationId xmlns:a16="http://schemas.microsoft.com/office/drawing/2014/main" id="{ED66AEF4-DAFB-4C0D-93C5-4F751255A23A}"/>
+                <a16:creationId xmlns:a16="http://schemas.microsoft.com/office/drawing/2014/main" id="{E1E67D10-0AC5-4E4A-9AA4-CAD40D4E41A0}"/>
               </a:ext>
             </a:extLst>
           </p:cNvPr>
@@ -8555,122 +8597,88 @@
           <a:lstStyle/>
           <a:p>
             <a:r>
-              <a:rPr lang="pt-BR" sz="2400" dirty="0"/>
-              <a:t>A pasta </a:t>
-            </a:r>
-            <a:r>
-              <a:rPr lang="pt-BR" sz="2400" b="1" dirty="0" err="1"/>
-              <a:t>test</a:t>
-            </a:r>
-            <a:r>
-              <a:rPr lang="pt-BR" sz="2400" dirty="0"/>
-              <a:t> é relacionada ao </a:t>
-            </a:r>
-            <a:r>
-              <a:rPr lang="pt-BR" sz="2400" b="1" dirty="0" err="1"/>
-              <a:t>Minitest</a:t>
-            </a:r>
-            <a:r>
-              <a:rPr lang="pt-BR" sz="2400" dirty="0"/>
-              <a:t> e </a:t>
-            </a:r>
-            <a:r>
-              <a:rPr lang="pt-BR" sz="2400" b="1" dirty="0" err="1"/>
-              <a:t>spec</a:t>
-            </a:r>
-            <a:r>
-              <a:rPr lang="pt-BR" sz="2400" dirty="0"/>
-              <a:t> a </a:t>
-            </a:r>
-            <a:r>
-              <a:rPr lang="pt-BR" sz="2400" b="1" dirty="0" err="1"/>
-              <a:t>RSpec</a:t>
-            </a:r>
-            <a:r>
-              <a:rPr lang="pt-BR" sz="2400" dirty="0"/>
-              <a:t>.</a:t>
+              <a:rPr lang="pt-BR" sz="1400" b="1" dirty="0">
+                <a:latin typeface="Courier New" panose="02070309020205020404" pitchFamily="49" charset="0"/>
+                <a:cs typeface="Courier New" panose="02070309020205020404" pitchFamily="49" charset="0"/>
+              </a:rPr>
+              <a:t>$ site </a:t>
+            </a:r>
+            <a:r>
+              <a:rPr lang="pt-BR" sz="1400" b="1" dirty="0" err="1">
+                <a:latin typeface="Courier New" panose="02070309020205020404" pitchFamily="49" charset="0"/>
+                <a:cs typeface="Courier New" panose="02070309020205020404" pitchFamily="49" charset="0"/>
+              </a:rPr>
+              <a:t>services</a:t>
+            </a:r>
+            <a:r>
+              <a:rPr lang="pt-BR" sz="1400" b="1" dirty="0">
+                <a:latin typeface="Courier New" panose="02070309020205020404" pitchFamily="49" charset="0"/>
+                <a:cs typeface="Courier New" panose="02070309020205020404" pitchFamily="49" charset="0"/>
+              </a:rPr>
+              <a:t> start</a:t>
             </a:r>
             <a:br>
-              <a:rPr lang="pt-BR" sz="2400" dirty="0"/>
+              <a:rPr lang="pt-BR" sz="1400" b="1" dirty="0">
+                <a:latin typeface="Courier New" panose="02070309020205020404" pitchFamily="49" charset="0"/>
+                <a:cs typeface="Courier New" panose="02070309020205020404" pitchFamily="49" charset="0"/>
+              </a:rPr>
+            </a:br>
+            <a:r>
+              <a:rPr lang="pt-BR" sz="1400" b="1" dirty="0">
+                <a:latin typeface="Courier New" panose="02070309020205020404" pitchFamily="49" charset="0"/>
+                <a:cs typeface="Courier New" panose="02070309020205020404" pitchFamily="49" charset="0"/>
+              </a:rPr>
+              <a:t>:</a:t>
+            </a:r>
+            <a:br>
+              <a:rPr lang="pt-BR" sz="1400" b="1" dirty="0">
+                <a:latin typeface="Courier New" panose="02070309020205020404" pitchFamily="49" charset="0"/>
+                <a:cs typeface="Courier New" panose="02070309020205020404" pitchFamily="49" charset="0"/>
+              </a:rPr>
+            </a:br>
+            <a:r>
+              <a:rPr lang="pt-BR" sz="1400" b="1" dirty="0">
+                <a:latin typeface="Courier New" panose="02070309020205020404" pitchFamily="49" charset="0"/>
+                <a:cs typeface="Courier New" panose="02070309020205020404" pitchFamily="49" charset="0"/>
+              </a:rPr>
+              <a:t>$ site </a:t>
+            </a:r>
+            <a:r>
+              <a:rPr lang="pt-BR" sz="1400" b="1" dirty="0" err="1">
+                <a:latin typeface="Courier New" panose="02070309020205020404" pitchFamily="49" charset="0"/>
+                <a:cs typeface="Courier New" panose="02070309020205020404" pitchFamily="49" charset="0"/>
+              </a:rPr>
+              <a:t>services</a:t>
+            </a:r>
+            <a:r>
+              <a:rPr lang="pt-BR" sz="1400" b="1" dirty="0">
+                <a:latin typeface="Courier New" panose="02070309020205020404" pitchFamily="49" charset="0"/>
+                <a:cs typeface="Courier New" panose="02070309020205020404" pitchFamily="49" charset="0"/>
+              </a:rPr>
+              <a:t> stop</a:t>
+            </a:r>
+            <a:br>
+              <a:rPr lang="pt-BR" sz="2000" b="1" dirty="0">
+                <a:latin typeface="Courier New" panose="02070309020205020404" pitchFamily="49" charset="0"/>
+                <a:cs typeface="Courier New" panose="02070309020205020404" pitchFamily="49" charset="0"/>
+              </a:rPr>
             </a:br>
             <a:br>
-              <a:rPr lang="pt-BR" sz="2400" dirty="0"/>
+              <a:rPr lang="pt-BR" sz="2400" b="1" dirty="0">
+                <a:latin typeface="Courier New" panose="02070309020205020404" pitchFamily="49" charset="0"/>
+                <a:cs typeface="Courier New" panose="02070309020205020404" pitchFamily="49" charset="0"/>
+              </a:rPr>
             </a:br>
-            <a:r>
-              <a:rPr lang="pt-BR" sz="2000" b="1" dirty="0">
-                <a:latin typeface="Courier New" panose="02070309020205020404" pitchFamily="49" charset="0"/>
-                <a:cs typeface="Courier New" panose="02070309020205020404" pitchFamily="49" charset="0"/>
-              </a:rPr>
-              <a:t>$ </a:t>
-            </a:r>
-            <a:r>
-              <a:rPr lang="pt-BR" sz="2000" b="1" dirty="0" err="1">
-                <a:latin typeface="Courier New" panose="02070309020205020404" pitchFamily="49" charset="0"/>
-                <a:cs typeface="Courier New" panose="02070309020205020404" pitchFamily="49" charset="0"/>
-              </a:rPr>
-              <a:t>tree</a:t>
-            </a:r>
-            <a:r>
-              <a:rPr lang="pt-BR" sz="2000" b="1" dirty="0">
-                <a:latin typeface="Courier New" panose="02070309020205020404" pitchFamily="49" charset="0"/>
-                <a:cs typeface="Courier New" panose="02070309020205020404" pitchFamily="49" charset="0"/>
-              </a:rPr>
-              <a:t> </a:t>
-            </a:r>
-            <a:r>
-              <a:rPr lang="pt-BR" sz="2000" b="1" dirty="0" err="1">
-                <a:latin typeface="Courier New" panose="02070309020205020404" pitchFamily="49" charset="0"/>
-                <a:cs typeface="Courier New" panose="02070309020205020404" pitchFamily="49" charset="0"/>
-              </a:rPr>
-              <a:t>test</a:t>
-            </a:r>
-            <a:br>
-              <a:rPr lang="pt-BR" sz="2000" b="1" dirty="0">
-                <a:latin typeface="Courier New" panose="02070309020205020404" pitchFamily="49" charset="0"/>
-                <a:cs typeface="Courier New" panose="02070309020205020404" pitchFamily="49" charset="0"/>
-              </a:rPr>
-            </a:br>
-            <a:r>
-              <a:rPr lang="pt-BR" sz="2000" b="1" dirty="0">
-                <a:latin typeface="Courier New" panose="02070309020205020404" pitchFamily="49" charset="0"/>
-                <a:cs typeface="Courier New" panose="02070309020205020404" pitchFamily="49" charset="0"/>
-              </a:rPr>
-              <a:t>$ </a:t>
-            </a:r>
-            <a:r>
-              <a:rPr lang="pt-BR" sz="2000" b="1" dirty="0" err="1">
-                <a:latin typeface="Courier New" panose="02070309020205020404" pitchFamily="49" charset="0"/>
-                <a:cs typeface="Courier New" panose="02070309020205020404" pitchFamily="49" charset="0"/>
-              </a:rPr>
-              <a:t>tree</a:t>
-            </a:r>
-            <a:r>
-              <a:rPr lang="pt-BR" sz="2000" b="1" dirty="0">
-                <a:latin typeface="Courier New" panose="02070309020205020404" pitchFamily="49" charset="0"/>
-                <a:cs typeface="Courier New" panose="02070309020205020404" pitchFamily="49" charset="0"/>
-              </a:rPr>
-              <a:t> </a:t>
-            </a:r>
-            <a:r>
-              <a:rPr lang="pt-BR" sz="2000" b="1" dirty="0" err="1">
-                <a:latin typeface="Courier New" panose="02070309020205020404" pitchFamily="49" charset="0"/>
-                <a:cs typeface="Courier New" panose="02070309020205020404" pitchFamily="49" charset="0"/>
-              </a:rPr>
-              <a:t>spec</a:t>
-            </a:r>
-            <a:endParaRPr lang="pt-BR" sz="2000" b="1" dirty="0">
-              <a:latin typeface="Courier New" panose="02070309020205020404" pitchFamily="49" charset="0"/>
-              <a:cs typeface="Courier New" panose="02070309020205020404" pitchFamily="49" charset="0"/>
-            </a:endParaRPr>
+            <a:endParaRPr lang="pt-BR" sz="2400" dirty="0"/>
           </a:p>
         </p:txBody>
       </p:sp>
       <p:pic>
         <p:nvPicPr>
-          <p:cNvPr id="6" name="Espaço Reservado para Imagem 5">
+          <p:cNvPr id="7" name="Espaço Reservado para Imagem 6">
             <a:extLst>
               <a:ext uri="{FF2B5EF4-FFF2-40B4-BE49-F238E27FC236}">
-                <a16:creationId xmlns:a16="http://schemas.microsoft.com/office/drawing/2014/main" id="{DA52A79D-78F5-4C30-9681-187862E356CB}"/>
+                <a16:creationId xmlns:a16="http://schemas.microsoft.com/office/drawing/2014/main" id="{8B4CE685-5816-4ED3-B965-18B9254EF4F9}"/>
               </a:ext>
             </a:extLst>
           </p:cNvPr>
@@ -8683,7 +8691,7 @@
         </p:nvPicPr>
         <p:blipFill rotWithShape="1">
           <a:blip r:embed="rId2"/>
-          <a:srcRect t="27" b="27"/>
+          <a:srcRect l="260" r="260"/>
           <a:stretch/>
         </p:blipFill>
         <p:spPr/>
@@ -8691,7 +8699,7 @@
     </p:spTree>
     <p:extLst>
       <p:ext uri="{BB962C8B-B14F-4D97-AF65-F5344CB8AC3E}">
-        <p14:creationId xmlns:p14="http://schemas.microsoft.com/office/powerpoint/2010/main" val="3064071029"/>
+        <p14:creationId xmlns:p14="http://schemas.microsoft.com/office/powerpoint/2010/main" val="392735663"/>
       </p:ext>
     </p:extLst>
   </p:cSld>
@@ -8702,355 +8710,6 @@
 </file>
 
 <file path=ppt/slides/slide23.xml><?xml version="1.0" encoding="utf-8"?>
-<p:sld xmlns:a="http://schemas.openxmlformats.org/drawingml/2006/main" xmlns:r="http://schemas.openxmlformats.org/officeDocument/2006/relationships" xmlns:p="http://schemas.openxmlformats.org/presentationml/2006/main">
-  <p:cSld>
-    <p:spTree>
-      <p:nvGrpSpPr>
-        <p:cNvPr id="1" name=""/>
-        <p:cNvGrpSpPr/>
-        <p:nvPr/>
-      </p:nvGrpSpPr>
-      <p:grpSpPr>
-        <a:xfrm>
-          <a:off x="0" y="0"/>
-          <a:ext cx="0" cy="0"/>
-          <a:chOff x="0" y="0"/>
-          <a:chExt cx="0" cy="0"/>
-        </a:xfrm>
-      </p:grpSpPr>
-      <p:sp>
-        <p:nvSpPr>
-          <p:cNvPr id="2" name="Título 1">
-            <a:extLst>
-              <a:ext uri="{FF2B5EF4-FFF2-40B4-BE49-F238E27FC236}">
-                <a16:creationId xmlns:a16="http://schemas.microsoft.com/office/drawing/2014/main" id="{3C690A0D-D278-4A38-871F-02B62CEF2414}"/>
-              </a:ext>
-            </a:extLst>
-          </p:cNvPr>
-          <p:cNvSpPr>
-            <a:spLocks noGrp="1"/>
-          </p:cNvSpPr>
-          <p:nvPr>
-            <p:ph type="title"/>
-          </p:nvPr>
-        </p:nvSpPr>
-        <p:spPr/>
-        <p:txBody>
-          <a:bodyPr>
-            <a:normAutofit fontScale="90000"/>
-          </a:bodyPr>
-          <a:lstStyle/>
-          <a:p>
-            <a:r>
-              <a:rPr lang="pt-BR" sz="4400" b="1" dirty="0"/>
-              <a:t>Teste Automático</a:t>
-            </a:r>
-            <a:br>
-              <a:rPr lang="pt-BR" dirty="0"/>
-            </a:br>
-            <a:endParaRPr lang="pt-BR" dirty="0"/>
-          </a:p>
-        </p:txBody>
-      </p:sp>
-      <p:pic>
-        <p:nvPicPr>
-          <p:cNvPr id="11" name="Espaço Reservado para Imagem 10">
-            <a:extLst>
-              <a:ext uri="{FF2B5EF4-FFF2-40B4-BE49-F238E27FC236}">
-                <a16:creationId xmlns:a16="http://schemas.microsoft.com/office/drawing/2014/main" id="{AB0259E1-4672-45F6-975F-8F206FB52830}"/>
-              </a:ext>
-            </a:extLst>
-          </p:cNvPr>
-          <p:cNvPicPr>
-            <a:picLocks noGrp="1" noChangeAspect="1"/>
-          </p:cNvPicPr>
-          <p:nvPr>
-            <p:ph type="pic" idx="1"/>
-          </p:nvPr>
-        </p:nvPicPr>
-        <p:blipFill rotWithShape="1">
-          <a:blip r:embed="rId2"/>
-          <a:srcRect t="27" b="27"/>
-          <a:stretch/>
-        </p:blipFill>
-        <p:spPr/>
-      </p:pic>
-      <p:sp>
-        <p:nvSpPr>
-          <p:cNvPr id="9" name="Espaço Reservado para Texto 8">
-            <a:extLst>
-              <a:ext uri="{FF2B5EF4-FFF2-40B4-BE49-F238E27FC236}">
-                <a16:creationId xmlns:a16="http://schemas.microsoft.com/office/drawing/2014/main" id="{ED66AEF4-DAFB-4C0D-93C5-4F751255A23A}"/>
-              </a:ext>
-            </a:extLst>
-          </p:cNvPr>
-          <p:cNvSpPr>
-            <a:spLocks noGrp="1"/>
-          </p:cNvSpPr>
-          <p:nvPr>
-            <p:ph type="body" sz="half" idx="2"/>
-          </p:nvPr>
-        </p:nvSpPr>
-        <p:spPr/>
-        <p:txBody>
-          <a:bodyPr/>
-          <a:lstStyle/>
-          <a:p>
-            <a:r>
-              <a:rPr lang="pt-BR" sz="2400" dirty="0"/>
-              <a:t>A pasta </a:t>
-            </a:r>
-            <a:r>
-              <a:rPr lang="pt-BR" sz="2400" b="1" dirty="0" err="1"/>
-              <a:t>test</a:t>
-            </a:r>
-            <a:r>
-              <a:rPr lang="pt-BR" sz="2400" dirty="0"/>
-              <a:t> é relacionada ao </a:t>
-            </a:r>
-            <a:r>
-              <a:rPr lang="pt-BR" sz="2400" b="1" dirty="0" err="1"/>
-              <a:t>Minitest</a:t>
-            </a:r>
-            <a:r>
-              <a:rPr lang="pt-BR" sz="2400" dirty="0"/>
-              <a:t> e </a:t>
-            </a:r>
-            <a:r>
-              <a:rPr lang="pt-BR" sz="2400" b="1" dirty="0" err="1"/>
-              <a:t>spec</a:t>
-            </a:r>
-            <a:r>
-              <a:rPr lang="pt-BR" sz="2400" dirty="0"/>
-              <a:t> a </a:t>
-            </a:r>
-            <a:r>
-              <a:rPr lang="pt-BR" sz="2400" b="1" dirty="0" err="1"/>
-              <a:t>RSpec</a:t>
-            </a:r>
-            <a:r>
-              <a:rPr lang="pt-BR" sz="2400" dirty="0"/>
-              <a:t>.</a:t>
-            </a:r>
-            <a:br>
-              <a:rPr lang="pt-BR" sz="1600" dirty="0"/>
-            </a:br>
-            <a:br>
-              <a:rPr lang="pt-BR" sz="1600" dirty="0"/>
-            </a:br>
-            <a:r>
-              <a:rPr lang="pt-BR" sz="2000" b="1" dirty="0">
-                <a:latin typeface="Courier New" panose="02070309020205020404" pitchFamily="49" charset="0"/>
-                <a:cs typeface="Courier New" panose="02070309020205020404" pitchFamily="49" charset="0"/>
-              </a:rPr>
-              <a:t>$ site set </a:t>
-            </a:r>
-            <a:r>
-              <a:rPr lang="pt-BR" sz="2000" b="1" dirty="0" err="1">
-                <a:latin typeface="Courier New" panose="02070309020205020404" pitchFamily="49" charset="0"/>
-                <a:cs typeface="Courier New" panose="02070309020205020404" pitchFamily="49" charset="0"/>
-              </a:rPr>
-              <a:t>coverage</a:t>
-            </a:r>
-            <a:br>
-              <a:rPr lang="pt-BR" sz="2000" b="1" dirty="0">
-                <a:latin typeface="Courier New" panose="02070309020205020404" pitchFamily="49" charset="0"/>
-                <a:cs typeface="Courier New" panose="02070309020205020404" pitchFamily="49" charset="0"/>
-              </a:rPr>
-            </a:br>
-            <a:r>
-              <a:rPr lang="pt-BR" sz="2000" b="1" dirty="0">
-                <a:latin typeface="Courier New" panose="02070309020205020404" pitchFamily="49" charset="0"/>
-                <a:cs typeface="Courier New" panose="02070309020205020404" pitchFamily="49" charset="0"/>
-              </a:rPr>
-              <a:t>$ </a:t>
-            </a:r>
-            <a:r>
-              <a:rPr lang="en-US" sz="2000" b="1" dirty="0">
-                <a:latin typeface="Courier New" panose="02070309020205020404" pitchFamily="49" charset="0"/>
-                <a:cs typeface="Courier New" panose="02070309020205020404" pitchFamily="49" charset="0"/>
-              </a:rPr>
-              <a:t>site test test/models/</a:t>
-            </a:r>
-            <a:r>
-              <a:rPr lang="en-US" sz="2000" b="1" dirty="0" err="1">
-                <a:latin typeface="Courier New" panose="02070309020205020404" pitchFamily="49" charset="0"/>
-                <a:cs typeface="Courier New" panose="02070309020205020404" pitchFamily="49" charset="0"/>
-              </a:rPr>
-              <a:t>building_purpose_in_project_creations_test.rb</a:t>
-            </a:r>
-            <a:br>
-              <a:rPr lang="en-US" sz="2000" b="1" dirty="0">
-                <a:latin typeface="Courier New" panose="02070309020205020404" pitchFamily="49" charset="0"/>
-                <a:cs typeface="Courier New" panose="02070309020205020404" pitchFamily="49" charset="0"/>
-              </a:rPr>
-            </a:br>
-            <a:r>
-              <a:rPr lang="en-US" sz="2000" b="1" dirty="0">
-                <a:latin typeface="Courier New" panose="02070309020205020404" pitchFamily="49" charset="0"/>
-                <a:cs typeface="Courier New" panose="02070309020205020404" pitchFamily="49" charset="0"/>
-              </a:rPr>
-              <a:t>$ site</a:t>
-            </a:r>
-          </a:p>
-          <a:p>
-            <a:r>
-              <a:rPr lang="en-US" sz="2000" b="1" dirty="0">
-                <a:latin typeface="Courier New" panose="02070309020205020404" pitchFamily="49" charset="0"/>
-                <a:cs typeface="Courier New" panose="02070309020205020404" pitchFamily="49" charset="0"/>
-              </a:rPr>
-              <a:t>$ </a:t>
-            </a:r>
-            <a:r>
-              <a:rPr lang="en-US" sz="2000" b="1" dirty="0" err="1">
-                <a:latin typeface="Courier New" panose="02070309020205020404" pitchFamily="49" charset="0"/>
-                <a:cs typeface="Courier New" panose="02070309020205020404" pitchFamily="49" charset="0"/>
-              </a:rPr>
-              <a:t>xdg</a:t>
-            </a:r>
-            <a:r>
-              <a:rPr lang="en-US" sz="2000" b="1" dirty="0">
-                <a:latin typeface="Courier New" panose="02070309020205020404" pitchFamily="49" charset="0"/>
-                <a:cs typeface="Courier New" panose="02070309020205020404" pitchFamily="49" charset="0"/>
-              </a:rPr>
-              <a:t>-open coverage/index.html</a:t>
-            </a:r>
-            <a:br>
-              <a:rPr lang="en-US" sz="2000" b="1" dirty="0">
-                <a:latin typeface="Courier New" panose="02070309020205020404" pitchFamily="49" charset="0"/>
-                <a:cs typeface="Courier New" panose="02070309020205020404" pitchFamily="49" charset="0"/>
-              </a:rPr>
-            </a:br>
-            <a:r>
-              <a:rPr lang="en-US" sz="2000" b="1" dirty="0">
-                <a:latin typeface="Courier New" panose="02070309020205020404" pitchFamily="49" charset="0"/>
-                <a:cs typeface="Courier New" panose="02070309020205020404" pitchFamily="49" charset="0"/>
-              </a:rPr>
-              <a:t>$ site unset coverage</a:t>
-            </a:r>
-            <a:endParaRPr lang="pt-BR" sz="2000" b="1" dirty="0">
-              <a:latin typeface="Courier New" panose="02070309020205020404" pitchFamily="49" charset="0"/>
-              <a:cs typeface="Courier New" panose="02070309020205020404" pitchFamily="49" charset="0"/>
-            </a:endParaRPr>
-          </a:p>
-          <a:p>
-            <a:endParaRPr lang="pt-BR" dirty="0"/>
-          </a:p>
-        </p:txBody>
-      </p:sp>
-    </p:spTree>
-    <p:extLst>
-      <p:ext uri="{BB962C8B-B14F-4D97-AF65-F5344CB8AC3E}">
-        <p14:creationId xmlns:p14="http://schemas.microsoft.com/office/powerpoint/2010/main" val="2255487751"/>
-      </p:ext>
-    </p:extLst>
-  </p:cSld>
-  <p:clrMapOvr>
-    <a:masterClrMapping/>
-  </p:clrMapOvr>
-</p:sld>
-</file>
-
-<file path=ppt/slides/slide24.xml><?xml version="1.0" encoding="utf-8"?>
-<p:sld xmlns:a="http://schemas.openxmlformats.org/drawingml/2006/main" xmlns:r="http://schemas.openxmlformats.org/officeDocument/2006/relationships" xmlns:p="http://schemas.openxmlformats.org/presentationml/2006/main">
-  <p:cSld>
-    <p:spTree>
-      <p:nvGrpSpPr>
-        <p:cNvPr id="1" name=""/>
-        <p:cNvGrpSpPr/>
-        <p:nvPr/>
-      </p:nvGrpSpPr>
-      <p:grpSpPr>
-        <a:xfrm>
-          <a:off x="0" y="0"/>
-          <a:ext cx="0" cy="0"/>
-          <a:chOff x="0" y="0"/>
-          <a:chExt cx="0" cy="0"/>
-        </a:xfrm>
-      </p:grpSpPr>
-      <p:sp>
-        <p:nvSpPr>
-          <p:cNvPr id="2" name="Título 1">
-            <a:extLst>
-              <a:ext uri="{FF2B5EF4-FFF2-40B4-BE49-F238E27FC236}">
-                <a16:creationId xmlns:a16="http://schemas.microsoft.com/office/drawing/2014/main" id="{3E516DF0-911B-4D22-8061-C05CE57B19E4}"/>
-              </a:ext>
-            </a:extLst>
-          </p:cNvPr>
-          <p:cNvSpPr>
-            <a:spLocks noGrp="1"/>
-          </p:cNvSpPr>
-          <p:nvPr>
-            <p:ph type="title" idx="4294967295"/>
-          </p:nvPr>
-        </p:nvSpPr>
-        <p:spPr>
-          <a:xfrm>
-            <a:off x="1457325" y="207963"/>
-            <a:ext cx="10734675" cy="762000"/>
-          </a:xfrm>
-        </p:spPr>
-        <p:txBody>
-          <a:bodyPr>
-            <a:normAutofit fontScale="90000"/>
-          </a:bodyPr>
-          <a:lstStyle/>
-          <a:p>
-            <a:r>
-              <a:rPr lang="pt-BR" b="1" dirty="0"/>
-              <a:t>Teste Automático</a:t>
-            </a:r>
-            <a:br>
-              <a:rPr lang="pt-BR" sz="4400" dirty="0"/>
-            </a:br>
-            <a:endParaRPr lang="pt-BR" dirty="0"/>
-          </a:p>
-        </p:txBody>
-      </p:sp>
-      <p:pic>
-        <p:nvPicPr>
-          <p:cNvPr id="5" name="Imagem 4">
-            <a:extLst>
-              <a:ext uri="{FF2B5EF4-FFF2-40B4-BE49-F238E27FC236}">
-                <a16:creationId xmlns:a16="http://schemas.microsoft.com/office/drawing/2014/main" id="{5F8F29F2-0D86-4CEA-8F27-C08DF42C0CBF}"/>
-              </a:ext>
-            </a:extLst>
-          </p:cNvPr>
-          <p:cNvPicPr>
-            <a:picLocks noChangeAspect="1"/>
-          </p:cNvPicPr>
-          <p:nvPr/>
-        </p:nvPicPr>
-        <p:blipFill>
-          <a:blip r:embed="rId2"/>
-          <a:stretch>
-            <a:fillRect/>
-          </a:stretch>
-        </p:blipFill>
-        <p:spPr>
-          <a:xfrm>
-            <a:off x="294723" y="1099597"/>
-            <a:ext cx="11602554" cy="5550440"/>
-          </a:xfrm>
-          <a:prstGeom prst="rect">
-            <a:avLst/>
-          </a:prstGeom>
-        </p:spPr>
-      </p:pic>
-    </p:spTree>
-    <p:extLst>
-      <p:ext uri="{BB962C8B-B14F-4D97-AF65-F5344CB8AC3E}">
-        <p14:creationId xmlns:p14="http://schemas.microsoft.com/office/powerpoint/2010/main" val="3889225128"/>
-      </p:ext>
-    </p:extLst>
-  </p:cSld>
-  <p:clrMapOvr>
-    <a:masterClrMapping/>
-  </p:clrMapOvr>
-</p:sld>
-</file>
-
-<file path=ppt/slides/slide25.xml><?xml version="1.0" encoding="utf-8"?>
 <p:sld xmlns:a="http://schemas.openxmlformats.org/drawingml/2006/main" xmlns:r="http://schemas.openxmlformats.org/officeDocument/2006/relationships" xmlns:p="http://schemas.openxmlformats.org/presentationml/2006/main">
   <p:cSld>
     <p:bg>
@@ -9166,7 +8825,15 @@
             <a:pPr algn="l"/>
             <a:r>
               <a:rPr lang="pt-BR" b="1" dirty="0" err="1"/>
-              <a:t>Rubocop</a:t>
+              <a:t>Minitest</a:t>
+            </a:r>
+            <a:r>
+              <a:rPr lang="pt-BR" b="1" dirty="0"/>
+              <a:t> e </a:t>
+            </a:r>
+            <a:r>
+              <a:rPr lang="pt-BR" b="1" dirty="0" err="1"/>
+              <a:t>RSpec</a:t>
             </a:r>
             <a:endParaRPr lang="pt-BR" b="1" dirty="0"/>
           </a:p>
@@ -9203,7 +8870,7 @@
             <a:pPr algn="l"/>
             <a:r>
               <a:rPr lang="pt-BR" b="1" dirty="0"/>
-              <a:t>Estilo e Formato</a:t>
+              <a:t>Teste Automático</a:t>
             </a:r>
           </a:p>
         </p:txBody>
@@ -9984,10 +9651,10 @@
       </p:sp>
       <p:pic>
         <p:nvPicPr>
-          <p:cNvPr id="5" name="Imagem 4" descr="Ícone&#10;&#10;Descrição gerada automaticamente">
+          <p:cNvPr id="6" name="Imagem 5" descr="Tela de celular com texto preto sobre fundo branco&#10;&#10;Descrição gerada automaticamente com confiança média">
             <a:extLst>
               <a:ext uri="{FF2B5EF4-FFF2-40B4-BE49-F238E27FC236}">
-                <a16:creationId xmlns:a16="http://schemas.microsoft.com/office/drawing/2014/main" id="{EB886976-6F6A-4006-8785-58307B9FF568}"/>
+                <a16:creationId xmlns:a16="http://schemas.microsoft.com/office/drawing/2014/main" id="{76C8384A-50D3-45A5-9A25-3C913814D2F7}"/>
               </a:ext>
             </a:extLst>
           </p:cNvPr>
@@ -10021,7 +9688,391 @@
     </p:spTree>
     <p:extLst>
       <p:ext uri="{BB962C8B-B14F-4D97-AF65-F5344CB8AC3E}">
-        <p14:creationId xmlns:p14="http://schemas.microsoft.com/office/powerpoint/2010/main" val="3411388579"/>
+        <p14:creationId xmlns:p14="http://schemas.microsoft.com/office/powerpoint/2010/main" val="1944302417"/>
+      </p:ext>
+    </p:extLst>
+  </p:cSld>
+  <p:clrMapOvr>
+    <a:masterClrMapping/>
+  </p:clrMapOvr>
+</p:sld>
+</file>
+
+<file path=ppt/slides/slide24.xml><?xml version="1.0" encoding="utf-8"?>
+<p:sld xmlns:a="http://schemas.openxmlformats.org/drawingml/2006/main" xmlns:r="http://schemas.openxmlformats.org/officeDocument/2006/relationships" xmlns:p="http://schemas.openxmlformats.org/presentationml/2006/main">
+  <p:cSld>
+    <p:spTree>
+      <p:nvGrpSpPr>
+        <p:cNvPr id="1" name=""/>
+        <p:cNvGrpSpPr/>
+        <p:nvPr/>
+      </p:nvGrpSpPr>
+      <p:grpSpPr>
+        <a:xfrm>
+          <a:off x="0" y="0"/>
+          <a:ext cx="0" cy="0"/>
+          <a:chOff x="0" y="0"/>
+          <a:chExt cx="0" cy="0"/>
+        </a:xfrm>
+      </p:grpSpPr>
+      <p:sp>
+        <p:nvSpPr>
+          <p:cNvPr id="2" name="Título 1">
+            <a:extLst>
+              <a:ext uri="{FF2B5EF4-FFF2-40B4-BE49-F238E27FC236}">
+                <a16:creationId xmlns:a16="http://schemas.microsoft.com/office/drawing/2014/main" id="{3C690A0D-D278-4A38-871F-02B62CEF2414}"/>
+              </a:ext>
+            </a:extLst>
+          </p:cNvPr>
+          <p:cNvSpPr>
+            <a:spLocks noGrp="1"/>
+          </p:cNvSpPr>
+          <p:nvPr>
+            <p:ph type="title"/>
+          </p:nvPr>
+        </p:nvSpPr>
+        <p:spPr/>
+        <p:txBody>
+          <a:bodyPr>
+            <a:normAutofit fontScale="90000"/>
+          </a:bodyPr>
+          <a:lstStyle/>
+          <a:p>
+            <a:r>
+              <a:rPr lang="pt-BR" sz="4400" b="1" dirty="0"/>
+              <a:t>Teste Automático</a:t>
+            </a:r>
+            <a:br>
+              <a:rPr lang="pt-BR" dirty="0"/>
+            </a:br>
+            <a:endParaRPr lang="pt-BR" dirty="0"/>
+          </a:p>
+        </p:txBody>
+      </p:sp>
+      <p:sp>
+        <p:nvSpPr>
+          <p:cNvPr id="9" name="Espaço Reservado para Texto 8">
+            <a:extLst>
+              <a:ext uri="{FF2B5EF4-FFF2-40B4-BE49-F238E27FC236}">
+                <a16:creationId xmlns:a16="http://schemas.microsoft.com/office/drawing/2014/main" id="{ED66AEF4-DAFB-4C0D-93C5-4F751255A23A}"/>
+              </a:ext>
+            </a:extLst>
+          </p:cNvPr>
+          <p:cNvSpPr>
+            <a:spLocks noGrp="1"/>
+          </p:cNvSpPr>
+          <p:nvPr>
+            <p:ph type="body" sz="half" idx="2"/>
+          </p:nvPr>
+        </p:nvSpPr>
+        <p:spPr/>
+        <p:txBody>
+          <a:bodyPr>
+            <a:normAutofit/>
+          </a:bodyPr>
+          <a:lstStyle/>
+          <a:p>
+            <a:r>
+              <a:rPr lang="pt-BR" sz="2400" dirty="0"/>
+              <a:t>Site </a:t>
+            </a:r>
+            <a:r>
+              <a:rPr lang="pt-BR" sz="2400" b="1" dirty="0"/>
+              <a:t>Demo</a:t>
+            </a:r>
+            <a:r>
+              <a:rPr lang="pt-BR" sz="2400" dirty="0"/>
+              <a:t> deve ser preparado para teste com o comando.</a:t>
+            </a:r>
+            <a:br>
+              <a:rPr lang="pt-BR" sz="2400" dirty="0"/>
+            </a:br>
+            <a:br>
+              <a:rPr lang="pt-BR" sz="2400" dirty="0"/>
+            </a:br>
+            <a:r>
+              <a:rPr lang="pt-BR" sz="2000" b="1" dirty="0">
+                <a:latin typeface="Courier New" panose="02070309020205020404" pitchFamily="49" charset="0"/>
+                <a:cs typeface="Courier New" panose="02070309020205020404" pitchFamily="49" charset="0"/>
+              </a:rPr>
+              <a:t>$ site </a:t>
+            </a:r>
+            <a:r>
+              <a:rPr lang="pt-BR" sz="2000" b="1" dirty="0" err="1">
+                <a:latin typeface="Courier New" panose="02070309020205020404" pitchFamily="49" charset="0"/>
+                <a:cs typeface="Courier New" panose="02070309020205020404" pitchFamily="49" charset="0"/>
+              </a:rPr>
+              <a:t>db</a:t>
+            </a:r>
+            <a:r>
+              <a:rPr lang="pt-BR" sz="2000" b="1" dirty="0">
+                <a:latin typeface="Courier New" panose="02070309020205020404" pitchFamily="49" charset="0"/>
+                <a:cs typeface="Courier New" panose="02070309020205020404" pitchFamily="49" charset="0"/>
+              </a:rPr>
+              <a:t> </a:t>
+            </a:r>
+            <a:r>
+              <a:rPr lang="pt-BR" sz="2000" b="1" dirty="0" err="1">
+                <a:latin typeface="Courier New" panose="02070309020205020404" pitchFamily="49" charset="0"/>
+                <a:cs typeface="Courier New" panose="02070309020205020404" pitchFamily="49" charset="0"/>
+              </a:rPr>
+              <a:t>preptest</a:t>
+            </a:r>
+            <a:endParaRPr lang="pt-BR" sz="2000" b="1" dirty="0">
+              <a:latin typeface="Courier New" panose="02070309020205020404" pitchFamily="49" charset="0"/>
+              <a:cs typeface="Courier New" panose="02070309020205020404" pitchFamily="49" charset="0"/>
+            </a:endParaRPr>
+          </a:p>
+        </p:txBody>
+      </p:sp>
+      <p:pic>
+        <p:nvPicPr>
+          <p:cNvPr id="15" name="Espaço Reservado para Imagem 14">
+            <a:extLst>
+              <a:ext uri="{FF2B5EF4-FFF2-40B4-BE49-F238E27FC236}">
+                <a16:creationId xmlns:a16="http://schemas.microsoft.com/office/drawing/2014/main" id="{D3616A01-920F-4BAC-AB39-1945B22A9E61}"/>
+              </a:ext>
+            </a:extLst>
+          </p:cNvPr>
+          <p:cNvPicPr>
+            <a:picLocks noGrp="1" noChangeAspect="1"/>
+          </p:cNvPicPr>
+          <p:nvPr>
+            <p:ph type="pic" idx="1"/>
+          </p:nvPr>
+        </p:nvPicPr>
+        <p:blipFill rotWithShape="1">
+          <a:blip r:embed="rId2"/>
+          <a:srcRect t="27" b="27"/>
+          <a:stretch/>
+        </p:blipFill>
+        <p:spPr/>
+      </p:pic>
+    </p:spTree>
+    <p:extLst>
+      <p:ext uri="{BB962C8B-B14F-4D97-AF65-F5344CB8AC3E}">
+        <p14:creationId xmlns:p14="http://schemas.microsoft.com/office/powerpoint/2010/main" val="4124271106"/>
+      </p:ext>
+    </p:extLst>
+  </p:cSld>
+  <p:clrMapOvr>
+    <a:masterClrMapping/>
+  </p:clrMapOvr>
+</p:sld>
+</file>
+
+<file path=ppt/slides/slide25.xml><?xml version="1.0" encoding="utf-8"?>
+<p:sld xmlns:a="http://schemas.openxmlformats.org/drawingml/2006/main" xmlns:r="http://schemas.openxmlformats.org/officeDocument/2006/relationships" xmlns:p="http://schemas.openxmlformats.org/presentationml/2006/main">
+  <p:cSld>
+    <p:spTree>
+      <p:nvGrpSpPr>
+        <p:cNvPr id="1" name=""/>
+        <p:cNvGrpSpPr/>
+        <p:nvPr/>
+      </p:nvGrpSpPr>
+      <p:grpSpPr>
+        <a:xfrm>
+          <a:off x="0" y="0"/>
+          <a:ext cx="0" cy="0"/>
+          <a:chOff x="0" y="0"/>
+          <a:chExt cx="0" cy="0"/>
+        </a:xfrm>
+      </p:grpSpPr>
+      <p:sp>
+        <p:nvSpPr>
+          <p:cNvPr id="2" name="Título 1">
+            <a:extLst>
+              <a:ext uri="{FF2B5EF4-FFF2-40B4-BE49-F238E27FC236}">
+                <a16:creationId xmlns:a16="http://schemas.microsoft.com/office/drawing/2014/main" id="{3C690A0D-D278-4A38-871F-02B62CEF2414}"/>
+              </a:ext>
+            </a:extLst>
+          </p:cNvPr>
+          <p:cNvSpPr>
+            <a:spLocks noGrp="1"/>
+          </p:cNvSpPr>
+          <p:nvPr>
+            <p:ph type="title"/>
+          </p:nvPr>
+        </p:nvSpPr>
+        <p:spPr/>
+        <p:txBody>
+          <a:bodyPr>
+            <a:normAutofit fontScale="90000"/>
+          </a:bodyPr>
+          <a:lstStyle/>
+          <a:p>
+            <a:r>
+              <a:rPr lang="pt-BR" sz="4400" b="1" dirty="0"/>
+              <a:t>Teste Automático</a:t>
+            </a:r>
+            <a:br>
+              <a:rPr lang="pt-BR" dirty="0"/>
+            </a:br>
+            <a:endParaRPr lang="pt-BR" dirty="0"/>
+          </a:p>
+        </p:txBody>
+      </p:sp>
+      <p:sp>
+        <p:nvSpPr>
+          <p:cNvPr id="9" name="Espaço Reservado para Texto 8">
+            <a:extLst>
+              <a:ext uri="{FF2B5EF4-FFF2-40B4-BE49-F238E27FC236}">
+                <a16:creationId xmlns:a16="http://schemas.microsoft.com/office/drawing/2014/main" id="{ED66AEF4-DAFB-4C0D-93C5-4F751255A23A}"/>
+              </a:ext>
+            </a:extLst>
+          </p:cNvPr>
+          <p:cNvSpPr>
+            <a:spLocks noGrp="1"/>
+          </p:cNvSpPr>
+          <p:nvPr>
+            <p:ph type="body" sz="half" idx="2"/>
+          </p:nvPr>
+        </p:nvSpPr>
+        <p:spPr/>
+        <p:txBody>
+          <a:bodyPr>
+            <a:normAutofit/>
+          </a:bodyPr>
+          <a:lstStyle/>
+          <a:p>
+            <a:r>
+              <a:rPr lang="pt-BR" sz="2400" dirty="0"/>
+              <a:t>A pasta </a:t>
+            </a:r>
+            <a:r>
+              <a:rPr lang="pt-BR" sz="2400" b="1" dirty="0" err="1"/>
+              <a:t>test</a:t>
+            </a:r>
+            <a:r>
+              <a:rPr lang="pt-BR" sz="2400" dirty="0"/>
+              <a:t> é relacionada ao </a:t>
+            </a:r>
+            <a:r>
+              <a:rPr lang="pt-BR" sz="2400" b="1" dirty="0" err="1"/>
+              <a:t>Minitest</a:t>
+            </a:r>
+            <a:r>
+              <a:rPr lang="pt-BR" sz="2400" dirty="0"/>
+              <a:t> e </a:t>
+            </a:r>
+            <a:r>
+              <a:rPr lang="pt-BR" sz="2400" b="1" dirty="0" err="1"/>
+              <a:t>spec</a:t>
+            </a:r>
+            <a:r>
+              <a:rPr lang="pt-BR" sz="2400" dirty="0"/>
+              <a:t> a </a:t>
+            </a:r>
+            <a:r>
+              <a:rPr lang="pt-BR" sz="2400" b="1" dirty="0" err="1"/>
+              <a:t>RSpec</a:t>
+            </a:r>
+            <a:r>
+              <a:rPr lang="pt-BR" sz="2400" dirty="0"/>
+              <a:t>.</a:t>
+            </a:r>
+            <a:br>
+              <a:rPr lang="pt-BR" sz="2400" dirty="0"/>
+            </a:br>
+            <a:br>
+              <a:rPr lang="pt-BR" sz="2400" dirty="0"/>
+            </a:br>
+            <a:r>
+              <a:rPr lang="pt-BR" sz="2000" b="1" dirty="0">
+                <a:latin typeface="Courier New" panose="02070309020205020404" pitchFamily="49" charset="0"/>
+                <a:cs typeface="Courier New" panose="02070309020205020404" pitchFamily="49" charset="0"/>
+              </a:rPr>
+              <a:t>$ </a:t>
+            </a:r>
+            <a:r>
+              <a:rPr lang="pt-BR" sz="2000" b="1" dirty="0" err="1">
+                <a:latin typeface="Courier New" panose="02070309020205020404" pitchFamily="49" charset="0"/>
+                <a:cs typeface="Courier New" panose="02070309020205020404" pitchFamily="49" charset="0"/>
+              </a:rPr>
+              <a:t>tree</a:t>
+            </a:r>
+            <a:r>
+              <a:rPr lang="pt-BR" sz="2000" b="1" dirty="0">
+                <a:latin typeface="Courier New" panose="02070309020205020404" pitchFamily="49" charset="0"/>
+                <a:cs typeface="Courier New" panose="02070309020205020404" pitchFamily="49" charset="0"/>
+              </a:rPr>
+              <a:t> </a:t>
+            </a:r>
+            <a:r>
+              <a:rPr lang="pt-BR" sz="2000" b="1" dirty="0" err="1">
+                <a:latin typeface="Courier New" panose="02070309020205020404" pitchFamily="49" charset="0"/>
+                <a:cs typeface="Courier New" panose="02070309020205020404" pitchFamily="49" charset="0"/>
+              </a:rPr>
+              <a:t>test</a:t>
+            </a:r>
+            <a:br>
+              <a:rPr lang="pt-BR" sz="2000" b="1" dirty="0">
+                <a:latin typeface="Courier New" panose="02070309020205020404" pitchFamily="49" charset="0"/>
+                <a:cs typeface="Courier New" panose="02070309020205020404" pitchFamily="49" charset="0"/>
+              </a:rPr>
+            </a:br>
+            <a:r>
+              <a:rPr lang="pt-BR" sz="2000" b="1" dirty="0">
+                <a:latin typeface="Courier New" panose="02070309020205020404" pitchFamily="49" charset="0"/>
+                <a:cs typeface="Courier New" panose="02070309020205020404" pitchFamily="49" charset="0"/>
+              </a:rPr>
+              <a:t>$ </a:t>
+            </a:r>
+            <a:r>
+              <a:rPr lang="pt-BR" sz="2000" b="1" dirty="0" err="1">
+                <a:latin typeface="Courier New" panose="02070309020205020404" pitchFamily="49" charset="0"/>
+                <a:cs typeface="Courier New" panose="02070309020205020404" pitchFamily="49" charset="0"/>
+              </a:rPr>
+              <a:t>tree</a:t>
+            </a:r>
+            <a:r>
+              <a:rPr lang="pt-BR" sz="2000" b="1" dirty="0">
+                <a:latin typeface="Courier New" panose="02070309020205020404" pitchFamily="49" charset="0"/>
+                <a:cs typeface="Courier New" panose="02070309020205020404" pitchFamily="49" charset="0"/>
+              </a:rPr>
+              <a:t> </a:t>
+            </a:r>
+            <a:r>
+              <a:rPr lang="pt-BR" sz="2000" b="1" dirty="0" err="1">
+                <a:latin typeface="Courier New" panose="02070309020205020404" pitchFamily="49" charset="0"/>
+                <a:cs typeface="Courier New" panose="02070309020205020404" pitchFamily="49" charset="0"/>
+              </a:rPr>
+              <a:t>spec</a:t>
+            </a:r>
+            <a:endParaRPr lang="pt-BR" sz="2000" b="1" dirty="0">
+              <a:latin typeface="Courier New" panose="02070309020205020404" pitchFamily="49" charset="0"/>
+              <a:cs typeface="Courier New" panose="02070309020205020404" pitchFamily="49" charset="0"/>
+            </a:endParaRPr>
+          </a:p>
+        </p:txBody>
+      </p:sp>
+      <p:pic>
+        <p:nvPicPr>
+          <p:cNvPr id="6" name="Espaço Reservado para Imagem 5">
+            <a:extLst>
+              <a:ext uri="{FF2B5EF4-FFF2-40B4-BE49-F238E27FC236}">
+                <a16:creationId xmlns:a16="http://schemas.microsoft.com/office/drawing/2014/main" id="{DA52A79D-78F5-4C30-9681-187862E356CB}"/>
+              </a:ext>
+            </a:extLst>
+          </p:cNvPr>
+          <p:cNvPicPr>
+            <a:picLocks noGrp="1" noChangeAspect="1"/>
+          </p:cNvPicPr>
+          <p:nvPr>
+            <p:ph type="pic" idx="1"/>
+          </p:nvPr>
+        </p:nvPicPr>
+        <p:blipFill rotWithShape="1">
+          <a:blip r:embed="rId2"/>
+          <a:srcRect t="27" b="27"/>
+          <a:stretch/>
+        </p:blipFill>
+        <p:spPr/>
+      </p:pic>
+    </p:spTree>
+    <p:extLst>
+      <p:ext uri="{BB962C8B-B14F-4D97-AF65-F5344CB8AC3E}">
+        <p14:creationId xmlns:p14="http://schemas.microsoft.com/office/powerpoint/2010/main" val="3064071029"/>
       </p:ext>
     </p:extLst>
   </p:cSld>
@@ -10053,7 +10104,7 @@
           <p:cNvPr id="2" name="Título 1">
             <a:extLst>
               <a:ext uri="{FF2B5EF4-FFF2-40B4-BE49-F238E27FC236}">
-                <a16:creationId xmlns:a16="http://schemas.microsoft.com/office/drawing/2014/main" id="{3E516DF0-911B-4D22-8061-C05CE57B19E4}"/>
+                <a16:creationId xmlns:a16="http://schemas.microsoft.com/office/drawing/2014/main" id="{3C690A0D-D278-4A38-871F-02B62CEF2414}"/>
               </a:ext>
             </a:extLst>
           </p:cNvPr>
@@ -10072,11 +10123,11 @@
           <a:lstStyle/>
           <a:p>
             <a:r>
-              <a:rPr lang="pt-BR" sz="4400" b="1" dirty="0" err="1"/>
-              <a:t>Rubocop</a:t>
+              <a:rPr lang="pt-BR" sz="4400" b="1" dirty="0"/>
+              <a:t>Teste Automático</a:t>
             </a:r>
             <a:br>
-              <a:rPr lang="pt-BR" sz="4400" dirty="0"/>
+              <a:rPr lang="pt-BR" dirty="0"/>
             </a:br>
             <a:endParaRPr lang="pt-BR" dirty="0"/>
           </a:p>
@@ -10087,7 +10138,7 @@
           <p:cNvPr id="11" name="Espaço Reservado para Imagem 10">
             <a:extLst>
               <a:ext uri="{FF2B5EF4-FFF2-40B4-BE49-F238E27FC236}">
-                <a16:creationId xmlns:a16="http://schemas.microsoft.com/office/drawing/2014/main" id="{0A878858-4340-4870-98D3-DE9719FC082B}"/>
+                <a16:creationId xmlns:a16="http://schemas.microsoft.com/office/drawing/2014/main" id="{AB0259E1-4672-45F6-975F-8F206FB52830}"/>
               </a:ext>
             </a:extLst>
           </p:cNvPr>
@@ -10110,7 +10161,7 @@
           <p:cNvPr id="9" name="Espaço Reservado para Texto 8">
             <a:extLst>
               <a:ext uri="{FF2B5EF4-FFF2-40B4-BE49-F238E27FC236}">
-                <a16:creationId xmlns:a16="http://schemas.microsoft.com/office/drawing/2014/main" id="{043D2A20-5E53-4C9E-9203-D6E0ED96BB10}"/>
+                <a16:creationId xmlns:a16="http://schemas.microsoft.com/office/drawing/2014/main" id="{ED66AEF4-DAFB-4C0D-93C5-4F751255A23A}"/>
               </a:ext>
             </a:extLst>
           </p:cNvPr>
@@ -10128,29 +10179,45 @@
           <a:p>
             <a:r>
               <a:rPr lang="pt-BR" sz="2400" dirty="0"/>
-              <a:t>Para rodar </a:t>
+              <a:t>A pasta </a:t>
             </a:r>
             <a:r>
               <a:rPr lang="pt-BR" sz="2400" b="1" dirty="0" err="1"/>
-              <a:t>Rubocop</a:t>
+              <a:t>test</a:t>
             </a:r>
             <a:r>
               <a:rPr lang="pt-BR" sz="2400" dirty="0"/>
-              <a:t>, flag </a:t>
-            </a:r>
-            <a:r>
-              <a:rPr lang="pt-BR" sz="2400" b="1" dirty="0"/>
-              <a:t>robocop</a:t>
+              <a:t> é relacionada ao </a:t>
+            </a:r>
+            <a:r>
+              <a:rPr lang="pt-BR" sz="2400" b="1" dirty="0" err="1"/>
+              <a:t>Minitest</a:t>
             </a:r>
             <a:r>
               <a:rPr lang="pt-BR" sz="2400" dirty="0"/>
-              <a:t> tem de ser habilitado.</a:t>
+              <a:t> e </a:t>
+            </a:r>
+            <a:r>
+              <a:rPr lang="pt-BR" sz="2400" b="1" dirty="0" err="1"/>
+              <a:t>spec</a:t>
+            </a:r>
+            <a:r>
+              <a:rPr lang="pt-BR" sz="2400" dirty="0"/>
+              <a:t> a </a:t>
+            </a:r>
+            <a:r>
+              <a:rPr lang="pt-BR" sz="2400" b="1" dirty="0" err="1"/>
+              <a:t>RSpec</a:t>
+            </a:r>
+            <a:r>
+              <a:rPr lang="pt-BR" sz="2400" dirty="0"/>
+              <a:t>.</a:t>
             </a:r>
             <a:br>
-              <a:rPr lang="pt-BR" sz="2400" dirty="0"/>
+              <a:rPr lang="pt-BR" sz="1600" dirty="0"/>
             </a:br>
             <a:br>
-              <a:rPr lang="pt-BR" sz="2400" dirty="0"/>
+              <a:rPr lang="pt-BR" sz="1600" dirty="0"/>
             </a:br>
             <a:r>
               <a:rPr lang="pt-BR" sz="2000" b="1" dirty="0">
@@ -10164,7 +10231,7 @@
                 <a:latin typeface="Courier New" panose="02070309020205020404" pitchFamily="49" charset="0"/>
                 <a:cs typeface="Courier New" panose="02070309020205020404" pitchFamily="49" charset="0"/>
               </a:rPr>
-              <a:t>rubocop</a:t>
+              <a:t>coverage</a:t>
             </a:r>
             <a:br>
               <a:rPr lang="pt-BR" sz="2000" b="1" dirty="0">
@@ -10177,111 +10244,70 @@
                 <a:latin typeface="Courier New" panose="02070309020205020404" pitchFamily="49" charset="0"/>
                 <a:cs typeface="Courier New" panose="02070309020205020404" pitchFamily="49" charset="0"/>
               </a:rPr>
-              <a:t>$ site robocop </a:t>
-            </a:r>
-            <a:r>
-              <a:rPr lang="pt-BR" sz="2000" b="1" dirty="0" err="1">
-                <a:latin typeface="Courier New" panose="02070309020205020404" pitchFamily="49" charset="0"/>
-                <a:cs typeface="Courier New" panose="02070309020205020404" pitchFamily="49" charset="0"/>
-              </a:rPr>
-              <a:t>Gemfile</a:t>
+              <a:t>$ </a:t>
+            </a:r>
+            <a:r>
+              <a:rPr lang="en-US" sz="2000" b="1" dirty="0">
+                <a:latin typeface="Courier New" panose="02070309020205020404" pitchFamily="49" charset="0"/>
+                <a:cs typeface="Courier New" panose="02070309020205020404" pitchFamily="49" charset="0"/>
+              </a:rPr>
+              <a:t>site test test/models/</a:t>
+            </a:r>
+            <a:r>
+              <a:rPr lang="en-US" sz="2000" b="1" dirty="0" err="1">
+                <a:latin typeface="Courier New" panose="02070309020205020404" pitchFamily="49" charset="0"/>
+                <a:cs typeface="Courier New" panose="02070309020205020404" pitchFamily="49" charset="0"/>
+              </a:rPr>
+              <a:t>building_purpose_in_project_creations_test.rb</a:t>
             </a:r>
             <a:br>
-              <a:rPr lang="pt-BR" sz="2000" b="1" dirty="0">
+              <a:rPr lang="en-US" sz="2000" b="1" dirty="0">
                 <a:latin typeface="Courier New" panose="02070309020205020404" pitchFamily="49" charset="0"/>
                 <a:cs typeface="Courier New" panose="02070309020205020404" pitchFamily="49" charset="0"/>
               </a:rPr>
             </a:br>
             <a:r>
-              <a:rPr lang="pt-BR" sz="2000" b="1" dirty="0">
+              <a:rPr lang="en-US" sz="2000" b="1" dirty="0">
                 <a:latin typeface="Courier New" panose="02070309020205020404" pitchFamily="49" charset="0"/>
                 <a:cs typeface="Courier New" panose="02070309020205020404" pitchFamily="49" charset="0"/>
               </a:rPr>
               <a:t>$ site</a:t>
-            </a:r>
-            <a:br>
-              <a:rPr lang="pt-BR" sz="2000" b="1" dirty="0">
-                <a:latin typeface="Courier New" panose="02070309020205020404" pitchFamily="49" charset="0"/>
-                <a:cs typeface="Courier New" panose="02070309020205020404" pitchFamily="49" charset="0"/>
-              </a:rPr>
-            </a:br>
-            <a:r>
-              <a:rPr lang="pt-BR" sz="2000" b="1" dirty="0">
-                <a:latin typeface="Courier New" panose="02070309020205020404" pitchFamily="49" charset="0"/>
-                <a:cs typeface="Courier New" panose="02070309020205020404" pitchFamily="49" charset="0"/>
-              </a:rPr>
-              <a:t>$ </a:t>
-            </a:r>
-            <a:r>
-              <a:rPr lang="pt-BR" sz="2000" b="1" dirty="0" err="1">
-                <a:latin typeface="Courier New" panose="02070309020205020404" pitchFamily="49" charset="0"/>
-                <a:cs typeface="Courier New" panose="02070309020205020404" pitchFamily="49" charset="0"/>
-              </a:rPr>
-              <a:t>xdg</a:t>
-            </a:r>
-            <a:r>
-              <a:rPr lang="pt-BR" sz="2000" b="1" dirty="0">
-                <a:latin typeface="Courier New" panose="02070309020205020404" pitchFamily="49" charset="0"/>
-                <a:cs typeface="Courier New" panose="02070309020205020404" pitchFamily="49" charset="0"/>
-              </a:rPr>
-              <a:t>-open tmp/</a:t>
-            </a:r>
-            <a:r>
-              <a:rPr lang="pt-BR" sz="2000" b="1" dirty="0" err="1">
-                <a:latin typeface="Courier New" panose="02070309020205020404" pitchFamily="49" charset="0"/>
-                <a:cs typeface="Courier New" panose="02070309020205020404" pitchFamily="49" charset="0"/>
-              </a:rPr>
-              <a:t>rubocop</a:t>
-            </a:r>
-            <a:r>
-              <a:rPr lang="pt-BR" sz="2000" b="1" dirty="0">
-                <a:latin typeface="Courier New" panose="02070309020205020404" pitchFamily="49" charset="0"/>
-                <a:cs typeface="Courier New" panose="02070309020205020404" pitchFamily="49" charset="0"/>
-              </a:rPr>
-              <a:t>/overview.html</a:t>
             </a:r>
           </a:p>
           <a:p>
             <a:r>
-              <a:rPr lang="pt-BR" sz="2000" b="1" dirty="0">
-                <a:latin typeface="Courier New" panose="02070309020205020404" pitchFamily="49" charset="0"/>
-                <a:cs typeface="Courier New" panose="02070309020205020404" pitchFamily="49" charset="0"/>
-              </a:rPr>
-              <a:t>:</a:t>
+              <a:rPr lang="en-US" sz="2000" b="1" dirty="0">
+                <a:latin typeface="Courier New" panose="02070309020205020404" pitchFamily="49" charset="0"/>
+                <a:cs typeface="Courier New" panose="02070309020205020404" pitchFamily="49" charset="0"/>
+              </a:rPr>
+              <a:t>$ </a:t>
+            </a:r>
+            <a:r>
+              <a:rPr lang="en-US" sz="2000" b="1" dirty="0" err="1">
+                <a:latin typeface="Courier New" panose="02070309020205020404" pitchFamily="49" charset="0"/>
+                <a:cs typeface="Courier New" panose="02070309020205020404" pitchFamily="49" charset="0"/>
+              </a:rPr>
+              <a:t>xdg</a:t>
+            </a:r>
+            <a:r>
+              <a:rPr lang="en-US" sz="2000" b="1" dirty="0">
+                <a:latin typeface="Courier New" panose="02070309020205020404" pitchFamily="49" charset="0"/>
+                <a:cs typeface="Courier New" panose="02070309020205020404" pitchFamily="49" charset="0"/>
+              </a:rPr>
+              <a:t>-open coverage/index.html</a:t>
             </a:r>
             <a:br>
-              <a:rPr lang="pt-BR" sz="2000" b="1" dirty="0">
+              <a:rPr lang="en-US" sz="2000" b="1" dirty="0">
                 <a:latin typeface="Courier New" panose="02070309020205020404" pitchFamily="49" charset="0"/>
                 <a:cs typeface="Courier New" panose="02070309020205020404" pitchFamily="49" charset="0"/>
               </a:rPr>
             </a:br>
             <a:r>
-              <a:rPr lang="pt-BR" sz="2000" b="1" dirty="0">
-                <a:latin typeface="Courier New" panose="02070309020205020404" pitchFamily="49" charset="0"/>
-                <a:cs typeface="Courier New" panose="02070309020205020404" pitchFamily="49" charset="0"/>
-              </a:rPr>
-              <a:t>$ site </a:t>
-            </a:r>
-            <a:r>
-              <a:rPr lang="pt-BR" sz="2000" b="1" dirty="0" err="1">
-                <a:latin typeface="Courier New" panose="02070309020205020404" pitchFamily="49" charset="0"/>
-                <a:cs typeface="Courier New" panose="02070309020205020404" pitchFamily="49" charset="0"/>
-              </a:rPr>
-              <a:t>unset</a:t>
-            </a:r>
-            <a:r>
-              <a:rPr lang="pt-BR" sz="2000" b="1" dirty="0">
-                <a:latin typeface="Courier New" panose="02070309020205020404" pitchFamily="49" charset="0"/>
-                <a:cs typeface="Courier New" panose="02070309020205020404" pitchFamily="49" charset="0"/>
-              </a:rPr>
-              <a:t> </a:t>
-            </a:r>
-            <a:r>
-              <a:rPr lang="pt-BR" sz="2000" b="1" dirty="0" err="1">
-                <a:latin typeface="Courier New" panose="02070309020205020404" pitchFamily="49" charset="0"/>
-                <a:cs typeface="Courier New" panose="02070309020205020404" pitchFamily="49" charset="0"/>
-              </a:rPr>
-              <a:t>rubocop</a:t>
+              <a:rPr lang="en-US" sz="2000" b="1" dirty="0">
+                <a:latin typeface="Courier New" panose="02070309020205020404" pitchFamily="49" charset="0"/>
+                <a:cs typeface="Courier New" panose="02070309020205020404" pitchFamily="49" charset="0"/>
+              </a:rPr>
+              <a:t>$ site unset coverage</a:t>
             </a:r>
             <a:endParaRPr lang="pt-BR" sz="2000" b="1" dirty="0">
               <a:latin typeface="Courier New" panose="02070309020205020404" pitchFamily="49" charset="0"/>
@@ -10296,7 +10322,7 @@
     </p:spTree>
     <p:extLst>
       <p:ext uri="{BB962C8B-B14F-4D97-AF65-F5344CB8AC3E}">
-        <p14:creationId xmlns:p14="http://schemas.microsoft.com/office/powerpoint/2010/main" val="1787356080"/>
+        <p14:creationId xmlns:p14="http://schemas.microsoft.com/office/powerpoint/2010/main" val="2255487751"/>
       </p:ext>
     </p:extLst>
   </p:cSld>
@@ -10352,8 +10378,8 @@
           <a:lstStyle/>
           <a:p>
             <a:r>
-              <a:rPr lang="pt-BR" sz="4400" b="1" dirty="0" err="1"/>
-              <a:t>Rubocop</a:t>
+              <a:rPr lang="pt-BR" b="1" dirty="0"/>
+              <a:t>Teste Automático</a:t>
             </a:r>
             <a:br>
               <a:rPr lang="pt-BR" sz="4400" dirty="0"/>
@@ -10364,10 +10390,10 @@
       </p:sp>
       <p:pic>
         <p:nvPicPr>
-          <p:cNvPr id="4" name="Imagem 3">
+          <p:cNvPr id="5" name="Imagem 4">
             <a:extLst>
               <a:ext uri="{FF2B5EF4-FFF2-40B4-BE49-F238E27FC236}">
-                <a16:creationId xmlns:a16="http://schemas.microsoft.com/office/drawing/2014/main" id="{A74AC605-CD64-4E79-9688-D2564A16E149}"/>
+                <a16:creationId xmlns:a16="http://schemas.microsoft.com/office/drawing/2014/main" id="{5F8F29F2-0D86-4CEA-8F27-C08DF42C0CBF}"/>
               </a:ext>
             </a:extLst>
           </p:cNvPr>
@@ -10384,8 +10410,8 @@
         </p:blipFill>
         <p:spPr>
           <a:xfrm>
-            <a:off x="275453" y="1027186"/>
-            <a:ext cx="11641093" cy="5622851"/>
+            <a:off x="294723" y="1099597"/>
+            <a:ext cx="11602554" cy="5550440"/>
           </a:xfrm>
           <a:prstGeom prst="rect">
             <a:avLst/>
@@ -10395,7 +10421,7 @@
     </p:spTree>
     <p:extLst>
       <p:ext uri="{BB962C8B-B14F-4D97-AF65-F5344CB8AC3E}">
-        <p14:creationId xmlns:p14="http://schemas.microsoft.com/office/powerpoint/2010/main" val="939257264"/>
+        <p14:creationId xmlns:p14="http://schemas.microsoft.com/office/powerpoint/2010/main" val="3889225128"/>
       </p:ext>
     </p:extLst>
   </p:cSld>
@@ -10521,7 +10547,7 @@
             <a:pPr algn="l"/>
             <a:r>
               <a:rPr lang="pt-BR" b="1" dirty="0" err="1"/>
-              <a:t>Rubycritic</a:t>
+              <a:t>Rubocop</a:t>
             </a:r>
             <a:endParaRPr lang="pt-BR" b="1" dirty="0"/>
           </a:p>
@@ -10557,10 +10583,9 @@
           <a:p>
             <a:pPr algn="l"/>
             <a:r>
-              <a:rPr lang="pt-BR" b="1" dirty="0" err="1"/>
-              <a:t>Refatoração</a:t>
-            </a:r>
-            <a:endParaRPr lang="pt-BR" b="1" dirty="0"/>
+              <a:rPr lang="pt-BR" b="1" dirty="0"/>
+              <a:t>Estilo e Formato</a:t>
+            </a:r>
           </a:p>
         </p:txBody>
       </p:sp>
@@ -11340,10 +11365,10 @@
       </p:sp>
       <p:pic>
         <p:nvPicPr>
-          <p:cNvPr id="5" name="Imagem 4" descr="Uma imagem contendo Ícone&#10;&#10;Descrição gerada automaticamente">
+          <p:cNvPr id="5" name="Imagem 4" descr="Ícone&#10;&#10;Descrição gerada automaticamente">
             <a:extLst>
               <a:ext uri="{FF2B5EF4-FFF2-40B4-BE49-F238E27FC236}">
-                <a16:creationId xmlns:a16="http://schemas.microsoft.com/office/drawing/2014/main" id="{33B794A7-71CB-4313-821D-49D48031B61A}"/>
+                <a16:creationId xmlns:a16="http://schemas.microsoft.com/office/drawing/2014/main" id="{EB886976-6F6A-4006-8785-58307B9FF568}"/>
               </a:ext>
             </a:extLst>
           </p:cNvPr>
@@ -11366,8 +11391,8 @@
         </p:blipFill>
         <p:spPr>
           <a:xfrm>
-            <a:off x="7531503" y="2376794"/>
-            <a:ext cx="3217333" cy="2722358"/>
+            <a:off x="7531503" y="2129307"/>
+            <a:ext cx="3217333" cy="3217333"/>
           </a:xfrm>
           <a:prstGeom prst="rect">
             <a:avLst/>
@@ -11377,7 +11402,7 @@
     </p:spTree>
     <p:extLst>
       <p:ext uri="{BB962C8B-B14F-4D97-AF65-F5344CB8AC3E}">
-        <p14:creationId xmlns:p14="http://schemas.microsoft.com/office/powerpoint/2010/main" val="861647826"/>
+        <p14:creationId xmlns:p14="http://schemas.microsoft.com/office/powerpoint/2010/main" val="3411388579"/>
       </p:ext>
     </p:extLst>
   </p:cSld>
@@ -11420,12 +11445,7 @@
             <p:ph type="title"/>
           </p:nvPr>
         </p:nvSpPr>
-        <p:spPr>
-          <a:xfrm>
-            <a:off x="1216891" y="77478"/>
-            <a:ext cx="10734964" cy="761712"/>
-          </a:xfrm>
-        </p:spPr>
+        <p:spPr/>
         <p:txBody>
           <a:bodyPr>
             <a:normAutofit fontScale="90000"/>
@@ -11434,7 +11454,7 @@
           <a:p>
             <a:r>
               <a:rPr lang="pt-BR" sz="4400" b="1" dirty="0" err="1"/>
-              <a:t>Rubycritic</a:t>
+              <a:t>Rubocop</a:t>
             </a:r>
             <a:br>
               <a:rPr lang="pt-BR" sz="4400" dirty="0"/>
@@ -11443,214 +11463,12 @@
           </a:p>
         </p:txBody>
       </p:sp>
-      <p:sp>
-        <p:nvSpPr>
-          <p:cNvPr id="9" name="Espaço Reservado para Texto 8">
+      <p:pic>
+        <p:nvPicPr>
+          <p:cNvPr id="11" name="Espaço Reservado para Imagem 10">
             <a:extLst>
               <a:ext uri="{FF2B5EF4-FFF2-40B4-BE49-F238E27FC236}">
-                <a16:creationId xmlns:a16="http://schemas.microsoft.com/office/drawing/2014/main" id="{043D2A20-5E53-4C9E-9203-D6E0ED96BB10}"/>
-              </a:ext>
-            </a:extLst>
-          </p:cNvPr>
-          <p:cNvSpPr>
-            <a:spLocks noGrp="1"/>
-          </p:cNvSpPr>
-          <p:nvPr>
-            <p:ph type="body" sz="half" idx="2"/>
-          </p:nvPr>
-        </p:nvSpPr>
-        <p:spPr/>
-        <p:txBody>
-          <a:bodyPr>
-            <a:normAutofit/>
-          </a:bodyPr>
-          <a:lstStyle/>
-          <a:p>
-            <a:r>
-              <a:rPr lang="pt-BR" sz="2400" dirty="0"/>
-              <a:t>Para rodar </a:t>
-            </a:r>
-            <a:r>
-              <a:rPr lang="pt-BR" sz="2400" b="1" dirty="0" err="1"/>
-              <a:t>Rubycritic</a:t>
-            </a:r>
-            <a:r>
-              <a:rPr lang="pt-BR" sz="2400" dirty="0"/>
-              <a:t>, flag </a:t>
-            </a:r>
-            <a:r>
-              <a:rPr lang="pt-BR" sz="2400" b="1" dirty="0" err="1"/>
-              <a:t>robycritic</a:t>
-            </a:r>
-            <a:r>
-              <a:rPr lang="pt-BR" sz="2400" dirty="0"/>
-              <a:t> tem de ser habilitado.</a:t>
-            </a:r>
-            <a:br>
-              <a:rPr lang="pt-BR" sz="2400" dirty="0"/>
-            </a:br>
-            <a:br>
-              <a:rPr lang="pt-BR" sz="2400" dirty="0"/>
-            </a:br>
-            <a:r>
-              <a:rPr lang="pt-BR" sz="2000" b="1" dirty="0">
-                <a:latin typeface="Courier New" panose="02070309020205020404" pitchFamily="49" charset="0"/>
-                <a:cs typeface="Courier New" panose="02070309020205020404" pitchFamily="49" charset="0"/>
-              </a:rPr>
-              <a:t>$ site set </a:t>
-            </a:r>
-            <a:r>
-              <a:rPr lang="pt-BR" sz="2000" b="1" dirty="0" err="1">
-                <a:latin typeface="Courier New" panose="02070309020205020404" pitchFamily="49" charset="0"/>
-                <a:cs typeface="Courier New" panose="02070309020205020404" pitchFamily="49" charset="0"/>
-              </a:rPr>
-              <a:t>rubycritic</a:t>
-            </a:r>
-            <a:br>
-              <a:rPr lang="pt-BR" sz="2000" b="1" dirty="0">
-                <a:latin typeface="Courier New" panose="02070309020205020404" pitchFamily="49" charset="0"/>
-                <a:cs typeface="Courier New" panose="02070309020205020404" pitchFamily="49" charset="0"/>
-              </a:rPr>
-            </a:br>
-            <a:br>
-              <a:rPr lang="pt-BR" sz="2000" b="1" dirty="0">
-                <a:latin typeface="Courier New" panose="02070309020205020404" pitchFamily="49" charset="0"/>
-                <a:cs typeface="Courier New" panose="02070309020205020404" pitchFamily="49" charset="0"/>
-              </a:rPr>
-            </a:br>
-            <a:r>
-              <a:rPr lang="pt-BR" sz="2000" b="1" dirty="0">
-                <a:latin typeface="Courier New" panose="02070309020205020404" pitchFamily="49" charset="0"/>
-                <a:cs typeface="Courier New" panose="02070309020205020404" pitchFamily="49" charset="0"/>
-              </a:rPr>
-              <a:t>$ </a:t>
-            </a:r>
-            <a:r>
-              <a:rPr lang="pt-BR" sz="2000" b="1" dirty="0" err="1">
-                <a:latin typeface="Courier New" panose="02070309020205020404" pitchFamily="49" charset="0"/>
-                <a:cs typeface="Courier New" panose="02070309020205020404" pitchFamily="49" charset="0"/>
-              </a:rPr>
-              <a:t>rubycritic</a:t>
-            </a:r>
-            <a:br>
-              <a:rPr lang="pt-BR" sz="2000" b="1" dirty="0">
-                <a:latin typeface="Courier New" panose="02070309020205020404" pitchFamily="49" charset="0"/>
-                <a:cs typeface="Courier New" panose="02070309020205020404" pitchFamily="49" charset="0"/>
-              </a:rPr>
-            </a:br>
-            <a:br>
-              <a:rPr lang="pt-BR" sz="2000" b="1" dirty="0">
-                <a:latin typeface="Courier New" panose="02070309020205020404" pitchFamily="49" charset="0"/>
-                <a:cs typeface="Courier New" panose="02070309020205020404" pitchFamily="49" charset="0"/>
-              </a:rPr>
-            </a:br>
-            <a:r>
-              <a:rPr lang="pt-BR" sz="2000" b="1" dirty="0">
-                <a:latin typeface="Courier New" panose="02070309020205020404" pitchFamily="49" charset="0"/>
-                <a:cs typeface="Courier New" panose="02070309020205020404" pitchFamily="49" charset="0"/>
-              </a:rPr>
-              <a:t>$ site</a:t>
-            </a:r>
-          </a:p>
-          <a:p>
-            <a:r>
-              <a:rPr lang="pt-BR" sz="2000" b="1" dirty="0">
-                <a:latin typeface="Courier New" panose="02070309020205020404" pitchFamily="49" charset="0"/>
-                <a:cs typeface="Courier New" panose="02070309020205020404" pitchFamily="49" charset="0"/>
-              </a:rPr>
-              <a:t>$ </a:t>
-            </a:r>
-            <a:r>
-              <a:rPr lang="pt-BR" sz="2000" b="1" dirty="0" err="1">
-                <a:latin typeface="Courier New" panose="02070309020205020404" pitchFamily="49" charset="0"/>
-                <a:cs typeface="Courier New" panose="02070309020205020404" pitchFamily="49" charset="0"/>
-              </a:rPr>
-              <a:t>xdg</a:t>
-            </a:r>
-            <a:r>
-              <a:rPr lang="pt-BR" sz="2000" b="1" dirty="0">
-                <a:latin typeface="Courier New" panose="02070309020205020404" pitchFamily="49" charset="0"/>
-                <a:cs typeface="Courier New" panose="02070309020205020404" pitchFamily="49" charset="0"/>
-              </a:rPr>
-              <a:t>-open tmp/</a:t>
-            </a:r>
-            <a:r>
-              <a:rPr lang="pt-BR" sz="2000" b="1" dirty="0" err="1">
-                <a:latin typeface="Courier New" panose="02070309020205020404" pitchFamily="49" charset="0"/>
-                <a:cs typeface="Courier New" panose="02070309020205020404" pitchFamily="49" charset="0"/>
-              </a:rPr>
-              <a:t>rubycritic</a:t>
-            </a:r>
-            <a:r>
-              <a:rPr lang="pt-BR" sz="2000" b="1" dirty="0">
-                <a:latin typeface="Courier New" panose="02070309020205020404" pitchFamily="49" charset="0"/>
-                <a:cs typeface="Courier New" panose="02070309020205020404" pitchFamily="49" charset="0"/>
-              </a:rPr>
-              <a:t>/overview.html</a:t>
-            </a:r>
-            <a:br>
-              <a:rPr lang="pt-BR" sz="2000" b="1" dirty="0">
-                <a:latin typeface="Courier New" panose="02070309020205020404" pitchFamily="49" charset="0"/>
-                <a:cs typeface="Courier New" panose="02070309020205020404" pitchFamily="49" charset="0"/>
-              </a:rPr>
-            </a:br>
-            <a:r>
-              <a:rPr lang="pt-BR" sz="2000" b="1" dirty="0">
-                <a:latin typeface="Courier New" panose="02070309020205020404" pitchFamily="49" charset="0"/>
-                <a:cs typeface="Courier New" panose="02070309020205020404" pitchFamily="49" charset="0"/>
-              </a:rPr>
-              <a:t>:</a:t>
-            </a:r>
-            <a:br>
-              <a:rPr lang="pt-BR" sz="2000" b="1" dirty="0">
-                <a:latin typeface="Courier New" panose="02070309020205020404" pitchFamily="49" charset="0"/>
-                <a:cs typeface="Courier New" panose="02070309020205020404" pitchFamily="49" charset="0"/>
-              </a:rPr>
-            </a:br>
-            <a:r>
-              <a:rPr lang="pt-BR" sz="2000" b="1" dirty="0">
-                <a:latin typeface="Courier New" panose="02070309020205020404" pitchFamily="49" charset="0"/>
-                <a:cs typeface="Courier New" panose="02070309020205020404" pitchFamily="49" charset="0"/>
-              </a:rPr>
-              <a:t>$ site </a:t>
-            </a:r>
-            <a:r>
-              <a:rPr lang="pt-BR" sz="2000" b="1" dirty="0" err="1">
-                <a:latin typeface="Courier New" panose="02070309020205020404" pitchFamily="49" charset="0"/>
-                <a:cs typeface="Courier New" panose="02070309020205020404" pitchFamily="49" charset="0"/>
-              </a:rPr>
-              <a:t>unset</a:t>
-            </a:r>
-            <a:r>
-              <a:rPr lang="pt-BR" sz="2000" b="1" dirty="0">
-                <a:latin typeface="Courier New" panose="02070309020205020404" pitchFamily="49" charset="0"/>
-                <a:cs typeface="Courier New" panose="02070309020205020404" pitchFamily="49" charset="0"/>
-              </a:rPr>
-              <a:t> </a:t>
-            </a:r>
-            <a:r>
-              <a:rPr lang="pt-BR" sz="2000" b="1" dirty="0" err="1">
-                <a:latin typeface="Courier New" panose="02070309020205020404" pitchFamily="49" charset="0"/>
-                <a:cs typeface="Courier New" panose="02070309020205020404" pitchFamily="49" charset="0"/>
-              </a:rPr>
-              <a:t>rubycritic</a:t>
-            </a:r>
-            <a:endParaRPr lang="pt-BR" sz="2000" b="1" dirty="0">
-              <a:latin typeface="Courier New" panose="02070309020205020404" pitchFamily="49" charset="0"/>
-              <a:cs typeface="Courier New" panose="02070309020205020404" pitchFamily="49" charset="0"/>
-            </a:endParaRPr>
-          </a:p>
-          <a:p>
-            <a:endParaRPr lang="pt-BR" dirty="0"/>
-          </a:p>
-        </p:txBody>
-      </p:sp>
-      <p:pic>
-        <p:nvPicPr>
-          <p:cNvPr id="6" name="Espaço Reservado para Imagem 5">
-            <a:extLst>
-              <a:ext uri="{FF2B5EF4-FFF2-40B4-BE49-F238E27FC236}">
-                <a16:creationId xmlns:a16="http://schemas.microsoft.com/office/drawing/2014/main" id="{9D20D91A-D2F5-4E89-90B5-0D8304EF7530}"/>
+                <a16:creationId xmlns:a16="http://schemas.microsoft.com/office/drawing/2014/main" id="{0A878858-4340-4870-98D3-DE9719FC082B}"/>
               </a:ext>
             </a:extLst>
           </p:cNvPr>
@@ -11668,10 +11486,198 @@
         </p:blipFill>
         <p:spPr/>
       </p:pic>
+      <p:sp>
+        <p:nvSpPr>
+          <p:cNvPr id="9" name="Espaço Reservado para Texto 8">
+            <a:extLst>
+              <a:ext uri="{FF2B5EF4-FFF2-40B4-BE49-F238E27FC236}">
+                <a16:creationId xmlns:a16="http://schemas.microsoft.com/office/drawing/2014/main" id="{043D2A20-5E53-4C9E-9203-D6E0ED96BB10}"/>
+              </a:ext>
+            </a:extLst>
+          </p:cNvPr>
+          <p:cNvSpPr>
+            <a:spLocks noGrp="1"/>
+          </p:cNvSpPr>
+          <p:nvPr>
+            <p:ph type="body" sz="half" idx="2"/>
+          </p:nvPr>
+        </p:nvSpPr>
+        <p:spPr/>
+        <p:txBody>
+          <a:bodyPr/>
+          <a:lstStyle/>
+          <a:p>
+            <a:r>
+              <a:rPr lang="pt-BR" sz="2400" dirty="0"/>
+              <a:t>Para rodar </a:t>
+            </a:r>
+            <a:r>
+              <a:rPr lang="pt-BR" sz="2400" b="1" dirty="0" err="1"/>
+              <a:t>Rubocop</a:t>
+            </a:r>
+            <a:r>
+              <a:rPr lang="pt-BR" sz="2400" dirty="0"/>
+              <a:t>, flag </a:t>
+            </a:r>
+            <a:r>
+              <a:rPr lang="pt-BR" sz="2400" b="1" dirty="0"/>
+              <a:t>robocop</a:t>
+            </a:r>
+            <a:r>
+              <a:rPr lang="pt-BR" sz="2400" dirty="0"/>
+              <a:t> tem de ser habilitado.</a:t>
+            </a:r>
+            <a:br>
+              <a:rPr lang="pt-BR" sz="2400" dirty="0"/>
+            </a:br>
+            <a:br>
+              <a:rPr lang="pt-BR" sz="2400" dirty="0"/>
+            </a:br>
+            <a:r>
+              <a:rPr lang="pt-BR" sz="2000" b="1" dirty="0">
+                <a:latin typeface="Courier New" panose="02070309020205020404" pitchFamily="49" charset="0"/>
+                <a:cs typeface="Courier New" panose="02070309020205020404" pitchFamily="49" charset="0"/>
+              </a:rPr>
+              <a:t>$ site set </a:t>
+            </a:r>
+            <a:r>
+              <a:rPr lang="pt-BR" sz="2000" b="1" dirty="0" err="1">
+                <a:latin typeface="Courier New" panose="02070309020205020404" pitchFamily="49" charset="0"/>
+                <a:cs typeface="Courier New" panose="02070309020205020404" pitchFamily="49" charset="0"/>
+              </a:rPr>
+              <a:t>rubocop</a:t>
+            </a:r>
+            <a:br>
+              <a:rPr lang="pt-BR" sz="2000" b="1" dirty="0">
+                <a:latin typeface="Courier New" panose="02070309020205020404" pitchFamily="49" charset="0"/>
+                <a:cs typeface="Courier New" panose="02070309020205020404" pitchFamily="49" charset="0"/>
+              </a:rPr>
+            </a:br>
+            <a:r>
+              <a:rPr lang="pt-BR" sz="2000" b="1" dirty="0">
+                <a:latin typeface="Courier New" panose="02070309020205020404" pitchFamily="49" charset="0"/>
+                <a:cs typeface="Courier New" panose="02070309020205020404" pitchFamily="49" charset="0"/>
+              </a:rPr>
+              <a:t>$ site robocop </a:t>
+            </a:r>
+            <a:r>
+              <a:rPr lang="pt-BR" sz="2000" b="1" dirty="0" err="1">
+                <a:latin typeface="Courier New" panose="02070309020205020404" pitchFamily="49" charset="0"/>
+                <a:cs typeface="Courier New" panose="02070309020205020404" pitchFamily="49" charset="0"/>
+              </a:rPr>
+              <a:t>Gemfile</a:t>
+            </a:r>
+            <a:br>
+              <a:rPr lang="pt-BR" sz="2000" b="1" dirty="0">
+                <a:latin typeface="Courier New" panose="02070309020205020404" pitchFamily="49" charset="0"/>
+                <a:cs typeface="Courier New" panose="02070309020205020404" pitchFamily="49" charset="0"/>
+              </a:rPr>
+            </a:br>
+            <a:r>
+              <a:rPr lang="pt-BR" sz="2000" b="1" dirty="0">
+                <a:latin typeface="Courier New" panose="02070309020205020404" pitchFamily="49" charset="0"/>
+                <a:cs typeface="Courier New" panose="02070309020205020404" pitchFamily="49" charset="0"/>
+              </a:rPr>
+              <a:t>$ site</a:t>
+            </a:r>
+            <a:br>
+              <a:rPr lang="pt-BR" sz="2000" b="1" dirty="0">
+                <a:latin typeface="Courier New" panose="02070309020205020404" pitchFamily="49" charset="0"/>
+                <a:cs typeface="Courier New" panose="02070309020205020404" pitchFamily="49" charset="0"/>
+              </a:rPr>
+            </a:br>
+            <a:r>
+              <a:rPr lang="pt-BR" sz="2000" b="1" dirty="0">
+                <a:latin typeface="Courier New" panose="02070309020205020404" pitchFamily="49" charset="0"/>
+                <a:cs typeface="Courier New" panose="02070309020205020404" pitchFamily="49" charset="0"/>
+              </a:rPr>
+              <a:t>$ </a:t>
+            </a:r>
+            <a:r>
+              <a:rPr lang="pt-BR" sz="2000" b="1" dirty="0" err="1">
+                <a:latin typeface="Courier New" panose="02070309020205020404" pitchFamily="49" charset="0"/>
+                <a:cs typeface="Courier New" panose="02070309020205020404" pitchFamily="49" charset="0"/>
+              </a:rPr>
+              <a:t>xdg</a:t>
+            </a:r>
+            <a:r>
+              <a:rPr lang="pt-BR" sz="2000" b="1" dirty="0">
+                <a:latin typeface="Courier New" panose="02070309020205020404" pitchFamily="49" charset="0"/>
+                <a:cs typeface="Courier New" panose="02070309020205020404" pitchFamily="49" charset="0"/>
+              </a:rPr>
+              <a:t>-open tmp/</a:t>
+            </a:r>
+            <a:r>
+              <a:rPr lang="pt-BR" sz="2000" b="1" dirty="0" err="1">
+                <a:latin typeface="Courier New" panose="02070309020205020404" pitchFamily="49" charset="0"/>
+                <a:cs typeface="Courier New" panose="02070309020205020404" pitchFamily="49" charset="0"/>
+              </a:rPr>
+              <a:t>rubocop</a:t>
+            </a:r>
+            <a:r>
+              <a:rPr lang="pt-BR" sz="2000" b="1" dirty="0">
+                <a:latin typeface="Courier New" panose="02070309020205020404" pitchFamily="49" charset="0"/>
+                <a:cs typeface="Courier New" panose="02070309020205020404" pitchFamily="49" charset="0"/>
+              </a:rPr>
+              <a:t>/overview.html</a:t>
+            </a:r>
+          </a:p>
+          <a:p>
+            <a:r>
+              <a:rPr lang="pt-BR" sz="2000" b="1" dirty="0">
+                <a:latin typeface="Courier New" panose="02070309020205020404" pitchFamily="49" charset="0"/>
+                <a:cs typeface="Courier New" panose="02070309020205020404" pitchFamily="49" charset="0"/>
+              </a:rPr>
+              <a:t>:</a:t>
+            </a:r>
+            <a:br>
+              <a:rPr lang="pt-BR" sz="2000" b="1" dirty="0">
+                <a:latin typeface="Courier New" panose="02070309020205020404" pitchFamily="49" charset="0"/>
+                <a:cs typeface="Courier New" panose="02070309020205020404" pitchFamily="49" charset="0"/>
+              </a:rPr>
+            </a:br>
+            <a:r>
+              <a:rPr lang="pt-BR" sz="2000" b="1" dirty="0">
+                <a:latin typeface="Courier New" panose="02070309020205020404" pitchFamily="49" charset="0"/>
+                <a:cs typeface="Courier New" panose="02070309020205020404" pitchFamily="49" charset="0"/>
+              </a:rPr>
+              <a:t>$ site </a:t>
+            </a:r>
+            <a:r>
+              <a:rPr lang="pt-BR" sz="2000" b="1" dirty="0" err="1">
+                <a:latin typeface="Courier New" panose="02070309020205020404" pitchFamily="49" charset="0"/>
+                <a:cs typeface="Courier New" panose="02070309020205020404" pitchFamily="49" charset="0"/>
+              </a:rPr>
+              <a:t>unset</a:t>
+            </a:r>
+            <a:r>
+              <a:rPr lang="pt-BR" sz="2000" b="1" dirty="0">
+                <a:latin typeface="Courier New" panose="02070309020205020404" pitchFamily="49" charset="0"/>
+                <a:cs typeface="Courier New" panose="02070309020205020404" pitchFamily="49" charset="0"/>
+              </a:rPr>
+              <a:t> </a:t>
+            </a:r>
+            <a:r>
+              <a:rPr lang="pt-BR" sz="2000" b="1" dirty="0" err="1">
+                <a:latin typeface="Courier New" panose="02070309020205020404" pitchFamily="49" charset="0"/>
+                <a:cs typeface="Courier New" panose="02070309020205020404" pitchFamily="49" charset="0"/>
+              </a:rPr>
+              <a:t>rubocop</a:t>
+            </a:r>
+            <a:endParaRPr lang="pt-BR" sz="2000" b="1" dirty="0">
+              <a:latin typeface="Courier New" panose="02070309020205020404" pitchFamily="49" charset="0"/>
+              <a:cs typeface="Courier New" panose="02070309020205020404" pitchFamily="49" charset="0"/>
+            </a:endParaRPr>
+          </a:p>
+          <a:p>
+            <a:endParaRPr lang="pt-BR" dirty="0"/>
+          </a:p>
+        </p:txBody>
+      </p:sp>
     </p:spTree>
     <p:extLst>
       <p:ext uri="{BB962C8B-B14F-4D97-AF65-F5344CB8AC3E}">
-        <p14:creationId xmlns:p14="http://schemas.microsoft.com/office/powerpoint/2010/main" val="431215963"/>
+        <p14:creationId xmlns:p14="http://schemas.microsoft.com/office/powerpoint/2010/main" val="1787356080"/>
       </p:ext>
     </p:extLst>
   </p:cSld>
@@ -12350,7 +12356,7 @@
           <a:p>
             <a:r>
               <a:rPr lang="pt-BR" sz="4400" b="1" dirty="0" err="1"/>
-              <a:t>Rubycritic</a:t>
+              <a:t>Rubocop</a:t>
             </a:r>
             <a:br>
               <a:rPr lang="pt-BR" sz="4400" dirty="0"/>
@@ -12361,10 +12367,10 @@
       </p:sp>
       <p:pic>
         <p:nvPicPr>
-          <p:cNvPr id="9" name="Imagem 8">
+          <p:cNvPr id="4" name="Imagem 3">
             <a:extLst>
               <a:ext uri="{FF2B5EF4-FFF2-40B4-BE49-F238E27FC236}">
-                <a16:creationId xmlns:a16="http://schemas.microsoft.com/office/drawing/2014/main" id="{9C0C35D4-CF68-4091-B23B-5E45793834F7}"/>
+                <a16:creationId xmlns:a16="http://schemas.microsoft.com/office/drawing/2014/main" id="{A74AC605-CD64-4E79-9688-D2564A16E149}"/>
               </a:ext>
             </a:extLst>
           </p:cNvPr>
@@ -12381,8 +12387,8 @@
         </p:blipFill>
         <p:spPr>
           <a:xfrm>
-            <a:off x="199848" y="1110882"/>
-            <a:ext cx="11600267" cy="5539155"/>
+            <a:off x="275453" y="1027186"/>
+            <a:ext cx="11641093" cy="5622851"/>
           </a:xfrm>
           <a:prstGeom prst="rect">
             <a:avLst/>
@@ -12392,7 +12398,7 @@
     </p:spTree>
     <p:extLst>
       <p:ext uri="{BB962C8B-B14F-4D97-AF65-F5344CB8AC3E}">
-        <p14:creationId xmlns:p14="http://schemas.microsoft.com/office/powerpoint/2010/main" val="3332980081"/>
+        <p14:creationId xmlns:p14="http://schemas.microsoft.com/office/powerpoint/2010/main" val="939257264"/>
       </p:ext>
     </p:extLst>
   </p:cSld>
@@ -12518,23 +12524,7 @@
             <a:pPr algn="l"/>
             <a:r>
               <a:rPr lang="pt-BR" b="1" dirty="0" err="1"/>
-              <a:t>Bundler</a:t>
-            </a:r>
-            <a:r>
-              <a:rPr lang="pt-BR" b="1" dirty="0"/>
-              <a:t> </a:t>
-            </a:r>
-            <a:r>
-              <a:rPr lang="pt-BR" b="1" dirty="0" err="1"/>
-              <a:t>Audit</a:t>
-            </a:r>
-            <a:r>
-              <a:rPr lang="pt-BR" b="1" dirty="0"/>
-              <a:t> e </a:t>
-            </a:r>
-            <a:r>
-              <a:rPr lang="pt-BR" b="1" dirty="0" err="1"/>
-              <a:t>Brakeman</a:t>
+              <a:t>Rubycritic</a:t>
             </a:r>
             <a:endParaRPr lang="pt-BR" b="1" dirty="0"/>
           </a:p>
@@ -12570,9 +12560,10 @@
           <a:p>
             <a:pPr algn="l"/>
             <a:r>
-              <a:rPr lang="pt-BR" b="1" dirty="0"/>
-              <a:t>Vulnerabilidades</a:t>
-            </a:r>
+              <a:rPr lang="pt-BR" b="1" dirty="0" err="1"/>
+              <a:t>Refatoração</a:t>
+            </a:r>
+            <a:endParaRPr lang="pt-BR" b="1" dirty="0"/>
           </a:p>
         </p:txBody>
       </p:sp>
@@ -13352,10 +13343,10 @@
       </p:sp>
       <p:pic>
         <p:nvPicPr>
-          <p:cNvPr id="5" name="Imagem 4" descr="Desenho de rosto de pessoa visto de perto&#10;&#10;Descrição gerada automaticamente com confiança baixa">
+          <p:cNvPr id="5" name="Imagem 4" descr="Uma imagem contendo Ícone&#10;&#10;Descrição gerada automaticamente">
             <a:extLst>
               <a:ext uri="{FF2B5EF4-FFF2-40B4-BE49-F238E27FC236}">
-                <a16:creationId xmlns:a16="http://schemas.microsoft.com/office/drawing/2014/main" id="{E9A00CF8-5690-4AE3-AE28-FDBAAF5C9BA7}"/>
+                <a16:creationId xmlns:a16="http://schemas.microsoft.com/office/drawing/2014/main" id="{33B794A7-71CB-4313-821D-49D48031B61A}"/>
               </a:ext>
             </a:extLst>
           </p:cNvPr>
@@ -13378,8 +13369,8 @@
         </p:blipFill>
         <p:spPr>
           <a:xfrm>
-            <a:off x="7531503" y="2263362"/>
-            <a:ext cx="3217333" cy="2949222"/>
+            <a:off x="7531503" y="2376794"/>
+            <a:ext cx="3217333" cy="2722358"/>
           </a:xfrm>
           <a:prstGeom prst="rect">
             <a:avLst/>
@@ -13389,7 +13380,7 @@
     </p:spTree>
     <p:extLst>
       <p:ext uri="{BB962C8B-B14F-4D97-AF65-F5344CB8AC3E}">
-        <p14:creationId xmlns:p14="http://schemas.microsoft.com/office/powerpoint/2010/main" val="2730883103"/>
+        <p14:creationId xmlns:p14="http://schemas.microsoft.com/office/powerpoint/2010/main" val="861647826"/>
       </p:ext>
     </p:extLst>
   </p:cSld>
@@ -13421,7 +13412,7 @@
           <p:cNvPr id="2" name="Título 1">
             <a:extLst>
               <a:ext uri="{FF2B5EF4-FFF2-40B4-BE49-F238E27FC236}">
-                <a16:creationId xmlns:a16="http://schemas.microsoft.com/office/drawing/2014/main" id="{4658C3E1-8D23-4C34-A18D-A03419EF9F1C}"/>
+                <a16:creationId xmlns:a16="http://schemas.microsoft.com/office/drawing/2014/main" id="{3E516DF0-911B-4D22-8061-C05CE57B19E4}"/>
               </a:ext>
             </a:extLst>
           </p:cNvPr>
@@ -13432,7 +13423,12 @@
             <p:ph type="title"/>
           </p:nvPr>
         </p:nvSpPr>
-        <p:spPr/>
+        <p:spPr>
+          <a:xfrm>
+            <a:off x="1216891" y="77478"/>
+            <a:ext cx="10734964" cy="761712"/>
+          </a:xfrm>
+        </p:spPr>
         <p:txBody>
           <a:bodyPr>
             <a:normAutofit fontScale="90000"/>
@@ -13441,15 +13437,7 @@
           <a:p>
             <a:r>
               <a:rPr lang="pt-BR" sz="4400" b="1" dirty="0" err="1"/>
-              <a:t>Bundler</a:t>
-            </a:r>
-            <a:r>
-              <a:rPr lang="pt-BR" sz="4400" b="1" dirty="0"/>
-              <a:t> </a:t>
-            </a:r>
-            <a:r>
-              <a:rPr lang="pt-BR" sz="4400" b="1" dirty="0" err="1"/>
-              <a:t>Audit</a:t>
+              <a:t>Rubycritic</a:t>
             </a:r>
             <a:br>
               <a:rPr lang="pt-BR" sz="4400" dirty="0"/>
@@ -13458,12 +13446,214 @@
           </a:p>
         </p:txBody>
       </p:sp>
+      <p:sp>
+        <p:nvSpPr>
+          <p:cNvPr id="9" name="Espaço Reservado para Texto 8">
+            <a:extLst>
+              <a:ext uri="{FF2B5EF4-FFF2-40B4-BE49-F238E27FC236}">
+                <a16:creationId xmlns:a16="http://schemas.microsoft.com/office/drawing/2014/main" id="{043D2A20-5E53-4C9E-9203-D6E0ED96BB10}"/>
+              </a:ext>
+            </a:extLst>
+          </p:cNvPr>
+          <p:cNvSpPr>
+            <a:spLocks noGrp="1"/>
+          </p:cNvSpPr>
+          <p:nvPr>
+            <p:ph type="body" sz="half" idx="2"/>
+          </p:nvPr>
+        </p:nvSpPr>
+        <p:spPr/>
+        <p:txBody>
+          <a:bodyPr>
+            <a:normAutofit/>
+          </a:bodyPr>
+          <a:lstStyle/>
+          <a:p>
+            <a:r>
+              <a:rPr lang="pt-BR" sz="2400" dirty="0"/>
+              <a:t>Para rodar </a:t>
+            </a:r>
+            <a:r>
+              <a:rPr lang="pt-BR" sz="2400" b="1" dirty="0" err="1"/>
+              <a:t>Rubycritic</a:t>
+            </a:r>
+            <a:r>
+              <a:rPr lang="pt-BR" sz="2400" dirty="0"/>
+              <a:t>, flag </a:t>
+            </a:r>
+            <a:r>
+              <a:rPr lang="pt-BR" sz="2400" b="1" dirty="0" err="1"/>
+              <a:t>robycritic</a:t>
+            </a:r>
+            <a:r>
+              <a:rPr lang="pt-BR" sz="2400" dirty="0"/>
+              <a:t> tem de ser habilitado.</a:t>
+            </a:r>
+            <a:br>
+              <a:rPr lang="pt-BR" sz="2400" dirty="0"/>
+            </a:br>
+            <a:br>
+              <a:rPr lang="pt-BR" sz="2400" dirty="0"/>
+            </a:br>
+            <a:r>
+              <a:rPr lang="pt-BR" sz="2000" b="1" dirty="0">
+                <a:latin typeface="Courier New" panose="02070309020205020404" pitchFamily="49" charset="0"/>
+                <a:cs typeface="Courier New" panose="02070309020205020404" pitchFamily="49" charset="0"/>
+              </a:rPr>
+              <a:t>$ site set </a:t>
+            </a:r>
+            <a:r>
+              <a:rPr lang="pt-BR" sz="2000" b="1" dirty="0" err="1">
+                <a:latin typeface="Courier New" panose="02070309020205020404" pitchFamily="49" charset="0"/>
+                <a:cs typeface="Courier New" panose="02070309020205020404" pitchFamily="49" charset="0"/>
+              </a:rPr>
+              <a:t>rubycritic</a:t>
+            </a:r>
+            <a:br>
+              <a:rPr lang="pt-BR" sz="2000" b="1" dirty="0">
+                <a:latin typeface="Courier New" panose="02070309020205020404" pitchFamily="49" charset="0"/>
+                <a:cs typeface="Courier New" panose="02070309020205020404" pitchFamily="49" charset="0"/>
+              </a:rPr>
+            </a:br>
+            <a:br>
+              <a:rPr lang="pt-BR" sz="2000" b="1" dirty="0">
+                <a:latin typeface="Courier New" panose="02070309020205020404" pitchFamily="49" charset="0"/>
+                <a:cs typeface="Courier New" panose="02070309020205020404" pitchFamily="49" charset="0"/>
+              </a:rPr>
+            </a:br>
+            <a:r>
+              <a:rPr lang="pt-BR" sz="2000" b="1" dirty="0">
+                <a:latin typeface="Courier New" panose="02070309020205020404" pitchFamily="49" charset="0"/>
+                <a:cs typeface="Courier New" panose="02070309020205020404" pitchFamily="49" charset="0"/>
+              </a:rPr>
+              <a:t>$ </a:t>
+            </a:r>
+            <a:r>
+              <a:rPr lang="pt-BR" sz="2000" b="1" dirty="0" err="1">
+                <a:latin typeface="Courier New" panose="02070309020205020404" pitchFamily="49" charset="0"/>
+                <a:cs typeface="Courier New" panose="02070309020205020404" pitchFamily="49" charset="0"/>
+              </a:rPr>
+              <a:t>rubycritic</a:t>
+            </a:r>
+            <a:br>
+              <a:rPr lang="pt-BR" sz="2000" b="1" dirty="0">
+                <a:latin typeface="Courier New" panose="02070309020205020404" pitchFamily="49" charset="0"/>
+                <a:cs typeface="Courier New" panose="02070309020205020404" pitchFamily="49" charset="0"/>
+              </a:rPr>
+            </a:br>
+            <a:br>
+              <a:rPr lang="pt-BR" sz="2000" b="1" dirty="0">
+                <a:latin typeface="Courier New" panose="02070309020205020404" pitchFamily="49" charset="0"/>
+                <a:cs typeface="Courier New" panose="02070309020205020404" pitchFamily="49" charset="0"/>
+              </a:rPr>
+            </a:br>
+            <a:r>
+              <a:rPr lang="pt-BR" sz="2000" b="1" dirty="0">
+                <a:latin typeface="Courier New" panose="02070309020205020404" pitchFamily="49" charset="0"/>
+                <a:cs typeface="Courier New" panose="02070309020205020404" pitchFamily="49" charset="0"/>
+              </a:rPr>
+              <a:t>$ site</a:t>
+            </a:r>
+          </a:p>
+          <a:p>
+            <a:r>
+              <a:rPr lang="pt-BR" sz="2000" b="1" dirty="0">
+                <a:latin typeface="Courier New" panose="02070309020205020404" pitchFamily="49" charset="0"/>
+                <a:cs typeface="Courier New" panose="02070309020205020404" pitchFamily="49" charset="0"/>
+              </a:rPr>
+              <a:t>$ </a:t>
+            </a:r>
+            <a:r>
+              <a:rPr lang="pt-BR" sz="2000" b="1" dirty="0" err="1">
+                <a:latin typeface="Courier New" panose="02070309020205020404" pitchFamily="49" charset="0"/>
+                <a:cs typeface="Courier New" panose="02070309020205020404" pitchFamily="49" charset="0"/>
+              </a:rPr>
+              <a:t>xdg</a:t>
+            </a:r>
+            <a:r>
+              <a:rPr lang="pt-BR" sz="2000" b="1" dirty="0">
+                <a:latin typeface="Courier New" panose="02070309020205020404" pitchFamily="49" charset="0"/>
+                <a:cs typeface="Courier New" panose="02070309020205020404" pitchFamily="49" charset="0"/>
+              </a:rPr>
+              <a:t>-open tmp/</a:t>
+            </a:r>
+            <a:r>
+              <a:rPr lang="pt-BR" sz="2000" b="1" dirty="0" err="1">
+                <a:latin typeface="Courier New" panose="02070309020205020404" pitchFamily="49" charset="0"/>
+                <a:cs typeface="Courier New" panose="02070309020205020404" pitchFamily="49" charset="0"/>
+              </a:rPr>
+              <a:t>rubycritic</a:t>
+            </a:r>
+            <a:r>
+              <a:rPr lang="pt-BR" sz="2000" b="1" dirty="0">
+                <a:latin typeface="Courier New" panose="02070309020205020404" pitchFamily="49" charset="0"/>
+                <a:cs typeface="Courier New" panose="02070309020205020404" pitchFamily="49" charset="0"/>
+              </a:rPr>
+              <a:t>/overview.html</a:t>
+            </a:r>
+            <a:br>
+              <a:rPr lang="pt-BR" sz="2000" b="1" dirty="0">
+                <a:latin typeface="Courier New" panose="02070309020205020404" pitchFamily="49" charset="0"/>
+                <a:cs typeface="Courier New" panose="02070309020205020404" pitchFamily="49" charset="0"/>
+              </a:rPr>
+            </a:br>
+            <a:r>
+              <a:rPr lang="pt-BR" sz="2000" b="1" dirty="0">
+                <a:latin typeface="Courier New" panose="02070309020205020404" pitchFamily="49" charset="0"/>
+                <a:cs typeface="Courier New" panose="02070309020205020404" pitchFamily="49" charset="0"/>
+              </a:rPr>
+              <a:t>:</a:t>
+            </a:r>
+            <a:br>
+              <a:rPr lang="pt-BR" sz="2000" b="1" dirty="0">
+                <a:latin typeface="Courier New" panose="02070309020205020404" pitchFamily="49" charset="0"/>
+                <a:cs typeface="Courier New" panose="02070309020205020404" pitchFamily="49" charset="0"/>
+              </a:rPr>
+            </a:br>
+            <a:r>
+              <a:rPr lang="pt-BR" sz="2000" b="1" dirty="0">
+                <a:latin typeface="Courier New" panose="02070309020205020404" pitchFamily="49" charset="0"/>
+                <a:cs typeface="Courier New" panose="02070309020205020404" pitchFamily="49" charset="0"/>
+              </a:rPr>
+              <a:t>$ site </a:t>
+            </a:r>
+            <a:r>
+              <a:rPr lang="pt-BR" sz="2000" b="1" dirty="0" err="1">
+                <a:latin typeface="Courier New" panose="02070309020205020404" pitchFamily="49" charset="0"/>
+                <a:cs typeface="Courier New" panose="02070309020205020404" pitchFamily="49" charset="0"/>
+              </a:rPr>
+              <a:t>unset</a:t>
+            </a:r>
+            <a:r>
+              <a:rPr lang="pt-BR" sz="2000" b="1" dirty="0">
+                <a:latin typeface="Courier New" panose="02070309020205020404" pitchFamily="49" charset="0"/>
+                <a:cs typeface="Courier New" panose="02070309020205020404" pitchFamily="49" charset="0"/>
+              </a:rPr>
+              <a:t> </a:t>
+            </a:r>
+            <a:r>
+              <a:rPr lang="pt-BR" sz="2000" b="1" dirty="0" err="1">
+                <a:latin typeface="Courier New" panose="02070309020205020404" pitchFamily="49" charset="0"/>
+                <a:cs typeface="Courier New" panose="02070309020205020404" pitchFamily="49" charset="0"/>
+              </a:rPr>
+              <a:t>rubycritic</a:t>
+            </a:r>
+            <a:endParaRPr lang="pt-BR" sz="2000" b="1" dirty="0">
+              <a:latin typeface="Courier New" panose="02070309020205020404" pitchFamily="49" charset="0"/>
+              <a:cs typeface="Courier New" panose="02070309020205020404" pitchFamily="49" charset="0"/>
+            </a:endParaRPr>
+          </a:p>
+          <a:p>
+            <a:endParaRPr lang="pt-BR" dirty="0"/>
+          </a:p>
+        </p:txBody>
+      </p:sp>
       <p:pic>
         <p:nvPicPr>
-          <p:cNvPr id="8" name="Espaço Reservado para Imagem 7">
+          <p:cNvPr id="6" name="Espaço Reservado para Imagem 5">
             <a:extLst>
               <a:ext uri="{FF2B5EF4-FFF2-40B4-BE49-F238E27FC236}">
-                <a16:creationId xmlns:a16="http://schemas.microsoft.com/office/drawing/2014/main" id="{A988D838-536B-456E-9535-DEA4FB42762C}"/>
+                <a16:creationId xmlns:a16="http://schemas.microsoft.com/office/drawing/2014/main" id="{9D20D91A-D2F5-4E89-90B5-0D8304EF7530}"/>
               </a:ext>
             </a:extLst>
           </p:cNvPr>
@@ -13481,172 +13671,10 @@
         </p:blipFill>
         <p:spPr/>
       </p:pic>
-      <p:sp>
-        <p:nvSpPr>
-          <p:cNvPr id="4" name="Espaço Reservado para Texto 3">
-            <a:extLst>
-              <a:ext uri="{FF2B5EF4-FFF2-40B4-BE49-F238E27FC236}">
-                <a16:creationId xmlns:a16="http://schemas.microsoft.com/office/drawing/2014/main" id="{1405302D-C47C-4953-993E-8D091EA75432}"/>
-              </a:ext>
-            </a:extLst>
-          </p:cNvPr>
-          <p:cNvSpPr>
-            <a:spLocks noGrp="1"/>
-          </p:cNvSpPr>
-          <p:nvPr>
-            <p:ph type="body" sz="half" idx="2"/>
-          </p:nvPr>
-        </p:nvSpPr>
-        <p:spPr/>
-        <p:txBody>
-          <a:bodyPr/>
-          <a:lstStyle/>
-          <a:p>
-            <a:r>
-              <a:rPr lang="pt-BR" sz="2400" dirty="0"/>
-              <a:t>Para rodar </a:t>
-            </a:r>
-            <a:r>
-              <a:rPr lang="pt-BR" sz="2400" b="1" dirty="0" err="1"/>
-              <a:t>Bundler</a:t>
-            </a:r>
-            <a:r>
-              <a:rPr lang="pt-BR" sz="2400" b="1" dirty="0"/>
-              <a:t> </a:t>
-            </a:r>
-            <a:r>
-              <a:rPr lang="pt-BR" sz="2400" b="1" dirty="0" err="1"/>
-              <a:t>Audit</a:t>
-            </a:r>
-            <a:r>
-              <a:rPr lang="pt-BR" sz="2400" dirty="0"/>
-              <a:t>, flag </a:t>
-            </a:r>
-            <a:r>
-              <a:rPr lang="pt-BR" sz="2400" b="1" dirty="0" err="1"/>
-              <a:t>audit</a:t>
-            </a:r>
-            <a:r>
-              <a:rPr lang="pt-BR" sz="2400" dirty="0"/>
-              <a:t> tem de ser habilitado.</a:t>
-            </a:r>
-            <a:br>
-              <a:rPr lang="pt-BR" sz="2400" dirty="0"/>
-            </a:br>
-            <a:br>
-              <a:rPr lang="pt-BR" sz="2400" dirty="0"/>
-            </a:br>
-            <a:r>
-              <a:rPr lang="pt-BR" sz="2000" b="1" dirty="0">
-                <a:latin typeface="Courier New" panose="02070309020205020404" pitchFamily="49" charset="0"/>
-                <a:cs typeface="Courier New" panose="02070309020205020404" pitchFamily="49" charset="0"/>
-              </a:rPr>
-              <a:t>$ site set </a:t>
-            </a:r>
-            <a:r>
-              <a:rPr lang="pt-BR" sz="2000" b="1" dirty="0" err="1">
-                <a:latin typeface="Courier New" panose="02070309020205020404" pitchFamily="49" charset="0"/>
-                <a:cs typeface="Courier New" panose="02070309020205020404" pitchFamily="49" charset="0"/>
-              </a:rPr>
-              <a:t>audit</a:t>
-            </a:r>
-            <a:br>
-              <a:rPr lang="pt-BR" sz="2000" b="1" dirty="0">
-                <a:latin typeface="Courier New" panose="02070309020205020404" pitchFamily="49" charset="0"/>
-                <a:cs typeface="Courier New" panose="02070309020205020404" pitchFamily="49" charset="0"/>
-              </a:rPr>
-            </a:br>
-            <a:r>
-              <a:rPr lang="pt-BR" sz="2000" b="1" dirty="0">
-                <a:latin typeface="Courier New" panose="02070309020205020404" pitchFamily="49" charset="0"/>
-                <a:cs typeface="Courier New" panose="02070309020205020404" pitchFamily="49" charset="0"/>
-              </a:rPr>
-              <a:t>$ site </a:t>
-            </a:r>
-            <a:r>
-              <a:rPr lang="pt-BR" sz="2000" b="1" dirty="0" err="1">
-                <a:latin typeface="Courier New" panose="02070309020205020404" pitchFamily="49" charset="0"/>
-                <a:cs typeface="Courier New" panose="02070309020205020404" pitchFamily="49" charset="0"/>
-              </a:rPr>
-              <a:t>audit</a:t>
-            </a:r>
-            <a:r>
-              <a:rPr lang="pt-BR" sz="2000" b="1" dirty="0">
-                <a:latin typeface="Courier New" panose="02070309020205020404" pitchFamily="49" charset="0"/>
-                <a:cs typeface="Courier New" panose="02070309020205020404" pitchFamily="49" charset="0"/>
-              </a:rPr>
-              <a:t> </a:t>
-            </a:r>
-            <a:br>
-              <a:rPr lang="pt-BR" sz="2000" b="1" dirty="0">
-                <a:latin typeface="Courier New" panose="02070309020205020404" pitchFamily="49" charset="0"/>
-                <a:cs typeface="Courier New" panose="02070309020205020404" pitchFamily="49" charset="0"/>
-              </a:rPr>
-            </a:br>
-            <a:r>
-              <a:rPr lang="pt-BR" sz="2000" b="1" dirty="0">
-                <a:latin typeface="Courier New" panose="02070309020205020404" pitchFamily="49" charset="0"/>
-                <a:cs typeface="Courier New" panose="02070309020205020404" pitchFamily="49" charset="0"/>
-              </a:rPr>
-              <a:t>$ site</a:t>
-            </a:r>
-          </a:p>
-          <a:p>
-            <a:r>
-              <a:rPr lang="pt-BR" sz="2000" b="1" dirty="0">
-                <a:latin typeface="Courier New" panose="02070309020205020404" pitchFamily="49" charset="0"/>
-                <a:cs typeface="Courier New" panose="02070309020205020404" pitchFamily="49" charset="0"/>
-              </a:rPr>
-              <a:t>:</a:t>
-            </a:r>
-            <a:br>
-              <a:rPr lang="pt-BR" sz="2000" b="1" dirty="0">
-                <a:latin typeface="Courier New" panose="02070309020205020404" pitchFamily="49" charset="0"/>
-                <a:cs typeface="Courier New" panose="02070309020205020404" pitchFamily="49" charset="0"/>
-              </a:rPr>
-            </a:br>
-            <a:r>
-              <a:rPr lang="pt-BR" sz="2000" b="1" dirty="0">
-                <a:latin typeface="Courier New" panose="02070309020205020404" pitchFamily="49" charset="0"/>
-                <a:cs typeface="Courier New" panose="02070309020205020404" pitchFamily="49" charset="0"/>
-              </a:rPr>
-              <a:t>$ site </a:t>
-            </a:r>
-            <a:r>
-              <a:rPr lang="pt-BR" sz="2000" b="1" dirty="0" err="1">
-                <a:latin typeface="Courier New" panose="02070309020205020404" pitchFamily="49" charset="0"/>
-                <a:cs typeface="Courier New" panose="02070309020205020404" pitchFamily="49" charset="0"/>
-              </a:rPr>
-              <a:t>unset</a:t>
-            </a:r>
-            <a:r>
-              <a:rPr lang="pt-BR" sz="2000" b="1" dirty="0">
-                <a:latin typeface="Courier New" panose="02070309020205020404" pitchFamily="49" charset="0"/>
-                <a:cs typeface="Courier New" panose="02070309020205020404" pitchFamily="49" charset="0"/>
-              </a:rPr>
-              <a:t> </a:t>
-            </a:r>
-            <a:r>
-              <a:rPr lang="pt-BR" sz="2000" b="1" dirty="0" err="1">
-                <a:latin typeface="Courier New" panose="02070309020205020404" pitchFamily="49" charset="0"/>
-                <a:cs typeface="Courier New" panose="02070309020205020404" pitchFamily="49" charset="0"/>
-              </a:rPr>
-              <a:t>audit</a:t>
-            </a:r>
-            <a:endParaRPr lang="pt-BR" sz="2000" b="1" dirty="0">
-              <a:latin typeface="Courier New" panose="02070309020205020404" pitchFamily="49" charset="0"/>
-              <a:cs typeface="Courier New" panose="02070309020205020404" pitchFamily="49" charset="0"/>
-            </a:endParaRPr>
-          </a:p>
-          <a:p>
-            <a:endParaRPr lang="pt-BR" dirty="0"/>
-          </a:p>
-        </p:txBody>
-      </p:sp>
     </p:spTree>
     <p:extLst>
       <p:ext uri="{BB962C8B-B14F-4D97-AF65-F5344CB8AC3E}">
-        <p14:creationId xmlns:p14="http://schemas.microsoft.com/office/powerpoint/2010/main" val="3817554023"/>
+        <p14:creationId xmlns:p14="http://schemas.microsoft.com/office/powerpoint/2010/main" val="431215963"/>
       </p:ext>
     </p:extLst>
   </p:cSld>
@@ -13678,7 +13706,7 @@
           <p:cNvPr id="2" name="Título 1">
             <a:extLst>
               <a:ext uri="{FF2B5EF4-FFF2-40B4-BE49-F238E27FC236}">
-                <a16:creationId xmlns:a16="http://schemas.microsoft.com/office/drawing/2014/main" id="{4658C3E1-8D23-4C34-A18D-A03419EF9F1C}"/>
+                <a16:creationId xmlns:a16="http://schemas.microsoft.com/office/drawing/2014/main" id="{3E516DF0-911B-4D22-8061-C05CE57B19E4}"/>
               </a:ext>
             </a:extLst>
           </p:cNvPr>
@@ -13686,10 +13714,15 @@
             <a:spLocks noGrp="1"/>
           </p:cNvSpPr>
           <p:nvPr>
-            <p:ph type="title"/>
+            <p:ph type="title" idx="4294967295"/>
           </p:nvPr>
         </p:nvSpPr>
-        <p:spPr/>
+        <p:spPr>
+          <a:xfrm>
+            <a:off x="1457325" y="207963"/>
+            <a:ext cx="10734675" cy="762000"/>
+          </a:xfrm>
+        </p:spPr>
         <p:txBody>
           <a:bodyPr>
             <a:normAutofit fontScale="90000"/>
@@ -13698,7 +13731,7 @@
           <a:p>
             <a:r>
               <a:rPr lang="pt-BR" sz="4400" b="1" dirty="0" err="1"/>
-              <a:t>Brakeman</a:t>
+              <a:t>Rubycritic</a:t>
             </a:r>
             <a:br>
               <a:rPr lang="pt-BR" sz="4400" dirty="0"/>
@@ -13709,178 +13742,38 @@
       </p:sp>
       <p:pic>
         <p:nvPicPr>
-          <p:cNvPr id="8" name="Espaço Reservado para Imagem 7">
+          <p:cNvPr id="9" name="Imagem 8">
             <a:extLst>
               <a:ext uri="{FF2B5EF4-FFF2-40B4-BE49-F238E27FC236}">
-                <a16:creationId xmlns:a16="http://schemas.microsoft.com/office/drawing/2014/main" id="{8444B97E-BCD9-4C13-A4C9-E7202DFA3FC4}"/>
+                <a16:creationId xmlns:a16="http://schemas.microsoft.com/office/drawing/2014/main" id="{9C0C35D4-CF68-4091-B23B-5E45793834F7}"/>
               </a:ext>
             </a:extLst>
           </p:cNvPr>
           <p:cNvPicPr>
-            <a:picLocks noGrp="1" noChangeAspect="1"/>
+            <a:picLocks noChangeAspect="1"/>
           </p:cNvPicPr>
-          <p:nvPr>
-            <p:ph type="pic" idx="1"/>
-          </p:nvPr>
+          <p:nvPr/>
         </p:nvPicPr>
-        <p:blipFill rotWithShape="1">
+        <p:blipFill>
           <a:blip r:embed="rId2"/>
-          <a:srcRect t="27" b="27"/>
-          <a:stretch/>
+          <a:stretch>
+            <a:fillRect/>
+          </a:stretch>
         </p:blipFill>
-        <p:spPr/>
+        <p:spPr>
+          <a:xfrm>
+            <a:off x="199848" y="1110882"/>
+            <a:ext cx="11600267" cy="5539155"/>
+          </a:xfrm>
+          <a:prstGeom prst="rect">
+            <a:avLst/>
+          </a:prstGeom>
+        </p:spPr>
       </p:pic>
-      <p:sp>
-        <p:nvSpPr>
-          <p:cNvPr id="4" name="Espaço Reservado para Texto 3">
-            <a:extLst>
-              <a:ext uri="{FF2B5EF4-FFF2-40B4-BE49-F238E27FC236}">
-                <a16:creationId xmlns:a16="http://schemas.microsoft.com/office/drawing/2014/main" id="{AF963DB6-BEF1-4BA9-818A-FD195BF33F2C}"/>
-              </a:ext>
-            </a:extLst>
-          </p:cNvPr>
-          <p:cNvSpPr>
-            <a:spLocks noGrp="1"/>
-          </p:cNvSpPr>
-          <p:nvPr>
-            <p:ph type="body" sz="half" idx="2"/>
-          </p:nvPr>
-        </p:nvSpPr>
-        <p:spPr/>
-        <p:txBody>
-          <a:bodyPr/>
-          <a:lstStyle/>
-          <a:p>
-            <a:r>
-              <a:rPr lang="pt-BR" sz="2400" dirty="0"/>
-              <a:t>Para rodar </a:t>
-            </a:r>
-            <a:r>
-              <a:rPr lang="pt-BR" sz="2400" b="1" dirty="0" err="1"/>
-              <a:t>Brakeman</a:t>
-            </a:r>
-            <a:r>
-              <a:rPr lang="pt-BR" sz="2400" dirty="0"/>
-              <a:t>, flag </a:t>
-            </a:r>
-            <a:r>
-              <a:rPr lang="pt-BR" sz="2400" b="1" dirty="0" err="1"/>
-              <a:t>brakeman</a:t>
-            </a:r>
-            <a:r>
-              <a:rPr lang="pt-BR" sz="2400" dirty="0"/>
-              <a:t> tem de ser habilitado.</a:t>
-            </a:r>
-            <a:br>
-              <a:rPr lang="pt-BR" sz="2400" dirty="0"/>
-            </a:br>
-            <a:br>
-              <a:rPr lang="pt-BR" sz="2400" dirty="0"/>
-            </a:br>
-            <a:r>
-              <a:rPr lang="pt-BR" sz="2000" b="1" dirty="0">
-                <a:latin typeface="Courier New" panose="02070309020205020404" pitchFamily="49" charset="0"/>
-                <a:cs typeface="Courier New" panose="02070309020205020404" pitchFamily="49" charset="0"/>
-              </a:rPr>
-              <a:t>$ site set </a:t>
-            </a:r>
-            <a:r>
-              <a:rPr lang="pt-BR" sz="2000" b="1" dirty="0" err="1">
-                <a:latin typeface="Courier New" panose="02070309020205020404" pitchFamily="49" charset="0"/>
-                <a:cs typeface="Courier New" panose="02070309020205020404" pitchFamily="49" charset="0"/>
-              </a:rPr>
-              <a:t>brakeman</a:t>
-            </a:r>
-            <a:br>
-              <a:rPr lang="pt-BR" sz="2000" b="1" dirty="0">
-                <a:latin typeface="Courier New" panose="02070309020205020404" pitchFamily="49" charset="0"/>
-                <a:cs typeface="Courier New" panose="02070309020205020404" pitchFamily="49" charset="0"/>
-              </a:rPr>
-            </a:br>
-            <a:r>
-              <a:rPr lang="pt-BR" sz="2000" b="1" dirty="0">
-                <a:latin typeface="Courier New" panose="02070309020205020404" pitchFamily="49" charset="0"/>
-                <a:cs typeface="Courier New" panose="02070309020205020404" pitchFamily="49" charset="0"/>
-              </a:rPr>
-              <a:t>$ site </a:t>
-            </a:r>
-            <a:r>
-              <a:rPr lang="pt-BR" sz="2000" b="1" dirty="0" err="1">
-                <a:latin typeface="Courier New" panose="02070309020205020404" pitchFamily="49" charset="0"/>
-                <a:cs typeface="Courier New" panose="02070309020205020404" pitchFamily="49" charset="0"/>
-              </a:rPr>
-              <a:t>brakeman</a:t>
-            </a:r>
-            <a:br>
-              <a:rPr lang="pt-BR" sz="2000" b="1" dirty="0">
-                <a:latin typeface="Courier New" panose="02070309020205020404" pitchFamily="49" charset="0"/>
-                <a:cs typeface="Courier New" panose="02070309020205020404" pitchFamily="49" charset="0"/>
-              </a:rPr>
-            </a:br>
-            <a:r>
-              <a:rPr lang="pt-BR" sz="2000" b="1" dirty="0">
-                <a:latin typeface="Courier New" panose="02070309020205020404" pitchFamily="49" charset="0"/>
-                <a:cs typeface="Courier New" panose="02070309020205020404" pitchFamily="49" charset="0"/>
-              </a:rPr>
-              <a:t>$ site</a:t>
-            </a:r>
-          </a:p>
-          <a:p>
-            <a:r>
-              <a:rPr lang="pt-BR" sz="2000" b="1" dirty="0">
-                <a:latin typeface="Courier New" panose="02070309020205020404" pitchFamily="49" charset="0"/>
-                <a:cs typeface="Courier New" panose="02070309020205020404" pitchFamily="49" charset="0"/>
-              </a:rPr>
-              <a:t>:</a:t>
-            </a:r>
-            <a:br>
-              <a:rPr lang="pt-BR" sz="2000" b="1" dirty="0">
-                <a:latin typeface="Courier New" panose="02070309020205020404" pitchFamily="49" charset="0"/>
-                <a:cs typeface="Courier New" panose="02070309020205020404" pitchFamily="49" charset="0"/>
-              </a:rPr>
-            </a:br>
-            <a:r>
-              <a:rPr lang="pt-BR" sz="2000" b="1" dirty="0">
-                <a:latin typeface="Courier New" panose="02070309020205020404" pitchFamily="49" charset="0"/>
-                <a:cs typeface="Courier New" panose="02070309020205020404" pitchFamily="49" charset="0"/>
-              </a:rPr>
-              <a:t>$ site </a:t>
-            </a:r>
-            <a:r>
-              <a:rPr lang="pt-BR" sz="2000" b="1" dirty="0" err="1">
-                <a:latin typeface="Courier New" panose="02070309020205020404" pitchFamily="49" charset="0"/>
-                <a:cs typeface="Courier New" panose="02070309020205020404" pitchFamily="49" charset="0"/>
-              </a:rPr>
-              <a:t>unset</a:t>
-            </a:r>
-            <a:r>
-              <a:rPr lang="pt-BR" sz="2000" b="1" dirty="0">
-                <a:latin typeface="Courier New" panose="02070309020205020404" pitchFamily="49" charset="0"/>
-                <a:cs typeface="Courier New" panose="02070309020205020404" pitchFamily="49" charset="0"/>
-              </a:rPr>
-              <a:t> </a:t>
-            </a:r>
-            <a:r>
-              <a:rPr lang="pt-BR" sz="2000" b="1" dirty="0" err="1">
-                <a:latin typeface="Courier New" panose="02070309020205020404" pitchFamily="49" charset="0"/>
-                <a:cs typeface="Courier New" panose="02070309020205020404" pitchFamily="49" charset="0"/>
-              </a:rPr>
-              <a:t>brakeman</a:t>
-            </a:r>
-            <a:endParaRPr lang="pt-BR" sz="2000" b="1" dirty="0">
-              <a:latin typeface="Courier New" panose="02070309020205020404" pitchFamily="49" charset="0"/>
-              <a:cs typeface="Courier New" panose="02070309020205020404" pitchFamily="49" charset="0"/>
-            </a:endParaRPr>
-          </a:p>
-          <a:p>
-            <a:endParaRPr lang="pt-BR" dirty="0"/>
-          </a:p>
-        </p:txBody>
-      </p:sp>
     </p:spTree>
     <p:extLst>
       <p:ext uri="{BB962C8B-B14F-4D97-AF65-F5344CB8AC3E}">
-        <p14:creationId xmlns:p14="http://schemas.microsoft.com/office/powerpoint/2010/main" val="1951832489"/>
+        <p14:creationId xmlns:p14="http://schemas.microsoft.com/office/powerpoint/2010/main" val="3332980081"/>
       </p:ext>
     </p:extLst>
   </p:cSld>
@@ -13917,7 +13810,7 @@
       </p:grpSpPr>
       <p:sp useBgFill="1">
         <p:nvSpPr>
-          <p:cNvPr id="32" name="Rectangle 31">
+          <p:cNvPr id="25" name="Rectangle 24">
             <a:extLst>
               <a:ext uri="{FF2B5EF4-FFF2-40B4-BE49-F238E27FC236}">
                 <a16:creationId xmlns:a16="http://schemas.microsoft.com/office/drawing/2014/main" id="{3E443FD7-A66B-4AA0-872D-B088B9BC5F17}"/>
@@ -14005,12 +13898,24 @@
           <a:p>
             <a:pPr algn="l"/>
             <a:r>
+              <a:rPr lang="pt-BR" b="1" dirty="0" err="1"/>
+              <a:t>Bundler</a:t>
+            </a:r>
+            <a:r>
               <a:rPr lang="pt-BR" b="1" dirty="0"/>
-              <a:t>Site </a:t>
+              <a:t> </a:t>
             </a:r>
             <a:r>
               <a:rPr lang="pt-BR" b="1" dirty="0" err="1"/>
-              <a:t>Refs</a:t>
+              <a:t>Audit</a:t>
+            </a:r>
+            <a:r>
+              <a:rPr lang="pt-BR" b="1" dirty="0"/>
+              <a:t> e </a:t>
+            </a:r>
+            <a:r>
+              <a:rPr lang="pt-BR" b="1" dirty="0" err="1"/>
+              <a:t>Brakeman</a:t>
             </a:r>
             <a:endParaRPr lang="pt-BR" b="1" dirty="0"/>
           </a:p>
@@ -14047,14 +13952,14 @@
             <a:pPr algn="l"/>
             <a:r>
               <a:rPr lang="pt-BR" b="1" dirty="0"/>
-              <a:t>Referências</a:t>
+              <a:t>Vulnerabilidades</a:t>
             </a:r>
           </a:p>
         </p:txBody>
       </p:sp>
       <p:sp>
         <p:nvSpPr>
-          <p:cNvPr id="34" name="Freeform: Shape 33">
+          <p:cNvPr id="27" name="Freeform: Shape 26">
             <a:extLst>
               <a:ext uri="{FF2B5EF4-FFF2-40B4-BE49-F238E27FC236}">
                 <a16:creationId xmlns:a16="http://schemas.microsoft.com/office/drawing/2014/main" id="{C04BE0EF-3561-49B4-9A29-F283168A91C7}"/>
@@ -14828,10 +14733,10 @@
       </p:sp>
       <p:pic>
         <p:nvPicPr>
-          <p:cNvPr id="6" name="Imagem 5" descr="Desenho de personagem de desenho animado&#10;&#10;Descrição gerada automaticamente com confiança baixa">
+          <p:cNvPr id="5" name="Imagem 4" descr="Desenho de rosto de pessoa visto de perto&#10;&#10;Descrição gerada automaticamente com confiança baixa">
             <a:extLst>
               <a:ext uri="{FF2B5EF4-FFF2-40B4-BE49-F238E27FC236}">
-                <a16:creationId xmlns:a16="http://schemas.microsoft.com/office/drawing/2014/main" id="{193569E6-EBA3-4DF2-AA1B-8621057D1F5F}"/>
+                <a16:creationId xmlns:a16="http://schemas.microsoft.com/office/drawing/2014/main" id="{E9A00CF8-5690-4AE3-AE28-FDBAAF5C9BA7}"/>
               </a:ext>
             </a:extLst>
           </p:cNvPr>
@@ -14854,8 +14759,8 @@
         </p:blipFill>
         <p:spPr>
           <a:xfrm>
-            <a:off x="7579762" y="2129307"/>
-            <a:ext cx="3120815" cy="3217333"/>
+            <a:off x="7531503" y="2263362"/>
+            <a:ext cx="3217333" cy="2949222"/>
           </a:xfrm>
           <a:prstGeom prst="rect">
             <a:avLst/>
@@ -14865,7 +14770,7 @@
     </p:spTree>
     <p:extLst>
       <p:ext uri="{BB962C8B-B14F-4D97-AF65-F5344CB8AC3E}">
-        <p14:creationId xmlns:p14="http://schemas.microsoft.com/office/powerpoint/2010/main" val="3614062617"/>
+        <p14:creationId xmlns:p14="http://schemas.microsoft.com/office/powerpoint/2010/main" val="2730883103"/>
       </p:ext>
     </p:extLst>
   </p:cSld>
@@ -14897,7 +14802,7 @@
           <p:cNvPr id="2" name="Título 1">
             <a:extLst>
               <a:ext uri="{FF2B5EF4-FFF2-40B4-BE49-F238E27FC236}">
-                <a16:creationId xmlns:a16="http://schemas.microsoft.com/office/drawing/2014/main" id="{9A0CB290-6B69-45F0-908B-3D50CD709B01}"/>
+                <a16:creationId xmlns:a16="http://schemas.microsoft.com/office/drawing/2014/main" id="{4658C3E1-8D23-4C34-A18D-A03419EF9F1C}"/>
               </a:ext>
             </a:extLst>
           </p:cNvPr>
@@ -14916,93 +14821,30 @@
           <a:lstStyle/>
           <a:p>
             <a:r>
-              <a:rPr lang="pt-BR" b="1" dirty="0"/>
-              <a:t>Site </a:t>
-            </a:r>
-            <a:r>
-              <a:rPr lang="pt-BR" b="1" dirty="0" err="1"/>
-              <a:t>Refs</a:t>
+              <a:rPr lang="pt-BR" sz="4400" b="1" dirty="0" err="1"/>
+              <a:t>Bundler</a:t>
+            </a:r>
+            <a:r>
+              <a:rPr lang="pt-BR" sz="4400" b="1" dirty="0"/>
+              <a:t> </a:t>
+            </a:r>
+            <a:r>
+              <a:rPr lang="pt-BR" sz="4400" b="1" dirty="0" err="1"/>
+              <a:t>Audit</a:t>
             </a:r>
             <a:br>
-              <a:rPr lang="pt-BR" dirty="0"/>
+              <a:rPr lang="pt-BR" sz="4400" dirty="0"/>
             </a:br>
             <a:endParaRPr lang="pt-BR" dirty="0"/>
           </a:p>
         </p:txBody>
       </p:sp>
-      <p:sp>
-        <p:nvSpPr>
-          <p:cNvPr id="9" name="Espaço Reservado para Texto 8">
+      <p:pic>
+        <p:nvPicPr>
+          <p:cNvPr id="8" name="Espaço Reservado para Imagem 7">
             <a:extLst>
               <a:ext uri="{FF2B5EF4-FFF2-40B4-BE49-F238E27FC236}">
-                <a16:creationId xmlns:a16="http://schemas.microsoft.com/office/drawing/2014/main" id="{E1E67D10-0AC5-4E4A-9AA4-CAD40D4E41A0}"/>
-              </a:ext>
-            </a:extLst>
-          </p:cNvPr>
-          <p:cNvSpPr>
-            <a:spLocks noGrp="1"/>
-          </p:cNvSpPr>
-          <p:nvPr>
-            <p:ph type="body" sz="half" idx="2"/>
-          </p:nvPr>
-        </p:nvSpPr>
-        <p:spPr/>
-        <p:txBody>
-          <a:bodyPr>
-            <a:normAutofit/>
-          </a:bodyPr>
-          <a:lstStyle/>
-          <a:p>
-            <a:r>
-              <a:rPr lang="pt-BR" sz="2000" b="1" dirty="0">
-                <a:latin typeface="Courier New" panose="02070309020205020404" pitchFamily="49" charset="0"/>
-                <a:cs typeface="Courier New" panose="02070309020205020404" pitchFamily="49" charset="0"/>
-              </a:rPr>
-              <a:t>$ site </a:t>
-            </a:r>
-            <a:r>
-              <a:rPr lang="pt-BR" sz="2000" b="1" dirty="0" err="1">
-                <a:latin typeface="Courier New" panose="02070309020205020404" pitchFamily="49" charset="0"/>
-                <a:cs typeface="Courier New" panose="02070309020205020404" pitchFamily="49" charset="0"/>
-              </a:rPr>
-              <a:t>refs</a:t>
-            </a:r>
-            <a:r>
-              <a:rPr lang="pt-BR" sz="2000" b="1" dirty="0">
-                <a:latin typeface="Courier New" panose="02070309020205020404" pitchFamily="49" charset="0"/>
-                <a:cs typeface="Courier New" panose="02070309020205020404" pitchFamily="49" charset="0"/>
-              </a:rPr>
-              <a:t> </a:t>
-            </a:r>
-            <a:br>
-              <a:rPr lang="pt-BR" sz="2000" b="1" dirty="0">
-                <a:latin typeface="Courier New" panose="02070309020205020404" pitchFamily="49" charset="0"/>
-                <a:cs typeface="Courier New" panose="02070309020205020404" pitchFamily="49" charset="0"/>
-              </a:rPr>
-            </a:br>
-            <a:r>
-              <a:rPr lang="pt-BR" sz="2000" b="1" dirty="0">
-                <a:latin typeface="Courier New" panose="02070309020205020404" pitchFamily="49" charset="0"/>
-                <a:cs typeface="Courier New" panose="02070309020205020404" pitchFamily="49" charset="0"/>
-              </a:rPr>
-              <a:t>:</a:t>
-            </a:r>
-            <a:br>
-              <a:rPr lang="pt-BR" sz="2000" b="1" dirty="0">
-                <a:latin typeface="Courier New" panose="02070309020205020404" pitchFamily="49" charset="0"/>
-                <a:cs typeface="Courier New" panose="02070309020205020404" pitchFamily="49" charset="0"/>
-              </a:rPr>
-            </a:br>
-            <a:endParaRPr lang="pt-BR" sz="2000" dirty="0"/>
-          </a:p>
-        </p:txBody>
-      </p:sp>
-      <p:pic>
-        <p:nvPicPr>
-          <p:cNvPr id="7" name="Espaço Reservado para Imagem 6">
-            <a:extLst>
-              <a:ext uri="{FF2B5EF4-FFF2-40B4-BE49-F238E27FC236}">
-                <a16:creationId xmlns:a16="http://schemas.microsoft.com/office/drawing/2014/main" id="{E09AE9C3-A3BD-4CA2-A23C-23007EF015A5}"/>
+                <a16:creationId xmlns:a16="http://schemas.microsoft.com/office/drawing/2014/main" id="{A988D838-536B-456E-9535-DEA4FB42762C}"/>
               </a:ext>
             </a:extLst>
           </p:cNvPr>
@@ -15020,10 +14862,172 @@
         </p:blipFill>
         <p:spPr/>
       </p:pic>
+      <p:sp>
+        <p:nvSpPr>
+          <p:cNvPr id="4" name="Espaço Reservado para Texto 3">
+            <a:extLst>
+              <a:ext uri="{FF2B5EF4-FFF2-40B4-BE49-F238E27FC236}">
+                <a16:creationId xmlns:a16="http://schemas.microsoft.com/office/drawing/2014/main" id="{1405302D-C47C-4953-993E-8D091EA75432}"/>
+              </a:ext>
+            </a:extLst>
+          </p:cNvPr>
+          <p:cNvSpPr>
+            <a:spLocks noGrp="1"/>
+          </p:cNvSpPr>
+          <p:nvPr>
+            <p:ph type="body" sz="half" idx="2"/>
+          </p:nvPr>
+        </p:nvSpPr>
+        <p:spPr/>
+        <p:txBody>
+          <a:bodyPr/>
+          <a:lstStyle/>
+          <a:p>
+            <a:r>
+              <a:rPr lang="pt-BR" sz="2400" dirty="0"/>
+              <a:t>Para rodar </a:t>
+            </a:r>
+            <a:r>
+              <a:rPr lang="pt-BR" sz="2400" b="1" dirty="0" err="1"/>
+              <a:t>Bundler</a:t>
+            </a:r>
+            <a:r>
+              <a:rPr lang="pt-BR" sz="2400" b="1" dirty="0"/>
+              <a:t> </a:t>
+            </a:r>
+            <a:r>
+              <a:rPr lang="pt-BR" sz="2400" b="1" dirty="0" err="1"/>
+              <a:t>Audit</a:t>
+            </a:r>
+            <a:r>
+              <a:rPr lang="pt-BR" sz="2400" dirty="0"/>
+              <a:t>, flag </a:t>
+            </a:r>
+            <a:r>
+              <a:rPr lang="pt-BR" sz="2400" b="1" dirty="0" err="1"/>
+              <a:t>audit</a:t>
+            </a:r>
+            <a:r>
+              <a:rPr lang="pt-BR" sz="2400" dirty="0"/>
+              <a:t> tem de ser habilitado.</a:t>
+            </a:r>
+            <a:br>
+              <a:rPr lang="pt-BR" sz="2400" dirty="0"/>
+            </a:br>
+            <a:br>
+              <a:rPr lang="pt-BR" sz="2400" dirty="0"/>
+            </a:br>
+            <a:r>
+              <a:rPr lang="pt-BR" sz="2000" b="1" dirty="0">
+                <a:latin typeface="Courier New" panose="02070309020205020404" pitchFamily="49" charset="0"/>
+                <a:cs typeface="Courier New" panose="02070309020205020404" pitchFamily="49" charset="0"/>
+              </a:rPr>
+              <a:t>$ site set </a:t>
+            </a:r>
+            <a:r>
+              <a:rPr lang="pt-BR" sz="2000" b="1" dirty="0" err="1">
+                <a:latin typeface="Courier New" panose="02070309020205020404" pitchFamily="49" charset="0"/>
+                <a:cs typeface="Courier New" panose="02070309020205020404" pitchFamily="49" charset="0"/>
+              </a:rPr>
+              <a:t>audit</a:t>
+            </a:r>
+            <a:br>
+              <a:rPr lang="pt-BR" sz="2000" b="1" dirty="0">
+                <a:latin typeface="Courier New" panose="02070309020205020404" pitchFamily="49" charset="0"/>
+                <a:cs typeface="Courier New" panose="02070309020205020404" pitchFamily="49" charset="0"/>
+              </a:rPr>
+            </a:br>
+            <a:r>
+              <a:rPr lang="pt-BR" sz="2000" b="1" dirty="0">
+                <a:latin typeface="Courier New" panose="02070309020205020404" pitchFamily="49" charset="0"/>
+                <a:cs typeface="Courier New" panose="02070309020205020404" pitchFamily="49" charset="0"/>
+              </a:rPr>
+              <a:t>$ site </a:t>
+            </a:r>
+            <a:r>
+              <a:rPr lang="pt-BR" sz="2000" b="1" dirty="0" err="1">
+                <a:latin typeface="Courier New" panose="02070309020205020404" pitchFamily="49" charset="0"/>
+                <a:cs typeface="Courier New" panose="02070309020205020404" pitchFamily="49" charset="0"/>
+              </a:rPr>
+              <a:t>audit</a:t>
+            </a:r>
+            <a:r>
+              <a:rPr lang="pt-BR" sz="2000" b="1" dirty="0">
+                <a:latin typeface="Courier New" panose="02070309020205020404" pitchFamily="49" charset="0"/>
+                <a:cs typeface="Courier New" panose="02070309020205020404" pitchFamily="49" charset="0"/>
+              </a:rPr>
+              <a:t> </a:t>
+            </a:r>
+            <a:br>
+              <a:rPr lang="pt-BR" sz="2000" b="1" dirty="0">
+                <a:latin typeface="Courier New" panose="02070309020205020404" pitchFamily="49" charset="0"/>
+                <a:cs typeface="Courier New" panose="02070309020205020404" pitchFamily="49" charset="0"/>
+              </a:rPr>
+            </a:br>
+            <a:r>
+              <a:rPr lang="pt-BR" sz="2000" b="1" dirty="0">
+                <a:latin typeface="Courier New" panose="02070309020205020404" pitchFamily="49" charset="0"/>
+                <a:cs typeface="Courier New" panose="02070309020205020404" pitchFamily="49" charset="0"/>
+              </a:rPr>
+              <a:t>$ site</a:t>
+            </a:r>
+          </a:p>
+          <a:p>
+            <a:r>
+              <a:rPr lang="pt-BR" sz="2000" b="1" dirty="0">
+                <a:latin typeface="Courier New" panose="02070309020205020404" pitchFamily="49" charset="0"/>
+                <a:cs typeface="Courier New" panose="02070309020205020404" pitchFamily="49" charset="0"/>
+              </a:rPr>
+              <a:t>:</a:t>
+            </a:r>
+            <a:br>
+              <a:rPr lang="pt-BR" sz="2000" b="1" dirty="0">
+                <a:latin typeface="Courier New" panose="02070309020205020404" pitchFamily="49" charset="0"/>
+                <a:cs typeface="Courier New" panose="02070309020205020404" pitchFamily="49" charset="0"/>
+              </a:rPr>
+            </a:br>
+            <a:r>
+              <a:rPr lang="pt-BR" sz="2000" b="1" dirty="0">
+                <a:latin typeface="Courier New" panose="02070309020205020404" pitchFamily="49" charset="0"/>
+                <a:cs typeface="Courier New" panose="02070309020205020404" pitchFamily="49" charset="0"/>
+              </a:rPr>
+              <a:t>$ site </a:t>
+            </a:r>
+            <a:r>
+              <a:rPr lang="pt-BR" sz="2000" b="1" dirty="0" err="1">
+                <a:latin typeface="Courier New" panose="02070309020205020404" pitchFamily="49" charset="0"/>
+                <a:cs typeface="Courier New" panose="02070309020205020404" pitchFamily="49" charset="0"/>
+              </a:rPr>
+              <a:t>unset</a:t>
+            </a:r>
+            <a:r>
+              <a:rPr lang="pt-BR" sz="2000" b="1" dirty="0">
+                <a:latin typeface="Courier New" panose="02070309020205020404" pitchFamily="49" charset="0"/>
+                <a:cs typeface="Courier New" panose="02070309020205020404" pitchFamily="49" charset="0"/>
+              </a:rPr>
+              <a:t> </a:t>
+            </a:r>
+            <a:r>
+              <a:rPr lang="pt-BR" sz="2000" b="1" dirty="0" err="1">
+                <a:latin typeface="Courier New" panose="02070309020205020404" pitchFamily="49" charset="0"/>
+                <a:cs typeface="Courier New" panose="02070309020205020404" pitchFamily="49" charset="0"/>
+              </a:rPr>
+              <a:t>audit</a:t>
+            </a:r>
+            <a:endParaRPr lang="pt-BR" sz="2000" b="1" dirty="0">
+              <a:latin typeface="Courier New" panose="02070309020205020404" pitchFamily="49" charset="0"/>
+              <a:cs typeface="Courier New" panose="02070309020205020404" pitchFamily="49" charset="0"/>
+            </a:endParaRPr>
+          </a:p>
+          <a:p>
+            <a:endParaRPr lang="pt-BR" dirty="0"/>
+          </a:p>
+        </p:txBody>
+      </p:sp>
     </p:spTree>
     <p:extLst>
       <p:ext uri="{BB962C8B-B14F-4D97-AF65-F5344CB8AC3E}">
-        <p14:creationId xmlns:p14="http://schemas.microsoft.com/office/powerpoint/2010/main" val="1648276343"/>
+        <p14:creationId xmlns:p14="http://schemas.microsoft.com/office/powerpoint/2010/main" val="3817554023"/>
       </p:ext>
     </p:extLst>
   </p:cSld>
@@ -15034,6 +15038,240 @@
 </file>
 
 <file path=ppt/slides/slide36.xml><?xml version="1.0" encoding="utf-8"?>
+<p:sld xmlns:a="http://schemas.openxmlformats.org/drawingml/2006/main" xmlns:r="http://schemas.openxmlformats.org/officeDocument/2006/relationships" xmlns:p="http://schemas.openxmlformats.org/presentationml/2006/main">
+  <p:cSld>
+    <p:spTree>
+      <p:nvGrpSpPr>
+        <p:cNvPr id="1" name=""/>
+        <p:cNvGrpSpPr/>
+        <p:nvPr/>
+      </p:nvGrpSpPr>
+      <p:grpSpPr>
+        <a:xfrm>
+          <a:off x="0" y="0"/>
+          <a:ext cx="0" cy="0"/>
+          <a:chOff x="0" y="0"/>
+          <a:chExt cx="0" cy="0"/>
+        </a:xfrm>
+      </p:grpSpPr>
+      <p:sp>
+        <p:nvSpPr>
+          <p:cNvPr id="2" name="Título 1">
+            <a:extLst>
+              <a:ext uri="{FF2B5EF4-FFF2-40B4-BE49-F238E27FC236}">
+                <a16:creationId xmlns:a16="http://schemas.microsoft.com/office/drawing/2014/main" id="{4658C3E1-8D23-4C34-A18D-A03419EF9F1C}"/>
+              </a:ext>
+            </a:extLst>
+          </p:cNvPr>
+          <p:cNvSpPr>
+            <a:spLocks noGrp="1"/>
+          </p:cNvSpPr>
+          <p:nvPr>
+            <p:ph type="title"/>
+          </p:nvPr>
+        </p:nvSpPr>
+        <p:spPr/>
+        <p:txBody>
+          <a:bodyPr>
+            <a:normAutofit fontScale="90000"/>
+          </a:bodyPr>
+          <a:lstStyle/>
+          <a:p>
+            <a:r>
+              <a:rPr lang="pt-BR" sz="4400" b="1" dirty="0" err="1"/>
+              <a:t>Brakeman</a:t>
+            </a:r>
+            <a:br>
+              <a:rPr lang="pt-BR" sz="4400" dirty="0"/>
+            </a:br>
+            <a:endParaRPr lang="pt-BR" dirty="0"/>
+          </a:p>
+        </p:txBody>
+      </p:sp>
+      <p:pic>
+        <p:nvPicPr>
+          <p:cNvPr id="8" name="Espaço Reservado para Imagem 7">
+            <a:extLst>
+              <a:ext uri="{FF2B5EF4-FFF2-40B4-BE49-F238E27FC236}">
+                <a16:creationId xmlns:a16="http://schemas.microsoft.com/office/drawing/2014/main" id="{8444B97E-BCD9-4C13-A4C9-E7202DFA3FC4}"/>
+              </a:ext>
+            </a:extLst>
+          </p:cNvPr>
+          <p:cNvPicPr>
+            <a:picLocks noGrp="1" noChangeAspect="1"/>
+          </p:cNvPicPr>
+          <p:nvPr>
+            <p:ph type="pic" idx="1"/>
+          </p:nvPr>
+        </p:nvPicPr>
+        <p:blipFill rotWithShape="1">
+          <a:blip r:embed="rId2"/>
+          <a:srcRect t="27" b="27"/>
+          <a:stretch/>
+        </p:blipFill>
+        <p:spPr/>
+      </p:pic>
+      <p:sp>
+        <p:nvSpPr>
+          <p:cNvPr id="4" name="Espaço Reservado para Texto 3">
+            <a:extLst>
+              <a:ext uri="{FF2B5EF4-FFF2-40B4-BE49-F238E27FC236}">
+                <a16:creationId xmlns:a16="http://schemas.microsoft.com/office/drawing/2014/main" id="{AF963DB6-BEF1-4BA9-818A-FD195BF33F2C}"/>
+              </a:ext>
+            </a:extLst>
+          </p:cNvPr>
+          <p:cNvSpPr>
+            <a:spLocks noGrp="1"/>
+          </p:cNvSpPr>
+          <p:nvPr>
+            <p:ph type="body" sz="half" idx="2"/>
+          </p:nvPr>
+        </p:nvSpPr>
+        <p:spPr/>
+        <p:txBody>
+          <a:bodyPr/>
+          <a:lstStyle/>
+          <a:p>
+            <a:r>
+              <a:rPr lang="pt-BR" sz="2400" dirty="0"/>
+              <a:t>Para rodar </a:t>
+            </a:r>
+            <a:r>
+              <a:rPr lang="pt-BR" sz="2400" b="1" dirty="0" err="1"/>
+              <a:t>Brakeman</a:t>
+            </a:r>
+            <a:r>
+              <a:rPr lang="pt-BR" sz="2400" dirty="0"/>
+              <a:t>, flag </a:t>
+            </a:r>
+            <a:r>
+              <a:rPr lang="pt-BR" sz="2400" b="1" dirty="0" err="1"/>
+              <a:t>brakeman</a:t>
+            </a:r>
+            <a:r>
+              <a:rPr lang="pt-BR" sz="2400" dirty="0"/>
+              <a:t> tem de ser habilitado.</a:t>
+            </a:r>
+            <a:br>
+              <a:rPr lang="pt-BR" sz="2400" dirty="0"/>
+            </a:br>
+            <a:br>
+              <a:rPr lang="pt-BR" sz="2400" dirty="0"/>
+            </a:br>
+            <a:r>
+              <a:rPr lang="pt-BR" sz="2000" b="1" dirty="0">
+                <a:latin typeface="Courier New" panose="02070309020205020404" pitchFamily="49" charset="0"/>
+                <a:cs typeface="Courier New" panose="02070309020205020404" pitchFamily="49" charset="0"/>
+              </a:rPr>
+              <a:t>$ site set </a:t>
+            </a:r>
+            <a:r>
+              <a:rPr lang="pt-BR" sz="2000" b="1" dirty="0" err="1">
+                <a:latin typeface="Courier New" panose="02070309020205020404" pitchFamily="49" charset="0"/>
+                <a:cs typeface="Courier New" panose="02070309020205020404" pitchFamily="49" charset="0"/>
+              </a:rPr>
+              <a:t>brakeman</a:t>
+            </a:r>
+            <a:br>
+              <a:rPr lang="pt-BR" sz="2000" b="1" dirty="0">
+                <a:latin typeface="Courier New" panose="02070309020205020404" pitchFamily="49" charset="0"/>
+                <a:cs typeface="Courier New" panose="02070309020205020404" pitchFamily="49" charset="0"/>
+              </a:rPr>
+            </a:br>
+            <a:r>
+              <a:rPr lang="pt-BR" sz="2000" b="1" dirty="0">
+                <a:latin typeface="Courier New" panose="02070309020205020404" pitchFamily="49" charset="0"/>
+                <a:cs typeface="Courier New" panose="02070309020205020404" pitchFamily="49" charset="0"/>
+              </a:rPr>
+              <a:t>$ site </a:t>
+            </a:r>
+            <a:r>
+              <a:rPr lang="pt-BR" sz="2000" b="1" dirty="0" err="1">
+                <a:latin typeface="Courier New" panose="02070309020205020404" pitchFamily="49" charset="0"/>
+                <a:cs typeface="Courier New" panose="02070309020205020404" pitchFamily="49" charset="0"/>
+              </a:rPr>
+              <a:t>brakeman</a:t>
+            </a:r>
+            <a:br>
+              <a:rPr lang="pt-BR" sz="2000" b="1" dirty="0">
+                <a:latin typeface="Courier New" panose="02070309020205020404" pitchFamily="49" charset="0"/>
+                <a:cs typeface="Courier New" panose="02070309020205020404" pitchFamily="49" charset="0"/>
+              </a:rPr>
+            </a:br>
+            <a:r>
+              <a:rPr lang="pt-BR" sz="2000" b="1" dirty="0">
+                <a:latin typeface="Courier New" panose="02070309020205020404" pitchFamily="49" charset="0"/>
+                <a:cs typeface="Courier New" panose="02070309020205020404" pitchFamily="49" charset="0"/>
+              </a:rPr>
+              <a:t>$ site</a:t>
+            </a:r>
+          </a:p>
+          <a:p>
+            <a:r>
+              <a:rPr lang="pt-BR" sz="2000" b="1" dirty="0">
+                <a:latin typeface="Courier New" panose="02070309020205020404" pitchFamily="49" charset="0"/>
+                <a:cs typeface="Courier New" panose="02070309020205020404" pitchFamily="49" charset="0"/>
+              </a:rPr>
+              <a:t>:</a:t>
+            </a:r>
+            <a:br>
+              <a:rPr lang="pt-BR" sz="2000" b="1" dirty="0">
+                <a:latin typeface="Courier New" panose="02070309020205020404" pitchFamily="49" charset="0"/>
+                <a:cs typeface="Courier New" panose="02070309020205020404" pitchFamily="49" charset="0"/>
+              </a:rPr>
+            </a:br>
+            <a:r>
+              <a:rPr lang="pt-BR" sz="2000" b="1" dirty="0">
+                <a:latin typeface="Courier New" panose="02070309020205020404" pitchFamily="49" charset="0"/>
+                <a:cs typeface="Courier New" panose="02070309020205020404" pitchFamily="49" charset="0"/>
+              </a:rPr>
+              <a:t>$ site </a:t>
+            </a:r>
+            <a:r>
+              <a:rPr lang="pt-BR" sz="2000" b="1" dirty="0" err="1">
+                <a:latin typeface="Courier New" panose="02070309020205020404" pitchFamily="49" charset="0"/>
+                <a:cs typeface="Courier New" panose="02070309020205020404" pitchFamily="49" charset="0"/>
+              </a:rPr>
+              <a:t>unset</a:t>
+            </a:r>
+            <a:r>
+              <a:rPr lang="pt-BR" sz="2000" b="1" dirty="0">
+                <a:latin typeface="Courier New" panose="02070309020205020404" pitchFamily="49" charset="0"/>
+                <a:cs typeface="Courier New" panose="02070309020205020404" pitchFamily="49" charset="0"/>
+              </a:rPr>
+              <a:t> </a:t>
+            </a:r>
+            <a:r>
+              <a:rPr lang="pt-BR" sz="2000" b="1" dirty="0" err="1">
+                <a:latin typeface="Courier New" panose="02070309020205020404" pitchFamily="49" charset="0"/>
+                <a:cs typeface="Courier New" panose="02070309020205020404" pitchFamily="49" charset="0"/>
+              </a:rPr>
+              <a:t>brakeman</a:t>
+            </a:r>
+            <a:endParaRPr lang="pt-BR" sz="2000" b="1" dirty="0">
+              <a:latin typeface="Courier New" panose="02070309020205020404" pitchFamily="49" charset="0"/>
+              <a:cs typeface="Courier New" panose="02070309020205020404" pitchFamily="49" charset="0"/>
+            </a:endParaRPr>
+          </a:p>
+          <a:p>
+            <a:endParaRPr lang="pt-BR" dirty="0"/>
+          </a:p>
+        </p:txBody>
+      </p:sp>
+    </p:spTree>
+    <p:extLst>
+      <p:ext uri="{BB962C8B-B14F-4D97-AF65-F5344CB8AC3E}">
+        <p14:creationId xmlns:p14="http://schemas.microsoft.com/office/powerpoint/2010/main" val="1951832489"/>
+      </p:ext>
+    </p:extLst>
+  </p:cSld>
+  <p:clrMapOvr>
+    <a:masterClrMapping/>
+  </p:clrMapOvr>
+</p:sld>
+</file>
+
+<file path=ppt/slides/slide37.xml><?xml version="1.0" encoding="utf-8"?>
 <p:sld xmlns:a="http://schemas.openxmlformats.org/drawingml/2006/main" xmlns:r="http://schemas.openxmlformats.org/officeDocument/2006/relationships" xmlns:p="http://schemas.openxmlformats.org/presentationml/2006/main">
   <p:cSld>
     <p:bg>
@@ -15149,11 +15387,11 @@
             <a:pPr algn="l"/>
             <a:r>
               <a:rPr lang="pt-BR" b="1" dirty="0"/>
-              <a:t>Conexão com </a:t>
+              <a:t>Site </a:t>
             </a:r>
             <a:r>
               <a:rPr lang="pt-BR" b="1" dirty="0" err="1"/>
-              <a:t>Homolog</a:t>
+              <a:t>Refs</a:t>
             </a:r>
             <a:endParaRPr lang="pt-BR" b="1" dirty="0"/>
           </a:p>
@@ -15189,12 +15427,8 @@
           <a:p>
             <a:pPr algn="l"/>
             <a:r>
-              <a:rPr lang="pt-BR" b="1" dirty="0" err="1"/>
-              <a:t>Homolog</a:t>
-            </a:r>
-            <a:r>
               <a:rPr lang="pt-BR" b="1" dirty="0"/>
-              <a:t> Console</a:t>
+              <a:t>Referências</a:t>
             </a:r>
           </a:p>
         </p:txBody>
@@ -16012,7 +16246,7 @@
     </p:spTree>
     <p:extLst>
       <p:ext uri="{BB962C8B-B14F-4D97-AF65-F5344CB8AC3E}">
-        <p14:creationId xmlns:p14="http://schemas.microsoft.com/office/powerpoint/2010/main" val="342615125"/>
+        <p14:creationId xmlns:p14="http://schemas.microsoft.com/office/powerpoint/2010/main" val="3614062617"/>
       </p:ext>
     </p:extLst>
   </p:cSld>
@@ -16022,7 +16256,7 @@
 </p:sld>
 </file>
 
-<file path=ppt/slides/slide37.xml><?xml version="1.0" encoding="utf-8"?>
+<file path=ppt/slides/slide38.xml><?xml version="1.0" encoding="utf-8"?>
 <p:sld xmlns:a="http://schemas.openxmlformats.org/drawingml/2006/main" xmlns:r="http://schemas.openxmlformats.org/officeDocument/2006/relationships" xmlns:p="http://schemas.openxmlformats.org/presentationml/2006/main">
   <p:cSld>
     <p:spTree>
@@ -16064,11 +16298,11 @@
           <a:p>
             <a:r>
               <a:rPr lang="pt-BR" b="1" dirty="0"/>
-              <a:t>Conexão com </a:t>
+              <a:t>Site </a:t>
             </a:r>
             <a:r>
               <a:rPr lang="pt-BR" b="1" dirty="0" err="1"/>
-              <a:t>Homolog</a:t>
+              <a:t>Refs</a:t>
             </a:r>
             <a:br>
               <a:rPr lang="pt-BR" dirty="0"/>
@@ -16112,7 +16346,7 @@
                 <a:latin typeface="Courier New" panose="02070309020205020404" pitchFamily="49" charset="0"/>
                 <a:cs typeface="Courier New" panose="02070309020205020404" pitchFamily="49" charset="0"/>
               </a:rPr>
-              <a:t>conn</a:t>
+              <a:t>refs</a:t>
             </a:r>
             <a:r>
               <a:rPr lang="pt-BR" sz="2000" b="1" dirty="0">
@@ -16127,110 +16361,29 @@
                 <a:cs typeface="Courier New" panose="02070309020205020404" pitchFamily="49" charset="0"/>
               </a:rPr>
             </a:br>
+            <a:r>
+              <a:rPr lang="pt-BR" sz="2000" b="1" dirty="0">
+                <a:latin typeface="Courier New" panose="02070309020205020404" pitchFamily="49" charset="0"/>
+                <a:cs typeface="Courier New" panose="02070309020205020404" pitchFamily="49" charset="0"/>
+              </a:rPr>
+              <a:t>:</a:t>
+            </a:r>
             <a:br>
               <a:rPr lang="pt-BR" sz="2000" b="1" dirty="0">
                 <a:latin typeface="Courier New" panose="02070309020205020404" pitchFamily="49" charset="0"/>
                 <a:cs typeface="Courier New" panose="02070309020205020404" pitchFamily="49" charset="0"/>
               </a:rPr>
             </a:br>
-            <a:r>
-              <a:rPr lang="pt-BR" sz="2000" b="1" dirty="0">
-                <a:latin typeface="Courier New" panose="02070309020205020404" pitchFamily="49" charset="0"/>
-                <a:cs typeface="Courier New" panose="02070309020205020404" pitchFamily="49" charset="0"/>
-              </a:rPr>
-              <a:t>$ ./</a:t>
-            </a:r>
-            <a:r>
-              <a:rPr lang="pt-BR" sz="2000" b="1" dirty="0" err="1">
-                <a:latin typeface="Courier New" panose="02070309020205020404" pitchFamily="49" charset="0"/>
-                <a:cs typeface="Courier New" panose="02070309020205020404" pitchFamily="49" charset="0"/>
-              </a:rPr>
-              <a:t>rails</a:t>
-            </a:r>
-            <a:r>
-              <a:rPr lang="pt-BR" sz="2000" b="1" dirty="0">
-                <a:latin typeface="Courier New" panose="02070309020205020404" pitchFamily="49" charset="0"/>
-                <a:cs typeface="Courier New" panose="02070309020205020404" pitchFamily="49" charset="0"/>
-              </a:rPr>
-              <a:t> console</a:t>
-            </a:r>
-            <a:br>
-              <a:rPr lang="pt-BR" sz="2000" b="1" dirty="0">
-                <a:latin typeface="Courier New" panose="02070309020205020404" pitchFamily="49" charset="0"/>
-                <a:cs typeface="Courier New" panose="02070309020205020404" pitchFamily="49" charset="0"/>
-              </a:rPr>
-            </a:br>
-            <a:r>
-              <a:rPr lang="pt-BR" sz="2000" b="1" dirty="0">
-                <a:latin typeface="Courier New" panose="02070309020205020404" pitchFamily="49" charset="0"/>
-                <a:cs typeface="Courier New" panose="02070309020205020404" pitchFamily="49" charset="0"/>
-              </a:rPr>
-              <a:t>:</a:t>
-            </a:r>
-          </a:p>
-          <a:p>
-            <a:endParaRPr lang="pt-BR" sz="2000" b="1" dirty="0">
-              <a:latin typeface="Courier New" panose="02070309020205020404" pitchFamily="49" charset="0"/>
-              <a:cs typeface="Courier New" panose="02070309020205020404" pitchFamily="49" charset="0"/>
-            </a:endParaRPr>
-          </a:p>
-          <a:p>
-            <a:r>
-              <a:rPr lang="pt-BR" sz="2000" b="1" dirty="0">
-                <a:latin typeface="Courier New" panose="02070309020205020404" pitchFamily="49" charset="0"/>
-                <a:cs typeface="Courier New" panose="02070309020205020404" pitchFamily="49" charset="0"/>
-              </a:rPr>
-              <a:t>$ </a:t>
-            </a:r>
-            <a:r>
-              <a:rPr lang="pt-BR" sz="2000" b="1" dirty="0" err="1">
-                <a:latin typeface="Courier New" panose="02070309020205020404" pitchFamily="49" charset="0"/>
-                <a:cs typeface="Courier New" panose="02070309020205020404" pitchFamily="49" charset="0"/>
-              </a:rPr>
-              <a:t>exit</a:t>
-            </a:r>
-            <a:br>
-              <a:rPr lang="pt-BR" sz="2000" b="1" dirty="0">
-                <a:latin typeface="Courier New" panose="02070309020205020404" pitchFamily="49" charset="0"/>
-                <a:cs typeface="Courier New" panose="02070309020205020404" pitchFamily="49" charset="0"/>
-              </a:rPr>
-            </a:br>
-            <a:br>
-              <a:rPr lang="pt-BR" sz="2000" b="1" dirty="0">
-                <a:latin typeface="Courier New" panose="02070309020205020404" pitchFamily="49" charset="0"/>
-                <a:cs typeface="Courier New" panose="02070309020205020404" pitchFamily="49" charset="0"/>
-              </a:rPr>
-            </a:br>
-            <a:r>
-              <a:rPr lang="pt-BR" sz="2000" b="1" dirty="0">
-                <a:latin typeface="Courier New" panose="02070309020205020404" pitchFamily="49" charset="0"/>
-                <a:cs typeface="Courier New" panose="02070309020205020404" pitchFamily="49" charset="0"/>
-              </a:rPr>
-              <a:t>$ </a:t>
-            </a:r>
-            <a:r>
-              <a:rPr lang="pt-BR" sz="2000" b="1" dirty="0" err="1">
-                <a:latin typeface="Courier New" panose="02070309020205020404" pitchFamily="49" charset="0"/>
-                <a:cs typeface="Courier New" panose="02070309020205020404" pitchFamily="49" charset="0"/>
-              </a:rPr>
-              <a:t>exit</a:t>
-            </a:r>
-            <a:br>
-              <a:rPr lang="pt-BR" b="1" dirty="0">
-                <a:latin typeface="Courier New" panose="02070309020205020404" pitchFamily="49" charset="0"/>
-                <a:cs typeface="Courier New" panose="02070309020205020404" pitchFamily="49" charset="0"/>
-              </a:rPr>
-            </a:br>
-            <a:endParaRPr lang="pt-BR" dirty="0"/>
+            <a:endParaRPr lang="pt-BR" sz="2000" dirty="0"/>
           </a:p>
         </p:txBody>
       </p:sp>
       <p:pic>
         <p:nvPicPr>
-          <p:cNvPr id="6" name="Espaço Reservado para Imagem 5">
+          <p:cNvPr id="7" name="Espaço Reservado para Imagem 6">
             <a:extLst>
               <a:ext uri="{FF2B5EF4-FFF2-40B4-BE49-F238E27FC236}">
-                <a16:creationId xmlns:a16="http://schemas.microsoft.com/office/drawing/2014/main" id="{5011BEA9-6F98-445A-9EF1-56879E29DA22}"/>
+                <a16:creationId xmlns:a16="http://schemas.microsoft.com/office/drawing/2014/main" id="{E09AE9C3-A3BD-4CA2-A23C-23007EF015A5}"/>
               </a:ext>
             </a:extLst>
           </p:cNvPr>
@@ -16243,7 +16396,7 @@
         </p:nvPicPr>
         <p:blipFill rotWithShape="1">
           <a:blip r:embed="rId2"/>
-          <a:srcRect t="2326" b="2326"/>
+          <a:srcRect t="27" b="27"/>
           <a:stretch/>
         </p:blipFill>
         <p:spPr/>
@@ -16251,7 +16404,7 @@
     </p:spTree>
     <p:extLst>
       <p:ext uri="{BB962C8B-B14F-4D97-AF65-F5344CB8AC3E}">
-        <p14:creationId xmlns:p14="http://schemas.microsoft.com/office/powerpoint/2010/main" val="3794505143"/>
+        <p14:creationId xmlns:p14="http://schemas.microsoft.com/office/powerpoint/2010/main" val="1648276343"/>
       </p:ext>
     </p:extLst>
   </p:cSld>
@@ -16261,7 +16414,7 @@
 </p:sld>
 </file>
 
-<file path=ppt/slides/slide38.xml><?xml version="1.0" encoding="utf-8"?>
+<file path=ppt/slides/slide39.xml><?xml version="1.0" encoding="utf-8"?>
 <p:sld xmlns:a="http://schemas.openxmlformats.org/drawingml/2006/main" xmlns:r="http://schemas.openxmlformats.org/officeDocument/2006/relationships" xmlns:p="http://schemas.openxmlformats.org/presentationml/2006/main">
   <p:cSld>
     <p:bg>
@@ -16288,7 +16441,7 @@
       </p:grpSpPr>
       <p:sp useBgFill="1">
         <p:nvSpPr>
-          <p:cNvPr id="46" name="Rectangle 45">
+          <p:cNvPr id="32" name="Rectangle 31">
             <a:extLst>
               <a:ext uri="{FF2B5EF4-FFF2-40B4-BE49-F238E27FC236}">
                 <a16:creationId xmlns:a16="http://schemas.microsoft.com/office/drawing/2014/main" id="{3E443FD7-A66B-4AA0-872D-B088B9BC5F17}"/>
@@ -16381,7 +16534,7 @@
             </a:r>
             <a:r>
               <a:rPr lang="pt-BR" b="1" dirty="0" err="1"/>
-              <a:t>Mysql</a:t>
+              <a:t>Homolog</a:t>
             </a:r>
             <a:endParaRPr lang="pt-BR" b="1" dirty="0"/>
           </a:p>
@@ -16417,15 +16570,19 @@
           <a:p>
             <a:pPr algn="l"/>
             <a:r>
+              <a:rPr lang="pt-BR" b="1" dirty="0" err="1"/>
+              <a:t>Homolog</a:t>
+            </a:r>
+            <a:r>
               <a:rPr lang="pt-BR" b="1" dirty="0"/>
-              <a:t>DB Console</a:t>
+              <a:t> Console</a:t>
             </a:r>
           </a:p>
         </p:txBody>
       </p:sp>
       <p:sp>
         <p:nvSpPr>
-          <p:cNvPr id="48" name="Freeform: Shape 47">
+          <p:cNvPr id="34" name="Freeform: Shape 33">
             <a:extLst>
               <a:ext uri="{FF2B5EF4-FFF2-40B4-BE49-F238E27FC236}">
                 <a16:creationId xmlns:a16="http://schemas.microsoft.com/office/drawing/2014/main" id="{C04BE0EF-3561-49B4-9A29-F283168A91C7}"/>
@@ -17199,10 +17356,10 @@
       </p:sp>
       <p:pic>
         <p:nvPicPr>
-          <p:cNvPr id="5" name="Imagem 4">
+          <p:cNvPr id="6" name="Imagem 5" descr="Desenho de personagem de desenho animado&#10;&#10;Descrição gerada automaticamente com confiança baixa">
             <a:extLst>
               <a:ext uri="{FF2B5EF4-FFF2-40B4-BE49-F238E27FC236}">
-                <a16:creationId xmlns:a16="http://schemas.microsoft.com/office/drawing/2014/main" id="{B7C42659-CA3E-4C49-A1AE-0C128F421C5B}"/>
+                <a16:creationId xmlns:a16="http://schemas.microsoft.com/office/drawing/2014/main" id="{193569E6-EBA3-4DF2-AA1B-8621057D1F5F}"/>
               </a:ext>
             </a:extLst>
           </p:cNvPr>
@@ -17225,8 +17382,8 @@
         </p:blipFill>
         <p:spPr>
           <a:xfrm>
-            <a:off x="7531503" y="2129307"/>
-            <a:ext cx="3217333" cy="3217333"/>
+            <a:off x="7579762" y="2129307"/>
+            <a:ext cx="3120815" cy="3217333"/>
           </a:xfrm>
           <a:prstGeom prst="rect">
             <a:avLst/>
@@ -17236,261 +17393,7 @@
     </p:spTree>
     <p:extLst>
       <p:ext uri="{BB962C8B-B14F-4D97-AF65-F5344CB8AC3E}">
-        <p14:creationId xmlns:p14="http://schemas.microsoft.com/office/powerpoint/2010/main" val="53534015"/>
-      </p:ext>
-    </p:extLst>
-  </p:cSld>
-  <p:clrMapOvr>
-    <a:masterClrMapping/>
-  </p:clrMapOvr>
-</p:sld>
-</file>
-
-<file path=ppt/slides/slide39.xml><?xml version="1.0" encoding="utf-8"?>
-<p:sld xmlns:a="http://schemas.openxmlformats.org/drawingml/2006/main" xmlns:r="http://schemas.openxmlformats.org/officeDocument/2006/relationships" xmlns:p="http://schemas.openxmlformats.org/presentationml/2006/main">
-  <p:cSld>
-    <p:spTree>
-      <p:nvGrpSpPr>
-        <p:cNvPr id="1" name=""/>
-        <p:cNvGrpSpPr/>
-        <p:nvPr/>
-      </p:nvGrpSpPr>
-      <p:grpSpPr>
-        <a:xfrm>
-          <a:off x="0" y="0"/>
-          <a:ext cx="0" cy="0"/>
-          <a:chOff x="0" y="0"/>
-          <a:chExt cx="0" cy="0"/>
-        </a:xfrm>
-      </p:grpSpPr>
-      <p:sp>
-        <p:nvSpPr>
-          <p:cNvPr id="2" name="Título 1">
-            <a:extLst>
-              <a:ext uri="{FF2B5EF4-FFF2-40B4-BE49-F238E27FC236}">
-                <a16:creationId xmlns:a16="http://schemas.microsoft.com/office/drawing/2014/main" id="{9A0CB290-6B69-45F0-908B-3D50CD709B01}"/>
-              </a:ext>
-            </a:extLst>
-          </p:cNvPr>
-          <p:cNvSpPr>
-            <a:spLocks noGrp="1"/>
-          </p:cNvSpPr>
-          <p:nvPr>
-            <p:ph type="title"/>
-          </p:nvPr>
-        </p:nvSpPr>
-        <p:spPr/>
-        <p:txBody>
-          <a:bodyPr>
-            <a:normAutofit fontScale="90000"/>
-          </a:bodyPr>
-          <a:lstStyle/>
-          <a:p>
-            <a:r>
-              <a:rPr lang="pt-BR" b="1" dirty="0"/>
-              <a:t>Conexão com </a:t>
-            </a:r>
-            <a:r>
-              <a:rPr lang="pt-BR" b="1" dirty="0" err="1"/>
-              <a:t>Mysql</a:t>
-            </a:r>
-            <a:br>
-              <a:rPr lang="pt-BR" dirty="0"/>
-            </a:br>
-            <a:endParaRPr lang="pt-BR" dirty="0"/>
-          </a:p>
-        </p:txBody>
-      </p:sp>
-      <p:sp>
-        <p:nvSpPr>
-          <p:cNvPr id="9" name="Espaço Reservado para Texto 8">
-            <a:extLst>
-              <a:ext uri="{FF2B5EF4-FFF2-40B4-BE49-F238E27FC236}">
-                <a16:creationId xmlns:a16="http://schemas.microsoft.com/office/drawing/2014/main" id="{E1E67D10-0AC5-4E4A-9AA4-CAD40D4E41A0}"/>
-              </a:ext>
-            </a:extLst>
-          </p:cNvPr>
-          <p:cNvSpPr>
-            <a:spLocks noGrp="1"/>
-          </p:cNvSpPr>
-          <p:nvPr>
-            <p:ph type="body" sz="half" idx="2"/>
-          </p:nvPr>
-        </p:nvSpPr>
-        <p:spPr/>
-        <p:txBody>
-          <a:bodyPr>
-            <a:normAutofit/>
-          </a:bodyPr>
-          <a:lstStyle/>
-          <a:p>
-            <a:r>
-              <a:rPr lang="pt-BR" sz="2000" b="1" dirty="0">
-                <a:latin typeface="Courier New" panose="02070309020205020404" pitchFamily="49" charset="0"/>
-                <a:cs typeface="Courier New" panose="02070309020205020404" pitchFamily="49" charset="0"/>
-              </a:rPr>
-              <a:t>$ site </a:t>
-            </a:r>
-            <a:r>
-              <a:rPr lang="pt-BR" sz="2000" b="1" dirty="0" err="1">
-                <a:latin typeface="Courier New" panose="02070309020205020404" pitchFamily="49" charset="0"/>
-                <a:cs typeface="Courier New" panose="02070309020205020404" pitchFamily="49" charset="0"/>
-              </a:rPr>
-              <a:t>mysql</a:t>
-            </a:r>
-            <a:r>
-              <a:rPr lang="pt-BR" sz="2000" b="1" dirty="0">
-                <a:latin typeface="Courier New" panose="02070309020205020404" pitchFamily="49" charset="0"/>
-                <a:cs typeface="Courier New" panose="02070309020205020404" pitchFamily="49" charset="0"/>
-              </a:rPr>
-              <a:t> </a:t>
-            </a:r>
-            <a:r>
-              <a:rPr lang="pt-BR" sz="2000" b="1" dirty="0" err="1">
-                <a:latin typeface="Courier New" panose="02070309020205020404" pitchFamily="49" charset="0"/>
-                <a:cs typeface="Courier New" panose="02070309020205020404" pitchFamily="49" charset="0"/>
-              </a:rPr>
-              <a:t>conn</a:t>
-            </a:r>
-            <a:r>
-              <a:rPr lang="pt-BR" sz="2000" b="1" dirty="0">
-                <a:latin typeface="Courier New" panose="02070309020205020404" pitchFamily="49" charset="0"/>
-                <a:cs typeface="Courier New" panose="02070309020205020404" pitchFamily="49" charset="0"/>
-              </a:rPr>
-              <a:t> </a:t>
-            </a:r>
-            <a:br>
-              <a:rPr lang="pt-BR" sz="2000" b="1" dirty="0">
-                <a:latin typeface="Courier New" panose="02070309020205020404" pitchFamily="49" charset="0"/>
-                <a:cs typeface="Courier New" panose="02070309020205020404" pitchFamily="49" charset="0"/>
-              </a:rPr>
-            </a:br>
-            <a:br>
-              <a:rPr lang="pt-BR" sz="2000" b="1" dirty="0">
-                <a:latin typeface="Courier New" panose="02070309020205020404" pitchFamily="49" charset="0"/>
-                <a:cs typeface="Courier New" panose="02070309020205020404" pitchFamily="49" charset="0"/>
-              </a:rPr>
-            </a:br>
-            <a:r>
-              <a:rPr lang="pt-BR" sz="2000" b="1" dirty="0">
-                <a:latin typeface="Courier New" panose="02070309020205020404" pitchFamily="49" charset="0"/>
-                <a:cs typeface="Courier New" panose="02070309020205020404" pitchFamily="49" charset="0"/>
-              </a:rPr>
-              <a:t>$ </a:t>
-            </a:r>
-            <a:r>
-              <a:rPr lang="pt-BR" sz="2000" b="1" dirty="0" err="1">
-                <a:latin typeface="Courier New" panose="02070309020205020404" pitchFamily="49" charset="0"/>
-                <a:cs typeface="Courier New" panose="02070309020205020404" pitchFamily="49" charset="0"/>
-              </a:rPr>
-              <a:t>select</a:t>
-            </a:r>
-            <a:r>
-              <a:rPr lang="pt-BR" sz="2000" b="1" dirty="0">
-                <a:latin typeface="Courier New" panose="02070309020205020404" pitchFamily="49" charset="0"/>
-                <a:cs typeface="Courier New" panose="02070309020205020404" pitchFamily="49" charset="0"/>
-              </a:rPr>
-              <a:t> * </a:t>
-            </a:r>
-            <a:r>
-              <a:rPr lang="pt-BR" sz="2000" b="1" dirty="0" err="1">
-                <a:latin typeface="Courier New" panose="02070309020205020404" pitchFamily="49" charset="0"/>
-                <a:cs typeface="Courier New" panose="02070309020205020404" pitchFamily="49" charset="0"/>
-              </a:rPr>
-              <a:t>from</a:t>
-            </a:r>
-            <a:r>
-              <a:rPr lang="pt-BR" sz="2000" b="1" dirty="0">
-                <a:latin typeface="Courier New" panose="02070309020205020404" pitchFamily="49" charset="0"/>
-                <a:cs typeface="Courier New" panose="02070309020205020404" pitchFamily="49" charset="0"/>
-              </a:rPr>
-              <a:t> </a:t>
-            </a:r>
-            <a:r>
-              <a:rPr lang="pt-BR" sz="2000" b="1" dirty="0" err="1">
-                <a:latin typeface="Courier New" panose="02070309020205020404" pitchFamily="49" charset="0"/>
-                <a:cs typeface="Courier New" panose="02070309020205020404" pitchFamily="49" charset="0"/>
-              </a:rPr>
-              <a:t>city_halls</a:t>
-            </a:r>
-            <a:br>
-              <a:rPr lang="pt-BR" sz="2000" b="1" dirty="0">
-                <a:latin typeface="Courier New" panose="02070309020205020404" pitchFamily="49" charset="0"/>
-                <a:cs typeface="Courier New" panose="02070309020205020404" pitchFamily="49" charset="0"/>
-              </a:rPr>
-            </a:br>
-            <a:r>
-              <a:rPr lang="pt-BR" sz="2000" b="1" dirty="0">
-                <a:latin typeface="Courier New" panose="02070309020205020404" pitchFamily="49" charset="0"/>
-                <a:cs typeface="Courier New" panose="02070309020205020404" pitchFamily="49" charset="0"/>
-              </a:rPr>
-              <a:t>:</a:t>
-            </a:r>
-          </a:p>
-          <a:p>
-            <a:endParaRPr lang="pt-BR" sz="2000" b="1" dirty="0">
-              <a:latin typeface="Courier New" panose="02070309020205020404" pitchFamily="49" charset="0"/>
-              <a:cs typeface="Courier New" panose="02070309020205020404" pitchFamily="49" charset="0"/>
-            </a:endParaRPr>
-          </a:p>
-          <a:p>
-            <a:r>
-              <a:rPr lang="pt-BR" sz="2000" b="1" dirty="0">
-                <a:latin typeface="Courier New" panose="02070309020205020404" pitchFamily="49" charset="0"/>
-                <a:cs typeface="Courier New" panose="02070309020205020404" pitchFamily="49" charset="0"/>
-              </a:rPr>
-              <a:t>$ </a:t>
-            </a:r>
-            <a:r>
-              <a:rPr lang="pt-BR" sz="2000" b="1" dirty="0" err="1">
-                <a:latin typeface="Courier New" panose="02070309020205020404" pitchFamily="49" charset="0"/>
-                <a:cs typeface="Courier New" panose="02070309020205020404" pitchFamily="49" charset="0"/>
-              </a:rPr>
-              <a:t>exit</a:t>
-            </a:r>
-            <a:br>
-              <a:rPr lang="pt-BR" sz="2000" b="1" dirty="0">
-                <a:latin typeface="Courier New" panose="02070309020205020404" pitchFamily="49" charset="0"/>
-                <a:cs typeface="Courier New" panose="02070309020205020404" pitchFamily="49" charset="0"/>
-              </a:rPr>
-            </a:br>
-            <a:br>
-              <a:rPr lang="pt-BR" b="1" dirty="0">
-                <a:latin typeface="Courier New" panose="02070309020205020404" pitchFamily="49" charset="0"/>
-                <a:cs typeface="Courier New" panose="02070309020205020404" pitchFamily="49" charset="0"/>
-              </a:rPr>
-            </a:br>
-            <a:endParaRPr lang="pt-BR" dirty="0"/>
-          </a:p>
-        </p:txBody>
-      </p:sp>
-      <p:pic>
-        <p:nvPicPr>
-          <p:cNvPr id="7" name="Espaço Reservado para Imagem 6">
-            <a:extLst>
-              <a:ext uri="{FF2B5EF4-FFF2-40B4-BE49-F238E27FC236}">
-                <a16:creationId xmlns:a16="http://schemas.microsoft.com/office/drawing/2014/main" id="{87462775-3A70-49A8-8A9B-C7B13D03977A}"/>
-              </a:ext>
-            </a:extLst>
-          </p:cNvPr>
-          <p:cNvPicPr>
-            <a:picLocks noGrp="1" noChangeAspect="1"/>
-          </p:cNvPicPr>
-          <p:nvPr>
-            <p:ph type="pic" idx="1"/>
-          </p:nvPr>
-        </p:nvPicPr>
-        <p:blipFill rotWithShape="1">
-          <a:blip r:embed="rId2"/>
-          <a:srcRect t="2326" b="2326"/>
-          <a:stretch/>
-        </p:blipFill>
-        <p:spPr/>
-      </p:pic>
-    </p:spTree>
-    <p:extLst>
-      <p:ext uri="{BB962C8B-B14F-4D97-AF65-F5344CB8AC3E}">
-        <p14:creationId xmlns:p14="http://schemas.microsoft.com/office/powerpoint/2010/main" val="796341809"/>
+        <p14:creationId xmlns:p14="http://schemas.microsoft.com/office/powerpoint/2010/main" val="342615125"/>
       </p:ext>
     </p:extLst>
   </p:cSld>
@@ -18196,6 +18099,245 @@
 <file path=ppt/slides/slide40.xml><?xml version="1.0" encoding="utf-8"?>
 <p:sld xmlns:a="http://schemas.openxmlformats.org/drawingml/2006/main" xmlns:r="http://schemas.openxmlformats.org/officeDocument/2006/relationships" xmlns:p="http://schemas.openxmlformats.org/presentationml/2006/main">
   <p:cSld>
+    <p:spTree>
+      <p:nvGrpSpPr>
+        <p:cNvPr id="1" name=""/>
+        <p:cNvGrpSpPr/>
+        <p:nvPr/>
+      </p:nvGrpSpPr>
+      <p:grpSpPr>
+        <a:xfrm>
+          <a:off x="0" y="0"/>
+          <a:ext cx="0" cy="0"/>
+          <a:chOff x="0" y="0"/>
+          <a:chExt cx="0" cy="0"/>
+        </a:xfrm>
+      </p:grpSpPr>
+      <p:sp>
+        <p:nvSpPr>
+          <p:cNvPr id="2" name="Título 1">
+            <a:extLst>
+              <a:ext uri="{FF2B5EF4-FFF2-40B4-BE49-F238E27FC236}">
+                <a16:creationId xmlns:a16="http://schemas.microsoft.com/office/drawing/2014/main" id="{9A0CB290-6B69-45F0-908B-3D50CD709B01}"/>
+              </a:ext>
+            </a:extLst>
+          </p:cNvPr>
+          <p:cNvSpPr>
+            <a:spLocks noGrp="1"/>
+          </p:cNvSpPr>
+          <p:nvPr>
+            <p:ph type="title"/>
+          </p:nvPr>
+        </p:nvSpPr>
+        <p:spPr/>
+        <p:txBody>
+          <a:bodyPr>
+            <a:normAutofit fontScale="90000"/>
+          </a:bodyPr>
+          <a:lstStyle/>
+          <a:p>
+            <a:r>
+              <a:rPr lang="pt-BR" b="1" dirty="0"/>
+              <a:t>Conexão com </a:t>
+            </a:r>
+            <a:r>
+              <a:rPr lang="pt-BR" b="1" dirty="0" err="1"/>
+              <a:t>Homolog</a:t>
+            </a:r>
+            <a:br>
+              <a:rPr lang="pt-BR" dirty="0"/>
+            </a:br>
+            <a:endParaRPr lang="pt-BR" dirty="0"/>
+          </a:p>
+        </p:txBody>
+      </p:sp>
+      <p:sp>
+        <p:nvSpPr>
+          <p:cNvPr id="9" name="Espaço Reservado para Texto 8">
+            <a:extLst>
+              <a:ext uri="{FF2B5EF4-FFF2-40B4-BE49-F238E27FC236}">
+                <a16:creationId xmlns:a16="http://schemas.microsoft.com/office/drawing/2014/main" id="{E1E67D10-0AC5-4E4A-9AA4-CAD40D4E41A0}"/>
+              </a:ext>
+            </a:extLst>
+          </p:cNvPr>
+          <p:cNvSpPr>
+            <a:spLocks noGrp="1"/>
+          </p:cNvSpPr>
+          <p:nvPr>
+            <p:ph type="body" sz="half" idx="2"/>
+          </p:nvPr>
+        </p:nvSpPr>
+        <p:spPr/>
+        <p:txBody>
+          <a:bodyPr>
+            <a:normAutofit/>
+          </a:bodyPr>
+          <a:lstStyle/>
+          <a:p>
+            <a:r>
+              <a:rPr lang="pt-BR" sz="2000" b="1" dirty="0">
+                <a:latin typeface="Courier New" panose="02070309020205020404" pitchFamily="49" charset="0"/>
+                <a:cs typeface="Courier New" panose="02070309020205020404" pitchFamily="49" charset="0"/>
+              </a:rPr>
+              <a:t>$ site </a:t>
+            </a:r>
+            <a:r>
+              <a:rPr lang="pt-BR" sz="2000" b="1" dirty="0" err="1">
+                <a:latin typeface="Courier New" panose="02070309020205020404" pitchFamily="49" charset="0"/>
+                <a:cs typeface="Courier New" panose="02070309020205020404" pitchFamily="49" charset="0"/>
+              </a:rPr>
+              <a:t>conn</a:t>
+            </a:r>
+            <a:r>
+              <a:rPr lang="pt-BR" sz="2000" b="1" dirty="0">
+                <a:latin typeface="Courier New" panose="02070309020205020404" pitchFamily="49" charset="0"/>
+                <a:cs typeface="Courier New" panose="02070309020205020404" pitchFamily="49" charset="0"/>
+              </a:rPr>
+              <a:t> </a:t>
+            </a:r>
+            <a:br>
+              <a:rPr lang="pt-BR" sz="2000" b="1" dirty="0">
+                <a:latin typeface="Courier New" panose="02070309020205020404" pitchFamily="49" charset="0"/>
+                <a:cs typeface="Courier New" panose="02070309020205020404" pitchFamily="49" charset="0"/>
+              </a:rPr>
+            </a:br>
+            <a:br>
+              <a:rPr lang="pt-BR" sz="2000" b="1" dirty="0">
+                <a:latin typeface="Courier New" panose="02070309020205020404" pitchFamily="49" charset="0"/>
+                <a:cs typeface="Courier New" panose="02070309020205020404" pitchFamily="49" charset="0"/>
+              </a:rPr>
+            </a:br>
+            <a:r>
+              <a:rPr lang="pt-BR" sz="2000" b="1" dirty="0">
+                <a:latin typeface="Courier New" panose="02070309020205020404" pitchFamily="49" charset="0"/>
+                <a:cs typeface="Courier New" panose="02070309020205020404" pitchFamily="49" charset="0"/>
+              </a:rPr>
+              <a:t>$ ./</a:t>
+            </a:r>
+            <a:r>
+              <a:rPr lang="pt-BR" sz="2000" b="1" dirty="0" err="1">
+                <a:latin typeface="Courier New" panose="02070309020205020404" pitchFamily="49" charset="0"/>
+                <a:cs typeface="Courier New" panose="02070309020205020404" pitchFamily="49" charset="0"/>
+              </a:rPr>
+              <a:t>rails</a:t>
+            </a:r>
+            <a:r>
+              <a:rPr lang="pt-BR" sz="2000" b="1" dirty="0">
+                <a:latin typeface="Courier New" panose="02070309020205020404" pitchFamily="49" charset="0"/>
+                <a:cs typeface="Courier New" panose="02070309020205020404" pitchFamily="49" charset="0"/>
+              </a:rPr>
+              <a:t> console</a:t>
+            </a:r>
+            <a:br>
+              <a:rPr lang="pt-BR" sz="2000" b="1" dirty="0">
+                <a:latin typeface="Courier New" panose="02070309020205020404" pitchFamily="49" charset="0"/>
+                <a:cs typeface="Courier New" panose="02070309020205020404" pitchFamily="49" charset="0"/>
+              </a:rPr>
+            </a:br>
+            <a:r>
+              <a:rPr lang="pt-BR" sz="2000" b="1" dirty="0">
+                <a:latin typeface="Courier New" panose="02070309020205020404" pitchFamily="49" charset="0"/>
+                <a:cs typeface="Courier New" panose="02070309020205020404" pitchFamily="49" charset="0"/>
+              </a:rPr>
+              <a:t>:</a:t>
+            </a:r>
+          </a:p>
+          <a:p>
+            <a:endParaRPr lang="pt-BR" sz="2000" b="1" dirty="0">
+              <a:latin typeface="Courier New" panose="02070309020205020404" pitchFamily="49" charset="0"/>
+              <a:cs typeface="Courier New" panose="02070309020205020404" pitchFamily="49" charset="0"/>
+            </a:endParaRPr>
+          </a:p>
+          <a:p>
+            <a:r>
+              <a:rPr lang="pt-BR" sz="2000" b="1" dirty="0">
+                <a:latin typeface="Courier New" panose="02070309020205020404" pitchFamily="49" charset="0"/>
+                <a:cs typeface="Courier New" panose="02070309020205020404" pitchFamily="49" charset="0"/>
+              </a:rPr>
+              <a:t>$ </a:t>
+            </a:r>
+            <a:r>
+              <a:rPr lang="pt-BR" sz="2000" b="1" dirty="0" err="1">
+                <a:latin typeface="Courier New" panose="02070309020205020404" pitchFamily="49" charset="0"/>
+                <a:cs typeface="Courier New" panose="02070309020205020404" pitchFamily="49" charset="0"/>
+              </a:rPr>
+              <a:t>exit</a:t>
+            </a:r>
+            <a:br>
+              <a:rPr lang="pt-BR" sz="2000" b="1" dirty="0">
+                <a:latin typeface="Courier New" panose="02070309020205020404" pitchFamily="49" charset="0"/>
+                <a:cs typeface="Courier New" panose="02070309020205020404" pitchFamily="49" charset="0"/>
+              </a:rPr>
+            </a:br>
+            <a:br>
+              <a:rPr lang="pt-BR" sz="2000" b="1" dirty="0">
+                <a:latin typeface="Courier New" panose="02070309020205020404" pitchFamily="49" charset="0"/>
+                <a:cs typeface="Courier New" panose="02070309020205020404" pitchFamily="49" charset="0"/>
+              </a:rPr>
+            </a:br>
+            <a:r>
+              <a:rPr lang="pt-BR" sz="2000" b="1" dirty="0">
+                <a:latin typeface="Courier New" panose="02070309020205020404" pitchFamily="49" charset="0"/>
+                <a:cs typeface="Courier New" panose="02070309020205020404" pitchFamily="49" charset="0"/>
+              </a:rPr>
+              <a:t>$ </a:t>
+            </a:r>
+            <a:r>
+              <a:rPr lang="pt-BR" sz="2000" b="1" dirty="0" err="1">
+                <a:latin typeface="Courier New" panose="02070309020205020404" pitchFamily="49" charset="0"/>
+                <a:cs typeface="Courier New" panose="02070309020205020404" pitchFamily="49" charset="0"/>
+              </a:rPr>
+              <a:t>exit</a:t>
+            </a:r>
+            <a:br>
+              <a:rPr lang="pt-BR" b="1" dirty="0">
+                <a:latin typeface="Courier New" panose="02070309020205020404" pitchFamily="49" charset="0"/>
+                <a:cs typeface="Courier New" panose="02070309020205020404" pitchFamily="49" charset="0"/>
+              </a:rPr>
+            </a:br>
+            <a:endParaRPr lang="pt-BR" dirty="0"/>
+          </a:p>
+        </p:txBody>
+      </p:sp>
+      <p:pic>
+        <p:nvPicPr>
+          <p:cNvPr id="6" name="Espaço Reservado para Imagem 5">
+            <a:extLst>
+              <a:ext uri="{FF2B5EF4-FFF2-40B4-BE49-F238E27FC236}">
+                <a16:creationId xmlns:a16="http://schemas.microsoft.com/office/drawing/2014/main" id="{5011BEA9-6F98-445A-9EF1-56879E29DA22}"/>
+              </a:ext>
+            </a:extLst>
+          </p:cNvPr>
+          <p:cNvPicPr>
+            <a:picLocks noGrp="1" noChangeAspect="1"/>
+          </p:cNvPicPr>
+          <p:nvPr>
+            <p:ph type="pic" idx="1"/>
+          </p:nvPr>
+        </p:nvPicPr>
+        <p:blipFill rotWithShape="1">
+          <a:blip r:embed="rId2"/>
+          <a:srcRect t="2326" b="2326"/>
+          <a:stretch/>
+        </p:blipFill>
+        <p:spPr/>
+      </p:pic>
+    </p:spTree>
+    <p:extLst>
+      <p:ext uri="{BB962C8B-B14F-4D97-AF65-F5344CB8AC3E}">
+        <p14:creationId xmlns:p14="http://schemas.microsoft.com/office/powerpoint/2010/main" val="3794505143"/>
+      </p:ext>
+    </p:extLst>
+  </p:cSld>
+  <p:clrMapOvr>
+    <a:masterClrMapping/>
+  </p:clrMapOvr>
+</p:sld>
+</file>
+
+<file path=ppt/slides/slide41.xml><?xml version="1.0" encoding="utf-8"?>
+<p:sld xmlns:a="http://schemas.openxmlformats.org/drawingml/2006/main" xmlns:r="http://schemas.openxmlformats.org/officeDocument/2006/relationships" xmlns:p="http://schemas.openxmlformats.org/presentationml/2006/main">
+  <p:cSld>
     <p:bg>
       <p:bgPr>
         <a:solidFill>
@@ -18220,7 +18362,7 @@
       </p:grpSpPr>
       <p:sp useBgFill="1">
         <p:nvSpPr>
-          <p:cNvPr id="53" name="Rectangle 52">
+          <p:cNvPr id="46" name="Rectangle 45">
             <a:extLst>
               <a:ext uri="{FF2B5EF4-FFF2-40B4-BE49-F238E27FC236}">
                 <a16:creationId xmlns:a16="http://schemas.microsoft.com/office/drawing/2014/main" id="{3E443FD7-A66B-4AA0-872D-B088B9BC5F17}"/>
@@ -18309,8 +18451,13 @@
             <a:pPr algn="l"/>
             <a:r>
               <a:rPr lang="pt-BR" b="1" dirty="0"/>
-              <a:t>Conexão com Redis</a:t>
-            </a:r>
+              <a:t>Conexão com </a:t>
+            </a:r>
+            <a:r>
+              <a:rPr lang="pt-BR" b="1" dirty="0" err="1"/>
+              <a:t>Mysql</a:t>
+            </a:r>
+            <a:endParaRPr lang="pt-BR" b="1" dirty="0"/>
           </a:p>
         </p:txBody>
       </p:sp>
@@ -18345,14 +18492,14 @@
             <a:pPr algn="l"/>
             <a:r>
               <a:rPr lang="pt-BR" b="1" dirty="0"/>
-              <a:t>Redis Console</a:t>
+              <a:t>DB Console</a:t>
             </a:r>
           </a:p>
         </p:txBody>
       </p:sp>
       <p:sp>
         <p:nvSpPr>
-          <p:cNvPr id="55" name="Freeform: Shape 54">
+          <p:cNvPr id="48" name="Freeform: Shape 47">
             <a:extLst>
               <a:ext uri="{FF2B5EF4-FFF2-40B4-BE49-F238E27FC236}">
                 <a16:creationId xmlns:a16="http://schemas.microsoft.com/office/drawing/2014/main" id="{C04BE0EF-3561-49B4-9A29-F283168A91C7}"/>
@@ -19126,10 +19273,10 @@
       </p:sp>
       <p:pic>
         <p:nvPicPr>
-          <p:cNvPr id="6" name="Imagem 5">
+          <p:cNvPr id="5" name="Imagem 4">
             <a:extLst>
               <a:ext uri="{FF2B5EF4-FFF2-40B4-BE49-F238E27FC236}">
-                <a16:creationId xmlns:a16="http://schemas.microsoft.com/office/drawing/2014/main" id="{4D445E4A-A4E5-491D-8812-631DB00582FE}"/>
+                <a16:creationId xmlns:a16="http://schemas.microsoft.com/office/drawing/2014/main" id="{B7C42659-CA3E-4C49-A1AE-0C128F421C5B}"/>
               </a:ext>
             </a:extLst>
           </p:cNvPr>
@@ -19139,7 +19286,7 @@
           <p:nvPr/>
         </p:nvPicPr>
         <p:blipFill>
-          <a:blip r:embed="rId3">
+          <a:blip r:embed="rId2">
             <a:extLst>
               <a:ext uri="{28A0092B-C50C-407E-A947-70E740481C1C}">
                 <a14:useLocalDpi xmlns:a14="http://schemas.microsoft.com/office/drawing/2010/main" val="0"/>
@@ -19163,7 +19310,7 @@
     </p:spTree>
     <p:extLst>
       <p:ext uri="{BB962C8B-B14F-4D97-AF65-F5344CB8AC3E}">
-        <p14:creationId xmlns:p14="http://schemas.microsoft.com/office/powerpoint/2010/main" val="2718623650"/>
+        <p14:creationId xmlns:p14="http://schemas.microsoft.com/office/powerpoint/2010/main" val="53534015"/>
       </p:ext>
     </p:extLst>
   </p:cSld>
@@ -19173,7 +19320,7 @@
 </p:sld>
 </file>
 
-<file path=ppt/slides/slide41.xml><?xml version="1.0" encoding="utf-8"?>
+<file path=ppt/slides/slide42.xml><?xml version="1.0" encoding="utf-8"?>
 <p:sld xmlns:a="http://schemas.openxmlformats.org/drawingml/2006/main" xmlns:r="http://schemas.openxmlformats.org/officeDocument/2006/relationships" xmlns:p="http://schemas.openxmlformats.org/presentationml/2006/main">
   <p:cSld>
     <p:spTree>
@@ -19215,7 +19362,11 @@
           <a:p>
             <a:r>
               <a:rPr lang="pt-BR" b="1" dirty="0"/>
-              <a:t>Conexão com Redis</a:t>
+              <a:t>Conexão com </a:t>
+            </a:r>
+            <a:r>
+              <a:rPr lang="pt-BR" b="1" dirty="0" err="1"/>
+              <a:t>Mysql</a:t>
             </a:r>
             <a:br>
               <a:rPr lang="pt-BR" dirty="0"/>
@@ -19252,7 +19403,21 @@
                 <a:latin typeface="Courier New" panose="02070309020205020404" pitchFamily="49" charset="0"/>
                 <a:cs typeface="Courier New" panose="02070309020205020404" pitchFamily="49" charset="0"/>
               </a:rPr>
-              <a:t>$ site redis </a:t>
+              <a:t>$ site </a:t>
+            </a:r>
+            <a:r>
+              <a:rPr lang="pt-BR" sz="2000" b="1" dirty="0" err="1">
+                <a:latin typeface="Courier New" panose="02070309020205020404" pitchFamily="49" charset="0"/>
+                <a:cs typeface="Courier New" panose="02070309020205020404" pitchFamily="49" charset="0"/>
+              </a:rPr>
+              <a:t>mysql</a:t>
+            </a:r>
+            <a:r>
+              <a:rPr lang="pt-BR" sz="2000" b="1" dirty="0">
+                <a:latin typeface="Courier New" panose="02070309020205020404" pitchFamily="49" charset="0"/>
+                <a:cs typeface="Courier New" panose="02070309020205020404" pitchFamily="49" charset="0"/>
+              </a:rPr>
+              <a:t> </a:t>
             </a:r>
             <a:r>
               <a:rPr lang="pt-BR" sz="2000" b="1" dirty="0" err="1">
@@ -19292,7 +19457,35 @@
                 <a:latin typeface="Courier New" panose="02070309020205020404" pitchFamily="49" charset="0"/>
                 <a:cs typeface="Courier New" panose="02070309020205020404" pitchFamily="49" charset="0"/>
               </a:rPr>
-              <a:t>ping</a:t>
+              <a:t>select</a:t>
+            </a:r>
+            <a:r>
+              <a:rPr lang="pt-BR" sz="2000" b="1" dirty="0">
+                <a:latin typeface="Courier New" panose="02070309020205020404" pitchFamily="49" charset="0"/>
+                <a:cs typeface="Courier New" panose="02070309020205020404" pitchFamily="49" charset="0"/>
+              </a:rPr>
+              <a:t> * </a:t>
+            </a:r>
+            <a:r>
+              <a:rPr lang="pt-BR" sz="2000" b="1" dirty="0" err="1">
+                <a:latin typeface="Courier New" panose="02070309020205020404" pitchFamily="49" charset="0"/>
+                <a:cs typeface="Courier New" panose="02070309020205020404" pitchFamily="49" charset="0"/>
+              </a:rPr>
+              <a:t>from</a:t>
+            </a:r>
+            <a:r>
+              <a:rPr lang="pt-BR" sz="2000" b="1" dirty="0">
+                <a:latin typeface="Courier New" panose="02070309020205020404" pitchFamily="49" charset="0"/>
+                <a:cs typeface="Courier New" panose="02070309020205020404" pitchFamily="49" charset="0"/>
+              </a:rPr>
+              <a:t> </a:t>
+            </a:r>
+            <a:r>
+              <a:rPr lang="pt-BR" sz="2000" b="1" dirty="0" err="1">
+                <a:latin typeface="Courier New" panose="02070309020205020404" pitchFamily="49" charset="0"/>
+                <a:cs typeface="Courier New" panose="02070309020205020404" pitchFamily="49" charset="0"/>
+              </a:rPr>
+              <a:t>city_halls</a:t>
             </a:r>
             <a:br>
               <a:rPr lang="pt-BR" sz="2000" b="1" dirty="0">
@@ -19347,10 +19540,10 @@
       </p:sp>
       <p:pic>
         <p:nvPicPr>
-          <p:cNvPr id="6" name="Espaço Reservado para Imagem 5">
+          <p:cNvPr id="7" name="Espaço Reservado para Imagem 6">
             <a:extLst>
               <a:ext uri="{FF2B5EF4-FFF2-40B4-BE49-F238E27FC236}">
-                <a16:creationId xmlns:a16="http://schemas.microsoft.com/office/drawing/2014/main" id="{C5917645-57FC-4B7F-9997-B33A9D1BA351}"/>
+                <a16:creationId xmlns:a16="http://schemas.microsoft.com/office/drawing/2014/main" id="{87462775-3A70-49A8-8A9B-C7B13D03977A}"/>
               </a:ext>
             </a:extLst>
           </p:cNvPr>
@@ -19371,7 +19564,7 @@
     </p:spTree>
     <p:extLst>
       <p:ext uri="{BB962C8B-B14F-4D97-AF65-F5344CB8AC3E}">
-        <p14:creationId xmlns:p14="http://schemas.microsoft.com/office/powerpoint/2010/main" val="2793571720"/>
+        <p14:creationId xmlns:p14="http://schemas.microsoft.com/office/powerpoint/2010/main" val="796341809"/>
       </p:ext>
     </p:extLst>
   </p:cSld>
@@ -19381,7 +19574,7 @@
 </p:sld>
 </file>
 
-<file path=ppt/slides/slide42.xml><?xml version="1.0" encoding="utf-8"?>
+<file path=ppt/slides/slide43.xml><?xml version="1.0" encoding="utf-8"?>
 <p:sld xmlns:a="http://schemas.openxmlformats.org/drawingml/2006/main" xmlns:r="http://schemas.openxmlformats.org/officeDocument/2006/relationships" xmlns:p="http://schemas.openxmlformats.org/presentationml/2006/main">
   <p:cSld>
     <p:bg>
@@ -19408,7 +19601,7 @@
       </p:grpSpPr>
       <p:sp useBgFill="1">
         <p:nvSpPr>
-          <p:cNvPr id="60" name="Rectangle 59">
+          <p:cNvPr id="53" name="Rectangle 52">
             <a:extLst>
               <a:ext uri="{FF2B5EF4-FFF2-40B4-BE49-F238E27FC236}">
                 <a16:creationId xmlns:a16="http://schemas.microsoft.com/office/drawing/2014/main" id="{3E443FD7-A66B-4AA0-872D-B088B9BC5F17}"/>
@@ -19497,13 +19690,8 @@
             <a:pPr algn="l"/>
             <a:r>
               <a:rPr lang="pt-BR" b="1" dirty="0"/>
-              <a:t>Conexão com </a:t>
-            </a:r>
-            <a:r>
-              <a:rPr lang="pt-BR" b="1" dirty="0" err="1"/>
-              <a:t>Git</a:t>
-            </a:r>
-            <a:endParaRPr lang="pt-BR" b="1" dirty="0"/>
+              <a:t>Conexão com Redis</a:t>
+            </a:r>
           </a:p>
         </p:txBody>
       </p:sp>
@@ -19537,19 +19725,15 @@
           <a:p>
             <a:pPr algn="l"/>
             <a:r>
-              <a:rPr lang="pt-BR" b="1" dirty="0" err="1"/>
-              <a:t>Git</a:t>
-            </a:r>
-            <a:r>
               <a:rPr lang="pt-BR" b="1" dirty="0"/>
-              <a:t> Console</a:t>
+              <a:t>Redis Console</a:t>
             </a:r>
           </a:p>
         </p:txBody>
       </p:sp>
       <p:sp>
         <p:nvSpPr>
-          <p:cNvPr id="62" name="Freeform: Shape 61">
+          <p:cNvPr id="55" name="Freeform: Shape 54">
             <a:extLst>
               <a:ext uri="{FF2B5EF4-FFF2-40B4-BE49-F238E27FC236}">
                 <a16:creationId xmlns:a16="http://schemas.microsoft.com/office/drawing/2014/main" id="{C04BE0EF-3561-49B4-9A29-F283168A91C7}"/>
@@ -20323,10 +20507,10 @@
       </p:sp>
       <p:pic>
         <p:nvPicPr>
-          <p:cNvPr id="5" name="Imagem 4" descr="Ícone&#10;&#10;Descrição gerada automaticamente">
+          <p:cNvPr id="6" name="Imagem 5">
             <a:extLst>
               <a:ext uri="{FF2B5EF4-FFF2-40B4-BE49-F238E27FC236}">
-                <a16:creationId xmlns:a16="http://schemas.microsoft.com/office/drawing/2014/main" id="{2BA9278F-FD95-4F60-8489-05C120B62F2D}"/>
+                <a16:creationId xmlns:a16="http://schemas.microsoft.com/office/drawing/2014/main" id="{4D445E4A-A4E5-491D-8812-631DB00582FE}"/>
               </a:ext>
             </a:extLst>
           </p:cNvPr>
@@ -20360,7 +20544,7 @@
     </p:spTree>
     <p:extLst>
       <p:ext uri="{BB962C8B-B14F-4D97-AF65-F5344CB8AC3E}">
-        <p14:creationId xmlns:p14="http://schemas.microsoft.com/office/powerpoint/2010/main" val="634407625"/>
+        <p14:creationId xmlns:p14="http://schemas.microsoft.com/office/powerpoint/2010/main" val="2718623650"/>
       </p:ext>
     </p:extLst>
   </p:cSld>
@@ -20370,7 +20554,7 @@
 </p:sld>
 </file>
 
-<file path=ppt/slides/slide43.xml><?xml version="1.0" encoding="utf-8"?>
+<file path=ppt/slides/slide44.xml><?xml version="1.0" encoding="utf-8"?>
 <p:sld xmlns:a="http://schemas.openxmlformats.org/drawingml/2006/main" xmlns:r="http://schemas.openxmlformats.org/officeDocument/2006/relationships" xmlns:p="http://schemas.openxmlformats.org/presentationml/2006/main">
   <p:cSld>
     <p:spTree>
@@ -20412,11 +20596,7 @@
           <a:p>
             <a:r>
               <a:rPr lang="pt-BR" b="1" dirty="0"/>
-              <a:t>Conexão com </a:t>
-            </a:r>
-            <a:r>
-              <a:rPr lang="pt-BR" b="1" dirty="0" err="1"/>
-              <a:t>Git</a:t>
+              <a:t>Conexão com Redis</a:t>
             </a:r>
             <a:br>
               <a:rPr lang="pt-BR" dirty="0"/>
@@ -20453,21 +20633,7 @@
                 <a:latin typeface="Courier New" panose="02070309020205020404" pitchFamily="49" charset="0"/>
                 <a:cs typeface="Courier New" panose="02070309020205020404" pitchFamily="49" charset="0"/>
               </a:rPr>
-              <a:t>$ site </a:t>
-            </a:r>
-            <a:r>
-              <a:rPr lang="pt-BR" sz="2000" b="1" dirty="0" err="1">
-                <a:latin typeface="Courier New" panose="02070309020205020404" pitchFamily="49" charset="0"/>
-                <a:cs typeface="Courier New" panose="02070309020205020404" pitchFamily="49" charset="0"/>
-              </a:rPr>
-              <a:t>git</a:t>
-            </a:r>
-            <a:r>
-              <a:rPr lang="pt-BR" sz="2000" b="1" dirty="0">
-                <a:latin typeface="Courier New" panose="02070309020205020404" pitchFamily="49" charset="0"/>
-                <a:cs typeface="Courier New" panose="02070309020205020404" pitchFamily="49" charset="0"/>
-              </a:rPr>
-              <a:t> </a:t>
+              <a:t>$ site redis </a:t>
             </a:r>
             <a:r>
               <a:rPr lang="pt-BR" sz="2000" b="1" dirty="0" err="1">
@@ -20489,13 +20655,45 @@
                 <a:cs typeface="Courier New" panose="02070309020205020404" pitchFamily="49" charset="0"/>
               </a:rPr>
             </a:br>
-            <a:r>
+            <a:br>
               <a:rPr lang="pt-BR" sz="2000" b="1" dirty="0">
                 <a:latin typeface="Courier New" panose="02070309020205020404" pitchFamily="49" charset="0"/>
                 <a:cs typeface="Courier New" panose="02070309020205020404" pitchFamily="49" charset="0"/>
               </a:rPr>
+            </a:br>
+            <a:r>
+              <a:rPr lang="pt-BR" sz="2000" b="1" dirty="0">
+                <a:latin typeface="Courier New" panose="02070309020205020404" pitchFamily="49" charset="0"/>
+                <a:cs typeface="Courier New" panose="02070309020205020404" pitchFamily="49" charset="0"/>
+              </a:rPr>
+              <a:t>$ </a:t>
+            </a:r>
+            <a:r>
+              <a:rPr lang="pt-BR" sz="2000" b="1" dirty="0" err="1">
+                <a:latin typeface="Courier New" panose="02070309020205020404" pitchFamily="49" charset="0"/>
+                <a:cs typeface="Courier New" panose="02070309020205020404" pitchFamily="49" charset="0"/>
+              </a:rPr>
+              <a:t>ping</a:t>
+            </a:r>
+            <a:br>
+              <a:rPr lang="pt-BR" sz="2000" b="1" dirty="0">
+                <a:latin typeface="Courier New" panose="02070309020205020404" pitchFamily="49" charset="0"/>
+                <a:cs typeface="Courier New" panose="02070309020205020404" pitchFamily="49" charset="0"/>
+              </a:rPr>
+            </a:br>
+            <a:r>
+              <a:rPr lang="pt-BR" sz="2000" b="1" dirty="0">
+                <a:latin typeface="Courier New" panose="02070309020205020404" pitchFamily="49" charset="0"/>
+                <a:cs typeface="Courier New" panose="02070309020205020404" pitchFamily="49" charset="0"/>
+              </a:rPr>
               <a:t>:</a:t>
             </a:r>
+          </a:p>
+          <a:p>
+            <a:endParaRPr lang="pt-BR" sz="2000" b="1" dirty="0">
+              <a:latin typeface="Courier New" panose="02070309020205020404" pitchFamily="49" charset="0"/>
+              <a:cs typeface="Courier New" panose="02070309020205020404" pitchFamily="49" charset="0"/>
+            </a:endParaRPr>
           </a:p>
           <a:p>
             <a:r>
@@ -20533,7 +20731,7 @@
           <p:cNvPr id="6" name="Espaço Reservado para Imagem 5">
             <a:extLst>
               <a:ext uri="{FF2B5EF4-FFF2-40B4-BE49-F238E27FC236}">
-                <a16:creationId xmlns:a16="http://schemas.microsoft.com/office/drawing/2014/main" id="{38C8695B-CFC3-4A17-91DC-8BEF3C9A1CF3}"/>
+                <a16:creationId xmlns:a16="http://schemas.microsoft.com/office/drawing/2014/main" id="{C5917645-57FC-4B7F-9997-B33A9D1BA351}"/>
               </a:ext>
             </a:extLst>
           </p:cNvPr>
@@ -20554,7 +20752,7 @@
     </p:spTree>
     <p:extLst>
       <p:ext uri="{BB962C8B-B14F-4D97-AF65-F5344CB8AC3E}">
-        <p14:creationId xmlns:p14="http://schemas.microsoft.com/office/powerpoint/2010/main" val="2067859501"/>
+        <p14:creationId xmlns:p14="http://schemas.microsoft.com/office/powerpoint/2010/main" val="2793571720"/>
       </p:ext>
     </p:extLst>
   </p:cSld>
@@ -20564,7 +20762,7 @@
 </p:sld>
 </file>
 
-<file path=ppt/slides/slide44.xml><?xml version="1.0" encoding="utf-8"?>
+<file path=ppt/slides/slide45.xml><?xml version="1.0" encoding="utf-8"?>
 <p:sld xmlns:a="http://schemas.openxmlformats.org/drawingml/2006/main" xmlns:r="http://schemas.openxmlformats.org/officeDocument/2006/relationships" xmlns:p="http://schemas.openxmlformats.org/presentationml/2006/main">
   <p:cSld>
     <p:bg>
@@ -20591,7 +20789,7 @@
       </p:grpSpPr>
       <p:sp useBgFill="1">
         <p:nvSpPr>
-          <p:cNvPr id="46" name="Rectangle 45">
+          <p:cNvPr id="60" name="Rectangle 59">
             <a:extLst>
               <a:ext uri="{FF2B5EF4-FFF2-40B4-BE49-F238E27FC236}">
                 <a16:creationId xmlns:a16="http://schemas.microsoft.com/office/drawing/2014/main" id="{3E443FD7-A66B-4AA0-872D-B088B9BC5F17}"/>
@@ -20684,7 +20882,7 @@
             </a:r>
             <a:r>
               <a:rPr lang="pt-BR" b="1" dirty="0" err="1"/>
-              <a:t>Trello</a:t>
+              <a:t>Git</a:t>
             </a:r>
             <a:endParaRPr lang="pt-BR" b="1" dirty="0"/>
           </a:p>
@@ -20721,7 +20919,7 @@
             <a:pPr algn="l"/>
             <a:r>
               <a:rPr lang="pt-BR" b="1" dirty="0" err="1"/>
-              <a:t>Trello</a:t>
+              <a:t>Git</a:t>
             </a:r>
             <a:r>
               <a:rPr lang="pt-BR" b="1" dirty="0"/>
@@ -20732,7 +20930,7 @@
       </p:sp>
       <p:sp>
         <p:nvSpPr>
-          <p:cNvPr id="48" name="Freeform: Shape 47">
+          <p:cNvPr id="62" name="Freeform: Shape 61">
             <a:extLst>
               <a:ext uri="{FF2B5EF4-FFF2-40B4-BE49-F238E27FC236}">
                 <a16:creationId xmlns:a16="http://schemas.microsoft.com/office/drawing/2014/main" id="{C04BE0EF-3561-49B4-9A29-F283168A91C7}"/>
@@ -21509,7 +21707,7 @@
           <p:cNvPr id="5" name="Imagem 4" descr="Ícone&#10;&#10;Descrição gerada automaticamente">
             <a:extLst>
               <a:ext uri="{FF2B5EF4-FFF2-40B4-BE49-F238E27FC236}">
-                <a16:creationId xmlns:a16="http://schemas.microsoft.com/office/drawing/2014/main" id="{65AD7CBF-34B3-4089-8495-D673DD390E37}"/>
+                <a16:creationId xmlns:a16="http://schemas.microsoft.com/office/drawing/2014/main" id="{2BA9278F-FD95-4F60-8489-05C120B62F2D}"/>
               </a:ext>
             </a:extLst>
           </p:cNvPr>
@@ -21519,7 +21717,7 @@
           <p:nvPr/>
         </p:nvPicPr>
         <p:blipFill>
-          <a:blip r:embed="rId2">
+          <a:blip r:embed="rId3">
             <a:extLst>
               <a:ext uri="{28A0092B-C50C-407E-A947-70E740481C1C}">
                 <a14:useLocalDpi xmlns:a14="http://schemas.microsoft.com/office/drawing/2010/main" val="0"/>
@@ -21543,7 +21741,7 @@
     </p:spTree>
     <p:extLst>
       <p:ext uri="{BB962C8B-B14F-4D97-AF65-F5344CB8AC3E}">
-        <p14:creationId xmlns:p14="http://schemas.microsoft.com/office/powerpoint/2010/main" val="161489523"/>
+        <p14:creationId xmlns:p14="http://schemas.microsoft.com/office/powerpoint/2010/main" val="634407625"/>
       </p:ext>
     </p:extLst>
   </p:cSld>
@@ -21553,7 +21751,7 @@
 </p:sld>
 </file>
 
-<file path=ppt/slides/slide45.xml><?xml version="1.0" encoding="utf-8"?>
+<file path=ppt/slides/slide46.xml><?xml version="1.0" encoding="utf-8"?>
 <p:sld xmlns:a="http://schemas.openxmlformats.org/drawingml/2006/main" xmlns:r="http://schemas.openxmlformats.org/officeDocument/2006/relationships" xmlns:p="http://schemas.openxmlformats.org/presentationml/2006/main">
   <p:cSld>
     <p:spTree>
@@ -21599,7 +21797,7 @@
             </a:r>
             <a:r>
               <a:rPr lang="pt-BR" b="1" dirty="0" err="1"/>
-              <a:t>Trello</a:t>
+              <a:t>Git</a:t>
             </a:r>
             <a:br>
               <a:rPr lang="pt-BR" dirty="0"/>
@@ -21643,7 +21841,7 @@
                 <a:latin typeface="Courier New" panose="02070309020205020404" pitchFamily="49" charset="0"/>
                 <a:cs typeface="Courier New" panose="02070309020205020404" pitchFamily="49" charset="0"/>
               </a:rPr>
-              <a:t>trello</a:t>
+              <a:t>git</a:t>
             </a:r>
             <a:r>
               <a:rPr lang="pt-BR" sz="2000" b="1" dirty="0">
@@ -21677,14 +21875,23 @@
                 <a:latin typeface="Courier New" panose="02070309020205020404" pitchFamily="49" charset="0"/>
                 <a:cs typeface="Courier New" panose="02070309020205020404" pitchFamily="49" charset="0"/>
               </a:rPr>
-              <a:t>$ board </a:t>
+              <a:t>:</a:t>
+            </a:r>
+          </a:p>
+          <a:p>
+            <a:r>
+              <a:rPr lang="pt-BR" sz="2000" b="1" dirty="0">
+                <a:latin typeface="Courier New" panose="02070309020205020404" pitchFamily="49" charset="0"/>
+                <a:cs typeface="Courier New" panose="02070309020205020404" pitchFamily="49" charset="0"/>
+              </a:rPr>
+              <a:t>$ </a:t>
             </a:r>
             <a:r>
               <a:rPr lang="pt-BR" sz="2000" b="1" dirty="0" err="1">
                 <a:latin typeface="Courier New" panose="02070309020205020404" pitchFamily="49" charset="0"/>
                 <a:cs typeface="Courier New" panose="02070309020205020404" pitchFamily="49" charset="0"/>
               </a:rPr>
-              <a:t>list</a:t>
+              <a:t>exit</a:t>
             </a:r>
             <a:br>
               <a:rPr lang="pt-BR" sz="2000" b="1" dirty="0">
@@ -21692,87 +21899,6 @@
                 <a:cs typeface="Courier New" panose="02070309020205020404" pitchFamily="49" charset="0"/>
               </a:rPr>
             </a:br>
-            <a:r>
-              <a:rPr lang="pt-BR" sz="2000" b="1" dirty="0">
-                <a:latin typeface="Courier New" panose="02070309020205020404" pitchFamily="49" charset="0"/>
-                <a:cs typeface="Courier New" panose="02070309020205020404" pitchFamily="49" charset="0"/>
-              </a:rPr>
-              <a:t>$ board </a:t>
-            </a:r>
-            <a:r>
-              <a:rPr lang="pt-BR" sz="2000" b="1" dirty="0" err="1">
-                <a:latin typeface="Courier New" panose="02070309020205020404" pitchFamily="49" charset="0"/>
-                <a:cs typeface="Courier New" panose="02070309020205020404" pitchFamily="49" charset="0"/>
-              </a:rPr>
-              <a:t>select</a:t>
-            </a:r>
-            <a:r>
-              <a:rPr lang="pt-BR" sz="2000" b="1" dirty="0">
-                <a:latin typeface="Courier New" panose="02070309020205020404" pitchFamily="49" charset="0"/>
-                <a:cs typeface="Courier New" panose="02070309020205020404" pitchFamily="49" charset="0"/>
-              </a:rPr>
-              <a:t> #1</a:t>
-            </a:r>
-            <a:br>
-              <a:rPr lang="pt-BR" sz="2000" b="1" dirty="0">
-                <a:latin typeface="Courier New" panose="02070309020205020404" pitchFamily="49" charset="0"/>
-                <a:cs typeface="Courier New" panose="02070309020205020404" pitchFamily="49" charset="0"/>
-              </a:rPr>
-            </a:br>
-            <a:r>
-              <a:rPr lang="pt-BR" sz="2000" b="1" dirty="0">
-                <a:latin typeface="Courier New" panose="02070309020205020404" pitchFamily="49" charset="0"/>
-                <a:cs typeface="Courier New" panose="02070309020205020404" pitchFamily="49" charset="0"/>
-              </a:rPr>
-              <a:t>$ card </a:t>
-            </a:r>
-            <a:r>
-              <a:rPr lang="pt-BR" sz="2000" b="1" dirty="0" err="1">
-                <a:latin typeface="Courier New" panose="02070309020205020404" pitchFamily="49" charset="0"/>
-                <a:cs typeface="Courier New" panose="02070309020205020404" pitchFamily="49" charset="0"/>
-              </a:rPr>
-              <a:t>list</a:t>
-            </a:r>
-            <a:r>
-              <a:rPr lang="pt-BR" sz="2000" b="1" dirty="0">
-                <a:latin typeface="Courier New" panose="02070309020205020404" pitchFamily="49" charset="0"/>
-                <a:cs typeface="Courier New" panose="02070309020205020404" pitchFamily="49" charset="0"/>
-              </a:rPr>
-              <a:t>-mine</a:t>
-            </a:r>
-            <a:br>
-              <a:rPr lang="pt-BR" sz="2000" b="1" dirty="0">
-                <a:latin typeface="Courier New" panose="02070309020205020404" pitchFamily="49" charset="0"/>
-                <a:cs typeface="Courier New" panose="02070309020205020404" pitchFamily="49" charset="0"/>
-              </a:rPr>
-            </a:br>
-            <a:r>
-              <a:rPr lang="pt-BR" sz="2000" b="1" dirty="0">
-                <a:latin typeface="Courier New" panose="02070309020205020404" pitchFamily="49" charset="0"/>
-                <a:cs typeface="Courier New" panose="02070309020205020404" pitchFamily="49" charset="0"/>
-              </a:rPr>
-              <a:t>:</a:t>
-            </a:r>
-            <a:br>
-              <a:rPr lang="pt-BR" sz="2000" b="1" dirty="0">
-                <a:latin typeface="Courier New" panose="02070309020205020404" pitchFamily="49" charset="0"/>
-                <a:cs typeface="Courier New" panose="02070309020205020404" pitchFamily="49" charset="0"/>
-              </a:rPr>
-            </a:br>
-            <a:r>
-              <a:rPr lang="pt-BR" sz="2000" b="1" dirty="0">
-                <a:latin typeface="Courier New" panose="02070309020205020404" pitchFamily="49" charset="0"/>
-                <a:cs typeface="Courier New" panose="02070309020205020404" pitchFamily="49" charset="0"/>
-              </a:rPr>
-              <a:t>$ </a:t>
-            </a:r>
-            <a:r>
-              <a:rPr lang="pt-BR" sz="2000" b="1" dirty="0" err="1">
-                <a:latin typeface="Courier New" panose="02070309020205020404" pitchFamily="49" charset="0"/>
-                <a:cs typeface="Courier New" panose="02070309020205020404" pitchFamily="49" charset="0"/>
-              </a:rPr>
-              <a:t>exit</a:t>
-            </a:r>
             <a:br>
               <a:rPr lang="pt-BR" b="1" dirty="0">
                 <a:latin typeface="Courier New" panose="02070309020205020404" pitchFamily="49" charset="0"/>
@@ -21785,10 +21911,10 @@
       </p:sp>
       <p:pic>
         <p:nvPicPr>
-          <p:cNvPr id="7" name="Espaço Reservado para Imagem 6">
+          <p:cNvPr id="6" name="Espaço Reservado para Imagem 5">
             <a:extLst>
               <a:ext uri="{FF2B5EF4-FFF2-40B4-BE49-F238E27FC236}">
-                <a16:creationId xmlns:a16="http://schemas.microsoft.com/office/drawing/2014/main" id="{672E4E7B-EA07-4650-8689-75F65E39A4F6}"/>
+                <a16:creationId xmlns:a16="http://schemas.microsoft.com/office/drawing/2014/main" id="{38C8695B-CFC3-4A17-91DC-8BEF3C9A1CF3}"/>
               </a:ext>
             </a:extLst>
           </p:cNvPr>
@@ -21801,7 +21927,7 @@
         </p:nvPicPr>
         <p:blipFill rotWithShape="1">
           <a:blip r:embed="rId2"/>
-          <a:srcRect t="2382" b="2382"/>
+          <a:srcRect t="2326" b="2326"/>
           <a:stretch/>
         </p:blipFill>
         <p:spPr/>
@@ -21809,7 +21935,7 @@
     </p:spTree>
     <p:extLst>
       <p:ext uri="{BB962C8B-B14F-4D97-AF65-F5344CB8AC3E}">
-        <p14:creationId xmlns:p14="http://schemas.microsoft.com/office/powerpoint/2010/main" val="2827380671"/>
+        <p14:creationId xmlns:p14="http://schemas.microsoft.com/office/powerpoint/2010/main" val="2067859501"/>
       </p:ext>
     </p:extLst>
   </p:cSld>
@@ -21819,7 +21945,7 @@
 </p:sld>
 </file>
 
-<file path=ppt/slides/slide46.xml><?xml version="1.0" encoding="utf-8"?>
+<file path=ppt/slides/slide47.xml><?xml version="1.0" encoding="utf-8"?>
 <p:sld xmlns:a="http://schemas.openxmlformats.org/drawingml/2006/main" xmlns:r="http://schemas.openxmlformats.org/officeDocument/2006/relationships" xmlns:p="http://schemas.openxmlformats.org/presentationml/2006/main">
   <p:cSld>
     <p:bg>
@@ -21846,7 +21972,7 @@
       </p:grpSpPr>
       <p:sp useBgFill="1">
         <p:nvSpPr>
-          <p:cNvPr id="39" name="Rectangle 38">
+          <p:cNvPr id="46" name="Rectangle 45">
             <a:extLst>
               <a:ext uri="{FF2B5EF4-FFF2-40B4-BE49-F238E27FC236}">
                 <a16:creationId xmlns:a16="http://schemas.microsoft.com/office/drawing/2014/main" id="{3E443FD7-A66B-4AA0-872D-B088B9BC5F17}"/>
@@ -21935,19 +22061,11 @@
             <a:pPr algn="l"/>
             <a:r>
               <a:rPr lang="pt-BR" b="1" dirty="0"/>
-              <a:t>Site </a:t>
+              <a:t>Conexão com </a:t>
             </a:r>
             <a:r>
               <a:rPr lang="pt-BR" b="1" dirty="0" err="1"/>
-              <a:t>Refs</a:t>
-            </a:r>
-            <a:r>
-              <a:rPr lang="pt-BR" b="1" dirty="0"/>
-              <a:t> </a:t>
-            </a:r>
-            <a:r>
-              <a:rPr lang="pt-BR" b="1" dirty="0" err="1"/>
-              <a:t>Obrasutils</a:t>
+              <a:t>Trello</a:t>
             </a:r>
             <a:endParaRPr lang="pt-BR" b="1" dirty="0"/>
           </a:p>
@@ -21983,15 +22101,19 @@
           <a:p>
             <a:pPr algn="l"/>
             <a:r>
+              <a:rPr lang="pt-BR" b="1" dirty="0" err="1"/>
+              <a:t>Trello</a:t>
+            </a:r>
+            <a:r>
               <a:rPr lang="pt-BR" b="1" dirty="0"/>
-              <a:t>Referências</a:t>
+              <a:t> Console</a:t>
             </a:r>
           </a:p>
         </p:txBody>
       </p:sp>
       <p:sp>
         <p:nvSpPr>
-          <p:cNvPr id="41" name="Freeform: Shape 40">
+          <p:cNvPr id="48" name="Freeform: Shape 47">
             <a:extLst>
               <a:ext uri="{FF2B5EF4-FFF2-40B4-BE49-F238E27FC236}">
                 <a16:creationId xmlns:a16="http://schemas.microsoft.com/office/drawing/2014/main" id="{C04BE0EF-3561-49B4-9A29-F283168A91C7}"/>
@@ -22765,10 +22887,10 @@
       </p:sp>
       <p:pic>
         <p:nvPicPr>
-          <p:cNvPr id="7" name="Imagem 6" descr="Ícone&#10;&#10;Descrição gerada automaticamente">
+          <p:cNvPr id="5" name="Imagem 4" descr="Ícone&#10;&#10;Descrição gerada automaticamente">
             <a:extLst>
               <a:ext uri="{FF2B5EF4-FFF2-40B4-BE49-F238E27FC236}">
-                <a16:creationId xmlns:a16="http://schemas.microsoft.com/office/drawing/2014/main" id="{380C0845-E638-4E64-A8B2-6BF6123F1CB0}"/>
+                <a16:creationId xmlns:a16="http://schemas.microsoft.com/office/drawing/2014/main" id="{65AD7CBF-34B3-4089-8495-D673DD390E37}"/>
               </a:ext>
             </a:extLst>
           </p:cNvPr>
@@ -22802,7 +22924,7 @@
     </p:spTree>
     <p:extLst>
       <p:ext uri="{BB962C8B-B14F-4D97-AF65-F5344CB8AC3E}">
-        <p14:creationId xmlns:p14="http://schemas.microsoft.com/office/powerpoint/2010/main" val="2208674123"/>
+        <p14:creationId xmlns:p14="http://schemas.microsoft.com/office/powerpoint/2010/main" val="161489523"/>
       </p:ext>
     </p:extLst>
   </p:cSld>
@@ -22812,7 +22934,7 @@
 </p:sld>
 </file>
 
-<file path=ppt/slides/slide47.xml><?xml version="1.0" encoding="utf-8"?>
+<file path=ppt/slides/slide48.xml><?xml version="1.0" encoding="utf-8"?>
 <p:sld xmlns:a="http://schemas.openxmlformats.org/drawingml/2006/main" xmlns:r="http://schemas.openxmlformats.org/officeDocument/2006/relationships" xmlns:p="http://schemas.openxmlformats.org/presentationml/2006/main">
   <p:cSld>
     <p:spTree>
@@ -22854,19 +22976,11 @@
           <a:p>
             <a:r>
               <a:rPr lang="pt-BR" b="1" dirty="0"/>
-              <a:t>Site </a:t>
+              <a:t>Conexão com </a:t>
             </a:r>
             <a:r>
               <a:rPr lang="pt-BR" b="1" dirty="0" err="1"/>
-              <a:t>Refs</a:t>
-            </a:r>
-            <a:r>
-              <a:rPr lang="pt-BR" b="1" dirty="0"/>
-              <a:t> </a:t>
-            </a:r>
-            <a:r>
-              <a:rPr lang="pt-BR" b="1" dirty="0" err="1"/>
-              <a:t>Obrasutils</a:t>
+              <a:t>Trello</a:t>
             </a:r>
             <a:br>
               <a:rPr lang="pt-BR" dirty="0"/>
@@ -22910,7 +23024,7 @@
                 <a:latin typeface="Courier New" panose="02070309020205020404" pitchFamily="49" charset="0"/>
                 <a:cs typeface="Courier New" panose="02070309020205020404" pitchFamily="49" charset="0"/>
               </a:rPr>
-              <a:t>refs</a:t>
+              <a:t>trello</a:t>
             </a:r>
             <a:r>
               <a:rPr lang="pt-BR" sz="2000" b="1" dirty="0">
@@ -22924,7 +23038,14 @@
                 <a:latin typeface="Courier New" panose="02070309020205020404" pitchFamily="49" charset="0"/>
                 <a:cs typeface="Courier New" panose="02070309020205020404" pitchFamily="49" charset="0"/>
               </a:rPr>
-              <a:t>obrasutils</a:t>
+              <a:t>conn</a:t>
+            </a:r>
+            <a:r>
+              <a:rPr lang="pt-BR" sz="2000" b="1" dirty="0">
+                <a:latin typeface="Courier New" panose="02070309020205020404" pitchFamily="49" charset="0"/>
+                <a:cs typeface="Courier New" panose="02070309020205020404" pitchFamily="49" charset="0"/>
+              </a:rPr>
+              <a:t> </a:t>
             </a:r>
             <a:br>
               <a:rPr lang="pt-BR" sz="2000" b="1" dirty="0">
@@ -22937,44 +23058,14 @@
                 <a:latin typeface="Courier New" panose="02070309020205020404" pitchFamily="49" charset="0"/>
                 <a:cs typeface="Courier New" panose="02070309020205020404" pitchFamily="49" charset="0"/>
               </a:rPr>
-              <a:t>:</a:t>
-            </a:r>
-          </a:p>
-          <a:p>
-            <a:r>
-              <a:rPr lang="pt-BR" sz="2000" b="1" dirty="0">
-                <a:latin typeface="Courier New" panose="02070309020205020404" pitchFamily="49" charset="0"/>
-                <a:cs typeface="Courier New" panose="02070309020205020404" pitchFamily="49" charset="0"/>
-              </a:rPr>
-              <a:t>$ site </a:t>
+              <a:t>$ board </a:t>
             </a:r>
             <a:r>
               <a:rPr lang="pt-BR" sz="2000" b="1" dirty="0" err="1">
                 <a:latin typeface="Courier New" panose="02070309020205020404" pitchFamily="49" charset="0"/>
                 <a:cs typeface="Courier New" panose="02070309020205020404" pitchFamily="49" charset="0"/>
               </a:rPr>
-              <a:t>refs</a:t>
-            </a:r>
-            <a:r>
-              <a:rPr lang="pt-BR" sz="2000" b="1" dirty="0">
-                <a:latin typeface="Courier New" panose="02070309020205020404" pitchFamily="49" charset="0"/>
-                <a:cs typeface="Courier New" panose="02070309020205020404" pitchFamily="49" charset="0"/>
-              </a:rPr>
-              <a:t> </a:t>
-            </a:r>
-            <a:r>
-              <a:rPr lang="pt-BR" sz="2000" b="1" dirty="0" err="1">
-                <a:latin typeface="Courier New" panose="02070309020205020404" pitchFamily="49" charset="0"/>
-                <a:cs typeface="Courier New" panose="02070309020205020404" pitchFamily="49" charset="0"/>
-              </a:rPr>
-              <a:t>obrasutils</a:t>
-            </a:r>
-            <a:r>
-              <a:rPr lang="pt-BR" sz="2000" b="1" dirty="0">
-                <a:latin typeface="Courier New" panose="02070309020205020404" pitchFamily="49" charset="0"/>
-                <a:cs typeface="Courier New" panose="02070309020205020404" pitchFamily="49" charset="0"/>
-              </a:rPr>
-              <a:t> tools</a:t>
+              <a:t>list</a:t>
             </a:r>
             <a:br>
               <a:rPr lang="pt-BR" sz="2000" b="1" dirty="0">
@@ -22987,7 +23078,21 @@
                 <a:latin typeface="Courier New" panose="02070309020205020404" pitchFamily="49" charset="0"/>
                 <a:cs typeface="Courier New" panose="02070309020205020404" pitchFamily="49" charset="0"/>
               </a:rPr>
-              <a:t>:</a:t>
+              <a:t>$ board </a:t>
+            </a:r>
+            <a:r>
+              <a:rPr lang="pt-BR" sz="2000" b="1" dirty="0" err="1">
+                <a:latin typeface="Courier New" panose="02070309020205020404" pitchFamily="49" charset="0"/>
+                <a:cs typeface="Courier New" panose="02070309020205020404" pitchFamily="49" charset="0"/>
+              </a:rPr>
+              <a:t>select</a:t>
+            </a:r>
+            <a:r>
+              <a:rPr lang="pt-BR" sz="2000" b="1" dirty="0">
+                <a:latin typeface="Courier New" panose="02070309020205020404" pitchFamily="49" charset="0"/>
+                <a:cs typeface="Courier New" panose="02070309020205020404" pitchFamily="49" charset="0"/>
+              </a:rPr>
+              <a:t> #1</a:t>
             </a:r>
             <a:br>
               <a:rPr lang="pt-BR" sz="2000" b="1" dirty="0">
@@ -22995,6 +23100,27 @@
                 <a:cs typeface="Courier New" panose="02070309020205020404" pitchFamily="49" charset="0"/>
               </a:rPr>
             </a:br>
+            <a:r>
+              <a:rPr lang="pt-BR" sz="2000" b="1" dirty="0">
+                <a:latin typeface="Courier New" panose="02070309020205020404" pitchFamily="49" charset="0"/>
+                <a:cs typeface="Courier New" panose="02070309020205020404" pitchFamily="49" charset="0"/>
+              </a:rPr>
+              <a:t>$ card </a:t>
+            </a:r>
+            <a:r>
+              <a:rPr lang="pt-BR" sz="2000" b="1" dirty="0" err="1">
+                <a:latin typeface="Courier New" panose="02070309020205020404" pitchFamily="49" charset="0"/>
+                <a:cs typeface="Courier New" panose="02070309020205020404" pitchFamily="49" charset="0"/>
+              </a:rPr>
+              <a:t>list</a:t>
+            </a:r>
+            <a:r>
+              <a:rPr lang="pt-BR" sz="2000" b="1" dirty="0">
+                <a:latin typeface="Courier New" panose="02070309020205020404" pitchFamily="49" charset="0"/>
+                <a:cs typeface="Courier New" panose="02070309020205020404" pitchFamily="49" charset="0"/>
+              </a:rPr>
+              <a:t>-mine</a:t>
+            </a:r>
             <a:br>
               <a:rPr lang="pt-BR" sz="2000" b="1" dirty="0">
                 <a:latin typeface="Courier New" panose="02070309020205020404" pitchFamily="49" charset="0"/>
@@ -23006,42 +23132,7 @@
                 <a:latin typeface="Courier New" panose="02070309020205020404" pitchFamily="49" charset="0"/>
                 <a:cs typeface="Courier New" panose="02070309020205020404" pitchFamily="49" charset="0"/>
               </a:rPr>
-              <a:t>$ site </a:t>
-            </a:r>
-            <a:r>
-              <a:rPr lang="pt-BR" sz="2000" b="1" dirty="0" err="1">
-                <a:latin typeface="Courier New" panose="02070309020205020404" pitchFamily="49" charset="0"/>
-                <a:cs typeface="Courier New" panose="02070309020205020404" pitchFamily="49" charset="0"/>
-              </a:rPr>
-              <a:t>refs</a:t>
-            </a:r>
-            <a:r>
-              <a:rPr lang="pt-BR" sz="2000" b="1" dirty="0">
-                <a:latin typeface="Courier New" panose="02070309020205020404" pitchFamily="49" charset="0"/>
-                <a:cs typeface="Courier New" panose="02070309020205020404" pitchFamily="49" charset="0"/>
-              </a:rPr>
-              <a:t> </a:t>
-            </a:r>
-            <a:r>
-              <a:rPr lang="pt-BR" sz="2000" b="1" dirty="0" err="1">
-                <a:latin typeface="Courier New" panose="02070309020205020404" pitchFamily="49" charset="0"/>
-                <a:cs typeface="Courier New" panose="02070309020205020404" pitchFamily="49" charset="0"/>
-              </a:rPr>
-              <a:t>obrasutils</a:t>
-            </a:r>
-            <a:r>
-              <a:rPr lang="pt-BR" sz="2000" b="1" dirty="0">
-                <a:latin typeface="Courier New" panose="02070309020205020404" pitchFamily="49" charset="0"/>
-                <a:cs typeface="Courier New" panose="02070309020205020404" pitchFamily="49" charset="0"/>
-              </a:rPr>
-              <a:t> </a:t>
-            </a:r>
-            <a:r>
-              <a:rPr lang="pt-BR" sz="2000" b="1" dirty="0" err="1">
-                <a:latin typeface="Courier New" panose="02070309020205020404" pitchFamily="49" charset="0"/>
-                <a:cs typeface="Courier New" panose="02070309020205020404" pitchFamily="49" charset="0"/>
-              </a:rPr>
-              <a:t>ssh</a:t>
+              <a:t>:</a:t>
             </a:r>
             <a:br>
               <a:rPr lang="pt-BR" sz="2000" b="1" dirty="0">
@@ -23054,18 +23145,31 @@
                 <a:latin typeface="Courier New" panose="02070309020205020404" pitchFamily="49" charset="0"/>
                 <a:cs typeface="Courier New" panose="02070309020205020404" pitchFamily="49" charset="0"/>
               </a:rPr>
-              <a:t>:</a:t>
-            </a:r>
-            <a:endParaRPr lang="pt-BR" sz="2000" dirty="0"/>
+              <a:t>$ </a:t>
+            </a:r>
+            <a:r>
+              <a:rPr lang="pt-BR" sz="2000" b="1" dirty="0" err="1">
+                <a:latin typeface="Courier New" panose="02070309020205020404" pitchFamily="49" charset="0"/>
+                <a:cs typeface="Courier New" panose="02070309020205020404" pitchFamily="49" charset="0"/>
+              </a:rPr>
+              <a:t>exit</a:t>
+            </a:r>
+            <a:br>
+              <a:rPr lang="pt-BR" b="1" dirty="0">
+                <a:latin typeface="Courier New" panose="02070309020205020404" pitchFamily="49" charset="0"/>
+                <a:cs typeface="Courier New" panose="02070309020205020404" pitchFamily="49" charset="0"/>
+              </a:rPr>
+            </a:br>
+            <a:endParaRPr lang="pt-BR" dirty="0"/>
           </a:p>
         </p:txBody>
       </p:sp>
       <p:pic>
         <p:nvPicPr>
-          <p:cNvPr id="12" name="Espaço Reservado para Imagem 11">
+          <p:cNvPr id="7" name="Espaço Reservado para Imagem 6">
             <a:extLst>
               <a:ext uri="{FF2B5EF4-FFF2-40B4-BE49-F238E27FC236}">
-                <a16:creationId xmlns:a16="http://schemas.microsoft.com/office/drawing/2014/main" id="{63A55D9E-F3AE-4517-896F-99DEB4D9BFA7}"/>
+                <a16:creationId xmlns:a16="http://schemas.microsoft.com/office/drawing/2014/main" id="{672E4E7B-EA07-4650-8689-75F65E39A4F6}"/>
               </a:ext>
             </a:extLst>
           </p:cNvPr>
@@ -23078,7 +23182,7 @@
         </p:nvPicPr>
         <p:blipFill rotWithShape="1">
           <a:blip r:embed="rId2"/>
-          <a:srcRect t="27" b="27"/>
+          <a:srcRect t="2382" b="2382"/>
           <a:stretch/>
         </p:blipFill>
         <p:spPr/>
@@ -23086,7 +23190,1000 @@
     </p:spTree>
     <p:extLst>
       <p:ext uri="{BB962C8B-B14F-4D97-AF65-F5344CB8AC3E}">
-        <p14:creationId xmlns:p14="http://schemas.microsoft.com/office/powerpoint/2010/main" val="505473492"/>
+        <p14:creationId xmlns:p14="http://schemas.microsoft.com/office/powerpoint/2010/main" val="2827380671"/>
+      </p:ext>
+    </p:extLst>
+  </p:cSld>
+  <p:clrMapOvr>
+    <a:masterClrMapping/>
+  </p:clrMapOvr>
+</p:sld>
+</file>
+
+<file path=ppt/slides/slide49.xml><?xml version="1.0" encoding="utf-8"?>
+<p:sld xmlns:a="http://schemas.openxmlformats.org/drawingml/2006/main" xmlns:r="http://schemas.openxmlformats.org/officeDocument/2006/relationships" xmlns:p="http://schemas.openxmlformats.org/presentationml/2006/main">
+  <p:cSld>
+    <p:bg>
+      <p:bgPr>
+        <a:solidFill>
+          <a:schemeClr val="bg1"/>
+        </a:solidFill>
+        <a:effectLst/>
+      </p:bgPr>
+    </p:bg>
+    <p:spTree>
+      <p:nvGrpSpPr>
+        <p:cNvPr id="1" name=""/>
+        <p:cNvGrpSpPr/>
+        <p:nvPr/>
+      </p:nvGrpSpPr>
+      <p:grpSpPr>
+        <a:xfrm>
+          <a:off x="0" y="0"/>
+          <a:ext cx="0" cy="0"/>
+          <a:chOff x="0" y="0"/>
+          <a:chExt cx="0" cy="0"/>
+        </a:xfrm>
+      </p:grpSpPr>
+      <p:sp useBgFill="1">
+        <p:nvSpPr>
+          <p:cNvPr id="39" name="Rectangle 38">
+            <a:extLst>
+              <a:ext uri="{FF2B5EF4-FFF2-40B4-BE49-F238E27FC236}">
+                <a16:creationId xmlns:a16="http://schemas.microsoft.com/office/drawing/2014/main" id="{3E443FD7-A66B-4AA0-872D-B088B9BC5F17}"/>
+              </a:ext>
+              <a:ext uri="{C183D7F6-B498-43B3-948B-1728B52AA6E4}">
+                <adec:decorative xmlns:adec="http://schemas.microsoft.com/office/drawing/2017/decorative" val="1"/>
+              </a:ext>
+            </a:extLst>
+          </p:cNvPr>
+          <p:cNvSpPr>
+            <a:spLocks noGrp="1" noRot="1" noChangeAspect="1" noMove="1" noResize="1" noEditPoints="1" noAdjustHandles="1" noChangeArrowheads="1" noChangeShapeType="1" noTextEdit="1"/>
+          </p:cNvSpPr>
+          <p:nvPr>
+            <p:extLst>
+              <p:ext uri="{386F3935-93C4-4BCD-93E2-E3B085C9AB24}">
+                <p16:designElem xmlns:p16="http://schemas.microsoft.com/office/powerpoint/2015/main" val="1"/>
+              </p:ext>
+            </p:extLst>
+          </p:nvPr>
+        </p:nvSpPr>
+        <p:spPr>
+          <a:xfrm>
+            <a:off x="0" y="0"/>
+            <a:ext cx="12192000" cy="6858000"/>
+          </a:xfrm>
+          <a:prstGeom prst="rect">
+            <a:avLst/>
+          </a:prstGeom>
+          <a:ln>
+            <a:noFill/>
+          </a:ln>
+        </p:spPr>
+        <p:style>
+          <a:lnRef idx="2">
+            <a:schemeClr val="accent1">
+              <a:shade val="50000"/>
+            </a:schemeClr>
+          </a:lnRef>
+          <a:fillRef idx="1">
+            <a:schemeClr val="accent1"/>
+          </a:fillRef>
+          <a:effectRef idx="0">
+            <a:schemeClr val="accent1"/>
+          </a:effectRef>
+          <a:fontRef idx="minor">
+            <a:schemeClr val="lt1"/>
+          </a:fontRef>
+        </p:style>
+        <p:txBody>
+          <a:bodyPr rtlCol="0" anchor="ctr"/>
+          <a:lstStyle/>
+          <a:p>
+            <a:pPr algn="ctr"/>
+            <a:endParaRPr lang="en-US"/>
+          </a:p>
+        </p:txBody>
+      </p:sp>
+      <p:sp>
+        <p:nvSpPr>
+          <p:cNvPr id="2" name="Título 1">
+            <a:extLst>
+              <a:ext uri="{FF2B5EF4-FFF2-40B4-BE49-F238E27FC236}">
+                <a16:creationId xmlns:a16="http://schemas.microsoft.com/office/drawing/2014/main" id="{9B5DD48C-039E-43C7-B060-771CB2A8EF2B}"/>
+              </a:ext>
+            </a:extLst>
+          </p:cNvPr>
+          <p:cNvSpPr>
+            <a:spLocks noGrp="1"/>
+          </p:cNvSpPr>
+          <p:nvPr>
+            <p:ph type="ctrTitle"/>
+          </p:nvPr>
+        </p:nvSpPr>
+        <p:spPr>
+          <a:xfrm>
+            <a:off x="1094095" y="851517"/>
+            <a:ext cx="5238466" cy="2991416"/>
+          </a:xfrm>
+        </p:spPr>
+        <p:txBody>
+          <a:bodyPr anchor="b">
+            <a:normAutofit/>
+          </a:bodyPr>
+          <a:lstStyle/>
+          <a:p>
+            <a:pPr algn="l"/>
+            <a:r>
+              <a:rPr lang="pt-BR" b="1" dirty="0"/>
+              <a:t>Site </a:t>
+            </a:r>
+            <a:r>
+              <a:rPr lang="pt-BR" b="1" dirty="0" err="1"/>
+              <a:t>Refs</a:t>
+            </a:r>
+            <a:r>
+              <a:rPr lang="pt-BR" b="1" dirty="0"/>
+              <a:t> </a:t>
+            </a:r>
+            <a:r>
+              <a:rPr lang="pt-BR" b="1" dirty="0" err="1"/>
+              <a:t>Obrasutils</a:t>
+            </a:r>
+            <a:endParaRPr lang="pt-BR" b="1" dirty="0"/>
+          </a:p>
+        </p:txBody>
+      </p:sp>
+      <p:sp>
+        <p:nvSpPr>
+          <p:cNvPr id="3" name="Subtítulo 2">
+            <a:extLst>
+              <a:ext uri="{FF2B5EF4-FFF2-40B4-BE49-F238E27FC236}">
+                <a16:creationId xmlns:a16="http://schemas.microsoft.com/office/drawing/2014/main" id="{44095AEF-9434-45FE-BB86-7BC5AABE5432}"/>
+              </a:ext>
+            </a:extLst>
+          </p:cNvPr>
+          <p:cNvSpPr>
+            <a:spLocks noGrp="1"/>
+          </p:cNvSpPr>
+          <p:nvPr>
+            <p:ph type="subTitle" idx="1"/>
+          </p:nvPr>
+        </p:nvSpPr>
+        <p:spPr>
+          <a:xfrm>
+            <a:off x="1094096" y="3842932"/>
+            <a:ext cx="4167115" cy="2163551"/>
+          </a:xfrm>
+        </p:spPr>
+        <p:txBody>
+          <a:bodyPr anchor="t">
+            <a:normAutofit/>
+          </a:bodyPr>
+          <a:lstStyle/>
+          <a:p>
+            <a:pPr algn="l"/>
+            <a:r>
+              <a:rPr lang="pt-BR" b="1" dirty="0"/>
+              <a:t>Referências</a:t>
+            </a:r>
+          </a:p>
+        </p:txBody>
+      </p:sp>
+      <p:sp>
+        <p:nvSpPr>
+          <p:cNvPr id="41" name="Freeform: Shape 40">
+            <a:extLst>
+              <a:ext uri="{FF2B5EF4-FFF2-40B4-BE49-F238E27FC236}">
+                <a16:creationId xmlns:a16="http://schemas.microsoft.com/office/drawing/2014/main" id="{C04BE0EF-3561-49B4-9A29-F283168A91C7}"/>
+              </a:ext>
+              <a:ext uri="{C183D7F6-B498-43B3-948B-1728B52AA6E4}">
+                <adec:decorative xmlns:adec="http://schemas.microsoft.com/office/drawing/2017/decorative" val="1"/>
+              </a:ext>
+            </a:extLst>
+          </p:cNvPr>
+          <p:cNvSpPr>
+            <a:spLocks noGrp="1" noRot="1" noChangeAspect="1" noMove="1" noResize="1" noEditPoints="1" noAdjustHandles="1" noChangeArrowheads="1" noChangeShapeType="1" noTextEdit="1"/>
+          </p:cNvSpPr>
+          <p:nvPr>
+            <p:extLst>
+              <p:ext uri="{386F3935-93C4-4BCD-93E2-E3B085C9AB24}">
+                <p16:designElem xmlns:p16="http://schemas.microsoft.com/office/powerpoint/2015/main" val="1"/>
+              </p:ext>
+            </p:extLst>
+          </p:nvPr>
+        </p:nvSpPr>
+        <p:spPr>
+          <a:xfrm>
+            <a:off x="5510370" y="851518"/>
+            <a:ext cx="6184806" cy="5154967"/>
+          </a:xfrm>
+          <a:custGeom>
+            <a:avLst/>
+            <a:gdLst>
+              <a:gd name="connsiteX0" fmla="*/ 363179 w 6184806"/>
+              <a:gd name="connsiteY0" fmla="*/ 3125191 h 5154967"/>
+              <a:gd name="connsiteX1" fmla="*/ 898270 w 6184806"/>
+              <a:gd name="connsiteY1" fmla="*/ 3125191 h 5154967"/>
+              <a:gd name="connsiteX2" fmla="*/ 980326 w 6184806"/>
+              <a:gd name="connsiteY2" fmla="*/ 3173551 h 5154967"/>
+              <a:gd name="connsiteX3" fmla="*/ 1248448 w 6184806"/>
+              <a:gd name="connsiteY3" fmla="*/ 3635277 h 5154967"/>
+              <a:gd name="connsiteX4" fmla="*/ 1248448 w 6184806"/>
+              <a:gd name="connsiteY4" fmla="*/ 3729695 h 5154967"/>
+              <a:gd name="connsiteX5" fmla="*/ 980326 w 6184806"/>
+              <a:gd name="connsiteY5" fmla="*/ 4191421 h 5154967"/>
+              <a:gd name="connsiteX6" fmla="*/ 898270 w 6184806"/>
+              <a:gd name="connsiteY6" fmla="*/ 4239781 h 5154967"/>
+              <a:gd name="connsiteX7" fmla="*/ 363179 w 6184806"/>
+              <a:gd name="connsiteY7" fmla="*/ 4239781 h 5154967"/>
+              <a:gd name="connsiteX8" fmla="*/ 279969 w 6184806"/>
+              <a:gd name="connsiteY8" fmla="*/ 4191421 h 5154967"/>
+              <a:gd name="connsiteX9" fmla="*/ 13002 w 6184806"/>
+              <a:gd name="connsiteY9" fmla="*/ 3729695 h 5154967"/>
+              <a:gd name="connsiteX10" fmla="*/ 13002 w 6184806"/>
+              <a:gd name="connsiteY10" fmla="*/ 3635277 h 5154967"/>
+              <a:gd name="connsiteX11" fmla="*/ 279969 w 6184806"/>
+              <a:gd name="connsiteY11" fmla="*/ 3173551 h 5154967"/>
+              <a:gd name="connsiteX12" fmla="*/ 363179 w 6184806"/>
+              <a:gd name="connsiteY12" fmla="*/ 3125191 h 5154967"/>
+              <a:gd name="connsiteX13" fmla="*/ 2489721 w 6184806"/>
+              <a:gd name="connsiteY13" fmla="*/ 570035 h 5154967"/>
+              <a:gd name="connsiteX14" fmla="*/ 2764862 w 6184806"/>
+              <a:gd name="connsiteY14" fmla="*/ 570035 h 5154967"/>
+              <a:gd name="connsiteX15" fmla="*/ 2796959 w 6184806"/>
+              <a:gd name="connsiteY15" fmla="*/ 570035 h 5154967"/>
+              <a:gd name="connsiteX16" fmla="*/ 2827587 w 6184806"/>
+              <a:gd name="connsiteY16" fmla="*/ 622777 h 5154967"/>
+              <a:gd name="connsiteX17" fmla="*/ 2977604 w 6184806"/>
+              <a:gd name="connsiteY17" fmla="*/ 881117 h 5154967"/>
+              <a:gd name="connsiteX18" fmla="*/ 2977604 w 6184806"/>
+              <a:gd name="connsiteY18" fmla="*/ 1025720 h 5154967"/>
+              <a:gd name="connsiteX19" fmla="*/ 2566968 w 6184806"/>
+              <a:gd name="connsiteY19" fmla="*/ 1732863 h 5154967"/>
+              <a:gd name="connsiteX20" fmla="*/ 2441299 w 6184806"/>
+              <a:gd name="connsiteY20" fmla="*/ 1806927 h 5154967"/>
+              <a:gd name="connsiteX21" fmla="*/ 1621798 w 6184806"/>
+              <a:gd name="connsiteY21" fmla="*/ 1806927 h 5154967"/>
+              <a:gd name="connsiteX22" fmla="*/ 1583218 w 6184806"/>
+              <a:gd name="connsiteY22" fmla="*/ 1801802 h 5154967"/>
+              <a:gd name="connsiteX23" fmla="*/ 1556683 w 6184806"/>
+              <a:gd name="connsiteY23" fmla="*/ 1790677 h 5154967"/>
+              <a:gd name="connsiteX24" fmla="*/ 1572899 w 6184806"/>
+              <a:gd name="connsiteY24" fmla="*/ 1762630 h 5154967"/>
+              <a:gd name="connsiteX25" fmla="*/ 2147429 w 6184806"/>
+              <a:gd name="connsiteY25" fmla="*/ 768968 h 5154967"/>
+              <a:gd name="connsiteX26" fmla="*/ 2489721 w 6184806"/>
+              <a:gd name="connsiteY26" fmla="*/ 570035 h 5154967"/>
+              <a:gd name="connsiteX27" fmla="*/ 1573268 w 6184806"/>
+              <a:gd name="connsiteY27" fmla="*/ 0 h 5154967"/>
+              <a:gd name="connsiteX28" fmla="*/ 2497662 w 6184806"/>
+              <a:gd name="connsiteY28" fmla="*/ 0 h 5154967"/>
+              <a:gd name="connsiteX29" fmla="*/ 2639415 w 6184806"/>
+              <a:gd name="connsiteY29" fmla="*/ 83546 h 5154967"/>
+              <a:gd name="connsiteX30" fmla="*/ 2887862 w 6184806"/>
+              <a:gd name="connsiteY30" fmla="*/ 511387 h 5154967"/>
+              <a:gd name="connsiteX31" fmla="*/ 2915928 w 6184806"/>
+              <a:gd name="connsiteY31" fmla="*/ 559720 h 5154967"/>
+              <a:gd name="connsiteX32" fmla="*/ 2893844 w 6184806"/>
+              <a:gd name="connsiteY32" fmla="*/ 559720 h 5154967"/>
+              <a:gd name="connsiteX33" fmla="*/ 2789466 w 6184806"/>
+              <a:gd name="connsiteY33" fmla="*/ 559720 h 5154967"/>
+              <a:gd name="connsiteX34" fmla="*/ 2744122 w 6184806"/>
+              <a:gd name="connsiteY34" fmla="*/ 481634 h 5154967"/>
+              <a:gd name="connsiteX35" fmla="*/ 2570885 w 6184806"/>
+              <a:gd name="connsiteY35" fmla="*/ 183309 h 5154967"/>
+              <a:gd name="connsiteX36" fmla="*/ 2445216 w 6184806"/>
+              <a:gd name="connsiteY36" fmla="*/ 109243 h 5154967"/>
+              <a:gd name="connsiteX37" fmla="*/ 1625714 w 6184806"/>
+              <a:gd name="connsiteY37" fmla="*/ 109243 h 5154967"/>
+              <a:gd name="connsiteX38" fmla="*/ 1498276 w 6184806"/>
+              <a:gd name="connsiteY38" fmla="*/ 183309 h 5154967"/>
+              <a:gd name="connsiteX39" fmla="*/ 1089410 w 6184806"/>
+              <a:gd name="connsiteY39" fmla="*/ 890450 h 5154967"/>
+              <a:gd name="connsiteX40" fmla="*/ 1089410 w 6184806"/>
+              <a:gd name="connsiteY40" fmla="*/ 1035054 h 5154967"/>
+              <a:gd name="connsiteX41" fmla="*/ 1498276 w 6184806"/>
+              <a:gd name="connsiteY41" fmla="*/ 1742196 h 5154967"/>
+              <a:gd name="connsiteX42" fmla="*/ 1552039 w 6184806"/>
+              <a:gd name="connsiteY42" fmla="*/ 1796422 h 5154967"/>
+              <a:gd name="connsiteX43" fmla="*/ 1558260 w 6184806"/>
+              <a:gd name="connsiteY43" fmla="*/ 1799029 h 5154967"/>
+              <a:gd name="connsiteX44" fmla="*/ 1524911 w 6184806"/>
+              <a:gd name="connsiteY44" fmla="*/ 1856707 h 5154967"/>
+              <a:gd name="connsiteX45" fmla="*/ 1500108 w 6184806"/>
+              <a:gd name="connsiteY45" fmla="*/ 1899604 h 5154967"/>
+              <a:gd name="connsiteX46" fmla="*/ 1525834 w 6184806"/>
+              <a:gd name="connsiteY46" fmla="*/ 1910390 h 5154967"/>
+              <a:gd name="connsiteX47" fmla="*/ 1569352 w 6184806"/>
+              <a:gd name="connsiteY47" fmla="*/ 1916170 h 5154967"/>
+              <a:gd name="connsiteX48" fmla="*/ 2493745 w 6184806"/>
+              <a:gd name="connsiteY48" fmla="*/ 1916170 h 5154967"/>
+              <a:gd name="connsiteX49" fmla="*/ 2635498 w 6184806"/>
+              <a:gd name="connsiteY49" fmla="*/ 1832627 h 5154967"/>
+              <a:gd name="connsiteX50" fmla="*/ 3098693 w 6184806"/>
+              <a:gd name="connsiteY50" fmla="*/ 1034974 h 5154967"/>
+              <a:gd name="connsiteX51" fmla="*/ 3098693 w 6184806"/>
+              <a:gd name="connsiteY51" fmla="*/ 871863 h 5154967"/>
+              <a:gd name="connsiteX52" fmla="*/ 2945803 w 6184806"/>
+              <a:gd name="connsiteY52" fmla="*/ 608576 h 5154967"/>
+              <a:gd name="connsiteX53" fmla="*/ 2923422 w 6184806"/>
+              <a:gd name="connsiteY53" fmla="*/ 570035 h 5154967"/>
+              <a:gd name="connsiteX54" fmla="*/ 3027104 w 6184806"/>
+              <a:gd name="connsiteY54" fmla="*/ 570035 h 5154967"/>
+              <a:gd name="connsiteX55" fmla="*/ 4690846 w 6184806"/>
+              <a:gd name="connsiteY55" fmla="*/ 570035 h 5154967"/>
+              <a:gd name="connsiteX56" fmla="*/ 5028384 w 6184806"/>
+              <a:gd name="connsiteY56" fmla="*/ 768968 h 5154967"/>
+              <a:gd name="connsiteX57" fmla="*/ 6131323 w 6184806"/>
+              <a:gd name="connsiteY57" fmla="*/ 2668304 h 5154967"/>
+              <a:gd name="connsiteX58" fmla="*/ 6131323 w 6184806"/>
+              <a:gd name="connsiteY58" fmla="*/ 3056698 h 5154967"/>
+              <a:gd name="connsiteX59" fmla="*/ 5028384 w 6184806"/>
+              <a:gd name="connsiteY59" fmla="*/ 4956035 h 5154967"/>
+              <a:gd name="connsiteX60" fmla="*/ 4690846 w 6184806"/>
+              <a:gd name="connsiteY60" fmla="*/ 5154967 h 5154967"/>
+              <a:gd name="connsiteX61" fmla="*/ 2489721 w 6184806"/>
+              <a:gd name="connsiteY61" fmla="*/ 5154967 h 5154967"/>
+              <a:gd name="connsiteX62" fmla="*/ 2147429 w 6184806"/>
+              <a:gd name="connsiteY62" fmla="*/ 4956035 h 5154967"/>
+              <a:gd name="connsiteX63" fmla="*/ 1049243 w 6184806"/>
+              <a:gd name="connsiteY63" fmla="*/ 3056698 h 5154967"/>
+              <a:gd name="connsiteX64" fmla="*/ 1049243 w 6184806"/>
+              <a:gd name="connsiteY64" fmla="*/ 2668304 h 5154967"/>
+              <a:gd name="connsiteX65" fmla="*/ 1457007 w 6184806"/>
+              <a:gd name="connsiteY65" fmla="*/ 1963067 h 5154967"/>
+              <a:gd name="connsiteX66" fmla="*/ 1491373 w 6184806"/>
+              <a:gd name="connsiteY66" fmla="*/ 1903634 h 5154967"/>
+              <a:gd name="connsiteX67" fmla="*/ 1490164 w 6184806"/>
+              <a:gd name="connsiteY67" fmla="*/ 1903127 h 5154967"/>
+              <a:gd name="connsiteX68" fmla="*/ 1429519 w 6184806"/>
+              <a:gd name="connsiteY68" fmla="*/ 1841960 h 5154967"/>
+              <a:gd name="connsiteX69" fmla="*/ 968320 w 6184806"/>
+              <a:gd name="connsiteY69" fmla="*/ 1044307 h 5154967"/>
+              <a:gd name="connsiteX70" fmla="*/ 968320 w 6184806"/>
+              <a:gd name="connsiteY70" fmla="*/ 881196 h 5154967"/>
+              <a:gd name="connsiteX71" fmla="*/ 1429519 w 6184806"/>
+              <a:gd name="connsiteY71" fmla="*/ 83546 h 5154967"/>
+              <a:gd name="connsiteX72" fmla="*/ 1573268 w 6184806"/>
+              <a:gd name="connsiteY72" fmla="*/ 0 h 5154967"/>
+            </a:gdLst>
+            <a:ahLst/>
+            <a:cxnLst>
+              <a:cxn ang="0">
+                <a:pos x="connsiteX0" y="connsiteY0"/>
+              </a:cxn>
+              <a:cxn ang="0">
+                <a:pos x="connsiteX1" y="connsiteY1"/>
+              </a:cxn>
+              <a:cxn ang="0">
+                <a:pos x="connsiteX2" y="connsiteY2"/>
+              </a:cxn>
+              <a:cxn ang="0">
+                <a:pos x="connsiteX3" y="connsiteY3"/>
+              </a:cxn>
+              <a:cxn ang="0">
+                <a:pos x="connsiteX4" y="connsiteY4"/>
+              </a:cxn>
+              <a:cxn ang="0">
+                <a:pos x="connsiteX5" y="connsiteY5"/>
+              </a:cxn>
+              <a:cxn ang="0">
+                <a:pos x="connsiteX6" y="connsiteY6"/>
+              </a:cxn>
+              <a:cxn ang="0">
+                <a:pos x="connsiteX7" y="connsiteY7"/>
+              </a:cxn>
+              <a:cxn ang="0">
+                <a:pos x="connsiteX8" y="connsiteY8"/>
+              </a:cxn>
+              <a:cxn ang="0">
+                <a:pos x="connsiteX9" y="connsiteY9"/>
+              </a:cxn>
+              <a:cxn ang="0">
+                <a:pos x="connsiteX10" y="connsiteY10"/>
+              </a:cxn>
+              <a:cxn ang="0">
+                <a:pos x="connsiteX11" y="connsiteY11"/>
+              </a:cxn>
+              <a:cxn ang="0">
+                <a:pos x="connsiteX12" y="connsiteY12"/>
+              </a:cxn>
+              <a:cxn ang="0">
+                <a:pos x="connsiteX13" y="connsiteY13"/>
+              </a:cxn>
+              <a:cxn ang="0">
+                <a:pos x="connsiteX14" y="connsiteY14"/>
+              </a:cxn>
+              <a:cxn ang="0">
+                <a:pos x="connsiteX15" y="connsiteY15"/>
+              </a:cxn>
+              <a:cxn ang="0">
+                <a:pos x="connsiteX16" y="connsiteY16"/>
+              </a:cxn>
+              <a:cxn ang="0">
+                <a:pos x="connsiteX17" y="connsiteY17"/>
+              </a:cxn>
+              <a:cxn ang="0">
+                <a:pos x="connsiteX18" y="connsiteY18"/>
+              </a:cxn>
+              <a:cxn ang="0">
+                <a:pos x="connsiteX19" y="connsiteY19"/>
+              </a:cxn>
+              <a:cxn ang="0">
+                <a:pos x="connsiteX20" y="connsiteY20"/>
+              </a:cxn>
+              <a:cxn ang="0">
+                <a:pos x="connsiteX21" y="connsiteY21"/>
+              </a:cxn>
+              <a:cxn ang="0">
+                <a:pos x="connsiteX22" y="connsiteY22"/>
+              </a:cxn>
+              <a:cxn ang="0">
+                <a:pos x="connsiteX23" y="connsiteY23"/>
+              </a:cxn>
+              <a:cxn ang="0">
+                <a:pos x="connsiteX24" y="connsiteY24"/>
+              </a:cxn>
+              <a:cxn ang="0">
+                <a:pos x="connsiteX25" y="connsiteY25"/>
+              </a:cxn>
+              <a:cxn ang="0">
+                <a:pos x="connsiteX26" y="connsiteY26"/>
+              </a:cxn>
+              <a:cxn ang="0">
+                <a:pos x="connsiteX27" y="connsiteY27"/>
+              </a:cxn>
+              <a:cxn ang="0">
+                <a:pos x="connsiteX28" y="connsiteY28"/>
+              </a:cxn>
+              <a:cxn ang="0">
+                <a:pos x="connsiteX29" y="connsiteY29"/>
+              </a:cxn>
+              <a:cxn ang="0">
+                <a:pos x="connsiteX30" y="connsiteY30"/>
+              </a:cxn>
+              <a:cxn ang="0">
+                <a:pos x="connsiteX31" y="connsiteY31"/>
+              </a:cxn>
+              <a:cxn ang="0">
+                <a:pos x="connsiteX32" y="connsiteY32"/>
+              </a:cxn>
+              <a:cxn ang="0">
+                <a:pos x="connsiteX33" y="connsiteY33"/>
+              </a:cxn>
+              <a:cxn ang="0">
+                <a:pos x="connsiteX34" y="connsiteY34"/>
+              </a:cxn>
+              <a:cxn ang="0">
+                <a:pos x="connsiteX35" y="connsiteY35"/>
+              </a:cxn>
+              <a:cxn ang="0">
+                <a:pos x="connsiteX36" y="connsiteY36"/>
+              </a:cxn>
+              <a:cxn ang="0">
+                <a:pos x="connsiteX37" y="connsiteY37"/>
+              </a:cxn>
+              <a:cxn ang="0">
+                <a:pos x="connsiteX38" y="connsiteY38"/>
+              </a:cxn>
+              <a:cxn ang="0">
+                <a:pos x="connsiteX39" y="connsiteY39"/>
+              </a:cxn>
+              <a:cxn ang="0">
+                <a:pos x="connsiteX40" y="connsiteY40"/>
+              </a:cxn>
+              <a:cxn ang="0">
+                <a:pos x="connsiteX41" y="connsiteY41"/>
+              </a:cxn>
+              <a:cxn ang="0">
+                <a:pos x="connsiteX42" y="connsiteY42"/>
+              </a:cxn>
+              <a:cxn ang="0">
+                <a:pos x="connsiteX43" y="connsiteY43"/>
+              </a:cxn>
+              <a:cxn ang="0">
+                <a:pos x="connsiteX44" y="connsiteY44"/>
+              </a:cxn>
+              <a:cxn ang="0">
+                <a:pos x="connsiteX45" y="connsiteY45"/>
+              </a:cxn>
+              <a:cxn ang="0">
+                <a:pos x="connsiteX46" y="connsiteY46"/>
+              </a:cxn>
+              <a:cxn ang="0">
+                <a:pos x="connsiteX47" y="connsiteY47"/>
+              </a:cxn>
+              <a:cxn ang="0">
+                <a:pos x="connsiteX48" y="connsiteY48"/>
+              </a:cxn>
+              <a:cxn ang="0">
+                <a:pos x="connsiteX49" y="connsiteY49"/>
+              </a:cxn>
+              <a:cxn ang="0">
+                <a:pos x="connsiteX50" y="connsiteY50"/>
+              </a:cxn>
+              <a:cxn ang="0">
+                <a:pos x="connsiteX51" y="connsiteY51"/>
+              </a:cxn>
+              <a:cxn ang="0">
+                <a:pos x="connsiteX52" y="connsiteY52"/>
+              </a:cxn>
+              <a:cxn ang="0">
+                <a:pos x="connsiteX53" y="connsiteY53"/>
+              </a:cxn>
+              <a:cxn ang="0">
+                <a:pos x="connsiteX54" y="connsiteY54"/>
+              </a:cxn>
+              <a:cxn ang="0">
+                <a:pos x="connsiteX55" y="connsiteY55"/>
+              </a:cxn>
+              <a:cxn ang="0">
+                <a:pos x="connsiteX56" y="connsiteY56"/>
+              </a:cxn>
+              <a:cxn ang="0">
+                <a:pos x="connsiteX57" y="connsiteY57"/>
+              </a:cxn>
+              <a:cxn ang="0">
+                <a:pos x="connsiteX58" y="connsiteY58"/>
+              </a:cxn>
+              <a:cxn ang="0">
+                <a:pos x="connsiteX59" y="connsiteY59"/>
+              </a:cxn>
+              <a:cxn ang="0">
+                <a:pos x="connsiteX60" y="connsiteY60"/>
+              </a:cxn>
+              <a:cxn ang="0">
+                <a:pos x="connsiteX61" y="connsiteY61"/>
+              </a:cxn>
+              <a:cxn ang="0">
+                <a:pos x="connsiteX62" y="connsiteY62"/>
+              </a:cxn>
+              <a:cxn ang="0">
+                <a:pos x="connsiteX63" y="connsiteY63"/>
+              </a:cxn>
+              <a:cxn ang="0">
+                <a:pos x="connsiteX64" y="connsiteY64"/>
+              </a:cxn>
+              <a:cxn ang="0">
+                <a:pos x="connsiteX65" y="connsiteY65"/>
+              </a:cxn>
+              <a:cxn ang="0">
+                <a:pos x="connsiteX66" y="connsiteY66"/>
+              </a:cxn>
+              <a:cxn ang="0">
+                <a:pos x="connsiteX67" y="connsiteY67"/>
+              </a:cxn>
+              <a:cxn ang="0">
+                <a:pos x="connsiteX68" y="connsiteY68"/>
+              </a:cxn>
+              <a:cxn ang="0">
+                <a:pos x="connsiteX69" y="connsiteY69"/>
+              </a:cxn>
+              <a:cxn ang="0">
+                <a:pos x="connsiteX70" y="connsiteY70"/>
+              </a:cxn>
+              <a:cxn ang="0">
+                <a:pos x="connsiteX71" y="connsiteY71"/>
+              </a:cxn>
+              <a:cxn ang="0">
+                <a:pos x="connsiteX72" y="connsiteY72"/>
+              </a:cxn>
+            </a:cxnLst>
+            <a:rect l="l" t="t" r="r" b="b"/>
+            <a:pathLst>
+              <a:path w="6184806" h="5154967">
+                <a:moveTo>
+                  <a:pt x="363179" y="3125191"/>
+                </a:moveTo>
+                <a:cubicBezTo>
+                  <a:pt x="363179" y="3125191"/>
+                  <a:pt x="363179" y="3125191"/>
+                  <a:pt x="898270" y="3125191"/>
+                </a:cubicBezTo>
+                <a:cubicBezTo>
+                  <a:pt x="931786" y="3125191"/>
+                  <a:pt x="964145" y="3143614"/>
+                  <a:pt x="980326" y="3173551"/>
+                </a:cubicBezTo>
+                <a:cubicBezTo>
+                  <a:pt x="980326" y="3173551"/>
+                  <a:pt x="980326" y="3173551"/>
+                  <a:pt x="1248448" y="3635277"/>
+                </a:cubicBezTo>
+                <a:cubicBezTo>
+                  <a:pt x="1265784" y="3664063"/>
+                  <a:pt x="1265784" y="3700909"/>
+                  <a:pt x="1248448" y="3729695"/>
+                </a:cubicBezTo>
+                <a:cubicBezTo>
+                  <a:pt x="1248448" y="3729695"/>
+                  <a:pt x="1248448" y="3729695"/>
+                  <a:pt x="980326" y="4191421"/>
+                </a:cubicBezTo>
+                <a:cubicBezTo>
+                  <a:pt x="964145" y="4221358"/>
+                  <a:pt x="931786" y="4239781"/>
+                  <a:pt x="898270" y="4239781"/>
+                </a:cubicBezTo>
+                <a:cubicBezTo>
+                  <a:pt x="898270" y="4239781"/>
+                  <a:pt x="898270" y="4239781"/>
+                  <a:pt x="363179" y="4239781"/>
+                </a:cubicBezTo>
+                <a:cubicBezTo>
+                  <a:pt x="328508" y="4239781"/>
+                  <a:pt x="297305" y="4221358"/>
+                  <a:pt x="279969" y="4191421"/>
+                </a:cubicBezTo>
+                <a:cubicBezTo>
+                  <a:pt x="279969" y="4191421"/>
+                  <a:pt x="279969" y="4191421"/>
+                  <a:pt x="13002" y="3729695"/>
+                </a:cubicBezTo>
+                <a:cubicBezTo>
+                  <a:pt x="-4334" y="3700909"/>
+                  <a:pt x="-4334" y="3664063"/>
+                  <a:pt x="13002" y="3635277"/>
+                </a:cubicBezTo>
+                <a:cubicBezTo>
+                  <a:pt x="13002" y="3635277"/>
+                  <a:pt x="13002" y="3635277"/>
+                  <a:pt x="279969" y="3173551"/>
+                </a:cubicBezTo>
+                <a:cubicBezTo>
+                  <a:pt x="297305" y="3143614"/>
+                  <a:pt x="328508" y="3125191"/>
+                  <a:pt x="363179" y="3125191"/>
+                </a:cubicBezTo>
+                <a:close/>
+                <a:moveTo>
+                  <a:pt x="2489721" y="570035"/>
+                </a:moveTo>
+                <a:cubicBezTo>
+                  <a:pt x="2489721" y="570035"/>
+                  <a:pt x="2489721" y="570035"/>
+                  <a:pt x="2764862" y="570035"/>
+                </a:cubicBezTo>
+                <a:lnTo>
+                  <a:pt x="2796959" y="570035"/>
+                </a:lnTo>
+                <a:lnTo>
+                  <a:pt x="2827587" y="622777"/>
+                </a:lnTo>
+                <a:cubicBezTo>
+                  <a:pt x="2870233" y="696217"/>
+                  <a:pt x="2919858" y="781675"/>
+                  <a:pt x="2977604" y="881117"/>
+                </a:cubicBezTo>
+                <a:cubicBezTo>
+                  <a:pt x="3004153" y="925204"/>
+                  <a:pt x="3004153" y="981634"/>
+                  <a:pt x="2977604" y="1025720"/>
+                </a:cubicBezTo>
+                <a:cubicBezTo>
+                  <a:pt x="2977604" y="1025720"/>
+                  <a:pt x="2977604" y="1025720"/>
+                  <a:pt x="2566968" y="1732863"/>
+                </a:cubicBezTo>
+                <a:cubicBezTo>
+                  <a:pt x="2542188" y="1778712"/>
+                  <a:pt x="2492629" y="1806927"/>
+                  <a:pt x="2441299" y="1806927"/>
+                </a:cubicBezTo>
+                <a:cubicBezTo>
+                  <a:pt x="2441299" y="1806927"/>
+                  <a:pt x="2441299" y="1806927"/>
+                  <a:pt x="1621798" y="1806927"/>
+                </a:cubicBezTo>
+                <a:cubicBezTo>
+                  <a:pt x="1608523" y="1806927"/>
+                  <a:pt x="1595580" y="1805163"/>
+                  <a:pt x="1583218" y="1801802"/>
+                </a:cubicBezTo>
+                <a:lnTo>
+                  <a:pt x="1556683" y="1790677"/>
+                </a:lnTo>
+                <a:lnTo>
+                  <a:pt x="1572899" y="1762630"/>
+                </a:lnTo>
+                <a:cubicBezTo>
+                  <a:pt x="1719523" y="1509042"/>
+                  <a:pt x="1907201" y="1184448"/>
+                  <a:pt x="2147429" y="768968"/>
+                </a:cubicBezTo>
+                <a:cubicBezTo>
+                  <a:pt x="2218739" y="645819"/>
+                  <a:pt x="2347099" y="570035"/>
+                  <a:pt x="2489721" y="570035"/>
+                </a:cubicBezTo>
+                <a:close/>
+                <a:moveTo>
+                  <a:pt x="1573268" y="0"/>
+                </a:moveTo>
+                <a:cubicBezTo>
+                  <a:pt x="1573268" y="0"/>
+                  <a:pt x="1573268" y="0"/>
+                  <a:pt x="2497662" y="0"/>
+                </a:cubicBezTo>
+                <a:cubicBezTo>
+                  <a:pt x="2555561" y="0"/>
+                  <a:pt x="2611463" y="31828"/>
+                  <a:pt x="2639415" y="83546"/>
+                </a:cubicBezTo>
+                <a:cubicBezTo>
+                  <a:pt x="2639415" y="83546"/>
+                  <a:pt x="2639415" y="83546"/>
+                  <a:pt x="2887862" y="511387"/>
+                </a:cubicBezTo>
+                <a:lnTo>
+                  <a:pt x="2915928" y="559720"/>
+                </a:lnTo>
+                <a:lnTo>
+                  <a:pt x="2893844" y="559720"/>
+                </a:lnTo>
+                <a:lnTo>
+                  <a:pt x="2789466" y="559720"/>
+                </a:lnTo>
+                <a:lnTo>
+                  <a:pt x="2744122" y="481634"/>
+                </a:lnTo>
+                <a:cubicBezTo>
+                  <a:pt x="2570885" y="183309"/>
+                  <a:pt x="2570885" y="183309"/>
+                  <a:pt x="2570885" y="183309"/>
+                </a:cubicBezTo>
+                <a:cubicBezTo>
+                  <a:pt x="2546104" y="137459"/>
+                  <a:pt x="2496545" y="109243"/>
+                  <a:pt x="2445216" y="109243"/>
+                </a:cubicBezTo>
+                <a:cubicBezTo>
+                  <a:pt x="1625714" y="109243"/>
+                  <a:pt x="1625714" y="109243"/>
+                  <a:pt x="1625714" y="109243"/>
+                </a:cubicBezTo>
+                <a:cubicBezTo>
+                  <a:pt x="1572615" y="109243"/>
+                  <a:pt x="1524825" y="137459"/>
+                  <a:pt x="1498276" y="183309"/>
+                </a:cubicBezTo>
+                <a:cubicBezTo>
+                  <a:pt x="1089410" y="890450"/>
+                  <a:pt x="1089410" y="890450"/>
+                  <a:pt x="1089410" y="890450"/>
+                </a:cubicBezTo>
+                <a:cubicBezTo>
+                  <a:pt x="1062860" y="934537"/>
+                  <a:pt x="1062860" y="990967"/>
+                  <a:pt x="1089410" y="1035054"/>
+                </a:cubicBezTo>
+                <a:cubicBezTo>
+                  <a:pt x="1498276" y="1742196"/>
+                  <a:pt x="1498276" y="1742196"/>
+                  <a:pt x="1498276" y="1742196"/>
+                </a:cubicBezTo>
+                <a:cubicBezTo>
+                  <a:pt x="1511551" y="1765121"/>
+                  <a:pt x="1530135" y="1783637"/>
+                  <a:pt x="1552039" y="1796422"/>
+                </a:cubicBezTo>
+                <a:lnTo>
+                  <a:pt x="1558260" y="1799029"/>
+                </a:lnTo>
+                <a:lnTo>
+                  <a:pt x="1524911" y="1856707"/>
+                </a:lnTo>
+                <a:lnTo>
+                  <a:pt x="1500108" y="1899604"/>
+                </a:lnTo>
+                <a:lnTo>
+                  <a:pt x="1525834" y="1910390"/>
+                </a:lnTo>
+                <a:cubicBezTo>
+                  <a:pt x="1539779" y="1914181"/>
+                  <a:pt x="1554378" y="1916170"/>
+                  <a:pt x="1569352" y="1916170"/>
+                </a:cubicBezTo>
+                <a:cubicBezTo>
+                  <a:pt x="2493745" y="1916170"/>
+                  <a:pt x="2493745" y="1916170"/>
+                  <a:pt x="2493745" y="1916170"/>
+                </a:cubicBezTo>
+                <a:cubicBezTo>
+                  <a:pt x="2551645" y="1916170"/>
+                  <a:pt x="2607546" y="1884345"/>
+                  <a:pt x="2635498" y="1832627"/>
+                </a:cubicBezTo>
+                <a:cubicBezTo>
+                  <a:pt x="3098693" y="1034974"/>
+                  <a:pt x="3098693" y="1034974"/>
+                  <a:pt x="3098693" y="1034974"/>
+                </a:cubicBezTo>
+                <a:cubicBezTo>
+                  <a:pt x="3128641" y="985246"/>
+                  <a:pt x="3128641" y="921593"/>
+                  <a:pt x="3098693" y="871863"/>
+                </a:cubicBezTo>
+                <a:cubicBezTo>
+                  <a:pt x="3040794" y="772157"/>
+                  <a:pt x="2990132" y="684914"/>
+                  <a:pt x="2945803" y="608576"/>
+                </a:cubicBezTo>
+                <a:lnTo>
+                  <a:pt x="2923422" y="570035"/>
+                </a:lnTo>
+                <a:lnTo>
+                  <a:pt x="3027104" y="570035"/>
+                </a:lnTo>
+                <a:cubicBezTo>
+                  <a:pt x="3349535" y="570035"/>
+                  <a:pt x="3865424" y="570035"/>
+                  <a:pt x="4690846" y="570035"/>
+                </a:cubicBezTo>
+                <a:cubicBezTo>
+                  <a:pt x="4828714" y="570035"/>
+                  <a:pt x="4961827" y="645819"/>
+                  <a:pt x="5028384" y="768968"/>
+                </a:cubicBezTo>
+                <a:cubicBezTo>
+                  <a:pt x="5028384" y="768968"/>
+                  <a:pt x="5028384" y="768968"/>
+                  <a:pt x="6131323" y="2668304"/>
+                </a:cubicBezTo>
+                <a:cubicBezTo>
+                  <a:pt x="6202634" y="2786717"/>
+                  <a:pt x="6202634" y="2938285"/>
+                  <a:pt x="6131323" y="3056698"/>
+                </a:cubicBezTo>
+                <a:cubicBezTo>
+                  <a:pt x="6131323" y="3056698"/>
+                  <a:pt x="6131323" y="3056698"/>
+                  <a:pt x="5028384" y="4956035"/>
+                </a:cubicBezTo>
+                <a:cubicBezTo>
+                  <a:pt x="4961827" y="5079184"/>
+                  <a:pt x="4828714" y="5154967"/>
+                  <a:pt x="4690846" y="5154967"/>
+                </a:cubicBezTo>
+                <a:cubicBezTo>
+                  <a:pt x="4690846" y="5154967"/>
+                  <a:pt x="4690846" y="5154967"/>
+                  <a:pt x="2489721" y="5154967"/>
+                </a:cubicBezTo>
+                <a:cubicBezTo>
+                  <a:pt x="2347099" y="5154967"/>
+                  <a:pt x="2218739" y="5079184"/>
+                  <a:pt x="2147429" y="4956035"/>
+                </a:cubicBezTo>
+                <a:cubicBezTo>
+                  <a:pt x="2147429" y="4956035"/>
+                  <a:pt x="2147429" y="4956035"/>
+                  <a:pt x="1049243" y="3056698"/>
+                </a:cubicBezTo>
+                <a:cubicBezTo>
+                  <a:pt x="977932" y="2938285"/>
+                  <a:pt x="977932" y="2786717"/>
+                  <a:pt x="1049243" y="2668304"/>
+                </a:cubicBezTo>
+                <a:cubicBezTo>
+                  <a:pt x="1049243" y="2668304"/>
+                  <a:pt x="1049243" y="2668304"/>
+                  <a:pt x="1457007" y="1963067"/>
+                </a:cubicBezTo>
+                <a:lnTo>
+                  <a:pt x="1491373" y="1903634"/>
+                </a:lnTo>
+                <a:lnTo>
+                  <a:pt x="1490164" y="1903127"/>
+                </a:lnTo>
+                <a:cubicBezTo>
+                  <a:pt x="1465456" y="1888705"/>
+                  <a:pt x="1444493" y="1867820"/>
+                  <a:pt x="1429519" y="1841960"/>
+                </a:cubicBezTo>
+                <a:cubicBezTo>
+                  <a:pt x="1429519" y="1841960"/>
+                  <a:pt x="1429519" y="1841960"/>
+                  <a:pt x="968320" y="1044307"/>
+                </a:cubicBezTo>
+                <a:cubicBezTo>
+                  <a:pt x="938371" y="994579"/>
+                  <a:pt x="938371" y="930926"/>
+                  <a:pt x="968320" y="881196"/>
+                </a:cubicBezTo>
+                <a:cubicBezTo>
+                  <a:pt x="968320" y="881196"/>
+                  <a:pt x="968320" y="881196"/>
+                  <a:pt x="1429519" y="83546"/>
+                </a:cubicBezTo>
+                <a:cubicBezTo>
+                  <a:pt x="1459466" y="31828"/>
+                  <a:pt x="1513373" y="0"/>
+                  <a:pt x="1573268" y="0"/>
+                </a:cubicBezTo>
+                <a:close/>
+              </a:path>
+            </a:pathLst>
+          </a:custGeom>
+          <a:solidFill>
+            <a:schemeClr val="tx1">
+              <a:lumMod val="50000"/>
+              <a:lumOff val="50000"/>
+              <a:alpha val="15000"/>
+            </a:schemeClr>
+          </a:solidFill>
+          <a:ln>
+            <a:noFill/>
+          </a:ln>
+        </p:spPr>
+        <p:style>
+          <a:lnRef idx="2">
+            <a:schemeClr val="accent1">
+              <a:shade val="50000"/>
+            </a:schemeClr>
+          </a:lnRef>
+          <a:fillRef idx="1">
+            <a:schemeClr val="accent1"/>
+          </a:fillRef>
+          <a:effectRef idx="0">
+            <a:schemeClr val="accent1"/>
+          </a:effectRef>
+          <a:fontRef idx="minor">
+            <a:schemeClr val="lt1"/>
+          </a:fontRef>
+        </p:style>
+        <p:txBody>
+          <a:bodyPr wrap="square" rtlCol="0" anchor="ctr">
+            <a:noAutofit/>
+          </a:bodyPr>
+          <a:lstStyle/>
+          <a:p>
+            <a:pPr algn="ctr"/>
+            <a:endParaRPr lang="en-US"/>
+          </a:p>
+        </p:txBody>
+      </p:sp>
+      <p:pic>
+        <p:nvPicPr>
+          <p:cNvPr id="7" name="Imagem 6" descr="Ícone&#10;&#10;Descrição gerada automaticamente">
+            <a:extLst>
+              <a:ext uri="{FF2B5EF4-FFF2-40B4-BE49-F238E27FC236}">
+                <a16:creationId xmlns:a16="http://schemas.microsoft.com/office/drawing/2014/main" id="{380C0845-E638-4E64-A8B2-6BF6123F1CB0}"/>
+              </a:ext>
+            </a:extLst>
+          </p:cNvPr>
+          <p:cNvPicPr>
+            <a:picLocks noChangeAspect="1"/>
+          </p:cNvPicPr>
+          <p:nvPr/>
+        </p:nvPicPr>
+        <p:blipFill>
+          <a:blip r:embed="rId2">
+            <a:extLst>
+              <a:ext uri="{28A0092B-C50C-407E-A947-70E740481C1C}">
+                <a14:useLocalDpi xmlns:a14="http://schemas.microsoft.com/office/drawing/2010/main" val="0"/>
+              </a:ext>
+            </a:extLst>
+          </a:blip>
+          <a:stretch>
+            <a:fillRect/>
+          </a:stretch>
+        </p:blipFill>
+        <p:spPr>
+          <a:xfrm>
+            <a:off x="7531503" y="2129307"/>
+            <a:ext cx="3217333" cy="3217333"/>
+          </a:xfrm>
+          <a:prstGeom prst="rect">
+            <a:avLst/>
+          </a:prstGeom>
+        </p:spPr>
+      </p:pic>
+    </p:spTree>
+    <p:extLst>
+      <p:ext uri="{BB962C8B-B14F-4D97-AF65-F5344CB8AC3E}">
+        <p14:creationId xmlns:p14="http://schemas.microsoft.com/office/powerpoint/2010/main" val="2208674123"/>
       </p:ext>
     </p:extLst>
   </p:cSld>
@@ -23637,6 +24734,290 @@
     <p:extLst>
       <p:ext uri="{BB962C8B-B14F-4D97-AF65-F5344CB8AC3E}">
         <p14:creationId xmlns:p14="http://schemas.microsoft.com/office/powerpoint/2010/main" val="3567459859"/>
+      </p:ext>
+    </p:extLst>
+  </p:cSld>
+  <p:clrMapOvr>
+    <a:masterClrMapping/>
+  </p:clrMapOvr>
+</p:sld>
+</file>
+
+<file path=ppt/slides/slide50.xml><?xml version="1.0" encoding="utf-8"?>
+<p:sld xmlns:a="http://schemas.openxmlformats.org/drawingml/2006/main" xmlns:r="http://schemas.openxmlformats.org/officeDocument/2006/relationships" xmlns:p="http://schemas.openxmlformats.org/presentationml/2006/main">
+  <p:cSld>
+    <p:spTree>
+      <p:nvGrpSpPr>
+        <p:cNvPr id="1" name=""/>
+        <p:cNvGrpSpPr/>
+        <p:nvPr/>
+      </p:nvGrpSpPr>
+      <p:grpSpPr>
+        <a:xfrm>
+          <a:off x="0" y="0"/>
+          <a:ext cx="0" cy="0"/>
+          <a:chOff x="0" y="0"/>
+          <a:chExt cx="0" cy="0"/>
+        </a:xfrm>
+      </p:grpSpPr>
+      <p:sp>
+        <p:nvSpPr>
+          <p:cNvPr id="2" name="Título 1">
+            <a:extLst>
+              <a:ext uri="{FF2B5EF4-FFF2-40B4-BE49-F238E27FC236}">
+                <a16:creationId xmlns:a16="http://schemas.microsoft.com/office/drawing/2014/main" id="{9A0CB290-6B69-45F0-908B-3D50CD709B01}"/>
+              </a:ext>
+            </a:extLst>
+          </p:cNvPr>
+          <p:cNvSpPr>
+            <a:spLocks noGrp="1"/>
+          </p:cNvSpPr>
+          <p:nvPr>
+            <p:ph type="title"/>
+          </p:nvPr>
+        </p:nvSpPr>
+        <p:spPr/>
+        <p:txBody>
+          <a:bodyPr>
+            <a:normAutofit fontScale="90000"/>
+          </a:bodyPr>
+          <a:lstStyle/>
+          <a:p>
+            <a:r>
+              <a:rPr lang="pt-BR" b="1" dirty="0"/>
+              <a:t>Site </a:t>
+            </a:r>
+            <a:r>
+              <a:rPr lang="pt-BR" b="1" dirty="0" err="1"/>
+              <a:t>Refs</a:t>
+            </a:r>
+            <a:r>
+              <a:rPr lang="pt-BR" b="1" dirty="0"/>
+              <a:t> </a:t>
+            </a:r>
+            <a:r>
+              <a:rPr lang="pt-BR" b="1" dirty="0" err="1"/>
+              <a:t>Obrasutils</a:t>
+            </a:r>
+            <a:br>
+              <a:rPr lang="pt-BR" dirty="0"/>
+            </a:br>
+            <a:endParaRPr lang="pt-BR" dirty="0"/>
+          </a:p>
+        </p:txBody>
+      </p:sp>
+      <p:sp>
+        <p:nvSpPr>
+          <p:cNvPr id="9" name="Espaço Reservado para Texto 8">
+            <a:extLst>
+              <a:ext uri="{FF2B5EF4-FFF2-40B4-BE49-F238E27FC236}">
+                <a16:creationId xmlns:a16="http://schemas.microsoft.com/office/drawing/2014/main" id="{E1E67D10-0AC5-4E4A-9AA4-CAD40D4E41A0}"/>
+              </a:ext>
+            </a:extLst>
+          </p:cNvPr>
+          <p:cNvSpPr>
+            <a:spLocks noGrp="1"/>
+          </p:cNvSpPr>
+          <p:nvPr>
+            <p:ph type="body" sz="half" idx="2"/>
+          </p:nvPr>
+        </p:nvSpPr>
+        <p:spPr/>
+        <p:txBody>
+          <a:bodyPr>
+            <a:normAutofit/>
+          </a:bodyPr>
+          <a:lstStyle/>
+          <a:p>
+            <a:r>
+              <a:rPr lang="pt-BR" sz="2000" b="1" dirty="0">
+                <a:latin typeface="Courier New" panose="02070309020205020404" pitchFamily="49" charset="0"/>
+                <a:cs typeface="Courier New" panose="02070309020205020404" pitchFamily="49" charset="0"/>
+              </a:rPr>
+              <a:t>$ site </a:t>
+            </a:r>
+            <a:r>
+              <a:rPr lang="pt-BR" sz="2000" b="1" dirty="0" err="1">
+                <a:latin typeface="Courier New" panose="02070309020205020404" pitchFamily="49" charset="0"/>
+                <a:cs typeface="Courier New" panose="02070309020205020404" pitchFamily="49" charset="0"/>
+              </a:rPr>
+              <a:t>refs</a:t>
+            </a:r>
+            <a:r>
+              <a:rPr lang="pt-BR" sz="2000" b="1" dirty="0">
+                <a:latin typeface="Courier New" panose="02070309020205020404" pitchFamily="49" charset="0"/>
+                <a:cs typeface="Courier New" panose="02070309020205020404" pitchFamily="49" charset="0"/>
+              </a:rPr>
+              <a:t> </a:t>
+            </a:r>
+            <a:r>
+              <a:rPr lang="pt-BR" sz="2000" b="1" dirty="0" err="1">
+                <a:latin typeface="Courier New" panose="02070309020205020404" pitchFamily="49" charset="0"/>
+                <a:cs typeface="Courier New" panose="02070309020205020404" pitchFamily="49" charset="0"/>
+              </a:rPr>
+              <a:t>obrasutils</a:t>
+            </a:r>
+            <a:br>
+              <a:rPr lang="pt-BR" sz="2000" b="1" dirty="0">
+                <a:latin typeface="Courier New" panose="02070309020205020404" pitchFamily="49" charset="0"/>
+                <a:cs typeface="Courier New" panose="02070309020205020404" pitchFamily="49" charset="0"/>
+              </a:rPr>
+            </a:br>
+            <a:r>
+              <a:rPr lang="pt-BR" sz="2000" b="1" dirty="0">
+                <a:latin typeface="Courier New" panose="02070309020205020404" pitchFamily="49" charset="0"/>
+                <a:cs typeface="Courier New" panose="02070309020205020404" pitchFamily="49" charset="0"/>
+              </a:rPr>
+              <a:t>:</a:t>
+            </a:r>
+          </a:p>
+          <a:p>
+            <a:r>
+              <a:rPr lang="pt-BR" sz="2000" b="1" dirty="0">
+                <a:latin typeface="Courier New" panose="02070309020205020404" pitchFamily="49" charset="0"/>
+                <a:cs typeface="Courier New" panose="02070309020205020404" pitchFamily="49" charset="0"/>
+              </a:rPr>
+              <a:t>$ site </a:t>
+            </a:r>
+            <a:r>
+              <a:rPr lang="pt-BR" sz="2000" b="1" dirty="0" err="1">
+                <a:latin typeface="Courier New" panose="02070309020205020404" pitchFamily="49" charset="0"/>
+                <a:cs typeface="Courier New" panose="02070309020205020404" pitchFamily="49" charset="0"/>
+              </a:rPr>
+              <a:t>refs</a:t>
+            </a:r>
+            <a:r>
+              <a:rPr lang="pt-BR" sz="2000" b="1" dirty="0">
+                <a:latin typeface="Courier New" panose="02070309020205020404" pitchFamily="49" charset="0"/>
+                <a:cs typeface="Courier New" panose="02070309020205020404" pitchFamily="49" charset="0"/>
+              </a:rPr>
+              <a:t> </a:t>
+            </a:r>
+            <a:r>
+              <a:rPr lang="pt-BR" sz="2000" b="1" dirty="0" err="1">
+                <a:latin typeface="Courier New" panose="02070309020205020404" pitchFamily="49" charset="0"/>
+                <a:cs typeface="Courier New" panose="02070309020205020404" pitchFamily="49" charset="0"/>
+              </a:rPr>
+              <a:t>obrasutils</a:t>
+            </a:r>
+            <a:r>
+              <a:rPr lang="pt-BR" sz="2000" b="1" dirty="0">
+                <a:latin typeface="Courier New" panose="02070309020205020404" pitchFamily="49" charset="0"/>
+                <a:cs typeface="Courier New" panose="02070309020205020404" pitchFamily="49" charset="0"/>
+              </a:rPr>
+              <a:t> tools</a:t>
+            </a:r>
+            <a:br>
+              <a:rPr lang="pt-BR" sz="2000" b="1" dirty="0">
+                <a:latin typeface="Courier New" panose="02070309020205020404" pitchFamily="49" charset="0"/>
+                <a:cs typeface="Courier New" panose="02070309020205020404" pitchFamily="49" charset="0"/>
+              </a:rPr>
+            </a:br>
+            <a:r>
+              <a:rPr lang="pt-BR" sz="2000" b="1" dirty="0">
+                <a:latin typeface="Courier New" panose="02070309020205020404" pitchFamily="49" charset="0"/>
+                <a:cs typeface="Courier New" panose="02070309020205020404" pitchFamily="49" charset="0"/>
+              </a:rPr>
+              <a:t>:</a:t>
+            </a:r>
+            <a:br>
+              <a:rPr lang="pt-BR" sz="2000" b="1" dirty="0">
+                <a:latin typeface="Courier New" panose="02070309020205020404" pitchFamily="49" charset="0"/>
+                <a:cs typeface="Courier New" panose="02070309020205020404" pitchFamily="49" charset="0"/>
+              </a:rPr>
+            </a:br>
+            <a:br>
+              <a:rPr lang="pt-BR" sz="2000" b="1" dirty="0">
+                <a:latin typeface="Courier New" panose="02070309020205020404" pitchFamily="49" charset="0"/>
+                <a:cs typeface="Courier New" panose="02070309020205020404" pitchFamily="49" charset="0"/>
+              </a:rPr>
+            </a:br>
+            <a:r>
+              <a:rPr lang="pt-BR" sz="2000" b="1" dirty="0">
+                <a:latin typeface="Courier New" panose="02070309020205020404" pitchFamily="49" charset="0"/>
+                <a:cs typeface="Courier New" panose="02070309020205020404" pitchFamily="49" charset="0"/>
+              </a:rPr>
+              <a:t>$ site </a:t>
+            </a:r>
+            <a:r>
+              <a:rPr lang="pt-BR" sz="2000" b="1" dirty="0" err="1">
+                <a:latin typeface="Courier New" panose="02070309020205020404" pitchFamily="49" charset="0"/>
+                <a:cs typeface="Courier New" panose="02070309020205020404" pitchFamily="49" charset="0"/>
+              </a:rPr>
+              <a:t>refs</a:t>
+            </a:r>
+            <a:r>
+              <a:rPr lang="pt-BR" sz="2000" b="1" dirty="0">
+                <a:latin typeface="Courier New" panose="02070309020205020404" pitchFamily="49" charset="0"/>
+                <a:cs typeface="Courier New" panose="02070309020205020404" pitchFamily="49" charset="0"/>
+              </a:rPr>
+              <a:t> </a:t>
+            </a:r>
+            <a:r>
+              <a:rPr lang="pt-BR" sz="2000" b="1" dirty="0" err="1">
+                <a:latin typeface="Courier New" panose="02070309020205020404" pitchFamily="49" charset="0"/>
+                <a:cs typeface="Courier New" panose="02070309020205020404" pitchFamily="49" charset="0"/>
+              </a:rPr>
+              <a:t>obrasutils</a:t>
+            </a:r>
+            <a:r>
+              <a:rPr lang="pt-BR" sz="2000" b="1" dirty="0">
+                <a:latin typeface="Courier New" panose="02070309020205020404" pitchFamily="49" charset="0"/>
+                <a:cs typeface="Courier New" panose="02070309020205020404" pitchFamily="49" charset="0"/>
+              </a:rPr>
+              <a:t> </a:t>
+            </a:r>
+            <a:r>
+              <a:rPr lang="pt-BR" sz="2000" b="1" dirty="0" err="1">
+                <a:latin typeface="Courier New" panose="02070309020205020404" pitchFamily="49" charset="0"/>
+                <a:cs typeface="Courier New" panose="02070309020205020404" pitchFamily="49" charset="0"/>
+              </a:rPr>
+              <a:t>ssh</a:t>
+            </a:r>
+            <a:br>
+              <a:rPr lang="pt-BR" sz="2000" b="1" dirty="0">
+                <a:latin typeface="Courier New" panose="02070309020205020404" pitchFamily="49" charset="0"/>
+                <a:cs typeface="Courier New" panose="02070309020205020404" pitchFamily="49" charset="0"/>
+              </a:rPr>
+            </a:br>
+            <a:r>
+              <a:rPr lang="pt-BR" sz="2000" b="1" dirty="0">
+                <a:latin typeface="Courier New" panose="02070309020205020404" pitchFamily="49" charset="0"/>
+                <a:cs typeface="Courier New" panose="02070309020205020404" pitchFamily="49" charset="0"/>
+              </a:rPr>
+              <a:t>:</a:t>
+            </a:r>
+            <a:endParaRPr lang="pt-BR" sz="2000" dirty="0"/>
+          </a:p>
+        </p:txBody>
+      </p:sp>
+      <p:pic>
+        <p:nvPicPr>
+          <p:cNvPr id="12" name="Espaço Reservado para Imagem 11">
+            <a:extLst>
+              <a:ext uri="{FF2B5EF4-FFF2-40B4-BE49-F238E27FC236}">
+                <a16:creationId xmlns:a16="http://schemas.microsoft.com/office/drawing/2014/main" id="{63A55D9E-F3AE-4517-896F-99DEB4D9BFA7}"/>
+              </a:ext>
+            </a:extLst>
+          </p:cNvPr>
+          <p:cNvPicPr>
+            <a:picLocks noGrp="1" noChangeAspect="1"/>
+          </p:cNvPicPr>
+          <p:nvPr>
+            <p:ph type="pic" idx="1"/>
+          </p:nvPr>
+        </p:nvPicPr>
+        <p:blipFill rotWithShape="1">
+          <a:blip r:embed="rId2"/>
+          <a:srcRect t="27" b="27"/>
+          <a:stretch/>
+        </p:blipFill>
+        <p:spPr/>
+      </p:pic>
+    </p:spTree>
+    <p:extLst>
+      <p:ext uri="{BB962C8B-B14F-4D97-AF65-F5344CB8AC3E}">
+        <p14:creationId xmlns:p14="http://schemas.microsoft.com/office/powerpoint/2010/main" val="505473492"/>
       </p:ext>
     </p:extLst>
   </p:cSld>
